--- a/loca_virt_draft.pptx
+++ b/loca_virt_draft.pptx
@@ -3994,7 +3994,7 @@
           <a:bodyPr/>
           <a:lstStyle/>
           <a:p>
-            <a:endParaRPr lang="en-US"/>
+            <a:endParaRPr lang="en-US" dirty="0"/>
           </a:p>
         </p:txBody>
       </p:sp>
@@ -4226,43 +4226,10 @@
       </p:grpSpPr>
       <p:sp>
         <p:nvSpPr>
-          <p:cNvPr id="2" name="Title 1">
-            <a:extLst>
-              <a:ext uri="{FF2B5EF4-FFF2-40B4-BE49-F238E27FC236}">
-                <a16:creationId xmlns:a16="http://schemas.microsoft.com/office/drawing/2014/main" id="{1436E3A8-2DA9-F349-C2DD-2E1E92909A45}"/>
-              </a:ext>
-            </a:extLst>
-          </p:cNvPr>
-          <p:cNvSpPr>
-            <a:spLocks noGrp="1"/>
-          </p:cNvSpPr>
-          <p:nvPr>
-            <p:ph type="title"/>
-          </p:nvPr>
-        </p:nvSpPr>
-        <p:spPr>
-          <a:xfrm>
-            <a:off x="778582" y="32633"/>
-            <a:ext cx="10515600" cy="1325563"/>
-          </a:xfrm>
-        </p:spPr>
-        <p:txBody>
-          <a:bodyPr/>
-          <a:lstStyle/>
-          <a:p>
-            <a:r>
-              <a:rPr lang="en-US" dirty="0"/>
-              <a:t>Location Virtualization for AMD64 Memory</a:t>
-            </a:r>
-          </a:p>
-        </p:txBody>
-      </p:sp>
-      <p:sp>
-        <p:nvSpPr>
-          <p:cNvPr id="5" name="Alternate Process 4">
-            <a:extLst>
-              <a:ext uri="{FF2B5EF4-FFF2-40B4-BE49-F238E27FC236}">
-                <a16:creationId xmlns:a16="http://schemas.microsoft.com/office/drawing/2014/main" id="{70E089E4-58FE-E6E8-EB07-E726EB8D1BCB}"/>
+          <p:cNvPr id="11" name="Alternate Process 10">
+            <a:extLst>
+              <a:ext uri="{FF2B5EF4-FFF2-40B4-BE49-F238E27FC236}">
+                <a16:creationId xmlns:a16="http://schemas.microsoft.com/office/drawing/2014/main" id="{0B3C256F-96D5-CBE6-F800-D49BFFF29098}"/>
               </a:ext>
             </a:extLst>
           </p:cNvPr>
@@ -4271,8 +4238,8 @@
         </p:nvSpPr>
         <p:spPr>
           <a:xfrm>
-            <a:off x="75081" y="1364019"/>
-            <a:ext cx="865071" cy="658775"/>
+            <a:off x="2400447" y="2560320"/>
+            <a:ext cx="981803" cy="2908258"/>
           </a:xfrm>
           <a:prstGeom prst="flowChartAlternateProcess">
             <a:avLst/>
@@ -4306,10 +4273,10 @@
       </p:sp>
       <p:sp>
         <p:nvSpPr>
-          <p:cNvPr id="6" name="Alternate Process 5">
-            <a:extLst>
-              <a:ext uri="{FF2B5EF4-FFF2-40B4-BE49-F238E27FC236}">
-                <a16:creationId xmlns:a16="http://schemas.microsoft.com/office/drawing/2014/main" id="{C18D89F8-2E26-B626-80B4-B352F370C81E}"/>
+          <p:cNvPr id="12" name="Alternate Process 11">
+            <a:extLst>
+              <a:ext uri="{FF2B5EF4-FFF2-40B4-BE49-F238E27FC236}">
+                <a16:creationId xmlns:a16="http://schemas.microsoft.com/office/drawing/2014/main" id="{86DF122B-4671-60E7-67F8-8BFD148C9C88}"/>
               </a:ext>
             </a:extLst>
           </p:cNvPr>
@@ -4318,8 +4285,8 @@
         </p:nvSpPr>
         <p:spPr>
           <a:xfrm>
-            <a:off x="3064702" y="1364019"/>
-            <a:ext cx="2035618" cy="658775"/>
+            <a:off x="4028314" y="2582063"/>
+            <a:ext cx="981803" cy="2908258"/>
           </a:xfrm>
           <a:prstGeom prst="flowChartAlternateProcess">
             <a:avLst/>
@@ -4353,10 +4320,10 @@
       </p:sp>
       <p:sp>
         <p:nvSpPr>
-          <p:cNvPr id="7" name="Alternate Process 6">
-            <a:extLst>
-              <a:ext uri="{FF2B5EF4-FFF2-40B4-BE49-F238E27FC236}">
-                <a16:creationId xmlns:a16="http://schemas.microsoft.com/office/drawing/2014/main" id="{4F8B845D-DEDD-7936-3C6C-A8A7CD15FB88}"/>
+          <p:cNvPr id="13" name="Alternate Process 12">
+            <a:extLst>
+              <a:ext uri="{FF2B5EF4-FFF2-40B4-BE49-F238E27FC236}">
+                <a16:creationId xmlns:a16="http://schemas.microsoft.com/office/drawing/2014/main" id="{C893918D-04C5-2839-3712-17AEBC8E35C4}"/>
               </a:ext>
             </a:extLst>
           </p:cNvPr>
@@ -4365,8 +4332,8 @@
         </p:nvSpPr>
         <p:spPr>
           <a:xfrm>
-            <a:off x="5106861" y="1364019"/>
-            <a:ext cx="2035617" cy="658775"/>
+            <a:off x="5833880" y="2560320"/>
+            <a:ext cx="981803" cy="2908258"/>
           </a:xfrm>
           <a:prstGeom prst="flowChartAlternateProcess">
             <a:avLst/>
@@ -4400,10 +4367,10 @@
       </p:sp>
       <p:sp>
         <p:nvSpPr>
-          <p:cNvPr id="8" name="Alternate Process 7">
-            <a:extLst>
-              <a:ext uri="{FF2B5EF4-FFF2-40B4-BE49-F238E27FC236}">
-                <a16:creationId xmlns:a16="http://schemas.microsoft.com/office/drawing/2014/main" id="{064FC7B0-6C6F-5AE0-D8F7-955E933F3576}"/>
+          <p:cNvPr id="14" name="Alternate Process 13">
+            <a:extLst>
+              <a:ext uri="{FF2B5EF4-FFF2-40B4-BE49-F238E27FC236}">
+                <a16:creationId xmlns:a16="http://schemas.microsoft.com/office/drawing/2014/main" id="{DEC875B5-C1DE-88E2-2375-461A26FA0CA2}"/>
               </a:ext>
             </a:extLst>
           </p:cNvPr>
@@ -4412,8 +4379,8 @@
         </p:nvSpPr>
         <p:spPr>
           <a:xfrm>
-            <a:off x="7141991" y="1373440"/>
-            <a:ext cx="2035617" cy="658775"/>
+            <a:off x="7484051" y="2560320"/>
+            <a:ext cx="981803" cy="2908258"/>
           </a:xfrm>
           <a:prstGeom prst="flowChartAlternateProcess">
             <a:avLst/>
@@ -4447,10 +4414,10 @@
       </p:sp>
       <p:sp>
         <p:nvSpPr>
-          <p:cNvPr id="9" name="Alternate Process 8">
-            <a:extLst>
-              <a:ext uri="{FF2B5EF4-FFF2-40B4-BE49-F238E27FC236}">
-                <a16:creationId xmlns:a16="http://schemas.microsoft.com/office/drawing/2014/main" id="{1DD6B716-1B63-80D0-918D-EAE3BBC6ADE6}"/>
+          <p:cNvPr id="15" name="Alternate Process 14">
+            <a:extLst>
+              <a:ext uri="{FF2B5EF4-FFF2-40B4-BE49-F238E27FC236}">
+                <a16:creationId xmlns:a16="http://schemas.microsoft.com/office/drawing/2014/main" id="{BBD7CDF0-979A-1ADC-45E0-3F1D5E0D6766}"/>
               </a:ext>
             </a:extLst>
           </p:cNvPr>
@@ -4459,8 +4426,8 @@
         </p:nvSpPr>
         <p:spPr>
           <a:xfrm>
-            <a:off x="9178925" y="1364019"/>
-            <a:ext cx="2035616" cy="658775"/>
+            <a:off x="9149749" y="2560320"/>
+            <a:ext cx="981803" cy="2908258"/>
           </a:xfrm>
           <a:prstGeom prst="flowChartAlternateProcess">
             <a:avLst/>
@@ -4494,10 +4461,10 @@
       </p:sp>
       <p:sp>
         <p:nvSpPr>
-          <p:cNvPr id="10" name="Alternate Process 9">
-            <a:extLst>
-              <a:ext uri="{FF2B5EF4-FFF2-40B4-BE49-F238E27FC236}">
-                <a16:creationId xmlns:a16="http://schemas.microsoft.com/office/drawing/2014/main" id="{A809EF63-DD11-2356-A12F-7EEBDB62B392}"/>
+          <p:cNvPr id="61" name="Alternate Process 60">
+            <a:extLst>
+              <a:ext uri="{FF2B5EF4-FFF2-40B4-BE49-F238E27FC236}">
+                <a16:creationId xmlns:a16="http://schemas.microsoft.com/office/drawing/2014/main" id="{FA4F5C2C-BB19-A7CF-224C-BD8CEB5834CD}"/>
               </a:ext>
             </a:extLst>
           </p:cNvPr>
@@ -4506,8 +4473,8 @@
         </p:nvSpPr>
         <p:spPr>
           <a:xfrm>
-            <a:off x="941470" y="1364019"/>
-            <a:ext cx="2114595" cy="658775"/>
+            <a:off x="2415333" y="3595251"/>
+            <a:ext cx="981803" cy="575109"/>
           </a:xfrm>
           <a:prstGeom prst="flowChartAlternateProcess">
             <a:avLst/>
@@ -4541,10 +4508,45 @@
       </p:sp>
       <p:sp>
         <p:nvSpPr>
-          <p:cNvPr id="11" name="Alternate Process 10">
-            <a:extLst>
-              <a:ext uri="{FF2B5EF4-FFF2-40B4-BE49-F238E27FC236}">
-                <a16:creationId xmlns:a16="http://schemas.microsoft.com/office/drawing/2014/main" id="{0B3C256F-96D5-CBE6-F800-D49BFFF29098}"/>
+          <p:cNvPr id="62" name="TextBox 61">
+            <a:extLst>
+              <a:ext uri="{FF2B5EF4-FFF2-40B4-BE49-F238E27FC236}">
+                <a16:creationId xmlns:a16="http://schemas.microsoft.com/office/drawing/2014/main" id="{DD9ADE95-07F8-D348-5C53-E60C221AA86F}"/>
+              </a:ext>
+            </a:extLst>
+          </p:cNvPr>
+          <p:cNvSpPr txBox="1"/>
+          <p:nvPr/>
+        </p:nvSpPr>
+        <p:spPr>
+          <a:xfrm>
+            <a:off x="2485137" y="3692336"/>
+            <a:ext cx="882632" cy="307777"/>
+          </a:xfrm>
+          <a:prstGeom prst="rect">
+            <a:avLst/>
+          </a:prstGeom>
+          <a:noFill/>
+        </p:spPr>
+        <p:txBody>
+          <a:bodyPr wrap="square" rtlCol="0">
+            <a:spAutoFit/>
+          </a:bodyPr>
+          <a:lstStyle/>
+          <a:p>
+            <a:r>
+              <a:rPr lang="en-US" sz="1400" dirty="0"/>
+              <a:t>L4-Entry</a:t>
+            </a:r>
+          </a:p>
+        </p:txBody>
+      </p:sp>
+      <p:sp>
+        <p:nvSpPr>
+          <p:cNvPr id="63" name="Alternate Process 62">
+            <a:extLst>
+              <a:ext uri="{FF2B5EF4-FFF2-40B4-BE49-F238E27FC236}">
+                <a16:creationId xmlns:a16="http://schemas.microsoft.com/office/drawing/2014/main" id="{7BA9AB57-ED76-8113-5343-BEAE93B036A8}"/>
               </a:ext>
             </a:extLst>
           </p:cNvPr>
@@ -4553,8 +4555,8 @@
         </p:nvSpPr>
         <p:spPr>
           <a:xfrm>
-            <a:off x="809390" y="2265679"/>
-            <a:ext cx="1387365" cy="3202900"/>
+            <a:off x="4036196" y="3251234"/>
+            <a:ext cx="981803" cy="575109"/>
           </a:xfrm>
           <a:prstGeom prst="flowChartAlternateProcess">
             <a:avLst/>
@@ -4588,10 +4590,45 @@
       </p:sp>
       <p:sp>
         <p:nvSpPr>
-          <p:cNvPr id="12" name="Alternate Process 11">
-            <a:extLst>
-              <a:ext uri="{FF2B5EF4-FFF2-40B4-BE49-F238E27FC236}">
-                <a16:creationId xmlns:a16="http://schemas.microsoft.com/office/drawing/2014/main" id="{86DF122B-4671-60E7-67F8-8BFD148C9C88}"/>
+          <p:cNvPr id="64" name="TextBox 63">
+            <a:extLst>
+              <a:ext uri="{FF2B5EF4-FFF2-40B4-BE49-F238E27FC236}">
+                <a16:creationId xmlns:a16="http://schemas.microsoft.com/office/drawing/2014/main" id="{F9114B43-DD06-5C23-CAF4-E68B003E329E}"/>
+              </a:ext>
+            </a:extLst>
+          </p:cNvPr>
+          <p:cNvSpPr txBox="1"/>
+          <p:nvPr/>
+        </p:nvSpPr>
+        <p:spPr>
+          <a:xfrm>
+            <a:off x="4106000" y="3348319"/>
+            <a:ext cx="882632" cy="307777"/>
+          </a:xfrm>
+          <a:prstGeom prst="rect">
+            <a:avLst/>
+          </a:prstGeom>
+          <a:noFill/>
+        </p:spPr>
+        <p:txBody>
+          <a:bodyPr wrap="square" rtlCol="0">
+            <a:spAutoFit/>
+          </a:bodyPr>
+          <a:lstStyle/>
+          <a:p>
+            <a:r>
+              <a:rPr lang="en-US" sz="1400" dirty="0"/>
+              <a:t>L3-Entry</a:t>
+            </a:r>
+          </a:p>
+        </p:txBody>
+      </p:sp>
+      <p:sp>
+        <p:nvSpPr>
+          <p:cNvPr id="65" name="Alternate Process 64">
+            <a:extLst>
+              <a:ext uri="{FF2B5EF4-FFF2-40B4-BE49-F238E27FC236}">
+                <a16:creationId xmlns:a16="http://schemas.microsoft.com/office/drawing/2014/main" id="{B1B421CA-A22D-A797-B3C9-DBBD25291D48}"/>
               </a:ext>
             </a:extLst>
           </p:cNvPr>
@@ -4600,8 +4637,8 @@
         </p:nvSpPr>
         <p:spPr>
           <a:xfrm>
-            <a:off x="3132874" y="2265679"/>
-            <a:ext cx="1387365" cy="3202900"/>
+            <a:off x="5835195" y="3786868"/>
+            <a:ext cx="981803" cy="575109"/>
           </a:xfrm>
           <a:prstGeom prst="flowChartAlternateProcess">
             <a:avLst/>
@@ -4635,10 +4672,45 @@
       </p:sp>
       <p:sp>
         <p:nvSpPr>
-          <p:cNvPr id="13" name="Alternate Process 12">
-            <a:extLst>
-              <a:ext uri="{FF2B5EF4-FFF2-40B4-BE49-F238E27FC236}">
-                <a16:creationId xmlns:a16="http://schemas.microsoft.com/office/drawing/2014/main" id="{C893918D-04C5-2839-3712-17AEBC8E35C4}"/>
+          <p:cNvPr id="66" name="TextBox 65">
+            <a:extLst>
+              <a:ext uri="{FF2B5EF4-FFF2-40B4-BE49-F238E27FC236}">
+                <a16:creationId xmlns:a16="http://schemas.microsoft.com/office/drawing/2014/main" id="{1844243B-5CE9-F9D2-B28F-BC852CF2C3EB}"/>
+              </a:ext>
+            </a:extLst>
+          </p:cNvPr>
+          <p:cNvSpPr txBox="1"/>
+          <p:nvPr/>
+        </p:nvSpPr>
+        <p:spPr>
+          <a:xfrm>
+            <a:off x="5904999" y="3883953"/>
+            <a:ext cx="882632" cy="307777"/>
+          </a:xfrm>
+          <a:prstGeom prst="rect">
+            <a:avLst/>
+          </a:prstGeom>
+          <a:noFill/>
+        </p:spPr>
+        <p:txBody>
+          <a:bodyPr wrap="square" rtlCol="0">
+            <a:spAutoFit/>
+          </a:bodyPr>
+          <a:lstStyle/>
+          <a:p>
+            <a:r>
+              <a:rPr lang="en-US" sz="1400" dirty="0"/>
+              <a:t>L2-Entry</a:t>
+            </a:r>
+          </a:p>
+        </p:txBody>
+      </p:sp>
+      <p:sp>
+        <p:nvSpPr>
+          <p:cNvPr id="67" name="Alternate Process 66">
+            <a:extLst>
+              <a:ext uri="{FF2B5EF4-FFF2-40B4-BE49-F238E27FC236}">
+                <a16:creationId xmlns:a16="http://schemas.microsoft.com/office/drawing/2014/main" id="{8C9F6036-3153-BC2B-E931-626D799678F0}"/>
               </a:ext>
             </a:extLst>
           </p:cNvPr>
@@ -4647,8 +4719,8 @@
         </p:nvSpPr>
         <p:spPr>
           <a:xfrm>
-            <a:off x="5354321" y="2287422"/>
-            <a:ext cx="1387365" cy="3202900"/>
+            <a:off x="7487205" y="3320931"/>
+            <a:ext cx="981803" cy="575109"/>
           </a:xfrm>
           <a:prstGeom prst="flowChartAlternateProcess">
             <a:avLst/>
@@ -4682,10 +4754,45 @@
       </p:sp>
       <p:sp>
         <p:nvSpPr>
-          <p:cNvPr id="14" name="Alternate Process 13">
-            <a:extLst>
-              <a:ext uri="{FF2B5EF4-FFF2-40B4-BE49-F238E27FC236}">
-                <a16:creationId xmlns:a16="http://schemas.microsoft.com/office/drawing/2014/main" id="{DEC875B5-C1DE-88E2-2375-461A26FA0CA2}"/>
+          <p:cNvPr id="68" name="TextBox 67">
+            <a:extLst>
+              <a:ext uri="{FF2B5EF4-FFF2-40B4-BE49-F238E27FC236}">
+                <a16:creationId xmlns:a16="http://schemas.microsoft.com/office/drawing/2014/main" id="{1CAABBDC-D4EF-F982-CC4D-B4BD5F6BD2F3}"/>
+              </a:ext>
+            </a:extLst>
+          </p:cNvPr>
+          <p:cNvSpPr txBox="1"/>
+          <p:nvPr/>
+        </p:nvSpPr>
+        <p:spPr>
+          <a:xfrm>
+            <a:off x="7557009" y="3418016"/>
+            <a:ext cx="882632" cy="307777"/>
+          </a:xfrm>
+          <a:prstGeom prst="rect">
+            <a:avLst/>
+          </a:prstGeom>
+          <a:noFill/>
+        </p:spPr>
+        <p:txBody>
+          <a:bodyPr wrap="square" rtlCol="0">
+            <a:spAutoFit/>
+          </a:bodyPr>
+          <a:lstStyle/>
+          <a:p>
+            <a:r>
+              <a:rPr lang="en-US" sz="1400" dirty="0"/>
+              <a:t>L1-Entry</a:t>
+            </a:r>
+          </a:p>
+        </p:txBody>
+      </p:sp>
+      <p:sp>
+        <p:nvSpPr>
+          <p:cNvPr id="69" name="Alternate Process 68">
+            <a:extLst>
+              <a:ext uri="{FF2B5EF4-FFF2-40B4-BE49-F238E27FC236}">
+                <a16:creationId xmlns:a16="http://schemas.microsoft.com/office/drawing/2014/main" id="{BC989DFD-AED3-81B3-7975-4D49C14833B2}"/>
               </a:ext>
             </a:extLst>
           </p:cNvPr>
@@ -4694,8 +4801,8 @@
         </p:nvSpPr>
         <p:spPr>
           <a:xfrm>
-            <a:off x="7648642" y="2265679"/>
-            <a:ext cx="1387365" cy="3202900"/>
+            <a:off x="9151413" y="3747651"/>
+            <a:ext cx="981803" cy="575109"/>
           </a:xfrm>
           <a:prstGeom prst="flowChartAlternateProcess">
             <a:avLst/>
@@ -4729,198 +4836,10 @@
       </p:sp>
       <p:sp>
         <p:nvSpPr>
-          <p:cNvPr id="15" name="Alternate Process 14">
-            <a:extLst>
-              <a:ext uri="{FF2B5EF4-FFF2-40B4-BE49-F238E27FC236}">
-                <a16:creationId xmlns:a16="http://schemas.microsoft.com/office/drawing/2014/main" id="{BBD7CDF0-979A-1ADC-45E0-3F1D5E0D6766}"/>
-              </a:ext>
-            </a:extLst>
-          </p:cNvPr>
-          <p:cNvSpPr/>
-          <p:nvPr/>
-        </p:nvSpPr>
-        <p:spPr>
-          <a:xfrm>
-            <a:off x="10027572" y="2265679"/>
-            <a:ext cx="1387365" cy="3202900"/>
-          </a:xfrm>
-          <a:prstGeom prst="flowChartAlternateProcess">
-            <a:avLst/>
-          </a:prstGeom>
-          <a:noFill/>
-        </p:spPr>
-        <p:style>
-          <a:lnRef idx="2">
-            <a:schemeClr val="accent1">
-              <a:shade val="50000"/>
-            </a:schemeClr>
-          </a:lnRef>
-          <a:fillRef idx="1">
-            <a:schemeClr val="accent1"/>
-          </a:fillRef>
-          <a:effectRef idx="0">
-            <a:schemeClr val="accent1"/>
-          </a:effectRef>
-          <a:fontRef idx="minor">
-            <a:schemeClr val="lt1"/>
-          </a:fontRef>
-        </p:style>
-        <p:txBody>
-          <a:bodyPr rtlCol="0" anchor="ctr"/>
-          <a:lstStyle/>
-          <a:p>
-            <a:pPr algn="ctr"/>
-            <a:endParaRPr lang="en-US"/>
-          </a:p>
-        </p:txBody>
-      </p:sp>
-      <p:sp>
-        <p:nvSpPr>
-          <p:cNvPr id="16" name="Alternate Process 15">
-            <a:extLst>
-              <a:ext uri="{FF2B5EF4-FFF2-40B4-BE49-F238E27FC236}">
-                <a16:creationId xmlns:a16="http://schemas.microsoft.com/office/drawing/2014/main" id="{F2E3D697-777A-F220-7027-589F54411854}"/>
-              </a:ext>
-            </a:extLst>
-          </p:cNvPr>
-          <p:cNvSpPr/>
-          <p:nvPr/>
-        </p:nvSpPr>
-        <p:spPr>
-          <a:xfrm>
-            <a:off x="854757" y="5599466"/>
-            <a:ext cx="862284" cy="633375"/>
-          </a:xfrm>
-          <a:prstGeom prst="flowChartAlternateProcess">
-            <a:avLst/>
-          </a:prstGeom>
-          <a:noFill/>
-        </p:spPr>
-        <p:style>
-          <a:lnRef idx="2">
-            <a:schemeClr val="accent1">
-              <a:shade val="50000"/>
-            </a:schemeClr>
-          </a:lnRef>
-          <a:fillRef idx="1">
-            <a:schemeClr val="accent1"/>
-          </a:fillRef>
-          <a:effectRef idx="0">
-            <a:schemeClr val="accent1"/>
-          </a:effectRef>
-          <a:fontRef idx="minor">
-            <a:schemeClr val="lt1"/>
-          </a:fontRef>
-        </p:style>
-        <p:txBody>
-          <a:bodyPr rtlCol="0" anchor="ctr"/>
-          <a:lstStyle/>
-          <a:p>
-            <a:pPr algn="ctr"/>
-            <a:endParaRPr lang="en-US"/>
-          </a:p>
-        </p:txBody>
-      </p:sp>
-      <p:sp>
-        <p:nvSpPr>
-          <p:cNvPr id="17" name="Alternate Process 16">
-            <a:extLst>
-              <a:ext uri="{FF2B5EF4-FFF2-40B4-BE49-F238E27FC236}">
-                <a16:creationId xmlns:a16="http://schemas.microsoft.com/office/drawing/2014/main" id="{8819CD13-10F7-90F5-5123-35ECEA44B523}"/>
-              </a:ext>
-            </a:extLst>
-          </p:cNvPr>
-          <p:cNvSpPr/>
-          <p:nvPr/>
-        </p:nvSpPr>
-        <p:spPr>
-          <a:xfrm>
-            <a:off x="1717041" y="5599464"/>
-            <a:ext cx="2114595" cy="633375"/>
-          </a:xfrm>
-          <a:prstGeom prst="flowChartAlternateProcess">
-            <a:avLst/>
-          </a:prstGeom>
-          <a:noFill/>
-        </p:spPr>
-        <p:style>
-          <a:lnRef idx="2">
-            <a:schemeClr val="accent1">
-              <a:shade val="50000"/>
-            </a:schemeClr>
-          </a:lnRef>
-          <a:fillRef idx="1">
-            <a:schemeClr val="accent1"/>
-          </a:fillRef>
-          <a:effectRef idx="0">
-            <a:schemeClr val="accent1"/>
-          </a:effectRef>
-          <a:fontRef idx="minor">
-            <a:schemeClr val="lt1"/>
-          </a:fontRef>
-        </p:style>
-        <p:txBody>
-          <a:bodyPr rtlCol="0" anchor="ctr"/>
-          <a:lstStyle/>
-          <a:p>
-            <a:pPr algn="ctr"/>
-            <a:endParaRPr lang="en-US"/>
-          </a:p>
-        </p:txBody>
-      </p:sp>
-      <p:sp>
-        <p:nvSpPr>
-          <p:cNvPr id="18" name="Alternate Process 17">
-            <a:extLst>
-              <a:ext uri="{FF2B5EF4-FFF2-40B4-BE49-F238E27FC236}">
-                <a16:creationId xmlns:a16="http://schemas.microsoft.com/office/drawing/2014/main" id="{E69A6A59-CE21-8890-D285-B454481EC14C}"/>
-              </a:ext>
-            </a:extLst>
-          </p:cNvPr>
-          <p:cNvSpPr/>
-          <p:nvPr/>
-        </p:nvSpPr>
-        <p:spPr>
-          <a:xfrm>
-            <a:off x="3831637" y="5599464"/>
-            <a:ext cx="862284" cy="633375"/>
-          </a:xfrm>
-          <a:prstGeom prst="flowChartAlternateProcess">
-            <a:avLst/>
-          </a:prstGeom>
-          <a:noFill/>
-        </p:spPr>
-        <p:style>
-          <a:lnRef idx="2">
-            <a:schemeClr val="accent1">
-              <a:shade val="50000"/>
-            </a:schemeClr>
-          </a:lnRef>
-          <a:fillRef idx="1">
-            <a:schemeClr val="accent1"/>
-          </a:fillRef>
-          <a:effectRef idx="0">
-            <a:schemeClr val="accent1"/>
-          </a:effectRef>
-          <a:fontRef idx="minor">
-            <a:schemeClr val="lt1"/>
-          </a:fontRef>
-        </p:style>
-        <p:txBody>
-          <a:bodyPr rtlCol="0" anchor="ctr"/>
-          <a:lstStyle/>
-          <a:p>
-            <a:pPr algn="ctr"/>
-            <a:endParaRPr lang="en-US"/>
-          </a:p>
-        </p:txBody>
-      </p:sp>
-      <p:sp>
-        <p:nvSpPr>
-          <p:cNvPr id="20" name="TextBox 19">
-            <a:extLst>
-              <a:ext uri="{FF2B5EF4-FFF2-40B4-BE49-F238E27FC236}">
-                <a16:creationId xmlns:a16="http://schemas.microsoft.com/office/drawing/2014/main" id="{824A88B1-BAF4-F117-725D-5E691A484B59}"/>
+          <p:cNvPr id="70" name="TextBox 69">
+            <a:extLst>
+              <a:ext uri="{FF2B5EF4-FFF2-40B4-BE49-F238E27FC236}">
+                <a16:creationId xmlns:a16="http://schemas.microsoft.com/office/drawing/2014/main" id="{C428D5F1-EA3D-D24A-6326-8614EAC10F88}"/>
               </a:ext>
             </a:extLst>
           </p:cNvPr>
@@ -4929,8 +4848,8 @@
         </p:nvSpPr>
         <p:spPr>
           <a:xfrm>
-            <a:off x="1535477" y="6262123"/>
-            <a:ext cx="416560" cy="368063"/>
+            <a:off x="9221217" y="3861125"/>
+            <a:ext cx="882632" cy="523220"/>
           </a:xfrm>
           <a:prstGeom prst="rect">
             <a:avLst/>
@@ -4944,754 +4863,1193 @@
           <a:lstStyle/>
           <a:p>
             <a:r>
-              <a:rPr lang="en-US" dirty="0"/>
-              <a:t>51</a:t>
-            </a:r>
-          </a:p>
-        </p:txBody>
-      </p:sp>
-      <p:sp>
-        <p:nvSpPr>
-          <p:cNvPr id="21" name="TextBox 20">
-            <a:extLst>
-              <a:ext uri="{FF2B5EF4-FFF2-40B4-BE49-F238E27FC236}">
-                <a16:creationId xmlns:a16="http://schemas.microsoft.com/office/drawing/2014/main" id="{A7E62728-1D1A-78AE-A856-264DE20DFE1C}"/>
-              </a:ext>
-            </a:extLst>
-          </p:cNvPr>
-          <p:cNvSpPr txBox="1"/>
-          <p:nvPr/>
-        </p:nvSpPr>
-        <p:spPr>
-          <a:xfrm>
-            <a:off x="3618277" y="6262123"/>
-            <a:ext cx="416560" cy="368063"/>
+              <a:rPr lang="en-US" sz="1400" dirty="0"/>
+              <a:t>Page </a:t>
+            </a:r>
+            <a:r>
+              <a:rPr lang="en-US" sz="1400" dirty="0" err="1"/>
+              <a:t>Addr</a:t>
+            </a:r>
+            <a:endParaRPr lang="en-US" sz="1400" dirty="0"/>
+          </a:p>
+        </p:txBody>
+      </p:sp>
+      <p:pic>
+        <p:nvPicPr>
+          <p:cNvPr id="145" name="Picture 144" descr="A picture containing text, screenshot, line, font&#10;&#10;Description automatically generated">
+            <a:extLst>
+              <a:ext uri="{FF2B5EF4-FFF2-40B4-BE49-F238E27FC236}">
+                <a16:creationId xmlns:a16="http://schemas.microsoft.com/office/drawing/2014/main" id="{81B8301F-05A7-056F-509E-1D05113F975A}"/>
+              </a:ext>
+            </a:extLst>
+          </p:cNvPr>
+          <p:cNvPicPr>
+            <a:picLocks noChangeAspect="1"/>
+          </p:cNvPicPr>
+          <p:nvPr/>
+        </p:nvPicPr>
+        <p:blipFill>
+          <a:blip r:embed="rId2"/>
+          <a:stretch>
+            <a:fillRect/>
+          </a:stretch>
+        </p:blipFill>
+        <p:spPr>
+          <a:xfrm>
+            <a:off x="361904" y="420597"/>
+            <a:ext cx="10120188" cy="1773766"/>
           </a:xfrm>
           <a:prstGeom prst="rect">
             <a:avLst/>
           </a:prstGeom>
-          <a:noFill/>
-        </p:spPr>
-        <p:txBody>
-          <a:bodyPr wrap="square" rtlCol="0">
-            <a:spAutoFit/>
-          </a:bodyPr>
-          <a:lstStyle/>
-          <a:p>
-            <a:r>
-              <a:rPr lang="en-US" dirty="0"/>
-              <a:t>12</a:t>
-            </a:r>
-          </a:p>
-        </p:txBody>
-      </p:sp>
-      <p:sp>
-        <p:nvSpPr>
-          <p:cNvPr id="23" name="TextBox 22">
-            <a:extLst>
-              <a:ext uri="{FF2B5EF4-FFF2-40B4-BE49-F238E27FC236}">
-                <a16:creationId xmlns:a16="http://schemas.microsoft.com/office/drawing/2014/main" id="{C8D4A39C-7902-E0CA-B239-1B75784DD7A3}"/>
-              </a:ext>
-            </a:extLst>
-          </p:cNvPr>
-          <p:cNvSpPr txBox="1"/>
-          <p:nvPr/>
-        </p:nvSpPr>
-        <p:spPr>
-          <a:xfrm>
-            <a:off x="213361" y="1554480"/>
-            <a:ext cx="574196" cy="369332"/>
+        </p:spPr>
+      </p:pic>
+      <p:pic>
+        <p:nvPicPr>
+          <p:cNvPr id="147" name="Picture 146">
+            <a:extLst>
+              <a:ext uri="{FF2B5EF4-FFF2-40B4-BE49-F238E27FC236}">
+                <a16:creationId xmlns:a16="http://schemas.microsoft.com/office/drawing/2014/main" id="{4883A65D-F555-AE7B-02FF-04E92E3178B9}"/>
+              </a:ext>
+            </a:extLst>
+          </p:cNvPr>
+          <p:cNvPicPr>
+            <a:picLocks noChangeAspect="1"/>
+          </p:cNvPicPr>
+          <p:nvPr/>
+        </p:nvPicPr>
+        <p:blipFill>
+          <a:blip r:embed="rId3"/>
+          <a:stretch>
+            <a:fillRect/>
+          </a:stretch>
+        </p:blipFill>
+        <p:spPr>
+          <a:xfrm>
+            <a:off x="1196428" y="5660568"/>
+            <a:ext cx="8951537" cy="1023712"/>
           </a:xfrm>
           <a:prstGeom prst="rect">
             <a:avLst/>
           </a:prstGeom>
-          <a:noFill/>
-        </p:spPr>
-        <p:txBody>
-          <a:bodyPr wrap="none" rtlCol="0">
-            <a:spAutoFit/>
-          </a:bodyPr>
-          <a:lstStyle/>
-          <a:p>
-            <a:r>
-              <a:rPr lang="en-US" dirty="0"/>
-              <a:t>Sign</a:t>
-            </a:r>
-          </a:p>
-        </p:txBody>
-      </p:sp>
-      <p:sp>
-        <p:nvSpPr>
-          <p:cNvPr id="24" name="TextBox 23">
-            <a:extLst>
-              <a:ext uri="{FF2B5EF4-FFF2-40B4-BE49-F238E27FC236}">
-                <a16:creationId xmlns:a16="http://schemas.microsoft.com/office/drawing/2014/main" id="{26E4D3B2-43F2-DB21-2940-8DF9768FEE43}"/>
-              </a:ext>
-            </a:extLst>
-          </p:cNvPr>
-          <p:cNvSpPr txBox="1"/>
-          <p:nvPr/>
-        </p:nvSpPr>
-        <p:spPr>
-          <a:xfrm>
-            <a:off x="1422401" y="1534160"/>
-            <a:ext cx="1039002" cy="369332"/>
+        </p:spPr>
+      </p:pic>
+      <p:pic>
+        <p:nvPicPr>
+          <p:cNvPr id="149" name="Picture 148" descr="A number on a white surface&#10;&#10;Description automatically generated with low confidence">
+            <a:extLst>
+              <a:ext uri="{FF2B5EF4-FFF2-40B4-BE49-F238E27FC236}">
+                <a16:creationId xmlns:a16="http://schemas.microsoft.com/office/drawing/2014/main" id="{243F2CCF-0097-DB53-D187-0BE556A989CD}"/>
+              </a:ext>
+            </a:extLst>
+          </p:cNvPr>
+          <p:cNvPicPr>
+            <a:picLocks noChangeAspect="1"/>
+          </p:cNvPicPr>
+          <p:nvPr/>
+        </p:nvPicPr>
+        <p:blipFill>
+          <a:blip r:embed="rId4"/>
+          <a:stretch>
+            <a:fillRect/>
+          </a:stretch>
+        </p:blipFill>
+        <p:spPr>
+          <a:xfrm>
+            <a:off x="2012501" y="2939526"/>
+            <a:ext cx="346963" cy="306484"/>
           </a:xfrm>
           <a:prstGeom prst="rect">
             <a:avLst/>
           </a:prstGeom>
-          <a:noFill/>
-        </p:spPr>
-        <p:txBody>
-          <a:bodyPr wrap="none" rtlCol="0">
-            <a:spAutoFit/>
-          </a:bodyPr>
-          <a:lstStyle/>
-          <a:p>
-            <a:r>
-              <a:rPr lang="en-US" dirty="0"/>
-              <a:t>L4-Offset</a:t>
-            </a:r>
-          </a:p>
-        </p:txBody>
-      </p:sp>
-      <p:sp>
-        <p:nvSpPr>
-          <p:cNvPr id="25" name="TextBox 24">
-            <a:extLst>
-              <a:ext uri="{FF2B5EF4-FFF2-40B4-BE49-F238E27FC236}">
-                <a16:creationId xmlns:a16="http://schemas.microsoft.com/office/drawing/2014/main" id="{AD0578AD-8300-069A-829C-0B29E7EF81FC}"/>
-              </a:ext>
-            </a:extLst>
-          </p:cNvPr>
-          <p:cNvSpPr txBox="1"/>
-          <p:nvPr/>
-        </p:nvSpPr>
-        <p:spPr>
-          <a:xfrm>
-            <a:off x="3444241" y="1534160"/>
-            <a:ext cx="1039002" cy="369332"/>
+        </p:spPr>
+      </p:pic>
+      <p:pic>
+        <p:nvPicPr>
+          <p:cNvPr id="150" name="Picture 149" descr="A number on a white surface&#10;&#10;Description automatically generated with low confidence">
+            <a:extLst>
+              <a:ext uri="{FF2B5EF4-FFF2-40B4-BE49-F238E27FC236}">
+                <a16:creationId xmlns:a16="http://schemas.microsoft.com/office/drawing/2014/main" id="{807ADCF0-3A4F-9040-81AC-C0737B459B62}"/>
+              </a:ext>
+            </a:extLst>
+          </p:cNvPr>
+          <p:cNvPicPr>
+            <a:picLocks noChangeAspect="1"/>
+          </p:cNvPicPr>
+          <p:nvPr/>
+        </p:nvPicPr>
+        <p:blipFill>
+          <a:blip r:embed="rId4"/>
+          <a:stretch>
+            <a:fillRect/>
+          </a:stretch>
+        </p:blipFill>
+        <p:spPr>
+          <a:xfrm>
+            <a:off x="3576374" y="2888708"/>
+            <a:ext cx="346963" cy="306484"/>
           </a:xfrm>
           <a:prstGeom prst="rect">
             <a:avLst/>
           </a:prstGeom>
-          <a:noFill/>
-        </p:spPr>
-        <p:txBody>
-          <a:bodyPr wrap="none" rtlCol="0">
-            <a:spAutoFit/>
-          </a:bodyPr>
-          <a:lstStyle/>
-          <a:p>
-            <a:r>
-              <a:rPr lang="en-US" dirty="0"/>
-              <a:t>L3-Offset</a:t>
-            </a:r>
-          </a:p>
-        </p:txBody>
-      </p:sp>
-      <p:sp>
-        <p:nvSpPr>
-          <p:cNvPr id="26" name="TextBox 25">
-            <a:extLst>
-              <a:ext uri="{FF2B5EF4-FFF2-40B4-BE49-F238E27FC236}">
-                <a16:creationId xmlns:a16="http://schemas.microsoft.com/office/drawing/2014/main" id="{B3C93E38-9D95-F386-A1F7-9D88B4572EE3}"/>
-              </a:ext>
-            </a:extLst>
-          </p:cNvPr>
-          <p:cNvSpPr txBox="1"/>
-          <p:nvPr/>
-        </p:nvSpPr>
-        <p:spPr>
-          <a:xfrm>
-            <a:off x="5516881" y="1544320"/>
-            <a:ext cx="1039002" cy="369332"/>
+        </p:spPr>
+      </p:pic>
+      <p:pic>
+        <p:nvPicPr>
+          <p:cNvPr id="151" name="Picture 150" descr="A number on a white surface&#10;&#10;Description automatically generated with low confidence">
+            <a:extLst>
+              <a:ext uri="{FF2B5EF4-FFF2-40B4-BE49-F238E27FC236}">
+                <a16:creationId xmlns:a16="http://schemas.microsoft.com/office/drawing/2014/main" id="{54DC1E61-3B82-412C-CC73-16DD551E07BE}"/>
+              </a:ext>
+            </a:extLst>
+          </p:cNvPr>
+          <p:cNvPicPr>
+            <a:picLocks noChangeAspect="1"/>
+          </p:cNvPicPr>
+          <p:nvPr/>
+        </p:nvPicPr>
+        <p:blipFill>
+          <a:blip r:embed="rId4"/>
+          <a:stretch>
+            <a:fillRect/>
+          </a:stretch>
+        </p:blipFill>
+        <p:spPr>
+          <a:xfrm>
+            <a:off x="5326215" y="2848404"/>
+            <a:ext cx="346963" cy="306484"/>
           </a:xfrm>
           <a:prstGeom prst="rect">
             <a:avLst/>
           </a:prstGeom>
-          <a:noFill/>
-        </p:spPr>
-        <p:txBody>
-          <a:bodyPr wrap="none" rtlCol="0">
-            <a:spAutoFit/>
-          </a:bodyPr>
-          <a:lstStyle/>
-          <a:p>
-            <a:r>
-              <a:rPr lang="en-US" dirty="0"/>
-              <a:t>L2-Offset</a:t>
-            </a:r>
-          </a:p>
-        </p:txBody>
-      </p:sp>
-      <p:sp>
-        <p:nvSpPr>
-          <p:cNvPr id="27" name="TextBox 26">
-            <a:extLst>
-              <a:ext uri="{FF2B5EF4-FFF2-40B4-BE49-F238E27FC236}">
-                <a16:creationId xmlns:a16="http://schemas.microsoft.com/office/drawing/2014/main" id="{2478767A-55A8-D385-511E-33FFB785A6C5}"/>
-              </a:ext>
-            </a:extLst>
-          </p:cNvPr>
-          <p:cNvSpPr txBox="1"/>
-          <p:nvPr/>
-        </p:nvSpPr>
-        <p:spPr>
-          <a:xfrm>
-            <a:off x="7831699" y="1524000"/>
-            <a:ext cx="1039002" cy="369332"/>
+        </p:spPr>
+      </p:pic>
+      <p:pic>
+        <p:nvPicPr>
+          <p:cNvPr id="152" name="Picture 151" descr="A number on a white surface&#10;&#10;Description automatically generated with low confidence">
+            <a:extLst>
+              <a:ext uri="{FF2B5EF4-FFF2-40B4-BE49-F238E27FC236}">
+                <a16:creationId xmlns:a16="http://schemas.microsoft.com/office/drawing/2014/main" id="{0427DF4B-FDD7-48C3-4C4B-E88D8BBC4524}"/>
+              </a:ext>
+            </a:extLst>
+          </p:cNvPr>
+          <p:cNvPicPr>
+            <a:picLocks noChangeAspect="1"/>
+          </p:cNvPicPr>
+          <p:nvPr/>
+        </p:nvPicPr>
+        <p:blipFill>
+          <a:blip r:embed="rId4"/>
+          <a:stretch>
+            <a:fillRect/>
+          </a:stretch>
+        </p:blipFill>
+        <p:spPr>
+          <a:xfrm>
+            <a:off x="6956104" y="2786284"/>
+            <a:ext cx="346963" cy="306484"/>
           </a:xfrm>
           <a:prstGeom prst="rect">
             <a:avLst/>
           </a:prstGeom>
-          <a:noFill/>
-        </p:spPr>
-        <p:txBody>
-          <a:bodyPr wrap="none" rtlCol="0">
-            <a:spAutoFit/>
-          </a:bodyPr>
-          <a:lstStyle/>
-          <a:p>
-            <a:r>
-              <a:rPr lang="en-US" dirty="0"/>
-              <a:t>L1-Offset</a:t>
-            </a:r>
-          </a:p>
-        </p:txBody>
-      </p:sp>
-      <p:sp>
-        <p:nvSpPr>
-          <p:cNvPr id="28" name="TextBox 27">
-            <a:extLst>
-              <a:ext uri="{FF2B5EF4-FFF2-40B4-BE49-F238E27FC236}">
-                <a16:creationId xmlns:a16="http://schemas.microsoft.com/office/drawing/2014/main" id="{C88BBB93-FC32-C3C0-121B-C37904FD3040}"/>
-              </a:ext>
-            </a:extLst>
-          </p:cNvPr>
-          <p:cNvSpPr txBox="1"/>
-          <p:nvPr/>
-        </p:nvSpPr>
-        <p:spPr>
-          <a:xfrm>
-            <a:off x="9547951" y="1508740"/>
-            <a:ext cx="1280414" cy="369332"/>
+        </p:spPr>
+      </p:pic>
+      <p:pic>
+        <p:nvPicPr>
+          <p:cNvPr id="155" name="Picture 154" descr="A number on a white surface&#10;&#10;Description automatically generated with low confidence">
+            <a:extLst>
+              <a:ext uri="{FF2B5EF4-FFF2-40B4-BE49-F238E27FC236}">
+                <a16:creationId xmlns:a16="http://schemas.microsoft.com/office/drawing/2014/main" id="{ECEA00E0-4E8D-25F8-BD2C-D9D663F51DB4}"/>
+              </a:ext>
+            </a:extLst>
+          </p:cNvPr>
+          <p:cNvPicPr>
+            <a:picLocks noChangeAspect="1"/>
+          </p:cNvPicPr>
+          <p:nvPr/>
+        </p:nvPicPr>
+        <p:blipFill>
+          <a:blip r:embed="rId5"/>
+          <a:stretch>
+            <a:fillRect/>
+          </a:stretch>
+        </p:blipFill>
+        <p:spPr>
+          <a:xfrm>
+            <a:off x="8626374" y="2753248"/>
+            <a:ext cx="415093" cy="303084"/>
           </a:xfrm>
           <a:prstGeom prst="rect">
             <a:avLst/>
           </a:prstGeom>
-          <a:noFill/>
-        </p:spPr>
-        <p:txBody>
-          <a:bodyPr wrap="square" rtlCol="0">
-            <a:spAutoFit/>
-          </a:bodyPr>
-          <a:lstStyle/>
-          <a:p>
-            <a:r>
-              <a:rPr lang="en-US" dirty="0"/>
-              <a:t>Page-Offset</a:t>
-            </a:r>
-          </a:p>
-        </p:txBody>
-      </p:sp>
-      <p:sp>
-        <p:nvSpPr>
-          <p:cNvPr id="61" name="Alternate Process 60">
-            <a:extLst>
-              <a:ext uri="{FF2B5EF4-FFF2-40B4-BE49-F238E27FC236}">
-                <a16:creationId xmlns:a16="http://schemas.microsoft.com/office/drawing/2014/main" id="{FA4F5C2C-BB19-A7CF-224C-BD8CEB5834CD}"/>
-              </a:ext>
-            </a:extLst>
-          </p:cNvPr>
-          <p:cNvSpPr/>
-          <p:nvPr/>
-        </p:nvSpPr>
-        <p:spPr>
-          <a:xfrm>
-            <a:off x="824276" y="3536986"/>
-            <a:ext cx="1387365" cy="633375"/>
-          </a:xfrm>
-          <a:prstGeom prst="flowChartAlternateProcess">
-            <a:avLst/>
-          </a:prstGeom>
-          <a:noFill/>
+        </p:spPr>
+      </p:pic>
+      <p:pic>
+        <p:nvPicPr>
+          <p:cNvPr id="157" name="Picture 156" descr="A number on a white surface&#10;&#10;Description automatically generated with low confidence">
+            <a:extLst>
+              <a:ext uri="{FF2B5EF4-FFF2-40B4-BE49-F238E27FC236}">
+                <a16:creationId xmlns:a16="http://schemas.microsoft.com/office/drawing/2014/main" id="{1903940E-2BFA-4C19-B948-E7EC9EC50F45}"/>
+              </a:ext>
+            </a:extLst>
+          </p:cNvPr>
+          <p:cNvPicPr>
+            <a:picLocks noChangeAspect="1"/>
+          </p:cNvPicPr>
+          <p:nvPr/>
+        </p:nvPicPr>
+        <p:blipFill>
+          <a:blip r:embed="rId6"/>
+          <a:stretch>
+            <a:fillRect/>
+          </a:stretch>
+        </p:blipFill>
+        <p:spPr>
+          <a:xfrm>
+            <a:off x="3563234" y="4786697"/>
+            <a:ext cx="383115" cy="284033"/>
+          </a:xfrm>
+          <a:prstGeom prst="rect">
+            <a:avLst/>
+          </a:prstGeom>
+        </p:spPr>
+      </p:pic>
+      <p:pic>
+        <p:nvPicPr>
+          <p:cNvPr id="158" name="Picture 157" descr="A number on a white surface&#10;&#10;Description automatically generated with low confidence">
+            <a:extLst>
+              <a:ext uri="{FF2B5EF4-FFF2-40B4-BE49-F238E27FC236}">
+                <a16:creationId xmlns:a16="http://schemas.microsoft.com/office/drawing/2014/main" id="{D5C670AB-7C68-5269-9846-B5A3FB6FC6BD}"/>
+              </a:ext>
+            </a:extLst>
+          </p:cNvPr>
+          <p:cNvPicPr>
+            <a:picLocks noChangeAspect="1"/>
+          </p:cNvPicPr>
+          <p:nvPr/>
+        </p:nvPicPr>
+        <p:blipFill>
+          <a:blip r:embed="rId6"/>
+          <a:stretch>
+            <a:fillRect/>
+          </a:stretch>
+        </p:blipFill>
+        <p:spPr>
+          <a:xfrm>
+            <a:off x="5230441" y="4823095"/>
+            <a:ext cx="383115" cy="284033"/>
+          </a:xfrm>
+          <a:prstGeom prst="rect">
+            <a:avLst/>
+          </a:prstGeom>
+        </p:spPr>
+      </p:pic>
+      <p:pic>
+        <p:nvPicPr>
+          <p:cNvPr id="159" name="Picture 158" descr="A number on a white surface&#10;&#10;Description automatically generated with low confidence">
+            <a:extLst>
+              <a:ext uri="{FF2B5EF4-FFF2-40B4-BE49-F238E27FC236}">
+                <a16:creationId xmlns:a16="http://schemas.microsoft.com/office/drawing/2014/main" id="{26D6EBF0-0BF9-5E88-6039-038DEEDB9E9E}"/>
+              </a:ext>
+            </a:extLst>
+          </p:cNvPr>
+          <p:cNvPicPr>
+            <a:picLocks noChangeAspect="1"/>
+          </p:cNvPicPr>
+          <p:nvPr/>
+        </p:nvPicPr>
+        <p:blipFill>
+          <a:blip r:embed="rId6"/>
+          <a:stretch>
+            <a:fillRect/>
+          </a:stretch>
+        </p:blipFill>
+        <p:spPr>
+          <a:xfrm>
+            <a:off x="7002811" y="4812009"/>
+            <a:ext cx="383115" cy="284033"/>
+          </a:xfrm>
+          <a:prstGeom prst="rect">
+            <a:avLst/>
+          </a:prstGeom>
+        </p:spPr>
+      </p:pic>
+      <p:pic>
+        <p:nvPicPr>
+          <p:cNvPr id="160" name="Picture 159" descr="A number on a white surface&#10;&#10;Description automatically generated with low confidence">
+            <a:extLst>
+              <a:ext uri="{FF2B5EF4-FFF2-40B4-BE49-F238E27FC236}">
+                <a16:creationId xmlns:a16="http://schemas.microsoft.com/office/drawing/2014/main" id="{001F7FD6-E8E8-0BC9-9F80-02F83311449B}"/>
+              </a:ext>
+            </a:extLst>
+          </p:cNvPr>
+          <p:cNvPicPr>
+            <a:picLocks noChangeAspect="1"/>
+          </p:cNvPicPr>
+          <p:nvPr/>
+        </p:nvPicPr>
+        <p:blipFill>
+          <a:blip r:embed="rId6"/>
+          <a:stretch>
+            <a:fillRect/>
+          </a:stretch>
+        </p:blipFill>
+        <p:spPr>
+          <a:xfrm>
+            <a:off x="8616244" y="4806830"/>
+            <a:ext cx="383115" cy="284033"/>
+          </a:xfrm>
+          <a:prstGeom prst="rect">
+            <a:avLst/>
+          </a:prstGeom>
+        </p:spPr>
+      </p:pic>
+      <p:cxnSp>
+        <p:nvCxnSpPr>
+          <p:cNvPr id="166" name="Straight Connector 165">
+            <a:extLst>
+              <a:ext uri="{FF2B5EF4-FFF2-40B4-BE49-F238E27FC236}">
+                <a16:creationId xmlns:a16="http://schemas.microsoft.com/office/drawing/2014/main" id="{20AD3C2B-AD25-18CE-6021-12C419CD9D63}"/>
+              </a:ext>
+            </a:extLst>
+          </p:cNvPr>
+          <p:cNvCxnSpPr>
+            <a:cxnSpLocks/>
+            <a:endCxn id="149" idx="0"/>
+          </p:cNvCxnSpPr>
+          <p:nvPr/>
+        </p:nvCxnSpPr>
+        <p:spPr>
+          <a:xfrm flipH="1">
+            <a:off x="2185983" y="2211473"/>
+            <a:ext cx="229350" cy="728053"/>
+          </a:xfrm>
+          <a:prstGeom prst="line">
+            <a:avLst/>
+          </a:prstGeom>
         </p:spPr>
         <p:style>
-          <a:lnRef idx="2">
-            <a:schemeClr val="accent1">
-              <a:shade val="50000"/>
-            </a:schemeClr>
+          <a:lnRef idx="1">
+            <a:schemeClr val="accent1"/>
           </a:lnRef>
-          <a:fillRef idx="1">
+          <a:fillRef idx="0">
             <a:schemeClr val="accent1"/>
           </a:fillRef>
           <a:effectRef idx="0">
             <a:schemeClr val="accent1"/>
           </a:effectRef>
           <a:fontRef idx="minor">
-            <a:schemeClr val="lt1"/>
+            <a:schemeClr val="tx1"/>
           </a:fontRef>
         </p:style>
-        <p:txBody>
-          <a:bodyPr rtlCol="0" anchor="ctr"/>
-          <a:lstStyle/>
-          <a:p>
-            <a:pPr algn="ctr"/>
-            <a:endParaRPr lang="en-US"/>
-          </a:p>
-        </p:txBody>
-      </p:sp>
-      <p:sp>
-        <p:nvSpPr>
-          <p:cNvPr id="62" name="TextBox 61">
-            <a:extLst>
-              <a:ext uri="{FF2B5EF4-FFF2-40B4-BE49-F238E27FC236}">
-                <a16:creationId xmlns:a16="http://schemas.microsoft.com/office/drawing/2014/main" id="{DD9ADE95-07F8-D348-5C53-E60C221AA86F}"/>
-              </a:ext>
-            </a:extLst>
-          </p:cNvPr>
-          <p:cNvSpPr txBox="1"/>
-          <p:nvPr/>
-        </p:nvSpPr>
-        <p:spPr>
-          <a:xfrm>
-            <a:off x="894081" y="3657600"/>
-            <a:ext cx="1247228" cy="369332"/>
-          </a:xfrm>
-          <a:prstGeom prst="rect">
-            <a:avLst/>
-          </a:prstGeom>
-          <a:noFill/>
-        </p:spPr>
-        <p:txBody>
-          <a:bodyPr wrap="square" rtlCol="0">
-            <a:spAutoFit/>
-          </a:bodyPr>
-          <a:lstStyle/>
-          <a:p>
-            <a:r>
-              <a:rPr lang="en-US" dirty="0"/>
-              <a:t>L4-Entry</a:t>
-            </a:r>
-          </a:p>
-        </p:txBody>
-      </p:sp>
-      <p:sp>
-        <p:nvSpPr>
-          <p:cNvPr id="63" name="Alternate Process 62">
-            <a:extLst>
-              <a:ext uri="{FF2B5EF4-FFF2-40B4-BE49-F238E27FC236}">
-                <a16:creationId xmlns:a16="http://schemas.microsoft.com/office/drawing/2014/main" id="{7BA9AB57-ED76-8113-5343-BEAE93B036A8}"/>
-              </a:ext>
-            </a:extLst>
-          </p:cNvPr>
-          <p:cNvSpPr/>
-          <p:nvPr/>
-        </p:nvSpPr>
-        <p:spPr>
-          <a:xfrm>
-            <a:off x="3140756" y="3171226"/>
-            <a:ext cx="1387365" cy="633375"/>
-          </a:xfrm>
-          <a:prstGeom prst="flowChartAlternateProcess">
-            <a:avLst/>
-          </a:prstGeom>
-          <a:noFill/>
+      </p:cxnSp>
+      <p:cxnSp>
+        <p:nvCxnSpPr>
+          <p:cNvPr id="169" name="Straight Connector 168">
+            <a:extLst>
+              <a:ext uri="{FF2B5EF4-FFF2-40B4-BE49-F238E27FC236}">
+                <a16:creationId xmlns:a16="http://schemas.microsoft.com/office/drawing/2014/main" id="{8985EAAF-627A-FD43-CBAE-3DF07EE1A151}"/>
+              </a:ext>
+            </a:extLst>
+          </p:cNvPr>
+          <p:cNvCxnSpPr>
+            <a:cxnSpLocks/>
+            <a:stCxn id="149" idx="2"/>
+          </p:cNvCxnSpPr>
+          <p:nvPr/>
+        </p:nvCxnSpPr>
+        <p:spPr>
+          <a:xfrm flipH="1">
+            <a:off x="1921890" y="3246010"/>
+            <a:ext cx="264093" cy="728053"/>
+          </a:xfrm>
+          <a:prstGeom prst="line">
+            <a:avLst/>
+          </a:prstGeom>
         </p:spPr>
         <p:style>
-          <a:lnRef idx="2">
-            <a:schemeClr val="accent1">
-              <a:shade val="50000"/>
-            </a:schemeClr>
+          <a:lnRef idx="1">
+            <a:schemeClr val="accent1"/>
           </a:lnRef>
-          <a:fillRef idx="1">
+          <a:fillRef idx="0">
             <a:schemeClr val="accent1"/>
           </a:fillRef>
           <a:effectRef idx="0">
             <a:schemeClr val="accent1"/>
           </a:effectRef>
           <a:fontRef idx="minor">
-            <a:schemeClr val="lt1"/>
+            <a:schemeClr val="tx1"/>
           </a:fontRef>
         </p:style>
-        <p:txBody>
-          <a:bodyPr rtlCol="0" anchor="ctr"/>
-          <a:lstStyle/>
-          <a:p>
-            <a:pPr algn="ctr"/>
-            <a:endParaRPr lang="en-US"/>
-          </a:p>
-        </p:txBody>
-      </p:sp>
-      <p:sp>
-        <p:nvSpPr>
-          <p:cNvPr id="64" name="TextBox 63">
-            <a:extLst>
-              <a:ext uri="{FF2B5EF4-FFF2-40B4-BE49-F238E27FC236}">
-                <a16:creationId xmlns:a16="http://schemas.microsoft.com/office/drawing/2014/main" id="{F9114B43-DD06-5C23-CAF4-E68B003E329E}"/>
-              </a:ext>
-            </a:extLst>
-          </p:cNvPr>
-          <p:cNvSpPr txBox="1"/>
-          <p:nvPr/>
-        </p:nvSpPr>
-        <p:spPr>
-          <a:xfrm>
-            <a:off x="3210561" y="3291840"/>
-            <a:ext cx="1247228" cy="369332"/>
-          </a:xfrm>
-          <a:prstGeom prst="rect">
-            <a:avLst/>
-          </a:prstGeom>
-          <a:noFill/>
-        </p:spPr>
-        <p:txBody>
-          <a:bodyPr wrap="square" rtlCol="0">
-            <a:spAutoFit/>
-          </a:bodyPr>
-          <a:lstStyle/>
-          <a:p>
-            <a:r>
-              <a:rPr lang="en-US" dirty="0"/>
-              <a:t>L3-Entry</a:t>
-            </a:r>
-          </a:p>
-        </p:txBody>
-      </p:sp>
-      <p:sp>
-        <p:nvSpPr>
-          <p:cNvPr id="65" name="Alternate Process 64">
-            <a:extLst>
-              <a:ext uri="{FF2B5EF4-FFF2-40B4-BE49-F238E27FC236}">
-                <a16:creationId xmlns:a16="http://schemas.microsoft.com/office/drawing/2014/main" id="{B1B421CA-A22D-A797-B3C9-DBBD25291D48}"/>
-              </a:ext>
-            </a:extLst>
-          </p:cNvPr>
-          <p:cNvSpPr/>
-          <p:nvPr/>
-        </p:nvSpPr>
-        <p:spPr>
-          <a:xfrm>
-            <a:off x="5355636" y="3750346"/>
-            <a:ext cx="1387365" cy="633375"/>
-          </a:xfrm>
-          <a:prstGeom prst="flowChartAlternateProcess">
-            <a:avLst/>
-          </a:prstGeom>
-          <a:noFill/>
+      </p:cxnSp>
+      <p:cxnSp>
+        <p:nvCxnSpPr>
+          <p:cNvPr id="172" name="Straight Connector 171">
+            <a:extLst>
+              <a:ext uri="{FF2B5EF4-FFF2-40B4-BE49-F238E27FC236}">
+                <a16:creationId xmlns:a16="http://schemas.microsoft.com/office/drawing/2014/main" id="{3C5BDF36-5D39-31B6-67E3-19977442EED0}"/>
+              </a:ext>
+            </a:extLst>
+          </p:cNvPr>
+          <p:cNvCxnSpPr>
+            <a:cxnSpLocks/>
+          </p:cNvCxnSpPr>
+          <p:nvPr/>
+        </p:nvCxnSpPr>
+        <p:spPr>
+          <a:xfrm flipH="1">
+            <a:off x="361904" y="6016752"/>
+            <a:ext cx="834524" cy="0"/>
+          </a:xfrm>
+          <a:prstGeom prst="line">
+            <a:avLst/>
+          </a:prstGeom>
         </p:spPr>
         <p:style>
-          <a:lnRef idx="2">
-            <a:schemeClr val="accent1">
-              <a:shade val="50000"/>
-            </a:schemeClr>
+          <a:lnRef idx="1">
+            <a:schemeClr val="accent1"/>
           </a:lnRef>
-          <a:fillRef idx="1">
+          <a:fillRef idx="0">
             <a:schemeClr val="accent1"/>
           </a:fillRef>
           <a:effectRef idx="0">
             <a:schemeClr val="accent1"/>
           </a:effectRef>
           <a:fontRef idx="minor">
-            <a:schemeClr val="lt1"/>
+            <a:schemeClr val="tx1"/>
           </a:fontRef>
         </p:style>
-        <p:txBody>
-          <a:bodyPr rtlCol="0" anchor="ctr"/>
-          <a:lstStyle/>
-          <a:p>
-            <a:pPr algn="ctr"/>
-            <a:endParaRPr lang="en-US"/>
-          </a:p>
-        </p:txBody>
-      </p:sp>
-      <p:sp>
-        <p:nvSpPr>
-          <p:cNvPr id="66" name="TextBox 65">
-            <a:extLst>
-              <a:ext uri="{FF2B5EF4-FFF2-40B4-BE49-F238E27FC236}">
-                <a16:creationId xmlns:a16="http://schemas.microsoft.com/office/drawing/2014/main" id="{1844243B-5CE9-F9D2-B28F-BC852CF2C3EB}"/>
-              </a:ext>
-            </a:extLst>
-          </p:cNvPr>
-          <p:cNvSpPr txBox="1"/>
-          <p:nvPr/>
-        </p:nvSpPr>
-        <p:spPr>
-          <a:xfrm>
-            <a:off x="5425441" y="3870960"/>
-            <a:ext cx="1247228" cy="369332"/>
-          </a:xfrm>
-          <a:prstGeom prst="rect">
-            <a:avLst/>
-          </a:prstGeom>
-          <a:noFill/>
-        </p:spPr>
-        <p:txBody>
-          <a:bodyPr wrap="square" rtlCol="0">
-            <a:spAutoFit/>
-          </a:bodyPr>
-          <a:lstStyle/>
-          <a:p>
-            <a:r>
-              <a:rPr lang="en-US" dirty="0"/>
-              <a:t>L2-Entry</a:t>
-            </a:r>
-          </a:p>
-        </p:txBody>
-      </p:sp>
-      <p:sp>
-        <p:nvSpPr>
-          <p:cNvPr id="67" name="Alternate Process 66">
-            <a:extLst>
-              <a:ext uri="{FF2B5EF4-FFF2-40B4-BE49-F238E27FC236}">
-                <a16:creationId xmlns:a16="http://schemas.microsoft.com/office/drawing/2014/main" id="{8C9F6036-3153-BC2B-E931-626D799678F0}"/>
-              </a:ext>
-            </a:extLst>
-          </p:cNvPr>
-          <p:cNvSpPr/>
-          <p:nvPr/>
-        </p:nvSpPr>
-        <p:spPr>
-          <a:xfrm>
-            <a:off x="7651796" y="3262666"/>
-            <a:ext cx="1387365" cy="633375"/>
-          </a:xfrm>
-          <a:prstGeom prst="flowChartAlternateProcess">
-            <a:avLst/>
-          </a:prstGeom>
-          <a:noFill/>
+      </p:cxnSp>
+      <p:cxnSp>
+        <p:nvCxnSpPr>
+          <p:cNvPr id="178" name="Straight Arrow Connector 177">
+            <a:extLst>
+              <a:ext uri="{FF2B5EF4-FFF2-40B4-BE49-F238E27FC236}">
+                <a16:creationId xmlns:a16="http://schemas.microsoft.com/office/drawing/2014/main" id="{816B7934-5763-3F2B-ADA2-3851E2FB4407}"/>
+              </a:ext>
+            </a:extLst>
+          </p:cNvPr>
+          <p:cNvCxnSpPr>
+            <a:cxnSpLocks/>
+          </p:cNvCxnSpPr>
+          <p:nvPr/>
+        </p:nvCxnSpPr>
+        <p:spPr>
+          <a:xfrm flipV="1">
+            <a:off x="361904" y="5412126"/>
+            <a:ext cx="2053429" cy="604626"/>
+          </a:xfrm>
+          <a:prstGeom prst="straightConnector1">
+            <a:avLst/>
+          </a:prstGeom>
+          <a:ln>
+            <a:tailEnd type="triangle"/>
+          </a:ln>
         </p:spPr>
         <p:style>
-          <a:lnRef idx="2">
-            <a:schemeClr val="accent1">
-              <a:shade val="50000"/>
-            </a:schemeClr>
+          <a:lnRef idx="1">
+            <a:schemeClr val="accent1"/>
           </a:lnRef>
-          <a:fillRef idx="1">
+          <a:fillRef idx="0">
             <a:schemeClr val="accent1"/>
           </a:fillRef>
           <a:effectRef idx="0">
             <a:schemeClr val="accent1"/>
           </a:effectRef>
           <a:fontRef idx="minor">
-            <a:schemeClr val="lt1"/>
+            <a:schemeClr val="tx1"/>
           </a:fontRef>
         </p:style>
-        <p:txBody>
-          <a:bodyPr rtlCol="0" anchor="ctr"/>
-          <a:lstStyle/>
-          <a:p>
-            <a:pPr algn="ctr"/>
-            <a:endParaRPr lang="en-US"/>
-          </a:p>
-        </p:txBody>
-      </p:sp>
-      <p:sp>
-        <p:nvSpPr>
-          <p:cNvPr id="68" name="TextBox 67">
-            <a:extLst>
-              <a:ext uri="{FF2B5EF4-FFF2-40B4-BE49-F238E27FC236}">
-                <a16:creationId xmlns:a16="http://schemas.microsoft.com/office/drawing/2014/main" id="{1CAABBDC-D4EF-F982-CC4D-B4BD5F6BD2F3}"/>
-              </a:ext>
-            </a:extLst>
-          </p:cNvPr>
-          <p:cNvSpPr txBox="1"/>
-          <p:nvPr/>
-        </p:nvSpPr>
-        <p:spPr>
-          <a:xfrm>
-            <a:off x="7721601" y="3383280"/>
-            <a:ext cx="1247228" cy="369332"/>
-          </a:xfrm>
-          <a:prstGeom prst="rect">
-            <a:avLst/>
-          </a:prstGeom>
-          <a:noFill/>
-        </p:spPr>
-        <p:txBody>
-          <a:bodyPr wrap="square" rtlCol="0">
-            <a:spAutoFit/>
-          </a:bodyPr>
-          <a:lstStyle/>
-          <a:p>
-            <a:r>
-              <a:rPr lang="en-US" dirty="0"/>
-              <a:t>L1-Entry</a:t>
-            </a:r>
-          </a:p>
-        </p:txBody>
-      </p:sp>
-      <p:sp>
-        <p:nvSpPr>
-          <p:cNvPr id="69" name="Alternate Process 68">
-            <a:extLst>
-              <a:ext uri="{FF2B5EF4-FFF2-40B4-BE49-F238E27FC236}">
-                <a16:creationId xmlns:a16="http://schemas.microsoft.com/office/drawing/2014/main" id="{BC989DFD-AED3-81B3-7975-4D49C14833B2}"/>
-              </a:ext>
-            </a:extLst>
-          </p:cNvPr>
-          <p:cNvSpPr/>
-          <p:nvPr/>
-        </p:nvSpPr>
-        <p:spPr>
-          <a:xfrm>
-            <a:off x="10029236" y="3689386"/>
-            <a:ext cx="1387365" cy="633375"/>
-          </a:xfrm>
-          <a:prstGeom prst="flowChartAlternateProcess">
-            <a:avLst/>
-          </a:prstGeom>
-          <a:noFill/>
+      </p:cxnSp>
+      <p:cxnSp>
+        <p:nvCxnSpPr>
+          <p:cNvPr id="180" name="Straight Arrow Connector 179">
+            <a:extLst>
+              <a:ext uri="{FF2B5EF4-FFF2-40B4-BE49-F238E27FC236}">
+                <a16:creationId xmlns:a16="http://schemas.microsoft.com/office/drawing/2014/main" id="{84612FC6-18B9-F11D-9FAF-7EC99B5F7EC9}"/>
+              </a:ext>
+            </a:extLst>
+          </p:cNvPr>
+          <p:cNvCxnSpPr>
+            <a:cxnSpLocks/>
+          </p:cNvCxnSpPr>
+          <p:nvPr/>
+        </p:nvCxnSpPr>
+        <p:spPr>
+          <a:xfrm flipV="1">
+            <a:off x="1954159" y="3896040"/>
+            <a:ext cx="405305" cy="67796"/>
+          </a:xfrm>
+          <a:prstGeom prst="straightConnector1">
+            <a:avLst/>
+          </a:prstGeom>
+          <a:ln>
+            <a:tailEnd type="triangle"/>
+          </a:ln>
         </p:spPr>
         <p:style>
-          <a:lnRef idx="2">
-            <a:schemeClr val="accent1">
-              <a:shade val="50000"/>
-            </a:schemeClr>
+          <a:lnRef idx="1">
+            <a:schemeClr val="accent1"/>
           </a:lnRef>
-          <a:fillRef idx="1">
+          <a:fillRef idx="0">
             <a:schemeClr val="accent1"/>
           </a:fillRef>
           <a:effectRef idx="0">
             <a:schemeClr val="accent1"/>
           </a:effectRef>
           <a:fontRef idx="minor">
-            <a:schemeClr val="lt1"/>
+            <a:schemeClr val="tx1"/>
           </a:fontRef>
         </p:style>
-        <p:txBody>
-          <a:bodyPr rtlCol="0" anchor="ctr"/>
-          <a:lstStyle/>
-          <a:p>
-            <a:pPr algn="ctr"/>
-            <a:endParaRPr lang="en-US"/>
-          </a:p>
-        </p:txBody>
-      </p:sp>
-      <p:sp>
-        <p:nvSpPr>
-          <p:cNvPr id="70" name="TextBox 69">
-            <a:extLst>
-              <a:ext uri="{FF2B5EF4-FFF2-40B4-BE49-F238E27FC236}">
-                <a16:creationId xmlns:a16="http://schemas.microsoft.com/office/drawing/2014/main" id="{C428D5F1-EA3D-D24A-6326-8614EAC10F88}"/>
-              </a:ext>
-            </a:extLst>
-          </p:cNvPr>
-          <p:cNvSpPr txBox="1"/>
-          <p:nvPr/>
-        </p:nvSpPr>
-        <p:spPr>
-          <a:xfrm>
-            <a:off x="10099041" y="3810000"/>
-            <a:ext cx="1247228" cy="369332"/>
-          </a:xfrm>
-          <a:prstGeom prst="rect">
-            <a:avLst/>
-          </a:prstGeom>
-          <a:noFill/>
-        </p:spPr>
-        <p:txBody>
-          <a:bodyPr wrap="square" rtlCol="0">
-            <a:spAutoFit/>
-          </a:bodyPr>
-          <a:lstStyle/>
-          <a:p>
-            <a:r>
-              <a:rPr lang="en-US" dirty="0"/>
-              <a:t>Page </a:t>
-            </a:r>
-            <a:r>
-              <a:rPr lang="en-US" dirty="0" err="1"/>
-              <a:t>Addr</a:t>
-            </a:r>
-            <a:endParaRPr lang="en-US" dirty="0"/>
-          </a:p>
-        </p:txBody>
-      </p:sp>
-      <p:sp>
-        <p:nvSpPr>
-          <p:cNvPr id="94" name="TextBox 93">
-            <a:extLst>
-              <a:ext uri="{FF2B5EF4-FFF2-40B4-BE49-F238E27FC236}">
-                <a16:creationId xmlns:a16="http://schemas.microsoft.com/office/drawing/2014/main" id="{B403D258-9CA2-3508-C622-D9ABE7A9FF63}"/>
-              </a:ext>
-            </a:extLst>
-          </p:cNvPr>
-          <p:cNvSpPr txBox="1"/>
-          <p:nvPr/>
-        </p:nvSpPr>
-        <p:spPr>
-          <a:xfrm>
-            <a:off x="1828800" y="5743051"/>
-            <a:ext cx="1901238" cy="369332"/>
-          </a:xfrm>
-          <a:prstGeom prst="rect">
-            <a:avLst/>
-          </a:prstGeom>
-          <a:noFill/>
-        </p:spPr>
-        <p:txBody>
-          <a:bodyPr wrap="square" rtlCol="0">
-            <a:spAutoFit/>
-          </a:bodyPr>
-          <a:lstStyle/>
-          <a:p>
-            <a:r>
-              <a:rPr lang="en-US" dirty="0"/>
-              <a:t>L4 Base Address</a:t>
-            </a:r>
-          </a:p>
-        </p:txBody>
-      </p:sp>
-      <p:sp>
-        <p:nvSpPr>
-          <p:cNvPr id="135" name="Alternate Process 134">
-            <a:extLst>
-              <a:ext uri="{FF2B5EF4-FFF2-40B4-BE49-F238E27FC236}">
-                <a16:creationId xmlns:a16="http://schemas.microsoft.com/office/drawing/2014/main" id="{0F732639-5033-0D73-0625-176389D83FF5}"/>
-              </a:ext>
-            </a:extLst>
-          </p:cNvPr>
-          <p:cNvSpPr/>
-          <p:nvPr/>
-        </p:nvSpPr>
-        <p:spPr>
-          <a:xfrm>
-            <a:off x="58446" y="1373441"/>
-            <a:ext cx="11159778" cy="649354"/>
-          </a:xfrm>
-          <a:prstGeom prst="flowChartAlternateProcess">
-            <a:avLst/>
-          </a:prstGeom>
-          <a:noFill/>
+      </p:cxnSp>
+      <p:cxnSp>
+        <p:nvCxnSpPr>
+          <p:cNvPr id="184" name="Straight Connector 183">
+            <a:extLst>
+              <a:ext uri="{FF2B5EF4-FFF2-40B4-BE49-F238E27FC236}">
+                <a16:creationId xmlns:a16="http://schemas.microsoft.com/office/drawing/2014/main" id="{03C0F2D1-8AE4-5261-164F-49CD1662D4B0}"/>
+              </a:ext>
+            </a:extLst>
+          </p:cNvPr>
+          <p:cNvCxnSpPr>
+            <a:cxnSpLocks/>
+            <a:endCxn id="157" idx="0"/>
+          </p:cNvCxnSpPr>
+          <p:nvPr/>
+        </p:nvCxnSpPr>
+        <p:spPr>
+          <a:xfrm>
+            <a:off x="3397136" y="3806333"/>
+            <a:ext cx="357656" cy="980364"/>
+          </a:xfrm>
+          <a:prstGeom prst="line">
+            <a:avLst/>
+          </a:prstGeom>
         </p:spPr>
         <p:style>
-          <a:lnRef idx="2">
-            <a:schemeClr val="accent1">
-              <a:shade val="50000"/>
-            </a:schemeClr>
+          <a:lnRef idx="1">
+            <a:schemeClr val="accent1"/>
           </a:lnRef>
-          <a:fillRef idx="1">
+          <a:fillRef idx="0">
             <a:schemeClr val="accent1"/>
           </a:fillRef>
           <a:effectRef idx="0">
             <a:schemeClr val="accent1"/>
           </a:effectRef>
           <a:fontRef idx="minor">
-            <a:schemeClr val="lt1"/>
+            <a:schemeClr val="tx1"/>
           </a:fontRef>
         </p:style>
-        <p:txBody>
-          <a:bodyPr rtlCol="0" anchor="ctr"/>
-          <a:lstStyle/>
-          <a:p>
-            <a:pPr algn="ctr"/>
-            <a:endParaRPr lang="en-US"/>
-          </a:p>
-        </p:txBody>
-      </p:sp>
+      </p:cxnSp>
+      <p:cxnSp>
+        <p:nvCxnSpPr>
+          <p:cNvPr id="188" name="Straight Arrow Connector 187">
+            <a:extLst>
+              <a:ext uri="{FF2B5EF4-FFF2-40B4-BE49-F238E27FC236}">
+                <a16:creationId xmlns:a16="http://schemas.microsoft.com/office/drawing/2014/main" id="{F60B6817-AC3C-762C-4298-339C3AB0B9E7}"/>
+              </a:ext>
+            </a:extLst>
+          </p:cNvPr>
+          <p:cNvCxnSpPr>
+            <a:cxnSpLocks/>
+            <a:stCxn id="157" idx="2"/>
+          </p:cNvCxnSpPr>
+          <p:nvPr/>
+        </p:nvCxnSpPr>
+        <p:spPr>
+          <a:xfrm>
+            <a:off x="3754792" y="5070730"/>
+            <a:ext cx="265640" cy="341396"/>
+          </a:xfrm>
+          <a:prstGeom prst="straightConnector1">
+            <a:avLst/>
+          </a:prstGeom>
+          <a:ln>
+            <a:tailEnd type="triangle"/>
+          </a:ln>
+        </p:spPr>
+        <p:style>
+          <a:lnRef idx="1">
+            <a:schemeClr val="accent1"/>
+          </a:lnRef>
+          <a:fillRef idx="0">
+            <a:schemeClr val="accent1"/>
+          </a:fillRef>
+          <a:effectRef idx="0">
+            <a:schemeClr val="accent1"/>
+          </a:effectRef>
+          <a:fontRef idx="minor">
+            <a:schemeClr val="tx1"/>
+          </a:fontRef>
+        </p:style>
+      </p:cxnSp>
+      <p:cxnSp>
+        <p:nvCxnSpPr>
+          <p:cNvPr id="190" name="Straight Connector 189">
+            <a:extLst>
+              <a:ext uri="{FF2B5EF4-FFF2-40B4-BE49-F238E27FC236}">
+                <a16:creationId xmlns:a16="http://schemas.microsoft.com/office/drawing/2014/main" id="{7FD5E6F3-4889-02B4-3D48-5771D63A4FB2}"/>
+              </a:ext>
+            </a:extLst>
+          </p:cNvPr>
+          <p:cNvCxnSpPr>
+            <a:cxnSpLocks/>
+            <a:endCxn id="150" idx="0"/>
+          </p:cNvCxnSpPr>
+          <p:nvPr/>
+        </p:nvCxnSpPr>
+        <p:spPr>
+          <a:xfrm flipH="1">
+            <a:off x="3749856" y="2199142"/>
+            <a:ext cx="262871" cy="689566"/>
+          </a:xfrm>
+          <a:prstGeom prst="line">
+            <a:avLst/>
+          </a:prstGeom>
+        </p:spPr>
+        <p:style>
+          <a:lnRef idx="1">
+            <a:schemeClr val="accent1"/>
+          </a:lnRef>
+          <a:fillRef idx="0">
+            <a:schemeClr val="accent1"/>
+          </a:fillRef>
+          <a:effectRef idx="0">
+            <a:schemeClr val="accent1"/>
+          </a:effectRef>
+          <a:fontRef idx="minor">
+            <a:schemeClr val="tx1"/>
+          </a:fontRef>
+        </p:style>
+      </p:cxnSp>
+      <p:cxnSp>
+        <p:nvCxnSpPr>
+          <p:cNvPr id="194" name="Straight Arrow Connector 193">
+            <a:extLst>
+              <a:ext uri="{FF2B5EF4-FFF2-40B4-BE49-F238E27FC236}">
+                <a16:creationId xmlns:a16="http://schemas.microsoft.com/office/drawing/2014/main" id="{E750E260-95BB-1DBA-0334-606C68E912C9}"/>
+              </a:ext>
+            </a:extLst>
+          </p:cNvPr>
+          <p:cNvCxnSpPr>
+            <a:cxnSpLocks/>
+            <a:stCxn id="150" idx="2"/>
+            <a:endCxn id="63" idx="1"/>
+          </p:cNvCxnSpPr>
+          <p:nvPr/>
+        </p:nvCxnSpPr>
+        <p:spPr>
+          <a:xfrm>
+            <a:off x="3749856" y="3195192"/>
+            <a:ext cx="286340" cy="343597"/>
+          </a:xfrm>
+          <a:prstGeom prst="straightConnector1">
+            <a:avLst/>
+          </a:prstGeom>
+          <a:ln>
+            <a:tailEnd type="triangle"/>
+          </a:ln>
+        </p:spPr>
+        <p:style>
+          <a:lnRef idx="1">
+            <a:schemeClr val="accent1"/>
+          </a:lnRef>
+          <a:fillRef idx="0">
+            <a:schemeClr val="accent1"/>
+          </a:fillRef>
+          <a:effectRef idx="0">
+            <a:schemeClr val="accent1"/>
+          </a:effectRef>
+          <a:fontRef idx="minor">
+            <a:schemeClr val="tx1"/>
+          </a:fontRef>
+        </p:style>
+      </p:cxnSp>
+      <p:cxnSp>
+        <p:nvCxnSpPr>
+          <p:cNvPr id="199" name="Straight Connector 198">
+            <a:extLst>
+              <a:ext uri="{FF2B5EF4-FFF2-40B4-BE49-F238E27FC236}">
+                <a16:creationId xmlns:a16="http://schemas.microsoft.com/office/drawing/2014/main" id="{CDE96622-C291-5EE4-86FF-EA4294AE8372}"/>
+              </a:ext>
+            </a:extLst>
+          </p:cNvPr>
+          <p:cNvCxnSpPr>
+            <a:cxnSpLocks/>
+          </p:cNvCxnSpPr>
+          <p:nvPr/>
+        </p:nvCxnSpPr>
+        <p:spPr>
+          <a:xfrm flipH="1">
+            <a:off x="5536273" y="2208702"/>
+            <a:ext cx="166206" cy="639702"/>
+          </a:xfrm>
+          <a:prstGeom prst="line">
+            <a:avLst/>
+          </a:prstGeom>
+        </p:spPr>
+        <p:style>
+          <a:lnRef idx="1">
+            <a:schemeClr val="accent1"/>
+          </a:lnRef>
+          <a:fillRef idx="0">
+            <a:schemeClr val="accent1"/>
+          </a:fillRef>
+          <a:effectRef idx="0">
+            <a:schemeClr val="accent1"/>
+          </a:effectRef>
+          <a:fontRef idx="minor">
+            <a:schemeClr val="tx1"/>
+          </a:fontRef>
+        </p:style>
+      </p:cxnSp>
+      <p:cxnSp>
+        <p:nvCxnSpPr>
+          <p:cNvPr id="201" name="Straight Arrow Connector 200">
+            <a:extLst>
+              <a:ext uri="{FF2B5EF4-FFF2-40B4-BE49-F238E27FC236}">
+                <a16:creationId xmlns:a16="http://schemas.microsoft.com/office/drawing/2014/main" id="{64AD82B9-12CE-C422-E34D-4B503BFA6F85}"/>
+              </a:ext>
+            </a:extLst>
+          </p:cNvPr>
+          <p:cNvCxnSpPr>
+            <a:cxnSpLocks/>
+            <a:stCxn id="151" idx="2"/>
+          </p:cNvCxnSpPr>
+          <p:nvPr/>
+        </p:nvCxnSpPr>
+        <p:spPr>
+          <a:xfrm>
+            <a:off x="5499697" y="3154888"/>
+            <a:ext cx="304816" cy="819175"/>
+          </a:xfrm>
+          <a:prstGeom prst="straightConnector1">
+            <a:avLst/>
+          </a:prstGeom>
+          <a:ln>
+            <a:tailEnd type="triangle"/>
+          </a:ln>
+        </p:spPr>
+        <p:style>
+          <a:lnRef idx="1">
+            <a:schemeClr val="accent1"/>
+          </a:lnRef>
+          <a:fillRef idx="0">
+            <a:schemeClr val="accent1"/>
+          </a:fillRef>
+          <a:effectRef idx="0">
+            <a:schemeClr val="accent1"/>
+          </a:effectRef>
+          <a:fontRef idx="minor">
+            <a:schemeClr val="tx1"/>
+          </a:fontRef>
+        </p:style>
+      </p:cxnSp>
+      <p:cxnSp>
+        <p:nvCxnSpPr>
+          <p:cNvPr id="204" name="Straight Connector 203">
+            <a:extLst>
+              <a:ext uri="{FF2B5EF4-FFF2-40B4-BE49-F238E27FC236}">
+                <a16:creationId xmlns:a16="http://schemas.microsoft.com/office/drawing/2014/main" id="{2F0E30CC-C8CD-29D7-87FF-C04760ACE845}"/>
+              </a:ext>
+            </a:extLst>
+          </p:cNvPr>
+          <p:cNvCxnSpPr>
+            <a:cxnSpLocks/>
+            <a:endCxn id="152" idx="0"/>
+          </p:cNvCxnSpPr>
+          <p:nvPr/>
+        </p:nvCxnSpPr>
+        <p:spPr>
+          <a:xfrm flipH="1">
+            <a:off x="7129586" y="2196510"/>
+            <a:ext cx="279773" cy="589774"/>
+          </a:xfrm>
+          <a:prstGeom prst="line">
+            <a:avLst/>
+          </a:prstGeom>
+        </p:spPr>
+        <p:style>
+          <a:lnRef idx="1">
+            <a:schemeClr val="accent1"/>
+          </a:lnRef>
+          <a:fillRef idx="0">
+            <a:schemeClr val="accent1"/>
+          </a:fillRef>
+          <a:effectRef idx="0">
+            <a:schemeClr val="accent1"/>
+          </a:effectRef>
+          <a:fontRef idx="minor">
+            <a:schemeClr val="tx1"/>
+          </a:fontRef>
+        </p:style>
+      </p:cxnSp>
+      <p:cxnSp>
+        <p:nvCxnSpPr>
+          <p:cNvPr id="206" name="Straight Arrow Connector 205">
+            <a:extLst>
+              <a:ext uri="{FF2B5EF4-FFF2-40B4-BE49-F238E27FC236}">
+                <a16:creationId xmlns:a16="http://schemas.microsoft.com/office/drawing/2014/main" id="{5C8B49C2-26A8-6121-8F90-3CA78CE13FAE}"/>
+              </a:ext>
+            </a:extLst>
+          </p:cNvPr>
+          <p:cNvCxnSpPr>
+            <a:cxnSpLocks/>
+            <a:stCxn id="152" idx="2"/>
+          </p:cNvCxnSpPr>
+          <p:nvPr/>
+        </p:nvCxnSpPr>
+        <p:spPr>
+          <a:xfrm>
+            <a:off x="7129586" y="3092768"/>
+            <a:ext cx="279773" cy="489452"/>
+          </a:xfrm>
+          <a:prstGeom prst="straightConnector1">
+            <a:avLst/>
+          </a:prstGeom>
+          <a:ln>
+            <a:tailEnd type="triangle"/>
+          </a:ln>
+        </p:spPr>
+        <p:style>
+          <a:lnRef idx="1">
+            <a:schemeClr val="accent1"/>
+          </a:lnRef>
+          <a:fillRef idx="0">
+            <a:schemeClr val="accent1"/>
+          </a:fillRef>
+          <a:effectRef idx="0">
+            <a:schemeClr val="accent1"/>
+          </a:effectRef>
+          <a:fontRef idx="minor">
+            <a:schemeClr val="tx1"/>
+          </a:fontRef>
+        </p:style>
+      </p:cxnSp>
+      <p:cxnSp>
+        <p:nvCxnSpPr>
+          <p:cNvPr id="213" name="Straight Connector 212">
+            <a:extLst>
+              <a:ext uri="{FF2B5EF4-FFF2-40B4-BE49-F238E27FC236}">
+                <a16:creationId xmlns:a16="http://schemas.microsoft.com/office/drawing/2014/main" id="{A3A7686D-5A06-FA24-0A32-8A4A4ADFE368}"/>
+              </a:ext>
+            </a:extLst>
+          </p:cNvPr>
+          <p:cNvCxnSpPr>
+            <a:cxnSpLocks/>
+            <a:endCxn id="155" idx="0"/>
+          </p:cNvCxnSpPr>
+          <p:nvPr/>
+        </p:nvCxnSpPr>
+        <p:spPr>
+          <a:xfrm flipH="1">
+            <a:off x="8833921" y="2202606"/>
+            <a:ext cx="300606" cy="550642"/>
+          </a:xfrm>
+          <a:prstGeom prst="line">
+            <a:avLst/>
+          </a:prstGeom>
+        </p:spPr>
+        <p:style>
+          <a:lnRef idx="1">
+            <a:schemeClr val="accent1"/>
+          </a:lnRef>
+          <a:fillRef idx="0">
+            <a:schemeClr val="accent1"/>
+          </a:fillRef>
+          <a:effectRef idx="0">
+            <a:schemeClr val="accent1"/>
+          </a:effectRef>
+          <a:fontRef idx="minor">
+            <a:schemeClr val="tx1"/>
+          </a:fontRef>
+        </p:style>
+      </p:cxnSp>
+      <p:cxnSp>
+        <p:nvCxnSpPr>
+          <p:cNvPr id="215" name="Straight Arrow Connector 214">
+            <a:extLst>
+              <a:ext uri="{FF2B5EF4-FFF2-40B4-BE49-F238E27FC236}">
+                <a16:creationId xmlns:a16="http://schemas.microsoft.com/office/drawing/2014/main" id="{D624DABF-8474-A707-DB7C-14F899E96E59}"/>
+              </a:ext>
+            </a:extLst>
+          </p:cNvPr>
+          <p:cNvCxnSpPr>
+            <a:cxnSpLocks/>
+            <a:stCxn id="155" idx="2"/>
+          </p:cNvCxnSpPr>
+          <p:nvPr/>
+        </p:nvCxnSpPr>
+        <p:spPr>
+          <a:xfrm>
+            <a:off x="8833921" y="3056332"/>
+            <a:ext cx="222768" cy="917731"/>
+          </a:xfrm>
+          <a:prstGeom prst="straightConnector1">
+            <a:avLst/>
+          </a:prstGeom>
+          <a:ln>
+            <a:tailEnd type="triangle"/>
+          </a:ln>
+        </p:spPr>
+        <p:style>
+          <a:lnRef idx="1">
+            <a:schemeClr val="accent1"/>
+          </a:lnRef>
+          <a:fillRef idx="0">
+            <a:schemeClr val="accent1"/>
+          </a:fillRef>
+          <a:effectRef idx="0">
+            <a:schemeClr val="accent1"/>
+          </a:effectRef>
+          <a:fontRef idx="minor">
+            <a:schemeClr val="tx1"/>
+          </a:fontRef>
+        </p:style>
+      </p:cxnSp>
+      <p:cxnSp>
+        <p:nvCxnSpPr>
+          <p:cNvPr id="218" name="Straight Connector 217">
+            <a:extLst>
+              <a:ext uri="{FF2B5EF4-FFF2-40B4-BE49-F238E27FC236}">
+                <a16:creationId xmlns:a16="http://schemas.microsoft.com/office/drawing/2014/main" id="{B893A7F9-8E9E-5ED7-2343-FDA15D1CE669}"/>
+              </a:ext>
+            </a:extLst>
+          </p:cNvPr>
+          <p:cNvCxnSpPr>
+            <a:cxnSpLocks/>
+            <a:stCxn id="64" idx="3"/>
+            <a:endCxn id="158" idx="0"/>
+          </p:cNvCxnSpPr>
+          <p:nvPr/>
+        </p:nvCxnSpPr>
+        <p:spPr>
+          <a:xfrm>
+            <a:off x="4988632" y="3502208"/>
+            <a:ext cx="433367" cy="1320887"/>
+          </a:xfrm>
+          <a:prstGeom prst="line">
+            <a:avLst/>
+          </a:prstGeom>
+        </p:spPr>
+        <p:style>
+          <a:lnRef idx="1">
+            <a:schemeClr val="accent1"/>
+          </a:lnRef>
+          <a:fillRef idx="0">
+            <a:schemeClr val="accent1"/>
+          </a:fillRef>
+          <a:effectRef idx="0">
+            <a:schemeClr val="accent1"/>
+          </a:effectRef>
+          <a:fontRef idx="minor">
+            <a:schemeClr val="tx1"/>
+          </a:fontRef>
+        </p:style>
+      </p:cxnSp>
+      <p:cxnSp>
+        <p:nvCxnSpPr>
+          <p:cNvPr id="222" name="Straight Arrow Connector 221">
+            <a:extLst>
+              <a:ext uri="{FF2B5EF4-FFF2-40B4-BE49-F238E27FC236}">
+                <a16:creationId xmlns:a16="http://schemas.microsoft.com/office/drawing/2014/main" id="{27AEF7FC-885D-4276-4E78-9090ACCFB50B}"/>
+              </a:ext>
+            </a:extLst>
+          </p:cNvPr>
+          <p:cNvCxnSpPr>
+            <a:cxnSpLocks/>
+            <a:stCxn id="158" idx="2"/>
+          </p:cNvCxnSpPr>
+          <p:nvPr/>
+        </p:nvCxnSpPr>
+        <p:spPr>
+          <a:xfrm>
+            <a:off x="5421999" y="5107128"/>
+            <a:ext cx="408727" cy="304998"/>
+          </a:xfrm>
+          <a:prstGeom prst="straightConnector1">
+            <a:avLst/>
+          </a:prstGeom>
+          <a:ln>
+            <a:tailEnd type="triangle"/>
+          </a:ln>
+        </p:spPr>
+        <p:style>
+          <a:lnRef idx="1">
+            <a:schemeClr val="accent1"/>
+          </a:lnRef>
+          <a:fillRef idx="0">
+            <a:schemeClr val="accent1"/>
+          </a:fillRef>
+          <a:effectRef idx="0">
+            <a:schemeClr val="accent1"/>
+          </a:effectRef>
+          <a:fontRef idx="minor">
+            <a:schemeClr val="tx1"/>
+          </a:fontRef>
+        </p:style>
+      </p:cxnSp>
+      <p:cxnSp>
+        <p:nvCxnSpPr>
+          <p:cNvPr id="225" name="Straight Arrow Connector 224">
+            <a:extLst>
+              <a:ext uri="{FF2B5EF4-FFF2-40B4-BE49-F238E27FC236}">
+                <a16:creationId xmlns:a16="http://schemas.microsoft.com/office/drawing/2014/main" id="{91733125-5B1A-DB92-114D-6795AD729AD7}"/>
+              </a:ext>
+            </a:extLst>
+          </p:cNvPr>
+          <p:cNvCxnSpPr>
+            <a:cxnSpLocks/>
+            <a:stCxn id="159" idx="2"/>
+          </p:cNvCxnSpPr>
+          <p:nvPr/>
+        </p:nvCxnSpPr>
+        <p:spPr>
+          <a:xfrm>
+            <a:off x="7194369" y="5096042"/>
+            <a:ext cx="284617" cy="278932"/>
+          </a:xfrm>
+          <a:prstGeom prst="straightConnector1">
+            <a:avLst/>
+          </a:prstGeom>
+          <a:ln>
+            <a:tailEnd type="triangle"/>
+          </a:ln>
+        </p:spPr>
+        <p:style>
+          <a:lnRef idx="1">
+            <a:schemeClr val="accent1"/>
+          </a:lnRef>
+          <a:fillRef idx="0">
+            <a:schemeClr val="accent1"/>
+          </a:fillRef>
+          <a:effectRef idx="0">
+            <a:schemeClr val="accent1"/>
+          </a:effectRef>
+          <a:fontRef idx="minor">
+            <a:schemeClr val="tx1"/>
+          </a:fontRef>
+        </p:style>
+      </p:cxnSp>
+      <p:cxnSp>
+        <p:nvCxnSpPr>
+          <p:cNvPr id="228" name="Straight Connector 227">
+            <a:extLst>
+              <a:ext uri="{FF2B5EF4-FFF2-40B4-BE49-F238E27FC236}">
+                <a16:creationId xmlns:a16="http://schemas.microsoft.com/office/drawing/2014/main" id="{F8C01BEB-DF27-5345-D29F-07FCC54BC495}"/>
+              </a:ext>
+            </a:extLst>
+          </p:cNvPr>
+          <p:cNvCxnSpPr>
+            <a:cxnSpLocks/>
+            <a:endCxn id="159" idx="0"/>
+          </p:cNvCxnSpPr>
+          <p:nvPr/>
+        </p:nvCxnSpPr>
+        <p:spPr>
+          <a:xfrm>
+            <a:off x="6822063" y="4035205"/>
+            <a:ext cx="372306" cy="776804"/>
+          </a:xfrm>
+          <a:prstGeom prst="line">
+            <a:avLst/>
+          </a:prstGeom>
+        </p:spPr>
+        <p:style>
+          <a:lnRef idx="1">
+            <a:schemeClr val="accent1"/>
+          </a:lnRef>
+          <a:fillRef idx="0">
+            <a:schemeClr val="accent1"/>
+          </a:fillRef>
+          <a:effectRef idx="0">
+            <a:schemeClr val="accent1"/>
+          </a:effectRef>
+          <a:fontRef idx="minor">
+            <a:schemeClr val="tx1"/>
+          </a:fontRef>
+        </p:style>
+      </p:cxnSp>
+      <p:cxnSp>
+        <p:nvCxnSpPr>
+          <p:cNvPr id="230" name="Straight Connector 229">
+            <a:extLst>
+              <a:ext uri="{FF2B5EF4-FFF2-40B4-BE49-F238E27FC236}">
+                <a16:creationId xmlns:a16="http://schemas.microsoft.com/office/drawing/2014/main" id="{F7C5472E-FB29-6BDB-3791-6A1AC6F1BA32}"/>
+              </a:ext>
+            </a:extLst>
+          </p:cNvPr>
+          <p:cNvCxnSpPr>
+            <a:cxnSpLocks/>
+            <a:endCxn id="160" idx="0"/>
+          </p:cNvCxnSpPr>
+          <p:nvPr/>
+        </p:nvCxnSpPr>
+        <p:spPr>
+          <a:xfrm>
+            <a:off x="8487248" y="3545956"/>
+            <a:ext cx="320554" cy="1260874"/>
+          </a:xfrm>
+          <a:prstGeom prst="line">
+            <a:avLst/>
+          </a:prstGeom>
+        </p:spPr>
+        <p:style>
+          <a:lnRef idx="1">
+            <a:schemeClr val="accent1"/>
+          </a:lnRef>
+          <a:fillRef idx="0">
+            <a:schemeClr val="accent1"/>
+          </a:fillRef>
+          <a:effectRef idx="0">
+            <a:schemeClr val="accent1"/>
+          </a:effectRef>
+          <a:fontRef idx="minor">
+            <a:schemeClr val="tx1"/>
+          </a:fontRef>
+        </p:style>
+      </p:cxnSp>
+      <p:cxnSp>
+        <p:nvCxnSpPr>
+          <p:cNvPr id="232" name="Straight Arrow Connector 231">
+            <a:extLst>
+              <a:ext uri="{FF2B5EF4-FFF2-40B4-BE49-F238E27FC236}">
+                <a16:creationId xmlns:a16="http://schemas.microsoft.com/office/drawing/2014/main" id="{A1201FA5-A7CC-7880-F74D-9F8550A59ABA}"/>
+              </a:ext>
+            </a:extLst>
+          </p:cNvPr>
+          <p:cNvCxnSpPr>
+            <a:cxnSpLocks/>
+          </p:cNvCxnSpPr>
+          <p:nvPr/>
+        </p:nvCxnSpPr>
+        <p:spPr>
+          <a:xfrm>
+            <a:off x="8809809" y="5083850"/>
+            <a:ext cx="284617" cy="278932"/>
+          </a:xfrm>
+          <a:prstGeom prst="straightConnector1">
+            <a:avLst/>
+          </a:prstGeom>
+          <a:ln>
+            <a:tailEnd type="triangle"/>
+          </a:ln>
+        </p:spPr>
+        <p:style>
+          <a:lnRef idx="1">
+            <a:schemeClr val="accent1"/>
+          </a:lnRef>
+          <a:fillRef idx="0">
+            <a:schemeClr val="accent1"/>
+          </a:fillRef>
+          <a:effectRef idx="0">
+            <a:schemeClr val="accent1"/>
+          </a:effectRef>
+          <a:fontRef idx="minor">
+            <a:schemeClr val="tx1"/>
+          </a:fontRef>
+        </p:style>
+      </p:cxnSp>
     </p:spTree>
     <p:extLst>
       <p:ext uri="{BB962C8B-B14F-4D97-AF65-F5344CB8AC3E}">
@@ -5702,924 +6060,6 @@
   <p:clrMapOvr>
     <a:masterClrMapping/>
   </p:clrMapOvr>
-  <p:timing>
-    <p:tnLst>
-      <p:par>
-        <p:cTn id="1" dur="indefinite" restart="never" nodeType="tmRoot">
-          <p:childTnLst>
-            <p:seq concurrent="1" nextAc="seek">
-              <p:cTn id="2" dur="indefinite" nodeType="mainSeq">
-                <p:childTnLst>
-                  <p:par>
-                    <p:cTn id="3" fill="hold">
-                      <p:stCondLst>
-                        <p:cond delay="indefinite"/>
-                      </p:stCondLst>
-                      <p:childTnLst>
-                        <p:par>
-                          <p:cTn id="4" fill="hold">
-                            <p:stCondLst>
-                              <p:cond delay="0"/>
-                            </p:stCondLst>
-                            <p:childTnLst>
-                              <p:par>
-                                <p:cTn id="5" presetID="1" presetClass="entr" presetSubtype="0" fill="hold" grpId="0" nodeType="clickEffect">
-                                  <p:stCondLst>
-                                    <p:cond delay="0"/>
-                                  </p:stCondLst>
-                                  <p:childTnLst>
-                                    <p:set>
-                                      <p:cBhvr>
-                                        <p:cTn id="6" dur="1" fill="hold">
-                                          <p:stCondLst>
-                                            <p:cond delay="0"/>
-                                          </p:stCondLst>
-                                        </p:cTn>
-                                        <p:tgtEl>
-                                          <p:spTgt spid="24"/>
-                                        </p:tgtEl>
-                                        <p:attrNameLst>
-                                          <p:attrName>style.visibility</p:attrName>
-                                        </p:attrNameLst>
-                                      </p:cBhvr>
-                                      <p:to>
-                                        <p:strVal val="visible"/>
-                                      </p:to>
-                                    </p:set>
-                                  </p:childTnLst>
-                                </p:cTn>
-                              </p:par>
-                              <p:par>
-                                <p:cTn id="7" presetID="1" presetClass="entr" presetSubtype="0" fill="hold" grpId="0" nodeType="withEffect">
-                                  <p:stCondLst>
-                                    <p:cond delay="0"/>
-                                  </p:stCondLst>
-                                  <p:childTnLst>
-                                    <p:set>
-                                      <p:cBhvr>
-                                        <p:cTn id="8" dur="1" fill="hold">
-                                          <p:stCondLst>
-                                            <p:cond delay="0"/>
-                                          </p:stCondLst>
-                                        </p:cTn>
-                                        <p:tgtEl>
-                                          <p:spTgt spid="10"/>
-                                        </p:tgtEl>
-                                        <p:attrNameLst>
-                                          <p:attrName>style.visibility</p:attrName>
-                                        </p:attrNameLst>
-                                      </p:cBhvr>
-                                      <p:to>
-                                        <p:strVal val="visible"/>
-                                      </p:to>
-                                    </p:set>
-                                  </p:childTnLst>
-                                </p:cTn>
-                              </p:par>
-                              <p:par>
-                                <p:cTn id="9" presetID="1" presetClass="entr" presetSubtype="0" fill="hold" grpId="0" nodeType="withEffect">
-                                  <p:stCondLst>
-                                    <p:cond delay="0"/>
-                                  </p:stCondLst>
-                                  <p:childTnLst>
-                                    <p:set>
-                                      <p:cBhvr>
-                                        <p:cTn id="10" dur="1" fill="hold">
-                                          <p:stCondLst>
-                                            <p:cond delay="0"/>
-                                          </p:stCondLst>
-                                        </p:cTn>
-                                        <p:tgtEl>
-                                          <p:spTgt spid="23"/>
-                                        </p:tgtEl>
-                                        <p:attrNameLst>
-                                          <p:attrName>style.visibility</p:attrName>
-                                        </p:attrNameLst>
-                                      </p:cBhvr>
-                                      <p:to>
-                                        <p:strVal val="visible"/>
-                                      </p:to>
-                                    </p:set>
-                                  </p:childTnLst>
-                                </p:cTn>
-                              </p:par>
-                              <p:par>
-                                <p:cTn id="11" presetID="1" presetClass="entr" presetSubtype="0" fill="hold" grpId="0" nodeType="withEffect">
-                                  <p:stCondLst>
-                                    <p:cond delay="0"/>
-                                  </p:stCondLst>
-                                  <p:childTnLst>
-                                    <p:set>
-                                      <p:cBhvr>
-                                        <p:cTn id="12" dur="1" fill="hold">
-                                          <p:stCondLst>
-                                            <p:cond delay="0"/>
-                                          </p:stCondLst>
-                                        </p:cTn>
-                                        <p:tgtEl>
-                                          <p:spTgt spid="5"/>
-                                        </p:tgtEl>
-                                        <p:attrNameLst>
-                                          <p:attrName>style.visibility</p:attrName>
-                                        </p:attrNameLst>
-                                      </p:cBhvr>
-                                      <p:to>
-                                        <p:strVal val="visible"/>
-                                      </p:to>
-                                    </p:set>
-                                  </p:childTnLst>
-                                </p:cTn>
-                              </p:par>
-                              <p:par>
-                                <p:cTn id="13" presetID="1" presetClass="entr" presetSubtype="0" fill="hold" grpId="0" nodeType="withEffect">
-                                  <p:stCondLst>
-                                    <p:cond delay="0"/>
-                                  </p:stCondLst>
-                                  <p:childTnLst>
-                                    <p:set>
-                                      <p:cBhvr>
-                                        <p:cTn id="14" dur="1" fill="hold">
-                                          <p:stCondLst>
-                                            <p:cond delay="0"/>
-                                          </p:stCondLst>
-                                        </p:cTn>
-                                        <p:tgtEl>
-                                          <p:spTgt spid="25"/>
-                                        </p:tgtEl>
-                                        <p:attrNameLst>
-                                          <p:attrName>style.visibility</p:attrName>
-                                        </p:attrNameLst>
-                                      </p:cBhvr>
-                                      <p:to>
-                                        <p:strVal val="visible"/>
-                                      </p:to>
-                                    </p:set>
-                                  </p:childTnLst>
-                                </p:cTn>
-                              </p:par>
-                              <p:par>
-                                <p:cTn id="15" presetID="1" presetClass="entr" presetSubtype="0" fill="hold" grpId="0" nodeType="withEffect">
-                                  <p:stCondLst>
-                                    <p:cond delay="0"/>
-                                  </p:stCondLst>
-                                  <p:childTnLst>
-                                    <p:set>
-                                      <p:cBhvr>
-                                        <p:cTn id="16" dur="1" fill="hold">
-                                          <p:stCondLst>
-                                            <p:cond delay="0"/>
-                                          </p:stCondLst>
-                                        </p:cTn>
-                                        <p:tgtEl>
-                                          <p:spTgt spid="6"/>
-                                        </p:tgtEl>
-                                        <p:attrNameLst>
-                                          <p:attrName>style.visibility</p:attrName>
-                                        </p:attrNameLst>
-                                      </p:cBhvr>
-                                      <p:to>
-                                        <p:strVal val="visible"/>
-                                      </p:to>
-                                    </p:set>
-                                  </p:childTnLst>
-                                </p:cTn>
-                              </p:par>
-                              <p:par>
-                                <p:cTn id="17" presetID="1" presetClass="entr" presetSubtype="0" fill="hold" grpId="0" nodeType="withEffect">
-                                  <p:stCondLst>
-                                    <p:cond delay="0"/>
-                                  </p:stCondLst>
-                                  <p:childTnLst>
-                                    <p:set>
-                                      <p:cBhvr>
-                                        <p:cTn id="18" dur="1" fill="hold">
-                                          <p:stCondLst>
-                                            <p:cond delay="0"/>
-                                          </p:stCondLst>
-                                        </p:cTn>
-                                        <p:tgtEl>
-                                          <p:spTgt spid="26"/>
-                                        </p:tgtEl>
-                                        <p:attrNameLst>
-                                          <p:attrName>style.visibility</p:attrName>
-                                        </p:attrNameLst>
-                                      </p:cBhvr>
-                                      <p:to>
-                                        <p:strVal val="visible"/>
-                                      </p:to>
-                                    </p:set>
-                                  </p:childTnLst>
-                                </p:cTn>
-                              </p:par>
-                              <p:par>
-                                <p:cTn id="19" presetID="1" presetClass="entr" presetSubtype="0" fill="hold" grpId="0" nodeType="withEffect">
-                                  <p:stCondLst>
-                                    <p:cond delay="0"/>
-                                  </p:stCondLst>
-                                  <p:childTnLst>
-                                    <p:set>
-                                      <p:cBhvr>
-                                        <p:cTn id="20" dur="1" fill="hold">
-                                          <p:stCondLst>
-                                            <p:cond delay="0"/>
-                                          </p:stCondLst>
-                                        </p:cTn>
-                                        <p:tgtEl>
-                                          <p:spTgt spid="7"/>
-                                        </p:tgtEl>
-                                        <p:attrNameLst>
-                                          <p:attrName>style.visibility</p:attrName>
-                                        </p:attrNameLst>
-                                      </p:cBhvr>
-                                      <p:to>
-                                        <p:strVal val="visible"/>
-                                      </p:to>
-                                    </p:set>
-                                  </p:childTnLst>
-                                </p:cTn>
-                              </p:par>
-                              <p:par>
-                                <p:cTn id="21" presetID="1" presetClass="entr" presetSubtype="0" fill="hold" grpId="0" nodeType="withEffect">
-                                  <p:stCondLst>
-                                    <p:cond delay="0"/>
-                                  </p:stCondLst>
-                                  <p:childTnLst>
-                                    <p:set>
-                                      <p:cBhvr>
-                                        <p:cTn id="22" dur="1" fill="hold">
-                                          <p:stCondLst>
-                                            <p:cond delay="0"/>
-                                          </p:stCondLst>
-                                        </p:cTn>
-                                        <p:tgtEl>
-                                          <p:spTgt spid="27"/>
-                                        </p:tgtEl>
-                                        <p:attrNameLst>
-                                          <p:attrName>style.visibility</p:attrName>
-                                        </p:attrNameLst>
-                                      </p:cBhvr>
-                                      <p:to>
-                                        <p:strVal val="visible"/>
-                                      </p:to>
-                                    </p:set>
-                                  </p:childTnLst>
-                                </p:cTn>
-                              </p:par>
-                              <p:par>
-                                <p:cTn id="23" presetID="1" presetClass="entr" presetSubtype="0" fill="hold" grpId="0" nodeType="withEffect">
-                                  <p:stCondLst>
-                                    <p:cond delay="0"/>
-                                  </p:stCondLst>
-                                  <p:childTnLst>
-                                    <p:set>
-                                      <p:cBhvr>
-                                        <p:cTn id="24" dur="1" fill="hold">
-                                          <p:stCondLst>
-                                            <p:cond delay="0"/>
-                                          </p:stCondLst>
-                                        </p:cTn>
-                                        <p:tgtEl>
-                                          <p:spTgt spid="8"/>
-                                        </p:tgtEl>
-                                        <p:attrNameLst>
-                                          <p:attrName>style.visibility</p:attrName>
-                                        </p:attrNameLst>
-                                      </p:cBhvr>
-                                      <p:to>
-                                        <p:strVal val="visible"/>
-                                      </p:to>
-                                    </p:set>
-                                  </p:childTnLst>
-                                </p:cTn>
-                              </p:par>
-                              <p:par>
-                                <p:cTn id="25" presetID="1" presetClass="entr" presetSubtype="0" fill="hold" grpId="0" nodeType="withEffect">
-                                  <p:stCondLst>
-                                    <p:cond delay="0"/>
-                                  </p:stCondLst>
-                                  <p:childTnLst>
-                                    <p:set>
-                                      <p:cBhvr>
-                                        <p:cTn id="26" dur="1" fill="hold">
-                                          <p:stCondLst>
-                                            <p:cond delay="0"/>
-                                          </p:stCondLst>
-                                        </p:cTn>
-                                        <p:tgtEl>
-                                          <p:spTgt spid="28"/>
-                                        </p:tgtEl>
-                                        <p:attrNameLst>
-                                          <p:attrName>style.visibility</p:attrName>
-                                        </p:attrNameLst>
-                                      </p:cBhvr>
-                                      <p:to>
-                                        <p:strVal val="visible"/>
-                                      </p:to>
-                                    </p:set>
-                                  </p:childTnLst>
-                                </p:cTn>
-                              </p:par>
-                              <p:par>
-                                <p:cTn id="27" presetID="1" presetClass="entr" presetSubtype="0" fill="hold" grpId="0" nodeType="withEffect">
-                                  <p:stCondLst>
-                                    <p:cond delay="0"/>
-                                  </p:stCondLst>
-                                  <p:childTnLst>
-                                    <p:set>
-                                      <p:cBhvr>
-                                        <p:cTn id="28" dur="1" fill="hold">
-                                          <p:stCondLst>
-                                            <p:cond delay="0"/>
-                                          </p:stCondLst>
-                                        </p:cTn>
-                                        <p:tgtEl>
-                                          <p:spTgt spid="9"/>
-                                        </p:tgtEl>
-                                        <p:attrNameLst>
-                                          <p:attrName>style.visibility</p:attrName>
-                                        </p:attrNameLst>
-                                      </p:cBhvr>
-                                      <p:to>
-                                        <p:strVal val="visible"/>
-                                      </p:to>
-                                    </p:set>
-                                  </p:childTnLst>
-                                </p:cTn>
-                              </p:par>
-                              <p:par>
-                                <p:cTn id="29" presetID="1" presetClass="entr" presetSubtype="0" fill="hold" grpId="0" nodeType="withEffect">
-                                  <p:stCondLst>
-                                    <p:cond delay="0"/>
-                                  </p:stCondLst>
-                                  <p:childTnLst>
-                                    <p:set>
-                                      <p:cBhvr>
-                                        <p:cTn id="30" dur="1" fill="hold">
-                                          <p:stCondLst>
-                                            <p:cond delay="0"/>
-                                          </p:stCondLst>
-                                        </p:cTn>
-                                        <p:tgtEl>
-                                          <p:spTgt spid="94"/>
-                                        </p:tgtEl>
-                                        <p:attrNameLst>
-                                          <p:attrName>style.visibility</p:attrName>
-                                        </p:attrNameLst>
-                                      </p:cBhvr>
-                                      <p:to>
-                                        <p:strVal val="visible"/>
-                                      </p:to>
-                                    </p:set>
-                                  </p:childTnLst>
-                                </p:cTn>
-                              </p:par>
-                              <p:par>
-                                <p:cTn id="31" presetID="1" presetClass="entr" presetSubtype="0" fill="hold" grpId="0" nodeType="withEffect">
-                                  <p:stCondLst>
-                                    <p:cond delay="0"/>
-                                  </p:stCondLst>
-                                  <p:childTnLst>
-                                    <p:set>
-                                      <p:cBhvr>
-                                        <p:cTn id="32" dur="1" fill="hold">
-                                          <p:stCondLst>
-                                            <p:cond delay="0"/>
-                                          </p:stCondLst>
-                                        </p:cTn>
-                                        <p:tgtEl>
-                                          <p:spTgt spid="17"/>
-                                        </p:tgtEl>
-                                        <p:attrNameLst>
-                                          <p:attrName>style.visibility</p:attrName>
-                                        </p:attrNameLst>
-                                      </p:cBhvr>
-                                      <p:to>
-                                        <p:strVal val="visible"/>
-                                      </p:to>
-                                    </p:set>
-                                  </p:childTnLst>
-                                </p:cTn>
-                              </p:par>
-                              <p:par>
-                                <p:cTn id="33" presetID="1" presetClass="entr" presetSubtype="0" fill="hold" grpId="0" nodeType="withEffect">
-                                  <p:stCondLst>
-                                    <p:cond delay="0"/>
-                                  </p:stCondLst>
-                                  <p:childTnLst>
-                                    <p:set>
-                                      <p:cBhvr>
-                                        <p:cTn id="34" dur="1" fill="hold">
-                                          <p:stCondLst>
-                                            <p:cond delay="0"/>
-                                          </p:stCondLst>
-                                        </p:cTn>
-                                        <p:tgtEl>
-                                          <p:spTgt spid="16"/>
-                                        </p:tgtEl>
-                                        <p:attrNameLst>
-                                          <p:attrName>style.visibility</p:attrName>
-                                        </p:attrNameLst>
-                                      </p:cBhvr>
-                                      <p:to>
-                                        <p:strVal val="visible"/>
-                                      </p:to>
-                                    </p:set>
-                                  </p:childTnLst>
-                                </p:cTn>
-                              </p:par>
-                              <p:par>
-                                <p:cTn id="35" presetID="1" presetClass="entr" presetSubtype="0" fill="hold" grpId="0" nodeType="withEffect">
-                                  <p:stCondLst>
-                                    <p:cond delay="0"/>
-                                  </p:stCondLst>
-                                  <p:childTnLst>
-                                    <p:set>
-                                      <p:cBhvr>
-                                        <p:cTn id="36" dur="1" fill="hold">
-                                          <p:stCondLst>
-                                            <p:cond delay="0"/>
-                                          </p:stCondLst>
-                                        </p:cTn>
-                                        <p:tgtEl>
-                                          <p:spTgt spid="20"/>
-                                        </p:tgtEl>
-                                        <p:attrNameLst>
-                                          <p:attrName>style.visibility</p:attrName>
-                                        </p:attrNameLst>
-                                      </p:cBhvr>
-                                      <p:to>
-                                        <p:strVal val="visible"/>
-                                      </p:to>
-                                    </p:set>
-                                  </p:childTnLst>
-                                </p:cTn>
-                              </p:par>
-                              <p:par>
-                                <p:cTn id="37" presetID="1" presetClass="entr" presetSubtype="0" fill="hold" grpId="0" nodeType="withEffect">
-                                  <p:stCondLst>
-                                    <p:cond delay="0"/>
-                                  </p:stCondLst>
-                                  <p:childTnLst>
-                                    <p:set>
-                                      <p:cBhvr>
-                                        <p:cTn id="38" dur="1" fill="hold">
-                                          <p:stCondLst>
-                                            <p:cond delay="0"/>
-                                          </p:stCondLst>
-                                        </p:cTn>
-                                        <p:tgtEl>
-                                          <p:spTgt spid="21"/>
-                                        </p:tgtEl>
-                                        <p:attrNameLst>
-                                          <p:attrName>style.visibility</p:attrName>
-                                        </p:attrNameLst>
-                                      </p:cBhvr>
-                                      <p:to>
-                                        <p:strVal val="visible"/>
-                                      </p:to>
-                                    </p:set>
-                                  </p:childTnLst>
-                                </p:cTn>
-                              </p:par>
-                              <p:par>
-                                <p:cTn id="39" presetID="1" presetClass="entr" presetSubtype="0" fill="hold" grpId="0" nodeType="withEffect">
-                                  <p:stCondLst>
-                                    <p:cond delay="0"/>
-                                  </p:stCondLst>
-                                  <p:childTnLst>
-                                    <p:set>
-                                      <p:cBhvr>
-                                        <p:cTn id="40" dur="1" fill="hold">
-                                          <p:stCondLst>
-                                            <p:cond delay="0"/>
-                                          </p:stCondLst>
-                                        </p:cTn>
-                                        <p:tgtEl>
-                                          <p:spTgt spid="18"/>
-                                        </p:tgtEl>
-                                        <p:attrNameLst>
-                                          <p:attrName>style.visibility</p:attrName>
-                                        </p:attrNameLst>
-                                      </p:cBhvr>
-                                      <p:to>
-                                        <p:strVal val="visible"/>
-                                      </p:to>
-                                    </p:set>
-                                  </p:childTnLst>
-                                </p:cTn>
-                              </p:par>
-                              <p:par>
-                                <p:cTn id="41" presetID="1" presetClass="entr" presetSubtype="0" fill="hold" grpId="0" nodeType="withEffect">
-                                  <p:stCondLst>
-                                    <p:cond delay="0"/>
-                                  </p:stCondLst>
-                                  <p:childTnLst>
-                                    <p:set>
-                                      <p:cBhvr>
-                                        <p:cTn id="42" dur="1" fill="hold">
-                                          <p:stCondLst>
-                                            <p:cond delay="0"/>
-                                          </p:stCondLst>
-                                        </p:cTn>
-                                        <p:tgtEl>
-                                          <p:spTgt spid="11"/>
-                                        </p:tgtEl>
-                                        <p:attrNameLst>
-                                          <p:attrName>style.visibility</p:attrName>
-                                        </p:attrNameLst>
-                                      </p:cBhvr>
-                                      <p:to>
-                                        <p:strVal val="visible"/>
-                                      </p:to>
-                                    </p:set>
-                                  </p:childTnLst>
-                                </p:cTn>
-                              </p:par>
-                              <p:par>
-                                <p:cTn id="43" presetID="1" presetClass="entr" presetSubtype="0" fill="hold" grpId="0" nodeType="withEffect">
-                                  <p:stCondLst>
-                                    <p:cond delay="0"/>
-                                  </p:stCondLst>
-                                  <p:childTnLst>
-                                    <p:set>
-                                      <p:cBhvr>
-                                        <p:cTn id="44" dur="1" fill="hold">
-                                          <p:stCondLst>
-                                            <p:cond delay="0"/>
-                                          </p:stCondLst>
-                                        </p:cTn>
-                                        <p:tgtEl>
-                                          <p:spTgt spid="12"/>
-                                        </p:tgtEl>
-                                        <p:attrNameLst>
-                                          <p:attrName>style.visibility</p:attrName>
-                                        </p:attrNameLst>
-                                      </p:cBhvr>
-                                      <p:to>
-                                        <p:strVal val="visible"/>
-                                      </p:to>
-                                    </p:set>
-                                  </p:childTnLst>
-                                </p:cTn>
-                              </p:par>
-                              <p:par>
-                                <p:cTn id="45" presetID="1" presetClass="entr" presetSubtype="0" fill="hold" grpId="0" nodeType="withEffect">
-                                  <p:stCondLst>
-                                    <p:cond delay="0"/>
-                                  </p:stCondLst>
-                                  <p:childTnLst>
-                                    <p:set>
-                                      <p:cBhvr>
-                                        <p:cTn id="46" dur="1" fill="hold">
-                                          <p:stCondLst>
-                                            <p:cond delay="0"/>
-                                          </p:stCondLst>
-                                        </p:cTn>
-                                        <p:tgtEl>
-                                          <p:spTgt spid="13"/>
-                                        </p:tgtEl>
-                                        <p:attrNameLst>
-                                          <p:attrName>style.visibility</p:attrName>
-                                        </p:attrNameLst>
-                                      </p:cBhvr>
-                                      <p:to>
-                                        <p:strVal val="visible"/>
-                                      </p:to>
-                                    </p:set>
-                                  </p:childTnLst>
-                                </p:cTn>
-                              </p:par>
-                              <p:par>
-                                <p:cTn id="47" presetID="1" presetClass="entr" presetSubtype="0" fill="hold" grpId="0" nodeType="withEffect">
-                                  <p:stCondLst>
-                                    <p:cond delay="0"/>
-                                  </p:stCondLst>
-                                  <p:childTnLst>
-                                    <p:set>
-                                      <p:cBhvr>
-                                        <p:cTn id="48" dur="1" fill="hold">
-                                          <p:stCondLst>
-                                            <p:cond delay="0"/>
-                                          </p:stCondLst>
-                                        </p:cTn>
-                                        <p:tgtEl>
-                                          <p:spTgt spid="14"/>
-                                        </p:tgtEl>
-                                        <p:attrNameLst>
-                                          <p:attrName>style.visibility</p:attrName>
-                                        </p:attrNameLst>
-                                      </p:cBhvr>
-                                      <p:to>
-                                        <p:strVal val="visible"/>
-                                      </p:to>
-                                    </p:set>
-                                  </p:childTnLst>
-                                </p:cTn>
-                              </p:par>
-                              <p:par>
-                                <p:cTn id="49" presetID="1" presetClass="entr" presetSubtype="0" fill="hold" grpId="0" nodeType="withEffect">
-                                  <p:stCondLst>
-                                    <p:cond delay="0"/>
-                                  </p:stCondLst>
-                                  <p:childTnLst>
-                                    <p:set>
-                                      <p:cBhvr>
-                                        <p:cTn id="50" dur="1" fill="hold">
-                                          <p:stCondLst>
-                                            <p:cond delay="0"/>
-                                          </p:stCondLst>
-                                        </p:cTn>
-                                        <p:tgtEl>
-                                          <p:spTgt spid="15"/>
-                                        </p:tgtEl>
-                                        <p:attrNameLst>
-                                          <p:attrName>style.visibility</p:attrName>
-                                        </p:attrNameLst>
-                                      </p:cBhvr>
-                                      <p:to>
-                                        <p:strVal val="visible"/>
-                                      </p:to>
-                                    </p:set>
-                                  </p:childTnLst>
-                                </p:cTn>
-                              </p:par>
-                              <p:par>
-                                <p:cTn id="51" presetID="1" presetClass="entr" presetSubtype="0" fill="hold" grpId="1" nodeType="withEffect">
-                                  <p:stCondLst>
-                                    <p:cond delay="0"/>
-                                  </p:stCondLst>
-                                  <p:childTnLst>
-                                    <p:set>
-                                      <p:cBhvr>
-                                        <p:cTn id="52" dur="1" fill="hold">
-                                          <p:stCondLst>
-                                            <p:cond delay="0"/>
-                                          </p:stCondLst>
-                                        </p:cTn>
-                                        <p:tgtEl>
-                                          <p:spTgt spid="23"/>
-                                        </p:tgtEl>
-                                        <p:attrNameLst>
-                                          <p:attrName>style.visibility</p:attrName>
-                                        </p:attrNameLst>
-                                      </p:cBhvr>
-                                      <p:to>
-                                        <p:strVal val="visible"/>
-                                      </p:to>
-                                    </p:set>
-                                  </p:childTnLst>
-                                </p:cTn>
-                              </p:par>
-                              <p:par>
-                                <p:cTn id="53" presetID="1" presetClass="entr" presetSubtype="0" fill="hold" grpId="1" nodeType="withEffect">
-                                  <p:stCondLst>
-                                    <p:cond delay="0"/>
-                                  </p:stCondLst>
-                                  <p:childTnLst>
-                                    <p:set>
-                                      <p:cBhvr>
-                                        <p:cTn id="54" dur="1" fill="hold">
-                                          <p:stCondLst>
-                                            <p:cond delay="0"/>
-                                          </p:stCondLst>
-                                        </p:cTn>
-                                        <p:tgtEl>
-                                          <p:spTgt spid="24"/>
-                                        </p:tgtEl>
-                                        <p:attrNameLst>
-                                          <p:attrName>style.visibility</p:attrName>
-                                        </p:attrNameLst>
-                                      </p:cBhvr>
-                                      <p:to>
-                                        <p:strVal val="visible"/>
-                                      </p:to>
-                                    </p:set>
-                                  </p:childTnLst>
-                                </p:cTn>
-                              </p:par>
-                              <p:par>
-                                <p:cTn id="55" presetID="1" presetClass="entr" presetSubtype="0" fill="hold" grpId="1" nodeType="withEffect">
-                                  <p:stCondLst>
-                                    <p:cond delay="0"/>
-                                  </p:stCondLst>
-                                  <p:childTnLst>
-                                    <p:set>
-                                      <p:cBhvr>
-                                        <p:cTn id="56" dur="1" fill="hold">
-                                          <p:stCondLst>
-                                            <p:cond delay="0"/>
-                                          </p:stCondLst>
-                                        </p:cTn>
-                                        <p:tgtEl>
-                                          <p:spTgt spid="25"/>
-                                        </p:tgtEl>
-                                        <p:attrNameLst>
-                                          <p:attrName>style.visibility</p:attrName>
-                                        </p:attrNameLst>
-                                      </p:cBhvr>
-                                      <p:to>
-                                        <p:strVal val="visible"/>
-                                      </p:to>
-                                    </p:set>
-                                  </p:childTnLst>
-                                </p:cTn>
-                              </p:par>
-                              <p:par>
-                                <p:cTn id="57" presetID="1" presetClass="entr" presetSubtype="0" fill="hold" grpId="1" nodeType="withEffect">
-                                  <p:stCondLst>
-                                    <p:cond delay="0"/>
-                                  </p:stCondLst>
-                                  <p:childTnLst>
-                                    <p:set>
-                                      <p:cBhvr>
-                                        <p:cTn id="58" dur="1" fill="hold">
-                                          <p:stCondLst>
-                                            <p:cond delay="0"/>
-                                          </p:stCondLst>
-                                        </p:cTn>
-                                        <p:tgtEl>
-                                          <p:spTgt spid="26"/>
-                                        </p:tgtEl>
-                                        <p:attrNameLst>
-                                          <p:attrName>style.visibility</p:attrName>
-                                        </p:attrNameLst>
-                                      </p:cBhvr>
-                                      <p:to>
-                                        <p:strVal val="visible"/>
-                                      </p:to>
-                                    </p:set>
-                                  </p:childTnLst>
-                                </p:cTn>
-                              </p:par>
-                              <p:par>
-                                <p:cTn id="59" presetID="1" presetClass="entr" presetSubtype="0" fill="hold" grpId="1" nodeType="withEffect">
-                                  <p:stCondLst>
-                                    <p:cond delay="0"/>
-                                  </p:stCondLst>
-                                  <p:childTnLst>
-                                    <p:set>
-                                      <p:cBhvr>
-                                        <p:cTn id="60" dur="1" fill="hold">
-                                          <p:stCondLst>
-                                            <p:cond delay="0"/>
-                                          </p:stCondLst>
-                                        </p:cTn>
-                                        <p:tgtEl>
-                                          <p:spTgt spid="27"/>
-                                        </p:tgtEl>
-                                        <p:attrNameLst>
-                                          <p:attrName>style.visibility</p:attrName>
-                                        </p:attrNameLst>
-                                      </p:cBhvr>
-                                      <p:to>
-                                        <p:strVal val="visible"/>
-                                      </p:to>
-                                    </p:set>
-                                  </p:childTnLst>
-                                </p:cTn>
-                              </p:par>
-                              <p:par>
-                                <p:cTn id="61" presetID="1" presetClass="entr" presetSubtype="0" fill="hold" grpId="1" nodeType="withEffect">
-                                  <p:stCondLst>
-                                    <p:cond delay="0"/>
-                                  </p:stCondLst>
-                                  <p:childTnLst>
-                                    <p:set>
-                                      <p:cBhvr>
-                                        <p:cTn id="62" dur="1" fill="hold">
-                                          <p:stCondLst>
-                                            <p:cond delay="0"/>
-                                          </p:stCondLst>
-                                        </p:cTn>
-                                        <p:tgtEl>
-                                          <p:spTgt spid="28"/>
-                                        </p:tgtEl>
-                                        <p:attrNameLst>
-                                          <p:attrName>style.visibility</p:attrName>
-                                        </p:attrNameLst>
-                                      </p:cBhvr>
-                                      <p:to>
-                                        <p:strVal val="visible"/>
-                                      </p:to>
-                                    </p:set>
-                                  </p:childTnLst>
-                                </p:cTn>
-                              </p:par>
-                              <p:par>
-                                <p:cTn id="63" presetID="1" presetClass="entr" presetSubtype="0" fill="hold" grpId="1" nodeType="withEffect">
-                                  <p:stCondLst>
-                                    <p:cond delay="0"/>
-                                  </p:stCondLst>
-                                  <p:childTnLst>
-                                    <p:set>
-                                      <p:cBhvr>
-                                        <p:cTn id="64" dur="1" fill="hold">
-                                          <p:stCondLst>
-                                            <p:cond delay="0"/>
-                                          </p:stCondLst>
-                                        </p:cTn>
-                                        <p:tgtEl>
-                                          <p:spTgt spid="94"/>
-                                        </p:tgtEl>
-                                        <p:attrNameLst>
-                                          <p:attrName>style.visibility</p:attrName>
-                                        </p:attrNameLst>
-                                      </p:cBhvr>
-                                      <p:to>
-                                        <p:strVal val="visible"/>
-                                      </p:to>
-                                    </p:set>
-                                  </p:childTnLst>
-                                </p:cTn>
-                              </p:par>
-                              <p:par>
-                                <p:cTn id="65" presetID="1" presetClass="entr" presetSubtype="0" fill="hold" grpId="0" nodeType="withEffect">
-                                  <p:stCondLst>
-                                    <p:cond delay="0"/>
-                                  </p:stCondLst>
-                                  <p:childTnLst>
-                                    <p:set>
-                                      <p:cBhvr>
-                                        <p:cTn id="66" dur="1" fill="hold">
-                                          <p:stCondLst>
-                                            <p:cond delay="0"/>
-                                          </p:stCondLst>
-                                        </p:cTn>
-                                        <p:tgtEl>
-                                          <p:spTgt spid="135"/>
-                                        </p:tgtEl>
-                                        <p:attrNameLst>
-                                          <p:attrName>style.visibility</p:attrName>
-                                        </p:attrNameLst>
-                                      </p:cBhvr>
-                                      <p:to>
-                                        <p:strVal val="visible"/>
-                                      </p:to>
-                                    </p:set>
-                                  </p:childTnLst>
-                                </p:cTn>
-                              </p:par>
-                            </p:childTnLst>
-                          </p:cTn>
-                        </p:par>
-                      </p:childTnLst>
-                    </p:cTn>
-                  </p:par>
-                </p:childTnLst>
-              </p:cTn>
-              <p:prevCondLst>
-                <p:cond evt="onPrev" delay="0">
-                  <p:tgtEl>
-                    <p:sldTgt/>
-                  </p:tgtEl>
-                </p:cond>
-              </p:prevCondLst>
-              <p:nextCondLst>
-                <p:cond evt="onNext" delay="0">
-                  <p:tgtEl>
-                    <p:sldTgt/>
-                  </p:tgtEl>
-                </p:cond>
-              </p:nextCondLst>
-            </p:seq>
-          </p:childTnLst>
-        </p:cTn>
-      </p:par>
-    </p:tnLst>
-    <p:bldLst>
-      <p:bldP spid="5" grpId="0" animBg="1"/>
-      <p:bldP spid="6" grpId="0" animBg="1"/>
-      <p:bldP spid="7" grpId="0" animBg="1"/>
-      <p:bldP spid="8" grpId="0" animBg="1"/>
-      <p:bldP spid="9" grpId="0" animBg="1"/>
-      <p:bldP spid="10" grpId="0" animBg="1"/>
-      <p:bldP spid="11" grpId="0" animBg="1"/>
-      <p:bldP spid="12" grpId="0" animBg="1"/>
-      <p:bldP spid="13" grpId="0" animBg="1"/>
-      <p:bldP spid="14" grpId="0" animBg="1"/>
-      <p:bldP spid="15" grpId="0" animBg="1"/>
-      <p:bldP spid="16" grpId="0" animBg="1"/>
-      <p:bldP spid="17" grpId="0" animBg="1"/>
-      <p:bldP spid="18" grpId="0" animBg="1"/>
-      <p:bldP spid="20" grpId="0"/>
-      <p:bldP spid="21" grpId="0"/>
-      <p:bldP spid="23" grpId="0"/>
-      <p:bldP spid="23" grpId="1"/>
-      <p:bldP spid="24" grpId="0"/>
-      <p:bldP spid="24" grpId="1"/>
-      <p:bldP spid="25" grpId="0"/>
-      <p:bldP spid="25" grpId="1"/>
-      <p:bldP spid="26" grpId="0"/>
-      <p:bldP spid="26" grpId="1"/>
-      <p:bldP spid="27" grpId="0"/>
-      <p:bldP spid="27" grpId="1"/>
-      <p:bldP spid="28" grpId="0"/>
-      <p:bldP spid="28" grpId="1"/>
-      <p:bldP spid="94" grpId="0"/>
-      <p:bldP spid="94" grpId="1"/>
-      <p:bldP spid="135" grpId="0" animBg="1"/>
-    </p:bldLst>
-  </p:timing>
 </p:sld>
 </file>
 

--- a/loca_virt_draft.pptx
+++ b/loca_virt_draft.pptx
@@ -4238,8 +4238,8 @@
         </p:nvSpPr>
         <p:spPr>
           <a:xfrm>
-            <a:off x="2400447" y="2560320"/>
-            <a:ext cx="981803" cy="2908258"/>
+            <a:off x="2400447" y="2364610"/>
+            <a:ext cx="981803" cy="3103968"/>
           </a:xfrm>
           <a:prstGeom prst="flowChartAlternateProcess">
             <a:avLst/>
@@ -4285,8 +4285,8 @@
         </p:nvSpPr>
         <p:spPr>
           <a:xfrm>
-            <a:off x="4028314" y="2582063"/>
-            <a:ext cx="981803" cy="2908258"/>
+            <a:off x="4028314" y="2386353"/>
+            <a:ext cx="981803" cy="3103968"/>
           </a:xfrm>
           <a:prstGeom prst="flowChartAlternateProcess">
             <a:avLst/>
@@ -4332,8 +4332,8 @@
         </p:nvSpPr>
         <p:spPr>
           <a:xfrm>
-            <a:off x="5833880" y="2560320"/>
-            <a:ext cx="981803" cy="2908258"/>
+            <a:off x="5833880" y="2400435"/>
+            <a:ext cx="981803" cy="3068143"/>
           </a:xfrm>
           <a:prstGeom prst="flowChartAlternateProcess">
             <a:avLst/>
@@ -4379,8 +4379,8 @@
         </p:nvSpPr>
         <p:spPr>
           <a:xfrm>
-            <a:off x="7484051" y="2560320"/>
-            <a:ext cx="981803" cy="2908258"/>
+            <a:off x="7484051" y="2364610"/>
+            <a:ext cx="981803" cy="3103968"/>
           </a:xfrm>
           <a:prstGeom prst="flowChartAlternateProcess">
             <a:avLst/>
@@ -4426,8 +4426,8 @@
         </p:nvSpPr>
         <p:spPr>
           <a:xfrm>
-            <a:off x="9149749" y="2560320"/>
-            <a:ext cx="981803" cy="2908258"/>
+            <a:off x="9149749" y="2376051"/>
+            <a:ext cx="981803" cy="3092527"/>
           </a:xfrm>
           <a:prstGeom prst="flowChartAlternateProcess">
             <a:avLst/>
@@ -4555,7 +4555,7 @@
         </p:nvSpPr>
         <p:spPr>
           <a:xfrm>
-            <a:off x="4036196" y="3251234"/>
+            <a:off x="4036196" y="3543842"/>
             <a:ext cx="981803" cy="575109"/>
           </a:xfrm>
           <a:prstGeom prst="flowChartAlternateProcess">
@@ -4602,7 +4602,7 @@
         </p:nvSpPr>
         <p:spPr>
           <a:xfrm>
-            <a:off x="4106000" y="3348319"/>
+            <a:off x="4106000" y="3640927"/>
             <a:ext cx="882632" cy="307777"/>
           </a:xfrm>
           <a:prstGeom prst="rect">
@@ -4876,10 +4876,10 @@
       </p:sp>
       <p:pic>
         <p:nvPicPr>
-          <p:cNvPr id="145" name="Picture 144" descr="A picture containing text, screenshot, line, font&#10;&#10;Description automatically generated">
-            <a:extLst>
-              <a:ext uri="{FF2B5EF4-FFF2-40B4-BE49-F238E27FC236}">
-                <a16:creationId xmlns:a16="http://schemas.microsoft.com/office/drawing/2014/main" id="{81B8301F-05A7-056F-509E-1D05113F975A}"/>
+          <p:cNvPr id="147" name="Picture 146">
+            <a:extLst>
+              <a:ext uri="{FF2B5EF4-FFF2-40B4-BE49-F238E27FC236}">
+                <a16:creationId xmlns:a16="http://schemas.microsoft.com/office/drawing/2014/main" id="{4883A65D-F555-AE7B-02FF-04E92E3178B9}"/>
               </a:ext>
             </a:extLst>
           </p:cNvPr>
@@ -4896,8 +4896,8 @@
         </p:blipFill>
         <p:spPr>
           <a:xfrm>
-            <a:off x="361904" y="420597"/>
-            <a:ext cx="10120188" cy="1773766"/>
+            <a:off x="1196428" y="5660568"/>
+            <a:ext cx="8951537" cy="1023712"/>
           </a:xfrm>
           <a:prstGeom prst="rect">
             <a:avLst/>
@@ -4906,10 +4906,10 @@
       </p:pic>
       <p:pic>
         <p:nvPicPr>
-          <p:cNvPr id="147" name="Picture 146">
-            <a:extLst>
-              <a:ext uri="{FF2B5EF4-FFF2-40B4-BE49-F238E27FC236}">
-                <a16:creationId xmlns:a16="http://schemas.microsoft.com/office/drawing/2014/main" id="{4883A65D-F555-AE7B-02FF-04E92E3178B9}"/>
+          <p:cNvPr id="149" name="Picture 148" descr="A number on a white surface&#10;&#10;Description automatically generated with low confidence">
+            <a:extLst>
+              <a:ext uri="{FF2B5EF4-FFF2-40B4-BE49-F238E27FC236}">
+                <a16:creationId xmlns:a16="http://schemas.microsoft.com/office/drawing/2014/main" id="{243F2CCF-0097-DB53-D187-0BE556A989CD}"/>
               </a:ext>
             </a:extLst>
           </p:cNvPr>
@@ -4926,8 +4926,8 @@
         </p:blipFill>
         <p:spPr>
           <a:xfrm>
-            <a:off x="1196428" y="5660568"/>
-            <a:ext cx="8951537" cy="1023712"/>
+            <a:off x="2012501" y="2939526"/>
+            <a:ext cx="346963" cy="306484"/>
           </a:xfrm>
           <a:prstGeom prst="rect">
             <a:avLst/>
@@ -4936,10 +4936,100 @@
       </p:pic>
       <p:pic>
         <p:nvPicPr>
-          <p:cNvPr id="149" name="Picture 148" descr="A number on a white surface&#10;&#10;Description automatically generated with low confidence">
-            <a:extLst>
-              <a:ext uri="{FF2B5EF4-FFF2-40B4-BE49-F238E27FC236}">
-                <a16:creationId xmlns:a16="http://schemas.microsoft.com/office/drawing/2014/main" id="{243F2CCF-0097-DB53-D187-0BE556A989CD}"/>
+          <p:cNvPr id="150" name="Picture 149" descr="A number on a white surface&#10;&#10;Description automatically generated with low confidence">
+            <a:extLst>
+              <a:ext uri="{FF2B5EF4-FFF2-40B4-BE49-F238E27FC236}">
+                <a16:creationId xmlns:a16="http://schemas.microsoft.com/office/drawing/2014/main" id="{807ADCF0-3A4F-9040-81AC-C0737B459B62}"/>
+              </a:ext>
+            </a:extLst>
+          </p:cNvPr>
+          <p:cNvPicPr>
+            <a:picLocks noChangeAspect="1"/>
+          </p:cNvPicPr>
+          <p:nvPr/>
+        </p:nvPicPr>
+        <p:blipFill>
+          <a:blip r:embed="rId3"/>
+          <a:stretch>
+            <a:fillRect/>
+          </a:stretch>
+        </p:blipFill>
+        <p:spPr>
+          <a:xfrm>
+            <a:off x="3576374" y="2888708"/>
+            <a:ext cx="346963" cy="306484"/>
+          </a:xfrm>
+          <a:prstGeom prst="rect">
+            <a:avLst/>
+          </a:prstGeom>
+        </p:spPr>
+      </p:pic>
+      <p:pic>
+        <p:nvPicPr>
+          <p:cNvPr id="151" name="Picture 150" descr="A number on a white surface&#10;&#10;Description automatically generated with low confidence">
+            <a:extLst>
+              <a:ext uri="{FF2B5EF4-FFF2-40B4-BE49-F238E27FC236}">
+                <a16:creationId xmlns:a16="http://schemas.microsoft.com/office/drawing/2014/main" id="{54DC1E61-3B82-412C-CC73-16DD551E07BE}"/>
+              </a:ext>
+            </a:extLst>
+          </p:cNvPr>
+          <p:cNvPicPr>
+            <a:picLocks noChangeAspect="1"/>
+          </p:cNvPicPr>
+          <p:nvPr/>
+        </p:nvPicPr>
+        <p:blipFill>
+          <a:blip r:embed="rId3"/>
+          <a:stretch>
+            <a:fillRect/>
+          </a:stretch>
+        </p:blipFill>
+        <p:spPr>
+          <a:xfrm>
+            <a:off x="5326215" y="2848404"/>
+            <a:ext cx="346963" cy="306484"/>
+          </a:xfrm>
+          <a:prstGeom prst="rect">
+            <a:avLst/>
+          </a:prstGeom>
+        </p:spPr>
+      </p:pic>
+      <p:pic>
+        <p:nvPicPr>
+          <p:cNvPr id="152" name="Picture 151" descr="A number on a white surface&#10;&#10;Description automatically generated with low confidence">
+            <a:extLst>
+              <a:ext uri="{FF2B5EF4-FFF2-40B4-BE49-F238E27FC236}">
+                <a16:creationId xmlns:a16="http://schemas.microsoft.com/office/drawing/2014/main" id="{0427DF4B-FDD7-48C3-4C4B-E88D8BBC4524}"/>
+              </a:ext>
+            </a:extLst>
+          </p:cNvPr>
+          <p:cNvPicPr>
+            <a:picLocks noChangeAspect="1"/>
+          </p:cNvPicPr>
+          <p:nvPr/>
+        </p:nvPicPr>
+        <p:blipFill>
+          <a:blip r:embed="rId3"/>
+          <a:stretch>
+            <a:fillRect/>
+          </a:stretch>
+        </p:blipFill>
+        <p:spPr>
+          <a:xfrm>
+            <a:off x="6956104" y="2786284"/>
+            <a:ext cx="346963" cy="306484"/>
+          </a:xfrm>
+          <a:prstGeom prst="rect">
+            <a:avLst/>
+          </a:prstGeom>
+        </p:spPr>
+      </p:pic>
+      <p:pic>
+        <p:nvPicPr>
+          <p:cNvPr id="155" name="Picture 154" descr="A number on a white surface&#10;&#10;Description automatically generated with low confidence">
+            <a:extLst>
+              <a:ext uri="{FF2B5EF4-FFF2-40B4-BE49-F238E27FC236}">
+                <a16:creationId xmlns:a16="http://schemas.microsoft.com/office/drawing/2014/main" id="{ECEA00E0-4E8D-25F8-BD2C-D9D663F51DB4}"/>
               </a:ext>
             </a:extLst>
           </p:cNvPr>
@@ -4956,8 +5046,8 @@
         </p:blipFill>
         <p:spPr>
           <a:xfrm>
-            <a:off x="2012501" y="2939526"/>
-            <a:ext cx="346963" cy="306484"/>
+            <a:off x="8626374" y="2753248"/>
+            <a:ext cx="415093" cy="303084"/>
           </a:xfrm>
           <a:prstGeom prst="rect">
             <a:avLst/>
@@ -4966,100 +5056,10 @@
       </p:pic>
       <p:pic>
         <p:nvPicPr>
-          <p:cNvPr id="150" name="Picture 149" descr="A number on a white surface&#10;&#10;Description automatically generated with low confidence">
-            <a:extLst>
-              <a:ext uri="{FF2B5EF4-FFF2-40B4-BE49-F238E27FC236}">
-                <a16:creationId xmlns:a16="http://schemas.microsoft.com/office/drawing/2014/main" id="{807ADCF0-3A4F-9040-81AC-C0737B459B62}"/>
-              </a:ext>
-            </a:extLst>
-          </p:cNvPr>
-          <p:cNvPicPr>
-            <a:picLocks noChangeAspect="1"/>
-          </p:cNvPicPr>
-          <p:nvPr/>
-        </p:nvPicPr>
-        <p:blipFill>
-          <a:blip r:embed="rId4"/>
-          <a:stretch>
-            <a:fillRect/>
-          </a:stretch>
-        </p:blipFill>
-        <p:spPr>
-          <a:xfrm>
-            <a:off x="3576374" y="2888708"/>
-            <a:ext cx="346963" cy="306484"/>
-          </a:xfrm>
-          <a:prstGeom prst="rect">
-            <a:avLst/>
-          </a:prstGeom>
-        </p:spPr>
-      </p:pic>
-      <p:pic>
-        <p:nvPicPr>
-          <p:cNvPr id="151" name="Picture 150" descr="A number on a white surface&#10;&#10;Description automatically generated with low confidence">
-            <a:extLst>
-              <a:ext uri="{FF2B5EF4-FFF2-40B4-BE49-F238E27FC236}">
-                <a16:creationId xmlns:a16="http://schemas.microsoft.com/office/drawing/2014/main" id="{54DC1E61-3B82-412C-CC73-16DD551E07BE}"/>
-              </a:ext>
-            </a:extLst>
-          </p:cNvPr>
-          <p:cNvPicPr>
-            <a:picLocks noChangeAspect="1"/>
-          </p:cNvPicPr>
-          <p:nvPr/>
-        </p:nvPicPr>
-        <p:blipFill>
-          <a:blip r:embed="rId4"/>
-          <a:stretch>
-            <a:fillRect/>
-          </a:stretch>
-        </p:blipFill>
-        <p:spPr>
-          <a:xfrm>
-            <a:off x="5326215" y="2848404"/>
-            <a:ext cx="346963" cy="306484"/>
-          </a:xfrm>
-          <a:prstGeom prst="rect">
-            <a:avLst/>
-          </a:prstGeom>
-        </p:spPr>
-      </p:pic>
-      <p:pic>
-        <p:nvPicPr>
-          <p:cNvPr id="152" name="Picture 151" descr="A number on a white surface&#10;&#10;Description automatically generated with low confidence">
-            <a:extLst>
-              <a:ext uri="{FF2B5EF4-FFF2-40B4-BE49-F238E27FC236}">
-                <a16:creationId xmlns:a16="http://schemas.microsoft.com/office/drawing/2014/main" id="{0427DF4B-FDD7-48C3-4C4B-E88D8BBC4524}"/>
-              </a:ext>
-            </a:extLst>
-          </p:cNvPr>
-          <p:cNvPicPr>
-            <a:picLocks noChangeAspect="1"/>
-          </p:cNvPicPr>
-          <p:nvPr/>
-        </p:nvPicPr>
-        <p:blipFill>
-          <a:blip r:embed="rId4"/>
-          <a:stretch>
-            <a:fillRect/>
-          </a:stretch>
-        </p:blipFill>
-        <p:spPr>
-          <a:xfrm>
-            <a:off x="6956104" y="2786284"/>
-            <a:ext cx="346963" cy="306484"/>
-          </a:xfrm>
-          <a:prstGeom prst="rect">
-            <a:avLst/>
-          </a:prstGeom>
-        </p:spPr>
-      </p:pic>
-      <p:pic>
-        <p:nvPicPr>
-          <p:cNvPr id="155" name="Picture 154" descr="A number on a white surface&#10;&#10;Description automatically generated with low confidence">
-            <a:extLst>
-              <a:ext uri="{FF2B5EF4-FFF2-40B4-BE49-F238E27FC236}">
-                <a16:creationId xmlns:a16="http://schemas.microsoft.com/office/drawing/2014/main" id="{ECEA00E0-4E8D-25F8-BD2C-D9D663F51DB4}"/>
+          <p:cNvPr id="157" name="Picture 156" descr="A number on a white surface&#10;&#10;Description automatically generated with low confidence">
+            <a:extLst>
+              <a:ext uri="{FF2B5EF4-FFF2-40B4-BE49-F238E27FC236}">
+                <a16:creationId xmlns:a16="http://schemas.microsoft.com/office/drawing/2014/main" id="{1903940E-2BFA-4C19-B948-E7EC9EC50F45}"/>
               </a:ext>
             </a:extLst>
           </p:cNvPr>
@@ -5076,8 +5076,8 @@
         </p:blipFill>
         <p:spPr>
           <a:xfrm>
-            <a:off x="8626374" y="2753248"/>
-            <a:ext cx="415093" cy="303084"/>
+            <a:off x="3563234" y="4786697"/>
+            <a:ext cx="383115" cy="284033"/>
           </a:xfrm>
           <a:prstGeom prst="rect">
             <a:avLst/>
@@ -5086,10 +5086,10 @@
       </p:pic>
       <p:pic>
         <p:nvPicPr>
-          <p:cNvPr id="157" name="Picture 156" descr="A number on a white surface&#10;&#10;Description automatically generated with low confidence">
-            <a:extLst>
-              <a:ext uri="{FF2B5EF4-FFF2-40B4-BE49-F238E27FC236}">
-                <a16:creationId xmlns:a16="http://schemas.microsoft.com/office/drawing/2014/main" id="{1903940E-2BFA-4C19-B948-E7EC9EC50F45}"/>
+          <p:cNvPr id="158" name="Picture 157" descr="A number on a white surface&#10;&#10;Description automatically generated with low confidence">
+            <a:extLst>
+              <a:ext uri="{FF2B5EF4-FFF2-40B4-BE49-F238E27FC236}">
+                <a16:creationId xmlns:a16="http://schemas.microsoft.com/office/drawing/2014/main" id="{D5C670AB-7C68-5269-9846-B5A3FB6FC6BD}"/>
               </a:ext>
             </a:extLst>
           </p:cNvPr>
@@ -5099,14 +5099,14 @@
           <p:nvPr/>
         </p:nvPicPr>
         <p:blipFill>
-          <a:blip r:embed="rId6"/>
+          <a:blip r:embed="rId5"/>
           <a:stretch>
             <a:fillRect/>
           </a:stretch>
         </p:blipFill>
         <p:spPr>
           <a:xfrm>
-            <a:off x="3563234" y="4786697"/>
+            <a:off x="5230441" y="4823095"/>
             <a:ext cx="383115" cy="284033"/>
           </a:xfrm>
           <a:prstGeom prst="rect">
@@ -5116,10 +5116,10 @@
       </p:pic>
       <p:pic>
         <p:nvPicPr>
-          <p:cNvPr id="158" name="Picture 157" descr="A number on a white surface&#10;&#10;Description automatically generated with low confidence">
-            <a:extLst>
-              <a:ext uri="{FF2B5EF4-FFF2-40B4-BE49-F238E27FC236}">
-                <a16:creationId xmlns:a16="http://schemas.microsoft.com/office/drawing/2014/main" id="{D5C670AB-7C68-5269-9846-B5A3FB6FC6BD}"/>
+          <p:cNvPr id="159" name="Picture 158" descr="A number on a white surface&#10;&#10;Description automatically generated with low confidence">
+            <a:extLst>
+              <a:ext uri="{FF2B5EF4-FFF2-40B4-BE49-F238E27FC236}">
+                <a16:creationId xmlns:a16="http://schemas.microsoft.com/office/drawing/2014/main" id="{26D6EBF0-0BF9-5E88-6039-038DEEDB9E9E}"/>
               </a:ext>
             </a:extLst>
           </p:cNvPr>
@@ -5129,14 +5129,14 @@
           <p:nvPr/>
         </p:nvPicPr>
         <p:blipFill>
-          <a:blip r:embed="rId6"/>
+          <a:blip r:embed="rId5"/>
           <a:stretch>
             <a:fillRect/>
           </a:stretch>
         </p:blipFill>
         <p:spPr>
           <a:xfrm>
-            <a:off x="5230441" y="4823095"/>
+            <a:off x="7002811" y="4812009"/>
             <a:ext cx="383115" cy="284033"/>
           </a:xfrm>
           <a:prstGeom prst="rect">
@@ -5146,10 +5146,10 @@
       </p:pic>
       <p:pic>
         <p:nvPicPr>
-          <p:cNvPr id="159" name="Picture 158" descr="A number on a white surface&#10;&#10;Description automatically generated with low confidence">
-            <a:extLst>
-              <a:ext uri="{FF2B5EF4-FFF2-40B4-BE49-F238E27FC236}">
-                <a16:creationId xmlns:a16="http://schemas.microsoft.com/office/drawing/2014/main" id="{26D6EBF0-0BF9-5E88-6039-038DEEDB9E9E}"/>
+          <p:cNvPr id="160" name="Picture 159" descr="A number on a white surface&#10;&#10;Description automatically generated with low confidence">
+            <a:extLst>
+              <a:ext uri="{FF2B5EF4-FFF2-40B4-BE49-F238E27FC236}">
+                <a16:creationId xmlns:a16="http://schemas.microsoft.com/office/drawing/2014/main" id="{001F7FD6-E8E8-0BC9-9F80-02F83311449B}"/>
               </a:ext>
             </a:extLst>
           </p:cNvPr>
@@ -5159,43 +5159,13 @@
           <p:nvPr/>
         </p:nvPicPr>
         <p:blipFill>
-          <a:blip r:embed="rId6"/>
+          <a:blip r:embed="rId5"/>
           <a:stretch>
             <a:fillRect/>
           </a:stretch>
         </p:blipFill>
         <p:spPr>
           <a:xfrm>
-            <a:off x="7002811" y="4812009"/>
-            <a:ext cx="383115" cy="284033"/>
-          </a:xfrm>
-          <a:prstGeom prst="rect">
-            <a:avLst/>
-          </a:prstGeom>
-        </p:spPr>
-      </p:pic>
-      <p:pic>
-        <p:nvPicPr>
-          <p:cNvPr id="160" name="Picture 159" descr="A number on a white surface&#10;&#10;Description automatically generated with low confidence">
-            <a:extLst>
-              <a:ext uri="{FF2B5EF4-FFF2-40B4-BE49-F238E27FC236}">
-                <a16:creationId xmlns:a16="http://schemas.microsoft.com/office/drawing/2014/main" id="{001F7FD6-E8E8-0BC9-9F80-02F83311449B}"/>
-              </a:ext>
-            </a:extLst>
-          </p:cNvPr>
-          <p:cNvPicPr>
-            <a:picLocks noChangeAspect="1"/>
-          </p:cNvPicPr>
-          <p:nvPr/>
-        </p:nvPicPr>
-        <p:blipFill>
-          <a:blip r:embed="rId6"/>
-          <a:stretch>
-            <a:fillRect/>
-          </a:stretch>
-        </p:blipFill>
-        <p:spPr>
-          <a:xfrm>
             <a:off x="8616244" y="4806830"/>
             <a:ext cx="383115" cy="284033"/>
           </a:xfrm>
@@ -5221,8 +5191,8 @@
         </p:nvCxnSpPr>
         <p:spPr>
           <a:xfrm flipH="1">
-            <a:off x="2185983" y="2211473"/>
-            <a:ext cx="229350" cy="728053"/>
+            <a:off x="2185983" y="1989571"/>
+            <a:ext cx="381028" cy="949955"/>
           </a:xfrm>
           <a:prstGeom prst="line">
             <a:avLst/>
@@ -5500,8 +5470,8 @@
         </p:nvCxnSpPr>
         <p:spPr>
           <a:xfrm flipH="1">
-            <a:off x="3749856" y="2199142"/>
-            <a:ext cx="262871" cy="689566"/>
+            <a:off x="3749856" y="1989571"/>
+            <a:ext cx="405749" cy="899137"/>
           </a:xfrm>
           <a:prstGeom prst="line">
             <a:avLst/>
@@ -5534,14 +5504,13 @@
           <p:cNvCxnSpPr>
             <a:cxnSpLocks/>
             <a:stCxn id="150" idx="2"/>
-            <a:endCxn id="63" idx="1"/>
           </p:cNvCxnSpPr>
           <p:nvPr/>
         </p:nvCxnSpPr>
         <p:spPr>
           <a:xfrm>
             <a:off x="3749856" y="3195192"/>
-            <a:ext cx="286340" cy="343597"/>
+            <a:ext cx="196493" cy="688761"/>
           </a:xfrm>
           <a:prstGeom prst="straightConnector1">
             <a:avLst/>
@@ -5581,8 +5550,8 @@
         </p:nvCxnSpPr>
         <p:spPr>
           <a:xfrm flipH="1">
-            <a:off x="5536273" y="2208702"/>
-            <a:ext cx="166206" cy="639702"/>
+            <a:off x="5536273" y="1988421"/>
+            <a:ext cx="314626" cy="859983"/>
           </a:xfrm>
           <a:prstGeom prst="line">
             <a:avLst/>
@@ -5662,8 +5631,8 @@
         </p:nvCxnSpPr>
         <p:spPr>
           <a:xfrm flipH="1">
-            <a:off x="7129586" y="2196510"/>
-            <a:ext cx="279773" cy="589774"/>
+            <a:off x="7129586" y="1985200"/>
+            <a:ext cx="313902" cy="801084"/>
           </a:xfrm>
           <a:prstGeom prst="line">
             <a:avLst/>
@@ -5743,8 +5712,8 @@
         </p:nvCxnSpPr>
         <p:spPr>
           <a:xfrm flipH="1">
-            <a:off x="8833921" y="2202606"/>
-            <a:ext cx="300606" cy="550642"/>
+            <a:off x="8833921" y="2041083"/>
+            <a:ext cx="312886" cy="712165"/>
           </a:xfrm>
           <a:prstGeom prst="line">
             <a:avLst/>
@@ -5777,13 +5746,14 @@
           <p:cNvCxnSpPr>
             <a:cxnSpLocks/>
             <a:stCxn id="155" idx="2"/>
+            <a:endCxn id="69" idx="1"/>
           </p:cNvCxnSpPr>
           <p:nvPr/>
         </p:nvCxnSpPr>
         <p:spPr>
           <a:xfrm>
             <a:off x="8833921" y="3056332"/>
-            <a:ext cx="222768" cy="917731"/>
+            <a:ext cx="317492" cy="978874"/>
           </a:xfrm>
           <a:prstGeom prst="straightConnector1">
             <a:avLst/>
@@ -5825,8 +5795,8 @@
         </p:nvCxnSpPr>
         <p:spPr>
           <a:xfrm>
-            <a:off x="4988632" y="3502208"/>
-            <a:ext cx="433367" cy="1320887"/>
+            <a:off x="4988632" y="3794816"/>
+            <a:ext cx="433367" cy="1028279"/>
           </a:xfrm>
           <a:prstGeom prst="line">
             <a:avLst/>
@@ -6050,6 +6020,450 @@
           </a:fontRef>
         </p:style>
       </p:cxnSp>
+      <p:sp>
+        <p:nvSpPr>
+          <p:cNvPr id="233" name="Alternate Process 232">
+            <a:extLst>
+              <a:ext uri="{FF2B5EF4-FFF2-40B4-BE49-F238E27FC236}">
+                <a16:creationId xmlns:a16="http://schemas.microsoft.com/office/drawing/2014/main" id="{8B774F6A-DFC8-B2A7-2219-428269051C48}"/>
+              </a:ext>
+            </a:extLst>
+          </p:cNvPr>
+          <p:cNvSpPr/>
+          <p:nvPr/>
+        </p:nvSpPr>
+        <p:spPr>
+          <a:xfrm>
+            <a:off x="2403141" y="2376051"/>
+            <a:ext cx="981803" cy="575109"/>
+          </a:xfrm>
+          <a:prstGeom prst="flowChartAlternateProcess">
+            <a:avLst/>
+          </a:prstGeom>
+          <a:noFill/>
+        </p:spPr>
+        <p:style>
+          <a:lnRef idx="2">
+            <a:schemeClr val="accent1">
+              <a:shade val="50000"/>
+            </a:schemeClr>
+          </a:lnRef>
+          <a:fillRef idx="1">
+            <a:schemeClr val="accent1"/>
+          </a:fillRef>
+          <a:effectRef idx="0">
+            <a:schemeClr val="accent1"/>
+          </a:effectRef>
+          <a:fontRef idx="minor">
+            <a:schemeClr val="lt1"/>
+          </a:fontRef>
+        </p:style>
+        <p:txBody>
+          <a:bodyPr rtlCol="0" anchor="ctr"/>
+          <a:lstStyle/>
+          <a:p>
+            <a:pPr algn="ctr"/>
+            <a:endParaRPr lang="en-US"/>
+          </a:p>
+        </p:txBody>
+      </p:sp>
+      <p:sp>
+        <p:nvSpPr>
+          <p:cNvPr id="234" name="TextBox 233">
+            <a:extLst>
+              <a:ext uri="{FF2B5EF4-FFF2-40B4-BE49-F238E27FC236}">
+                <a16:creationId xmlns:a16="http://schemas.microsoft.com/office/drawing/2014/main" id="{F178E385-520C-8B73-CD91-3FE7E552FFC4}"/>
+              </a:ext>
+            </a:extLst>
+          </p:cNvPr>
+          <p:cNvSpPr txBox="1"/>
+          <p:nvPr/>
+        </p:nvSpPr>
+        <p:spPr>
+          <a:xfrm>
+            <a:off x="2491233" y="2491424"/>
+            <a:ext cx="882632" cy="307777"/>
+          </a:xfrm>
+          <a:prstGeom prst="rect">
+            <a:avLst/>
+          </a:prstGeom>
+          <a:noFill/>
+        </p:spPr>
+        <p:txBody>
+          <a:bodyPr wrap="square" rtlCol="0">
+            <a:spAutoFit/>
+          </a:bodyPr>
+          <a:lstStyle/>
+          <a:p>
+            <a:r>
+              <a:rPr lang="en-US" sz="1400" dirty="0"/>
+              <a:t>L4-Table</a:t>
+            </a:r>
+          </a:p>
+        </p:txBody>
+      </p:sp>
+      <p:sp>
+        <p:nvSpPr>
+          <p:cNvPr id="236" name="Alternate Process 235">
+            <a:extLst>
+              <a:ext uri="{FF2B5EF4-FFF2-40B4-BE49-F238E27FC236}">
+                <a16:creationId xmlns:a16="http://schemas.microsoft.com/office/drawing/2014/main" id="{6EB9EAA9-0310-3BD1-821A-FA210E7F689F}"/>
+              </a:ext>
+            </a:extLst>
+          </p:cNvPr>
+          <p:cNvSpPr/>
+          <p:nvPr/>
+        </p:nvSpPr>
+        <p:spPr>
+          <a:xfrm>
+            <a:off x="4036869" y="2400435"/>
+            <a:ext cx="981803" cy="575109"/>
+          </a:xfrm>
+          <a:prstGeom prst="flowChartAlternateProcess">
+            <a:avLst/>
+          </a:prstGeom>
+          <a:noFill/>
+        </p:spPr>
+        <p:style>
+          <a:lnRef idx="2">
+            <a:schemeClr val="accent1">
+              <a:shade val="50000"/>
+            </a:schemeClr>
+          </a:lnRef>
+          <a:fillRef idx="1">
+            <a:schemeClr val="accent1"/>
+          </a:fillRef>
+          <a:effectRef idx="0">
+            <a:schemeClr val="accent1"/>
+          </a:effectRef>
+          <a:fontRef idx="minor">
+            <a:schemeClr val="lt1"/>
+          </a:fontRef>
+        </p:style>
+        <p:txBody>
+          <a:bodyPr rtlCol="0" anchor="ctr"/>
+          <a:lstStyle/>
+          <a:p>
+            <a:pPr algn="ctr"/>
+            <a:endParaRPr lang="en-US"/>
+          </a:p>
+        </p:txBody>
+      </p:sp>
+      <p:sp>
+        <p:nvSpPr>
+          <p:cNvPr id="237" name="TextBox 236">
+            <a:extLst>
+              <a:ext uri="{FF2B5EF4-FFF2-40B4-BE49-F238E27FC236}">
+                <a16:creationId xmlns:a16="http://schemas.microsoft.com/office/drawing/2014/main" id="{0359B324-BA54-6332-59AA-30B1BEBE384B}"/>
+              </a:ext>
+            </a:extLst>
+          </p:cNvPr>
+          <p:cNvSpPr txBox="1"/>
+          <p:nvPr/>
+        </p:nvSpPr>
+        <p:spPr>
+          <a:xfrm>
+            <a:off x="4143249" y="2515808"/>
+            <a:ext cx="882632" cy="307777"/>
+          </a:xfrm>
+          <a:prstGeom prst="rect">
+            <a:avLst/>
+          </a:prstGeom>
+          <a:noFill/>
+        </p:spPr>
+        <p:txBody>
+          <a:bodyPr wrap="square" rtlCol="0">
+            <a:spAutoFit/>
+          </a:bodyPr>
+          <a:lstStyle/>
+          <a:p>
+            <a:r>
+              <a:rPr lang="en-US" sz="1400" dirty="0"/>
+              <a:t>L3-Table</a:t>
+            </a:r>
+          </a:p>
+        </p:txBody>
+      </p:sp>
+      <p:sp>
+        <p:nvSpPr>
+          <p:cNvPr id="239" name="Alternate Process 238">
+            <a:extLst>
+              <a:ext uri="{FF2B5EF4-FFF2-40B4-BE49-F238E27FC236}">
+                <a16:creationId xmlns:a16="http://schemas.microsoft.com/office/drawing/2014/main" id="{073F89E6-717E-E125-3DA4-C1B44762F70D}"/>
+              </a:ext>
+            </a:extLst>
+          </p:cNvPr>
+          <p:cNvSpPr/>
+          <p:nvPr/>
+        </p:nvSpPr>
+        <p:spPr>
+          <a:xfrm>
+            <a:off x="5847381" y="2418723"/>
+            <a:ext cx="981803" cy="575109"/>
+          </a:xfrm>
+          <a:prstGeom prst="flowChartAlternateProcess">
+            <a:avLst/>
+          </a:prstGeom>
+          <a:noFill/>
+        </p:spPr>
+        <p:style>
+          <a:lnRef idx="2">
+            <a:schemeClr val="accent1">
+              <a:shade val="50000"/>
+            </a:schemeClr>
+          </a:lnRef>
+          <a:fillRef idx="1">
+            <a:schemeClr val="accent1"/>
+          </a:fillRef>
+          <a:effectRef idx="0">
+            <a:schemeClr val="accent1"/>
+          </a:effectRef>
+          <a:fontRef idx="minor">
+            <a:schemeClr val="lt1"/>
+          </a:fontRef>
+        </p:style>
+        <p:txBody>
+          <a:bodyPr rtlCol="0" anchor="ctr"/>
+          <a:lstStyle/>
+          <a:p>
+            <a:pPr algn="ctr"/>
+            <a:endParaRPr lang="en-US"/>
+          </a:p>
+        </p:txBody>
+      </p:sp>
+      <p:sp>
+        <p:nvSpPr>
+          <p:cNvPr id="240" name="TextBox 239">
+            <a:extLst>
+              <a:ext uri="{FF2B5EF4-FFF2-40B4-BE49-F238E27FC236}">
+                <a16:creationId xmlns:a16="http://schemas.microsoft.com/office/drawing/2014/main" id="{230634E8-84DD-F36B-6816-73414FECF6F5}"/>
+              </a:ext>
+            </a:extLst>
+          </p:cNvPr>
+          <p:cNvSpPr txBox="1"/>
+          <p:nvPr/>
+        </p:nvSpPr>
+        <p:spPr>
+          <a:xfrm>
+            <a:off x="5935473" y="2534096"/>
+            <a:ext cx="882632" cy="307777"/>
+          </a:xfrm>
+          <a:prstGeom prst="rect">
+            <a:avLst/>
+          </a:prstGeom>
+          <a:noFill/>
+        </p:spPr>
+        <p:txBody>
+          <a:bodyPr wrap="square" rtlCol="0">
+            <a:spAutoFit/>
+          </a:bodyPr>
+          <a:lstStyle/>
+          <a:p>
+            <a:r>
+              <a:rPr lang="en-US" sz="1400" dirty="0"/>
+              <a:t>L2-Table</a:t>
+            </a:r>
+          </a:p>
+        </p:txBody>
+      </p:sp>
+      <p:sp>
+        <p:nvSpPr>
+          <p:cNvPr id="241" name="Alternate Process 240">
+            <a:extLst>
+              <a:ext uri="{FF2B5EF4-FFF2-40B4-BE49-F238E27FC236}">
+                <a16:creationId xmlns:a16="http://schemas.microsoft.com/office/drawing/2014/main" id="{70CADEB5-9D06-982B-0A7D-78B0E8F55C88}"/>
+              </a:ext>
+            </a:extLst>
+          </p:cNvPr>
+          <p:cNvSpPr/>
+          <p:nvPr/>
+        </p:nvSpPr>
+        <p:spPr>
+          <a:xfrm>
+            <a:off x="7481109" y="2369955"/>
+            <a:ext cx="981803" cy="575109"/>
+          </a:xfrm>
+          <a:prstGeom prst="flowChartAlternateProcess">
+            <a:avLst/>
+          </a:prstGeom>
+          <a:noFill/>
+        </p:spPr>
+        <p:style>
+          <a:lnRef idx="2">
+            <a:schemeClr val="accent1">
+              <a:shade val="50000"/>
+            </a:schemeClr>
+          </a:lnRef>
+          <a:fillRef idx="1">
+            <a:schemeClr val="accent1"/>
+          </a:fillRef>
+          <a:effectRef idx="0">
+            <a:schemeClr val="accent1"/>
+          </a:effectRef>
+          <a:fontRef idx="minor">
+            <a:schemeClr val="lt1"/>
+          </a:fontRef>
+        </p:style>
+        <p:txBody>
+          <a:bodyPr rtlCol="0" anchor="ctr"/>
+          <a:lstStyle/>
+          <a:p>
+            <a:pPr algn="ctr"/>
+            <a:endParaRPr lang="en-US"/>
+          </a:p>
+        </p:txBody>
+      </p:sp>
+      <p:sp>
+        <p:nvSpPr>
+          <p:cNvPr id="242" name="TextBox 241">
+            <a:extLst>
+              <a:ext uri="{FF2B5EF4-FFF2-40B4-BE49-F238E27FC236}">
+                <a16:creationId xmlns:a16="http://schemas.microsoft.com/office/drawing/2014/main" id="{AAD0CEDD-08D5-E7E2-8019-D569C87D05D9}"/>
+              </a:ext>
+            </a:extLst>
+          </p:cNvPr>
+          <p:cNvSpPr txBox="1"/>
+          <p:nvPr/>
+        </p:nvSpPr>
+        <p:spPr>
+          <a:xfrm>
+            <a:off x="7569201" y="2485328"/>
+            <a:ext cx="882632" cy="307777"/>
+          </a:xfrm>
+          <a:prstGeom prst="rect">
+            <a:avLst/>
+          </a:prstGeom>
+          <a:noFill/>
+        </p:spPr>
+        <p:txBody>
+          <a:bodyPr wrap="square" rtlCol="0">
+            <a:spAutoFit/>
+          </a:bodyPr>
+          <a:lstStyle/>
+          <a:p>
+            <a:r>
+              <a:rPr lang="en-US" sz="1400" dirty="0"/>
+              <a:t>L1-Table</a:t>
+            </a:r>
+          </a:p>
+        </p:txBody>
+      </p:sp>
+      <p:sp>
+        <p:nvSpPr>
+          <p:cNvPr id="243" name="Alternate Process 242">
+            <a:extLst>
+              <a:ext uri="{FF2B5EF4-FFF2-40B4-BE49-F238E27FC236}">
+                <a16:creationId xmlns:a16="http://schemas.microsoft.com/office/drawing/2014/main" id="{0E3DBEA0-A07C-01D1-F7D4-C8BBD643CBFC}"/>
+              </a:ext>
+            </a:extLst>
+          </p:cNvPr>
+          <p:cNvSpPr/>
+          <p:nvPr/>
+        </p:nvSpPr>
+        <p:spPr>
+          <a:xfrm>
+            <a:off x="9163605" y="2388243"/>
+            <a:ext cx="981803" cy="575109"/>
+          </a:xfrm>
+          <a:prstGeom prst="flowChartAlternateProcess">
+            <a:avLst/>
+          </a:prstGeom>
+          <a:noFill/>
+        </p:spPr>
+        <p:style>
+          <a:lnRef idx="2">
+            <a:schemeClr val="accent1">
+              <a:shade val="50000"/>
+            </a:schemeClr>
+          </a:lnRef>
+          <a:fillRef idx="1">
+            <a:schemeClr val="accent1"/>
+          </a:fillRef>
+          <a:effectRef idx="0">
+            <a:schemeClr val="accent1"/>
+          </a:effectRef>
+          <a:fontRef idx="minor">
+            <a:schemeClr val="lt1"/>
+          </a:fontRef>
+        </p:style>
+        <p:txBody>
+          <a:bodyPr rtlCol="0" anchor="ctr"/>
+          <a:lstStyle/>
+          <a:p>
+            <a:pPr algn="ctr"/>
+            <a:endParaRPr lang="en-US"/>
+          </a:p>
+        </p:txBody>
+      </p:sp>
+      <p:sp>
+        <p:nvSpPr>
+          <p:cNvPr id="244" name="TextBox 243">
+            <a:extLst>
+              <a:ext uri="{FF2B5EF4-FFF2-40B4-BE49-F238E27FC236}">
+                <a16:creationId xmlns:a16="http://schemas.microsoft.com/office/drawing/2014/main" id="{9C40E9E2-64ED-B49D-95BE-7F1C2FD5DE11}"/>
+              </a:ext>
+            </a:extLst>
+          </p:cNvPr>
+          <p:cNvSpPr txBox="1"/>
+          <p:nvPr/>
+        </p:nvSpPr>
+        <p:spPr>
+          <a:xfrm>
+            <a:off x="9251697" y="2503616"/>
+            <a:ext cx="882632" cy="307777"/>
+          </a:xfrm>
+          <a:prstGeom prst="rect">
+            <a:avLst/>
+          </a:prstGeom>
+          <a:noFill/>
+        </p:spPr>
+        <p:txBody>
+          <a:bodyPr wrap="square" rtlCol="0">
+            <a:spAutoFit/>
+          </a:bodyPr>
+          <a:lstStyle/>
+          <a:p>
+            <a:r>
+              <a:rPr lang="en-US" sz="1400" dirty="0" err="1"/>
+              <a:t>Phy</a:t>
+            </a:r>
+            <a:r>
+              <a:rPr lang="en-US" sz="1400" dirty="0"/>
+              <a:t>. Page</a:t>
+            </a:r>
+          </a:p>
+        </p:txBody>
+      </p:sp>
+      <p:pic>
+        <p:nvPicPr>
+          <p:cNvPr id="251" name="Picture 250" descr="A picture containing text, screenshot, font, line&#10;&#10;Description automatically generated">
+            <a:extLst>
+              <a:ext uri="{FF2B5EF4-FFF2-40B4-BE49-F238E27FC236}">
+                <a16:creationId xmlns:a16="http://schemas.microsoft.com/office/drawing/2014/main" id="{2C52F968-AA29-DF0B-62CD-CD795E234C75}"/>
+              </a:ext>
+            </a:extLst>
+          </p:cNvPr>
+          <p:cNvPicPr>
+            <a:picLocks noChangeAspect="1"/>
+          </p:cNvPicPr>
+          <p:nvPr/>
+        </p:nvPicPr>
+        <p:blipFill>
+          <a:blip r:embed="rId6"/>
+          <a:stretch>
+            <a:fillRect/>
+          </a:stretch>
+        </p:blipFill>
+        <p:spPr>
+          <a:xfrm>
+            <a:off x="597389" y="478804"/>
+            <a:ext cx="9649218" cy="1552748"/>
+          </a:xfrm>
+          <a:prstGeom prst="rect">
+            <a:avLst/>
+          </a:prstGeom>
+        </p:spPr>
+      </p:pic>
     </p:spTree>
     <p:extLst>
       <p:ext uri="{BB962C8B-B14F-4D97-AF65-F5344CB8AC3E}">
@@ -6060,6 +6474,1728 @@
   <p:clrMapOvr>
     <a:masterClrMapping/>
   </p:clrMapOvr>
+  <p:timing>
+    <p:tnLst>
+      <p:par>
+        <p:cTn id="1" dur="indefinite" restart="never" nodeType="tmRoot">
+          <p:childTnLst>
+            <p:seq concurrent="1" nextAc="seek">
+              <p:cTn id="2" dur="indefinite" nodeType="mainSeq">
+                <p:childTnLst>
+                  <p:par>
+                    <p:cTn id="3" fill="hold">
+                      <p:stCondLst>
+                        <p:cond delay="indefinite"/>
+                      </p:stCondLst>
+                      <p:childTnLst>
+                        <p:par>
+                          <p:cTn id="4" fill="hold">
+                            <p:stCondLst>
+                              <p:cond delay="0"/>
+                            </p:stCondLst>
+                            <p:childTnLst>
+                              <p:par>
+                                <p:cTn id="5" presetID="1" presetClass="entr" presetSubtype="0" fill="hold" nodeType="clickEffect">
+                                  <p:stCondLst>
+                                    <p:cond delay="0"/>
+                                  </p:stCondLst>
+                                  <p:childTnLst>
+                                    <p:set>
+                                      <p:cBhvr>
+                                        <p:cTn id="6" dur="1" fill="hold">
+                                          <p:stCondLst>
+                                            <p:cond delay="0"/>
+                                          </p:stCondLst>
+                                        </p:cTn>
+                                        <p:tgtEl>
+                                          <p:spTgt spid="251"/>
+                                        </p:tgtEl>
+                                        <p:attrNameLst>
+                                          <p:attrName>style.visibility</p:attrName>
+                                        </p:attrNameLst>
+                                      </p:cBhvr>
+                                      <p:to>
+                                        <p:strVal val="visible"/>
+                                      </p:to>
+                                    </p:set>
+                                  </p:childTnLst>
+                                </p:cTn>
+                              </p:par>
+                              <p:par>
+                                <p:cTn id="7" presetID="1" presetClass="entr" presetSubtype="0" fill="hold" nodeType="withEffect">
+                                  <p:stCondLst>
+                                    <p:cond delay="0"/>
+                                  </p:stCondLst>
+                                  <p:childTnLst>
+                                    <p:set>
+                                      <p:cBhvr>
+                                        <p:cTn id="8" dur="1" fill="hold">
+                                          <p:stCondLst>
+                                            <p:cond delay="0"/>
+                                          </p:stCondLst>
+                                        </p:cTn>
+                                        <p:tgtEl>
+                                          <p:spTgt spid="147"/>
+                                        </p:tgtEl>
+                                        <p:attrNameLst>
+                                          <p:attrName>style.visibility</p:attrName>
+                                        </p:attrNameLst>
+                                      </p:cBhvr>
+                                      <p:to>
+                                        <p:strVal val="visible"/>
+                                      </p:to>
+                                    </p:set>
+                                  </p:childTnLst>
+                                </p:cTn>
+                              </p:par>
+                            </p:childTnLst>
+                          </p:cTn>
+                        </p:par>
+                      </p:childTnLst>
+                    </p:cTn>
+                  </p:par>
+                  <p:par>
+                    <p:cTn id="9" fill="hold">
+                      <p:stCondLst>
+                        <p:cond delay="indefinite"/>
+                      </p:stCondLst>
+                      <p:childTnLst>
+                        <p:par>
+                          <p:cTn id="10" fill="hold">
+                            <p:stCondLst>
+                              <p:cond delay="0"/>
+                            </p:stCondLst>
+                            <p:childTnLst>
+                              <p:par>
+                                <p:cTn id="11" presetID="1" presetClass="entr" presetSubtype="0" fill="hold" grpId="0" nodeType="clickEffect">
+                                  <p:stCondLst>
+                                    <p:cond delay="0"/>
+                                  </p:stCondLst>
+                                  <p:childTnLst>
+                                    <p:set>
+                                      <p:cBhvr>
+                                        <p:cTn id="12" dur="1" fill="hold">
+                                          <p:stCondLst>
+                                            <p:cond delay="0"/>
+                                          </p:stCondLst>
+                                        </p:cTn>
+                                        <p:tgtEl>
+                                          <p:spTgt spid="234"/>
+                                        </p:tgtEl>
+                                        <p:attrNameLst>
+                                          <p:attrName>style.visibility</p:attrName>
+                                        </p:attrNameLst>
+                                      </p:cBhvr>
+                                      <p:to>
+                                        <p:strVal val="visible"/>
+                                      </p:to>
+                                    </p:set>
+                                  </p:childTnLst>
+                                </p:cTn>
+                              </p:par>
+                              <p:par>
+                                <p:cTn id="13" presetID="1" presetClass="entr" presetSubtype="0" fill="hold" grpId="0" nodeType="withEffect">
+                                  <p:stCondLst>
+                                    <p:cond delay="0"/>
+                                  </p:stCondLst>
+                                  <p:childTnLst>
+                                    <p:set>
+                                      <p:cBhvr>
+                                        <p:cTn id="14" dur="1" fill="hold">
+                                          <p:stCondLst>
+                                            <p:cond delay="0"/>
+                                          </p:stCondLst>
+                                        </p:cTn>
+                                        <p:tgtEl>
+                                          <p:spTgt spid="233"/>
+                                        </p:tgtEl>
+                                        <p:attrNameLst>
+                                          <p:attrName>style.visibility</p:attrName>
+                                        </p:attrNameLst>
+                                      </p:cBhvr>
+                                      <p:to>
+                                        <p:strVal val="visible"/>
+                                      </p:to>
+                                    </p:set>
+                                  </p:childTnLst>
+                                </p:cTn>
+                              </p:par>
+                              <p:par>
+                                <p:cTn id="15" presetID="1" presetClass="entr" presetSubtype="0" fill="hold" grpId="0" nodeType="withEffect">
+                                  <p:stCondLst>
+                                    <p:cond delay="0"/>
+                                  </p:stCondLst>
+                                  <p:childTnLst>
+                                    <p:set>
+                                      <p:cBhvr>
+                                        <p:cTn id="16" dur="1" fill="hold">
+                                          <p:stCondLst>
+                                            <p:cond delay="0"/>
+                                          </p:stCondLst>
+                                        </p:cTn>
+                                        <p:tgtEl>
+                                          <p:spTgt spid="11"/>
+                                        </p:tgtEl>
+                                        <p:attrNameLst>
+                                          <p:attrName>style.visibility</p:attrName>
+                                        </p:attrNameLst>
+                                      </p:cBhvr>
+                                      <p:to>
+                                        <p:strVal val="visible"/>
+                                      </p:to>
+                                    </p:set>
+                                  </p:childTnLst>
+                                </p:cTn>
+                              </p:par>
+                              <p:par>
+                                <p:cTn id="17" presetID="1" presetClass="entr" presetSubtype="0" fill="hold" grpId="0" nodeType="withEffect">
+                                  <p:stCondLst>
+                                    <p:cond delay="0"/>
+                                  </p:stCondLst>
+                                  <p:childTnLst>
+                                    <p:set>
+                                      <p:cBhvr>
+                                        <p:cTn id="18" dur="1" fill="hold">
+                                          <p:stCondLst>
+                                            <p:cond delay="0"/>
+                                          </p:stCondLst>
+                                        </p:cTn>
+                                        <p:tgtEl>
+                                          <p:spTgt spid="237"/>
+                                        </p:tgtEl>
+                                        <p:attrNameLst>
+                                          <p:attrName>style.visibility</p:attrName>
+                                        </p:attrNameLst>
+                                      </p:cBhvr>
+                                      <p:to>
+                                        <p:strVal val="visible"/>
+                                      </p:to>
+                                    </p:set>
+                                  </p:childTnLst>
+                                </p:cTn>
+                              </p:par>
+                              <p:par>
+                                <p:cTn id="19" presetID="1" presetClass="entr" presetSubtype="0" fill="hold" grpId="0" nodeType="withEffect">
+                                  <p:stCondLst>
+                                    <p:cond delay="0"/>
+                                  </p:stCondLst>
+                                  <p:childTnLst>
+                                    <p:set>
+                                      <p:cBhvr>
+                                        <p:cTn id="20" dur="1" fill="hold">
+                                          <p:stCondLst>
+                                            <p:cond delay="0"/>
+                                          </p:stCondLst>
+                                        </p:cTn>
+                                        <p:tgtEl>
+                                          <p:spTgt spid="236"/>
+                                        </p:tgtEl>
+                                        <p:attrNameLst>
+                                          <p:attrName>style.visibility</p:attrName>
+                                        </p:attrNameLst>
+                                      </p:cBhvr>
+                                      <p:to>
+                                        <p:strVal val="visible"/>
+                                      </p:to>
+                                    </p:set>
+                                  </p:childTnLst>
+                                </p:cTn>
+                              </p:par>
+                              <p:par>
+                                <p:cTn id="21" presetID="1" presetClass="entr" presetSubtype="0" fill="hold" grpId="0" nodeType="withEffect">
+                                  <p:stCondLst>
+                                    <p:cond delay="0"/>
+                                  </p:stCondLst>
+                                  <p:childTnLst>
+                                    <p:set>
+                                      <p:cBhvr>
+                                        <p:cTn id="22" dur="1" fill="hold">
+                                          <p:stCondLst>
+                                            <p:cond delay="0"/>
+                                          </p:stCondLst>
+                                        </p:cTn>
+                                        <p:tgtEl>
+                                          <p:spTgt spid="12"/>
+                                        </p:tgtEl>
+                                        <p:attrNameLst>
+                                          <p:attrName>style.visibility</p:attrName>
+                                        </p:attrNameLst>
+                                      </p:cBhvr>
+                                      <p:to>
+                                        <p:strVal val="visible"/>
+                                      </p:to>
+                                    </p:set>
+                                  </p:childTnLst>
+                                </p:cTn>
+                              </p:par>
+                              <p:par>
+                                <p:cTn id="23" presetID="1" presetClass="entr" presetSubtype="0" fill="hold" grpId="0" nodeType="withEffect">
+                                  <p:stCondLst>
+                                    <p:cond delay="0"/>
+                                  </p:stCondLst>
+                                  <p:childTnLst>
+                                    <p:set>
+                                      <p:cBhvr>
+                                        <p:cTn id="24" dur="1" fill="hold">
+                                          <p:stCondLst>
+                                            <p:cond delay="0"/>
+                                          </p:stCondLst>
+                                        </p:cTn>
+                                        <p:tgtEl>
+                                          <p:spTgt spid="239"/>
+                                        </p:tgtEl>
+                                        <p:attrNameLst>
+                                          <p:attrName>style.visibility</p:attrName>
+                                        </p:attrNameLst>
+                                      </p:cBhvr>
+                                      <p:to>
+                                        <p:strVal val="visible"/>
+                                      </p:to>
+                                    </p:set>
+                                  </p:childTnLst>
+                                </p:cTn>
+                              </p:par>
+                              <p:par>
+                                <p:cTn id="25" presetID="1" presetClass="entr" presetSubtype="0" fill="hold" grpId="0" nodeType="withEffect">
+                                  <p:stCondLst>
+                                    <p:cond delay="0"/>
+                                  </p:stCondLst>
+                                  <p:childTnLst>
+                                    <p:set>
+                                      <p:cBhvr>
+                                        <p:cTn id="26" dur="1" fill="hold">
+                                          <p:stCondLst>
+                                            <p:cond delay="0"/>
+                                          </p:stCondLst>
+                                        </p:cTn>
+                                        <p:tgtEl>
+                                          <p:spTgt spid="240"/>
+                                        </p:tgtEl>
+                                        <p:attrNameLst>
+                                          <p:attrName>style.visibility</p:attrName>
+                                        </p:attrNameLst>
+                                      </p:cBhvr>
+                                      <p:to>
+                                        <p:strVal val="visible"/>
+                                      </p:to>
+                                    </p:set>
+                                  </p:childTnLst>
+                                </p:cTn>
+                              </p:par>
+                              <p:par>
+                                <p:cTn id="27" presetID="1" presetClass="entr" presetSubtype="0" fill="hold" grpId="0" nodeType="withEffect">
+                                  <p:stCondLst>
+                                    <p:cond delay="0"/>
+                                  </p:stCondLst>
+                                  <p:childTnLst>
+                                    <p:set>
+                                      <p:cBhvr>
+                                        <p:cTn id="28" dur="1" fill="hold">
+                                          <p:stCondLst>
+                                            <p:cond delay="0"/>
+                                          </p:stCondLst>
+                                        </p:cTn>
+                                        <p:tgtEl>
+                                          <p:spTgt spid="13"/>
+                                        </p:tgtEl>
+                                        <p:attrNameLst>
+                                          <p:attrName>style.visibility</p:attrName>
+                                        </p:attrNameLst>
+                                      </p:cBhvr>
+                                      <p:to>
+                                        <p:strVal val="visible"/>
+                                      </p:to>
+                                    </p:set>
+                                  </p:childTnLst>
+                                </p:cTn>
+                              </p:par>
+                              <p:par>
+                                <p:cTn id="29" presetID="1" presetClass="entr" presetSubtype="0" fill="hold" grpId="0" nodeType="withEffect">
+                                  <p:stCondLst>
+                                    <p:cond delay="0"/>
+                                  </p:stCondLst>
+                                  <p:childTnLst>
+                                    <p:set>
+                                      <p:cBhvr>
+                                        <p:cTn id="30" dur="1" fill="hold">
+                                          <p:stCondLst>
+                                            <p:cond delay="0"/>
+                                          </p:stCondLst>
+                                        </p:cTn>
+                                        <p:tgtEl>
+                                          <p:spTgt spid="242"/>
+                                        </p:tgtEl>
+                                        <p:attrNameLst>
+                                          <p:attrName>style.visibility</p:attrName>
+                                        </p:attrNameLst>
+                                      </p:cBhvr>
+                                      <p:to>
+                                        <p:strVal val="visible"/>
+                                      </p:to>
+                                    </p:set>
+                                  </p:childTnLst>
+                                </p:cTn>
+                              </p:par>
+                              <p:par>
+                                <p:cTn id="31" presetID="1" presetClass="entr" presetSubtype="0" fill="hold" grpId="0" nodeType="withEffect">
+                                  <p:stCondLst>
+                                    <p:cond delay="0"/>
+                                  </p:stCondLst>
+                                  <p:childTnLst>
+                                    <p:set>
+                                      <p:cBhvr>
+                                        <p:cTn id="32" dur="1" fill="hold">
+                                          <p:stCondLst>
+                                            <p:cond delay="0"/>
+                                          </p:stCondLst>
+                                        </p:cTn>
+                                        <p:tgtEl>
+                                          <p:spTgt spid="241"/>
+                                        </p:tgtEl>
+                                        <p:attrNameLst>
+                                          <p:attrName>style.visibility</p:attrName>
+                                        </p:attrNameLst>
+                                      </p:cBhvr>
+                                      <p:to>
+                                        <p:strVal val="visible"/>
+                                      </p:to>
+                                    </p:set>
+                                  </p:childTnLst>
+                                </p:cTn>
+                              </p:par>
+                              <p:par>
+                                <p:cTn id="33" presetID="1" presetClass="entr" presetSubtype="0" fill="hold" grpId="0" nodeType="withEffect">
+                                  <p:stCondLst>
+                                    <p:cond delay="0"/>
+                                  </p:stCondLst>
+                                  <p:childTnLst>
+                                    <p:set>
+                                      <p:cBhvr>
+                                        <p:cTn id="34" dur="1" fill="hold">
+                                          <p:stCondLst>
+                                            <p:cond delay="0"/>
+                                          </p:stCondLst>
+                                        </p:cTn>
+                                        <p:tgtEl>
+                                          <p:spTgt spid="14"/>
+                                        </p:tgtEl>
+                                        <p:attrNameLst>
+                                          <p:attrName>style.visibility</p:attrName>
+                                        </p:attrNameLst>
+                                      </p:cBhvr>
+                                      <p:to>
+                                        <p:strVal val="visible"/>
+                                      </p:to>
+                                    </p:set>
+                                  </p:childTnLst>
+                                </p:cTn>
+                              </p:par>
+                              <p:par>
+                                <p:cTn id="35" presetID="1" presetClass="entr" presetSubtype="0" fill="hold" grpId="0" nodeType="withEffect">
+                                  <p:stCondLst>
+                                    <p:cond delay="0"/>
+                                  </p:stCondLst>
+                                  <p:childTnLst>
+                                    <p:set>
+                                      <p:cBhvr>
+                                        <p:cTn id="36" dur="1" fill="hold">
+                                          <p:stCondLst>
+                                            <p:cond delay="0"/>
+                                          </p:stCondLst>
+                                        </p:cTn>
+                                        <p:tgtEl>
+                                          <p:spTgt spid="244"/>
+                                        </p:tgtEl>
+                                        <p:attrNameLst>
+                                          <p:attrName>style.visibility</p:attrName>
+                                        </p:attrNameLst>
+                                      </p:cBhvr>
+                                      <p:to>
+                                        <p:strVal val="visible"/>
+                                      </p:to>
+                                    </p:set>
+                                  </p:childTnLst>
+                                </p:cTn>
+                              </p:par>
+                              <p:par>
+                                <p:cTn id="37" presetID="1" presetClass="entr" presetSubtype="0" fill="hold" grpId="0" nodeType="withEffect">
+                                  <p:stCondLst>
+                                    <p:cond delay="0"/>
+                                  </p:stCondLst>
+                                  <p:childTnLst>
+                                    <p:set>
+                                      <p:cBhvr>
+                                        <p:cTn id="38" dur="1" fill="hold">
+                                          <p:stCondLst>
+                                            <p:cond delay="0"/>
+                                          </p:stCondLst>
+                                        </p:cTn>
+                                        <p:tgtEl>
+                                          <p:spTgt spid="243"/>
+                                        </p:tgtEl>
+                                        <p:attrNameLst>
+                                          <p:attrName>style.visibility</p:attrName>
+                                        </p:attrNameLst>
+                                      </p:cBhvr>
+                                      <p:to>
+                                        <p:strVal val="visible"/>
+                                      </p:to>
+                                    </p:set>
+                                  </p:childTnLst>
+                                </p:cTn>
+                              </p:par>
+                              <p:par>
+                                <p:cTn id="39" presetID="1" presetClass="entr" presetSubtype="0" fill="hold" grpId="0" nodeType="withEffect">
+                                  <p:stCondLst>
+                                    <p:cond delay="0"/>
+                                  </p:stCondLst>
+                                  <p:childTnLst>
+                                    <p:set>
+                                      <p:cBhvr>
+                                        <p:cTn id="40" dur="1" fill="hold">
+                                          <p:stCondLst>
+                                            <p:cond delay="0"/>
+                                          </p:stCondLst>
+                                        </p:cTn>
+                                        <p:tgtEl>
+                                          <p:spTgt spid="69"/>
+                                        </p:tgtEl>
+                                        <p:attrNameLst>
+                                          <p:attrName>style.visibility</p:attrName>
+                                        </p:attrNameLst>
+                                      </p:cBhvr>
+                                      <p:to>
+                                        <p:strVal val="visible"/>
+                                      </p:to>
+                                    </p:set>
+                                  </p:childTnLst>
+                                </p:cTn>
+                              </p:par>
+                              <p:par>
+                                <p:cTn id="41" presetID="1" presetClass="entr" presetSubtype="0" fill="hold" grpId="0" nodeType="withEffect">
+                                  <p:stCondLst>
+                                    <p:cond delay="0"/>
+                                  </p:stCondLst>
+                                  <p:childTnLst>
+                                    <p:set>
+                                      <p:cBhvr>
+                                        <p:cTn id="42" dur="1" fill="hold">
+                                          <p:stCondLst>
+                                            <p:cond delay="0"/>
+                                          </p:stCondLst>
+                                        </p:cTn>
+                                        <p:tgtEl>
+                                          <p:spTgt spid="70"/>
+                                        </p:tgtEl>
+                                        <p:attrNameLst>
+                                          <p:attrName>style.visibility</p:attrName>
+                                        </p:attrNameLst>
+                                      </p:cBhvr>
+                                      <p:to>
+                                        <p:strVal val="visible"/>
+                                      </p:to>
+                                    </p:set>
+                                  </p:childTnLst>
+                                </p:cTn>
+                              </p:par>
+                              <p:par>
+                                <p:cTn id="43" presetID="1" presetClass="entr" presetSubtype="0" fill="hold" grpId="0" nodeType="withEffect">
+                                  <p:stCondLst>
+                                    <p:cond delay="0"/>
+                                  </p:stCondLst>
+                                  <p:childTnLst>
+                                    <p:set>
+                                      <p:cBhvr>
+                                        <p:cTn id="44" dur="1" fill="hold">
+                                          <p:stCondLst>
+                                            <p:cond delay="0"/>
+                                          </p:stCondLst>
+                                        </p:cTn>
+                                        <p:tgtEl>
+                                          <p:spTgt spid="15"/>
+                                        </p:tgtEl>
+                                        <p:attrNameLst>
+                                          <p:attrName>style.visibility</p:attrName>
+                                        </p:attrNameLst>
+                                      </p:cBhvr>
+                                      <p:to>
+                                        <p:strVal val="visible"/>
+                                      </p:to>
+                                    </p:set>
+                                  </p:childTnLst>
+                                </p:cTn>
+                              </p:par>
+                            </p:childTnLst>
+                          </p:cTn>
+                        </p:par>
+                      </p:childTnLst>
+                    </p:cTn>
+                  </p:par>
+                  <p:par>
+                    <p:cTn id="45" fill="hold">
+                      <p:stCondLst>
+                        <p:cond delay="indefinite"/>
+                      </p:stCondLst>
+                      <p:childTnLst>
+                        <p:par>
+                          <p:cTn id="46" fill="hold">
+                            <p:stCondLst>
+                              <p:cond delay="0"/>
+                            </p:stCondLst>
+                            <p:childTnLst>
+                              <p:par>
+                                <p:cTn id="47" presetID="1" presetClass="entr" presetSubtype="0" fill="hold" nodeType="clickEffect">
+                                  <p:stCondLst>
+                                    <p:cond delay="0"/>
+                                  </p:stCondLst>
+                                  <p:childTnLst>
+                                    <p:set>
+                                      <p:cBhvr>
+                                        <p:cTn id="48" dur="1" fill="hold">
+                                          <p:stCondLst>
+                                            <p:cond delay="0"/>
+                                          </p:stCondLst>
+                                        </p:cTn>
+                                        <p:tgtEl>
+                                          <p:spTgt spid="166"/>
+                                        </p:tgtEl>
+                                        <p:attrNameLst>
+                                          <p:attrName>style.visibility</p:attrName>
+                                        </p:attrNameLst>
+                                      </p:cBhvr>
+                                      <p:to>
+                                        <p:strVal val="visible"/>
+                                      </p:to>
+                                    </p:set>
+                                  </p:childTnLst>
+                                </p:cTn>
+                              </p:par>
+                              <p:par>
+                                <p:cTn id="49" presetID="1" presetClass="entr" presetSubtype="0" fill="hold" nodeType="withEffect">
+                                  <p:stCondLst>
+                                    <p:cond delay="0"/>
+                                  </p:stCondLst>
+                                  <p:childTnLst>
+                                    <p:set>
+                                      <p:cBhvr>
+                                        <p:cTn id="50" dur="1" fill="hold">
+                                          <p:stCondLst>
+                                            <p:cond delay="0"/>
+                                          </p:stCondLst>
+                                        </p:cTn>
+                                        <p:tgtEl>
+                                          <p:spTgt spid="149"/>
+                                        </p:tgtEl>
+                                        <p:attrNameLst>
+                                          <p:attrName>style.visibility</p:attrName>
+                                        </p:attrNameLst>
+                                      </p:cBhvr>
+                                      <p:to>
+                                        <p:strVal val="visible"/>
+                                      </p:to>
+                                    </p:set>
+                                  </p:childTnLst>
+                                </p:cTn>
+                              </p:par>
+                              <p:par>
+                                <p:cTn id="51" presetID="1" presetClass="entr" presetSubtype="0" fill="hold" nodeType="withEffect">
+                                  <p:stCondLst>
+                                    <p:cond delay="0"/>
+                                  </p:stCondLst>
+                                  <p:childTnLst>
+                                    <p:set>
+                                      <p:cBhvr>
+                                        <p:cTn id="52" dur="1" fill="hold">
+                                          <p:stCondLst>
+                                            <p:cond delay="0"/>
+                                          </p:stCondLst>
+                                        </p:cTn>
+                                        <p:tgtEl>
+                                          <p:spTgt spid="169"/>
+                                        </p:tgtEl>
+                                        <p:attrNameLst>
+                                          <p:attrName>style.visibility</p:attrName>
+                                        </p:attrNameLst>
+                                      </p:cBhvr>
+                                      <p:to>
+                                        <p:strVal val="visible"/>
+                                      </p:to>
+                                    </p:set>
+                                  </p:childTnLst>
+                                </p:cTn>
+                              </p:par>
+                              <p:par>
+                                <p:cTn id="53" presetID="1" presetClass="entr" presetSubtype="0" fill="hold" nodeType="withEffect">
+                                  <p:stCondLst>
+                                    <p:cond delay="0"/>
+                                  </p:stCondLst>
+                                  <p:childTnLst>
+                                    <p:set>
+                                      <p:cBhvr>
+                                        <p:cTn id="54" dur="1" fill="hold">
+                                          <p:stCondLst>
+                                            <p:cond delay="0"/>
+                                          </p:stCondLst>
+                                        </p:cTn>
+                                        <p:tgtEl>
+                                          <p:spTgt spid="180"/>
+                                        </p:tgtEl>
+                                        <p:attrNameLst>
+                                          <p:attrName>style.visibility</p:attrName>
+                                        </p:attrNameLst>
+                                      </p:cBhvr>
+                                      <p:to>
+                                        <p:strVal val="visible"/>
+                                      </p:to>
+                                    </p:set>
+                                  </p:childTnLst>
+                                </p:cTn>
+                              </p:par>
+                              <p:par>
+                                <p:cTn id="55" presetID="1" presetClass="entr" presetSubtype="0" fill="hold" nodeType="withEffect">
+                                  <p:stCondLst>
+                                    <p:cond delay="0"/>
+                                  </p:stCondLst>
+                                  <p:childTnLst>
+                                    <p:set>
+                                      <p:cBhvr>
+                                        <p:cTn id="56" dur="1" fill="hold">
+                                          <p:stCondLst>
+                                            <p:cond delay="0"/>
+                                          </p:stCondLst>
+                                        </p:cTn>
+                                        <p:tgtEl>
+                                          <p:spTgt spid="172"/>
+                                        </p:tgtEl>
+                                        <p:attrNameLst>
+                                          <p:attrName>style.visibility</p:attrName>
+                                        </p:attrNameLst>
+                                      </p:cBhvr>
+                                      <p:to>
+                                        <p:strVal val="visible"/>
+                                      </p:to>
+                                    </p:set>
+                                  </p:childTnLst>
+                                </p:cTn>
+                              </p:par>
+                              <p:par>
+                                <p:cTn id="57" presetID="1" presetClass="entr" presetSubtype="0" fill="hold" nodeType="withEffect">
+                                  <p:stCondLst>
+                                    <p:cond delay="0"/>
+                                  </p:stCondLst>
+                                  <p:childTnLst>
+                                    <p:set>
+                                      <p:cBhvr>
+                                        <p:cTn id="58" dur="1" fill="hold">
+                                          <p:stCondLst>
+                                            <p:cond delay="0"/>
+                                          </p:stCondLst>
+                                        </p:cTn>
+                                        <p:tgtEl>
+                                          <p:spTgt spid="178"/>
+                                        </p:tgtEl>
+                                        <p:attrNameLst>
+                                          <p:attrName>style.visibility</p:attrName>
+                                        </p:attrNameLst>
+                                      </p:cBhvr>
+                                      <p:to>
+                                        <p:strVal val="visible"/>
+                                      </p:to>
+                                    </p:set>
+                                  </p:childTnLst>
+                                </p:cTn>
+                              </p:par>
+                              <p:par>
+                                <p:cTn id="59" presetID="1" presetClass="entr" presetSubtype="0" fill="hold" grpId="0" nodeType="withEffect">
+                                  <p:stCondLst>
+                                    <p:cond delay="0"/>
+                                  </p:stCondLst>
+                                  <p:childTnLst>
+                                    <p:set>
+                                      <p:cBhvr>
+                                        <p:cTn id="60" dur="1" fill="hold">
+                                          <p:stCondLst>
+                                            <p:cond delay="0"/>
+                                          </p:stCondLst>
+                                        </p:cTn>
+                                        <p:tgtEl>
+                                          <p:spTgt spid="62"/>
+                                        </p:tgtEl>
+                                        <p:attrNameLst>
+                                          <p:attrName>style.visibility</p:attrName>
+                                        </p:attrNameLst>
+                                      </p:cBhvr>
+                                      <p:to>
+                                        <p:strVal val="visible"/>
+                                      </p:to>
+                                    </p:set>
+                                  </p:childTnLst>
+                                </p:cTn>
+                              </p:par>
+                              <p:par>
+                                <p:cTn id="61" presetID="1" presetClass="entr" presetSubtype="0" fill="hold" grpId="0" nodeType="withEffect">
+                                  <p:stCondLst>
+                                    <p:cond delay="0"/>
+                                  </p:stCondLst>
+                                  <p:childTnLst>
+                                    <p:set>
+                                      <p:cBhvr>
+                                        <p:cTn id="62" dur="1" fill="hold">
+                                          <p:stCondLst>
+                                            <p:cond delay="0"/>
+                                          </p:stCondLst>
+                                        </p:cTn>
+                                        <p:tgtEl>
+                                          <p:spTgt spid="61"/>
+                                        </p:tgtEl>
+                                        <p:attrNameLst>
+                                          <p:attrName>style.visibility</p:attrName>
+                                        </p:attrNameLst>
+                                      </p:cBhvr>
+                                      <p:to>
+                                        <p:strVal val="visible"/>
+                                      </p:to>
+                                    </p:set>
+                                  </p:childTnLst>
+                                </p:cTn>
+                              </p:par>
+                            </p:childTnLst>
+                          </p:cTn>
+                        </p:par>
+                      </p:childTnLst>
+                    </p:cTn>
+                  </p:par>
+                  <p:par>
+                    <p:cTn id="63" fill="hold">
+                      <p:stCondLst>
+                        <p:cond delay="indefinite"/>
+                      </p:stCondLst>
+                      <p:childTnLst>
+                        <p:par>
+                          <p:cTn id="64" fill="hold">
+                            <p:stCondLst>
+                              <p:cond delay="0"/>
+                            </p:stCondLst>
+                            <p:childTnLst>
+                              <p:par>
+                                <p:cTn id="65" presetID="1" presetClass="entr" presetSubtype="0" fill="hold" nodeType="clickEffect">
+                                  <p:stCondLst>
+                                    <p:cond delay="0"/>
+                                  </p:stCondLst>
+                                  <p:childTnLst>
+                                    <p:set>
+                                      <p:cBhvr>
+                                        <p:cTn id="66" dur="1" fill="hold">
+                                          <p:stCondLst>
+                                            <p:cond delay="0"/>
+                                          </p:stCondLst>
+                                        </p:cTn>
+                                        <p:tgtEl>
+                                          <p:spTgt spid="190"/>
+                                        </p:tgtEl>
+                                        <p:attrNameLst>
+                                          <p:attrName>style.visibility</p:attrName>
+                                        </p:attrNameLst>
+                                      </p:cBhvr>
+                                      <p:to>
+                                        <p:strVal val="visible"/>
+                                      </p:to>
+                                    </p:set>
+                                  </p:childTnLst>
+                                </p:cTn>
+                              </p:par>
+                              <p:par>
+                                <p:cTn id="67" presetID="1" presetClass="entr" presetSubtype="0" fill="hold" nodeType="withEffect">
+                                  <p:stCondLst>
+                                    <p:cond delay="0"/>
+                                  </p:stCondLst>
+                                  <p:childTnLst>
+                                    <p:set>
+                                      <p:cBhvr>
+                                        <p:cTn id="68" dur="1" fill="hold">
+                                          <p:stCondLst>
+                                            <p:cond delay="0"/>
+                                          </p:stCondLst>
+                                        </p:cTn>
+                                        <p:tgtEl>
+                                          <p:spTgt spid="150"/>
+                                        </p:tgtEl>
+                                        <p:attrNameLst>
+                                          <p:attrName>style.visibility</p:attrName>
+                                        </p:attrNameLst>
+                                      </p:cBhvr>
+                                      <p:to>
+                                        <p:strVal val="visible"/>
+                                      </p:to>
+                                    </p:set>
+                                  </p:childTnLst>
+                                </p:cTn>
+                              </p:par>
+                              <p:par>
+                                <p:cTn id="69" presetID="1" presetClass="entr" presetSubtype="0" fill="hold" nodeType="withEffect">
+                                  <p:stCondLst>
+                                    <p:cond delay="0"/>
+                                  </p:stCondLst>
+                                  <p:childTnLst>
+                                    <p:set>
+                                      <p:cBhvr>
+                                        <p:cTn id="70" dur="1" fill="hold">
+                                          <p:stCondLst>
+                                            <p:cond delay="0"/>
+                                          </p:stCondLst>
+                                        </p:cTn>
+                                        <p:tgtEl>
+                                          <p:spTgt spid="194"/>
+                                        </p:tgtEl>
+                                        <p:attrNameLst>
+                                          <p:attrName>style.visibility</p:attrName>
+                                        </p:attrNameLst>
+                                      </p:cBhvr>
+                                      <p:to>
+                                        <p:strVal val="visible"/>
+                                      </p:to>
+                                    </p:set>
+                                  </p:childTnLst>
+                                </p:cTn>
+                              </p:par>
+                              <p:par>
+                                <p:cTn id="71" presetID="1" presetClass="entr" presetSubtype="0" fill="hold" nodeType="withEffect">
+                                  <p:stCondLst>
+                                    <p:cond delay="0"/>
+                                  </p:stCondLst>
+                                  <p:childTnLst>
+                                    <p:set>
+                                      <p:cBhvr>
+                                        <p:cTn id="72" dur="1" fill="hold">
+                                          <p:stCondLst>
+                                            <p:cond delay="0"/>
+                                          </p:stCondLst>
+                                        </p:cTn>
+                                        <p:tgtEl>
+                                          <p:spTgt spid="184"/>
+                                        </p:tgtEl>
+                                        <p:attrNameLst>
+                                          <p:attrName>style.visibility</p:attrName>
+                                        </p:attrNameLst>
+                                      </p:cBhvr>
+                                      <p:to>
+                                        <p:strVal val="visible"/>
+                                      </p:to>
+                                    </p:set>
+                                  </p:childTnLst>
+                                </p:cTn>
+                              </p:par>
+                              <p:par>
+                                <p:cTn id="73" presetID="1" presetClass="entr" presetSubtype="0" fill="hold" nodeType="withEffect">
+                                  <p:stCondLst>
+                                    <p:cond delay="0"/>
+                                  </p:stCondLst>
+                                  <p:childTnLst>
+                                    <p:set>
+                                      <p:cBhvr>
+                                        <p:cTn id="74" dur="1" fill="hold">
+                                          <p:stCondLst>
+                                            <p:cond delay="0"/>
+                                          </p:stCondLst>
+                                        </p:cTn>
+                                        <p:tgtEl>
+                                          <p:spTgt spid="157"/>
+                                        </p:tgtEl>
+                                        <p:attrNameLst>
+                                          <p:attrName>style.visibility</p:attrName>
+                                        </p:attrNameLst>
+                                      </p:cBhvr>
+                                      <p:to>
+                                        <p:strVal val="visible"/>
+                                      </p:to>
+                                    </p:set>
+                                  </p:childTnLst>
+                                </p:cTn>
+                              </p:par>
+                              <p:par>
+                                <p:cTn id="75" presetID="1" presetClass="entr" presetSubtype="0" fill="hold" nodeType="withEffect">
+                                  <p:stCondLst>
+                                    <p:cond delay="0"/>
+                                  </p:stCondLst>
+                                  <p:childTnLst>
+                                    <p:set>
+                                      <p:cBhvr>
+                                        <p:cTn id="76" dur="1" fill="hold">
+                                          <p:stCondLst>
+                                            <p:cond delay="0"/>
+                                          </p:stCondLst>
+                                        </p:cTn>
+                                        <p:tgtEl>
+                                          <p:spTgt spid="188"/>
+                                        </p:tgtEl>
+                                        <p:attrNameLst>
+                                          <p:attrName>style.visibility</p:attrName>
+                                        </p:attrNameLst>
+                                      </p:cBhvr>
+                                      <p:to>
+                                        <p:strVal val="visible"/>
+                                      </p:to>
+                                    </p:set>
+                                  </p:childTnLst>
+                                </p:cTn>
+                              </p:par>
+                              <p:par>
+                                <p:cTn id="77" presetID="1" presetClass="entr" presetSubtype="0" fill="hold" grpId="0" nodeType="withEffect">
+                                  <p:stCondLst>
+                                    <p:cond delay="0"/>
+                                  </p:stCondLst>
+                                  <p:childTnLst>
+                                    <p:set>
+                                      <p:cBhvr>
+                                        <p:cTn id="78" dur="1" fill="hold">
+                                          <p:stCondLst>
+                                            <p:cond delay="0"/>
+                                          </p:stCondLst>
+                                        </p:cTn>
+                                        <p:tgtEl>
+                                          <p:spTgt spid="64"/>
+                                        </p:tgtEl>
+                                        <p:attrNameLst>
+                                          <p:attrName>style.visibility</p:attrName>
+                                        </p:attrNameLst>
+                                      </p:cBhvr>
+                                      <p:to>
+                                        <p:strVal val="visible"/>
+                                      </p:to>
+                                    </p:set>
+                                  </p:childTnLst>
+                                </p:cTn>
+                              </p:par>
+                              <p:par>
+                                <p:cTn id="79" presetID="1" presetClass="entr" presetSubtype="0" fill="hold" grpId="0" nodeType="withEffect">
+                                  <p:stCondLst>
+                                    <p:cond delay="0"/>
+                                  </p:stCondLst>
+                                  <p:childTnLst>
+                                    <p:set>
+                                      <p:cBhvr>
+                                        <p:cTn id="80" dur="1" fill="hold">
+                                          <p:stCondLst>
+                                            <p:cond delay="0"/>
+                                          </p:stCondLst>
+                                        </p:cTn>
+                                        <p:tgtEl>
+                                          <p:spTgt spid="63"/>
+                                        </p:tgtEl>
+                                        <p:attrNameLst>
+                                          <p:attrName>style.visibility</p:attrName>
+                                        </p:attrNameLst>
+                                      </p:cBhvr>
+                                      <p:to>
+                                        <p:strVal val="visible"/>
+                                      </p:to>
+                                    </p:set>
+                                  </p:childTnLst>
+                                </p:cTn>
+                              </p:par>
+                            </p:childTnLst>
+                          </p:cTn>
+                        </p:par>
+                      </p:childTnLst>
+                    </p:cTn>
+                  </p:par>
+                  <p:par>
+                    <p:cTn id="81" fill="hold">
+                      <p:stCondLst>
+                        <p:cond delay="indefinite"/>
+                      </p:stCondLst>
+                      <p:childTnLst>
+                        <p:par>
+                          <p:cTn id="82" fill="hold">
+                            <p:stCondLst>
+                              <p:cond delay="0"/>
+                            </p:stCondLst>
+                            <p:childTnLst>
+                              <p:par>
+                                <p:cTn id="83" presetID="1" presetClass="entr" presetSubtype="0" fill="hold" nodeType="clickEffect">
+                                  <p:stCondLst>
+                                    <p:cond delay="0"/>
+                                  </p:stCondLst>
+                                  <p:childTnLst>
+                                    <p:set>
+                                      <p:cBhvr>
+                                        <p:cTn id="84" dur="1" fill="hold">
+                                          <p:stCondLst>
+                                            <p:cond delay="0"/>
+                                          </p:stCondLst>
+                                        </p:cTn>
+                                        <p:tgtEl>
+                                          <p:spTgt spid="199"/>
+                                        </p:tgtEl>
+                                        <p:attrNameLst>
+                                          <p:attrName>style.visibility</p:attrName>
+                                        </p:attrNameLst>
+                                      </p:cBhvr>
+                                      <p:to>
+                                        <p:strVal val="visible"/>
+                                      </p:to>
+                                    </p:set>
+                                  </p:childTnLst>
+                                </p:cTn>
+                              </p:par>
+                              <p:par>
+                                <p:cTn id="85" presetID="1" presetClass="entr" presetSubtype="0" fill="hold" nodeType="withEffect">
+                                  <p:stCondLst>
+                                    <p:cond delay="0"/>
+                                  </p:stCondLst>
+                                  <p:childTnLst>
+                                    <p:set>
+                                      <p:cBhvr>
+                                        <p:cTn id="86" dur="1" fill="hold">
+                                          <p:stCondLst>
+                                            <p:cond delay="0"/>
+                                          </p:stCondLst>
+                                        </p:cTn>
+                                        <p:tgtEl>
+                                          <p:spTgt spid="151"/>
+                                        </p:tgtEl>
+                                        <p:attrNameLst>
+                                          <p:attrName>style.visibility</p:attrName>
+                                        </p:attrNameLst>
+                                      </p:cBhvr>
+                                      <p:to>
+                                        <p:strVal val="visible"/>
+                                      </p:to>
+                                    </p:set>
+                                  </p:childTnLst>
+                                </p:cTn>
+                              </p:par>
+                              <p:par>
+                                <p:cTn id="87" presetID="1" presetClass="entr" presetSubtype="0" fill="hold" nodeType="withEffect">
+                                  <p:stCondLst>
+                                    <p:cond delay="0"/>
+                                  </p:stCondLst>
+                                  <p:childTnLst>
+                                    <p:set>
+                                      <p:cBhvr>
+                                        <p:cTn id="88" dur="1" fill="hold">
+                                          <p:stCondLst>
+                                            <p:cond delay="0"/>
+                                          </p:stCondLst>
+                                        </p:cTn>
+                                        <p:tgtEl>
+                                          <p:spTgt spid="201"/>
+                                        </p:tgtEl>
+                                        <p:attrNameLst>
+                                          <p:attrName>style.visibility</p:attrName>
+                                        </p:attrNameLst>
+                                      </p:cBhvr>
+                                      <p:to>
+                                        <p:strVal val="visible"/>
+                                      </p:to>
+                                    </p:set>
+                                  </p:childTnLst>
+                                </p:cTn>
+                              </p:par>
+                              <p:par>
+                                <p:cTn id="89" presetID="1" presetClass="entr" presetSubtype="0" fill="hold" nodeType="withEffect">
+                                  <p:stCondLst>
+                                    <p:cond delay="0"/>
+                                  </p:stCondLst>
+                                  <p:childTnLst>
+                                    <p:set>
+                                      <p:cBhvr>
+                                        <p:cTn id="90" dur="1" fill="hold">
+                                          <p:stCondLst>
+                                            <p:cond delay="0"/>
+                                          </p:stCondLst>
+                                        </p:cTn>
+                                        <p:tgtEl>
+                                          <p:spTgt spid="218"/>
+                                        </p:tgtEl>
+                                        <p:attrNameLst>
+                                          <p:attrName>style.visibility</p:attrName>
+                                        </p:attrNameLst>
+                                      </p:cBhvr>
+                                      <p:to>
+                                        <p:strVal val="visible"/>
+                                      </p:to>
+                                    </p:set>
+                                  </p:childTnLst>
+                                </p:cTn>
+                              </p:par>
+                              <p:par>
+                                <p:cTn id="91" presetID="1" presetClass="entr" presetSubtype="0" fill="hold" nodeType="withEffect">
+                                  <p:stCondLst>
+                                    <p:cond delay="0"/>
+                                  </p:stCondLst>
+                                  <p:childTnLst>
+                                    <p:set>
+                                      <p:cBhvr>
+                                        <p:cTn id="92" dur="1" fill="hold">
+                                          <p:stCondLst>
+                                            <p:cond delay="0"/>
+                                          </p:stCondLst>
+                                        </p:cTn>
+                                        <p:tgtEl>
+                                          <p:spTgt spid="158"/>
+                                        </p:tgtEl>
+                                        <p:attrNameLst>
+                                          <p:attrName>style.visibility</p:attrName>
+                                        </p:attrNameLst>
+                                      </p:cBhvr>
+                                      <p:to>
+                                        <p:strVal val="visible"/>
+                                      </p:to>
+                                    </p:set>
+                                  </p:childTnLst>
+                                </p:cTn>
+                              </p:par>
+                              <p:par>
+                                <p:cTn id="93" presetID="1" presetClass="entr" presetSubtype="0" fill="hold" nodeType="withEffect">
+                                  <p:stCondLst>
+                                    <p:cond delay="0"/>
+                                  </p:stCondLst>
+                                  <p:childTnLst>
+                                    <p:set>
+                                      <p:cBhvr>
+                                        <p:cTn id="94" dur="1" fill="hold">
+                                          <p:stCondLst>
+                                            <p:cond delay="0"/>
+                                          </p:stCondLst>
+                                        </p:cTn>
+                                        <p:tgtEl>
+                                          <p:spTgt spid="222"/>
+                                        </p:tgtEl>
+                                        <p:attrNameLst>
+                                          <p:attrName>style.visibility</p:attrName>
+                                        </p:attrNameLst>
+                                      </p:cBhvr>
+                                      <p:to>
+                                        <p:strVal val="visible"/>
+                                      </p:to>
+                                    </p:set>
+                                  </p:childTnLst>
+                                </p:cTn>
+                              </p:par>
+                              <p:par>
+                                <p:cTn id="95" presetID="1" presetClass="entr" presetSubtype="0" fill="hold" grpId="0" nodeType="withEffect">
+                                  <p:stCondLst>
+                                    <p:cond delay="0"/>
+                                  </p:stCondLst>
+                                  <p:childTnLst>
+                                    <p:set>
+                                      <p:cBhvr>
+                                        <p:cTn id="96" dur="1" fill="hold">
+                                          <p:stCondLst>
+                                            <p:cond delay="0"/>
+                                          </p:stCondLst>
+                                        </p:cTn>
+                                        <p:tgtEl>
+                                          <p:spTgt spid="66"/>
+                                        </p:tgtEl>
+                                        <p:attrNameLst>
+                                          <p:attrName>style.visibility</p:attrName>
+                                        </p:attrNameLst>
+                                      </p:cBhvr>
+                                      <p:to>
+                                        <p:strVal val="visible"/>
+                                      </p:to>
+                                    </p:set>
+                                  </p:childTnLst>
+                                </p:cTn>
+                              </p:par>
+                              <p:par>
+                                <p:cTn id="97" presetID="1" presetClass="entr" presetSubtype="0" fill="hold" grpId="0" nodeType="withEffect">
+                                  <p:stCondLst>
+                                    <p:cond delay="0"/>
+                                  </p:stCondLst>
+                                  <p:childTnLst>
+                                    <p:set>
+                                      <p:cBhvr>
+                                        <p:cTn id="98" dur="1" fill="hold">
+                                          <p:stCondLst>
+                                            <p:cond delay="0"/>
+                                          </p:stCondLst>
+                                        </p:cTn>
+                                        <p:tgtEl>
+                                          <p:spTgt spid="65"/>
+                                        </p:tgtEl>
+                                        <p:attrNameLst>
+                                          <p:attrName>style.visibility</p:attrName>
+                                        </p:attrNameLst>
+                                      </p:cBhvr>
+                                      <p:to>
+                                        <p:strVal val="visible"/>
+                                      </p:to>
+                                    </p:set>
+                                  </p:childTnLst>
+                                </p:cTn>
+                              </p:par>
+                            </p:childTnLst>
+                          </p:cTn>
+                        </p:par>
+                      </p:childTnLst>
+                    </p:cTn>
+                  </p:par>
+                  <p:par>
+                    <p:cTn id="99" fill="hold">
+                      <p:stCondLst>
+                        <p:cond delay="indefinite"/>
+                      </p:stCondLst>
+                      <p:childTnLst>
+                        <p:par>
+                          <p:cTn id="100" fill="hold">
+                            <p:stCondLst>
+                              <p:cond delay="0"/>
+                            </p:stCondLst>
+                            <p:childTnLst>
+                              <p:par>
+                                <p:cTn id="101" presetID="1" presetClass="entr" presetSubtype="0" fill="hold" nodeType="clickEffect">
+                                  <p:stCondLst>
+                                    <p:cond delay="0"/>
+                                  </p:stCondLst>
+                                  <p:childTnLst>
+                                    <p:set>
+                                      <p:cBhvr>
+                                        <p:cTn id="102" dur="1" fill="hold">
+                                          <p:stCondLst>
+                                            <p:cond delay="0"/>
+                                          </p:stCondLst>
+                                        </p:cTn>
+                                        <p:tgtEl>
+                                          <p:spTgt spid="204"/>
+                                        </p:tgtEl>
+                                        <p:attrNameLst>
+                                          <p:attrName>style.visibility</p:attrName>
+                                        </p:attrNameLst>
+                                      </p:cBhvr>
+                                      <p:to>
+                                        <p:strVal val="visible"/>
+                                      </p:to>
+                                    </p:set>
+                                  </p:childTnLst>
+                                </p:cTn>
+                              </p:par>
+                              <p:par>
+                                <p:cTn id="103" presetID="1" presetClass="entr" presetSubtype="0" fill="hold" nodeType="withEffect">
+                                  <p:stCondLst>
+                                    <p:cond delay="0"/>
+                                  </p:stCondLst>
+                                  <p:childTnLst>
+                                    <p:set>
+                                      <p:cBhvr>
+                                        <p:cTn id="104" dur="1" fill="hold">
+                                          <p:stCondLst>
+                                            <p:cond delay="0"/>
+                                          </p:stCondLst>
+                                        </p:cTn>
+                                        <p:tgtEl>
+                                          <p:spTgt spid="152"/>
+                                        </p:tgtEl>
+                                        <p:attrNameLst>
+                                          <p:attrName>style.visibility</p:attrName>
+                                        </p:attrNameLst>
+                                      </p:cBhvr>
+                                      <p:to>
+                                        <p:strVal val="visible"/>
+                                      </p:to>
+                                    </p:set>
+                                  </p:childTnLst>
+                                </p:cTn>
+                              </p:par>
+                              <p:par>
+                                <p:cTn id="105" presetID="1" presetClass="entr" presetSubtype="0" fill="hold" nodeType="withEffect">
+                                  <p:stCondLst>
+                                    <p:cond delay="0"/>
+                                  </p:stCondLst>
+                                  <p:childTnLst>
+                                    <p:set>
+                                      <p:cBhvr>
+                                        <p:cTn id="106" dur="1" fill="hold">
+                                          <p:stCondLst>
+                                            <p:cond delay="0"/>
+                                          </p:stCondLst>
+                                        </p:cTn>
+                                        <p:tgtEl>
+                                          <p:spTgt spid="206"/>
+                                        </p:tgtEl>
+                                        <p:attrNameLst>
+                                          <p:attrName>style.visibility</p:attrName>
+                                        </p:attrNameLst>
+                                      </p:cBhvr>
+                                      <p:to>
+                                        <p:strVal val="visible"/>
+                                      </p:to>
+                                    </p:set>
+                                  </p:childTnLst>
+                                </p:cTn>
+                              </p:par>
+                              <p:par>
+                                <p:cTn id="107" presetID="1" presetClass="entr" presetSubtype="0" fill="hold" nodeType="withEffect">
+                                  <p:stCondLst>
+                                    <p:cond delay="0"/>
+                                  </p:stCondLst>
+                                  <p:childTnLst>
+                                    <p:set>
+                                      <p:cBhvr>
+                                        <p:cTn id="108" dur="1" fill="hold">
+                                          <p:stCondLst>
+                                            <p:cond delay="0"/>
+                                          </p:stCondLst>
+                                        </p:cTn>
+                                        <p:tgtEl>
+                                          <p:spTgt spid="228"/>
+                                        </p:tgtEl>
+                                        <p:attrNameLst>
+                                          <p:attrName>style.visibility</p:attrName>
+                                        </p:attrNameLst>
+                                      </p:cBhvr>
+                                      <p:to>
+                                        <p:strVal val="visible"/>
+                                      </p:to>
+                                    </p:set>
+                                  </p:childTnLst>
+                                </p:cTn>
+                              </p:par>
+                              <p:par>
+                                <p:cTn id="109" presetID="1" presetClass="entr" presetSubtype="0" fill="hold" nodeType="withEffect">
+                                  <p:stCondLst>
+                                    <p:cond delay="0"/>
+                                  </p:stCondLst>
+                                  <p:childTnLst>
+                                    <p:set>
+                                      <p:cBhvr>
+                                        <p:cTn id="110" dur="1" fill="hold">
+                                          <p:stCondLst>
+                                            <p:cond delay="0"/>
+                                          </p:stCondLst>
+                                        </p:cTn>
+                                        <p:tgtEl>
+                                          <p:spTgt spid="159"/>
+                                        </p:tgtEl>
+                                        <p:attrNameLst>
+                                          <p:attrName>style.visibility</p:attrName>
+                                        </p:attrNameLst>
+                                      </p:cBhvr>
+                                      <p:to>
+                                        <p:strVal val="visible"/>
+                                      </p:to>
+                                    </p:set>
+                                  </p:childTnLst>
+                                </p:cTn>
+                              </p:par>
+                              <p:par>
+                                <p:cTn id="111" presetID="1" presetClass="entr" presetSubtype="0" fill="hold" nodeType="withEffect">
+                                  <p:stCondLst>
+                                    <p:cond delay="0"/>
+                                  </p:stCondLst>
+                                  <p:childTnLst>
+                                    <p:set>
+                                      <p:cBhvr>
+                                        <p:cTn id="112" dur="1" fill="hold">
+                                          <p:stCondLst>
+                                            <p:cond delay="0"/>
+                                          </p:stCondLst>
+                                        </p:cTn>
+                                        <p:tgtEl>
+                                          <p:spTgt spid="225"/>
+                                        </p:tgtEl>
+                                        <p:attrNameLst>
+                                          <p:attrName>style.visibility</p:attrName>
+                                        </p:attrNameLst>
+                                      </p:cBhvr>
+                                      <p:to>
+                                        <p:strVal val="visible"/>
+                                      </p:to>
+                                    </p:set>
+                                  </p:childTnLst>
+                                </p:cTn>
+                              </p:par>
+                              <p:par>
+                                <p:cTn id="113" presetID="1" presetClass="entr" presetSubtype="0" fill="hold" grpId="0" nodeType="withEffect">
+                                  <p:stCondLst>
+                                    <p:cond delay="0"/>
+                                  </p:stCondLst>
+                                  <p:childTnLst>
+                                    <p:set>
+                                      <p:cBhvr>
+                                        <p:cTn id="114" dur="1" fill="hold">
+                                          <p:stCondLst>
+                                            <p:cond delay="0"/>
+                                          </p:stCondLst>
+                                        </p:cTn>
+                                        <p:tgtEl>
+                                          <p:spTgt spid="68"/>
+                                        </p:tgtEl>
+                                        <p:attrNameLst>
+                                          <p:attrName>style.visibility</p:attrName>
+                                        </p:attrNameLst>
+                                      </p:cBhvr>
+                                      <p:to>
+                                        <p:strVal val="visible"/>
+                                      </p:to>
+                                    </p:set>
+                                  </p:childTnLst>
+                                </p:cTn>
+                              </p:par>
+                              <p:par>
+                                <p:cTn id="115" presetID="1" presetClass="entr" presetSubtype="0" fill="hold" grpId="0" nodeType="withEffect">
+                                  <p:stCondLst>
+                                    <p:cond delay="0"/>
+                                  </p:stCondLst>
+                                  <p:childTnLst>
+                                    <p:set>
+                                      <p:cBhvr>
+                                        <p:cTn id="116" dur="1" fill="hold">
+                                          <p:stCondLst>
+                                            <p:cond delay="0"/>
+                                          </p:stCondLst>
+                                        </p:cTn>
+                                        <p:tgtEl>
+                                          <p:spTgt spid="67"/>
+                                        </p:tgtEl>
+                                        <p:attrNameLst>
+                                          <p:attrName>style.visibility</p:attrName>
+                                        </p:attrNameLst>
+                                      </p:cBhvr>
+                                      <p:to>
+                                        <p:strVal val="visible"/>
+                                      </p:to>
+                                    </p:set>
+                                  </p:childTnLst>
+                                </p:cTn>
+                              </p:par>
+                            </p:childTnLst>
+                          </p:cTn>
+                        </p:par>
+                      </p:childTnLst>
+                    </p:cTn>
+                  </p:par>
+                  <p:par>
+                    <p:cTn id="117" fill="hold">
+                      <p:stCondLst>
+                        <p:cond delay="indefinite"/>
+                      </p:stCondLst>
+                      <p:childTnLst>
+                        <p:par>
+                          <p:cTn id="118" fill="hold">
+                            <p:stCondLst>
+                              <p:cond delay="0"/>
+                            </p:stCondLst>
+                            <p:childTnLst>
+                              <p:par>
+                                <p:cTn id="119" presetID="1" presetClass="entr" presetSubtype="0" fill="hold" nodeType="clickEffect">
+                                  <p:stCondLst>
+                                    <p:cond delay="0"/>
+                                  </p:stCondLst>
+                                  <p:childTnLst>
+                                    <p:set>
+                                      <p:cBhvr>
+                                        <p:cTn id="120" dur="1" fill="hold">
+                                          <p:stCondLst>
+                                            <p:cond delay="0"/>
+                                          </p:stCondLst>
+                                        </p:cTn>
+                                        <p:tgtEl>
+                                          <p:spTgt spid="213"/>
+                                        </p:tgtEl>
+                                        <p:attrNameLst>
+                                          <p:attrName>style.visibility</p:attrName>
+                                        </p:attrNameLst>
+                                      </p:cBhvr>
+                                      <p:to>
+                                        <p:strVal val="visible"/>
+                                      </p:to>
+                                    </p:set>
+                                  </p:childTnLst>
+                                </p:cTn>
+                              </p:par>
+                              <p:par>
+                                <p:cTn id="121" presetID="1" presetClass="entr" presetSubtype="0" fill="hold" nodeType="withEffect">
+                                  <p:stCondLst>
+                                    <p:cond delay="0"/>
+                                  </p:stCondLst>
+                                  <p:childTnLst>
+                                    <p:set>
+                                      <p:cBhvr>
+                                        <p:cTn id="122" dur="1" fill="hold">
+                                          <p:stCondLst>
+                                            <p:cond delay="0"/>
+                                          </p:stCondLst>
+                                        </p:cTn>
+                                        <p:tgtEl>
+                                          <p:spTgt spid="155"/>
+                                        </p:tgtEl>
+                                        <p:attrNameLst>
+                                          <p:attrName>style.visibility</p:attrName>
+                                        </p:attrNameLst>
+                                      </p:cBhvr>
+                                      <p:to>
+                                        <p:strVal val="visible"/>
+                                      </p:to>
+                                    </p:set>
+                                  </p:childTnLst>
+                                </p:cTn>
+                              </p:par>
+                              <p:par>
+                                <p:cTn id="123" presetID="1" presetClass="entr" presetSubtype="0" fill="hold" nodeType="withEffect">
+                                  <p:stCondLst>
+                                    <p:cond delay="0"/>
+                                  </p:stCondLst>
+                                  <p:childTnLst>
+                                    <p:set>
+                                      <p:cBhvr>
+                                        <p:cTn id="124" dur="1" fill="hold">
+                                          <p:stCondLst>
+                                            <p:cond delay="0"/>
+                                          </p:stCondLst>
+                                        </p:cTn>
+                                        <p:tgtEl>
+                                          <p:spTgt spid="215"/>
+                                        </p:tgtEl>
+                                        <p:attrNameLst>
+                                          <p:attrName>style.visibility</p:attrName>
+                                        </p:attrNameLst>
+                                      </p:cBhvr>
+                                      <p:to>
+                                        <p:strVal val="visible"/>
+                                      </p:to>
+                                    </p:set>
+                                  </p:childTnLst>
+                                </p:cTn>
+                              </p:par>
+                              <p:par>
+                                <p:cTn id="125" presetID="1" presetClass="entr" presetSubtype="0" fill="hold" nodeType="withEffect">
+                                  <p:stCondLst>
+                                    <p:cond delay="0"/>
+                                  </p:stCondLst>
+                                  <p:childTnLst>
+                                    <p:set>
+                                      <p:cBhvr>
+                                        <p:cTn id="126" dur="1" fill="hold">
+                                          <p:stCondLst>
+                                            <p:cond delay="0"/>
+                                          </p:stCondLst>
+                                        </p:cTn>
+                                        <p:tgtEl>
+                                          <p:spTgt spid="230"/>
+                                        </p:tgtEl>
+                                        <p:attrNameLst>
+                                          <p:attrName>style.visibility</p:attrName>
+                                        </p:attrNameLst>
+                                      </p:cBhvr>
+                                      <p:to>
+                                        <p:strVal val="visible"/>
+                                      </p:to>
+                                    </p:set>
+                                  </p:childTnLst>
+                                </p:cTn>
+                              </p:par>
+                              <p:par>
+                                <p:cTn id="127" presetID="1" presetClass="entr" presetSubtype="0" fill="hold" nodeType="withEffect">
+                                  <p:stCondLst>
+                                    <p:cond delay="0"/>
+                                  </p:stCondLst>
+                                  <p:childTnLst>
+                                    <p:set>
+                                      <p:cBhvr>
+                                        <p:cTn id="128" dur="1" fill="hold">
+                                          <p:stCondLst>
+                                            <p:cond delay="0"/>
+                                          </p:stCondLst>
+                                        </p:cTn>
+                                        <p:tgtEl>
+                                          <p:spTgt spid="160"/>
+                                        </p:tgtEl>
+                                        <p:attrNameLst>
+                                          <p:attrName>style.visibility</p:attrName>
+                                        </p:attrNameLst>
+                                      </p:cBhvr>
+                                      <p:to>
+                                        <p:strVal val="visible"/>
+                                      </p:to>
+                                    </p:set>
+                                  </p:childTnLst>
+                                </p:cTn>
+                              </p:par>
+                              <p:par>
+                                <p:cTn id="129" presetID="1" presetClass="entr" presetSubtype="0" fill="hold" nodeType="withEffect">
+                                  <p:stCondLst>
+                                    <p:cond delay="0"/>
+                                  </p:stCondLst>
+                                  <p:childTnLst>
+                                    <p:set>
+                                      <p:cBhvr>
+                                        <p:cTn id="130" dur="1" fill="hold">
+                                          <p:stCondLst>
+                                            <p:cond delay="0"/>
+                                          </p:stCondLst>
+                                        </p:cTn>
+                                        <p:tgtEl>
+                                          <p:spTgt spid="232"/>
+                                        </p:tgtEl>
+                                        <p:attrNameLst>
+                                          <p:attrName>style.visibility</p:attrName>
+                                        </p:attrNameLst>
+                                      </p:cBhvr>
+                                      <p:to>
+                                        <p:strVal val="visible"/>
+                                      </p:to>
+                                    </p:set>
+                                  </p:childTnLst>
+                                </p:cTn>
+                              </p:par>
+                            </p:childTnLst>
+                          </p:cTn>
+                        </p:par>
+                      </p:childTnLst>
+                    </p:cTn>
+                  </p:par>
+                </p:childTnLst>
+              </p:cTn>
+              <p:prevCondLst>
+                <p:cond evt="onPrev" delay="0">
+                  <p:tgtEl>
+                    <p:sldTgt/>
+                  </p:tgtEl>
+                </p:cond>
+              </p:prevCondLst>
+              <p:nextCondLst>
+                <p:cond evt="onNext" delay="0">
+                  <p:tgtEl>
+                    <p:sldTgt/>
+                  </p:tgtEl>
+                </p:cond>
+              </p:nextCondLst>
+            </p:seq>
+          </p:childTnLst>
+        </p:cTn>
+      </p:par>
+    </p:tnLst>
+    <p:bldLst>
+      <p:bldP spid="11" grpId="0" animBg="1"/>
+      <p:bldP spid="12" grpId="0" animBg="1"/>
+      <p:bldP spid="13" grpId="0" animBg="1"/>
+      <p:bldP spid="14" grpId="0" animBg="1"/>
+      <p:bldP spid="15" grpId="0" animBg="1"/>
+      <p:bldP spid="61" grpId="0" animBg="1"/>
+      <p:bldP spid="62" grpId="0"/>
+      <p:bldP spid="63" grpId="0" animBg="1"/>
+      <p:bldP spid="64" grpId="0"/>
+      <p:bldP spid="65" grpId="0" animBg="1"/>
+      <p:bldP spid="66" grpId="0"/>
+      <p:bldP spid="67" grpId="0" animBg="1"/>
+      <p:bldP spid="68" grpId="0"/>
+      <p:bldP spid="69" grpId="0" animBg="1"/>
+      <p:bldP spid="70" grpId="0"/>
+      <p:bldP spid="233" grpId="0" animBg="1"/>
+      <p:bldP spid="234" grpId="0"/>
+      <p:bldP spid="236" grpId="0" animBg="1"/>
+      <p:bldP spid="237" grpId="0"/>
+      <p:bldP spid="239" grpId="0" animBg="1"/>
+      <p:bldP spid="240" grpId="0"/>
+      <p:bldP spid="241" grpId="0" animBg="1"/>
+      <p:bldP spid="242" grpId="0"/>
+      <p:bldP spid="243" grpId="0" animBg="1"/>
+      <p:bldP spid="244" grpId="0"/>
+    </p:bldLst>
+  </p:timing>
 </p:sld>
 </file>
 
@@ -9267,10 +11403,10 @@
       </p:sp>
       <p:pic>
         <p:nvPicPr>
-          <p:cNvPr id="9" name="Picture 8">
-            <a:extLst>
-              <a:ext uri="{FF2B5EF4-FFF2-40B4-BE49-F238E27FC236}">
-                <a16:creationId xmlns:a16="http://schemas.microsoft.com/office/drawing/2014/main" id="{46FB29DB-07A2-3C6F-6936-8F5C4E80A411}"/>
+          <p:cNvPr id="13" name="Picture 12" descr="Text, letter&#10;&#10;Description automatically generated">
+            <a:extLst>
+              <a:ext uri="{FF2B5EF4-FFF2-40B4-BE49-F238E27FC236}">
+                <a16:creationId xmlns:a16="http://schemas.microsoft.com/office/drawing/2014/main" id="{D935EB13-3FA7-B30B-2F54-F9B03875D067}"/>
               </a:ext>
             </a:extLst>
           </p:cNvPr>
@@ -9287,8 +11423,8 @@
         </p:blipFill>
         <p:spPr>
           <a:xfrm>
-            <a:off x="4023360" y="2286663"/>
-            <a:ext cx="6985000" cy="406400"/>
+            <a:off x="834390" y="3822968"/>
+            <a:ext cx="8553677" cy="1452295"/>
           </a:xfrm>
           <a:prstGeom prst="rect">
             <a:avLst/>
@@ -9297,10 +11433,10 @@
       </p:pic>
       <p:pic>
         <p:nvPicPr>
-          <p:cNvPr id="11" name="Picture 10" descr="A picture containing text&#10;&#10;Description automatically generated">
-            <a:extLst>
-              <a:ext uri="{FF2B5EF4-FFF2-40B4-BE49-F238E27FC236}">
-                <a16:creationId xmlns:a16="http://schemas.microsoft.com/office/drawing/2014/main" id="{0B76409E-F2F0-28B6-A98B-60F249819EF8}"/>
+          <p:cNvPr id="16" name="Picture 15">
+            <a:extLst>
+              <a:ext uri="{FF2B5EF4-FFF2-40B4-BE49-F238E27FC236}">
+                <a16:creationId xmlns:a16="http://schemas.microsoft.com/office/drawing/2014/main" id="{2C6B7276-678D-1E8B-51A4-6438E4D76CC3}"/>
               </a:ext>
             </a:extLst>
           </p:cNvPr>
@@ -9317,8 +11453,8 @@
         </p:blipFill>
         <p:spPr>
           <a:xfrm>
-            <a:off x="2692399" y="2273963"/>
-            <a:ext cx="1231900" cy="406400"/>
+            <a:off x="834390" y="3391694"/>
+            <a:ext cx="6553200" cy="317500"/>
           </a:xfrm>
           <a:prstGeom prst="rect">
             <a:avLst/>
@@ -9327,10 +11463,10 @@
       </p:pic>
       <p:pic>
         <p:nvPicPr>
-          <p:cNvPr id="13" name="Picture 12" descr="Text, letter&#10;&#10;Description automatically generated">
-            <a:extLst>
-              <a:ext uri="{FF2B5EF4-FFF2-40B4-BE49-F238E27FC236}">
-                <a16:creationId xmlns:a16="http://schemas.microsoft.com/office/drawing/2014/main" id="{D935EB13-3FA7-B30B-2F54-F9B03875D067}"/>
+          <p:cNvPr id="17" name="Content Placeholder 8" descr="Text&#10;&#10;Description automatically generated with medium confidence">
+            <a:extLst>
+              <a:ext uri="{FF2B5EF4-FFF2-40B4-BE49-F238E27FC236}">
+                <a16:creationId xmlns:a16="http://schemas.microsoft.com/office/drawing/2014/main" id="{9CA77666-1192-EB47-7403-B4C1BC09D96D}"/>
               </a:ext>
             </a:extLst>
           </p:cNvPr>
@@ -9347,8 +11483,8 @@
         </p:blipFill>
         <p:spPr>
           <a:xfrm>
-            <a:off x="834390" y="3822968"/>
-            <a:ext cx="8553677" cy="1452295"/>
+            <a:off x="431594" y="2274094"/>
+            <a:ext cx="1638300" cy="431800"/>
           </a:xfrm>
           <a:prstGeom prst="rect">
             <a:avLst/>
@@ -9357,10 +11493,10 @@
       </p:pic>
       <p:pic>
         <p:nvPicPr>
-          <p:cNvPr id="16" name="Picture 15">
-            <a:extLst>
-              <a:ext uri="{FF2B5EF4-FFF2-40B4-BE49-F238E27FC236}">
-                <a16:creationId xmlns:a16="http://schemas.microsoft.com/office/drawing/2014/main" id="{2C6B7276-678D-1E8B-51A4-6438E4D76CC3}"/>
+          <p:cNvPr id="18" name="Picture 17">
+            <a:extLst>
+              <a:ext uri="{FF2B5EF4-FFF2-40B4-BE49-F238E27FC236}">
+                <a16:creationId xmlns:a16="http://schemas.microsoft.com/office/drawing/2014/main" id="{E8F11444-5365-779F-22CC-A36E7BE1973B}"/>
               </a:ext>
             </a:extLst>
           </p:cNvPr>
@@ -9377,8 +11513,8 @@
         </p:blipFill>
         <p:spPr>
           <a:xfrm>
-            <a:off x="834390" y="3391694"/>
-            <a:ext cx="6553200" cy="317500"/>
+            <a:off x="2037587" y="2328759"/>
+            <a:ext cx="254000" cy="304800"/>
           </a:xfrm>
           <a:prstGeom prst="rect">
             <a:avLst/>
@@ -9387,10 +11523,40 @@
       </p:pic>
       <p:pic>
         <p:nvPicPr>
-          <p:cNvPr id="17" name="Content Placeholder 8" descr="Text&#10;&#10;Description automatically generated with medium confidence">
-            <a:extLst>
-              <a:ext uri="{FF2B5EF4-FFF2-40B4-BE49-F238E27FC236}">
-                <a16:creationId xmlns:a16="http://schemas.microsoft.com/office/drawing/2014/main" id="{9CA77666-1192-EB47-7403-B4C1BC09D96D}"/>
+          <p:cNvPr id="19" name="Picture 18">
+            <a:extLst>
+              <a:ext uri="{FF2B5EF4-FFF2-40B4-BE49-F238E27FC236}">
+                <a16:creationId xmlns:a16="http://schemas.microsoft.com/office/drawing/2014/main" id="{B335163A-4DC9-AA79-FE91-AAE096420272}"/>
+              </a:ext>
+            </a:extLst>
+          </p:cNvPr>
+          <p:cNvPicPr>
+            <a:picLocks noChangeAspect="1"/>
+          </p:cNvPicPr>
+          <p:nvPr/>
+        </p:nvPicPr>
+        <p:blipFill>
+          <a:blip r:embed="rId5"/>
+          <a:stretch>
+            <a:fillRect/>
+          </a:stretch>
+        </p:blipFill>
+        <p:spPr>
+          <a:xfrm>
+            <a:off x="7292339" y="3385598"/>
+            <a:ext cx="254000" cy="304800"/>
+          </a:xfrm>
+          <a:prstGeom prst="rect">
+            <a:avLst/>
+          </a:prstGeom>
+        </p:spPr>
+      </p:pic>
+      <p:pic>
+        <p:nvPicPr>
+          <p:cNvPr id="25" name="Picture 24">
+            <a:extLst>
+              <a:ext uri="{FF2B5EF4-FFF2-40B4-BE49-F238E27FC236}">
+                <a16:creationId xmlns:a16="http://schemas.microsoft.com/office/drawing/2014/main" id="{2B378D27-45F4-EA83-6D4A-763AD380E8ED}"/>
               </a:ext>
             </a:extLst>
           </p:cNvPr>
@@ -9407,8 +11573,8 @@
         </p:blipFill>
         <p:spPr>
           <a:xfrm>
-            <a:off x="838199" y="2273963"/>
-            <a:ext cx="1638300" cy="431800"/>
+            <a:off x="2372419" y="2349056"/>
+            <a:ext cx="7781994" cy="284503"/>
           </a:xfrm>
           <a:prstGeom prst="rect">
             <a:avLst/>
@@ -9417,10 +11583,10 @@
       </p:pic>
       <p:pic>
         <p:nvPicPr>
-          <p:cNvPr id="18" name="Picture 17">
-            <a:extLst>
-              <a:ext uri="{FF2B5EF4-FFF2-40B4-BE49-F238E27FC236}">
-                <a16:creationId xmlns:a16="http://schemas.microsoft.com/office/drawing/2014/main" id="{E8F11444-5365-779F-22CC-A36E7BE1973B}"/>
+          <p:cNvPr id="27" name="Picture 26">
+            <a:extLst>
+              <a:ext uri="{FF2B5EF4-FFF2-40B4-BE49-F238E27FC236}">
+                <a16:creationId xmlns:a16="http://schemas.microsoft.com/office/drawing/2014/main" id="{AE521E24-9577-2BCD-7FD8-6F03A2A1679D}"/>
               </a:ext>
             </a:extLst>
           </p:cNvPr>
@@ -9437,38 +11603,8 @@
         </p:blipFill>
         <p:spPr>
           <a:xfrm>
-            <a:off x="2476499" y="2328759"/>
-            <a:ext cx="254000" cy="304800"/>
-          </a:xfrm>
-          <a:prstGeom prst="rect">
-            <a:avLst/>
-          </a:prstGeom>
-        </p:spPr>
-      </p:pic>
-      <p:pic>
-        <p:nvPicPr>
-          <p:cNvPr id="19" name="Picture 18">
-            <a:extLst>
-              <a:ext uri="{FF2B5EF4-FFF2-40B4-BE49-F238E27FC236}">
-                <a16:creationId xmlns:a16="http://schemas.microsoft.com/office/drawing/2014/main" id="{B335163A-4DC9-AA79-FE91-AAE096420272}"/>
-              </a:ext>
-            </a:extLst>
-          </p:cNvPr>
-          <p:cNvPicPr>
-            <a:picLocks noChangeAspect="1"/>
-          </p:cNvPicPr>
-          <p:nvPr/>
-        </p:nvPicPr>
-        <p:blipFill>
-          <a:blip r:embed="rId7"/>
-          <a:stretch>
-            <a:fillRect/>
-          </a:stretch>
-        </p:blipFill>
-        <p:spPr>
-          <a:xfrm>
-            <a:off x="7383779" y="3696494"/>
-            <a:ext cx="254000" cy="304800"/>
+            <a:off x="8685784" y="2671289"/>
+            <a:ext cx="1468629" cy="249979"/>
           </a:xfrm>
           <a:prstGeom prst="rect">
             <a:avLst/>
@@ -9505,73 +11641,12 @@
           <a:chExt cx="0" cy="0"/>
         </a:xfrm>
       </p:grpSpPr>
-      <p:sp>
-        <p:nvSpPr>
-          <p:cNvPr id="2" name="Title 1">
-            <a:extLst>
-              <a:ext uri="{FF2B5EF4-FFF2-40B4-BE49-F238E27FC236}">
-                <a16:creationId xmlns:a16="http://schemas.microsoft.com/office/drawing/2014/main" id="{284DB793-5AE9-B6A8-76CE-5A520F686150}"/>
-              </a:ext>
-            </a:extLst>
-          </p:cNvPr>
-          <p:cNvSpPr>
-            <a:spLocks noGrp="1"/>
-          </p:cNvSpPr>
-          <p:nvPr>
-            <p:ph type="title"/>
-          </p:nvPr>
-        </p:nvSpPr>
-        <p:spPr>
-          <a:xfrm>
-            <a:off x="274320" y="365125"/>
-            <a:ext cx="11846560" cy="1325563"/>
-          </a:xfrm>
-        </p:spPr>
-        <p:txBody>
-          <a:bodyPr/>
-          <a:lstStyle/>
-          <a:p>
-            <a:r>
-              <a:rPr lang="en-US" dirty="0"/>
-              <a:t>Program Logic: Sharing under Page-Table Update</a:t>
-            </a:r>
-          </a:p>
-        </p:txBody>
-      </p:sp>
-      <p:sp>
-        <p:nvSpPr>
-          <p:cNvPr id="3" name="Content Placeholder 2">
-            <a:extLst>
-              <a:ext uri="{FF2B5EF4-FFF2-40B4-BE49-F238E27FC236}">
-                <a16:creationId xmlns:a16="http://schemas.microsoft.com/office/drawing/2014/main" id="{9FF1F8C8-7199-2E31-B355-11262FAAF4F5}"/>
-              </a:ext>
-            </a:extLst>
-          </p:cNvPr>
-          <p:cNvSpPr>
-            <a:spLocks noGrp="1"/>
-          </p:cNvSpPr>
-          <p:nvPr>
-            <p:ph idx="1"/>
-          </p:nvPr>
-        </p:nvSpPr>
-        <p:spPr/>
-        <p:txBody>
-          <a:bodyPr/>
-          <a:lstStyle/>
-          <a:p>
-            <a:r>
-              <a:rPr lang="en-US" dirty="0"/>
-              <a:t>Adding a new page requires an update to L1 table</a:t>
-            </a:r>
-          </a:p>
-        </p:txBody>
-      </p:sp>
       <p:pic>
         <p:nvPicPr>
-          <p:cNvPr id="4" name="Picture 3">
-            <a:extLst>
-              <a:ext uri="{FF2B5EF4-FFF2-40B4-BE49-F238E27FC236}">
-                <a16:creationId xmlns:a16="http://schemas.microsoft.com/office/drawing/2014/main" id="{2CFBB85D-BBAE-8FC6-3B72-E4E8A6853A1C}"/>
+          <p:cNvPr id="10" name="Picture 9" descr="Text, letter&#10;&#10;Description automatically generated">
+            <a:extLst>
+              <a:ext uri="{FF2B5EF4-FFF2-40B4-BE49-F238E27FC236}">
+                <a16:creationId xmlns:a16="http://schemas.microsoft.com/office/drawing/2014/main" id="{0EB949B6-1A35-7EFC-BE38-A7B74506C0C1}"/>
               </a:ext>
             </a:extLst>
           </p:cNvPr>
@@ -9588,20 +11663,232 @@
         </p:blipFill>
         <p:spPr>
           <a:xfrm>
-            <a:off x="2840567" y="2531932"/>
-            <a:ext cx="6985000" cy="406400"/>
+            <a:off x="1150633" y="3075265"/>
+            <a:ext cx="8553677" cy="1452295"/>
           </a:xfrm>
           <a:prstGeom prst="rect">
             <a:avLst/>
           </a:prstGeom>
         </p:spPr>
       </p:pic>
+      <p:sp>
+        <p:nvSpPr>
+          <p:cNvPr id="2" name="Title 1">
+            <a:extLst>
+              <a:ext uri="{FF2B5EF4-FFF2-40B4-BE49-F238E27FC236}">
+                <a16:creationId xmlns:a16="http://schemas.microsoft.com/office/drawing/2014/main" id="{284DB793-5AE9-B6A8-76CE-5A520F686150}"/>
+              </a:ext>
+            </a:extLst>
+          </p:cNvPr>
+          <p:cNvSpPr>
+            <a:spLocks noGrp="1"/>
+          </p:cNvSpPr>
+          <p:nvPr>
+            <p:ph type="title"/>
+          </p:nvPr>
+        </p:nvSpPr>
+        <p:spPr>
+          <a:xfrm>
+            <a:off x="274320" y="365125"/>
+            <a:ext cx="11846560" cy="1325563"/>
+          </a:xfrm>
+        </p:spPr>
+        <p:txBody>
+          <a:bodyPr/>
+          <a:lstStyle/>
+          <a:p>
+            <a:r>
+              <a:rPr lang="en-US" dirty="0"/>
+              <a:t>Program Logic: Sharing under Page-Table Update</a:t>
+            </a:r>
+          </a:p>
+        </p:txBody>
+      </p:sp>
+      <p:sp>
+        <p:nvSpPr>
+          <p:cNvPr id="3" name="Content Placeholder 2">
+            <a:extLst>
+              <a:ext uri="{FF2B5EF4-FFF2-40B4-BE49-F238E27FC236}">
+                <a16:creationId xmlns:a16="http://schemas.microsoft.com/office/drawing/2014/main" id="{9FF1F8C8-7199-2E31-B355-11262FAAF4F5}"/>
+              </a:ext>
+            </a:extLst>
+          </p:cNvPr>
+          <p:cNvSpPr>
+            <a:spLocks noGrp="1"/>
+          </p:cNvSpPr>
+          <p:nvPr>
+            <p:ph idx="1"/>
+          </p:nvPr>
+        </p:nvSpPr>
+        <p:spPr/>
+        <p:txBody>
+          <a:bodyPr/>
+          <a:lstStyle/>
+          <a:p>
+            <a:r>
+              <a:rPr lang="en-US" dirty="0"/>
+              <a:t>Adding a new page requires an update to L1 table</a:t>
+            </a:r>
+          </a:p>
+        </p:txBody>
+      </p:sp>
+      <p:sp>
+        <p:nvSpPr>
+          <p:cNvPr id="7" name="Oval 6">
+            <a:extLst>
+              <a:ext uri="{FF2B5EF4-FFF2-40B4-BE49-F238E27FC236}">
+                <a16:creationId xmlns:a16="http://schemas.microsoft.com/office/drawing/2014/main" id="{129A6321-2269-3D61-0AEB-FFC845CC678C}"/>
+              </a:ext>
+            </a:extLst>
+          </p:cNvPr>
+          <p:cNvSpPr/>
+          <p:nvPr/>
+        </p:nvSpPr>
+        <p:spPr>
+          <a:xfrm>
+            <a:off x="838200" y="4185920"/>
+            <a:ext cx="5582920" cy="326947"/>
+          </a:xfrm>
+          <a:prstGeom prst="ellipse">
+            <a:avLst/>
+          </a:prstGeom>
+          <a:noFill/>
+        </p:spPr>
+        <p:style>
+          <a:lnRef idx="2">
+            <a:schemeClr val="accent1">
+              <a:shade val="50000"/>
+            </a:schemeClr>
+          </a:lnRef>
+          <a:fillRef idx="1">
+            <a:schemeClr val="accent1"/>
+          </a:fillRef>
+          <a:effectRef idx="0">
+            <a:schemeClr val="accent1"/>
+          </a:effectRef>
+          <a:fontRef idx="minor">
+            <a:schemeClr val="lt1"/>
+          </a:fontRef>
+        </p:style>
+        <p:txBody>
+          <a:bodyPr rtlCol="0" anchor="ctr"/>
+          <a:lstStyle/>
+          <a:p>
+            <a:pPr algn="ctr"/>
+            <a:endParaRPr lang="en-US"/>
+          </a:p>
+        </p:txBody>
+      </p:sp>
+      <p:sp>
+        <p:nvSpPr>
+          <p:cNvPr id="8" name="Oval Callout 7">
+            <a:extLst>
+              <a:ext uri="{FF2B5EF4-FFF2-40B4-BE49-F238E27FC236}">
+                <a16:creationId xmlns:a16="http://schemas.microsoft.com/office/drawing/2014/main" id="{AEB7DF88-F2A7-7F1D-072B-EEC78F596AFD}"/>
+              </a:ext>
+            </a:extLst>
+          </p:cNvPr>
+          <p:cNvSpPr/>
+          <p:nvPr/>
+        </p:nvSpPr>
+        <p:spPr>
+          <a:xfrm>
+            <a:off x="6733553" y="4002944"/>
+            <a:ext cx="5011901" cy="2882900"/>
+          </a:xfrm>
+          <a:prstGeom prst="wedgeEllipseCallout">
+            <a:avLst>
+              <a:gd name="adj1" fmla="val -81777"/>
+              <a:gd name="adj2" fmla="val -32556"/>
+            </a:avLst>
+          </a:prstGeom>
+          <a:noFill/>
+        </p:spPr>
+        <p:style>
+          <a:lnRef idx="2">
+            <a:schemeClr val="accent1">
+              <a:shade val="50000"/>
+            </a:schemeClr>
+          </a:lnRef>
+          <a:fillRef idx="1">
+            <a:schemeClr val="accent1"/>
+          </a:fillRef>
+          <a:effectRef idx="0">
+            <a:schemeClr val="accent1"/>
+          </a:effectRef>
+          <a:fontRef idx="minor">
+            <a:schemeClr val="lt1"/>
+          </a:fontRef>
+        </p:style>
+        <p:txBody>
+          <a:bodyPr rtlCol="0" anchor="ctr"/>
+          <a:lstStyle/>
+          <a:p>
+            <a:pPr algn="ctr"/>
+            <a:endParaRPr lang="en-US"/>
+          </a:p>
+        </p:txBody>
+      </p:sp>
+      <p:sp>
+        <p:nvSpPr>
+          <p:cNvPr id="9" name="TextBox 8">
+            <a:extLst>
+              <a:ext uri="{FF2B5EF4-FFF2-40B4-BE49-F238E27FC236}">
+                <a16:creationId xmlns:a16="http://schemas.microsoft.com/office/drawing/2014/main" id="{25E76388-490D-6008-D377-D65953C85663}"/>
+              </a:ext>
+            </a:extLst>
+          </p:cNvPr>
+          <p:cNvSpPr txBox="1"/>
+          <p:nvPr/>
+        </p:nvSpPr>
+        <p:spPr>
+          <a:xfrm>
+            <a:off x="7255762" y="4558835"/>
+            <a:ext cx="4098037" cy="1200329"/>
+          </a:xfrm>
+          <a:prstGeom prst="rect">
+            <a:avLst/>
+          </a:prstGeom>
+          <a:noFill/>
+        </p:spPr>
+        <p:txBody>
+          <a:bodyPr wrap="square" rtlCol="0">
+            <a:spAutoFit/>
+          </a:bodyPr>
+          <a:lstStyle/>
+          <a:p>
+            <a:r>
+              <a:rPr lang="en-US" dirty="0"/>
+              <a:t>Oops! L1 Table is updated! </a:t>
+            </a:r>
+          </a:p>
+          <a:p>
+            <a:r>
+              <a:rPr lang="en-US" dirty="0"/>
+              <a:t>This would make all virtual-points-to defined in terms of physical points-table-points-</a:t>
+            </a:r>
+            <a:r>
+              <a:rPr lang="en-US" dirty="0" err="1"/>
+              <a:t>tos</a:t>
+            </a:r>
+            <a:r>
+              <a:rPr lang="en-US" dirty="0"/>
+              <a:t> </a:t>
+            </a:r>
+            <a:r>
+              <a:rPr lang="en-US" b="1" i="1" dirty="0"/>
+              <a:t>unsound!</a:t>
+            </a:r>
+            <a:endParaRPr lang="en-US" dirty="0"/>
+          </a:p>
+        </p:txBody>
+      </p:sp>
       <p:pic>
         <p:nvPicPr>
-          <p:cNvPr id="5" name="Picture 4" descr="A picture containing text&#10;&#10;Description automatically generated">
-            <a:extLst>
-              <a:ext uri="{FF2B5EF4-FFF2-40B4-BE49-F238E27FC236}">
-                <a16:creationId xmlns:a16="http://schemas.microsoft.com/office/drawing/2014/main" id="{6FD08A07-7985-44E5-081A-915B8CE0435D}"/>
+          <p:cNvPr id="11" name="Picture 10">
+            <a:extLst>
+              <a:ext uri="{FF2B5EF4-FFF2-40B4-BE49-F238E27FC236}">
+                <a16:creationId xmlns:a16="http://schemas.microsoft.com/office/drawing/2014/main" id="{FD704CBA-00DD-4136-50DB-2AB05AEE939B}"/>
               </a:ext>
             </a:extLst>
           </p:cNvPr>
@@ -9618,8 +11905,8 @@
         </p:blipFill>
         <p:spPr>
           <a:xfrm>
-            <a:off x="1223434" y="2519235"/>
-            <a:ext cx="1231900" cy="406400"/>
+            <a:off x="834390" y="2696750"/>
+            <a:ext cx="6553200" cy="317500"/>
           </a:xfrm>
           <a:prstGeom prst="rect">
             <a:avLst/>
@@ -9628,10 +11915,10 @@
       </p:pic>
       <p:pic>
         <p:nvPicPr>
-          <p:cNvPr id="6" name="Picture 5" descr="Text, letter&#10;&#10;Description automatically generated">
-            <a:extLst>
-              <a:ext uri="{FF2B5EF4-FFF2-40B4-BE49-F238E27FC236}">
-                <a16:creationId xmlns:a16="http://schemas.microsoft.com/office/drawing/2014/main" id="{E2D05420-16BB-FB59-51BC-11D406FA80E6}"/>
+          <p:cNvPr id="12" name="Picture 11">
+            <a:extLst>
+              <a:ext uri="{FF2B5EF4-FFF2-40B4-BE49-F238E27FC236}">
+                <a16:creationId xmlns:a16="http://schemas.microsoft.com/office/drawing/2014/main" id="{1D26CC3E-683B-5F43-23E6-65E19E98F131}"/>
               </a:ext>
             </a:extLst>
           </p:cNvPr>
@@ -9648,146 +11935,14 @@
         </p:blipFill>
         <p:spPr>
           <a:xfrm>
-            <a:off x="1075267" y="3060572"/>
-            <a:ext cx="8553677" cy="1452295"/>
+            <a:off x="7255763" y="2690654"/>
+            <a:ext cx="254000" cy="304800"/>
           </a:xfrm>
           <a:prstGeom prst="rect">
             <a:avLst/>
           </a:prstGeom>
         </p:spPr>
       </p:pic>
-      <p:sp>
-        <p:nvSpPr>
-          <p:cNvPr id="7" name="Oval 6">
-            <a:extLst>
-              <a:ext uri="{FF2B5EF4-FFF2-40B4-BE49-F238E27FC236}">
-                <a16:creationId xmlns:a16="http://schemas.microsoft.com/office/drawing/2014/main" id="{129A6321-2269-3D61-0AEB-FFC845CC678C}"/>
-              </a:ext>
-            </a:extLst>
-          </p:cNvPr>
-          <p:cNvSpPr/>
-          <p:nvPr/>
-        </p:nvSpPr>
-        <p:spPr>
-          <a:xfrm>
-            <a:off x="838200" y="4185920"/>
-            <a:ext cx="5582920" cy="326947"/>
-          </a:xfrm>
-          <a:prstGeom prst="ellipse">
-            <a:avLst/>
-          </a:prstGeom>
-          <a:noFill/>
-        </p:spPr>
-        <p:style>
-          <a:lnRef idx="2">
-            <a:schemeClr val="accent1">
-              <a:shade val="50000"/>
-            </a:schemeClr>
-          </a:lnRef>
-          <a:fillRef idx="1">
-            <a:schemeClr val="accent1"/>
-          </a:fillRef>
-          <a:effectRef idx="0">
-            <a:schemeClr val="accent1"/>
-          </a:effectRef>
-          <a:fontRef idx="minor">
-            <a:schemeClr val="lt1"/>
-          </a:fontRef>
-        </p:style>
-        <p:txBody>
-          <a:bodyPr rtlCol="0" anchor="ctr"/>
-          <a:lstStyle/>
-          <a:p>
-            <a:pPr algn="ctr"/>
-            <a:endParaRPr lang="en-US"/>
-          </a:p>
-        </p:txBody>
-      </p:sp>
-      <p:sp>
-        <p:nvSpPr>
-          <p:cNvPr id="8" name="Oval Callout 7">
-            <a:extLst>
-              <a:ext uri="{FF2B5EF4-FFF2-40B4-BE49-F238E27FC236}">
-                <a16:creationId xmlns:a16="http://schemas.microsoft.com/office/drawing/2014/main" id="{AEB7DF88-F2A7-7F1D-072B-EEC78F596AFD}"/>
-              </a:ext>
-            </a:extLst>
-          </p:cNvPr>
-          <p:cNvSpPr/>
-          <p:nvPr/>
-        </p:nvSpPr>
-        <p:spPr>
-          <a:xfrm>
-            <a:off x="6451600" y="4358640"/>
-            <a:ext cx="2936240" cy="1412240"/>
-          </a:xfrm>
-          <a:prstGeom prst="wedgeEllipseCallout">
-            <a:avLst>
-              <a:gd name="adj1" fmla="val -67546"/>
-              <a:gd name="adj2" fmla="val -43975"/>
-            </a:avLst>
-          </a:prstGeom>
-          <a:noFill/>
-        </p:spPr>
-        <p:style>
-          <a:lnRef idx="2">
-            <a:schemeClr val="accent1">
-              <a:shade val="50000"/>
-            </a:schemeClr>
-          </a:lnRef>
-          <a:fillRef idx="1">
-            <a:schemeClr val="accent1"/>
-          </a:fillRef>
-          <a:effectRef idx="0">
-            <a:schemeClr val="accent1"/>
-          </a:effectRef>
-          <a:fontRef idx="minor">
-            <a:schemeClr val="lt1"/>
-          </a:fontRef>
-        </p:style>
-        <p:txBody>
-          <a:bodyPr rtlCol="0" anchor="ctr"/>
-          <a:lstStyle/>
-          <a:p>
-            <a:pPr algn="ctr"/>
-            <a:endParaRPr lang="en-US"/>
-          </a:p>
-        </p:txBody>
-      </p:sp>
-      <p:sp>
-        <p:nvSpPr>
-          <p:cNvPr id="9" name="TextBox 8">
-            <a:extLst>
-              <a:ext uri="{FF2B5EF4-FFF2-40B4-BE49-F238E27FC236}">
-                <a16:creationId xmlns:a16="http://schemas.microsoft.com/office/drawing/2014/main" id="{25E76388-490D-6008-D377-D65953C85663}"/>
-              </a:ext>
-            </a:extLst>
-          </p:cNvPr>
-          <p:cNvSpPr txBox="1"/>
-          <p:nvPr/>
-        </p:nvSpPr>
-        <p:spPr>
-          <a:xfrm>
-            <a:off x="6781800" y="4696480"/>
-            <a:ext cx="2087880" cy="923330"/>
-          </a:xfrm>
-          <a:prstGeom prst="rect">
-            <a:avLst/>
-          </a:prstGeom>
-          <a:noFill/>
-        </p:spPr>
-        <p:txBody>
-          <a:bodyPr wrap="square" rtlCol="0">
-            <a:spAutoFit/>
-          </a:bodyPr>
-          <a:lstStyle/>
-          <a:p>
-            <a:r>
-              <a:rPr lang="en-US" dirty="0"/>
-              <a:t>Make other virtual points-to relations unsound!</a:t>
-            </a:r>
-          </a:p>
-        </p:txBody>
-      </p:sp>
     </p:spTree>
     <p:extLst>
       <p:ext uri="{BB962C8B-B14F-4D97-AF65-F5344CB8AC3E}">
@@ -9798,6 +11953,158 @@
   <p:clrMapOvr>
     <a:masterClrMapping/>
   </p:clrMapOvr>
+  <p:timing>
+    <p:tnLst>
+      <p:par>
+        <p:cTn id="1" dur="indefinite" restart="never" nodeType="tmRoot">
+          <p:childTnLst>
+            <p:seq concurrent="1" nextAc="seek">
+              <p:cTn id="2" dur="indefinite" nodeType="mainSeq">
+                <p:childTnLst>
+                  <p:par>
+                    <p:cTn id="3" fill="hold">
+                      <p:stCondLst>
+                        <p:cond delay="indefinite"/>
+                      </p:stCondLst>
+                      <p:childTnLst>
+                        <p:par>
+                          <p:cTn id="4" fill="hold">
+                            <p:stCondLst>
+                              <p:cond delay="0"/>
+                            </p:stCondLst>
+                            <p:childTnLst>
+                              <p:par>
+                                <p:cTn id="5" presetID="1" presetClass="entr" presetSubtype="0" fill="hold" grpId="0" nodeType="clickEffect">
+                                  <p:stCondLst>
+                                    <p:cond delay="0"/>
+                                  </p:stCondLst>
+                                  <p:childTnLst>
+                                    <p:set>
+                                      <p:cBhvr>
+                                        <p:cTn id="6" dur="1" fill="hold">
+                                          <p:stCondLst>
+                                            <p:cond delay="0"/>
+                                          </p:stCondLst>
+                                        </p:cTn>
+                                        <p:tgtEl>
+                                          <p:spTgt spid="7"/>
+                                        </p:tgtEl>
+                                        <p:attrNameLst>
+                                          <p:attrName>style.visibility</p:attrName>
+                                        </p:attrNameLst>
+                                      </p:cBhvr>
+                                      <p:to>
+                                        <p:strVal val="visible"/>
+                                      </p:to>
+                                    </p:set>
+                                  </p:childTnLst>
+                                </p:cTn>
+                              </p:par>
+                            </p:childTnLst>
+                          </p:cTn>
+                        </p:par>
+                      </p:childTnLst>
+                    </p:cTn>
+                  </p:par>
+                  <p:par>
+                    <p:cTn id="7" fill="hold">
+                      <p:stCondLst>
+                        <p:cond delay="indefinite"/>
+                      </p:stCondLst>
+                      <p:childTnLst>
+                        <p:par>
+                          <p:cTn id="8" fill="hold">
+                            <p:stCondLst>
+                              <p:cond delay="0"/>
+                            </p:stCondLst>
+                            <p:childTnLst>
+                              <p:par>
+                                <p:cTn id="9" presetID="1" presetClass="entr" presetSubtype="0" fill="hold" grpId="0" nodeType="clickEffect">
+                                  <p:stCondLst>
+                                    <p:cond delay="0"/>
+                                  </p:stCondLst>
+                                  <p:childTnLst>
+                                    <p:set>
+                                      <p:cBhvr>
+                                        <p:cTn id="10" dur="1" fill="hold">
+                                          <p:stCondLst>
+                                            <p:cond delay="0"/>
+                                          </p:stCondLst>
+                                        </p:cTn>
+                                        <p:tgtEl>
+                                          <p:spTgt spid="8"/>
+                                        </p:tgtEl>
+                                        <p:attrNameLst>
+                                          <p:attrName>style.visibility</p:attrName>
+                                        </p:attrNameLst>
+                                      </p:cBhvr>
+                                      <p:to>
+                                        <p:strVal val="visible"/>
+                                      </p:to>
+                                    </p:set>
+                                  </p:childTnLst>
+                                </p:cTn>
+                              </p:par>
+                              <p:par>
+                                <p:cTn id="11" presetID="1" presetClass="entr" presetSubtype="0" fill="hold" grpId="0" nodeType="withEffect">
+                                  <p:stCondLst>
+                                    <p:cond delay="0"/>
+                                  </p:stCondLst>
+                                  <p:childTnLst>
+                                    <p:set>
+                                      <p:cBhvr>
+                                        <p:cTn id="12" dur="1" fill="hold">
+                                          <p:stCondLst>
+                                            <p:cond delay="0"/>
+                                          </p:stCondLst>
+                                        </p:cTn>
+                                        <p:tgtEl>
+                                          <p:spTgt spid="9"/>
+                                        </p:tgtEl>
+                                        <p:attrNameLst>
+                                          <p:attrName>style.visibility</p:attrName>
+                                        </p:attrNameLst>
+                                      </p:cBhvr>
+                                      <p:to>
+                                        <p:strVal val="visible"/>
+                                      </p:to>
+                                    </p:set>
+                                  </p:childTnLst>
+                                </p:cTn>
+                              </p:par>
+                            </p:childTnLst>
+                          </p:cTn>
+                        </p:par>
+                      </p:childTnLst>
+                    </p:cTn>
+                  </p:par>
+                </p:childTnLst>
+              </p:cTn>
+              <p:prevCondLst>
+                <p:cond evt="onPrev" delay="0">
+                  <p:tgtEl>
+                    <p:sldTgt/>
+                  </p:tgtEl>
+                </p:cond>
+              </p:prevCondLst>
+              <p:nextCondLst>
+                <p:cond evt="onNext" delay="0">
+                  <p:tgtEl>
+                    <p:sldTgt/>
+                  </p:tgtEl>
+                </p:cond>
+              </p:nextCondLst>
+            </p:seq>
+          </p:childTnLst>
+        </p:cTn>
+      </p:par>
+    </p:tnLst>
+    <p:bldLst>
+      <p:bldP spid="7" grpId="0" animBg="1"/>
+      <p:bldP spid="8" grpId="0" animBg="1"/>
+      <p:bldP spid="9" grpId="0"/>
+    </p:bldLst>
+  </p:timing>
 </p:sld>
 </file>
 

--- a/loca_virt_draft.pptx
+++ b/loca_virt_draft.pptx
@@ -12172,7 +12172,7 @@
         </p:nvSpPr>
         <p:spPr>
           <a:xfrm>
-            <a:off x="274320" y="365125"/>
+            <a:off x="453646" y="110570"/>
             <a:ext cx="11846560" cy="1325563"/>
           </a:xfrm>
         </p:spPr>
@@ -12299,7 +12299,7 @@
         </p:blipFill>
         <p:spPr>
           <a:xfrm>
-            <a:off x="3694176" y="2217420"/>
+            <a:off x="3561080" y="2092581"/>
             <a:ext cx="1021080" cy="1021080"/>
           </a:xfrm>
           <a:prstGeom prst="rect">
@@ -12411,8 +12411,8 @@
         </p:nvSpPr>
         <p:spPr>
           <a:xfrm>
-            <a:off x="3694176" y="1316736"/>
-            <a:ext cx="2120900" cy="898145"/>
+            <a:off x="5035550" y="1057751"/>
+            <a:ext cx="6869938" cy="1325563"/>
           </a:xfrm>
           <a:prstGeom prst="wedgeEllipseCallout">
             <a:avLst>
@@ -12461,13 +12461,13 @@
         </p:nvSpPr>
         <p:spPr>
           <a:xfrm>
-            <a:off x="9119896" y="5643767"/>
-            <a:ext cx="1871191" cy="967982"/>
+            <a:off x="104410" y="4951140"/>
+            <a:ext cx="4902806" cy="1660717"/>
           </a:xfrm>
           <a:prstGeom prst="wedgeEllipseCallout">
             <a:avLst>
-              <a:gd name="adj1" fmla="val -132773"/>
-              <a:gd name="adj2" fmla="val -87034"/>
+              <a:gd name="adj1" fmla="val 92601"/>
+              <a:gd name="adj2" fmla="val -55235"/>
             </a:avLst>
           </a:prstGeom>
           <a:noFill/>
@@ -12494,6 +12494,92 @@
           <a:p>
             <a:pPr algn="ctr"/>
             <a:endParaRPr lang="en-US"/>
+          </a:p>
+        </p:txBody>
+      </p:sp>
+      <p:sp>
+        <p:nvSpPr>
+          <p:cNvPr id="30" name="TextBox 29">
+            <a:extLst>
+              <a:ext uri="{FF2B5EF4-FFF2-40B4-BE49-F238E27FC236}">
+                <a16:creationId xmlns:a16="http://schemas.microsoft.com/office/drawing/2014/main" id="{64BBC137-FBD3-0EEB-9C8F-AEE557DFE0C7}"/>
+              </a:ext>
+            </a:extLst>
+          </p:cNvPr>
+          <p:cNvSpPr txBox="1"/>
+          <p:nvPr/>
+        </p:nvSpPr>
+        <p:spPr>
+          <a:xfrm>
+            <a:off x="5970868" y="1308371"/>
+            <a:ext cx="5625246" cy="923330"/>
+          </a:xfrm>
+          <a:prstGeom prst="rect">
+            <a:avLst/>
+          </a:prstGeom>
+          <a:noFill/>
+        </p:spPr>
+        <p:txBody>
+          <a:bodyPr wrap="square" rtlCol="0">
+            <a:spAutoFit/>
+          </a:bodyPr>
+          <a:lstStyle/>
+          <a:p>
+            <a:r>
+              <a:rPr lang="en-US" dirty="0"/>
+              <a:t>Abstract Physical Page Table Walk with a </a:t>
+            </a:r>
+            <a:r>
+              <a:rPr lang="en-US" i="1" dirty="0"/>
+              <a:t>ghost-map </a:t>
+            </a:r>
+            <a:r>
+              <a:rPr lang="en-US" dirty="0"/>
+              <a:t>mapping and distribute the read-only piece to virtual-</a:t>
+            </a:r>
+            <a:r>
+              <a:rPr lang="en-US" dirty="0" err="1"/>
+              <a:t>pointsto</a:t>
+            </a:r>
+            <a:r>
+              <a:rPr lang="en-US" dirty="0"/>
+              <a:t>  (Fragmental Ownership of the ghost map)</a:t>
+            </a:r>
+          </a:p>
+        </p:txBody>
+      </p:sp>
+      <p:sp>
+        <p:nvSpPr>
+          <p:cNvPr id="31" name="TextBox 30">
+            <a:extLst>
+              <a:ext uri="{FF2B5EF4-FFF2-40B4-BE49-F238E27FC236}">
+                <a16:creationId xmlns:a16="http://schemas.microsoft.com/office/drawing/2014/main" id="{7A33CC06-6073-FD80-53D5-C6F8ECB7117A}"/>
+              </a:ext>
+            </a:extLst>
+          </p:cNvPr>
+          <p:cNvSpPr txBox="1"/>
+          <p:nvPr/>
+        </p:nvSpPr>
+        <p:spPr>
+          <a:xfrm>
+            <a:off x="658428" y="5194679"/>
+            <a:ext cx="3996884" cy="1200329"/>
+          </a:xfrm>
+          <a:prstGeom prst="rect">
+            <a:avLst/>
+          </a:prstGeom>
+          <a:noFill/>
+        </p:spPr>
+        <p:txBody>
+          <a:bodyPr wrap="square" rtlCol="0">
+            <a:spAutoFit/>
+          </a:bodyPr>
+          <a:lstStyle/>
+          <a:p>
+            <a:r>
+              <a:rPr lang="en-US" dirty="0"/>
+              <a:t>Then keep the physical page table walk next to full ownership of the ghost map which is required to update the page tables</a:t>
+            </a:r>
           </a:p>
         </p:txBody>
       </p:sp>
@@ -12507,6 +12593,437 @@
   <p:clrMapOvr>
     <a:masterClrMapping/>
   </p:clrMapOvr>
+  <p:timing>
+    <p:tnLst>
+      <p:par>
+        <p:cTn id="1" dur="indefinite" restart="never" nodeType="tmRoot">
+          <p:childTnLst>
+            <p:seq concurrent="1" nextAc="seek">
+              <p:cTn id="2" dur="indefinite" nodeType="mainSeq">
+                <p:childTnLst>
+                  <p:par>
+                    <p:cTn id="3" fill="hold">
+                      <p:stCondLst>
+                        <p:cond delay="indefinite"/>
+                      </p:stCondLst>
+                      <p:childTnLst>
+                        <p:par>
+                          <p:cTn id="4" fill="hold">
+                            <p:stCondLst>
+                              <p:cond delay="0"/>
+                            </p:stCondLst>
+                            <p:childTnLst>
+                              <p:par>
+                                <p:cTn id="5" presetID="1" presetClass="entr" presetSubtype="0" fill="hold" nodeType="clickEffect">
+                                  <p:stCondLst>
+                                    <p:cond delay="0"/>
+                                  </p:stCondLst>
+                                  <p:childTnLst>
+                                    <p:set>
+                                      <p:cBhvr>
+                                        <p:cTn id="6" dur="1" fill="hold">
+                                          <p:stCondLst>
+                                            <p:cond delay="0"/>
+                                          </p:stCondLst>
+                                        </p:cTn>
+                                        <p:tgtEl>
+                                          <p:spTgt spid="19"/>
+                                        </p:tgtEl>
+                                        <p:attrNameLst>
+                                          <p:attrName>style.visibility</p:attrName>
+                                        </p:attrNameLst>
+                                      </p:cBhvr>
+                                      <p:to>
+                                        <p:strVal val="visible"/>
+                                      </p:to>
+                                    </p:set>
+                                  </p:childTnLst>
+                                </p:cTn>
+                              </p:par>
+                              <p:par>
+                                <p:cTn id="7" presetID="1" presetClass="entr" presetSubtype="0" fill="hold" nodeType="withEffect">
+                                  <p:stCondLst>
+                                    <p:cond delay="0"/>
+                                  </p:stCondLst>
+                                  <p:childTnLst>
+                                    <p:set>
+                                      <p:cBhvr>
+                                        <p:cTn id="8" dur="1" fill="hold">
+                                          <p:stCondLst>
+                                            <p:cond delay="0"/>
+                                          </p:stCondLst>
+                                        </p:cTn>
+                                        <p:tgtEl>
+                                          <p:spTgt spid="15"/>
+                                        </p:tgtEl>
+                                        <p:attrNameLst>
+                                          <p:attrName>style.visibility</p:attrName>
+                                        </p:attrNameLst>
+                                      </p:cBhvr>
+                                      <p:to>
+                                        <p:strVal val="visible"/>
+                                      </p:to>
+                                    </p:set>
+                                  </p:childTnLst>
+                                </p:cTn>
+                              </p:par>
+                              <p:par>
+                                <p:cTn id="9" presetID="1" presetClass="entr" presetSubtype="0" fill="hold" nodeType="withEffect">
+                                  <p:stCondLst>
+                                    <p:cond delay="0"/>
+                                  </p:stCondLst>
+                                  <p:childTnLst>
+                                    <p:set>
+                                      <p:cBhvr>
+                                        <p:cTn id="10" dur="1" fill="hold">
+                                          <p:stCondLst>
+                                            <p:cond delay="0"/>
+                                          </p:stCondLst>
+                                        </p:cTn>
+                                        <p:tgtEl>
+                                          <p:spTgt spid="9"/>
+                                        </p:tgtEl>
+                                        <p:attrNameLst>
+                                          <p:attrName>style.visibility</p:attrName>
+                                        </p:attrNameLst>
+                                      </p:cBhvr>
+                                      <p:to>
+                                        <p:strVal val="visible"/>
+                                      </p:to>
+                                    </p:set>
+                                  </p:childTnLst>
+                                </p:cTn>
+                              </p:par>
+                              <p:par>
+                                <p:cTn id="11" presetID="1" presetClass="entr" presetSubtype="0" fill="hold" nodeType="withEffect">
+                                  <p:stCondLst>
+                                    <p:cond delay="0"/>
+                                  </p:stCondLst>
+                                  <p:childTnLst>
+                                    <p:set>
+                                      <p:cBhvr>
+                                        <p:cTn id="12" dur="1" fill="hold">
+                                          <p:stCondLst>
+                                            <p:cond delay="0"/>
+                                          </p:stCondLst>
+                                        </p:cTn>
+                                        <p:tgtEl>
+                                          <p:spTgt spid="13"/>
+                                        </p:tgtEl>
+                                        <p:attrNameLst>
+                                          <p:attrName>style.visibility</p:attrName>
+                                        </p:attrNameLst>
+                                      </p:cBhvr>
+                                      <p:to>
+                                        <p:strVal val="visible"/>
+                                      </p:to>
+                                    </p:set>
+                                  </p:childTnLst>
+                                </p:cTn>
+                              </p:par>
+                            </p:childTnLst>
+                          </p:cTn>
+                        </p:par>
+                      </p:childTnLst>
+                    </p:cTn>
+                  </p:par>
+                  <p:par>
+                    <p:cTn id="13" fill="hold">
+                      <p:stCondLst>
+                        <p:cond delay="indefinite"/>
+                      </p:stCondLst>
+                      <p:childTnLst>
+                        <p:par>
+                          <p:cTn id="14" fill="hold">
+                            <p:stCondLst>
+                              <p:cond delay="0"/>
+                            </p:stCondLst>
+                            <p:childTnLst>
+                              <p:par>
+                                <p:cTn id="15" presetID="1" presetClass="entr" presetSubtype="0" fill="hold" nodeType="clickEffect">
+                                  <p:stCondLst>
+                                    <p:cond delay="0"/>
+                                  </p:stCondLst>
+                                  <p:childTnLst>
+                                    <p:set>
+                                      <p:cBhvr>
+                                        <p:cTn id="16" dur="1" fill="hold">
+                                          <p:stCondLst>
+                                            <p:cond delay="0"/>
+                                          </p:stCondLst>
+                                        </p:cTn>
+                                        <p:tgtEl>
+                                          <p:spTgt spid="17"/>
+                                        </p:tgtEl>
+                                        <p:attrNameLst>
+                                          <p:attrName>style.visibility</p:attrName>
+                                        </p:attrNameLst>
+                                      </p:cBhvr>
+                                      <p:to>
+                                        <p:strVal val="visible"/>
+                                      </p:to>
+                                    </p:set>
+                                  </p:childTnLst>
+                                </p:cTn>
+                              </p:par>
+                              <p:par>
+                                <p:cTn id="17" presetID="1" presetClass="entr" presetSubtype="0" fill="hold" grpId="0" nodeType="withEffect">
+                                  <p:stCondLst>
+                                    <p:cond delay="0"/>
+                                  </p:stCondLst>
+                                  <p:childTnLst>
+                                    <p:set>
+                                      <p:cBhvr>
+                                        <p:cTn id="18" dur="1" fill="hold">
+                                          <p:stCondLst>
+                                            <p:cond delay="0"/>
+                                          </p:stCondLst>
+                                        </p:cTn>
+                                        <p:tgtEl>
+                                          <p:spTgt spid="30"/>
+                                        </p:tgtEl>
+                                        <p:attrNameLst>
+                                          <p:attrName>style.visibility</p:attrName>
+                                        </p:attrNameLst>
+                                      </p:cBhvr>
+                                      <p:to>
+                                        <p:strVal val="visible"/>
+                                      </p:to>
+                                    </p:set>
+                                  </p:childTnLst>
+                                </p:cTn>
+                              </p:par>
+                              <p:par>
+                                <p:cTn id="19" presetID="1" presetClass="entr" presetSubtype="0" fill="hold" grpId="0" nodeType="withEffect">
+                                  <p:stCondLst>
+                                    <p:cond delay="0"/>
+                                  </p:stCondLst>
+                                  <p:childTnLst>
+                                    <p:set>
+                                      <p:cBhvr>
+                                        <p:cTn id="20" dur="1" fill="hold">
+                                          <p:stCondLst>
+                                            <p:cond delay="0"/>
+                                          </p:stCondLst>
+                                        </p:cTn>
+                                        <p:tgtEl>
+                                          <p:spTgt spid="28"/>
+                                        </p:tgtEl>
+                                        <p:attrNameLst>
+                                          <p:attrName>style.visibility</p:attrName>
+                                        </p:attrNameLst>
+                                      </p:cBhvr>
+                                      <p:to>
+                                        <p:strVal val="visible"/>
+                                      </p:to>
+                                    </p:set>
+                                  </p:childTnLst>
+                                </p:cTn>
+                              </p:par>
+                              <p:par>
+                                <p:cTn id="21" presetID="1" presetClass="exit" presetSubtype="0" fill="hold" nodeType="withEffect">
+                                  <p:stCondLst>
+                                    <p:cond delay="0"/>
+                                  </p:stCondLst>
+                                  <p:childTnLst>
+                                    <p:set>
+                                      <p:cBhvr>
+                                        <p:cTn id="22" dur="1" fill="hold">
+                                          <p:stCondLst>
+                                            <p:cond delay="0"/>
+                                          </p:stCondLst>
+                                        </p:cTn>
+                                        <p:tgtEl>
+                                          <p:spTgt spid="19"/>
+                                        </p:tgtEl>
+                                        <p:attrNameLst>
+                                          <p:attrName>style.visibility</p:attrName>
+                                        </p:attrNameLst>
+                                      </p:cBhvr>
+                                      <p:to>
+                                        <p:strVal val="hidden"/>
+                                      </p:to>
+                                    </p:set>
+                                  </p:childTnLst>
+                                </p:cTn>
+                              </p:par>
+                            </p:childTnLst>
+                          </p:cTn>
+                        </p:par>
+                      </p:childTnLst>
+                    </p:cTn>
+                  </p:par>
+                  <p:par>
+                    <p:cTn id="23" fill="hold">
+                      <p:stCondLst>
+                        <p:cond delay="indefinite"/>
+                      </p:stCondLst>
+                      <p:childTnLst>
+                        <p:par>
+                          <p:cTn id="24" fill="hold">
+                            <p:stCondLst>
+                              <p:cond delay="0"/>
+                            </p:stCondLst>
+                            <p:childTnLst>
+                              <p:par>
+                                <p:cTn id="25" presetID="1" presetClass="entr" presetSubtype="0" fill="hold" nodeType="clickEffect">
+                                  <p:stCondLst>
+                                    <p:cond delay="0"/>
+                                  </p:stCondLst>
+                                  <p:childTnLst>
+                                    <p:set>
+                                      <p:cBhvr>
+                                        <p:cTn id="26" dur="1" fill="hold">
+                                          <p:stCondLst>
+                                            <p:cond delay="0"/>
+                                          </p:stCondLst>
+                                        </p:cTn>
+                                        <p:tgtEl>
+                                          <p:spTgt spid="23"/>
+                                        </p:tgtEl>
+                                        <p:attrNameLst>
+                                          <p:attrName>style.visibility</p:attrName>
+                                        </p:attrNameLst>
+                                      </p:cBhvr>
+                                      <p:to>
+                                        <p:strVal val="visible"/>
+                                      </p:to>
+                                    </p:set>
+                                  </p:childTnLst>
+                                </p:cTn>
+                              </p:par>
+                              <p:par>
+                                <p:cTn id="27" presetID="1" presetClass="entr" presetSubtype="0" fill="hold" nodeType="withEffect">
+                                  <p:stCondLst>
+                                    <p:cond delay="0"/>
+                                  </p:stCondLst>
+                                  <p:childTnLst>
+                                    <p:set>
+                                      <p:cBhvr>
+                                        <p:cTn id="28" dur="1" fill="hold">
+                                          <p:stCondLst>
+                                            <p:cond delay="0"/>
+                                          </p:stCondLst>
+                                        </p:cTn>
+                                        <p:tgtEl>
+                                          <p:spTgt spid="21"/>
+                                        </p:tgtEl>
+                                        <p:attrNameLst>
+                                          <p:attrName>style.visibility</p:attrName>
+                                        </p:attrNameLst>
+                                      </p:cBhvr>
+                                      <p:to>
+                                        <p:strVal val="visible"/>
+                                      </p:to>
+                                    </p:set>
+                                  </p:childTnLst>
+                                </p:cTn>
+                              </p:par>
+                            </p:childTnLst>
+                          </p:cTn>
+                        </p:par>
+                      </p:childTnLst>
+                    </p:cTn>
+                  </p:par>
+                  <p:par>
+                    <p:cTn id="29" fill="hold">
+                      <p:stCondLst>
+                        <p:cond delay="indefinite"/>
+                      </p:stCondLst>
+                      <p:childTnLst>
+                        <p:par>
+                          <p:cTn id="30" fill="hold">
+                            <p:stCondLst>
+                              <p:cond delay="0"/>
+                            </p:stCondLst>
+                            <p:childTnLst>
+                              <p:par>
+                                <p:cTn id="31" presetID="1" presetClass="entr" presetSubtype="0" fill="hold" nodeType="clickEffect">
+                                  <p:stCondLst>
+                                    <p:cond delay="0"/>
+                                  </p:stCondLst>
+                                  <p:childTnLst>
+                                    <p:set>
+                                      <p:cBhvr>
+                                        <p:cTn id="32" dur="1" fill="hold">
+                                          <p:stCondLst>
+                                            <p:cond delay="0"/>
+                                          </p:stCondLst>
+                                        </p:cTn>
+                                        <p:tgtEl>
+                                          <p:spTgt spid="27"/>
+                                        </p:tgtEl>
+                                        <p:attrNameLst>
+                                          <p:attrName>style.visibility</p:attrName>
+                                        </p:attrNameLst>
+                                      </p:cBhvr>
+                                      <p:to>
+                                        <p:strVal val="visible"/>
+                                      </p:to>
+                                    </p:set>
+                                  </p:childTnLst>
+                                </p:cTn>
+                              </p:par>
+                              <p:par>
+                                <p:cTn id="33" presetID="1" presetClass="entr" presetSubtype="0" fill="hold" grpId="0" nodeType="withEffect">
+                                  <p:stCondLst>
+                                    <p:cond delay="0"/>
+                                  </p:stCondLst>
+                                  <p:childTnLst>
+                                    <p:set>
+                                      <p:cBhvr>
+                                        <p:cTn id="34" dur="1" fill="hold">
+                                          <p:stCondLst>
+                                            <p:cond delay="0"/>
+                                          </p:stCondLst>
+                                        </p:cTn>
+                                        <p:tgtEl>
+                                          <p:spTgt spid="29"/>
+                                        </p:tgtEl>
+                                        <p:attrNameLst>
+                                          <p:attrName>style.visibility</p:attrName>
+                                        </p:attrNameLst>
+                                      </p:cBhvr>
+                                      <p:to>
+                                        <p:strVal val="visible"/>
+                                      </p:to>
+                                    </p:set>
+                                  </p:childTnLst>
+                                </p:cTn>
+                              </p:par>
+                            </p:childTnLst>
+                          </p:cTn>
+                        </p:par>
+                      </p:childTnLst>
+                    </p:cTn>
+                  </p:par>
+                </p:childTnLst>
+              </p:cTn>
+              <p:prevCondLst>
+                <p:cond evt="onPrev" delay="0">
+                  <p:tgtEl>
+                    <p:sldTgt/>
+                  </p:tgtEl>
+                </p:cond>
+              </p:prevCondLst>
+              <p:nextCondLst>
+                <p:cond evt="onNext" delay="0">
+                  <p:tgtEl>
+                    <p:sldTgt/>
+                  </p:tgtEl>
+                </p:cond>
+              </p:nextCondLst>
+            </p:seq>
+          </p:childTnLst>
+        </p:cTn>
+      </p:par>
+    </p:tnLst>
+    <p:bldLst>
+      <p:bldP spid="28" grpId="0" animBg="1"/>
+      <p:bldP spid="29" grpId="0" animBg="1"/>
+      <p:bldP spid="30" grpId="0"/>
+    </p:bldLst>
+  </p:timing>
 </p:sld>
 </file>
 

--- a/loca_virt_draft.pptx
+++ b/loca_virt_draft.pptx
@@ -3480,8 +3480,19 @@
           <a:lstStyle/>
           <a:p>
             <a:r>
+              <a:rPr lang="en-US"/>
+              <a:t>STOP HERE</a:t>
+            </a:r>
+            <a:br>
+              <a:rPr lang="en-US"/>
+            </a:br>
+            <a:r>
+              <a:rPr lang="en-US"/>
+              <a:t>Virtual </a:t>
+            </a:r>
+            <a:r>
               <a:rPr lang="en-US" dirty="0"/>
-              <a:t>Virtual Points-</a:t>
+              <a:t>Points-</a:t>
             </a:r>
             <a:r>
               <a:rPr lang="en-US" dirty="0" err="1"/>
@@ -13506,7 +13517,7 @@
         </p:nvSpPr>
         <p:spPr>
           <a:xfrm>
-            <a:off x="4710569" y="2714552"/>
+            <a:off x="4680712" y="2056885"/>
             <a:ext cx="2128725" cy="523220"/>
           </a:xfrm>
           <a:prstGeom prst="rect">
@@ -13929,13 +13940,13 @@
         </p:nvSpPr>
         <p:spPr>
           <a:xfrm>
-            <a:off x="4091537" y="4032116"/>
-            <a:ext cx="3315104" cy="2704599"/>
+            <a:off x="4075559" y="2943478"/>
+            <a:ext cx="3315104" cy="3793238"/>
           </a:xfrm>
           <a:prstGeom prst="wedgeEllipseCallout">
             <a:avLst>
-              <a:gd name="adj1" fmla="val -10223"/>
-              <a:gd name="adj2" fmla="val -81558"/>
+              <a:gd name="adj1" fmla="val -9120"/>
+              <a:gd name="adj2" fmla="val -63534"/>
             </a:avLst>
           </a:prstGeom>
           <a:noFill/>
@@ -13962,6 +13973,152 @@
           <a:p>
             <a:pPr algn="ctr"/>
             <a:endParaRPr lang="en-US"/>
+          </a:p>
+        </p:txBody>
+      </p:sp>
+      <p:sp>
+        <p:nvSpPr>
+          <p:cNvPr id="59" name="TextBox 58">
+            <a:extLst>
+              <a:ext uri="{FF2B5EF4-FFF2-40B4-BE49-F238E27FC236}">
+                <a16:creationId xmlns:a16="http://schemas.microsoft.com/office/drawing/2014/main" id="{4B1AE4BD-FD27-22B7-B8E2-3A20A590C846}"/>
+              </a:ext>
+            </a:extLst>
+          </p:cNvPr>
+          <p:cNvSpPr txBox="1"/>
+          <p:nvPr/>
+        </p:nvSpPr>
+        <p:spPr>
+          <a:xfrm rot="5400000">
+            <a:off x="9137904" y="4520180"/>
+            <a:ext cx="458780" cy="369332"/>
+          </a:xfrm>
+          <a:prstGeom prst="rect">
+            <a:avLst/>
+          </a:prstGeom>
+          <a:noFill/>
+        </p:spPr>
+        <p:txBody>
+          <a:bodyPr wrap="none" rtlCol="0">
+            <a:spAutoFit/>
+          </a:bodyPr>
+          <a:lstStyle/>
+          <a:p>
+            <a:r>
+              <a:rPr lang="en-US" dirty="0"/>
+              <a:t>…..</a:t>
+            </a:r>
+          </a:p>
+        </p:txBody>
+      </p:sp>
+      <p:sp>
+        <p:nvSpPr>
+          <p:cNvPr id="60" name="TextBox 59">
+            <a:extLst>
+              <a:ext uri="{FF2B5EF4-FFF2-40B4-BE49-F238E27FC236}">
+                <a16:creationId xmlns:a16="http://schemas.microsoft.com/office/drawing/2014/main" id="{E214D367-3399-BF03-A698-D58BF9425FE6}"/>
+              </a:ext>
+            </a:extLst>
+          </p:cNvPr>
+          <p:cNvSpPr txBox="1"/>
+          <p:nvPr/>
+        </p:nvSpPr>
+        <p:spPr>
+          <a:xfrm>
+            <a:off x="4448670" y="3448664"/>
+            <a:ext cx="2819688" cy="2031325"/>
+          </a:xfrm>
+          <a:prstGeom prst="rect">
+            <a:avLst/>
+          </a:prstGeom>
+          <a:noFill/>
+        </p:spPr>
+        <p:txBody>
+          <a:bodyPr wrap="square" rtlCol="0">
+            <a:spAutoFit/>
+          </a:bodyPr>
+          <a:lstStyle/>
+          <a:p>
+            <a:pPr marL="285750" indent="-285750">
+              <a:buFontTx/>
+              <a:buChar char="-"/>
+            </a:pPr>
+            <a:r>
+              <a:rPr lang="en-US" dirty="0"/>
+              <a:t>Load another address space into the current view of memory</a:t>
+            </a:r>
+          </a:p>
+          <a:p>
+            <a:pPr marL="285750" indent="-285750">
+              <a:buFontTx/>
+              <a:buChar char="-"/>
+            </a:pPr>
+            <a:r>
+              <a:rPr lang="en-US" dirty="0"/>
+              <a:t>Bookkeeping each virtual address’s  address-space explicitly?</a:t>
+            </a:r>
+          </a:p>
+          <a:p>
+            <a:pPr marL="285750" indent="-285750">
+              <a:buFontTx/>
+              <a:buChar char="-"/>
+            </a:pPr>
+            <a:r>
+              <a:rPr lang="en-US" dirty="0"/>
+              <a:t>Or another  abstraction?</a:t>
+            </a:r>
+          </a:p>
+        </p:txBody>
+      </p:sp>
+      <p:sp>
+        <p:nvSpPr>
+          <p:cNvPr id="63" name="Frame 62">
+            <a:extLst>
+              <a:ext uri="{FF2B5EF4-FFF2-40B4-BE49-F238E27FC236}">
+                <a16:creationId xmlns:a16="http://schemas.microsoft.com/office/drawing/2014/main" id="{C857FFD7-5101-3635-00B5-7BEE6E566AD1}"/>
+              </a:ext>
+            </a:extLst>
+          </p:cNvPr>
+          <p:cNvSpPr/>
+          <p:nvPr/>
+        </p:nvSpPr>
+        <p:spPr>
+          <a:xfrm>
+            <a:off x="201168" y="1833142"/>
+            <a:ext cx="3899859" cy="4229068"/>
+          </a:xfrm>
+          <a:prstGeom prst="frame">
+            <a:avLst>
+              <a:gd name="adj1" fmla="val 4284"/>
+            </a:avLst>
+          </a:prstGeom>
+        </p:spPr>
+        <p:style>
+          <a:lnRef idx="2">
+            <a:schemeClr val="accent1">
+              <a:shade val="50000"/>
+            </a:schemeClr>
+          </a:lnRef>
+          <a:fillRef idx="1">
+            <a:schemeClr val="accent1"/>
+          </a:fillRef>
+          <a:effectRef idx="0">
+            <a:schemeClr val="accent1"/>
+          </a:effectRef>
+          <a:fontRef idx="minor">
+            <a:schemeClr val="lt1"/>
+          </a:fontRef>
+        </p:style>
+        <p:txBody>
+          <a:bodyPr rtlCol="0" anchor="ctr"/>
+          <a:lstStyle/>
+          <a:p>
+            <a:pPr algn="ctr"/>
+            <a:endParaRPr lang="en-US">
+              <a:solidFill>
+                <a:schemeClr val="tx1"/>
+              </a:solidFill>
+            </a:endParaRPr>
           </a:p>
         </p:txBody>
       </p:sp>
@@ -13987,9 +14144,6 @@
                     <p:cTn id="3" fill="hold">
                       <p:stCondLst>
                         <p:cond delay="indefinite"/>
-                        <p:cond evt="onBegin" delay="0">
-                          <p:tn val="2"/>
-                        </p:cond>
                       </p:stCondLst>
                       <p:childTnLst>
                         <p:par>
@@ -13999,7 +14153,7 @@
                             </p:stCondLst>
                             <p:childTnLst>
                               <p:par>
-                                <p:cTn id="5" presetID="1" presetClass="entr" presetSubtype="0" fill="hold" grpId="0" nodeType="withEffect">
+                                <p:cTn id="5" presetID="1" presetClass="entr" presetSubtype="0" fill="hold" grpId="0" nodeType="clickEffect">
                                   <p:stCondLst>
                                     <p:cond delay="0"/>
                                   </p:stCondLst>
@@ -14012,7 +14166,7 @@
                                           </p:stCondLst>
                                         </p:cTn>
                                         <p:tgtEl>
-                                          <p:spTgt spid="9"/>
+                                          <p:spTgt spid="18"/>
                                         </p:tgtEl>
                                         <p:attrNameLst>
                                           <p:attrName>style.visibility</p:attrName>
@@ -14039,7 +14193,691 @@
                                           </p:stCondLst>
                                         </p:cTn>
                                         <p:tgtEl>
+                                          <p:spTgt spid="5"/>
+                                        </p:tgtEl>
+                                        <p:attrNameLst>
+                                          <p:attrName>style.visibility</p:attrName>
+                                        </p:attrNameLst>
+                                      </p:cBhvr>
+                                      <p:to>
+                                        <p:strVal val="visible"/>
+                                      </p:to>
+                                    </p:set>
+                                  </p:childTnLst>
+                                </p:cTn>
+                              </p:par>
+                              <p:par>
+                                <p:cTn id="9" presetID="1" presetClass="entr" presetSubtype="0" fill="hold" nodeType="withEffect">
+                                  <p:stCondLst>
+                                    <p:cond delay="0"/>
+                                  </p:stCondLst>
+                                  <p:childTnLst>
+                                    <p:set>
+                                      <p:cBhvr>
+                                        <p:cTn id="10" dur="1" fill="hold">
+                                          <p:stCondLst>
+                                            <p:cond delay="0"/>
+                                          </p:stCondLst>
+                                        </p:cTn>
+                                        <p:tgtEl>
+                                          <p:spTgt spid="15"/>
+                                        </p:tgtEl>
+                                        <p:attrNameLst>
+                                          <p:attrName>style.visibility</p:attrName>
+                                        </p:attrNameLst>
+                                      </p:cBhvr>
+                                      <p:to>
+                                        <p:strVal val="visible"/>
+                                      </p:to>
+                                    </p:set>
+                                  </p:childTnLst>
+                                </p:cTn>
+                              </p:par>
+                              <p:par>
+                                <p:cTn id="11" presetID="1" presetClass="entr" presetSubtype="0" fill="hold" grpId="0" nodeType="withEffect">
+                                  <p:stCondLst>
+                                    <p:cond delay="0"/>
+                                  </p:stCondLst>
+                                  <p:childTnLst>
+                                    <p:set>
+                                      <p:cBhvr>
+                                        <p:cTn id="12" dur="1" fill="hold">
+                                          <p:stCondLst>
+                                            <p:cond delay="0"/>
+                                          </p:stCondLst>
+                                        </p:cTn>
+                                        <p:tgtEl>
+                                          <p:spTgt spid="36"/>
+                                        </p:tgtEl>
+                                        <p:attrNameLst>
+                                          <p:attrName>style.visibility</p:attrName>
+                                        </p:attrNameLst>
+                                      </p:cBhvr>
+                                      <p:to>
+                                        <p:strVal val="visible"/>
+                                      </p:to>
+                                    </p:set>
+                                  </p:childTnLst>
+                                </p:cTn>
+                              </p:par>
+                              <p:par>
+                                <p:cTn id="13" presetID="1" presetClass="entr" presetSubtype="0" fill="hold" grpId="0" nodeType="withEffect">
+                                  <p:stCondLst>
+                                    <p:cond delay="0"/>
+                                  </p:stCondLst>
+                                  <p:childTnLst>
+                                    <p:set>
+                                      <p:cBhvr>
+                                        <p:cTn id="14" dur="1" fill="hold">
+                                          <p:stCondLst>
+                                            <p:cond delay="0"/>
+                                          </p:stCondLst>
+                                        </p:cTn>
+                                        <p:tgtEl>
+                                          <p:spTgt spid="9"/>
+                                        </p:tgtEl>
+                                        <p:attrNameLst>
+                                          <p:attrName>style.visibility</p:attrName>
+                                        </p:attrNameLst>
+                                      </p:cBhvr>
+                                      <p:to>
+                                        <p:strVal val="visible"/>
+                                      </p:to>
+                                    </p:set>
+                                  </p:childTnLst>
+                                </p:cTn>
+                              </p:par>
+                              <p:par>
+                                <p:cTn id="15" presetID="1" presetClass="entr" presetSubtype="0" fill="hold" grpId="0" nodeType="withEffect">
+                                  <p:stCondLst>
+                                    <p:cond delay="0"/>
+                                  </p:stCondLst>
+                                  <p:childTnLst>
+                                    <p:set>
+                                      <p:cBhvr>
+                                        <p:cTn id="16" dur="1" fill="hold">
+                                          <p:stCondLst>
+                                            <p:cond delay="0"/>
+                                          </p:stCondLst>
+                                        </p:cTn>
+                                        <p:tgtEl>
+                                          <p:spTgt spid="12"/>
+                                        </p:tgtEl>
+                                        <p:attrNameLst>
+                                          <p:attrName>style.visibility</p:attrName>
+                                        </p:attrNameLst>
+                                      </p:cBhvr>
+                                      <p:to>
+                                        <p:strVal val="visible"/>
+                                      </p:to>
+                                    </p:set>
+                                  </p:childTnLst>
+                                </p:cTn>
+                              </p:par>
+                              <p:par>
+                                <p:cTn id="17" presetID="1" presetClass="entr" presetSubtype="0" fill="hold" grpId="0" nodeType="withEffect">
+                                  <p:stCondLst>
+                                    <p:cond delay="0"/>
+                                  </p:stCondLst>
+                                  <p:childTnLst>
+                                    <p:set>
+                                      <p:cBhvr>
+                                        <p:cTn id="18" dur="1" fill="hold">
+                                          <p:stCondLst>
+                                            <p:cond delay="0"/>
+                                          </p:stCondLst>
+                                        </p:cTn>
+                                        <p:tgtEl>
+                                          <p:spTgt spid="16"/>
+                                        </p:tgtEl>
+                                        <p:attrNameLst>
+                                          <p:attrName>style.visibility</p:attrName>
+                                        </p:attrNameLst>
+                                      </p:cBhvr>
+                                      <p:to>
+                                        <p:strVal val="visible"/>
+                                      </p:to>
+                                    </p:set>
+                                  </p:childTnLst>
+                                </p:cTn>
+                              </p:par>
+                              <p:par>
+                                <p:cTn id="19" presetID="1" presetClass="entr" presetSubtype="0" fill="hold" nodeType="withEffect">
+                                  <p:stCondLst>
+                                    <p:cond delay="0"/>
+                                  </p:stCondLst>
+                                  <p:childTnLst>
+                                    <p:set>
+                                      <p:cBhvr>
+                                        <p:cTn id="20" dur="1" fill="hold">
+                                          <p:stCondLst>
+                                            <p:cond delay="0"/>
+                                          </p:stCondLst>
+                                        </p:cTn>
+                                        <p:tgtEl>
+                                          <p:spTgt spid="7"/>
+                                        </p:tgtEl>
+                                        <p:attrNameLst>
+                                          <p:attrName>style.visibility</p:attrName>
+                                        </p:attrNameLst>
+                                      </p:cBhvr>
+                                      <p:to>
+                                        <p:strVal val="visible"/>
+                                      </p:to>
+                                    </p:set>
+                                  </p:childTnLst>
+                                </p:cTn>
+                              </p:par>
+                              <p:par>
+                                <p:cTn id="21" presetID="1" presetClass="entr" presetSubtype="0" fill="hold" nodeType="withEffect">
+                                  <p:stCondLst>
+                                    <p:cond delay="0"/>
+                                  </p:stCondLst>
+                                  <p:childTnLst>
+                                    <p:set>
+                                      <p:cBhvr>
+                                        <p:cTn id="22" dur="1" fill="hold">
+                                          <p:stCondLst>
+                                            <p:cond delay="0"/>
+                                          </p:stCondLst>
+                                        </p:cTn>
+                                        <p:tgtEl>
+                                          <p:spTgt spid="4"/>
+                                        </p:tgtEl>
+                                        <p:attrNameLst>
+                                          <p:attrName>style.visibility</p:attrName>
+                                        </p:attrNameLst>
+                                      </p:cBhvr>
+                                      <p:to>
+                                        <p:strVal val="visible"/>
+                                      </p:to>
+                                    </p:set>
+                                  </p:childTnLst>
+                                </p:cTn>
+                              </p:par>
+                              <p:par>
+                                <p:cTn id="23" presetID="1" presetClass="entr" presetSubtype="0" fill="hold" nodeType="withEffect">
+                                  <p:stCondLst>
+                                    <p:cond delay="0"/>
+                                  </p:stCondLst>
+                                  <p:childTnLst>
+                                    <p:set>
+                                      <p:cBhvr>
+                                        <p:cTn id="24" dur="1" fill="hold">
+                                          <p:stCondLst>
+                                            <p:cond delay="0"/>
+                                          </p:stCondLst>
+                                        </p:cTn>
+                                        <p:tgtEl>
+                                          <p:spTgt spid="10"/>
+                                        </p:tgtEl>
+                                        <p:attrNameLst>
+                                          <p:attrName>style.visibility</p:attrName>
+                                        </p:attrNameLst>
+                                      </p:cBhvr>
+                                      <p:to>
+                                        <p:strVal val="visible"/>
+                                      </p:to>
+                                    </p:set>
+                                  </p:childTnLst>
+                                </p:cTn>
+                              </p:par>
+                              <p:par>
+                                <p:cTn id="25" presetID="1" presetClass="entr" presetSubtype="0" fill="hold" grpId="0" nodeType="withEffect">
+                                  <p:stCondLst>
+                                    <p:cond delay="0"/>
+                                  </p:stCondLst>
+                                  <p:childTnLst>
+                                    <p:set>
+                                      <p:cBhvr>
+                                        <p:cTn id="26" dur="1" fill="hold">
+                                          <p:stCondLst>
+                                            <p:cond delay="0"/>
+                                          </p:stCondLst>
+                                        </p:cTn>
+                                        <p:tgtEl>
+                                          <p:spTgt spid="14"/>
+                                        </p:tgtEl>
+                                        <p:attrNameLst>
+                                          <p:attrName>style.visibility</p:attrName>
+                                        </p:attrNameLst>
+                                      </p:cBhvr>
+                                      <p:to>
+                                        <p:strVal val="visible"/>
+                                      </p:to>
+                                    </p:set>
+                                  </p:childTnLst>
+                                </p:cTn>
+                              </p:par>
+                              <p:par>
+                                <p:cTn id="27" presetID="1" presetClass="entr" presetSubtype="0" fill="hold" nodeType="withEffect">
+                                  <p:stCondLst>
+                                    <p:cond delay="0"/>
+                                  </p:stCondLst>
+                                  <p:childTnLst>
+                                    <p:set>
+                                      <p:cBhvr>
+                                        <p:cTn id="28" dur="1" fill="hold">
+                                          <p:stCondLst>
+                                            <p:cond delay="0"/>
+                                          </p:stCondLst>
+                                        </p:cTn>
+                                        <p:tgtEl>
+                                          <p:spTgt spid="25"/>
+                                        </p:tgtEl>
+                                        <p:attrNameLst>
+                                          <p:attrName>style.visibility</p:attrName>
+                                        </p:attrNameLst>
+                                      </p:cBhvr>
+                                      <p:to>
+                                        <p:strVal val="visible"/>
+                                      </p:to>
+                                    </p:set>
+                                  </p:childTnLst>
+                                </p:cTn>
+                              </p:par>
+                            </p:childTnLst>
+                          </p:cTn>
+                        </p:par>
+                      </p:childTnLst>
+                    </p:cTn>
+                  </p:par>
+                  <p:par>
+                    <p:cTn id="29" fill="hold">
+                      <p:stCondLst>
+                        <p:cond delay="indefinite"/>
+                      </p:stCondLst>
+                      <p:childTnLst>
+                        <p:par>
+                          <p:cTn id="30" fill="hold">
+                            <p:stCondLst>
+                              <p:cond delay="0"/>
+                            </p:stCondLst>
+                            <p:childTnLst>
+                              <p:par>
+                                <p:cTn id="31" presetID="1" presetClass="entr" presetSubtype="0" fill="hold" grpId="0" nodeType="clickEffect">
+                                  <p:stCondLst>
+                                    <p:cond delay="0"/>
+                                  </p:stCondLst>
+                                  <p:childTnLst>
+                                    <p:set>
+                                      <p:cBhvr>
+                                        <p:cTn id="32" dur="1" fill="hold">
+                                          <p:stCondLst>
+                                            <p:cond delay="0"/>
+                                          </p:stCondLst>
+                                        </p:cTn>
+                                        <p:tgtEl>
+                                          <p:spTgt spid="101"/>
+                                        </p:tgtEl>
+                                        <p:attrNameLst>
+                                          <p:attrName>style.visibility</p:attrName>
+                                        </p:attrNameLst>
+                                      </p:cBhvr>
+                                      <p:to>
+                                        <p:strVal val="visible"/>
+                                      </p:to>
+                                    </p:set>
+                                  </p:childTnLst>
+                                </p:cTn>
+                              </p:par>
+                              <p:par>
+                                <p:cTn id="33" presetID="1" presetClass="entr" presetSubtype="0" fill="hold" grpId="0" nodeType="withEffect">
+                                  <p:stCondLst>
+                                    <p:cond delay="0"/>
+                                  </p:stCondLst>
+                                  <p:childTnLst>
+                                    <p:set>
+                                      <p:cBhvr>
+                                        <p:cTn id="34" dur="1" fill="hold">
+                                          <p:stCondLst>
+                                            <p:cond delay="0"/>
+                                          </p:stCondLst>
+                                        </p:cTn>
+                                        <p:tgtEl>
+                                          <p:spTgt spid="40"/>
+                                        </p:tgtEl>
+                                        <p:attrNameLst>
+                                          <p:attrName>style.visibility</p:attrName>
+                                        </p:attrNameLst>
+                                      </p:cBhvr>
+                                      <p:to>
+                                        <p:strVal val="visible"/>
+                                      </p:to>
+                                    </p:set>
+                                  </p:childTnLst>
+                                </p:cTn>
+                              </p:par>
+                              <p:par>
+                                <p:cTn id="35" presetID="1" presetClass="entr" presetSubtype="0" fill="hold" nodeType="withEffect">
+                                  <p:stCondLst>
+                                    <p:cond delay="0"/>
+                                  </p:stCondLst>
+                                  <p:childTnLst>
+                                    <p:set>
+                                      <p:cBhvr>
+                                        <p:cTn id="36" dur="1" fill="hold">
+                                          <p:stCondLst>
+                                            <p:cond delay="0"/>
+                                          </p:stCondLst>
+                                        </p:cTn>
+                                        <p:tgtEl>
+                                          <p:spTgt spid="102"/>
+                                        </p:tgtEl>
+                                        <p:attrNameLst>
+                                          <p:attrName>style.visibility</p:attrName>
+                                        </p:attrNameLst>
+                                      </p:cBhvr>
+                                      <p:to>
+                                        <p:strVal val="visible"/>
+                                      </p:to>
+                                    </p:set>
+                                  </p:childTnLst>
+                                </p:cTn>
+                              </p:par>
+                              <p:par>
+                                <p:cTn id="37" presetID="1" presetClass="entr" presetSubtype="0" fill="hold" grpId="0" nodeType="withEffect">
+                                  <p:stCondLst>
+                                    <p:cond delay="0"/>
+                                  </p:stCondLst>
+                                  <p:childTnLst>
+                                    <p:set>
+                                      <p:cBhvr>
+                                        <p:cTn id="38" dur="1" fill="hold">
+                                          <p:stCondLst>
+                                            <p:cond delay="0"/>
+                                          </p:stCondLst>
+                                        </p:cTn>
+                                        <p:tgtEl>
+                                          <p:spTgt spid="13"/>
+                                        </p:tgtEl>
+                                        <p:attrNameLst>
+                                          <p:attrName>style.visibility</p:attrName>
+                                        </p:attrNameLst>
+                                      </p:cBhvr>
+                                      <p:to>
+                                        <p:strVal val="visible"/>
+                                      </p:to>
+                                    </p:set>
+                                  </p:childTnLst>
+                                </p:cTn>
+                              </p:par>
+                              <p:par>
+                                <p:cTn id="39" presetID="1" presetClass="entr" presetSubtype="0" fill="hold" grpId="0" nodeType="withEffect">
+                                  <p:stCondLst>
+                                    <p:cond delay="0"/>
+                                  </p:stCondLst>
+                                  <p:childTnLst>
+                                    <p:set>
+                                      <p:cBhvr>
+                                        <p:cTn id="40" dur="1" fill="hold">
+                                          <p:stCondLst>
+                                            <p:cond delay="0"/>
+                                          </p:stCondLst>
+                                        </p:cTn>
+                                        <p:tgtEl>
                                           <p:spTgt spid="11"/>
+                                        </p:tgtEl>
+                                        <p:attrNameLst>
+                                          <p:attrName>style.visibility</p:attrName>
+                                        </p:attrNameLst>
+                                      </p:cBhvr>
+                                      <p:to>
+                                        <p:strVal val="visible"/>
+                                      </p:to>
+                                    </p:set>
+                                  </p:childTnLst>
+                                </p:cTn>
+                              </p:par>
+                              <p:par>
+                                <p:cTn id="41" presetID="1" presetClass="entr" presetSubtype="0" fill="hold" nodeType="withEffect">
+                                  <p:stCondLst>
+                                    <p:cond delay="0"/>
+                                  </p:stCondLst>
+                                  <p:childTnLst>
+                                    <p:set>
+                                      <p:cBhvr>
+                                        <p:cTn id="42" dur="1" fill="hold">
+                                          <p:stCondLst>
+                                            <p:cond delay="0"/>
+                                          </p:stCondLst>
+                                        </p:cTn>
+                                        <p:tgtEl>
+                                          <p:spTgt spid="27"/>
+                                        </p:tgtEl>
+                                        <p:attrNameLst>
+                                          <p:attrName>style.visibility</p:attrName>
+                                        </p:attrNameLst>
+                                      </p:cBhvr>
+                                      <p:to>
+                                        <p:strVal val="visible"/>
+                                      </p:to>
+                                    </p:set>
+                                  </p:childTnLst>
+                                </p:cTn>
+                              </p:par>
+                              <p:par>
+                                <p:cTn id="43" presetID="1" presetClass="entr" presetSubtype="0" fill="hold" nodeType="withEffect">
+                                  <p:stCondLst>
+                                    <p:cond delay="0"/>
+                                  </p:stCondLst>
+                                  <p:childTnLst>
+                                    <p:set>
+                                      <p:cBhvr>
+                                        <p:cTn id="44" dur="1" fill="hold">
+                                          <p:stCondLst>
+                                            <p:cond delay="0"/>
+                                          </p:stCondLst>
+                                        </p:cTn>
+                                        <p:tgtEl>
+                                          <p:spTgt spid="31"/>
+                                        </p:tgtEl>
+                                        <p:attrNameLst>
+                                          <p:attrName>style.visibility</p:attrName>
+                                        </p:attrNameLst>
+                                      </p:cBhvr>
+                                      <p:to>
+                                        <p:strVal val="visible"/>
+                                      </p:to>
+                                    </p:set>
+                                  </p:childTnLst>
+                                </p:cTn>
+                              </p:par>
+                              <p:par>
+                                <p:cTn id="45" presetID="1" presetClass="entr" presetSubtype="0" fill="hold" nodeType="withEffect">
+                                  <p:stCondLst>
+                                    <p:cond delay="0"/>
+                                  </p:stCondLst>
+                                  <p:childTnLst>
+                                    <p:set>
+                                      <p:cBhvr>
+                                        <p:cTn id="46" dur="1" fill="hold">
+                                          <p:stCondLst>
+                                            <p:cond delay="0"/>
+                                          </p:stCondLst>
+                                        </p:cTn>
+                                        <p:tgtEl>
+                                          <p:spTgt spid="32"/>
+                                        </p:tgtEl>
+                                        <p:attrNameLst>
+                                          <p:attrName>style.visibility</p:attrName>
+                                        </p:attrNameLst>
+                                      </p:cBhvr>
+                                      <p:to>
+                                        <p:strVal val="visible"/>
+                                      </p:to>
+                                    </p:set>
+                                  </p:childTnLst>
+                                </p:cTn>
+                              </p:par>
+                              <p:par>
+                                <p:cTn id="47" presetID="1" presetClass="entr" presetSubtype="0" fill="hold" grpId="0" nodeType="withEffect">
+                                  <p:stCondLst>
+                                    <p:cond delay="0"/>
+                                  </p:stCondLst>
+                                  <p:childTnLst>
+                                    <p:set>
+                                      <p:cBhvr>
+                                        <p:cTn id="48" dur="1" fill="hold">
+                                          <p:stCondLst>
+                                            <p:cond delay="0"/>
+                                          </p:stCondLst>
+                                        </p:cTn>
+                                        <p:tgtEl>
+                                          <p:spTgt spid="59"/>
+                                        </p:tgtEl>
+                                        <p:attrNameLst>
+                                          <p:attrName>style.visibility</p:attrName>
+                                        </p:attrNameLst>
+                                      </p:cBhvr>
+                                      <p:to>
+                                        <p:strVal val="visible"/>
+                                      </p:to>
+                                    </p:set>
+                                  </p:childTnLst>
+                                </p:cTn>
+                              </p:par>
+                              <p:par>
+                                <p:cTn id="49" presetID="1" presetClass="entr" presetSubtype="0" fill="hold" nodeType="withEffect">
+                                  <p:stCondLst>
+                                    <p:cond delay="0"/>
+                                  </p:stCondLst>
+                                  <p:childTnLst>
+                                    <p:set>
+                                      <p:cBhvr>
+                                        <p:cTn id="50" dur="1" fill="hold">
+                                          <p:stCondLst>
+                                            <p:cond delay="0"/>
+                                          </p:stCondLst>
+                                        </p:cTn>
+                                        <p:tgtEl>
+                                          <p:spTgt spid="33"/>
+                                        </p:tgtEl>
+                                        <p:attrNameLst>
+                                          <p:attrName>style.visibility</p:attrName>
+                                        </p:attrNameLst>
+                                      </p:cBhvr>
+                                      <p:to>
+                                        <p:strVal val="visible"/>
+                                      </p:to>
+                                    </p:set>
+                                  </p:childTnLst>
+                                </p:cTn>
+                              </p:par>
+                              <p:par>
+                                <p:cTn id="51" presetID="1" presetClass="entr" presetSubtype="0" fill="hold" grpId="0" nodeType="withEffect">
+                                  <p:stCondLst>
+                                    <p:cond delay="0"/>
+                                  </p:stCondLst>
+                                  <p:childTnLst>
+                                    <p:set>
+                                      <p:cBhvr>
+                                        <p:cTn id="52" dur="1" fill="hold">
+                                          <p:stCondLst>
+                                            <p:cond delay="0"/>
+                                          </p:stCondLst>
+                                        </p:cTn>
+                                        <p:tgtEl>
+                                          <p:spTgt spid="72"/>
+                                        </p:tgtEl>
+                                        <p:attrNameLst>
+                                          <p:attrName>style.visibility</p:attrName>
+                                        </p:attrNameLst>
+                                      </p:cBhvr>
+                                      <p:to>
+                                        <p:strVal val="visible"/>
+                                      </p:to>
+                                    </p:set>
+                                  </p:childTnLst>
+                                </p:cTn>
+                              </p:par>
+                              <p:par>
+                                <p:cTn id="53" presetID="1" presetClass="exit" presetSubtype="0" fill="hold" nodeType="withEffect">
+                                  <p:stCondLst>
+                                    <p:cond delay="0"/>
+                                  </p:stCondLst>
+                                  <p:childTnLst>
+                                    <p:set>
+                                      <p:cBhvr>
+                                        <p:cTn id="54" dur="1" fill="hold">
+                                          <p:stCondLst>
+                                            <p:cond delay="0"/>
+                                          </p:stCondLst>
+                                        </p:cTn>
+                                        <p:tgtEl>
+                                          <p:spTgt spid="15"/>
+                                        </p:tgtEl>
+                                        <p:attrNameLst>
+                                          <p:attrName>style.visibility</p:attrName>
+                                        </p:attrNameLst>
+                                      </p:cBhvr>
+                                      <p:to>
+                                        <p:strVal val="hidden"/>
+                                      </p:to>
+                                    </p:set>
+                                  </p:childTnLst>
+                                </p:cTn>
+                              </p:par>
+                              <p:par>
+                                <p:cTn id="55" presetID="1" presetClass="exit" presetSubtype="0" fill="hold" grpId="1" nodeType="withEffect">
+                                  <p:stCondLst>
+                                    <p:cond delay="0"/>
+                                  </p:stCondLst>
+                                  <p:childTnLst>
+                                    <p:set>
+                                      <p:cBhvr>
+                                        <p:cTn id="56" dur="1" fill="hold">
+                                          <p:stCondLst>
+                                            <p:cond delay="0"/>
+                                          </p:stCondLst>
+                                        </p:cTn>
+                                        <p:tgtEl>
+                                          <p:spTgt spid="36"/>
+                                        </p:tgtEl>
+                                        <p:attrNameLst>
+                                          <p:attrName>style.visibility</p:attrName>
+                                        </p:attrNameLst>
+                                      </p:cBhvr>
+                                      <p:to>
+                                        <p:strVal val="hidden"/>
+                                      </p:to>
+                                    </p:set>
+                                  </p:childTnLst>
+                                </p:cTn>
+                              </p:par>
+                            </p:childTnLst>
+                          </p:cTn>
+                        </p:par>
+                      </p:childTnLst>
+                    </p:cTn>
+                  </p:par>
+                  <p:par>
+                    <p:cTn id="57" fill="hold">
+                      <p:stCondLst>
+                        <p:cond delay="indefinite"/>
+                      </p:stCondLst>
+                      <p:childTnLst>
+                        <p:par>
+                          <p:cTn id="58" fill="hold">
+                            <p:stCondLst>
+                              <p:cond delay="0"/>
+                            </p:stCondLst>
+                            <p:childTnLst>
+                              <p:par>
+                                <p:cTn id="59" presetID="1" presetClass="entr" presetSubtype="0" fill="hold" grpId="0" nodeType="clickEffect">
+                                  <p:stCondLst>
+                                    <p:cond delay="0"/>
+                                  </p:stCondLst>
+                                  <p:childTnLst>
+                                    <p:set>
+                                      <p:cBhvr>
+                                        <p:cTn id="60" dur="1" fill="hold">
+                                          <p:stCondLst>
+                                            <p:cond delay="0"/>
+                                          </p:stCondLst>
+                                        </p:cTn>
+                                        <p:tgtEl>
+                                          <p:spTgt spid="63"/>
                                         </p:tgtEl>
                                         <p:attrNameLst>
                                           <p:attrName>style.visibility</p:attrName>
@@ -14080,8 +14918,21 @@
       </p:par>
     </p:tnLst>
     <p:bldLst>
+      <p:bldP spid="5" grpId="0" animBg="1"/>
       <p:bldP spid="9" grpId="0" animBg="1"/>
       <p:bldP spid="11" grpId="0" animBg="1"/>
+      <p:bldP spid="12" grpId="0"/>
+      <p:bldP spid="13" grpId="0"/>
+      <p:bldP spid="16" grpId="0" animBg="1"/>
+      <p:bldP spid="18" grpId="0"/>
+      <p:bldP spid="72" grpId="0" animBg="1"/>
+      <p:bldP spid="101" grpId="0"/>
+      <p:bldP spid="14" grpId="0"/>
+      <p:bldP spid="36" grpId="0"/>
+      <p:bldP spid="36" grpId="1"/>
+      <p:bldP spid="40" grpId="0"/>
+      <p:bldP spid="59" grpId="0"/>
+      <p:bldP spid="63" grpId="0" animBg="1"/>
     </p:bldLst>
   </p:timing>
 </p:sld>

--- a/loca_virt_draft.pptx
+++ b/loca_virt_draft.pptx
@@ -3480,19 +3480,15 @@
           <a:lstStyle/>
           <a:p>
             <a:r>
-              <a:rPr lang="en-US"/>
+              <a:rPr lang="en-US" dirty="0"/>
               <a:t>STOP HERE</a:t>
             </a:r>
             <a:br>
-              <a:rPr lang="en-US"/>
+              <a:rPr lang="en-US" dirty="0"/>
             </a:br>
             <a:r>
-              <a:rPr lang="en-US"/>
-              <a:t>Virtual </a:t>
-            </a:r>
-            <a:r>
               <a:rPr lang="en-US" dirty="0"/>
-              <a:t>Points-</a:t>
+              <a:t>Virtual Points-</a:t>
             </a:r>
             <a:r>
               <a:rPr lang="en-US" dirty="0" err="1"/>
@@ -10917,9 +10913,6 @@
                     <p:cTn id="3" fill="hold">
                       <p:stCondLst>
                         <p:cond delay="indefinite"/>
-                        <p:cond evt="onBegin" delay="0">
-                          <p:tn val="2"/>
-                        </p:cond>
                       </p:stCondLst>
                       <p:childTnLst>
                         <p:par>
@@ -10929,7 +10922,7 @@
                             </p:stCondLst>
                             <p:childTnLst>
                               <p:par>
-                                <p:cTn id="5" presetID="1" presetClass="entr" presetSubtype="0" fill="hold" grpId="0" nodeType="withEffect">
+                                <p:cTn id="5" presetID="1" presetClass="entr" presetSubtype="0" fill="hold" nodeType="clickEffect">
                                   <p:stCondLst>
                                     <p:cond delay="0"/>
                                   </p:stCondLst>
@@ -10942,7 +10935,7 @@
                                           </p:stCondLst>
                                         </p:cTn>
                                         <p:tgtEl>
-                                          <p:spTgt spid="9"/>
+                                          <p:spTgt spid="15"/>
                                         </p:tgtEl>
                                         <p:attrNameLst>
                                           <p:attrName>style.visibility</p:attrName>
@@ -10969,6 +10962,1401 @@
                                           </p:stCondLst>
                                         </p:cTn>
                                         <p:tgtEl>
+                                          <p:spTgt spid="12"/>
+                                        </p:tgtEl>
+                                        <p:attrNameLst>
+                                          <p:attrName>style.visibility</p:attrName>
+                                        </p:attrNameLst>
+                                      </p:cBhvr>
+                                      <p:to>
+                                        <p:strVal val="visible"/>
+                                      </p:to>
+                                    </p:set>
+                                  </p:childTnLst>
+                                </p:cTn>
+                              </p:par>
+                              <p:par>
+                                <p:cTn id="9" presetID="1" presetClass="entr" presetSubtype="0" fill="hold" grpId="1" nodeType="withEffect">
+                                  <p:stCondLst>
+                                    <p:cond delay="0"/>
+                                  </p:stCondLst>
+                                  <p:childTnLst>
+                                    <p:set>
+                                      <p:cBhvr>
+                                        <p:cTn id="10" dur="1" fill="hold">
+                                          <p:stCondLst>
+                                            <p:cond delay="0"/>
+                                          </p:stCondLst>
+                                        </p:cTn>
+                                        <p:tgtEl>
+                                          <p:spTgt spid="9"/>
+                                        </p:tgtEl>
+                                        <p:attrNameLst>
+                                          <p:attrName>style.visibility</p:attrName>
+                                        </p:attrNameLst>
+                                      </p:cBhvr>
+                                      <p:to>
+                                        <p:strVal val="visible"/>
+                                      </p:to>
+                                    </p:set>
+                                  </p:childTnLst>
+                                </p:cTn>
+                              </p:par>
+                              <p:par>
+                                <p:cTn id="11" presetID="1" presetClass="entr" presetSubtype="0" fill="hold" grpId="0" nodeType="withEffect">
+                                  <p:stCondLst>
+                                    <p:cond delay="0"/>
+                                  </p:stCondLst>
+                                  <p:childTnLst>
+                                    <p:set>
+                                      <p:cBhvr>
+                                        <p:cTn id="12" dur="1" fill="hold">
+                                          <p:stCondLst>
+                                            <p:cond delay="0"/>
+                                          </p:stCondLst>
+                                        </p:cTn>
+                                        <p:tgtEl>
+                                          <p:spTgt spid="16"/>
+                                        </p:tgtEl>
+                                        <p:attrNameLst>
+                                          <p:attrName>style.visibility</p:attrName>
+                                        </p:attrNameLst>
+                                      </p:cBhvr>
+                                      <p:to>
+                                        <p:strVal val="visible"/>
+                                      </p:to>
+                                    </p:set>
+                                  </p:childTnLst>
+                                </p:cTn>
+                              </p:par>
+                              <p:par>
+                                <p:cTn id="13" presetID="1" presetClass="entr" presetSubtype="0" fill="hold" grpId="0" nodeType="withEffect">
+                                  <p:stCondLst>
+                                    <p:cond delay="0"/>
+                                  </p:stCondLst>
+                                  <p:childTnLst>
+                                    <p:set>
+                                      <p:cBhvr>
+                                        <p:cTn id="14" dur="1" fill="hold">
+                                          <p:stCondLst>
+                                            <p:cond delay="0"/>
+                                          </p:stCondLst>
+                                        </p:cTn>
+                                        <p:tgtEl>
+                                          <p:spTgt spid="24"/>
+                                        </p:tgtEl>
+                                        <p:attrNameLst>
+                                          <p:attrName>style.visibility</p:attrName>
+                                        </p:attrNameLst>
+                                      </p:cBhvr>
+                                      <p:to>
+                                        <p:strVal val="visible"/>
+                                      </p:to>
+                                    </p:set>
+                                  </p:childTnLst>
+                                </p:cTn>
+                              </p:par>
+                              <p:par>
+                                <p:cTn id="15" presetID="1" presetClass="entr" presetSubtype="0" fill="hold" grpId="0" nodeType="withEffect">
+                                  <p:stCondLst>
+                                    <p:cond delay="0"/>
+                                  </p:stCondLst>
+                                  <p:childTnLst>
+                                    <p:set>
+                                      <p:cBhvr>
+                                        <p:cTn id="16" dur="1" fill="hold">
+                                          <p:stCondLst>
+                                            <p:cond delay="0"/>
+                                          </p:stCondLst>
+                                        </p:cTn>
+                                        <p:tgtEl>
+                                          <p:spTgt spid="20"/>
+                                        </p:tgtEl>
+                                        <p:attrNameLst>
+                                          <p:attrName>style.visibility</p:attrName>
+                                        </p:attrNameLst>
+                                      </p:cBhvr>
+                                      <p:to>
+                                        <p:strVal val="visible"/>
+                                      </p:to>
+                                    </p:set>
+                                  </p:childTnLst>
+                                </p:cTn>
+                              </p:par>
+                              <p:par>
+                                <p:cTn id="17" presetID="1" presetClass="entr" presetSubtype="0" fill="hold" grpId="0" nodeType="withEffect">
+                                  <p:stCondLst>
+                                    <p:cond delay="0"/>
+                                  </p:stCondLst>
+                                  <p:childTnLst>
+                                    <p:set>
+                                      <p:cBhvr>
+                                        <p:cTn id="18" dur="1" fill="hold">
+                                          <p:stCondLst>
+                                            <p:cond delay="0"/>
+                                          </p:stCondLst>
+                                        </p:cTn>
+                                        <p:tgtEl>
+                                          <p:spTgt spid="30"/>
+                                        </p:tgtEl>
+                                        <p:attrNameLst>
+                                          <p:attrName>style.visibility</p:attrName>
+                                        </p:attrNameLst>
+                                      </p:cBhvr>
+                                      <p:to>
+                                        <p:strVal val="visible"/>
+                                      </p:to>
+                                    </p:set>
+                                  </p:childTnLst>
+                                </p:cTn>
+                              </p:par>
+                              <p:par>
+                                <p:cTn id="19" presetID="1" presetClass="entr" presetSubtype="0" fill="hold" grpId="0" nodeType="withEffect">
+                                  <p:stCondLst>
+                                    <p:cond delay="0"/>
+                                  </p:stCondLst>
+                                  <p:childTnLst>
+                                    <p:set>
+                                      <p:cBhvr>
+                                        <p:cTn id="20" dur="1" fill="hold">
+                                          <p:stCondLst>
+                                            <p:cond delay="0"/>
+                                          </p:stCondLst>
+                                        </p:cTn>
+                                        <p:tgtEl>
+                                          <p:spTgt spid="29"/>
+                                        </p:tgtEl>
+                                        <p:attrNameLst>
+                                          <p:attrName>style.visibility</p:attrName>
+                                        </p:attrNameLst>
+                                      </p:cBhvr>
+                                      <p:to>
+                                        <p:strVal val="visible"/>
+                                      </p:to>
+                                    </p:set>
+                                  </p:childTnLst>
+                                </p:cTn>
+                              </p:par>
+                              <p:par>
+                                <p:cTn id="21" presetID="1" presetClass="entr" presetSubtype="0" fill="hold" grpId="0" nodeType="withEffect">
+                                  <p:stCondLst>
+                                    <p:cond delay="0"/>
+                                  </p:stCondLst>
+                                  <p:childTnLst>
+                                    <p:set>
+                                      <p:cBhvr>
+                                        <p:cTn id="22" dur="1" fill="hold">
+                                          <p:stCondLst>
+                                            <p:cond delay="0"/>
+                                          </p:stCondLst>
+                                        </p:cTn>
+                                        <p:tgtEl>
+                                          <p:spTgt spid="21"/>
+                                        </p:tgtEl>
+                                        <p:attrNameLst>
+                                          <p:attrName>style.visibility</p:attrName>
+                                        </p:attrNameLst>
+                                      </p:cBhvr>
+                                      <p:to>
+                                        <p:strVal val="visible"/>
+                                      </p:to>
+                                    </p:set>
+                                  </p:childTnLst>
+                                </p:cTn>
+                              </p:par>
+                              <p:par>
+                                <p:cTn id="23" presetID="1" presetClass="entr" presetSubtype="0" fill="hold" grpId="0" nodeType="withEffect">
+                                  <p:stCondLst>
+                                    <p:cond delay="0"/>
+                                  </p:stCondLst>
+                                  <p:childTnLst>
+                                    <p:set>
+                                      <p:cBhvr>
+                                        <p:cTn id="24" dur="1" fill="hold">
+                                          <p:stCondLst>
+                                            <p:cond delay="0"/>
+                                          </p:stCondLst>
+                                        </p:cTn>
+                                        <p:tgtEl>
+                                          <p:spTgt spid="28"/>
+                                        </p:tgtEl>
+                                        <p:attrNameLst>
+                                          <p:attrName>style.visibility</p:attrName>
+                                        </p:attrNameLst>
+                                      </p:cBhvr>
+                                      <p:to>
+                                        <p:strVal val="visible"/>
+                                      </p:to>
+                                    </p:set>
+                                  </p:childTnLst>
+                                </p:cTn>
+                              </p:par>
+                              <p:par>
+                                <p:cTn id="25" presetID="1" presetClass="entr" presetSubtype="0" fill="hold" grpId="0" nodeType="withEffect">
+                                  <p:stCondLst>
+                                    <p:cond delay="0"/>
+                                  </p:stCondLst>
+                                  <p:childTnLst>
+                                    <p:set>
+                                      <p:cBhvr>
+                                        <p:cTn id="26" dur="1" fill="hold">
+                                          <p:stCondLst>
+                                            <p:cond delay="0"/>
+                                          </p:stCondLst>
+                                        </p:cTn>
+                                        <p:tgtEl>
+                                          <p:spTgt spid="50"/>
+                                        </p:tgtEl>
+                                        <p:attrNameLst>
+                                          <p:attrName>style.visibility</p:attrName>
+                                        </p:attrNameLst>
+                                      </p:cBhvr>
+                                      <p:to>
+                                        <p:strVal val="visible"/>
+                                      </p:to>
+                                    </p:set>
+                                  </p:childTnLst>
+                                </p:cTn>
+                              </p:par>
+                              <p:par>
+                                <p:cTn id="27" presetID="1" presetClass="entr" presetSubtype="0" fill="hold" grpId="0" nodeType="withEffect">
+                                  <p:stCondLst>
+                                    <p:cond delay="0"/>
+                                  </p:stCondLst>
+                                  <p:childTnLst>
+                                    <p:set>
+                                      <p:cBhvr>
+                                        <p:cTn id="28" dur="1" fill="hold">
+                                          <p:stCondLst>
+                                            <p:cond delay="0"/>
+                                          </p:stCondLst>
+                                        </p:cTn>
+                                        <p:tgtEl>
+                                          <p:spTgt spid="39"/>
+                                        </p:tgtEl>
+                                        <p:attrNameLst>
+                                          <p:attrName>style.visibility</p:attrName>
+                                        </p:attrNameLst>
+                                      </p:cBhvr>
+                                      <p:to>
+                                        <p:strVal val="visible"/>
+                                      </p:to>
+                                    </p:set>
+                                  </p:childTnLst>
+                                </p:cTn>
+                              </p:par>
+                              <p:par>
+                                <p:cTn id="29" presetID="1" presetClass="entr" presetSubtype="0" fill="hold" grpId="0" nodeType="withEffect">
+                                  <p:stCondLst>
+                                    <p:cond delay="0"/>
+                                  </p:stCondLst>
+                                  <p:childTnLst>
+                                    <p:set>
+                                      <p:cBhvr>
+                                        <p:cTn id="30" dur="1" fill="hold">
+                                          <p:stCondLst>
+                                            <p:cond delay="0"/>
+                                          </p:stCondLst>
+                                        </p:cTn>
+                                        <p:tgtEl>
+                                          <p:spTgt spid="38"/>
+                                        </p:tgtEl>
+                                        <p:attrNameLst>
+                                          <p:attrName>style.visibility</p:attrName>
+                                        </p:attrNameLst>
+                                      </p:cBhvr>
+                                      <p:to>
+                                        <p:strVal val="visible"/>
+                                      </p:to>
+                                    </p:set>
+                                  </p:childTnLst>
+                                </p:cTn>
+                              </p:par>
+                              <p:par>
+                                <p:cTn id="31" presetID="1" presetClass="entr" presetSubtype="0" fill="hold" grpId="0" nodeType="withEffect">
+                                  <p:stCondLst>
+                                    <p:cond delay="0"/>
+                                  </p:stCondLst>
+                                  <p:childTnLst>
+                                    <p:set>
+                                      <p:cBhvr>
+                                        <p:cTn id="32" dur="1" fill="hold">
+                                          <p:stCondLst>
+                                            <p:cond delay="0"/>
+                                          </p:stCondLst>
+                                        </p:cTn>
+                                        <p:tgtEl>
+                                          <p:spTgt spid="49"/>
+                                        </p:tgtEl>
+                                        <p:attrNameLst>
+                                          <p:attrName>style.visibility</p:attrName>
+                                        </p:attrNameLst>
+                                      </p:cBhvr>
+                                      <p:to>
+                                        <p:strVal val="visible"/>
+                                      </p:to>
+                                    </p:set>
+                                  </p:childTnLst>
+                                </p:cTn>
+                              </p:par>
+                              <p:par>
+                                <p:cTn id="33" presetID="1" presetClass="entr" presetSubtype="0" fill="hold" grpId="0" nodeType="withEffect">
+                                  <p:stCondLst>
+                                    <p:cond delay="0"/>
+                                  </p:stCondLst>
+                                  <p:childTnLst>
+                                    <p:set>
+                                      <p:cBhvr>
+                                        <p:cTn id="34" dur="1" fill="hold">
+                                          <p:stCondLst>
+                                            <p:cond delay="0"/>
+                                          </p:stCondLst>
+                                        </p:cTn>
+                                        <p:tgtEl>
+                                          <p:spTgt spid="37"/>
+                                        </p:tgtEl>
+                                        <p:attrNameLst>
+                                          <p:attrName>style.visibility</p:attrName>
+                                        </p:attrNameLst>
+                                      </p:cBhvr>
+                                      <p:to>
+                                        <p:strVal val="visible"/>
+                                      </p:to>
+                                    </p:set>
+                                  </p:childTnLst>
+                                </p:cTn>
+                              </p:par>
+                              <p:par>
+                                <p:cTn id="35" presetID="1" presetClass="entr" presetSubtype="0" fill="hold" grpId="0" nodeType="withEffect">
+                                  <p:stCondLst>
+                                    <p:cond delay="0"/>
+                                  </p:stCondLst>
+                                  <p:childTnLst>
+                                    <p:set>
+                                      <p:cBhvr>
+                                        <p:cTn id="36" dur="1" fill="hold">
+                                          <p:stCondLst>
+                                            <p:cond delay="0"/>
+                                          </p:stCondLst>
+                                        </p:cTn>
+                                        <p:tgtEl>
+                                          <p:spTgt spid="48"/>
+                                        </p:tgtEl>
+                                        <p:attrNameLst>
+                                          <p:attrName>style.visibility</p:attrName>
+                                        </p:attrNameLst>
+                                      </p:cBhvr>
+                                      <p:to>
+                                        <p:strVal val="visible"/>
+                                      </p:to>
+                                    </p:set>
+                                  </p:childTnLst>
+                                </p:cTn>
+                              </p:par>
+                              <p:par>
+                                <p:cTn id="37" presetID="1" presetClass="entr" presetSubtype="0" fill="hold" grpId="0" nodeType="withEffect">
+                                  <p:stCondLst>
+                                    <p:cond delay="0"/>
+                                  </p:stCondLst>
+                                  <p:childTnLst>
+                                    <p:set>
+                                      <p:cBhvr>
+                                        <p:cTn id="38" dur="1" fill="hold">
+                                          <p:stCondLst>
+                                            <p:cond delay="0"/>
+                                          </p:stCondLst>
+                                        </p:cTn>
+                                        <p:tgtEl>
+                                          <p:spTgt spid="47"/>
+                                        </p:tgtEl>
+                                        <p:attrNameLst>
+                                          <p:attrName>style.visibility</p:attrName>
+                                        </p:attrNameLst>
+                                      </p:cBhvr>
+                                      <p:to>
+                                        <p:strVal val="visible"/>
+                                      </p:to>
+                                    </p:set>
+                                  </p:childTnLst>
+                                </p:cTn>
+                              </p:par>
+                              <p:par>
+                                <p:cTn id="39" presetID="1" presetClass="entr" presetSubtype="0" fill="hold" grpId="0" nodeType="withEffect">
+                                  <p:stCondLst>
+                                    <p:cond delay="0"/>
+                                  </p:stCondLst>
+                                  <p:childTnLst>
+                                    <p:set>
+                                      <p:cBhvr>
+                                        <p:cTn id="40" dur="1" fill="hold">
+                                          <p:stCondLst>
+                                            <p:cond delay="0"/>
+                                          </p:stCondLst>
+                                        </p:cTn>
+                                        <p:tgtEl>
+                                          <p:spTgt spid="41"/>
+                                        </p:tgtEl>
+                                        <p:attrNameLst>
+                                          <p:attrName>style.visibility</p:attrName>
+                                        </p:attrNameLst>
+                                      </p:cBhvr>
+                                      <p:to>
+                                        <p:strVal val="visible"/>
+                                      </p:to>
+                                    </p:set>
+                                  </p:childTnLst>
+                                </p:cTn>
+                              </p:par>
+                              <p:par>
+                                <p:cTn id="41" presetID="1" presetClass="entr" presetSubtype="0" fill="hold" grpId="0" nodeType="withEffect">
+                                  <p:stCondLst>
+                                    <p:cond delay="0"/>
+                                  </p:stCondLst>
+                                  <p:childTnLst>
+                                    <p:set>
+                                      <p:cBhvr>
+                                        <p:cTn id="42" dur="1" fill="hold">
+                                          <p:stCondLst>
+                                            <p:cond delay="0"/>
+                                          </p:stCondLst>
+                                        </p:cTn>
+                                        <p:tgtEl>
+                                          <p:spTgt spid="42"/>
+                                        </p:tgtEl>
+                                        <p:attrNameLst>
+                                          <p:attrName>style.visibility</p:attrName>
+                                        </p:attrNameLst>
+                                      </p:cBhvr>
+                                      <p:to>
+                                        <p:strVal val="visible"/>
+                                      </p:to>
+                                    </p:set>
+                                  </p:childTnLst>
+                                </p:cTn>
+                              </p:par>
+                              <p:par>
+                                <p:cTn id="43" presetID="1" presetClass="entr" presetSubtype="0" fill="hold" nodeType="withEffect">
+                                  <p:stCondLst>
+                                    <p:cond delay="0"/>
+                                  </p:stCondLst>
+                                  <p:childTnLst>
+                                    <p:set>
+                                      <p:cBhvr>
+                                        <p:cTn id="44" dur="1" fill="hold">
+                                          <p:stCondLst>
+                                            <p:cond delay="0"/>
+                                          </p:stCondLst>
+                                        </p:cTn>
+                                        <p:tgtEl>
+                                          <p:spTgt spid="34"/>
+                                        </p:tgtEl>
+                                        <p:attrNameLst>
+                                          <p:attrName>style.visibility</p:attrName>
+                                        </p:attrNameLst>
+                                      </p:cBhvr>
+                                      <p:to>
+                                        <p:strVal val="visible"/>
+                                      </p:to>
+                                    </p:set>
+                                  </p:childTnLst>
+                                </p:cTn>
+                              </p:par>
+                              <p:par>
+                                <p:cTn id="45" presetID="1" presetClass="entr" presetSubtype="0" fill="hold" nodeType="withEffect">
+                                  <p:stCondLst>
+                                    <p:cond delay="0"/>
+                                  </p:stCondLst>
+                                  <p:childTnLst>
+                                    <p:set>
+                                      <p:cBhvr>
+                                        <p:cTn id="46" dur="1" fill="hold">
+                                          <p:stCondLst>
+                                            <p:cond delay="0"/>
+                                          </p:stCondLst>
+                                        </p:cTn>
+                                        <p:tgtEl>
+                                          <p:spTgt spid="35"/>
+                                        </p:tgtEl>
+                                        <p:attrNameLst>
+                                          <p:attrName>style.visibility</p:attrName>
+                                        </p:attrNameLst>
+                                      </p:cBhvr>
+                                      <p:to>
+                                        <p:strVal val="visible"/>
+                                      </p:to>
+                                    </p:set>
+                                  </p:childTnLst>
+                                </p:cTn>
+                              </p:par>
+                              <p:par>
+                                <p:cTn id="47" presetID="1" presetClass="entr" presetSubtype="0" fill="hold" nodeType="withEffect">
+                                  <p:stCondLst>
+                                    <p:cond delay="0"/>
+                                  </p:stCondLst>
+                                  <p:childTnLst>
+                                    <p:set>
+                                      <p:cBhvr>
+                                        <p:cTn id="48" dur="1" fill="hold">
+                                          <p:stCondLst>
+                                            <p:cond delay="0"/>
+                                          </p:stCondLst>
+                                        </p:cTn>
+                                        <p:tgtEl>
+                                          <p:spTgt spid="70"/>
+                                        </p:tgtEl>
+                                        <p:attrNameLst>
+                                          <p:attrName>style.visibility</p:attrName>
+                                        </p:attrNameLst>
+                                      </p:cBhvr>
+                                      <p:to>
+                                        <p:strVal val="visible"/>
+                                      </p:to>
+                                    </p:set>
+                                  </p:childTnLst>
+                                </p:cTn>
+                              </p:par>
+                              <p:par>
+                                <p:cTn id="49" presetID="1" presetClass="entr" presetSubtype="0" fill="hold" grpId="0" nodeType="withEffect">
+                                  <p:stCondLst>
+                                    <p:cond delay="0"/>
+                                  </p:stCondLst>
+                                  <p:childTnLst>
+                                    <p:set>
+                                      <p:cBhvr>
+                                        <p:cTn id="50" dur="1" fill="hold">
+                                          <p:stCondLst>
+                                            <p:cond delay="0"/>
+                                          </p:stCondLst>
+                                        </p:cTn>
+                                        <p:tgtEl>
+                                          <p:spTgt spid="46"/>
+                                        </p:tgtEl>
+                                        <p:attrNameLst>
+                                          <p:attrName>style.visibility</p:attrName>
+                                        </p:attrNameLst>
+                                      </p:cBhvr>
+                                      <p:to>
+                                        <p:strVal val="visible"/>
+                                      </p:to>
+                                    </p:set>
+                                  </p:childTnLst>
+                                </p:cTn>
+                              </p:par>
+                              <p:par>
+                                <p:cTn id="51" presetID="1" presetClass="entr" presetSubtype="0" fill="hold" grpId="0" nodeType="withEffect">
+                                  <p:stCondLst>
+                                    <p:cond delay="0"/>
+                                  </p:stCondLst>
+                                  <p:childTnLst>
+                                    <p:set>
+                                      <p:cBhvr>
+                                        <p:cTn id="52" dur="1" fill="hold">
+                                          <p:stCondLst>
+                                            <p:cond delay="0"/>
+                                          </p:stCondLst>
+                                        </p:cTn>
+                                        <p:tgtEl>
+                                          <p:spTgt spid="43"/>
+                                        </p:tgtEl>
+                                        <p:attrNameLst>
+                                          <p:attrName>style.visibility</p:attrName>
+                                        </p:attrNameLst>
+                                      </p:cBhvr>
+                                      <p:to>
+                                        <p:strVal val="visible"/>
+                                      </p:to>
+                                    </p:set>
+                                  </p:childTnLst>
+                                </p:cTn>
+                              </p:par>
+                              <p:par>
+                                <p:cTn id="53" presetID="1" presetClass="entr" presetSubtype="0" fill="hold" grpId="0" nodeType="withEffect">
+                                  <p:stCondLst>
+                                    <p:cond delay="0"/>
+                                  </p:stCondLst>
+                                  <p:childTnLst>
+                                    <p:set>
+                                      <p:cBhvr>
+                                        <p:cTn id="54" dur="1" fill="hold">
+                                          <p:stCondLst>
+                                            <p:cond delay="0"/>
+                                          </p:stCondLst>
+                                        </p:cTn>
+                                        <p:tgtEl>
+                                          <p:spTgt spid="45"/>
+                                        </p:tgtEl>
+                                        <p:attrNameLst>
+                                          <p:attrName>style.visibility</p:attrName>
+                                        </p:attrNameLst>
+                                      </p:cBhvr>
+                                      <p:to>
+                                        <p:strVal val="visible"/>
+                                      </p:to>
+                                    </p:set>
+                                  </p:childTnLst>
+                                </p:cTn>
+                              </p:par>
+                              <p:par>
+                                <p:cTn id="55" presetID="1" presetClass="entr" presetSubtype="0" fill="hold" grpId="0" nodeType="withEffect">
+                                  <p:stCondLst>
+                                    <p:cond delay="0"/>
+                                  </p:stCondLst>
+                                  <p:childTnLst>
+                                    <p:set>
+                                      <p:cBhvr>
+                                        <p:cTn id="56" dur="1" fill="hold">
+                                          <p:stCondLst>
+                                            <p:cond delay="0"/>
+                                          </p:stCondLst>
+                                        </p:cTn>
+                                        <p:tgtEl>
+                                          <p:spTgt spid="5"/>
+                                        </p:tgtEl>
+                                        <p:attrNameLst>
+                                          <p:attrName>style.visibility</p:attrName>
+                                        </p:attrNameLst>
+                                      </p:cBhvr>
+                                      <p:to>
+                                        <p:strVal val="visible"/>
+                                      </p:to>
+                                    </p:set>
+                                  </p:childTnLst>
+                                </p:cTn>
+                              </p:par>
+                              <p:par>
+                                <p:cTn id="57" presetID="1" presetClass="entr" presetSubtype="0" fill="hold" grpId="0" nodeType="withEffect">
+                                  <p:stCondLst>
+                                    <p:cond delay="0"/>
+                                  </p:stCondLst>
+                                  <p:childTnLst>
+                                    <p:set>
+                                      <p:cBhvr>
+                                        <p:cTn id="58" dur="1" fill="hold">
+                                          <p:stCondLst>
+                                            <p:cond delay="0"/>
+                                          </p:stCondLst>
+                                        </p:cTn>
+                                        <p:tgtEl>
+                                          <p:spTgt spid="18"/>
+                                        </p:tgtEl>
+                                        <p:attrNameLst>
+                                          <p:attrName>style.visibility</p:attrName>
+                                        </p:attrNameLst>
+                                      </p:cBhvr>
+                                      <p:to>
+                                        <p:strVal val="visible"/>
+                                      </p:to>
+                                    </p:set>
+                                  </p:childTnLst>
+                                </p:cTn>
+                              </p:par>
+                              <p:par>
+                                <p:cTn id="59" presetID="1" presetClass="entr" presetSubtype="0" fill="hold" nodeType="withEffect">
+                                  <p:stCondLst>
+                                    <p:cond delay="0"/>
+                                  </p:stCondLst>
+                                  <p:childTnLst>
+                                    <p:set>
+                                      <p:cBhvr>
+                                        <p:cTn id="60" dur="1" fill="hold">
+                                          <p:stCondLst>
+                                            <p:cond delay="0"/>
+                                          </p:stCondLst>
+                                        </p:cTn>
+                                        <p:tgtEl>
+                                          <p:spTgt spid="58"/>
+                                        </p:tgtEl>
+                                        <p:attrNameLst>
+                                          <p:attrName>style.visibility</p:attrName>
+                                        </p:attrNameLst>
+                                      </p:cBhvr>
+                                      <p:to>
+                                        <p:strVal val="visible"/>
+                                      </p:to>
+                                    </p:set>
+                                  </p:childTnLst>
+                                </p:cTn>
+                              </p:par>
+                              <p:par>
+                                <p:cTn id="61" presetID="1" presetClass="entr" presetSubtype="0" fill="hold" grpId="0" nodeType="withEffect">
+                                  <p:stCondLst>
+                                    <p:cond delay="0"/>
+                                  </p:stCondLst>
+                                  <p:childTnLst>
+                                    <p:set>
+                                      <p:cBhvr>
+                                        <p:cTn id="62" dur="1" fill="hold">
+                                          <p:stCondLst>
+                                            <p:cond delay="0"/>
+                                          </p:stCondLst>
+                                        </p:cTn>
+                                        <p:tgtEl>
+                                          <p:spTgt spid="22"/>
+                                        </p:tgtEl>
+                                        <p:attrNameLst>
+                                          <p:attrName>style.visibility</p:attrName>
+                                        </p:attrNameLst>
+                                      </p:cBhvr>
+                                      <p:to>
+                                        <p:strVal val="visible"/>
+                                      </p:to>
+                                    </p:set>
+                                  </p:childTnLst>
+                                </p:cTn>
+                              </p:par>
+                              <p:par>
+                                <p:cTn id="63" presetID="1" presetClass="entr" presetSubtype="0" fill="hold" nodeType="withEffect">
+                                  <p:stCondLst>
+                                    <p:cond delay="0"/>
+                                  </p:stCondLst>
+                                  <p:childTnLst>
+                                    <p:set>
+                                      <p:cBhvr>
+                                        <p:cTn id="64" dur="1" fill="hold">
+                                          <p:stCondLst>
+                                            <p:cond delay="0"/>
+                                          </p:stCondLst>
+                                        </p:cTn>
+                                        <p:tgtEl>
+                                          <p:spTgt spid="57"/>
+                                        </p:tgtEl>
+                                        <p:attrNameLst>
+                                          <p:attrName>style.visibility</p:attrName>
+                                        </p:attrNameLst>
+                                      </p:cBhvr>
+                                      <p:to>
+                                        <p:strVal val="visible"/>
+                                      </p:to>
+                                    </p:set>
+                                  </p:childTnLst>
+                                </p:cTn>
+                              </p:par>
+                              <p:par>
+                                <p:cTn id="65" presetID="1" presetClass="entr" presetSubtype="0" fill="hold" nodeType="withEffect">
+                                  <p:stCondLst>
+                                    <p:cond delay="0"/>
+                                  </p:stCondLst>
+                                  <p:childTnLst>
+                                    <p:set>
+                                      <p:cBhvr>
+                                        <p:cTn id="66" dur="1" fill="hold">
+                                          <p:stCondLst>
+                                            <p:cond delay="0"/>
+                                          </p:stCondLst>
+                                        </p:cTn>
+                                        <p:tgtEl>
+                                          <p:spTgt spid="62"/>
+                                        </p:tgtEl>
+                                        <p:attrNameLst>
+                                          <p:attrName>style.visibility</p:attrName>
+                                        </p:attrNameLst>
+                                      </p:cBhvr>
+                                      <p:to>
+                                        <p:strVal val="visible"/>
+                                      </p:to>
+                                    </p:set>
+                                  </p:childTnLst>
+                                </p:cTn>
+                              </p:par>
+                              <p:par>
+                                <p:cTn id="67" presetID="1" presetClass="entr" presetSubtype="0" fill="hold" nodeType="withEffect">
+                                  <p:stCondLst>
+                                    <p:cond delay="0"/>
+                                  </p:stCondLst>
+                                  <p:childTnLst>
+                                    <p:set>
+                                      <p:cBhvr>
+                                        <p:cTn id="68" dur="1" fill="hold">
+                                          <p:stCondLst>
+                                            <p:cond delay="0"/>
+                                          </p:stCondLst>
+                                        </p:cTn>
+                                        <p:tgtEl>
+                                          <p:spTgt spid="67"/>
+                                        </p:tgtEl>
+                                        <p:attrNameLst>
+                                          <p:attrName>style.visibility</p:attrName>
+                                        </p:attrNameLst>
+                                      </p:cBhvr>
+                                      <p:to>
+                                        <p:strVal val="visible"/>
+                                      </p:to>
+                                    </p:set>
+                                  </p:childTnLst>
+                                </p:cTn>
+                              </p:par>
+                              <p:par>
+                                <p:cTn id="69" presetID="1" presetClass="entr" presetSubtype="0" fill="hold" nodeType="withEffect">
+                                  <p:stCondLst>
+                                    <p:cond delay="0"/>
+                                  </p:stCondLst>
+                                  <p:childTnLst>
+                                    <p:set>
+                                      <p:cBhvr>
+                                        <p:cTn id="70" dur="1" fill="hold">
+                                          <p:stCondLst>
+                                            <p:cond delay="0"/>
+                                          </p:stCondLst>
+                                        </p:cTn>
+                                        <p:tgtEl>
+                                          <p:spTgt spid="61"/>
+                                        </p:tgtEl>
+                                        <p:attrNameLst>
+                                          <p:attrName>style.visibility</p:attrName>
+                                        </p:attrNameLst>
+                                      </p:cBhvr>
+                                      <p:to>
+                                        <p:strVal val="visible"/>
+                                      </p:to>
+                                    </p:set>
+                                  </p:childTnLst>
+                                </p:cTn>
+                              </p:par>
+                            </p:childTnLst>
+                          </p:cTn>
+                        </p:par>
+                      </p:childTnLst>
+                    </p:cTn>
+                  </p:par>
+                  <p:par>
+                    <p:cTn id="71" fill="hold">
+                      <p:stCondLst>
+                        <p:cond delay="indefinite"/>
+                      </p:stCondLst>
+                      <p:childTnLst>
+                        <p:par>
+                          <p:cTn id="72" fill="hold">
+                            <p:stCondLst>
+                              <p:cond delay="0"/>
+                            </p:stCondLst>
+                            <p:childTnLst>
+                              <p:par>
+                                <p:cTn id="73" presetID="1" presetClass="entr" presetSubtype="0" fill="hold" grpId="0" nodeType="clickEffect">
+                                  <p:stCondLst>
+                                    <p:cond delay="0"/>
+                                  </p:stCondLst>
+                                  <p:childTnLst>
+                                    <p:set>
+                                      <p:cBhvr>
+                                        <p:cTn id="74" dur="1" fill="hold">
+                                          <p:stCondLst>
+                                            <p:cond delay="0"/>
+                                          </p:stCondLst>
+                                        </p:cTn>
+                                        <p:tgtEl>
+                                          <p:spTgt spid="74"/>
+                                        </p:tgtEl>
+                                        <p:attrNameLst>
+                                          <p:attrName>style.visibility</p:attrName>
+                                        </p:attrNameLst>
+                                      </p:cBhvr>
+                                      <p:to>
+                                        <p:strVal val="visible"/>
+                                      </p:to>
+                                    </p:set>
+                                  </p:childTnLst>
+                                </p:cTn>
+                              </p:par>
+                              <p:par>
+                                <p:cTn id="75" presetID="1" presetClass="entr" presetSubtype="0" fill="hold" grpId="0" nodeType="withEffect">
+                                  <p:stCondLst>
+                                    <p:cond delay="0"/>
+                                  </p:stCondLst>
+                                  <p:childTnLst>
+                                    <p:set>
+                                      <p:cBhvr>
+                                        <p:cTn id="76" dur="1" fill="hold">
+                                          <p:stCondLst>
+                                            <p:cond delay="0"/>
+                                          </p:stCondLst>
+                                        </p:cTn>
+                                        <p:tgtEl>
+                                          <p:spTgt spid="75"/>
+                                        </p:tgtEl>
+                                        <p:attrNameLst>
+                                          <p:attrName>style.visibility</p:attrName>
+                                        </p:attrNameLst>
+                                      </p:cBhvr>
+                                      <p:to>
+                                        <p:strVal val="visible"/>
+                                      </p:to>
+                                    </p:set>
+                                  </p:childTnLst>
+                                </p:cTn>
+                              </p:par>
+                              <p:par>
+                                <p:cTn id="77" presetID="1" presetClass="entr" presetSubtype="0" fill="hold" grpId="0" nodeType="withEffect">
+                                  <p:stCondLst>
+                                    <p:cond delay="0"/>
+                                  </p:stCondLst>
+                                  <p:childTnLst>
+                                    <p:set>
+                                      <p:cBhvr>
+                                        <p:cTn id="78" dur="1" fill="hold">
+                                          <p:stCondLst>
+                                            <p:cond delay="0"/>
+                                          </p:stCondLst>
+                                        </p:cTn>
+                                        <p:tgtEl>
+                                          <p:spTgt spid="77"/>
+                                        </p:tgtEl>
+                                        <p:attrNameLst>
+                                          <p:attrName>style.visibility</p:attrName>
+                                        </p:attrNameLst>
+                                      </p:cBhvr>
+                                      <p:to>
+                                        <p:strVal val="visible"/>
+                                      </p:to>
+                                    </p:set>
+                                  </p:childTnLst>
+                                </p:cTn>
+                              </p:par>
+                              <p:par>
+                                <p:cTn id="79" presetID="1" presetClass="entr" presetSubtype="0" fill="hold" grpId="0" nodeType="withEffect">
+                                  <p:stCondLst>
+                                    <p:cond delay="0"/>
+                                  </p:stCondLst>
+                                  <p:childTnLst>
+                                    <p:set>
+                                      <p:cBhvr>
+                                        <p:cTn id="80" dur="1" fill="hold">
+                                          <p:stCondLst>
+                                            <p:cond delay="0"/>
+                                          </p:stCondLst>
+                                        </p:cTn>
+                                        <p:tgtEl>
+                                          <p:spTgt spid="76"/>
+                                        </p:tgtEl>
+                                        <p:attrNameLst>
+                                          <p:attrName>style.visibility</p:attrName>
+                                        </p:attrNameLst>
+                                      </p:cBhvr>
+                                      <p:to>
+                                        <p:strVal val="visible"/>
+                                      </p:to>
+                                    </p:set>
+                                  </p:childTnLst>
+                                </p:cTn>
+                              </p:par>
+                              <p:par>
+                                <p:cTn id="81" presetID="1" presetClass="entr" presetSubtype="0" fill="hold" grpId="0" nodeType="withEffect">
+                                  <p:stCondLst>
+                                    <p:cond delay="0"/>
+                                  </p:stCondLst>
+                                  <p:childTnLst>
+                                    <p:set>
+                                      <p:cBhvr>
+                                        <p:cTn id="82" dur="1" fill="hold">
+                                          <p:stCondLst>
+                                            <p:cond delay="0"/>
+                                          </p:stCondLst>
+                                        </p:cTn>
+                                        <p:tgtEl>
+                                          <p:spTgt spid="89"/>
+                                        </p:tgtEl>
+                                        <p:attrNameLst>
+                                          <p:attrName>style.visibility</p:attrName>
+                                        </p:attrNameLst>
+                                      </p:cBhvr>
+                                      <p:to>
+                                        <p:strVal val="visible"/>
+                                      </p:to>
+                                    </p:set>
+                                  </p:childTnLst>
+                                </p:cTn>
+                              </p:par>
+                              <p:par>
+                                <p:cTn id="83" presetID="1" presetClass="entr" presetSubtype="0" fill="hold" grpId="0" nodeType="withEffect">
+                                  <p:stCondLst>
+                                    <p:cond delay="0"/>
+                                  </p:stCondLst>
+                                  <p:childTnLst>
+                                    <p:set>
+                                      <p:cBhvr>
+                                        <p:cTn id="84" dur="1" fill="hold">
+                                          <p:stCondLst>
+                                            <p:cond delay="0"/>
+                                          </p:stCondLst>
+                                        </p:cTn>
+                                        <p:tgtEl>
+                                          <p:spTgt spid="80"/>
+                                        </p:tgtEl>
+                                        <p:attrNameLst>
+                                          <p:attrName>style.visibility</p:attrName>
+                                        </p:attrNameLst>
+                                      </p:cBhvr>
+                                      <p:to>
+                                        <p:strVal val="visible"/>
+                                      </p:to>
+                                    </p:set>
+                                  </p:childTnLst>
+                                </p:cTn>
+                              </p:par>
+                              <p:par>
+                                <p:cTn id="85" presetID="1" presetClass="entr" presetSubtype="0" fill="hold" grpId="0" nodeType="withEffect">
+                                  <p:stCondLst>
+                                    <p:cond delay="0"/>
+                                  </p:stCondLst>
+                                  <p:childTnLst>
+                                    <p:set>
+                                      <p:cBhvr>
+                                        <p:cTn id="86" dur="1" fill="hold">
+                                          <p:stCondLst>
+                                            <p:cond delay="0"/>
+                                          </p:stCondLst>
+                                        </p:cTn>
+                                        <p:tgtEl>
+                                          <p:spTgt spid="90"/>
+                                        </p:tgtEl>
+                                        <p:attrNameLst>
+                                          <p:attrName>style.visibility</p:attrName>
+                                        </p:attrNameLst>
+                                      </p:cBhvr>
+                                      <p:to>
+                                        <p:strVal val="visible"/>
+                                      </p:to>
+                                    </p:set>
+                                  </p:childTnLst>
+                                </p:cTn>
+                              </p:par>
+                              <p:par>
+                                <p:cTn id="87" presetID="1" presetClass="entr" presetSubtype="0" fill="hold" grpId="0" nodeType="withEffect">
+                                  <p:stCondLst>
+                                    <p:cond delay="0"/>
+                                  </p:stCondLst>
+                                  <p:childTnLst>
+                                    <p:set>
+                                      <p:cBhvr>
+                                        <p:cTn id="88" dur="1" fill="hold">
+                                          <p:stCondLst>
+                                            <p:cond delay="0"/>
+                                          </p:stCondLst>
+                                        </p:cTn>
+                                        <p:tgtEl>
+                                          <p:spTgt spid="81"/>
+                                        </p:tgtEl>
+                                        <p:attrNameLst>
+                                          <p:attrName>style.visibility</p:attrName>
+                                        </p:attrNameLst>
+                                      </p:cBhvr>
+                                      <p:to>
+                                        <p:strVal val="visible"/>
+                                      </p:to>
+                                    </p:set>
+                                  </p:childTnLst>
+                                </p:cTn>
+                              </p:par>
+                              <p:par>
+                                <p:cTn id="89" presetID="1" presetClass="entr" presetSubtype="0" fill="hold" grpId="0" nodeType="withEffect">
+                                  <p:stCondLst>
+                                    <p:cond delay="0"/>
+                                  </p:stCondLst>
+                                  <p:childTnLst>
+                                    <p:set>
+                                      <p:cBhvr>
+                                        <p:cTn id="90" dur="1" fill="hold">
+                                          <p:stCondLst>
+                                            <p:cond delay="0"/>
+                                          </p:stCondLst>
+                                        </p:cTn>
+                                        <p:tgtEl>
+                                          <p:spTgt spid="91"/>
+                                        </p:tgtEl>
+                                        <p:attrNameLst>
+                                          <p:attrName>style.visibility</p:attrName>
+                                        </p:attrNameLst>
+                                      </p:cBhvr>
+                                      <p:to>
+                                        <p:strVal val="visible"/>
+                                      </p:to>
+                                    </p:set>
+                                  </p:childTnLst>
+                                </p:cTn>
+                              </p:par>
+                              <p:par>
+                                <p:cTn id="91" presetID="1" presetClass="entr" presetSubtype="0" fill="hold" grpId="0" nodeType="withEffect">
+                                  <p:stCondLst>
+                                    <p:cond delay="0"/>
+                                  </p:stCondLst>
+                                  <p:childTnLst>
+                                    <p:set>
+                                      <p:cBhvr>
+                                        <p:cTn id="92" dur="1" fill="hold">
+                                          <p:stCondLst>
+                                            <p:cond delay="0"/>
+                                          </p:stCondLst>
+                                        </p:cTn>
+                                        <p:tgtEl>
+                                          <p:spTgt spid="82"/>
+                                        </p:tgtEl>
+                                        <p:attrNameLst>
+                                          <p:attrName>style.visibility</p:attrName>
+                                        </p:attrNameLst>
+                                      </p:cBhvr>
+                                      <p:to>
+                                        <p:strVal val="visible"/>
+                                      </p:to>
+                                    </p:set>
+                                  </p:childTnLst>
+                                </p:cTn>
+                              </p:par>
+                              <p:par>
+                                <p:cTn id="93" presetID="1" presetClass="entr" presetSubtype="0" fill="hold" grpId="0" nodeType="withEffect">
+                                  <p:stCondLst>
+                                    <p:cond delay="0"/>
+                                  </p:stCondLst>
+                                  <p:childTnLst>
+                                    <p:set>
+                                      <p:cBhvr>
+                                        <p:cTn id="94" dur="1" fill="hold">
+                                          <p:stCondLst>
+                                            <p:cond delay="0"/>
+                                          </p:stCondLst>
+                                        </p:cTn>
+                                        <p:tgtEl>
+                                          <p:spTgt spid="84"/>
+                                        </p:tgtEl>
+                                        <p:attrNameLst>
+                                          <p:attrName>style.visibility</p:attrName>
+                                        </p:attrNameLst>
+                                      </p:cBhvr>
+                                      <p:to>
+                                        <p:strVal val="visible"/>
+                                      </p:to>
+                                    </p:set>
+                                  </p:childTnLst>
+                                </p:cTn>
+                              </p:par>
+                              <p:par>
+                                <p:cTn id="95" presetID="1" presetClass="entr" presetSubtype="0" fill="hold" grpId="0" nodeType="withEffect">
+                                  <p:stCondLst>
+                                    <p:cond delay="0"/>
+                                  </p:stCondLst>
+                                  <p:childTnLst>
+                                    <p:set>
+                                      <p:cBhvr>
+                                        <p:cTn id="96" dur="1" fill="hold">
+                                          <p:stCondLst>
+                                            <p:cond delay="0"/>
+                                          </p:stCondLst>
+                                        </p:cTn>
+                                        <p:tgtEl>
+                                          <p:spTgt spid="88"/>
+                                        </p:tgtEl>
+                                        <p:attrNameLst>
+                                          <p:attrName>style.visibility</p:attrName>
+                                        </p:attrNameLst>
+                                      </p:cBhvr>
+                                      <p:to>
+                                        <p:strVal val="visible"/>
+                                      </p:to>
+                                    </p:set>
+                                  </p:childTnLst>
+                                </p:cTn>
+                              </p:par>
+                              <p:par>
+                                <p:cTn id="97" presetID="1" presetClass="entr" presetSubtype="0" fill="hold" grpId="0" nodeType="withEffect">
+                                  <p:stCondLst>
+                                    <p:cond delay="0"/>
+                                  </p:stCondLst>
+                                  <p:childTnLst>
+                                    <p:set>
+                                      <p:cBhvr>
+                                        <p:cTn id="98" dur="1" fill="hold">
+                                          <p:stCondLst>
+                                            <p:cond delay="0"/>
+                                          </p:stCondLst>
+                                        </p:cTn>
+                                        <p:tgtEl>
+                                          <p:spTgt spid="83"/>
+                                        </p:tgtEl>
+                                        <p:attrNameLst>
+                                          <p:attrName>style.visibility</p:attrName>
+                                        </p:attrNameLst>
+                                      </p:cBhvr>
+                                      <p:to>
+                                        <p:strVal val="visible"/>
+                                      </p:to>
+                                    </p:set>
+                                  </p:childTnLst>
+                                </p:cTn>
+                              </p:par>
+                              <p:par>
+                                <p:cTn id="99" presetID="1" presetClass="entr" presetSubtype="0" fill="hold" nodeType="withEffect">
+                                  <p:stCondLst>
+                                    <p:cond delay="0"/>
+                                  </p:stCondLst>
+                                  <p:childTnLst>
+                                    <p:set>
+                                      <p:cBhvr>
+                                        <p:cTn id="100" dur="1" fill="hold">
+                                          <p:stCondLst>
+                                            <p:cond delay="0"/>
+                                          </p:stCondLst>
+                                        </p:cTn>
+                                        <p:tgtEl>
+                                          <p:spTgt spid="78"/>
+                                        </p:tgtEl>
+                                        <p:attrNameLst>
+                                          <p:attrName>style.visibility</p:attrName>
+                                        </p:attrNameLst>
+                                      </p:cBhvr>
+                                      <p:to>
+                                        <p:strVal val="visible"/>
+                                      </p:to>
+                                    </p:set>
+                                  </p:childTnLst>
+                                </p:cTn>
+                              </p:par>
+                              <p:par>
+                                <p:cTn id="101" presetID="1" presetClass="entr" presetSubtype="0" fill="hold" grpId="0" nodeType="withEffect">
+                                  <p:stCondLst>
+                                    <p:cond delay="0"/>
+                                  </p:stCondLst>
+                                  <p:childTnLst>
+                                    <p:set>
+                                      <p:cBhvr>
+                                        <p:cTn id="102" dur="1" fill="hold">
+                                          <p:stCondLst>
+                                            <p:cond delay="0"/>
+                                          </p:stCondLst>
+                                        </p:cTn>
+                                        <p:tgtEl>
+                                          <p:spTgt spid="72"/>
+                                        </p:tgtEl>
+                                        <p:attrNameLst>
+                                          <p:attrName>style.visibility</p:attrName>
+                                        </p:attrNameLst>
+                                      </p:cBhvr>
+                                      <p:to>
+                                        <p:strVal val="visible"/>
+                                      </p:to>
+                                    </p:set>
+                                  </p:childTnLst>
+                                </p:cTn>
+                              </p:par>
+                              <p:par>
+                                <p:cTn id="103" presetID="1" presetClass="entr" presetSubtype="0" fill="hold" nodeType="withEffect">
+                                  <p:stCondLst>
+                                    <p:cond delay="0"/>
+                                  </p:stCondLst>
+                                  <p:childTnLst>
+                                    <p:set>
+                                      <p:cBhvr>
+                                        <p:cTn id="104" dur="1" fill="hold">
+                                          <p:stCondLst>
+                                            <p:cond delay="0"/>
+                                          </p:stCondLst>
+                                        </p:cTn>
+                                        <p:tgtEl>
+                                          <p:spTgt spid="94"/>
+                                        </p:tgtEl>
+                                        <p:attrNameLst>
+                                          <p:attrName>style.visibility</p:attrName>
+                                        </p:attrNameLst>
+                                      </p:cBhvr>
+                                      <p:to>
+                                        <p:strVal val="visible"/>
+                                      </p:to>
+                                    </p:set>
+                                  </p:childTnLst>
+                                </p:cTn>
+                              </p:par>
+                              <p:par>
+                                <p:cTn id="105" presetID="1" presetClass="entr" presetSubtype="0" fill="hold" grpId="0" nodeType="withEffect">
+                                  <p:stCondLst>
+                                    <p:cond delay="0"/>
+                                  </p:stCondLst>
+                                  <p:childTnLst>
+                                    <p:set>
+                                      <p:cBhvr>
+                                        <p:cTn id="106" dur="1" fill="hold">
+                                          <p:stCondLst>
+                                            <p:cond delay="0"/>
+                                          </p:stCondLst>
+                                        </p:cTn>
+                                        <p:tgtEl>
+                                          <p:spTgt spid="85"/>
+                                        </p:tgtEl>
+                                        <p:attrNameLst>
+                                          <p:attrName>style.visibility</p:attrName>
+                                        </p:attrNameLst>
+                                      </p:cBhvr>
+                                      <p:to>
+                                        <p:strVal val="visible"/>
+                                      </p:to>
+                                    </p:set>
+                                  </p:childTnLst>
+                                </p:cTn>
+                              </p:par>
+                              <p:par>
+                                <p:cTn id="107" presetID="1" presetClass="entr" presetSubtype="0" fill="hold" grpId="0" nodeType="withEffect">
+                                  <p:stCondLst>
+                                    <p:cond delay="0"/>
+                                  </p:stCondLst>
+                                  <p:childTnLst>
+                                    <p:set>
+                                      <p:cBhvr>
+                                        <p:cTn id="108" dur="1" fill="hold">
+                                          <p:stCondLst>
+                                            <p:cond delay="0"/>
+                                          </p:stCondLst>
+                                        </p:cTn>
+                                        <p:tgtEl>
+                                          <p:spTgt spid="87"/>
+                                        </p:tgtEl>
+                                        <p:attrNameLst>
+                                          <p:attrName>style.visibility</p:attrName>
+                                        </p:attrNameLst>
+                                      </p:cBhvr>
+                                      <p:to>
+                                        <p:strVal val="visible"/>
+                                      </p:to>
+                                    </p:set>
+                                  </p:childTnLst>
+                                </p:cTn>
+                              </p:par>
+                              <p:par>
+                                <p:cTn id="109" presetID="1" presetClass="entr" presetSubtype="0" fill="hold" nodeType="withEffect">
+                                  <p:stCondLst>
+                                    <p:cond delay="0"/>
+                                  </p:stCondLst>
+                                  <p:childTnLst>
+                                    <p:set>
+                                      <p:cBhvr>
+                                        <p:cTn id="110" dur="1" fill="hold">
+                                          <p:stCondLst>
+                                            <p:cond delay="0"/>
+                                          </p:stCondLst>
+                                        </p:cTn>
+                                        <p:tgtEl>
+                                          <p:spTgt spid="95"/>
+                                        </p:tgtEl>
+                                        <p:attrNameLst>
+                                          <p:attrName>style.visibility</p:attrName>
+                                        </p:attrNameLst>
+                                      </p:cBhvr>
+                                      <p:to>
+                                        <p:strVal val="visible"/>
+                                      </p:to>
+                                    </p:set>
+                                  </p:childTnLst>
+                                </p:cTn>
+                              </p:par>
+                              <p:par>
+                                <p:cTn id="111" presetID="1" presetClass="entr" presetSubtype="0" fill="hold" grpId="0" nodeType="withEffect">
+                                  <p:stCondLst>
+                                    <p:cond delay="0"/>
+                                  </p:stCondLst>
+                                  <p:childTnLst>
+                                    <p:set>
+                                      <p:cBhvr>
+                                        <p:cTn id="112" dur="1" fill="hold">
+                                          <p:stCondLst>
+                                            <p:cond delay="0"/>
+                                          </p:stCondLst>
+                                        </p:cTn>
+                                        <p:tgtEl>
                                           <p:spTgt spid="11"/>
                                         </p:tgtEl>
                                         <p:attrNameLst>
@@ -10977,6 +12365,402 @@
                                       </p:cBhvr>
                                       <p:to>
                                         <p:strVal val="visible"/>
+                                      </p:to>
+                                    </p:set>
+                                  </p:childTnLst>
+                                </p:cTn>
+                              </p:par>
+                              <p:par>
+                                <p:cTn id="113" presetID="1" presetClass="entr" presetSubtype="0" fill="hold" grpId="0" nodeType="withEffect">
+                                  <p:stCondLst>
+                                    <p:cond delay="0"/>
+                                  </p:stCondLst>
+                                  <p:childTnLst>
+                                    <p:set>
+                                      <p:cBhvr>
+                                        <p:cTn id="114" dur="1" fill="hold">
+                                          <p:stCondLst>
+                                            <p:cond delay="0"/>
+                                          </p:stCondLst>
+                                        </p:cTn>
+                                        <p:tgtEl>
+                                          <p:spTgt spid="86"/>
+                                        </p:tgtEl>
+                                        <p:attrNameLst>
+                                          <p:attrName>style.visibility</p:attrName>
+                                        </p:attrNameLst>
+                                      </p:cBhvr>
+                                      <p:to>
+                                        <p:strVal val="visible"/>
+                                      </p:to>
+                                    </p:set>
+                                  </p:childTnLst>
+                                </p:cTn>
+                              </p:par>
+                              <p:par>
+                                <p:cTn id="115" presetID="1" presetClass="entr" presetSubtype="0" fill="hold" grpId="0" nodeType="withEffect">
+                                  <p:stCondLst>
+                                    <p:cond delay="0"/>
+                                  </p:stCondLst>
+                                  <p:childTnLst>
+                                    <p:set>
+                                      <p:cBhvr>
+                                        <p:cTn id="116" dur="1" fill="hold">
+                                          <p:stCondLst>
+                                            <p:cond delay="0"/>
+                                          </p:stCondLst>
+                                        </p:cTn>
+                                        <p:tgtEl>
+                                          <p:spTgt spid="13"/>
+                                        </p:tgtEl>
+                                        <p:attrNameLst>
+                                          <p:attrName>style.visibility</p:attrName>
+                                        </p:attrNameLst>
+                                      </p:cBhvr>
+                                      <p:to>
+                                        <p:strVal val="visible"/>
+                                      </p:to>
+                                    </p:set>
+                                  </p:childTnLst>
+                                </p:cTn>
+                              </p:par>
+                            </p:childTnLst>
+                          </p:cTn>
+                        </p:par>
+                      </p:childTnLst>
+                    </p:cTn>
+                  </p:par>
+                  <p:par>
+                    <p:cTn id="117" fill="hold">
+                      <p:stCondLst>
+                        <p:cond delay="indefinite"/>
+                      </p:stCondLst>
+                      <p:childTnLst>
+                        <p:par>
+                          <p:cTn id="118" fill="hold">
+                            <p:stCondLst>
+                              <p:cond delay="0"/>
+                            </p:stCondLst>
+                            <p:childTnLst>
+                              <p:par>
+                                <p:cTn id="119" presetID="1" presetClass="entr" presetSubtype="0" fill="hold" nodeType="clickEffect">
+                                  <p:stCondLst>
+                                    <p:cond delay="0"/>
+                                  </p:stCondLst>
+                                  <p:childTnLst>
+                                    <p:set>
+                                      <p:cBhvr>
+                                        <p:cTn id="120" dur="1" fill="hold">
+                                          <p:stCondLst>
+                                            <p:cond delay="0"/>
+                                          </p:stCondLst>
+                                        </p:cTn>
+                                        <p:tgtEl>
+                                          <p:spTgt spid="102"/>
+                                        </p:tgtEl>
+                                        <p:attrNameLst>
+                                          <p:attrName>style.visibility</p:attrName>
+                                        </p:attrNameLst>
+                                      </p:cBhvr>
+                                      <p:to>
+                                        <p:strVal val="visible"/>
+                                      </p:to>
+                                    </p:set>
+                                  </p:childTnLst>
+                                </p:cTn>
+                              </p:par>
+                              <p:par>
+                                <p:cTn id="121" presetID="1" presetClass="entr" presetSubtype="0" fill="hold" grpId="0" nodeType="withEffect">
+                                  <p:stCondLst>
+                                    <p:cond delay="0"/>
+                                  </p:stCondLst>
+                                  <p:childTnLst>
+                                    <p:set>
+                                      <p:cBhvr>
+                                        <p:cTn id="122" dur="1" fill="hold">
+                                          <p:stCondLst>
+                                            <p:cond delay="0"/>
+                                          </p:stCondLst>
+                                        </p:cTn>
+                                        <p:tgtEl>
+                                          <p:spTgt spid="97"/>
+                                        </p:tgtEl>
+                                        <p:attrNameLst>
+                                          <p:attrName>style.visibility</p:attrName>
+                                        </p:attrNameLst>
+                                      </p:cBhvr>
+                                      <p:to>
+                                        <p:strVal val="visible"/>
+                                      </p:to>
+                                    </p:set>
+                                  </p:childTnLst>
+                                </p:cTn>
+                              </p:par>
+                              <p:par>
+                                <p:cTn id="123" presetID="1" presetClass="entr" presetSubtype="0" fill="hold" nodeType="withEffect">
+                                  <p:stCondLst>
+                                    <p:cond delay="0"/>
+                                  </p:stCondLst>
+                                  <p:childTnLst>
+                                    <p:set>
+                                      <p:cBhvr>
+                                        <p:cTn id="124" dur="1" fill="hold">
+                                          <p:stCondLst>
+                                            <p:cond delay="0"/>
+                                          </p:stCondLst>
+                                        </p:cTn>
+                                        <p:tgtEl>
+                                          <p:spTgt spid="93"/>
+                                        </p:tgtEl>
+                                        <p:attrNameLst>
+                                          <p:attrName>style.visibility</p:attrName>
+                                        </p:attrNameLst>
+                                      </p:cBhvr>
+                                      <p:to>
+                                        <p:strVal val="visible"/>
+                                      </p:to>
+                                    </p:set>
+                                  </p:childTnLst>
+                                </p:cTn>
+                              </p:par>
+                              <p:par>
+                                <p:cTn id="125" presetID="1" presetClass="entr" presetSubtype="0" fill="hold" nodeType="withEffect">
+                                  <p:stCondLst>
+                                    <p:cond delay="0"/>
+                                  </p:stCondLst>
+                                  <p:childTnLst>
+                                    <p:set>
+                                      <p:cBhvr>
+                                        <p:cTn id="126" dur="1" fill="hold">
+                                          <p:stCondLst>
+                                            <p:cond delay="0"/>
+                                          </p:stCondLst>
+                                        </p:cTn>
+                                        <p:tgtEl>
+                                          <p:spTgt spid="92"/>
+                                        </p:tgtEl>
+                                        <p:attrNameLst>
+                                          <p:attrName>style.visibility</p:attrName>
+                                        </p:attrNameLst>
+                                      </p:cBhvr>
+                                      <p:to>
+                                        <p:strVal val="visible"/>
+                                      </p:to>
+                                    </p:set>
+                                  </p:childTnLst>
+                                </p:cTn>
+                              </p:par>
+                              <p:par>
+                                <p:cTn id="127" presetID="1" presetClass="entr" presetSubtype="0" fill="hold" nodeType="withEffect">
+                                  <p:stCondLst>
+                                    <p:cond delay="0"/>
+                                  </p:stCondLst>
+                                  <p:childTnLst>
+                                    <p:set>
+                                      <p:cBhvr>
+                                        <p:cTn id="128" dur="1" fill="hold">
+                                          <p:stCondLst>
+                                            <p:cond delay="0"/>
+                                          </p:stCondLst>
+                                        </p:cTn>
+                                        <p:tgtEl>
+                                          <p:spTgt spid="98"/>
+                                        </p:tgtEl>
+                                        <p:attrNameLst>
+                                          <p:attrName>style.visibility</p:attrName>
+                                        </p:attrNameLst>
+                                      </p:cBhvr>
+                                      <p:to>
+                                        <p:strVal val="visible"/>
+                                      </p:to>
+                                    </p:set>
+                                  </p:childTnLst>
+                                </p:cTn>
+                              </p:par>
+                              <p:par>
+                                <p:cTn id="129" presetID="1" presetClass="entr" presetSubtype="0" fill="hold" grpId="1" nodeType="withEffect">
+                                  <p:stCondLst>
+                                    <p:cond delay="0"/>
+                                  </p:stCondLst>
+                                  <p:childTnLst>
+                                    <p:set>
+                                      <p:cBhvr>
+                                        <p:cTn id="130" dur="1" fill="hold">
+                                          <p:stCondLst>
+                                            <p:cond delay="0"/>
+                                          </p:stCondLst>
+                                        </p:cTn>
+                                        <p:tgtEl>
+                                          <p:spTgt spid="74"/>
+                                        </p:tgtEl>
+                                        <p:attrNameLst>
+                                          <p:attrName>style.visibility</p:attrName>
+                                        </p:attrNameLst>
+                                      </p:cBhvr>
+                                      <p:to>
+                                        <p:strVal val="visible"/>
+                                      </p:to>
+                                    </p:set>
+                                  </p:childTnLst>
+                                </p:cTn>
+                              </p:par>
+                              <p:par>
+                                <p:cTn id="131" presetID="1" presetClass="entr" presetSubtype="0" fill="hold" grpId="0" nodeType="withEffect">
+                                  <p:stCondLst>
+                                    <p:cond delay="0"/>
+                                  </p:stCondLst>
+                                  <p:childTnLst>
+                                    <p:set>
+                                      <p:cBhvr>
+                                        <p:cTn id="132" dur="1" fill="hold">
+                                          <p:stCondLst>
+                                            <p:cond delay="0"/>
+                                          </p:stCondLst>
+                                        </p:cTn>
+                                        <p:tgtEl>
+                                          <p:spTgt spid="96"/>
+                                        </p:tgtEl>
+                                        <p:attrNameLst>
+                                          <p:attrName>style.visibility</p:attrName>
+                                        </p:attrNameLst>
+                                      </p:cBhvr>
+                                      <p:to>
+                                        <p:strVal val="visible"/>
+                                      </p:to>
+                                    </p:set>
+                                  </p:childTnLst>
+                                </p:cTn>
+                              </p:par>
+                              <p:par>
+                                <p:cTn id="133" presetID="1" presetClass="entr" presetSubtype="0" fill="hold" grpId="2" nodeType="withEffect">
+                                  <p:stCondLst>
+                                    <p:cond delay="0"/>
+                                  </p:stCondLst>
+                                  <p:childTnLst>
+                                    <p:set>
+                                      <p:cBhvr>
+                                        <p:cTn id="134" dur="1" fill="hold">
+                                          <p:stCondLst>
+                                            <p:cond delay="0"/>
+                                          </p:stCondLst>
+                                        </p:cTn>
+                                        <p:tgtEl>
+                                          <p:spTgt spid="74"/>
+                                        </p:tgtEl>
+                                        <p:attrNameLst>
+                                          <p:attrName>style.visibility</p:attrName>
+                                        </p:attrNameLst>
+                                      </p:cBhvr>
+                                      <p:to>
+                                        <p:strVal val="visible"/>
+                                      </p:to>
+                                    </p:set>
+                                  </p:childTnLst>
+                                </p:cTn>
+                              </p:par>
+                              <p:par>
+                                <p:cTn id="135" presetID="1" presetClass="entr" presetSubtype="0" fill="hold" nodeType="withEffect">
+                                  <p:stCondLst>
+                                    <p:cond delay="0"/>
+                                  </p:stCondLst>
+                                  <p:childTnLst>
+                                    <p:set>
+                                      <p:cBhvr>
+                                        <p:cTn id="136" dur="1" fill="hold">
+                                          <p:stCondLst>
+                                            <p:cond delay="0"/>
+                                          </p:stCondLst>
+                                        </p:cTn>
+                                        <p:tgtEl>
+                                          <p:spTgt spid="79"/>
+                                        </p:tgtEl>
+                                        <p:attrNameLst>
+                                          <p:attrName>style.visibility</p:attrName>
+                                        </p:attrNameLst>
+                                      </p:cBhvr>
+                                      <p:to>
+                                        <p:strVal val="visible"/>
+                                      </p:to>
+                                    </p:set>
+                                  </p:childTnLst>
+                                </p:cTn>
+                              </p:par>
+                              <p:par>
+                                <p:cTn id="137" presetID="1" presetClass="entr" presetSubtype="0" fill="hold" grpId="0" nodeType="withEffect">
+                                  <p:stCondLst>
+                                    <p:cond delay="0"/>
+                                  </p:stCondLst>
+                                  <p:childTnLst>
+                                    <p:set>
+                                      <p:cBhvr>
+                                        <p:cTn id="138" dur="1" fill="hold">
+                                          <p:stCondLst>
+                                            <p:cond delay="0"/>
+                                          </p:stCondLst>
+                                        </p:cTn>
+                                        <p:tgtEl>
+                                          <p:spTgt spid="73"/>
+                                        </p:tgtEl>
+                                        <p:attrNameLst>
+                                          <p:attrName>style.visibility</p:attrName>
+                                        </p:attrNameLst>
+                                      </p:cBhvr>
+                                      <p:to>
+                                        <p:strVal val="visible"/>
+                                      </p:to>
+                                    </p:set>
+                                  </p:childTnLst>
+                                </p:cTn>
+                              </p:par>
+                              <p:par>
+                                <p:cTn id="139" presetID="1" presetClass="entr" presetSubtype="0" fill="hold" grpId="0" nodeType="withEffect">
+                                  <p:stCondLst>
+                                    <p:cond delay="0"/>
+                                  </p:stCondLst>
+                                  <p:childTnLst>
+                                    <p:set>
+                                      <p:cBhvr>
+                                        <p:cTn id="140" dur="1" fill="hold">
+                                          <p:stCondLst>
+                                            <p:cond delay="0"/>
+                                          </p:stCondLst>
+                                        </p:cTn>
+                                        <p:tgtEl>
+                                          <p:spTgt spid="101"/>
+                                        </p:tgtEl>
+                                        <p:attrNameLst>
+                                          <p:attrName>style.visibility</p:attrName>
+                                        </p:attrNameLst>
+                                      </p:cBhvr>
+                                      <p:to>
+                                        <p:strVal val="visible"/>
+                                      </p:to>
+                                    </p:set>
+                                  </p:childTnLst>
+                                </p:cTn>
+                              </p:par>
+                              <p:par>
+                                <p:cTn id="141" presetID="1" presetClass="exit" presetSubtype="0" fill="hold" nodeType="withEffect">
+                                  <p:stCondLst>
+                                    <p:cond delay="0"/>
+                                  </p:stCondLst>
+                                  <p:childTnLst>
+                                    <p:set>
+                                      <p:cBhvr>
+                                        <p:cTn id="142" dur="1" fill="hold">
+                                          <p:stCondLst>
+                                            <p:cond delay="0"/>
+                                          </p:stCondLst>
+                                        </p:cTn>
+                                        <p:tgtEl>
+                                          <p:spTgt spid="15"/>
+                                        </p:tgtEl>
+                                        <p:attrNameLst>
+                                          <p:attrName>style.visibility</p:attrName>
+                                        </p:attrNameLst>
+                                      </p:cBhvr>
+                                      <p:to>
+                                        <p:strVal val="hidden"/>
                                       </p:to>
                                     </p:set>
                                   </p:childTnLst>
@@ -11010,8 +12794,55 @@
       </p:par>
     </p:tnLst>
     <p:bldLst>
-      <p:bldP spid="9" grpId="0" animBg="1"/>
+      <p:bldP spid="5" grpId="0" animBg="1"/>
+      <p:bldP spid="9" grpId="1" animBg="1"/>
       <p:bldP spid="11" grpId="0" animBg="1"/>
+      <p:bldP spid="12" grpId="0"/>
+      <p:bldP spid="13" grpId="0"/>
+      <p:bldP spid="16" grpId="0" animBg="1"/>
+      <p:bldP spid="18" grpId="0"/>
+      <p:bldP spid="20" grpId="0" animBg="1"/>
+      <p:bldP spid="21" grpId="0" animBg="1"/>
+      <p:bldP spid="22" grpId="0" animBg="1"/>
+      <p:bldP spid="24" grpId="0"/>
+      <p:bldP spid="28" grpId="0"/>
+      <p:bldP spid="29" grpId="0"/>
+      <p:bldP spid="30" grpId="0"/>
+      <p:bldP spid="37" grpId="0" animBg="1"/>
+      <p:bldP spid="38" grpId="0" animBg="1"/>
+      <p:bldP spid="39" grpId="0" animBg="1"/>
+      <p:bldP spid="41" grpId="0" animBg="1"/>
+      <p:bldP spid="42" grpId="0"/>
+      <p:bldP spid="43" grpId="0"/>
+      <p:bldP spid="45" grpId="0"/>
+      <p:bldP spid="46" grpId="0"/>
+      <p:bldP spid="47" grpId="0"/>
+      <p:bldP spid="48" grpId="0"/>
+      <p:bldP spid="49" grpId="0"/>
+      <p:bldP spid="50" grpId="0"/>
+      <p:bldP spid="72" grpId="0" animBg="1"/>
+      <p:bldP spid="73" grpId="0" animBg="1"/>
+      <p:bldP spid="74" grpId="0"/>
+      <p:bldP spid="74" grpId="1"/>
+      <p:bldP spid="74" grpId="2"/>
+      <p:bldP spid="75" grpId="0"/>
+      <p:bldP spid="76" grpId="0"/>
+      <p:bldP spid="77" grpId="0"/>
+      <p:bldP spid="80" grpId="0" animBg="1"/>
+      <p:bldP spid="81" grpId="0" animBg="1"/>
+      <p:bldP spid="82" grpId="0" animBg="1"/>
+      <p:bldP spid="83" grpId="0" animBg="1"/>
+      <p:bldP spid="84" grpId="0"/>
+      <p:bldP spid="85" grpId="0"/>
+      <p:bldP spid="86" grpId="0"/>
+      <p:bldP spid="87" grpId="0"/>
+      <p:bldP spid="88" grpId="0"/>
+      <p:bldP spid="89" grpId="0"/>
+      <p:bldP spid="90" grpId="0"/>
+      <p:bldP spid="91" grpId="0"/>
+      <p:bldP spid="96" grpId="0" animBg="1"/>
+      <p:bldP spid="97" grpId="0" animBg="1"/>
+      <p:bldP spid="101" grpId="0"/>
     </p:bldLst>
   </p:timing>
 </p:sld>
@@ -11434,8 +13265,8 @@
         </p:blipFill>
         <p:spPr>
           <a:xfrm>
-            <a:off x="834390" y="3822968"/>
-            <a:ext cx="8553677" cy="1452295"/>
+            <a:off x="940715" y="3796871"/>
+            <a:ext cx="9032624" cy="1533614"/>
           </a:xfrm>
           <a:prstGeom prst="rect">
             <a:avLst/>
@@ -11464,8 +13295,8 @@
         </p:blipFill>
         <p:spPr>
           <a:xfrm>
-            <a:off x="834390" y="3391694"/>
-            <a:ext cx="6553200" cy="317500"/>
+            <a:off x="834389" y="3391694"/>
+            <a:ext cx="5874755" cy="284630"/>
           </a:xfrm>
           <a:prstGeom prst="rect">
             <a:avLst/>
@@ -11494,8 +13325,8 @@
         </p:blipFill>
         <p:spPr>
           <a:xfrm>
-            <a:off x="431594" y="2274094"/>
-            <a:ext cx="1638300" cy="431800"/>
+            <a:off x="638998" y="2328758"/>
+            <a:ext cx="1430895" cy="377135"/>
           </a:xfrm>
           <a:prstGeom prst="rect">
             <a:avLst/>
@@ -11554,7 +13385,7 @@
         </p:blipFill>
         <p:spPr>
           <a:xfrm>
-            <a:off x="7292339" y="3385598"/>
+            <a:off x="6582144" y="3365404"/>
             <a:ext cx="254000" cy="304800"/>
           </a:xfrm>
           <a:prstGeom prst="rect">
@@ -11584,8 +13415,8 @@
         </p:blipFill>
         <p:spPr>
           <a:xfrm>
-            <a:off x="2372419" y="2349056"/>
-            <a:ext cx="7781994" cy="284503"/>
+            <a:off x="2393211" y="2318631"/>
+            <a:ext cx="7580128" cy="277123"/>
           </a:xfrm>
           <a:prstGeom prst="rect">
             <a:avLst/>
@@ -11614,8 +13445,8 @@
         </p:blipFill>
         <p:spPr>
           <a:xfrm>
-            <a:off x="8685784" y="2671289"/>
-            <a:ext cx="1468629" cy="249979"/>
+            <a:off x="8515369" y="2639728"/>
+            <a:ext cx="1457970" cy="248165"/>
           </a:xfrm>
           <a:prstGeom prst="rect">
             <a:avLst/>
@@ -13002,6 +14833,33 @@
                                   </p:childTnLst>
                                 </p:cTn>
                               </p:par>
+                              <p:par>
+                                <p:cTn id="35" presetID="1" presetClass="entr" presetSubtype="0" fill="hold" grpId="0" nodeType="withEffect">
+                                  <p:stCondLst>
+                                    <p:cond delay="0"/>
+                                  </p:stCondLst>
+                                  <p:childTnLst>
+                                    <p:set>
+                                      <p:cBhvr>
+                                        <p:cTn id="36" dur="1" fill="hold">
+                                          <p:stCondLst>
+                                            <p:cond delay="0"/>
+                                          </p:stCondLst>
+                                        </p:cTn>
+                                        <p:tgtEl>
+                                          <p:spTgt spid="31"/>
+                                        </p:tgtEl>
+                                        <p:attrNameLst>
+                                          <p:attrName>style.visibility</p:attrName>
+                                        </p:attrNameLst>
+                                      </p:cBhvr>
+                                      <p:to>
+                                        <p:strVal val="visible"/>
+                                      </p:to>
+                                    </p:set>
+                                  </p:childTnLst>
+                                </p:cTn>
+                              </p:par>
                             </p:childTnLst>
                           </p:cTn>
                         </p:par>
@@ -13033,6 +14891,7 @@
       <p:bldP spid="28" grpId="0" animBg="1"/>
       <p:bldP spid="29" grpId="0" animBg="1"/>
       <p:bldP spid="30" grpId="0"/>
+      <p:bldP spid="31" grpId="0"/>
     </p:bldLst>
   </p:timing>
 </p:sld>
@@ -14026,7 +15885,7 @@
         <p:spPr>
           <a:xfrm>
             <a:off x="4448670" y="3448664"/>
-            <a:ext cx="2819688" cy="2031325"/>
+            <a:ext cx="2819688" cy="2862322"/>
           </a:xfrm>
           <a:prstGeom prst="rect">
             <a:avLst/>
@@ -14056,6 +15915,16 @@
             <a:r>
               <a:rPr lang="en-US" dirty="0"/>
               <a:t>Bookkeeping each virtual address’s  address-space explicitly?</a:t>
+            </a:r>
+          </a:p>
+          <a:p>
+            <a:pPr marL="285750" indent="-285750">
+              <a:buFontTx/>
+              <a:buChar char="-"/>
+            </a:pPr>
+            <a:r>
+              <a:rPr lang="en-US" dirty="0"/>
+              <a:t>Referring to virtual address in another space?</a:t>
             </a:r>
           </a:p>
           <a:p>
@@ -14877,6 +16746,78 @@
                                           </p:stCondLst>
                                         </p:cTn>
                                         <p:tgtEl>
+                                          <p:spTgt spid="44"/>
+                                        </p:tgtEl>
+                                        <p:attrNameLst>
+                                          <p:attrName>style.visibility</p:attrName>
+                                        </p:attrNameLst>
+                                      </p:cBhvr>
+                                      <p:to>
+                                        <p:strVal val="visible"/>
+                                      </p:to>
+                                    </p:set>
+                                  </p:childTnLst>
+                                </p:cTn>
+                              </p:par>
+                              <p:par>
+                                <p:cTn id="61" presetID="1" presetClass="entr" presetSubtype="0" fill="hold" grpId="0" nodeType="withEffect">
+                                  <p:stCondLst>
+                                    <p:cond delay="0"/>
+                                  </p:stCondLst>
+                                  <p:childTnLst>
+                                    <p:set>
+                                      <p:cBhvr>
+                                        <p:cTn id="62" dur="1" fill="hold">
+                                          <p:stCondLst>
+                                            <p:cond delay="0"/>
+                                          </p:stCondLst>
+                                        </p:cTn>
+                                        <p:tgtEl>
+                                          <p:spTgt spid="60"/>
+                                        </p:tgtEl>
+                                        <p:attrNameLst>
+                                          <p:attrName>style.visibility</p:attrName>
+                                        </p:attrNameLst>
+                                      </p:cBhvr>
+                                      <p:to>
+                                        <p:strVal val="visible"/>
+                                      </p:to>
+                                    </p:set>
+                                  </p:childTnLst>
+                                </p:cTn>
+                              </p:par>
+                            </p:childTnLst>
+                          </p:cTn>
+                        </p:par>
+                      </p:childTnLst>
+                    </p:cTn>
+                  </p:par>
+                  <p:par>
+                    <p:cTn id="63" fill="hold">
+                      <p:stCondLst>
+                        <p:cond delay="indefinite"/>
+                      </p:stCondLst>
+                      <p:childTnLst>
+                        <p:par>
+                          <p:cTn id="64" fill="hold">
+                            <p:stCondLst>
+                              <p:cond delay="0"/>
+                            </p:stCondLst>
+                            <p:childTnLst>
+                              <p:par>
+                                <p:cTn id="65" presetID="1" presetClass="entr" presetSubtype="0" fill="hold" grpId="0" nodeType="clickEffect">
+                                  <p:stCondLst>
+                                    <p:cond delay="0"/>
+                                  </p:stCondLst>
+                                  <p:childTnLst>
+                                    <p:set>
+                                      <p:cBhvr>
+                                        <p:cTn id="66" dur="1" fill="hold">
+                                          <p:stCondLst>
+                                            <p:cond delay="0"/>
+                                          </p:stCondLst>
+                                        </p:cTn>
+                                        <p:tgtEl>
                                           <p:spTgt spid="63"/>
                                         </p:tgtEl>
                                         <p:attrNameLst>
@@ -14931,7 +16872,9 @@
       <p:bldP spid="36" grpId="0"/>
       <p:bldP spid="36" grpId="1"/>
       <p:bldP spid="40" grpId="0"/>
+      <p:bldP spid="44" grpId="0" animBg="1"/>
       <p:bldP spid="59" grpId="0"/>
+      <p:bldP spid="60" grpId="0"/>
       <p:bldP spid="63" grpId="0" animBg="1"/>
     </p:bldLst>
   </p:timing>

--- a/loca_virt_draft.pptx
+++ b/loca_virt_draft.pptx
@@ -16,10 +16,8 @@
     <p:sldId id="275" r:id="rId10"/>
     <p:sldId id="263" r:id="rId11"/>
     <p:sldId id="269" r:id="rId12"/>
-    <p:sldId id="267" r:id="rId13"/>
+    <p:sldId id="276" r:id="rId13"/>
     <p:sldId id="268" r:id="rId14"/>
-    <p:sldId id="270" r:id="rId15"/>
-    <p:sldId id="271" r:id="rId16"/>
   </p:sldIdLst>
   <p:sldSz cx="12192000" cy="6858000"/>
   <p:notesSz cx="6858000" cy="9144000"/>
@@ -3481,13 +3479,6 @@
           <a:p>
             <a:r>
               <a:rPr lang="en-US" dirty="0"/>
-              <a:t>STOP HERE</a:t>
-            </a:r>
-            <a:br>
-              <a:rPr lang="en-US" dirty="0"/>
-            </a:br>
-            <a:r>
-              <a:rPr lang="en-US" dirty="0"/>
               <a:t>Virtual Points-</a:t>
             </a:r>
             <a:r>
@@ -3532,7 +3523,33 @@
               <a:rPr lang="en-US" dirty="0">
                 <a:effectLst/>
               </a:rPr>
-              <a:t>ontext-agnostic-resources: each virtual address is valid under a certain address-space, but it does not represent this knowledge of its address-space. That is, assertions are not explicitly tagged with their address space validity </a:t>
+              <a:t>ontext-agnostic-resources</a:t>
+            </a:r>
+          </a:p>
+          <a:p>
+            <a:pPr lvl="1"/>
+            <a:r>
+              <a:rPr lang="en-US" dirty="0"/>
+              <a:t>e</a:t>
+            </a:r>
+            <a:r>
+              <a:rPr lang="en-US" dirty="0">
+                <a:effectLst/>
+              </a:rPr>
+              <a:t>ach virtual address is valid under a certain address-space, but it does not represent this knowledge of its address-space. </a:t>
+            </a:r>
+          </a:p>
+          <a:p>
+            <a:pPr lvl="1"/>
+            <a:r>
+              <a:rPr lang="en-US" dirty="0"/>
+              <a:t>t</a:t>
+            </a:r>
+            <a:r>
+              <a:rPr lang="en-US" dirty="0">
+                <a:effectLst/>
+              </a:rPr>
+              <a:t>hat is, assertions are not explicitly tagged with their address space validity </a:t>
             </a:r>
           </a:p>
           <a:p>
@@ -3544,7 +3561,16 @@
               <a:rPr lang="en-US" sz="2800" dirty="0">
                 <a:effectLst/>
               </a:rPr>
-              <a:t>ddress-spaces as modal contexts: assertions in our logic are context-dependent, in the sense that their truth depends on which address space they are used in, due to the need to support virtual points-to assertions. </a:t>
+              <a:t>ddress-spaces as modal contexts</a:t>
+            </a:r>
+          </a:p>
+          <a:p>
+            <a:pPr lvl="1"/>
+            <a:r>
+              <a:rPr lang="en-US" dirty="0">
+                <a:effectLst/>
+              </a:rPr>
+              <a:t>assertions in our logic are context-dependent, in the sense that their truth depends on which address space they are used in, due to the need to support virtual points-to assertions. </a:t>
             </a:r>
           </a:p>
           <a:p>
@@ -3589,8 +3615,38 @@
         </p:blipFill>
         <p:spPr>
           <a:xfrm>
-            <a:off x="2771394" y="5269992"/>
-            <a:ext cx="5295900" cy="304800"/>
+            <a:off x="1123347" y="5025443"/>
+            <a:ext cx="7061200" cy="406400"/>
+          </a:xfrm>
+          <a:prstGeom prst="rect">
+            <a:avLst/>
+          </a:prstGeom>
+        </p:spPr>
+      </p:pic>
+      <p:pic>
+        <p:nvPicPr>
+          <p:cNvPr id="7" name="Picture 6">
+            <a:extLst>
+              <a:ext uri="{FF2B5EF4-FFF2-40B4-BE49-F238E27FC236}">
+                <a16:creationId xmlns:a16="http://schemas.microsoft.com/office/drawing/2014/main" id="{071C5BC2-E352-FF2C-87D5-E3AD138294C9}"/>
+              </a:ext>
+            </a:extLst>
+          </p:cNvPr>
+          <p:cNvPicPr>
+            <a:picLocks noChangeAspect="1"/>
+          </p:cNvPicPr>
+          <p:nvPr/>
+        </p:nvPicPr>
+        <p:blipFill>
+          <a:blip r:embed="rId3"/>
+          <a:stretch>
+            <a:fillRect/>
+          </a:stretch>
+        </p:blipFill>
+        <p:spPr>
+          <a:xfrm>
+            <a:off x="1033509" y="5398002"/>
+            <a:ext cx="7061200" cy="451917"/>
           </a:xfrm>
           <a:prstGeom prst="rect">
             <a:avLst/>
@@ -3607,6 +3663,126 @@
   <p:clrMapOvr>
     <a:masterClrMapping/>
   </p:clrMapOvr>
+  <p:timing>
+    <p:tnLst>
+      <p:par>
+        <p:cTn id="1" dur="indefinite" restart="never" nodeType="tmRoot">
+          <p:childTnLst>
+            <p:seq concurrent="1" nextAc="seek">
+              <p:cTn id="2" dur="indefinite" nodeType="mainSeq">
+                <p:childTnLst>
+                  <p:par>
+                    <p:cTn id="3" fill="hold">
+                      <p:stCondLst>
+                        <p:cond delay="indefinite"/>
+                      </p:stCondLst>
+                      <p:childTnLst>
+                        <p:par>
+                          <p:cTn id="4" fill="hold">
+                            <p:stCondLst>
+                              <p:cond delay="0"/>
+                            </p:stCondLst>
+                            <p:childTnLst>
+                              <p:par>
+                                <p:cTn id="5" presetID="1" presetClass="entr" presetSubtype="0" fill="hold" nodeType="clickEffect">
+                                  <p:stCondLst>
+                                    <p:cond delay="0"/>
+                                  </p:stCondLst>
+                                  <p:childTnLst>
+                                    <p:set>
+                                      <p:cBhvr>
+                                        <p:cTn id="6" dur="1" fill="hold">
+                                          <p:stCondLst>
+                                            <p:cond delay="0"/>
+                                          </p:stCondLst>
+                                        </p:cTn>
+                                        <p:tgtEl>
+                                          <p:spTgt spid="6"/>
+                                        </p:tgtEl>
+                                        <p:attrNameLst>
+                                          <p:attrName>style.visibility</p:attrName>
+                                        </p:attrNameLst>
+                                      </p:cBhvr>
+                                      <p:to>
+                                        <p:strVal val="visible"/>
+                                      </p:to>
+                                    </p:set>
+                                  </p:childTnLst>
+                                </p:cTn>
+                              </p:par>
+                            </p:childTnLst>
+                          </p:cTn>
+                        </p:par>
+                      </p:childTnLst>
+                    </p:cTn>
+                  </p:par>
+                  <p:par>
+                    <p:cTn id="7" fill="hold">
+                      <p:stCondLst>
+                        <p:cond delay="indefinite"/>
+                      </p:stCondLst>
+                      <p:childTnLst>
+                        <p:par>
+                          <p:cTn id="8" fill="hold">
+                            <p:stCondLst>
+                              <p:cond delay="0"/>
+                            </p:stCondLst>
+                            <p:childTnLst>
+                              <p:par>
+                                <p:cTn id="9" presetID="1" presetClass="entr" presetSubtype="0" fill="hold" nodeType="clickEffect">
+                                  <p:stCondLst>
+                                    <p:cond delay="0"/>
+                                  </p:stCondLst>
+                                  <p:childTnLst>
+                                    <p:set>
+                                      <p:cBhvr>
+                                        <p:cTn id="10" dur="1" fill="hold">
+                                          <p:stCondLst>
+                                            <p:cond delay="0"/>
+                                          </p:stCondLst>
+                                        </p:cTn>
+                                        <p:tgtEl>
+                                          <p:spTgt spid="7"/>
+                                        </p:tgtEl>
+                                        <p:attrNameLst>
+                                          <p:attrName>style.visibility</p:attrName>
+                                        </p:attrNameLst>
+                                      </p:cBhvr>
+                                      <p:to>
+                                        <p:strVal val="visible"/>
+                                      </p:to>
+                                    </p:set>
+                                  </p:childTnLst>
+                                </p:cTn>
+                              </p:par>
+                            </p:childTnLst>
+                          </p:cTn>
+                        </p:par>
+                      </p:childTnLst>
+                    </p:cTn>
+                  </p:par>
+                </p:childTnLst>
+              </p:cTn>
+              <p:prevCondLst>
+                <p:cond evt="onPrev" delay="0">
+                  <p:tgtEl>
+                    <p:sldTgt/>
+                  </p:tgtEl>
+                </p:cond>
+              </p:prevCondLst>
+              <p:nextCondLst>
+                <p:cond evt="onNext" delay="0">
+                  <p:tgtEl>
+                    <p:sldTgt/>
+                  </p:tgtEl>
+                </p:cond>
+              </p:nextCondLst>
+            </p:seq>
+          </p:childTnLst>
+        </p:cTn>
+      </p:par>
+    </p:tnLst>
+  </p:timing>
 </p:sld>
 </file>
 
@@ -3650,7 +3826,7 @@
           <a:p>
             <a:r>
               <a:rPr lang="en-US" dirty="0"/>
-              <a:t>Update Page Tables</a:t>
+              <a:t>Switching Address-Spaces</a:t>
             </a:r>
           </a:p>
         </p:txBody>
@@ -3677,37 +3853,62 @@
           <a:lstStyle/>
           <a:p>
             <a:r>
+              <a:rPr lang="en-US" dirty="0">
+                <a:latin typeface="LinLibertineTI"/>
+              </a:rPr>
+              <a:t>E</a:t>
+            </a:r>
+            <a:r>
               <a:rPr lang="en-US" sz="2800" dirty="0">
                 <a:effectLst/>
                 <a:latin typeface="LinLibertineTI"/>
               </a:rPr>
-              <a:t>explicitly-modal assertions</a:t>
-            </a:r>
-            <a:r>
-              <a:rPr lang="en-US" sz="2800" dirty="0">
+              <a:t>xplicitly-modal assertions</a:t>
+            </a:r>
+            <a:endParaRPr lang="en-US" sz="2800" dirty="0">
+              <a:effectLst/>
+              <a:latin typeface="LinLibertineT"/>
+            </a:endParaRPr>
+          </a:p>
+          <a:p>
+            <a:pPr lvl="1"/>
+            <a:r>
+              <a:rPr lang="en-US" dirty="0">
                 <a:effectLst/>
                 <a:latin typeface="LinLibertineT"/>
               </a:rPr>
-              <a:t>: a means to talk about facts being true in another address space </a:t>
+              <a:t> provides a means to talk about facts being true in another address space </a:t>
             </a:r>
             <a:endParaRPr lang="en-US" dirty="0">
               <a:effectLst/>
             </a:endParaRPr>
           </a:p>
           <a:p>
+            <a:r>
+              <a:rPr lang="en-US" dirty="0">
+                <a:latin typeface="LinLibertineTI"/>
+              </a:rPr>
+              <a:t>A</a:t>
+            </a:r>
             <a:r>
               <a:rPr lang="en-US" sz="2800" dirty="0">
                 <a:effectLst/>
                 <a:latin typeface="LinLibertineTI"/>
               </a:rPr>
-              <a:t>address-space switch as changing the "World" of truth</a:t>
-            </a:r>
-            <a:r>
-              <a:rPr lang="en-US" sz="2800" dirty="0">
+              <a:t>ddress-space switch as changing the "World" of truth</a:t>
+            </a:r>
+            <a:endParaRPr lang="en-US" dirty="0">
+              <a:latin typeface="LinLibertineT"/>
+            </a:endParaRPr>
+          </a:p>
+          <a:p>
+            <a:pPr lvl="1"/>
+            <a:r>
+              <a:rPr lang="en-US" dirty="0">
                 <a:effectLst/>
                 <a:latin typeface="LinLibertineT"/>
               </a:rPr>
-              <a:t>: Switching from one address-space to another logically becomes a simultaneous introduction-and-elimination of a pair of modal assertions (for different address spaces) </a:t>
+              <a:t> Switching from one address-space to another logically becomes a simultaneous introduction-and-elimination of a pair of modal assertions (for different address spaces) </a:t>
             </a:r>
             <a:endParaRPr lang="en-US" dirty="0">
               <a:effectLst/>
@@ -3718,36 +3919,6 @@
           </a:p>
         </p:txBody>
       </p:sp>
-      <p:pic>
-        <p:nvPicPr>
-          <p:cNvPr id="5" name="Picture 4">
-            <a:extLst>
-              <a:ext uri="{FF2B5EF4-FFF2-40B4-BE49-F238E27FC236}">
-                <a16:creationId xmlns:a16="http://schemas.microsoft.com/office/drawing/2014/main" id="{F68EA908-3095-3F03-3160-42116A84EC51}"/>
-              </a:ext>
-            </a:extLst>
-          </p:cNvPr>
-          <p:cNvPicPr>
-            <a:picLocks noChangeAspect="1"/>
-          </p:cNvPicPr>
-          <p:nvPr/>
-        </p:nvPicPr>
-        <p:blipFill>
-          <a:blip r:embed="rId2"/>
-          <a:stretch>
-            <a:fillRect/>
-          </a:stretch>
-        </p:blipFill>
-        <p:spPr>
-          <a:xfrm>
-            <a:off x="2628392" y="4633976"/>
-            <a:ext cx="6350000" cy="406400"/>
-          </a:xfrm>
-          <a:prstGeom prst="rect">
-            <a:avLst/>
-          </a:prstGeom>
-        </p:spPr>
-      </p:pic>
     </p:spTree>
     <p:extLst>
       <p:ext uri="{BB962C8B-B14F-4D97-AF65-F5344CB8AC3E}">
@@ -3783,7 +3954,7 @@
           <p:cNvPr id="2" name="Title 1">
             <a:extLst>
               <a:ext uri="{FF2B5EF4-FFF2-40B4-BE49-F238E27FC236}">
-                <a16:creationId xmlns:a16="http://schemas.microsoft.com/office/drawing/2014/main" id="{EEEFDE1D-ACDC-1555-56A1-0BA572DE3B99}"/>
+                <a16:creationId xmlns:a16="http://schemas.microsoft.com/office/drawing/2014/main" id="{8961E90B-B1AE-F888-6847-CC6DB7B952F0}"/>
               </a:ext>
             </a:extLst>
           </p:cNvPr>
@@ -3794,33 +3965,529 @@
             <p:ph type="title"/>
           </p:nvPr>
         </p:nvSpPr>
-        <p:spPr/>
+        <p:spPr>
+          <a:xfrm>
+            <a:off x="838200" y="121285"/>
+            <a:ext cx="10515600" cy="1325563"/>
+          </a:xfrm>
+        </p:spPr>
         <p:txBody>
           <a:bodyPr/>
           <a:lstStyle/>
           <a:p>
             <a:r>
               <a:rPr lang="en-US" dirty="0"/>
-              <a:t>Address-Space Switch</a:t>
-            </a:r>
-          </a:p>
-        </p:txBody>
-      </p:sp>
+              <a:t>Virtual Memory Managers </a:t>
+            </a:r>
+          </a:p>
+        </p:txBody>
+      </p:sp>
+      <p:sp>
+        <p:nvSpPr>
+          <p:cNvPr id="5" name="Alternate Process 4">
+            <a:extLst>
+              <a:ext uri="{FF2B5EF4-FFF2-40B4-BE49-F238E27FC236}">
+                <a16:creationId xmlns:a16="http://schemas.microsoft.com/office/drawing/2014/main" id="{72E47D76-5C6C-0F50-2998-044F6B8D3B4F}"/>
+              </a:ext>
+            </a:extLst>
+          </p:cNvPr>
+          <p:cNvSpPr/>
+          <p:nvPr/>
+        </p:nvSpPr>
+        <p:spPr>
+          <a:xfrm>
+            <a:off x="4927600" y="1263968"/>
+            <a:ext cx="863600" cy="686752"/>
+          </a:xfrm>
+          <a:prstGeom prst="flowChartAlternateProcess">
+            <a:avLst/>
+          </a:prstGeom>
+          <a:noFill/>
+        </p:spPr>
+        <p:style>
+          <a:lnRef idx="2">
+            <a:schemeClr val="accent1">
+              <a:shade val="50000"/>
+            </a:schemeClr>
+          </a:lnRef>
+          <a:fillRef idx="1">
+            <a:schemeClr val="accent1"/>
+          </a:fillRef>
+          <a:effectRef idx="0">
+            <a:schemeClr val="accent1"/>
+          </a:effectRef>
+          <a:fontRef idx="minor">
+            <a:schemeClr val="lt1"/>
+          </a:fontRef>
+        </p:style>
+        <p:txBody>
+          <a:bodyPr rtlCol="0" anchor="ctr"/>
+          <a:lstStyle/>
+          <a:p>
+            <a:pPr algn="ctr"/>
+            <a:endParaRPr lang="en-US"/>
+          </a:p>
+        </p:txBody>
+      </p:sp>
+      <p:sp>
+        <p:nvSpPr>
+          <p:cNvPr id="9" name="Alternate Process 8">
+            <a:extLst>
+              <a:ext uri="{FF2B5EF4-FFF2-40B4-BE49-F238E27FC236}">
+                <a16:creationId xmlns:a16="http://schemas.microsoft.com/office/drawing/2014/main" id="{9E6048BD-5700-D5B7-3513-CBB9BF90EA63}"/>
+              </a:ext>
+            </a:extLst>
+          </p:cNvPr>
+          <p:cNvSpPr/>
+          <p:nvPr/>
+        </p:nvSpPr>
+        <p:spPr>
+          <a:xfrm>
+            <a:off x="995681" y="2279108"/>
+            <a:ext cx="2316479" cy="633375"/>
+          </a:xfrm>
+          <a:prstGeom prst="flowChartAlternateProcess">
+            <a:avLst/>
+          </a:prstGeom>
+          <a:noFill/>
+        </p:spPr>
+        <p:style>
+          <a:lnRef idx="2">
+            <a:schemeClr val="accent1">
+              <a:shade val="50000"/>
+            </a:schemeClr>
+          </a:lnRef>
+          <a:fillRef idx="1">
+            <a:schemeClr val="accent1"/>
+          </a:fillRef>
+          <a:effectRef idx="0">
+            <a:schemeClr val="accent1"/>
+          </a:effectRef>
+          <a:fontRef idx="minor">
+            <a:schemeClr val="lt1"/>
+          </a:fontRef>
+        </p:style>
+        <p:txBody>
+          <a:bodyPr rtlCol="0" anchor="ctr"/>
+          <a:lstStyle/>
+          <a:p>
+            <a:pPr algn="ctr"/>
+            <a:endParaRPr lang="en-US"/>
+          </a:p>
+        </p:txBody>
+      </p:sp>
+      <p:sp>
+        <p:nvSpPr>
+          <p:cNvPr id="11" name="Alternate Process 10">
+            <a:extLst>
+              <a:ext uri="{FF2B5EF4-FFF2-40B4-BE49-F238E27FC236}">
+                <a16:creationId xmlns:a16="http://schemas.microsoft.com/office/drawing/2014/main" id="{FDAB197F-78F5-AFE2-AE7A-B9A66A07A673}"/>
+              </a:ext>
+            </a:extLst>
+          </p:cNvPr>
+          <p:cNvSpPr/>
+          <p:nvPr/>
+        </p:nvSpPr>
+        <p:spPr>
+          <a:xfrm>
+            <a:off x="8217236" y="2311594"/>
+            <a:ext cx="2316479" cy="633375"/>
+          </a:xfrm>
+          <a:prstGeom prst="flowChartAlternateProcess">
+            <a:avLst/>
+          </a:prstGeom>
+          <a:noFill/>
+        </p:spPr>
+        <p:style>
+          <a:lnRef idx="2">
+            <a:schemeClr val="accent1">
+              <a:shade val="50000"/>
+            </a:schemeClr>
+          </a:lnRef>
+          <a:fillRef idx="1">
+            <a:schemeClr val="accent1"/>
+          </a:fillRef>
+          <a:effectRef idx="0">
+            <a:schemeClr val="accent1"/>
+          </a:effectRef>
+          <a:fontRef idx="minor">
+            <a:schemeClr val="lt1"/>
+          </a:fontRef>
+        </p:style>
+        <p:txBody>
+          <a:bodyPr rtlCol="0" anchor="ctr"/>
+          <a:lstStyle/>
+          <a:p>
+            <a:pPr algn="ctr"/>
+            <a:endParaRPr lang="en-US"/>
+          </a:p>
+        </p:txBody>
+      </p:sp>
+      <p:sp>
+        <p:nvSpPr>
+          <p:cNvPr id="12" name="TextBox 11">
+            <a:extLst>
+              <a:ext uri="{FF2B5EF4-FFF2-40B4-BE49-F238E27FC236}">
+                <a16:creationId xmlns:a16="http://schemas.microsoft.com/office/drawing/2014/main" id="{21FE4842-B2E8-17BD-05E2-4AC28EC9E3FC}"/>
+              </a:ext>
+            </a:extLst>
+          </p:cNvPr>
+          <p:cNvSpPr txBox="1"/>
+          <p:nvPr/>
+        </p:nvSpPr>
+        <p:spPr>
+          <a:xfrm>
+            <a:off x="1302104" y="2420971"/>
+            <a:ext cx="2010056" cy="369332"/>
+          </a:xfrm>
+          <a:prstGeom prst="rect">
+            <a:avLst/>
+          </a:prstGeom>
+          <a:noFill/>
+        </p:spPr>
+        <p:txBody>
+          <a:bodyPr wrap="square" rtlCol="0">
+            <a:spAutoFit/>
+          </a:bodyPr>
+          <a:lstStyle/>
+          <a:p>
+            <a:r>
+              <a:rPr lang="en-US" dirty="0"/>
+              <a:t>L4 Base Addr</a:t>
+            </a:r>
+            <a:r>
+              <a:rPr lang="en-US" baseline="-25000" dirty="0"/>
+              <a:t>0 </a:t>
+            </a:r>
+            <a:r>
+              <a:rPr lang="en-US" dirty="0"/>
+              <a:t> (a</a:t>
+            </a:r>
+            <a:r>
+              <a:rPr lang="en-US" baseline="-25000" dirty="0"/>
+              <a:t>0</a:t>
+            </a:r>
+            <a:r>
+              <a:rPr lang="en-US" dirty="0"/>
+              <a:t>)</a:t>
+            </a:r>
+          </a:p>
+        </p:txBody>
+      </p:sp>
+      <p:sp>
+        <p:nvSpPr>
+          <p:cNvPr id="13" name="TextBox 12">
+            <a:extLst>
+              <a:ext uri="{FF2B5EF4-FFF2-40B4-BE49-F238E27FC236}">
+                <a16:creationId xmlns:a16="http://schemas.microsoft.com/office/drawing/2014/main" id="{913E3D27-5A39-66B8-C047-54B80A576099}"/>
+              </a:ext>
+            </a:extLst>
+          </p:cNvPr>
+          <p:cNvSpPr txBox="1"/>
+          <p:nvPr/>
+        </p:nvSpPr>
+        <p:spPr>
+          <a:xfrm>
+            <a:off x="8279083" y="2441008"/>
+            <a:ext cx="2111457" cy="369332"/>
+          </a:xfrm>
+          <a:prstGeom prst="rect">
+            <a:avLst/>
+          </a:prstGeom>
+          <a:noFill/>
+        </p:spPr>
+        <p:txBody>
+          <a:bodyPr wrap="square" rtlCol="0">
+            <a:spAutoFit/>
+          </a:bodyPr>
+          <a:lstStyle/>
+          <a:p>
+            <a:r>
+              <a:rPr lang="en-US" dirty="0"/>
+              <a:t>L4 Base Addr</a:t>
+            </a:r>
+            <a:r>
+              <a:rPr lang="en-US" baseline="-25000" dirty="0"/>
+              <a:t>1 </a:t>
+            </a:r>
+            <a:r>
+              <a:rPr lang="en-US" dirty="0"/>
+              <a:t>(a</a:t>
+            </a:r>
+            <a:r>
+              <a:rPr lang="en-US" baseline="-25000" dirty="0"/>
+              <a:t>1</a:t>
+            </a:r>
+            <a:r>
+              <a:rPr lang="en-US" dirty="0"/>
+              <a:t>)</a:t>
+            </a:r>
+          </a:p>
+        </p:txBody>
+      </p:sp>
+      <p:cxnSp>
+        <p:nvCxnSpPr>
+          <p:cNvPr id="15" name="Straight Arrow Connector 14">
+            <a:extLst>
+              <a:ext uri="{FF2B5EF4-FFF2-40B4-BE49-F238E27FC236}">
+                <a16:creationId xmlns:a16="http://schemas.microsoft.com/office/drawing/2014/main" id="{85D0F86A-15FE-7799-8095-F4A0D0249527}"/>
+              </a:ext>
+            </a:extLst>
+          </p:cNvPr>
+          <p:cNvCxnSpPr>
+            <a:cxnSpLocks/>
+            <a:stCxn id="5" idx="1"/>
+            <a:endCxn id="9" idx="0"/>
+          </p:cNvCxnSpPr>
+          <p:nvPr/>
+        </p:nvCxnSpPr>
+        <p:spPr>
+          <a:xfrm flipH="1">
+            <a:off x="2153921" y="1607344"/>
+            <a:ext cx="2773679" cy="671764"/>
+          </a:xfrm>
+          <a:prstGeom prst="straightConnector1">
+            <a:avLst/>
+          </a:prstGeom>
+          <a:ln>
+            <a:tailEnd type="triangle"/>
+          </a:ln>
+        </p:spPr>
+        <p:style>
+          <a:lnRef idx="1">
+            <a:schemeClr val="accent1"/>
+          </a:lnRef>
+          <a:fillRef idx="0">
+            <a:schemeClr val="accent1"/>
+          </a:fillRef>
+          <a:effectRef idx="0">
+            <a:schemeClr val="accent1"/>
+          </a:effectRef>
+          <a:fontRef idx="minor">
+            <a:schemeClr val="tx1"/>
+          </a:fontRef>
+        </p:style>
+      </p:cxnSp>
+      <p:sp>
+        <p:nvSpPr>
+          <p:cNvPr id="16" name="Trapezoid 15">
+            <a:extLst>
+              <a:ext uri="{FF2B5EF4-FFF2-40B4-BE49-F238E27FC236}">
+                <a16:creationId xmlns:a16="http://schemas.microsoft.com/office/drawing/2014/main" id="{4CD124B2-2DE1-0F30-26E2-36B1953A98C2}"/>
+              </a:ext>
+            </a:extLst>
+          </p:cNvPr>
+          <p:cNvSpPr/>
+          <p:nvPr/>
+        </p:nvSpPr>
+        <p:spPr>
+          <a:xfrm>
+            <a:off x="329184" y="2909817"/>
+            <a:ext cx="3694421" cy="2704599"/>
+          </a:xfrm>
+          <a:prstGeom prst="trapezoid">
+            <a:avLst/>
+          </a:prstGeom>
+          <a:noFill/>
+        </p:spPr>
+        <p:style>
+          <a:lnRef idx="2">
+            <a:schemeClr val="accent1">
+              <a:shade val="50000"/>
+            </a:schemeClr>
+          </a:lnRef>
+          <a:fillRef idx="1">
+            <a:schemeClr val="accent1"/>
+          </a:fillRef>
+          <a:effectRef idx="0">
+            <a:schemeClr val="accent1"/>
+          </a:effectRef>
+          <a:fontRef idx="minor">
+            <a:schemeClr val="lt1"/>
+          </a:fontRef>
+        </p:style>
+        <p:txBody>
+          <a:bodyPr rtlCol="0" anchor="ctr"/>
+          <a:lstStyle/>
+          <a:p>
+            <a:pPr algn="ctr"/>
+            <a:endParaRPr lang="en-US"/>
+          </a:p>
+        </p:txBody>
+      </p:sp>
+      <p:sp>
+        <p:nvSpPr>
+          <p:cNvPr id="18" name="TextBox 17">
+            <a:extLst>
+              <a:ext uri="{FF2B5EF4-FFF2-40B4-BE49-F238E27FC236}">
+                <a16:creationId xmlns:a16="http://schemas.microsoft.com/office/drawing/2014/main" id="{0E1E9FDC-E881-090B-1E90-0C41BA0023EC}"/>
+              </a:ext>
+            </a:extLst>
+          </p:cNvPr>
+          <p:cNvSpPr txBox="1"/>
+          <p:nvPr/>
+        </p:nvSpPr>
+        <p:spPr>
+          <a:xfrm>
+            <a:off x="5101934" y="1378011"/>
+            <a:ext cx="616531" cy="369332"/>
+          </a:xfrm>
+          <a:prstGeom prst="rect">
+            <a:avLst/>
+          </a:prstGeom>
+          <a:noFill/>
+        </p:spPr>
+        <p:txBody>
+          <a:bodyPr wrap="square" rtlCol="0">
+            <a:spAutoFit/>
+          </a:bodyPr>
+          <a:lstStyle/>
+          <a:p>
+            <a:r>
+              <a:rPr lang="en-US" dirty="0"/>
+              <a:t>cr3</a:t>
+            </a:r>
+          </a:p>
+        </p:txBody>
+      </p:sp>
+      <p:sp>
+        <p:nvSpPr>
+          <p:cNvPr id="72" name="Trapezoid 71">
+            <a:extLst>
+              <a:ext uri="{FF2B5EF4-FFF2-40B4-BE49-F238E27FC236}">
+                <a16:creationId xmlns:a16="http://schemas.microsoft.com/office/drawing/2014/main" id="{0849E798-D3A8-FDA9-DB88-52DB98EC1299}"/>
+              </a:ext>
+            </a:extLst>
+          </p:cNvPr>
+          <p:cNvSpPr/>
+          <p:nvPr/>
+        </p:nvSpPr>
+        <p:spPr>
+          <a:xfrm>
+            <a:off x="7526258" y="2950457"/>
+            <a:ext cx="3694421" cy="2663959"/>
+          </a:xfrm>
+          <a:prstGeom prst="trapezoid">
+            <a:avLst/>
+          </a:prstGeom>
+          <a:noFill/>
+        </p:spPr>
+        <p:style>
+          <a:lnRef idx="2">
+            <a:schemeClr val="accent1">
+              <a:shade val="50000"/>
+            </a:schemeClr>
+          </a:lnRef>
+          <a:fillRef idx="1">
+            <a:schemeClr val="accent1"/>
+          </a:fillRef>
+          <a:effectRef idx="0">
+            <a:schemeClr val="accent1"/>
+          </a:effectRef>
+          <a:fontRef idx="minor">
+            <a:schemeClr val="lt1"/>
+          </a:fontRef>
+        </p:style>
+        <p:txBody>
+          <a:bodyPr rtlCol="0" anchor="ctr"/>
+          <a:lstStyle/>
+          <a:p>
+            <a:pPr algn="ctr"/>
+            <a:endParaRPr lang="en-US"/>
+          </a:p>
+        </p:txBody>
+      </p:sp>
+      <p:sp>
+        <p:nvSpPr>
+          <p:cNvPr id="101" name="TextBox 100">
+            <a:extLst>
+              <a:ext uri="{FF2B5EF4-FFF2-40B4-BE49-F238E27FC236}">
+                <a16:creationId xmlns:a16="http://schemas.microsoft.com/office/drawing/2014/main" id="{39437AD6-5C51-B436-9FC9-B40088D0C11E}"/>
+              </a:ext>
+            </a:extLst>
+          </p:cNvPr>
+          <p:cNvSpPr txBox="1"/>
+          <p:nvPr/>
+        </p:nvSpPr>
+        <p:spPr>
+          <a:xfrm>
+            <a:off x="4680712" y="2056885"/>
+            <a:ext cx="2128725" cy="523220"/>
+          </a:xfrm>
+          <a:prstGeom prst="rect">
+            <a:avLst/>
+          </a:prstGeom>
+          <a:noFill/>
+        </p:spPr>
+        <p:txBody>
+          <a:bodyPr wrap="square" rtlCol="0">
+            <a:spAutoFit/>
+          </a:bodyPr>
+          <a:lstStyle/>
+          <a:p>
+            <a:r>
+              <a:rPr lang="en-US" sz="2800" dirty="0"/>
+              <a:t>mov cr3 a1 </a:t>
+            </a:r>
+          </a:p>
+        </p:txBody>
+      </p:sp>
+      <p:cxnSp>
+        <p:nvCxnSpPr>
+          <p:cNvPr id="102" name="Straight Arrow Connector 101">
+            <a:extLst>
+              <a:ext uri="{FF2B5EF4-FFF2-40B4-BE49-F238E27FC236}">
+                <a16:creationId xmlns:a16="http://schemas.microsoft.com/office/drawing/2014/main" id="{5F395F44-E86B-FF34-5DA0-641D053868C9}"/>
+              </a:ext>
+            </a:extLst>
+          </p:cNvPr>
+          <p:cNvCxnSpPr>
+            <a:cxnSpLocks/>
+            <a:stCxn id="5" idx="3"/>
+            <a:endCxn id="11" idx="0"/>
+          </p:cNvCxnSpPr>
+          <p:nvPr/>
+        </p:nvCxnSpPr>
+        <p:spPr>
+          <a:xfrm>
+            <a:off x="5791200" y="1607344"/>
+            <a:ext cx="3584276" cy="704250"/>
+          </a:xfrm>
+          <a:prstGeom prst="straightConnector1">
+            <a:avLst/>
+          </a:prstGeom>
+          <a:ln>
+            <a:tailEnd type="triangle"/>
+          </a:ln>
+        </p:spPr>
+        <p:style>
+          <a:lnRef idx="1">
+            <a:schemeClr val="accent1"/>
+          </a:lnRef>
+          <a:fillRef idx="0">
+            <a:schemeClr val="accent1"/>
+          </a:fillRef>
+          <a:effectRef idx="0">
+            <a:schemeClr val="accent1"/>
+          </a:effectRef>
+          <a:fontRef idx="minor">
+            <a:schemeClr val="tx1"/>
+          </a:fontRef>
+        </p:style>
+      </p:cxnSp>
       <p:pic>
         <p:nvPicPr>
-          <p:cNvPr id="5" name="Content Placeholder 4" descr="Text&#10;&#10;Description automatically generated with medium confidence">
-            <a:extLst>
-              <a:ext uri="{FF2B5EF4-FFF2-40B4-BE49-F238E27FC236}">
-                <a16:creationId xmlns:a16="http://schemas.microsoft.com/office/drawing/2014/main" id="{18A50A17-1C34-ABD1-82AF-7CA5ED09DE12}"/>
+          <p:cNvPr id="4" name="Picture 3">
+            <a:extLst>
+              <a:ext uri="{FF2B5EF4-FFF2-40B4-BE49-F238E27FC236}">
+                <a16:creationId xmlns:a16="http://schemas.microsoft.com/office/drawing/2014/main" id="{DA1871DF-0446-4AA8-B68D-476EB2DFCA2C}"/>
               </a:ext>
             </a:extLst>
           </p:cNvPr>
           <p:cNvPicPr>
-            <a:picLocks noGrp="1" noChangeAspect="1"/>
+            <a:picLocks noChangeAspect="1"/>
           </p:cNvPicPr>
-          <p:nvPr>
-            <p:ph idx="1"/>
-          </p:nvPr>
+          <p:nvPr/>
         </p:nvPicPr>
         <p:blipFill>
           <a:blip r:embed="rId2"/>
@@ -3830,15 +4497,562 @@
         </p:blipFill>
         <p:spPr>
           <a:xfrm>
-            <a:off x="1373682" y="4507040"/>
-            <a:ext cx="9444636" cy="1325563"/>
-          </a:xfrm>
+            <a:off x="1586992" y="3112770"/>
+            <a:ext cx="1117600" cy="266700"/>
+          </a:xfrm>
+          <a:prstGeom prst="rect">
+            <a:avLst/>
+          </a:prstGeom>
+        </p:spPr>
+      </p:pic>
+      <p:pic>
+        <p:nvPicPr>
+          <p:cNvPr id="7" name="Picture 6">
+            <a:extLst>
+              <a:ext uri="{FF2B5EF4-FFF2-40B4-BE49-F238E27FC236}">
+                <a16:creationId xmlns:a16="http://schemas.microsoft.com/office/drawing/2014/main" id="{1ECCB8F7-7611-6CB3-3AF4-78F2579BF9E4}"/>
+              </a:ext>
+            </a:extLst>
+          </p:cNvPr>
+          <p:cNvPicPr>
+            <a:picLocks noChangeAspect="1"/>
+          </p:cNvPicPr>
+          <p:nvPr/>
+        </p:nvPicPr>
+        <p:blipFill>
+          <a:blip r:embed="rId3"/>
+          <a:stretch>
+            <a:fillRect/>
+          </a:stretch>
+        </p:blipFill>
+        <p:spPr>
+          <a:xfrm>
+            <a:off x="1561592" y="3417316"/>
+            <a:ext cx="1168400" cy="279400"/>
+          </a:xfrm>
+          <a:prstGeom prst="rect">
+            <a:avLst/>
+          </a:prstGeom>
+        </p:spPr>
+      </p:pic>
+      <p:pic>
+        <p:nvPicPr>
+          <p:cNvPr id="10" name="Picture 9">
+            <a:extLst>
+              <a:ext uri="{FF2B5EF4-FFF2-40B4-BE49-F238E27FC236}">
+                <a16:creationId xmlns:a16="http://schemas.microsoft.com/office/drawing/2014/main" id="{6859158A-BF5B-DD1D-67F3-5597542E2785}"/>
+              </a:ext>
+            </a:extLst>
+          </p:cNvPr>
+          <p:cNvPicPr>
+            <a:picLocks noChangeAspect="1"/>
+          </p:cNvPicPr>
+          <p:nvPr/>
+        </p:nvPicPr>
+        <p:blipFill>
+          <a:blip r:embed="rId4"/>
+          <a:stretch>
+            <a:fillRect/>
+          </a:stretch>
+        </p:blipFill>
+        <p:spPr>
+          <a:xfrm>
+            <a:off x="1591818" y="3898392"/>
+            <a:ext cx="1181100" cy="304800"/>
+          </a:xfrm>
+          <a:prstGeom prst="rect">
+            <a:avLst/>
+          </a:prstGeom>
+        </p:spPr>
+      </p:pic>
+      <p:sp>
+        <p:nvSpPr>
+          <p:cNvPr id="14" name="TextBox 13">
+            <a:extLst>
+              <a:ext uri="{FF2B5EF4-FFF2-40B4-BE49-F238E27FC236}">
+                <a16:creationId xmlns:a16="http://schemas.microsoft.com/office/drawing/2014/main" id="{9F5A6654-2615-43D9-BFFA-9DDF40889679}"/>
+              </a:ext>
+            </a:extLst>
+          </p:cNvPr>
+          <p:cNvSpPr txBox="1"/>
+          <p:nvPr/>
+        </p:nvSpPr>
+        <p:spPr>
+          <a:xfrm rot="16200000">
+            <a:off x="1735807" y="4377767"/>
+            <a:ext cx="677499" cy="369332"/>
+          </a:xfrm>
+          <a:prstGeom prst="rect">
+            <a:avLst/>
+          </a:prstGeom>
+          <a:noFill/>
+        </p:spPr>
+        <p:txBody>
+          <a:bodyPr wrap="square" rtlCol="0">
+            <a:spAutoFit/>
+          </a:bodyPr>
+          <a:lstStyle/>
+          <a:p>
+            <a:r>
+              <a:rPr lang="en-US" dirty="0"/>
+              <a:t>…..</a:t>
+            </a:r>
+          </a:p>
+        </p:txBody>
+      </p:sp>
+      <p:pic>
+        <p:nvPicPr>
+          <p:cNvPr id="25" name="Picture 24" descr="Arrow&#10;&#10;Description automatically generated with medium confidence">
+            <a:extLst>
+              <a:ext uri="{FF2B5EF4-FFF2-40B4-BE49-F238E27FC236}">
+                <a16:creationId xmlns:a16="http://schemas.microsoft.com/office/drawing/2014/main" id="{BDBB12C9-D3CB-F9B5-1AC0-48F6B3AA8F02}"/>
+              </a:ext>
+            </a:extLst>
+          </p:cNvPr>
+          <p:cNvPicPr>
+            <a:picLocks noChangeAspect="1"/>
+          </p:cNvPicPr>
+          <p:nvPr/>
+        </p:nvPicPr>
+        <p:blipFill>
+          <a:blip r:embed="rId5"/>
+          <a:stretch>
+            <a:fillRect/>
+          </a:stretch>
+        </p:blipFill>
+        <p:spPr>
+          <a:xfrm>
+            <a:off x="1586992" y="5001260"/>
+            <a:ext cx="1117600" cy="330200"/>
+          </a:xfrm>
+          <a:prstGeom prst="rect">
+            <a:avLst/>
+          </a:prstGeom>
+        </p:spPr>
+      </p:pic>
+      <p:pic>
+        <p:nvPicPr>
+          <p:cNvPr id="27" name="Picture 26">
+            <a:extLst>
+              <a:ext uri="{FF2B5EF4-FFF2-40B4-BE49-F238E27FC236}">
+                <a16:creationId xmlns:a16="http://schemas.microsoft.com/office/drawing/2014/main" id="{364E0B03-B855-8BB2-210B-68EE87968945}"/>
+              </a:ext>
+            </a:extLst>
+          </p:cNvPr>
+          <p:cNvPicPr>
+            <a:picLocks noChangeAspect="1"/>
+          </p:cNvPicPr>
+          <p:nvPr/>
+        </p:nvPicPr>
+        <p:blipFill>
+          <a:blip r:embed="rId2"/>
+          <a:stretch>
+            <a:fillRect/>
+          </a:stretch>
+        </p:blipFill>
+        <p:spPr>
+          <a:xfrm>
+            <a:off x="8725408" y="3173730"/>
+            <a:ext cx="1117600" cy="266700"/>
+          </a:xfrm>
+          <a:prstGeom prst="rect">
+            <a:avLst/>
+          </a:prstGeom>
+        </p:spPr>
+      </p:pic>
+      <p:pic>
+        <p:nvPicPr>
+          <p:cNvPr id="31" name="Picture 30">
+            <a:extLst>
+              <a:ext uri="{FF2B5EF4-FFF2-40B4-BE49-F238E27FC236}">
+                <a16:creationId xmlns:a16="http://schemas.microsoft.com/office/drawing/2014/main" id="{0A732BF2-132E-C6B8-085E-DE2C7199959B}"/>
+              </a:ext>
+            </a:extLst>
+          </p:cNvPr>
+          <p:cNvPicPr>
+            <a:picLocks noChangeAspect="1"/>
+          </p:cNvPicPr>
+          <p:nvPr/>
+        </p:nvPicPr>
+        <p:blipFill>
+          <a:blip r:embed="rId3"/>
+          <a:stretch>
+            <a:fillRect/>
+          </a:stretch>
+        </p:blipFill>
+        <p:spPr>
+          <a:xfrm>
+            <a:off x="8700008" y="3478276"/>
+            <a:ext cx="1168400" cy="279400"/>
+          </a:xfrm>
+          <a:prstGeom prst="rect">
+            <a:avLst/>
+          </a:prstGeom>
+        </p:spPr>
+      </p:pic>
+      <p:pic>
+        <p:nvPicPr>
+          <p:cNvPr id="32" name="Picture 31">
+            <a:extLst>
+              <a:ext uri="{FF2B5EF4-FFF2-40B4-BE49-F238E27FC236}">
+                <a16:creationId xmlns:a16="http://schemas.microsoft.com/office/drawing/2014/main" id="{B989736F-8F41-3B11-AAD1-1EC413ACBAD5}"/>
+              </a:ext>
+            </a:extLst>
+          </p:cNvPr>
+          <p:cNvPicPr>
+            <a:picLocks noChangeAspect="1"/>
+          </p:cNvPicPr>
+          <p:nvPr/>
+        </p:nvPicPr>
+        <p:blipFill>
+          <a:blip r:embed="rId4"/>
+          <a:stretch>
+            <a:fillRect/>
+          </a:stretch>
+        </p:blipFill>
+        <p:spPr>
+          <a:xfrm>
+            <a:off x="8730234" y="3959352"/>
+            <a:ext cx="1181100" cy="304800"/>
+          </a:xfrm>
+          <a:prstGeom prst="rect">
+            <a:avLst/>
+          </a:prstGeom>
+        </p:spPr>
+      </p:pic>
+      <p:pic>
+        <p:nvPicPr>
+          <p:cNvPr id="33" name="Picture 32" descr="Arrow&#10;&#10;Description automatically generated with medium confidence">
+            <a:extLst>
+              <a:ext uri="{FF2B5EF4-FFF2-40B4-BE49-F238E27FC236}">
+                <a16:creationId xmlns:a16="http://schemas.microsoft.com/office/drawing/2014/main" id="{00DFCE0C-1E70-3106-3E4E-D400AFCD7880}"/>
+              </a:ext>
+            </a:extLst>
+          </p:cNvPr>
+          <p:cNvPicPr>
+            <a:picLocks noChangeAspect="1"/>
+          </p:cNvPicPr>
+          <p:nvPr/>
+        </p:nvPicPr>
+        <p:blipFill>
+          <a:blip r:embed="rId5"/>
+          <a:stretch>
+            <a:fillRect/>
+          </a:stretch>
+        </p:blipFill>
+        <p:spPr>
+          <a:xfrm>
+            <a:off x="8725408" y="5062220"/>
+            <a:ext cx="1117600" cy="330200"/>
+          </a:xfrm>
+          <a:prstGeom prst="rect">
+            <a:avLst/>
+          </a:prstGeom>
+        </p:spPr>
+      </p:pic>
+      <p:sp>
+        <p:nvSpPr>
+          <p:cNvPr id="36" name="TextBox 35">
+            <a:extLst>
+              <a:ext uri="{FF2B5EF4-FFF2-40B4-BE49-F238E27FC236}">
+                <a16:creationId xmlns:a16="http://schemas.microsoft.com/office/drawing/2014/main" id="{722FF3E0-0C37-25FC-CD0E-30A0A4F0F70A}"/>
+              </a:ext>
+            </a:extLst>
+          </p:cNvPr>
+          <p:cNvSpPr txBox="1"/>
+          <p:nvPr/>
+        </p:nvSpPr>
+        <p:spPr>
+          <a:xfrm>
+            <a:off x="3266694" y="1672844"/>
+            <a:ext cx="264816" cy="369332"/>
+          </a:xfrm>
+          <a:prstGeom prst="rect">
+            <a:avLst/>
+          </a:prstGeom>
+          <a:noFill/>
+        </p:spPr>
+        <p:txBody>
+          <a:bodyPr wrap="none" rtlCol="0">
+            <a:spAutoFit/>
+          </a:bodyPr>
+          <a:lstStyle/>
+          <a:p>
+            <a:r>
+              <a:rPr lang="en-US" dirty="0"/>
+              <a:t>r</a:t>
+            </a:r>
+          </a:p>
+        </p:txBody>
+      </p:sp>
+      <p:sp>
+        <p:nvSpPr>
+          <p:cNvPr id="40" name="TextBox 39">
+            <a:extLst>
+              <a:ext uri="{FF2B5EF4-FFF2-40B4-BE49-F238E27FC236}">
+                <a16:creationId xmlns:a16="http://schemas.microsoft.com/office/drawing/2014/main" id="{2B5AADF1-083F-63AB-8399-3B8079906214}"/>
+              </a:ext>
+            </a:extLst>
+          </p:cNvPr>
+          <p:cNvSpPr txBox="1"/>
+          <p:nvPr/>
+        </p:nvSpPr>
+        <p:spPr>
+          <a:xfrm>
+            <a:off x="7003542" y="1587500"/>
+            <a:ext cx="264816" cy="369332"/>
+          </a:xfrm>
+          <a:prstGeom prst="rect">
+            <a:avLst/>
+          </a:prstGeom>
+          <a:noFill/>
+        </p:spPr>
+        <p:txBody>
+          <a:bodyPr wrap="none" rtlCol="0">
+            <a:spAutoFit/>
+          </a:bodyPr>
+          <a:lstStyle/>
+          <a:p>
+            <a:r>
+              <a:rPr lang="en-US" dirty="0"/>
+              <a:t>r</a:t>
+            </a:r>
+          </a:p>
+        </p:txBody>
+      </p:sp>
+      <p:sp>
+        <p:nvSpPr>
+          <p:cNvPr id="59" name="TextBox 58">
+            <a:extLst>
+              <a:ext uri="{FF2B5EF4-FFF2-40B4-BE49-F238E27FC236}">
+                <a16:creationId xmlns:a16="http://schemas.microsoft.com/office/drawing/2014/main" id="{4B1AE4BD-FD27-22B7-B8E2-3A20A590C846}"/>
+              </a:ext>
+            </a:extLst>
+          </p:cNvPr>
+          <p:cNvSpPr txBox="1"/>
+          <p:nvPr/>
+        </p:nvSpPr>
+        <p:spPr>
+          <a:xfrm rot="5400000">
+            <a:off x="9137904" y="4520180"/>
+            <a:ext cx="458780" cy="369332"/>
+          </a:xfrm>
+          <a:prstGeom prst="rect">
+            <a:avLst/>
+          </a:prstGeom>
+          <a:noFill/>
+        </p:spPr>
+        <p:txBody>
+          <a:bodyPr wrap="none" rtlCol="0">
+            <a:spAutoFit/>
+          </a:bodyPr>
+          <a:lstStyle/>
+          <a:p>
+            <a:r>
+              <a:rPr lang="en-US" dirty="0"/>
+              <a:t>…..</a:t>
+            </a:r>
+          </a:p>
+        </p:txBody>
+      </p:sp>
+      <p:sp>
+        <p:nvSpPr>
+          <p:cNvPr id="8" name="Right Brace 7">
+            <a:extLst>
+              <a:ext uri="{FF2B5EF4-FFF2-40B4-BE49-F238E27FC236}">
+                <a16:creationId xmlns:a16="http://schemas.microsoft.com/office/drawing/2014/main" id="{5A235588-490C-AA1D-BB19-ED45A1694E2D}"/>
+              </a:ext>
+            </a:extLst>
+          </p:cNvPr>
+          <p:cNvSpPr/>
+          <p:nvPr/>
+        </p:nvSpPr>
+        <p:spPr>
+          <a:xfrm>
+            <a:off x="2775093" y="3221663"/>
+            <a:ext cx="607557" cy="2096327"/>
+          </a:xfrm>
+          <a:prstGeom prst="rightBrace">
+            <a:avLst>
+              <a:gd name="adj1" fmla="val 39834"/>
+              <a:gd name="adj2" fmla="val 50000"/>
+            </a:avLst>
+          </a:prstGeom>
+        </p:spPr>
+        <p:style>
+          <a:lnRef idx="1">
+            <a:schemeClr val="accent1"/>
+          </a:lnRef>
+          <a:fillRef idx="0">
+            <a:schemeClr val="accent1"/>
+          </a:fillRef>
+          <a:effectRef idx="0">
+            <a:schemeClr val="accent1"/>
+          </a:effectRef>
+          <a:fontRef idx="minor">
+            <a:schemeClr val="tx1"/>
+          </a:fontRef>
+        </p:style>
+        <p:txBody>
+          <a:bodyPr rtlCol="0" anchor="ctr"/>
+          <a:lstStyle/>
+          <a:p>
+            <a:pPr algn="ctr"/>
+            <a:endParaRPr lang="en-US"/>
+          </a:p>
+        </p:txBody>
+      </p:sp>
+      <p:sp>
+        <p:nvSpPr>
+          <p:cNvPr id="17" name="TextBox 16">
+            <a:extLst>
+              <a:ext uri="{FF2B5EF4-FFF2-40B4-BE49-F238E27FC236}">
+                <a16:creationId xmlns:a16="http://schemas.microsoft.com/office/drawing/2014/main" id="{DD26B603-1293-E1EB-34C2-4F23F79E3C1D}"/>
+              </a:ext>
+            </a:extLst>
+          </p:cNvPr>
+          <p:cNvSpPr txBox="1"/>
+          <p:nvPr/>
+        </p:nvSpPr>
+        <p:spPr>
+          <a:xfrm>
+            <a:off x="3425181" y="4125927"/>
+            <a:ext cx="309700" cy="369332"/>
+          </a:xfrm>
+          <a:prstGeom prst="rect">
+            <a:avLst/>
+          </a:prstGeom>
+          <a:noFill/>
+        </p:spPr>
+        <p:txBody>
+          <a:bodyPr wrap="none" rtlCol="0">
+            <a:spAutoFit/>
+          </a:bodyPr>
+          <a:lstStyle/>
+          <a:p>
+            <a:r>
+              <a:rPr lang="en-US" dirty="0"/>
+              <a:t>R</a:t>
+            </a:r>
+          </a:p>
+        </p:txBody>
+      </p:sp>
+      <p:sp>
+        <p:nvSpPr>
+          <p:cNvPr id="20" name="Right Brace 19">
+            <a:extLst>
+              <a:ext uri="{FF2B5EF4-FFF2-40B4-BE49-F238E27FC236}">
+                <a16:creationId xmlns:a16="http://schemas.microsoft.com/office/drawing/2014/main" id="{91FCB9A9-5611-7693-98C8-428E6310B772}"/>
+              </a:ext>
+            </a:extLst>
+          </p:cNvPr>
+          <p:cNvSpPr/>
+          <p:nvPr/>
+        </p:nvSpPr>
+        <p:spPr>
+          <a:xfrm>
+            <a:off x="9902477" y="3267735"/>
+            <a:ext cx="607557" cy="2096327"/>
+          </a:xfrm>
+          <a:prstGeom prst="rightBrace">
+            <a:avLst>
+              <a:gd name="adj1" fmla="val 39834"/>
+              <a:gd name="adj2" fmla="val 50000"/>
+            </a:avLst>
+          </a:prstGeom>
+        </p:spPr>
+        <p:style>
+          <a:lnRef idx="1">
+            <a:schemeClr val="accent1"/>
+          </a:lnRef>
+          <a:fillRef idx="0">
+            <a:schemeClr val="accent1"/>
+          </a:fillRef>
+          <a:effectRef idx="0">
+            <a:schemeClr val="accent1"/>
+          </a:effectRef>
+          <a:fontRef idx="minor">
+            <a:schemeClr val="tx1"/>
+          </a:fontRef>
+        </p:style>
+        <p:txBody>
+          <a:bodyPr rtlCol="0" anchor="ctr"/>
+          <a:lstStyle/>
+          <a:p>
+            <a:pPr algn="ctr"/>
+            <a:endParaRPr lang="en-US"/>
+          </a:p>
+        </p:txBody>
+      </p:sp>
+      <p:sp>
+        <p:nvSpPr>
+          <p:cNvPr id="21" name="TextBox 20">
+            <a:extLst>
+              <a:ext uri="{FF2B5EF4-FFF2-40B4-BE49-F238E27FC236}">
+                <a16:creationId xmlns:a16="http://schemas.microsoft.com/office/drawing/2014/main" id="{C590C930-3BF4-F5E5-CD09-3BBE198CEE62}"/>
+              </a:ext>
+            </a:extLst>
+          </p:cNvPr>
+          <p:cNvSpPr txBox="1"/>
+          <p:nvPr/>
+        </p:nvSpPr>
+        <p:spPr>
+          <a:xfrm>
+            <a:off x="10555656" y="4097770"/>
+            <a:ext cx="303288" cy="369332"/>
+          </a:xfrm>
+          <a:prstGeom prst="rect">
+            <a:avLst/>
+          </a:prstGeom>
+          <a:noFill/>
+        </p:spPr>
+        <p:txBody>
+          <a:bodyPr wrap="none" rtlCol="0">
+            <a:spAutoFit/>
+          </a:bodyPr>
+          <a:lstStyle/>
+          <a:p>
+            <a:r>
+              <a:rPr lang="en-US" dirty="0"/>
+              <a:t>P</a:t>
+            </a:r>
+          </a:p>
+        </p:txBody>
+      </p:sp>
+      <p:pic>
+        <p:nvPicPr>
+          <p:cNvPr id="28" name="Picture 27" descr="A picture containing text, font, white, line&#10;&#10;Description automatically generated">
+            <a:extLst>
+              <a:ext uri="{FF2B5EF4-FFF2-40B4-BE49-F238E27FC236}">
+                <a16:creationId xmlns:a16="http://schemas.microsoft.com/office/drawing/2014/main" id="{D6D2D35C-4207-318F-A44C-41EE126AC642}"/>
+              </a:ext>
+            </a:extLst>
+          </p:cNvPr>
+          <p:cNvPicPr>
+            <a:picLocks noChangeAspect="1"/>
+          </p:cNvPicPr>
+          <p:nvPr/>
+        </p:nvPicPr>
+        <p:blipFill>
+          <a:blip r:embed="rId6"/>
+          <a:stretch>
+            <a:fillRect/>
+          </a:stretch>
+        </p:blipFill>
+        <p:spPr>
+          <a:xfrm>
+            <a:off x="3315208" y="5685035"/>
+            <a:ext cx="5410200" cy="914400"/>
+          </a:xfrm>
+          <a:prstGeom prst="rect">
+            <a:avLst/>
+          </a:prstGeom>
         </p:spPr>
       </p:pic>
     </p:spTree>
     <p:extLst>
       <p:ext uri="{BB962C8B-B14F-4D97-AF65-F5344CB8AC3E}">
-        <p14:creationId xmlns:p14="http://schemas.microsoft.com/office/powerpoint/2010/main" val="1045901877"/>
+        <p14:creationId xmlns:p14="http://schemas.microsoft.com/office/powerpoint/2010/main" val="1780929882"/>
       </p:ext>
     </p:extLst>
   </p:cSld>
@@ -3926,169 +5140,6 @@
     <p:extLst>
       <p:ext uri="{BB962C8B-B14F-4D97-AF65-F5344CB8AC3E}">
         <p14:creationId xmlns:p14="http://schemas.microsoft.com/office/powerpoint/2010/main" val="4068022583"/>
-      </p:ext>
-    </p:extLst>
-  </p:cSld>
-  <p:clrMapOvr>
-    <a:masterClrMapping/>
-  </p:clrMapOvr>
-</p:sld>
-</file>
-
-<file path=ppt/slides/slide14.xml><?xml version="1.0" encoding="utf-8"?>
-<p:sld xmlns:a="http://schemas.openxmlformats.org/drawingml/2006/main" xmlns:r="http://schemas.openxmlformats.org/officeDocument/2006/relationships" xmlns:p="http://schemas.openxmlformats.org/presentationml/2006/main">
-  <p:cSld>
-    <p:spTree>
-      <p:nvGrpSpPr>
-        <p:cNvPr id="1" name=""/>
-        <p:cNvGrpSpPr/>
-        <p:nvPr/>
-      </p:nvGrpSpPr>
-      <p:grpSpPr>
-        <a:xfrm>
-          <a:off x="0" y="0"/>
-          <a:ext cx="0" cy="0"/>
-          <a:chOff x="0" y="0"/>
-          <a:chExt cx="0" cy="0"/>
-        </a:xfrm>
-      </p:grpSpPr>
-      <p:sp>
-        <p:nvSpPr>
-          <p:cNvPr id="2" name="Title 1">
-            <a:extLst>
-              <a:ext uri="{FF2B5EF4-FFF2-40B4-BE49-F238E27FC236}">
-                <a16:creationId xmlns:a16="http://schemas.microsoft.com/office/drawing/2014/main" id="{15491262-F7F4-76D6-B474-507C112C5A2E}"/>
-              </a:ext>
-            </a:extLst>
-          </p:cNvPr>
-          <p:cNvSpPr>
-            <a:spLocks noGrp="1"/>
-          </p:cNvSpPr>
-          <p:nvPr>
-            <p:ph type="title"/>
-          </p:nvPr>
-        </p:nvSpPr>
-        <p:spPr/>
-        <p:txBody>
-          <a:bodyPr/>
-          <a:lstStyle/>
-          <a:p>
-            <a:r>
-              <a:rPr lang="en-US" dirty="0"/>
-              <a:t>Conclusion</a:t>
-            </a:r>
-          </a:p>
-        </p:txBody>
-      </p:sp>
-      <p:sp>
-        <p:nvSpPr>
-          <p:cNvPr id="3" name="Content Placeholder 2">
-            <a:extLst>
-              <a:ext uri="{FF2B5EF4-FFF2-40B4-BE49-F238E27FC236}">
-                <a16:creationId xmlns:a16="http://schemas.microsoft.com/office/drawing/2014/main" id="{7FBEF800-7B74-7FF9-0750-9C8696C3E0AA}"/>
-              </a:ext>
-            </a:extLst>
-          </p:cNvPr>
-          <p:cNvSpPr>
-            <a:spLocks noGrp="1"/>
-          </p:cNvSpPr>
-          <p:nvPr>
-            <p:ph idx="1"/>
-          </p:nvPr>
-        </p:nvSpPr>
-        <p:spPr/>
-        <p:txBody>
-          <a:bodyPr/>
-          <a:lstStyle/>
-          <a:p>
-            <a:endParaRPr lang="en-US" dirty="0"/>
-          </a:p>
-        </p:txBody>
-      </p:sp>
-    </p:spTree>
-    <p:extLst>
-      <p:ext uri="{BB962C8B-B14F-4D97-AF65-F5344CB8AC3E}">
-        <p14:creationId xmlns:p14="http://schemas.microsoft.com/office/powerpoint/2010/main" val="1350408886"/>
-      </p:ext>
-    </p:extLst>
-  </p:cSld>
-  <p:clrMapOvr>
-    <a:masterClrMapping/>
-  </p:clrMapOvr>
-</p:sld>
-</file>
-
-<file path=ppt/slides/slide15.xml><?xml version="1.0" encoding="utf-8"?>
-<p:sld xmlns:a="http://schemas.openxmlformats.org/drawingml/2006/main" xmlns:r="http://schemas.openxmlformats.org/officeDocument/2006/relationships" xmlns:p="http://schemas.openxmlformats.org/presentationml/2006/main">
-  <p:cSld>
-    <p:spTree>
-      <p:nvGrpSpPr>
-        <p:cNvPr id="1" name=""/>
-        <p:cNvGrpSpPr/>
-        <p:nvPr/>
-      </p:nvGrpSpPr>
-      <p:grpSpPr>
-        <a:xfrm>
-          <a:off x="0" y="0"/>
-          <a:ext cx="0" cy="0"/>
-          <a:chOff x="0" y="0"/>
-          <a:chExt cx="0" cy="0"/>
-        </a:xfrm>
-      </p:grpSpPr>
-      <p:sp>
-        <p:nvSpPr>
-          <p:cNvPr id="2" name="Title 1">
-            <a:extLst>
-              <a:ext uri="{FF2B5EF4-FFF2-40B4-BE49-F238E27FC236}">
-                <a16:creationId xmlns:a16="http://schemas.microsoft.com/office/drawing/2014/main" id="{CAF418E6-A2BC-8BB7-9932-951F418CB191}"/>
-              </a:ext>
-            </a:extLst>
-          </p:cNvPr>
-          <p:cNvSpPr>
-            <a:spLocks noGrp="1"/>
-          </p:cNvSpPr>
-          <p:nvPr>
-            <p:ph type="title"/>
-          </p:nvPr>
-        </p:nvSpPr>
-        <p:spPr/>
-        <p:txBody>
-          <a:bodyPr/>
-          <a:lstStyle/>
-          <a:p>
-            <a:endParaRPr lang="en-US"/>
-          </a:p>
-        </p:txBody>
-      </p:sp>
-      <p:sp>
-        <p:nvSpPr>
-          <p:cNvPr id="3" name="Content Placeholder 2">
-            <a:extLst>
-              <a:ext uri="{FF2B5EF4-FFF2-40B4-BE49-F238E27FC236}">
-                <a16:creationId xmlns:a16="http://schemas.microsoft.com/office/drawing/2014/main" id="{512D094E-3C1B-8C32-9762-FA0FCF5CA088}"/>
-              </a:ext>
-            </a:extLst>
-          </p:cNvPr>
-          <p:cNvSpPr>
-            <a:spLocks noGrp="1"/>
-          </p:cNvSpPr>
-          <p:nvPr>
-            <p:ph idx="1"/>
-          </p:nvPr>
-        </p:nvSpPr>
-        <p:spPr/>
-        <p:txBody>
-          <a:bodyPr/>
-          <a:lstStyle/>
-          <a:p>
-            <a:endParaRPr lang="en-US"/>
-          </a:p>
-        </p:txBody>
-      </p:sp>
-    </p:spTree>
-    <p:extLst>
-      <p:ext uri="{BB962C8B-B14F-4D97-AF65-F5344CB8AC3E}">
-        <p14:creationId xmlns:p14="http://schemas.microsoft.com/office/powerpoint/2010/main" val="545867275"/>
       </p:ext>
     </p:extLst>
   </p:cSld>
@@ -15884,7 +16935,7 @@
         </p:nvSpPr>
         <p:spPr>
           <a:xfrm>
-            <a:off x="4448670" y="3448664"/>
+            <a:off x="4384872" y="3416765"/>
             <a:ext cx="2819688" cy="2862322"/>
           </a:xfrm>
           <a:prstGeom prst="rect">
@@ -15924,7 +16975,7 @@
             </a:pPr>
             <a:r>
               <a:rPr lang="en-US" dirty="0"/>
-              <a:t>Referring to virtual address in another space?</a:t>
+              <a:t>Referring to virtual addresses in another space?</a:t>
             </a:r>
           </a:p>
           <a:p>
@@ -15941,10 +16992,10 @@
       </p:sp>
       <p:sp>
         <p:nvSpPr>
-          <p:cNvPr id="63" name="Frame 62">
-            <a:extLst>
-              <a:ext uri="{FF2B5EF4-FFF2-40B4-BE49-F238E27FC236}">
-                <a16:creationId xmlns:a16="http://schemas.microsoft.com/office/drawing/2014/main" id="{C857FFD7-5101-3635-00B5-7BEE6E566AD1}"/>
+          <p:cNvPr id="64" name="Left Bracket 63">
+            <a:extLst>
+              <a:ext uri="{FF2B5EF4-FFF2-40B4-BE49-F238E27FC236}">
+                <a16:creationId xmlns:a16="http://schemas.microsoft.com/office/drawing/2014/main" id="{98851A94-6809-5CCE-A319-8B27116401C0}"/>
               </a:ext>
             </a:extLst>
           </p:cNvPr>
@@ -15953,29 +17004,26 @@
         </p:nvSpPr>
         <p:spPr>
           <a:xfrm>
-            <a:off x="201168" y="1833142"/>
-            <a:ext cx="3899859" cy="4229068"/>
-          </a:xfrm>
-          <a:prstGeom prst="frame">
-            <a:avLst>
-              <a:gd name="adj1" fmla="val 4284"/>
-            </a:avLst>
-          </a:prstGeom>
+            <a:off x="651160" y="2099417"/>
+            <a:ext cx="241980" cy="893572"/>
+          </a:xfrm>
+          <a:prstGeom prst="leftBracket">
+            <a:avLst/>
+          </a:prstGeom>
+          <a:ln w="63500"/>
         </p:spPr>
         <p:style>
-          <a:lnRef idx="2">
-            <a:schemeClr val="accent1">
-              <a:shade val="50000"/>
-            </a:schemeClr>
+          <a:lnRef idx="1">
+            <a:schemeClr val="accent1"/>
           </a:lnRef>
-          <a:fillRef idx="1">
+          <a:fillRef idx="0">
             <a:schemeClr val="accent1"/>
           </a:fillRef>
           <a:effectRef idx="0">
             <a:schemeClr val="accent1"/>
           </a:effectRef>
           <a:fontRef idx="minor">
-            <a:schemeClr val="lt1"/>
+            <a:schemeClr val="tx1"/>
           </a:fontRef>
         </p:style>
         <p:txBody>
@@ -15983,11 +17031,52 @@
           <a:lstStyle/>
           <a:p>
             <a:pPr algn="ctr"/>
-            <a:endParaRPr lang="en-US">
-              <a:solidFill>
-                <a:schemeClr val="tx1"/>
-              </a:solidFill>
-            </a:endParaRPr>
+            <a:endParaRPr lang="en-US"/>
+          </a:p>
+        </p:txBody>
+      </p:sp>
+      <p:sp>
+        <p:nvSpPr>
+          <p:cNvPr id="65" name="Right Bracket 64">
+            <a:extLst>
+              <a:ext uri="{FF2B5EF4-FFF2-40B4-BE49-F238E27FC236}">
+                <a16:creationId xmlns:a16="http://schemas.microsoft.com/office/drawing/2014/main" id="{D20C732D-230A-C962-B524-8468439C1EFC}"/>
+              </a:ext>
+            </a:extLst>
+          </p:cNvPr>
+          <p:cNvSpPr/>
+          <p:nvPr/>
+        </p:nvSpPr>
+        <p:spPr>
+          <a:xfrm>
+            <a:off x="3364114" y="2126454"/>
+            <a:ext cx="241980" cy="834637"/>
+          </a:xfrm>
+          <a:prstGeom prst="rightBracket">
+            <a:avLst/>
+          </a:prstGeom>
+          <a:ln w="63500"/>
+        </p:spPr>
+        <p:style>
+          <a:lnRef idx="1">
+            <a:schemeClr val="accent1"/>
+          </a:lnRef>
+          <a:fillRef idx="0">
+            <a:schemeClr val="accent1"/>
+          </a:fillRef>
+          <a:effectRef idx="0">
+            <a:schemeClr val="accent1"/>
+          </a:effectRef>
+          <a:fontRef idx="minor">
+            <a:schemeClr val="tx1"/>
+          </a:fontRef>
+        </p:style>
+        <p:txBody>
+          <a:bodyPr rtlCol="0" anchor="ctr"/>
+          <a:lstStyle/>
+          <a:p>
+            <a:pPr algn="ctr"/>
+            <a:endParaRPr lang="en-US"/>
           </a:p>
         </p:txBody>
       </p:sp>
@@ -16818,7 +17907,34 @@
                                           </p:stCondLst>
                                         </p:cTn>
                                         <p:tgtEl>
-                                          <p:spTgt spid="63"/>
+                                          <p:spTgt spid="65"/>
+                                        </p:tgtEl>
+                                        <p:attrNameLst>
+                                          <p:attrName>style.visibility</p:attrName>
+                                        </p:attrNameLst>
+                                      </p:cBhvr>
+                                      <p:to>
+                                        <p:strVal val="visible"/>
+                                      </p:to>
+                                    </p:set>
+                                  </p:childTnLst>
+                                </p:cTn>
+                              </p:par>
+                              <p:par>
+                                <p:cTn id="67" presetID="1" presetClass="entr" presetSubtype="0" fill="hold" grpId="0" nodeType="withEffect">
+                                  <p:stCondLst>
+                                    <p:cond delay="0"/>
+                                  </p:stCondLst>
+                                  <p:childTnLst>
+                                    <p:set>
+                                      <p:cBhvr>
+                                        <p:cTn id="68" dur="1" fill="hold">
+                                          <p:stCondLst>
+                                            <p:cond delay="0"/>
+                                          </p:stCondLst>
+                                        </p:cTn>
+                                        <p:tgtEl>
+                                          <p:spTgt spid="64"/>
                                         </p:tgtEl>
                                         <p:attrNameLst>
                                           <p:attrName>style.visibility</p:attrName>
@@ -16875,7 +17991,8 @@
       <p:bldP spid="44" grpId="0" animBg="1"/>
       <p:bldP spid="59" grpId="0"/>
       <p:bldP spid="60" grpId="0"/>
-      <p:bldP spid="63" grpId="0" animBg="1"/>
+      <p:bldP spid="64" grpId="0" animBg="1"/>
+      <p:bldP spid="65" grpId="0" animBg="1"/>
     </p:bldLst>
   </p:timing>
 </p:sld>

--- a/loca_virt_draft.pptx
+++ b/loca_virt_draft.pptx
@@ -4411,7 +4411,7 @@
         </p:nvSpPr>
         <p:spPr>
           <a:xfrm>
-            <a:off x="4680712" y="2056885"/>
+            <a:off x="5007225" y="3864317"/>
             <a:ext cx="2128725" cy="523220"/>
           </a:xfrm>
           <a:prstGeom prst="rect">
@@ -4427,8 +4427,17 @@
           <a:p>
             <a:r>
               <a:rPr lang="en-US" sz="2800" dirty="0"/>
-              <a:t>mov cr3 a1 </a:t>
-            </a:r>
+              <a:t>mov cr3 </a:t>
+            </a:r>
+            <a:r>
+              <a:rPr lang="en-US" sz="2800" dirty="0" err="1"/>
+              <a:t>r</a:t>
+            </a:r>
+            <a:r>
+              <a:rPr lang="en-US" sz="2800" baseline="-25000" dirty="0" err="1"/>
+              <a:t>s</a:t>
+            </a:r>
+            <a:endParaRPr lang="en-US" sz="2800" dirty="0"/>
           </a:p>
         </p:txBody>
       </p:sp>
@@ -5049,6 +5058,434 @@
           </a:prstGeom>
         </p:spPr>
       </p:pic>
+      <p:cxnSp>
+        <p:nvCxnSpPr>
+          <p:cNvPr id="29" name="Straight Arrow Connector 28">
+            <a:extLst>
+              <a:ext uri="{FF2B5EF4-FFF2-40B4-BE49-F238E27FC236}">
+                <a16:creationId xmlns:a16="http://schemas.microsoft.com/office/drawing/2014/main" id="{8BCEF90B-6273-FF8E-F838-639EB93C4F86}"/>
+              </a:ext>
+            </a:extLst>
+          </p:cNvPr>
+          <p:cNvCxnSpPr>
+            <a:cxnSpLocks/>
+          </p:cNvCxnSpPr>
+          <p:nvPr/>
+        </p:nvCxnSpPr>
+        <p:spPr>
+          <a:xfrm>
+            <a:off x="9528576" y="1254099"/>
+            <a:ext cx="0" cy="1085983"/>
+          </a:xfrm>
+          <a:prstGeom prst="straightConnector1">
+            <a:avLst/>
+          </a:prstGeom>
+          <a:ln>
+            <a:tailEnd type="triangle"/>
+          </a:ln>
+        </p:spPr>
+        <p:style>
+          <a:lnRef idx="1">
+            <a:schemeClr val="accent1"/>
+          </a:lnRef>
+          <a:fillRef idx="0">
+            <a:schemeClr val="accent1"/>
+          </a:fillRef>
+          <a:effectRef idx="0">
+            <a:schemeClr val="accent1"/>
+          </a:effectRef>
+          <a:fontRef idx="minor">
+            <a:schemeClr val="tx1"/>
+          </a:fontRef>
+        </p:style>
+      </p:cxnSp>
+      <p:sp>
+        <p:nvSpPr>
+          <p:cNvPr id="30" name="TextBox 29">
+            <a:extLst>
+              <a:ext uri="{FF2B5EF4-FFF2-40B4-BE49-F238E27FC236}">
+                <a16:creationId xmlns:a16="http://schemas.microsoft.com/office/drawing/2014/main" id="{D34F1187-2A2E-1A17-6F2E-8BDE5B5DB3B8}"/>
+              </a:ext>
+            </a:extLst>
+          </p:cNvPr>
+          <p:cNvSpPr txBox="1"/>
+          <p:nvPr/>
+        </p:nvSpPr>
+        <p:spPr>
+          <a:xfrm>
+            <a:off x="9528576" y="1567579"/>
+            <a:ext cx="264816" cy="369332"/>
+          </a:xfrm>
+          <a:prstGeom prst="rect">
+            <a:avLst/>
+          </a:prstGeom>
+          <a:noFill/>
+        </p:spPr>
+        <p:txBody>
+          <a:bodyPr wrap="square" rtlCol="0">
+            <a:spAutoFit/>
+          </a:bodyPr>
+          <a:lstStyle/>
+          <a:p>
+            <a:r>
+              <a:rPr lang="en-US" dirty="0"/>
+              <a:t>r</a:t>
+            </a:r>
+          </a:p>
+        </p:txBody>
+      </p:sp>
+      <p:sp>
+        <p:nvSpPr>
+          <p:cNvPr id="35" name="Alternate Process 34">
+            <a:extLst>
+              <a:ext uri="{FF2B5EF4-FFF2-40B4-BE49-F238E27FC236}">
+                <a16:creationId xmlns:a16="http://schemas.microsoft.com/office/drawing/2014/main" id="{A2128831-BB3A-EAF8-15DB-AEEAA4C08C9D}"/>
+              </a:ext>
+            </a:extLst>
+          </p:cNvPr>
+          <p:cNvSpPr/>
+          <p:nvPr/>
+        </p:nvSpPr>
+        <p:spPr>
+          <a:xfrm>
+            <a:off x="9088487" y="597659"/>
+            <a:ext cx="863600" cy="686752"/>
+          </a:xfrm>
+          <a:prstGeom prst="flowChartAlternateProcess">
+            <a:avLst/>
+          </a:prstGeom>
+          <a:noFill/>
+        </p:spPr>
+        <p:style>
+          <a:lnRef idx="2">
+            <a:schemeClr val="accent1">
+              <a:shade val="50000"/>
+            </a:schemeClr>
+          </a:lnRef>
+          <a:fillRef idx="1">
+            <a:schemeClr val="accent1"/>
+          </a:fillRef>
+          <a:effectRef idx="0">
+            <a:schemeClr val="accent1"/>
+          </a:effectRef>
+          <a:fontRef idx="minor">
+            <a:schemeClr val="lt1"/>
+          </a:fontRef>
+        </p:style>
+        <p:txBody>
+          <a:bodyPr rtlCol="0" anchor="ctr"/>
+          <a:lstStyle/>
+          <a:p>
+            <a:pPr algn="ctr"/>
+            <a:endParaRPr lang="en-US"/>
+          </a:p>
+        </p:txBody>
+      </p:sp>
+      <p:sp>
+        <p:nvSpPr>
+          <p:cNvPr id="41" name="TextBox 40">
+            <a:extLst>
+              <a:ext uri="{FF2B5EF4-FFF2-40B4-BE49-F238E27FC236}">
+                <a16:creationId xmlns:a16="http://schemas.microsoft.com/office/drawing/2014/main" id="{8EC11BF1-763B-F80A-392D-3D066F83FEFA}"/>
+              </a:ext>
+            </a:extLst>
+          </p:cNvPr>
+          <p:cNvSpPr txBox="1"/>
+          <p:nvPr/>
+        </p:nvSpPr>
+        <p:spPr>
+          <a:xfrm>
+            <a:off x="9358600" y="733157"/>
+            <a:ext cx="616531" cy="369332"/>
+          </a:xfrm>
+          <a:prstGeom prst="rect">
+            <a:avLst/>
+          </a:prstGeom>
+          <a:noFill/>
+        </p:spPr>
+        <p:txBody>
+          <a:bodyPr wrap="square" rtlCol="0">
+            <a:spAutoFit/>
+          </a:bodyPr>
+          <a:lstStyle/>
+          <a:p>
+            <a:r>
+              <a:rPr lang="en-US" dirty="0" err="1"/>
+              <a:t>r</a:t>
+            </a:r>
+            <a:r>
+              <a:rPr lang="en-US" baseline="-25000" dirty="0" err="1"/>
+              <a:t>s</a:t>
+            </a:r>
+            <a:endParaRPr lang="en-US" dirty="0"/>
+          </a:p>
+        </p:txBody>
+      </p:sp>
+      <p:cxnSp>
+        <p:nvCxnSpPr>
+          <p:cNvPr id="42" name="Straight Arrow Connector 41">
+            <a:extLst>
+              <a:ext uri="{FF2B5EF4-FFF2-40B4-BE49-F238E27FC236}">
+                <a16:creationId xmlns:a16="http://schemas.microsoft.com/office/drawing/2014/main" id="{BAB9456B-EDB3-727E-48DF-6122ED6F2BE3}"/>
+              </a:ext>
+            </a:extLst>
+          </p:cNvPr>
+          <p:cNvCxnSpPr>
+            <a:cxnSpLocks/>
+            <a:stCxn id="35" idx="1"/>
+          </p:cNvCxnSpPr>
+          <p:nvPr/>
+        </p:nvCxnSpPr>
+        <p:spPr>
+          <a:xfrm flipH="1">
+            <a:off x="3293847" y="941035"/>
+            <a:ext cx="5794640" cy="1543572"/>
+          </a:xfrm>
+          <a:prstGeom prst="straightConnector1">
+            <a:avLst/>
+          </a:prstGeom>
+          <a:ln>
+            <a:tailEnd type="triangle"/>
+          </a:ln>
+        </p:spPr>
+        <p:style>
+          <a:lnRef idx="1">
+            <a:schemeClr val="accent1"/>
+          </a:lnRef>
+          <a:fillRef idx="0">
+            <a:schemeClr val="accent1"/>
+          </a:fillRef>
+          <a:effectRef idx="0">
+            <a:schemeClr val="accent1"/>
+          </a:effectRef>
+          <a:fontRef idx="minor">
+            <a:schemeClr val="tx1"/>
+          </a:fontRef>
+        </p:style>
+      </p:cxnSp>
+      <p:sp>
+        <p:nvSpPr>
+          <p:cNvPr id="43" name="TextBox 42">
+            <a:extLst>
+              <a:ext uri="{FF2B5EF4-FFF2-40B4-BE49-F238E27FC236}">
+                <a16:creationId xmlns:a16="http://schemas.microsoft.com/office/drawing/2014/main" id="{139CAD4C-A0B1-6C2C-F2C0-9E28E2DF80BE}"/>
+              </a:ext>
+            </a:extLst>
+          </p:cNvPr>
+          <p:cNvSpPr txBox="1"/>
+          <p:nvPr/>
+        </p:nvSpPr>
+        <p:spPr>
+          <a:xfrm>
+            <a:off x="4406620" y="1878343"/>
+            <a:ext cx="264816" cy="369332"/>
+          </a:xfrm>
+          <a:prstGeom prst="rect">
+            <a:avLst/>
+          </a:prstGeom>
+          <a:noFill/>
+        </p:spPr>
+        <p:txBody>
+          <a:bodyPr wrap="square" rtlCol="0">
+            <a:spAutoFit/>
+          </a:bodyPr>
+          <a:lstStyle/>
+          <a:p>
+            <a:r>
+              <a:rPr lang="en-US" dirty="0"/>
+              <a:t>r</a:t>
+            </a:r>
+          </a:p>
+        </p:txBody>
+      </p:sp>
+      <p:sp>
+        <p:nvSpPr>
+          <p:cNvPr id="47" name="Left Bracket 46">
+            <a:extLst>
+              <a:ext uri="{FF2B5EF4-FFF2-40B4-BE49-F238E27FC236}">
+                <a16:creationId xmlns:a16="http://schemas.microsoft.com/office/drawing/2014/main" id="{E8454632-B223-A41D-17BD-A875450A8AB3}"/>
+              </a:ext>
+            </a:extLst>
+          </p:cNvPr>
+          <p:cNvSpPr/>
+          <p:nvPr/>
+        </p:nvSpPr>
+        <p:spPr>
+          <a:xfrm>
+            <a:off x="555592" y="2010277"/>
+            <a:ext cx="323002" cy="902793"/>
+          </a:xfrm>
+          <a:prstGeom prst="leftBracket">
+            <a:avLst/>
+          </a:prstGeom>
+          <a:ln w="63500">
+            <a:solidFill>
+              <a:schemeClr val="accent1"/>
+            </a:solidFill>
+          </a:ln>
+        </p:spPr>
+        <p:style>
+          <a:lnRef idx="1">
+            <a:schemeClr val="accent1"/>
+          </a:lnRef>
+          <a:fillRef idx="0">
+            <a:schemeClr val="accent1"/>
+          </a:fillRef>
+          <a:effectRef idx="0">
+            <a:schemeClr val="accent1"/>
+          </a:effectRef>
+          <a:fontRef idx="minor">
+            <a:schemeClr val="tx1"/>
+          </a:fontRef>
+        </p:style>
+        <p:txBody>
+          <a:bodyPr rtlCol="0" anchor="ctr"/>
+          <a:lstStyle/>
+          <a:p>
+            <a:pPr algn="ctr"/>
+            <a:endParaRPr lang="en-US"/>
+          </a:p>
+        </p:txBody>
+      </p:sp>
+      <p:sp>
+        <p:nvSpPr>
+          <p:cNvPr id="48" name="Right Bracket 47">
+            <a:extLst>
+              <a:ext uri="{FF2B5EF4-FFF2-40B4-BE49-F238E27FC236}">
+                <a16:creationId xmlns:a16="http://schemas.microsoft.com/office/drawing/2014/main" id="{E0855859-B268-3F53-F303-78E3E5E47695}"/>
+              </a:ext>
+            </a:extLst>
+          </p:cNvPr>
+          <p:cNvSpPr/>
+          <p:nvPr/>
+        </p:nvSpPr>
+        <p:spPr>
+          <a:xfrm>
+            <a:off x="3465511" y="2005898"/>
+            <a:ext cx="321137" cy="867412"/>
+          </a:xfrm>
+          <a:prstGeom prst="rightBracket">
+            <a:avLst/>
+          </a:prstGeom>
+          <a:ln w="63500"/>
+        </p:spPr>
+        <p:style>
+          <a:lnRef idx="1">
+            <a:schemeClr val="accent1"/>
+          </a:lnRef>
+          <a:fillRef idx="0">
+            <a:schemeClr val="accent1"/>
+          </a:fillRef>
+          <a:effectRef idx="0">
+            <a:schemeClr val="accent1"/>
+          </a:effectRef>
+          <a:fontRef idx="minor">
+            <a:schemeClr val="tx1"/>
+          </a:fontRef>
+        </p:style>
+        <p:txBody>
+          <a:bodyPr rtlCol="0" anchor="ctr"/>
+          <a:lstStyle/>
+          <a:p>
+            <a:pPr algn="ctr"/>
+            <a:endParaRPr lang="en-US"/>
+          </a:p>
+        </p:txBody>
+      </p:sp>
+      <p:sp>
+        <p:nvSpPr>
+          <p:cNvPr id="49" name="Left Bracket 48">
+            <a:extLst>
+              <a:ext uri="{FF2B5EF4-FFF2-40B4-BE49-F238E27FC236}">
+                <a16:creationId xmlns:a16="http://schemas.microsoft.com/office/drawing/2014/main" id="{9EE8E7F9-E323-AEDF-ABDD-70221B890F54}"/>
+              </a:ext>
+            </a:extLst>
+          </p:cNvPr>
+          <p:cNvSpPr/>
+          <p:nvPr/>
+        </p:nvSpPr>
+        <p:spPr>
+          <a:xfrm>
+            <a:off x="7714875" y="2162677"/>
+            <a:ext cx="323002" cy="902793"/>
+          </a:xfrm>
+          <a:prstGeom prst="leftBracket">
+            <a:avLst/>
+          </a:prstGeom>
+          <a:ln w="63500">
+            <a:solidFill>
+              <a:schemeClr val="accent1"/>
+            </a:solidFill>
+          </a:ln>
+        </p:spPr>
+        <p:style>
+          <a:lnRef idx="1">
+            <a:schemeClr val="accent1"/>
+          </a:lnRef>
+          <a:fillRef idx="0">
+            <a:schemeClr val="accent1"/>
+          </a:fillRef>
+          <a:effectRef idx="0">
+            <a:schemeClr val="accent1"/>
+          </a:effectRef>
+          <a:fontRef idx="minor">
+            <a:schemeClr val="tx1"/>
+          </a:fontRef>
+        </p:style>
+        <p:txBody>
+          <a:bodyPr rtlCol="0" anchor="ctr"/>
+          <a:lstStyle/>
+          <a:p>
+            <a:pPr algn="ctr"/>
+            <a:endParaRPr lang="en-US"/>
+          </a:p>
+        </p:txBody>
+      </p:sp>
+      <p:sp>
+        <p:nvSpPr>
+          <p:cNvPr id="50" name="Right Bracket 49">
+            <a:extLst>
+              <a:ext uri="{FF2B5EF4-FFF2-40B4-BE49-F238E27FC236}">
+                <a16:creationId xmlns:a16="http://schemas.microsoft.com/office/drawing/2014/main" id="{F4B3423D-A5EE-AE16-D759-791BEC686FED}"/>
+              </a:ext>
+            </a:extLst>
+          </p:cNvPr>
+          <p:cNvSpPr/>
+          <p:nvPr/>
+        </p:nvSpPr>
+        <p:spPr>
+          <a:xfrm>
+            <a:off x="10624794" y="2158298"/>
+            <a:ext cx="321137" cy="867412"/>
+          </a:xfrm>
+          <a:prstGeom prst="rightBracket">
+            <a:avLst/>
+          </a:prstGeom>
+          <a:ln w="63500"/>
+        </p:spPr>
+        <p:style>
+          <a:lnRef idx="1">
+            <a:schemeClr val="accent1"/>
+          </a:lnRef>
+          <a:fillRef idx="0">
+            <a:schemeClr val="accent1"/>
+          </a:fillRef>
+          <a:effectRef idx="0">
+            <a:schemeClr val="accent1"/>
+          </a:effectRef>
+          <a:fontRef idx="minor">
+            <a:schemeClr val="tx1"/>
+          </a:fontRef>
+        </p:style>
+        <p:txBody>
+          <a:bodyPr rtlCol="0" anchor="ctr"/>
+          <a:lstStyle/>
+          <a:p>
+            <a:pPr algn="ctr"/>
+            <a:endParaRPr lang="en-US"/>
+          </a:p>
+        </p:txBody>
+      </p:sp>
     </p:spTree>
     <p:extLst>
       <p:ext uri="{BB962C8B-B14F-4D97-AF65-F5344CB8AC3E}">
@@ -5059,6 +5496,1197 @@
   <p:clrMapOvr>
     <a:masterClrMapping/>
   </p:clrMapOvr>
+  <p:timing>
+    <p:tnLst>
+      <p:par>
+        <p:cTn id="1" dur="indefinite" restart="never" nodeType="tmRoot">
+          <p:childTnLst>
+            <p:seq concurrent="1" nextAc="seek">
+              <p:cTn id="2" dur="indefinite" nodeType="mainSeq">
+                <p:childTnLst>
+                  <p:par>
+                    <p:cTn id="3" fill="hold">
+                      <p:stCondLst>
+                        <p:cond delay="indefinite"/>
+                      </p:stCondLst>
+                      <p:childTnLst>
+                        <p:par>
+                          <p:cTn id="4" fill="hold">
+                            <p:stCondLst>
+                              <p:cond delay="0"/>
+                            </p:stCondLst>
+                            <p:childTnLst>
+                              <p:par>
+                                <p:cTn id="5" presetID="1" presetClass="entr" presetSubtype="0" fill="hold" grpId="0" nodeType="clickEffect">
+                                  <p:stCondLst>
+                                    <p:cond delay="0"/>
+                                  </p:stCondLst>
+                                  <p:childTnLst>
+                                    <p:set>
+                                      <p:cBhvr>
+                                        <p:cTn id="6" dur="1" fill="hold">
+                                          <p:stCondLst>
+                                            <p:cond delay="0"/>
+                                          </p:stCondLst>
+                                        </p:cTn>
+                                        <p:tgtEl>
+                                          <p:spTgt spid="41"/>
+                                        </p:tgtEl>
+                                        <p:attrNameLst>
+                                          <p:attrName>style.visibility</p:attrName>
+                                        </p:attrNameLst>
+                                      </p:cBhvr>
+                                      <p:to>
+                                        <p:strVal val="visible"/>
+                                      </p:to>
+                                    </p:set>
+                                  </p:childTnLst>
+                                </p:cTn>
+                              </p:par>
+                              <p:par>
+                                <p:cTn id="7" presetID="1" presetClass="entr" presetSubtype="0" fill="hold" grpId="0" nodeType="withEffect">
+                                  <p:stCondLst>
+                                    <p:cond delay="0"/>
+                                  </p:stCondLst>
+                                  <p:childTnLst>
+                                    <p:set>
+                                      <p:cBhvr>
+                                        <p:cTn id="8" dur="1" fill="hold">
+                                          <p:stCondLst>
+                                            <p:cond delay="0"/>
+                                          </p:stCondLst>
+                                        </p:cTn>
+                                        <p:tgtEl>
+                                          <p:spTgt spid="35"/>
+                                        </p:tgtEl>
+                                        <p:attrNameLst>
+                                          <p:attrName>style.visibility</p:attrName>
+                                        </p:attrNameLst>
+                                      </p:cBhvr>
+                                      <p:to>
+                                        <p:strVal val="visible"/>
+                                      </p:to>
+                                    </p:set>
+                                  </p:childTnLst>
+                                </p:cTn>
+                              </p:par>
+                              <p:par>
+                                <p:cTn id="9" presetID="1" presetClass="entr" presetSubtype="0" fill="hold" nodeType="withEffect">
+                                  <p:stCondLst>
+                                    <p:cond delay="0"/>
+                                  </p:stCondLst>
+                                  <p:childTnLst>
+                                    <p:set>
+                                      <p:cBhvr>
+                                        <p:cTn id="10" dur="1" fill="hold">
+                                          <p:stCondLst>
+                                            <p:cond delay="0"/>
+                                          </p:stCondLst>
+                                        </p:cTn>
+                                        <p:tgtEl>
+                                          <p:spTgt spid="15"/>
+                                        </p:tgtEl>
+                                        <p:attrNameLst>
+                                          <p:attrName>style.visibility</p:attrName>
+                                        </p:attrNameLst>
+                                      </p:cBhvr>
+                                      <p:to>
+                                        <p:strVal val="visible"/>
+                                      </p:to>
+                                    </p:set>
+                                  </p:childTnLst>
+                                </p:cTn>
+                              </p:par>
+                              <p:par>
+                                <p:cTn id="11" presetID="1" presetClass="entr" presetSubtype="0" fill="hold" grpId="0" nodeType="withEffect">
+                                  <p:stCondLst>
+                                    <p:cond delay="0"/>
+                                  </p:stCondLst>
+                                  <p:childTnLst>
+                                    <p:set>
+                                      <p:cBhvr>
+                                        <p:cTn id="12" dur="1" fill="hold">
+                                          <p:stCondLst>
+                                            <p:cond delay="0"/>
+                                          </p:stCondLst>
+                                        </p:cTn>
+                                        <p:tgtEl>
+                                          <p:spTgt spid="18"/>
+                                        </p:tgtEl>
+                                        <p:attrNameLst>
+                                          <p:attrName>style.visibility</p:attrName>
+                                        </p:attrNameLst>
+                                      </p:cBhvr>
+                                      <p:to>
+                                        <p:strVal val="visible"/>
+                                      </p:to>
+                                    </p:set>
+                                  </p:childTnLst>
+                                </p:cTn>
+                              </p:par>
+                              <p:par>
+                                <p:cTn id="13" presetID="1" presetClass="entr" presetSubtype="0" fill="hold" grpId="0" nodeType="withEffect">
+                                  <p:stCondLst>
+                                    <p:cond delay="0"/>
+                                  </p:stCondLst>
+                                  <p:childTnLst>
+                                    <p:set>
+                                      <p:cBhvr>
+                                        <p:cTn id="14" dur="1" fill="hold">
+                                          <p:stCondLst>
+                                            <p:cond delay="0"/>
+                                          </p:stCondLst>
+                                        </p:cTn>
+                                        <p:tgtEl>
+                                          <p:spTgt spid="5"/>
+                                        </p:tgtEl>
+                                        <p:attrNameLst>
+                                          <p:attrName>style.visibility</p:attrName>
+                                        </p:attrNameLst>
+                                      </p:cBhvr>
+                                      <p:to>
+                                        <p:strVal val="visible"/>
+                                      </p:to>
+                                    </p:set>
+                                  </p:childTnLst>
+                                </p:cTn>
+                              </p:par>
+                              <p:par>
+                                <p:cTn id="15" presetID="1" presetClass="entr" presetSubtype="0" fill="hold" grpId="0" nodeType="withEffect">
+                                  <p:stCondLst>
+                                    <p:cond delay="0"/>
+                                  </p:stCondLst>
+                                  <p:childTnLst>
+                                    <p:set>
+                                      <p:cBhvr>
+                                        <p:cTn id="16" dur="1" fill="hold">
+                                          <p:stCondLst>
+                                            <p:cond delay="0"/>
+                                          </p:stCondLst>
+                                        </p:cTn>
+                                        <p:tgtEl>
+                                          <p:spTgt spid="9"/>
+                                        </p:tgtEl>
+                                        <p:attrNameLst>
+                                          <p:attrName>style.visibility</p:attrName>
+                                        </p:attrNameLst>
+                                      </p:cBhvr>
+                                      <p:to>
+                                        <p:strVal val="visible"/>
+                                      </p:to>
+                                    </p:set>
+                                  </p:childTnLst>
+                                </p:cTn>
+                              </p:par>
+                              <p:par>
+                                <p:cTn id="17" presetID="1" presetClass="entr" presetSubtype="0" fill="hold" grpId="0" nodeType="withEffect">
+                                  <p:stCondLst>
+                                    <p:cond delay="0"/>
+                                  </p:stCondLst>
+                                  <p:childTnLst>
+                                    <p:set>
+                                      <p:cBhvr>
+                                        <p:cTn id="18" dur="1" fill="hold">
+                                          <p:stCondLst>
+                                            <p:cond delay="0"/>
+                                          </p:stCondLst>
+                                        </p:cTn>
+                                        <p:tgtEl>
+                                          <p:spTgt spid="12"/>
+                                        </p:tgtEl>
+                                        <p:attrNameLst>
+                                          <p:attrName>style.visibility</p:attrName>
+                                        </p:attrNameLst>
+                                      </p:cBhvr>
+                                      <p:to>
+                                        <p:strVal val="visible"/>
+                                      </p:to>
+                                    </p:set>
+                                  </p:childTnLst>
+                                </p:cTn>
+                              </p:par>
+                              <p:par>
+                                <p:cTn id="19" presetID="1" presetClass="entr" presetSubtype="0" fill="hold" nodeType="withEffect">
+                                  <p:stCondLst>
+                                    <p:cond delay="0"/>
+                                  </p:stCondLst>
+                                  <p:childTnLst>
+                                    <p:set>
+                                      <p:cBhvr>
+                                        <p:cTn id="20" dur="1" fill="hold">
+                                          <p:stCondLst>
+                                            <p:cond delay="0"/>
+                                          </p:stCondLst>
+                                        </p:cTn>
+                                        <p:tgtEl>
+                                          <p:spTgt spid="4"/>
+                                        </p:tgtEl>
+                                        <p:attrNameLst>
+                                          <p:attrName>style.visibility</p:attrName>
+                                        </p:attrNameLst>
+                                      </p:cBhvr>
+                                      <p:to>
+                                        <p:strVal val="visible"/>
+                                      </p:to>
+                                    </p:set>
+                                  </p:childTnLst>
+                                </p:cTn>
+                              </p:par>
+                              <p:par>
+                                <p:cTn id="21" presetID="1" presetClass="entr" presetSubtype="0" fill="hold" nodeType="withEffect">
+                                  <p:stCondLst>
+                                    <p:cond delay="0"/>
+                                  </p:stCondLst>
+                                  <p:childTnLst>
+                                    <p:set>
+                                      <p:cBhvr>
+                                        <p:cTn id="22" dur="1" fill="hold">
+                                          <p:stCondLst>
+                                            <p:cond delay="0"/>
+                                          </p:stCondLst>
+                                        </p:cTn>
+                                        <p:tgtEl>
+                                          <p:spTgt spid="7"/>
+                                        </p:tgtEl>
+                                        <p:attrNameLst>
+                                          <p:attrName>style.visibility</p:attrName>
+                                        </p:attrNameLst>
+                                      </p:cBhvr>
+                                      <p:to>
+                                        <p:strVal val="visible"/>
+                                      </p:to>
+                                    </p:set>
+                                  </p:childTnLst>
+                                </p:cTn>
+                              </p:par>
+                              <p:par>
+                                <p:cTn id="23" presetID="1" presetClass="entr" presetSubtype="0" fill="hold" nodeType="withEffect">
+                                  <p:stCondLst>
+                                    <p:cond delay="0"/>
+                                  </p:stCondLst>
+                                  <p:childTnLst>
+                                    <p:set>
+                                      <p:cBhvr>
+                                        <p:cTn id="24" dur="1" fill="hold">
+                                          <p:stCondLst>
+                                            <p:cond delay="0"/>
+                                          </p:stCondLst>
+                                        </p:cTn>
+                                        <p:tgtEl>
+                                          <p:spTgt spid="10"/>
+                                        </p:tgtEl>
+                                        <p:attrNameLst>
+                                          <p:attrName>style.visibility</p:attrName>
+                                        </p:attrNameLst>
+                                      </p:cBhvr>
+                                      <p:to>
+                                        <p:strVal val="visible"/>
+                                      </p:to>
+                                    </p:set>
+                                  </p:childTnLst>
+                                </p:cTn>
+                              </p:par>
+                              <p:par>
+                                <p:cTn id="25" presetID="1" presetClass="entr" presetSubtype="0" fill="hold" grpId="0" nodeType="withEffect">
+                                  <p:stCondLst>
+                                    <p:cond delay="0"/>
+                                  </p:stCondLst>
+                                  <p:childTnLst>
+                                    <p:set>
+                                      <p:cBhvr>
+                                        <p:cTn id="26" dur="1" fill="hold">
+                                          <p:stCondLst>
+                                            <p:cond delay="0"/>
+                                          </p:stCondLst>
+                                        </p:cTn>
+                                        <p:tgtEl>
+                                          <p:spTgt spid="8"/>
+                                        </p:tgtEl>
+                                        <p:attrNameLst>
+                                          <p:attrName>style.visibility</p:attrName>
+                                        </p:attrNameLst>
+                                      </p:cBhvr>
+                                      <p:to>
+                                        <p:strVal val="visible"/>
+                                      </p:to>
+                                    </p:set>
+                                  </p:childTnLst>
+                                </p:cTn>
+                              </p:par>
+                              <p:par>
+                                <p:cTn id="27" presetID="1" presetClass="entr" presetSubtype="0" fill="hold" nodeType="withEffect">
+                                  <p:stCondLst>
+                                    <p:cond delay="0"/>
+                                  </p:stCondLst>
+                                  <p:childTnLst>
+                                    <p:set>
+                                      <p:cBhvr>
+                                        <p:cTn id="28" dur="1" fill="hold">
+                                          <p:stCondLst>
+                                            <p:cond delay="0"/>
+                                          </p:stCondLst>
+                                        </p:cTn>
+                                        <p:tgtEl>
+                                          <p:spTgt spid="25"/>
+                                        </p:tgtEl>
+                                        <p:attrNameLst>
+                                          <p:attrName>style.visibility</p:attrName>
+                                        </p:attrNameLst>
+                                      </p:cBhvr>
+                                      <p:to>
+                                        <p:strVal val="visible"/>
+                                      </p:to>
+                                    </p:set>
+                                  </p:childTnLst>
+                                </p:cTn>
+                              </p:par>
+                              <p:par>
+                                <p:cTn id="29" presetID="1" presetClass="entr" presetSubtype="0" fill="hold" grpId="0" nodeType="withEffect">
+                                  <p:stCondLst>
+                                    <p:cond delay="0"/>
+                                  </p:stCondLst>
+                                  <p:childTnLst>
+                                    <p:set>
+                                      <p:cBhvr>
+                                        <p:cTn id="30" dur="1" fill="hold">
+                                          <p:stCondLst>
+                                            <p:cond delay="0"/>
+                                          </p:stCondLst>
+                                        </p:cTn>
+                                        <p:tgtEl>
+                                          <p:spTgt spid="14"/>
+                                        </p:tgtEl>
+                                        <p:attrNameLst>
+                                          <p:attrName>style.visibility</p:attrName>
+                                        </p:attrNameLst>
+                                      </p:cBhvr>
+                                      <p:to>
+                                        <p:strVal val="visible"/>
+                                      </p:to>
+                                    </p:set>
+                                  </p:childTnLst>
+                                </p:cTn>
+                              </p:par>
+                              <p:par>
+                                <p:cTn id="31" presetID="1" presetClass="entr" presetSubtype="0" fill="hold" grpId="0" nodeType="withEffect">
+                                  <p:stCondLst>
+                                    <p:cond delay="0"/>
+                                  </p:stCondLst>
+                                  <p:childTnLst>
+                                    <p:set>
+                                      <p:cBhvr>
+                                        <p:cTn id="32" dur="1" fill="hold">
+                                          <p:stCondLst>
+                                            <p:cond delay="0"/>
+                                          </p:stCondLst>
+                                        </p:cTn>
+                                        <p:tgtEl>
+                                          <p:spTgt spid="13"/>
+                                        </p:tgtEl>
+                                        <p:attrNameLst>
+                                          <p:attrName>style.visibility</p:attrName>
+                                        </p:attrNameLst>
+                                      </p:cBhvr>
+                                      <p:to>
+                                        <p:strVal val="visible"/>
+                                      </p:to>
+                                    </p:set>
+                                  </p:childTnLst>
+                                </p:cTn>
+                              </p:par>
+                              <p:par>
+                                <p:cTn id="33" presetID="1" presetClass="entr" presetSubtype="0" fill="hold" grpId="0" nodeType="withEffect">
+                                  <p:stCondLst>
+                                    <p:cond delay="0"/>
+                                  </p:stCondLst>
+                                  <p:childTnLst>
+                                    <p:set>
+                                      <p:cBhvr>
+                                        <p:cTn id="34" dur="1" fill="hold">
+                                          <p:stCondLst>
+                                            <p:cond delay="0"/>
+                                          </p:stCondLst>
+                                        </p:cTn>
+                                        <p:tgtEl>
+                                          <p:spTgt spid="11"/>
+                                        </p:tgtEl>
+                                        <p:attrNameLst>
+                                          <p:attrName>style.visibility</p:attrName>
+                                        </p:attrNameLst>
+                                      </p:cBhvr>
+                                      <p:to>
+                                        <p:strVal val="visible"/>
+                                      </p:to>
+                                    </p:set>
+                                  </p:childTnLst>
+                                </p:cTn>
+                              </p:par>
+                              <p:par>
+                                <p:cTn id="35" presetID="1" presetClass="entr" presetSubtype="0" fill="hold" nodeType="withEffect">
+                                  <p:stCondLst>
+                                    <p:cond delay="0"/>
+                                  </p:stCondLst>
+                                  <p:childTnLst>
+                                    <p:set>
+                                      <p:cBhvr>
+                                        <p:cTn id="36" dur="1" fill="hold">
+                                          <p:stCondLst>
+                                            <p:cond delay="0"/>
+                                          </p:stCondLst>
+                                        </p:cTn>
+                                        <p:tgtEl>
+                                          <p:spTgt spid="29"/>
+                                        </p:tgtEl>
+                                        <p:attrNameLst>
+                                          <p:attrName>style.visibility</p:attrName>
+                                        </p:attrNameLst>
+                                      </p:cBhvr>
+                                      <p:to>
+                                        <p:strVal val="visible"/>
+                                      </p:to>
+                                    </p:set>
+                                  </p:childTnLst>
+                                </p:cTn>
+                              </p:par>
+                              <p:par>
+                                <p:cTn id="37" presetID="1" presetClass="entr" presetSubtype="0" fill="hold" grpId="0" nodeType="withEffect">
+                                  <p:stCondLst>
+                                    <p:cond delay="0"/>
+                                  </p:stCondLst>
+                                  <p:childTnLst>
+                                    <p:set>
+                                      <p:cBhvr>
+                                        <p:cTn id="38" dur="1" fill="hold">
+                                          <p:stCondLst>
+                                            <p:cond delay="0"/>
+                                          </p:stCondLst>
+                                        </p:cTn>
+                                        <p:tgtEl>
+                                          <p:spTgt spid="30"/>
+                                        </p:tgtEl>
+                                        <p:attrNameLst>
+                                          <p:attrName>style.visibility</p:attrName>
+                                        </p:attrNameLst>
+                                      </p:cBhvr>
+                                      <p:to>
+                                        <p:strVal val="visible"/>
+                                      </p:to>
+                                    </p:set>
+                                  </p:childTnLst>
+                                </p:cTn>
+                              </p:par>
+                              <p:par>
+                                <p:cTn id="39" presetID="1" presetClass="entr" presetSubtype="0" fill="hold" grpId="0" nodeType="withEffect">
+                                  <p:stCondLst>
+                                    <p:cond delay="0"/>
+                                  </p:stCondLst>
+                                  <p:childTnLst>
+                                    <p:set>
+                                      <p:cBhvr>
+                                        <p:cTn id="40" dur="1" fill="hold">
+                                          <p:stCondLst>
+                                            <p:cond delay="0"/>
+                                          </p:stCondLst>
+                                        </p:cTn>
+                                        <p:tgtEl>
+                                          <p:spTgt spid="72"/>
+                                        </p:tgtEl>
+                                        <p:attrNameLst>
+                                          <p:attrName>style.visibility</p:attrName>
+                                        </p:attrNameLst>
+                                      </p:cBhvr>
+                                      <p:to>
+                                        <p:strVal val="visible"/>
+                                      </p:to>
+                                    </p:set>
+                                  </p:childTnLst>
+                                </p:cTn>
+                              </p:par>
+                              <p:par>
+                                <p:cTn id="41" presetID="1" presetClass="entr" presetSubtype="0" fill="hold" nodeType="withEffect">
+                                  <p:stCondLst>
+                                    <p:cond delay="0"/>
+                                  </p:stCondLst>
+                                  <p:childTnLst>
+                                    <p:set>
+                                      <p:cBhvr>
+                                        <p:cTn id="42" dur="1" fill="hold">
+                                          <p:stCondLst>
+                                            <p:cond delay="0"/>
+                                          </p:stCondLst>
+                                        </p:cTn>
+                                        <p:tgtEl>
+                                          <p:spTgt spid="27"/>
+                                        </p:tgtEl>
+                                        <p:attrNameLst>
+                                          <p:attrName>style.visibility</p:attrName>
+                                        </p:attrNameLst>
+                                      </p:cBhvr>
+                                      <p:to>
+                                        <p:strVal val="visible"/>
+                                      </p:to>
+                                    </p:set>
+                                  </p:childTnLst>
+                                </p:cTn>
+                              </p:par>
+                              <p:par>
+                                <p:cTn id="43" presetID="1" presetClass="entr" presetSubtype="0" fill="hold" nodeType="withEffect">
+                                  <p:stCondLst>
+                                    <p:cond delay="0"/>
+                                  </p:stCondLst>
+                                  <p:childTnLst>
+                                    <p:set>
+                                      <p:cBhvr>
+                                        <p:cTn id="44" dur="1" fill="hold">
+                                          <p:stCondLst>
+                                            <p:cond delay="0"/>
+                                          </p:stCondLst>
+                                        </p:cTn>
+                                        <p:tgtEl>
+                                          <p:spTgt spid="31"/>
+                                        </p:tgtEl>
+                                        <p:attrNameLst>
+                                          <p:attrName>style.visibility</p:attrName>
+                                        </p:attrNameLst>
+                                      </p:cBhvr>
+                                      <p:to>
+                                        <p:strVal val="visible"/>
+                                      </p:to>
+                                    </p:set>
+                                  </p:childTnLst>
+                                </p:cTn>
+                              </p:par>
+                              <p:par>
+                                <p:cTn id="45" presetID="1" presetClass="entr" presetSubtype="0" fill="hold" nodeType="withEffect">
+                                  <p:stCondLst>
+                                    <p:cond delay="0"/>
+                                  </p:stCondLst>
+                                  <p:childTnLst>
+                                    <p:set>
+                                      <p:cBhvr>
+                                        <p:cTn id="46" dur="1" fill="hold">
+                                          <p:stCondLst>
+                                            <p:cond delay="0"/>
+                                          </p:stCondLst>
+                                        </p:cTn>
+                                        <p:tgtEl>
+                                          <p:spTgt spid="32"/>
+                                        </p:tgtEl>
+                                        <p:attrNameLst>
+                                          <p:attrName>style.visibility</p:attrName>
+                                        </p:attrNameLst>
+                                      </p:cBhvr>
+                                      <p:to>
+                                        <p:strVal val="visible"/>
+                                      </p:to>
+                                    </p:set>
+                                  </p:childTnLst>
+                                </p:cTn>
+                              </p:par>
+                              <p:par>
+                                <p:cTn id="47" presetID="1" presetClass="entr" presetSubtype="0" fill="hold" grpId="0" nodeType="withEffect">
+                                  <p:stCondLst>
+                                    <p:cond delay="0"/>
+                                  </p:stCondLst>
+                                  <p:childTnLst>
+                                    <p:set>
+                                      <p:cBhvr>
+                                        <p:cTn id="48" dur="1" fill="hold">
+                                          <p:stCondLst>
+                                            <p:cond delay="0"/>
+                                          </p:stCondLst>
+                                        </p:cTn>
+                                        <p:tgtEl>
+                                          <p:spTgt spid="59"/>
+                                        </p:tgtEl>
+                                        <p:attrNameLst>
+                                          <p:attrName>style.visibility</p:attrName>
+                                        </p:attrNameLst>
+                                      </p:cBhvr>
+                                      <p:to>
+                                        <p:strVal val="visible"/>
+                                      </p:to>
+                                    </p:set>
+                                  </p:childTnLst>
+                                </p:cTn>
+                              </p:par>
+                              <p:par>
+                                <p:cTn id="49" presetID="1" presetClass="entr" presetSubtype="0" fill="hold" nodeType="withEffect">
+                                  <p:stCondLst>
+                                    <p:cond delay="0"/>
+                                  </p:stCondLst>
+                                  <p:childTnLst>
+                                    <p:set>
+                                      <p:cBhvr>
+                                        <p:cTn id="50" dur="1" fill="hold">
+                                          <p:stCondLst>
+                                            <p:cond delay="0"/>
+                                          </p:stCondLst>
+                                        </p:cTn>
+                                        <p:tgtEl>
+                                          <p:spTgt spid="33"/>
+                                        </p:tgtEl>
+                                        <p:attrNameLst>
+                                          <p:attrName>style.visibility</p:attrName>
+                                        </p:attrNameLst>
+                                      </p:cBhvr>
+                                      <p:to>
+                                        <p:strVal val="visible"/>
+                                      </p:to>
+                                    </p:set>
+                                  </p:childTnLst>
+                                </p:cTn>
+                              </p:par>
+                              <p:par>
+                                <p:cTn id="51" presetID="1" presetClass="entr" presetSubtype="0" fill="hold" grpId="0" nodeType="withEffect">
+                                  <p:stCondLst>
+                                    <p:cond delay="0"/>
+                                  </p:stCondLst>
+                                  <p:childTnLst>
+                                    <p:set>
+                                      <p:cBhvr>
+                                        <p:cTn id="52" dur="1" fill="hold">
+                                          <p:stCondLst>
+                                            <p:cond delay="0"/>
+                                          </p:stCondLst>
+                                        </p:cTn>
+                                        <p:tgtEl>
+                                          <p:spTgt spid="20"/>
+                                        </p:tgtEl>
+                                        <p:attrNameLst>
+                                          <p:attrName>style.visibility</p:attrName>
+                                        </p:attrNameLst>
+                                      </p:cBhvr>
+                                      <p:to>
+                                        <p:strVal val="visible"/>
+                                      </p:to>
+                                    </p:set>
+                                  </p:childTnLst>
+                                </p:cTn>
+                              </p:par>
+                              <p:par>
+                                <p:cTn id="53" presetID="1" presetClass="entr" presetSubtype="0" fill="hold" nodeType="withEffect">
+                                  <p:stCondLst>
+                                    <p:cond delay="0"/>
+                                  </p:stCondLst>
+                                  <p:childTnLst>
+                                    <p:set>
+                                      <p:cBhvr>
+                                        <p:cTn id="54" dur="1" fill="hold">
+                                          <p:stCondLst>
+                                            <p:cond delay="0"/>
+                                          </p:stCondLst>
+                                        </p:cTn>
+                                        <p:tgtEl>
+                                          <p:spTgt spid="28"/>
+                                        </p:tgtEl>
+                                        <p:attrNameLst>
+                                          <p:attrName>style.visibility</p:attrName>
+                                        </p:attrNameLst>
+                                      </p:cBhvr>
+                                      <p:to>
+                                        <p:strVal val="visible"/>
+                                      </p:to>
+                                    </p:set>
+                                  </p:childTnLst>
+                                </p:cTn>
+                              </p:par>
+                              <p:par>
+                                <p:cTn id="55" presetID="1" presetClass="entr" presetSubtype="0" fill="hold" grpId="0" nodeType="withEffect">
+                                  <p:stCondLst>
+                                    <p:cond delay="0"/>
+                                  </p:stCondLst>
+                                  <p:childTnLst>
+                                    <p:set>
+                                      <p:cBhvr>
+                                        <p:cTn id="56" dur="1" fill="hold">
+                                          <p:stCondLst>
+                                            <p:cond delay="0"/>
+                                          </p:stCondLst>
+                                        </p:cTn>
+                                        <p:tgtEl>
+                                          <p:spTgt spid="101"/>
+                                        </p:tgtEl>
+                                        <p:attrNameLst>
+                                          <p:attrName>style.visibility</p:attrName>
+                                        </p:attrNameLst>
+                                      </p:cBhvr>
+                                      <p:to>
+                                        <p:strVal val="visible"/>
+                                      </p:to>
+                                    </p:set>
+                                  </p:childTnLst>
+                                </p:cTn>
+                              </p:par>
+                              <p:par>
+                                <p:cTn id="57" presetID="1" presetClass="entr" presetSubtype="0" fill="hold" nodeType="withEffect">
+                                  <p:stCondLst>
+                                    <p:cond delay="0"/>
+                                  </p:stCondLst>
+                                  <p:childTnLst>
+                                    <p:set>
+                                      <p:cBhvr>
+                                        <p:cTn id="58" dur="1" fill="hold">
+                                          <p:stCondLst>
+                                            <p:cond delay="0"/>
+                                          </p:stCondLst>
+                                        </p:cTn>
+                                        <p:tgtEl>
+                                          <p:spTgt spid="42"/>
+                                        </p:tgtEl>
+                                        <p:attrNameLst>
+                                          <p:attrName>style.visibility</p:attrName>
+                                        </p:attrNameLst>
+                                      </p:cBhvr>
+                                      <p:to>
+                                        <p:strVal val="visible"/>
+                                      </p:to>
+                                    </p:set>
+                                  </p:childTnLst>
+                                </p:cTn>
+                              </p:par>
+                            </p:childTnLst>
+                          </p:cTn>
+                        </p:par>
+                      </p:childTnLst>
+                    </p:cTn>
+                  </p:par>
+                  <p:par>
+                    <p:cTn id="59" fill="hold">
+                      <p:stCondLst>
+                        <p:cond delay="indefinite"/>
+                      </p:stCondLst>
+                      <p:childTnLst>
+                        <p:par>
+                          <p:cTn id="60" fill="hold">
+                            <p:stCondLst>
+                              <p:cond delay="0"/>
+                            </p:stCondLst>
+                            <p:childTnLst>
+                              <p:par>
+                                <p:cTn id="61" presetID="1" presetClass="entr" presetSubtype="0" fill="hold" grpId="1" nodeType="clickEffect">
+                                  <p:stCondLst>
+                                    <p:cond delay="0"/>
+                                  </p:stCondLst>
+                                  <p:childTnLst>
+                                    <p:set>
+                                      <p:cBhvr>
+                                        <p:cTn id="62" dur="1" fill="hold">
+                                          <p:stCondLst>
+                                            <p:cond delay="0"/>
+                                          </p:stCondLst>
+                                        </p:cTn>
+                                        <p:tgtEl>
+                                          <p:spTgt spid="21"/>
+                                        </p:tgtEl>
+                                        <p:attrNameLst>
+                                          <p:attrName>style.visibility</p:attrName>
+                                        </p:attrNameLst>
+                                      </p:cBhvr>
+                                      <p:to>
+                                        <p:strVal val="visible"/>
+                                      </p:to>
+                                    </p:set>
+                                  </p:childTnLst>
+                                </p:cTn>
+                              </p:par>
+                              <p:par>
+                                <p:cTn id="63" presetID="1" presetClass="entr" presetSubtype="0" fill="hold" grpId="0" nodeType="withEffect">
+                                  <p:stCondLst>
+                                    <p:cond delay="0"/>
+                                  </p:stCondLst>
+                                  <p:childTnLst>
+                                    <p:set>
+                                      <p:cBhvr>
+                                        <p:cTn id="64" dur="1" fill="hold">
+                                          <p:stCondLst>
+                                            <p:cond delay="0"/>
+                                          </p:stCondLst>
+                                        </p:cTn>
+                                        <p:tgtEl>
+                                          <p:spTgt spid="49"/>
+                                        </p:tgtEl>
+                                        <p:attrNameLst>
+                                          <p:attrName>style.visibility</p:attrName>
+                                        </p:attrNameLst>
+                                      </p:cBhvr>
+                                      <p:to>
+                                        <p:strVal val="visible"/>
+                                      </p:to>
+                                    </p:set>
+                                  </p:childTnLst>
+                                </p:cTn>
+                              </p:par>
+                              <p:par>
+                                <p:cTn id="65" presetID="1" presetClass="entr" presetSubtype="0" fill="hold" grpId="0" nodeType="withEffect">
+                                  <p:stCondLst>
+                                    <p:cond delay="0"/>
+                                  </p:stCondLst>
+                                  <p:childTnLst>
+                                    <p:set>
+                                      <p:cBhvr>
+                                        <p:cTn id="66" dur="1" fill="hold">
+                                          <p:stCondLst>
+                                            <p:cond delay="0"/>
+                                          </p:stCondLst>
+                                        </p:cTn>
+                                        <p:tgtEl>
+                                          <p:spTgt spid="50"/>
+                                        </p:tgtEl>
+                                        <p:attrNameLst>
+                                          <p:attrName>style.visibility</p:attrName>
+                                        </p:attrNameLst>
+                                      </p:cBhvr>
+                                      <p:to>
+                                        <p:strVal val="visible"/>
+                                      </p:to>
+                                    </p:set>
+                                  </p:childTnLst>
+                                </p:cTn>
+                              </p:par>
+                            </p:childTnLst>
+                          </p:cTn>
+                        </p:par>
+                      </p:childTnLst>
+                    </p:cTn>
+                  </p:par>
+                  <p:par>
+                    <p:cTn id="67" fill="hold">
+                      <p:stCondLst>
+                        <p:cond delay="indefinite"/>
+                      </p:stCondLst>
+                      <p:childTnLst>
+                        <p:par>
+                          <p:cTn id="68" fill="hold">
+                            <p:stCondLst>
+                              <p:cond delay="0"/>
+                            </p:stCondLst>
+                            <p:childTnLst>
+                              <p:par>
+                                <p:cTn id="69" presetID="1" presetClass="entr" presetSubtype="0" fill="hold" grpId="0" nodeType="clickEffect">
+                                  <p:stCondLst>
+                                    <p:cond delay="0"/>
+                                  </p:stCondLst>
+                                  <p:childTnLst>
+                                    <p:set>
+                                      <p:cBhvr>
+                                        <p:cTn id="70" dur="1" fill="hold">
+                                          <p:stCondLst>
+                                            <p:cond delay="0"/>
+                                          </p:stCondLst>
+                                        </p:cTn>
+                                        <p:tgtEl>
+                                          <p:spTgt spid="48"/>
+                                        </p:tgtEl>
+                                        <p:attrNameLst>
+                                          <p:attrName>style.visibility</p:attrName>
+                                        </p:attrNameLst>
+                                      </p:cBhvr>
+                                      <p:to>
+                                        <p:strVal val="visible"/>
+                                      </p:to>
+                                    </p:set>
+                                  </p:childTnLst>
+                                </p:cTn>
+                              </p:par>
+                              <p:par>
+                                <p:cTn id="71" presetID="1" presetClass="entr" presetSubtype="0" fill="hold" grpId="0" nodeType="withEffect">
+                                  <p:stCondLst>
+                                    <p:cond delay="0"/>
+                                  </p:stCondLst>
+                                  <p:childTnLst>
+                                    <p:set>
+                                      <p:cBhvr>
+                                        <p:cTn id="72" dur="1" fill="hold">
+                                          <p:stCondLst>
+                                            <p:cond delay="0"/>
+                                          </p:stCondLst>
+                                        </p:cTn>
+                                        <p:tgtEl>
+                                          <p:spTgt spid="47"/>
+                                        </p:tgtEl>
+                                        <p:attrNameLst>
+                                          <p:attrName>style.visibility</p:attrName>
+                                        </p:attrNameLst>
+                                      </p:cBhvr>
+                                      <p:to>
+                                        <p:strVal val="visible"/>
+                                      </p:to>
+                                    </p:set>
+                                  </p:childTnLst>
+                                </p:cTn>
+                              </p:par>
+                              <p:par>
+                                <p:cTn id="73" presetID="1" presetClass="entr" presetSubtype="0" fill="hold" nodeType="withEffect">
+                                  <p:stCondLst>
+                                    <p:cond delay="0"/>
+                                  </p:stCondLst>
+                                  <p:childTnLst>
+                                    <p:set>
+                                      <p:cBhvr>
+                                        <p:cTn id="74" dur="1" fill="hold">
+                                          <p:stCondLst>
+                                            <p:cond delay="0"/>
+                                          </p:stCondLst>
+                                        </p:cTn>
+                                        <p:tgtEl>
+                                          <p:spTgt spid="102"/>
+                                        </p:tgtEl>
+                                        <p:attrNameLst>
+                                          <p:attrName>style.visibility</p:attrName>
+                                        </p:attrNameLst>
+                                      </p:cBhvr>
+                                      <p:to>
+                                        <p:strVal val="visible"/>
+                                      </p:to>
+                                    </p:set>
+                                  </p:childTnLst>
+                                </p:cTn>
+                              </p:par>
+                              <p:par>
+                                <p:cTn id="75" presetID="1" presetClass="entr" presetSubtype="0" fill="hold" grpId="0" nodeType="withEffect">
+                                  <p:stCondLst>
+                                    <p:cond delay="0"/>
+                                  </p:stCondLst>
+                                  <p:childTnLst>
+                                    <p:set>
+                                      <p:cBhvr>
+                                        <p:cTn id="76" dur="1" fill="hold">
+                                          <p:stCondLst>
+                                            <p:cond delay="0"/>
+                                          </p:stCondLst>
+                                        </p:cTn>
+                                        <p:tgtEl>
+                                          <p:spTgt spid="40"/>
+                                        </p:tgtEl>
+                                        <p:attrNameLst>
+                                          <p:attrName>style.visibility</p:attrName>
+                                        </p:attrNameLst>
+                                      </p:cBhvr>
+                                      <p:to>
+                                        <p:strVal val="visible"/>
+                                      </p:to>
+                                    </p:set>
+                                  </p:childTnLst>
+                                </p:cTn>
+                              </p:par>
+                              <p:par>
+                                <p:cTn id="77" presetID="1" presetClass="entr" presetSubtype="0" fill="hold" nodeType="withEffect">
+                                  <p:stCondLst>
+                                    <p:cond delay="0"/>
+                                  </p:stCondLst>
+                                  <p:childTnLst>
+                                    <p:set>
+                                      <p:cBhvr>
+                                        <p:cTn id="78" dur="1" fill="hold">
+                                          <p:stCondLst>
+                                            <p:cond delay="0"/>
+                                          </p:stCondLst>
+                                        </p:cTn>
+                                        <p:tgtEl>
+                                          <p:spTgt spid="42"/>
+                                        </p:tgtEl>
+                                        <p:attrNameLst>
+                                          <p:attrName>style.visibility</p:attrName>
+                                        </p:attrNameLst>
+                                      </p:cBhvr>
+                                      <p:to>
+                                        <p:strVal val="visible"/>
+                                      </p:to>
+                                    </p:set>
+                                  </p:childTnLst>
+                                </p:cTn>
+                              </p:par>
+                              <p:par>
+                                <p:cTn id="79" presetID="1" presetClass="entr" presetSubtype="0" fill="hold" grpId="0" nodeType="withEffect">
+                                  <p:stCondLst>
+                                    <p:cond delay="0"/>
+                                  </p:stCondLst>
+                                  <p:childTnLst>
+                                    <p:set>
+                                      <p:cBhvr>
+                                        <p:cTn id="80" dur="1" fill="hold">
+                                          <p:stCondLst>
+                                            <p:cond delay="0"/>
+                                          </p:stCondLst>
+                                        </p:cTn>
+                                        <p:tgtEl>
+                                          <p:spTgt spid="43"/>
+                                        </p:tgtEl>
+                                        <p:attrNameLst>
+                                          <p:attrName>style.visibility</p:attrName>
+                                        </p:attrNameLst>
+                                      </p:cBhvr>
+                                      <p:to>
+                                        <p:strVal val="visible"/>
+                                      </p:to>
+                                    </p:set>
+                                  </p:childTnLst>
+                                </p:cTn>
+                              </p:par>
+                              <p:par>
+                                <p:cTn id="81" presetID="1" presetClass="exit" presetSubtype="0" fill="hold" nodeType="withEffect">
+                                  <p:stCondLst>
+                                    <p:cond delay="0"/>
+                                  </p:stCondLst>
+                                  <p:childTnLst>
+                                    <p:set>
+                                      <p:cBhvr>
+                                        <p:cTn id="82" dur="1" fill="hold">
+                                          <p:stCondLst>
+                                            <p:cond delay="0"/>
+                                          </p:stCondLst>
+                                        </p:cTn>
+                                        <p:tgtEl>
+                                          <p:spTgt spid="29"/>
+                                        </p:tgtEl>
+                                        <p:attrNameLst>
+                                          <p:attrName>style.visibility</p:attrName>
+                                        </p:attrNameLst>
+                                      </p:cBhvr>
+                                      <p:to>
+                                        <p:strVal val="hidden"/>
+                                      </p:to>
+                                    </p:set>
+                                  </p:childTnLst>
+                                </p:cTn>
+                              </p:par>
+                              <p:par>
+                                <p:cTn id="83" presetID="1" presetClass="exit" presetSubtype="0" fill="hold" grpId="1" nodeType="withEffect">
+                                  <p:stCondLst>
+                                    <p:cond delay="0"/>
+                                  </p:stCondLst>
+                                  <p:childTnLst>
+                                    <p:set>
+                                      <p:cBhvr>
+                                        <p:cTn id="84" dur="1" fill="hold">
+                                          <p:stCondLst>
+                                            <p:cond delay="0"/>
+                                          </p:stCondLst>
+                                        </p:cTn>
+                                        <p:tgtEl>
+                                          <p:spTgt spid="30"/>
+                                        </p:tgtEl>
+                                        <p:attrNameLst>
+                                          <p:attrName>style.visibility</p:attrName>
+                                        </p:attrNameLst>
+                                      </p:cBhvr>
+                                      <p:to>
+                                        <p:strVal val="hidden"/>
+                                      </p:to>
+                                    </p:set>
+                                  </p:childTnLst>
+                                </p:cTn>
+                              </p:par>
+                              <p:par>
+                                <p:cTn id="85" presetID="1" presetClass="exit" presetSubtype="0" fill="hold" grpId="1" nodeType="withEffect">
+                                  <p:stCondLst>
+                                    <p:cond delay="0"/>
+                                  </p:stCondLst>
+                                  <p:childTnLst>
+                                    <p:set>
+                                      <p:cBhvr>
+                                        <p:cTn id="86" dur="1" fill="hold">
+                                          <p:stCondLst>
+                                            <p:cond delay="0"/>
+                                          </p:stCondLst>
+                                        </p:cTn>
+                                        <p:tgtEl>
+                                          <p:spTgt spid="50"/>
+                                        </p:tgtEl>
+                                        <p:attrNameLst>
+                                          <p:attrName>style.visibility</p:attrName>
+                                        </p:attrNameLst>
+                                      </p:cBhvr>
+                                      <p:to>
+                                        <p:strVal val="hidden"/>
+                                      </p:to>
+                                    </p:set>
+                                  </p:childTnLst>
+                                </p:cTn>
+                              </p:par>
+                              <p:par>
+                                <p:cTn id="87" presetID="1" presetClass="exit" presetSubtype="0" fill="hold" grpId="1" nodeType="withEffect">
+                                  <p:stCondLst>
+                                    <p:cond delay="0"/>
+                                  </p:stCondLst>
+                                  <p:childTnLst>
+                                    <p:set>
+                                      <p:cBhvr>
+                                        <p:cTn id="88" dur="1" fill="hold">
+                                          <p:stCondLst>
+                                            <p:cond delay="0"/>
+                                          </p:stCondLst>
+                                        </p:cTn>
+                                        <p:tgtEl>
+                                          <p:spTgt spid="49"/>
+                                        </p:tgtEl>
+                                        <p:attrNameLst>
+                                          <p:attrName>style.visibility</p:attrName>
+                                        </p:attrNameLst>
+                                      </p:cBhvr>
+                                      <p:to>
+                                        <p:strVal val="hidden"/>
+                                      </p:to>
+                                    </p:set>
+                                  </p:childTnLst>
+                                </p:cTn>
+                              </p:par>
+                            </p:childTnLst>
+                          </p:cTn>
+                        </p:par>
+                      </p:childTnLst>
+                    </p:cTn>
+                  </p:par>
+                </p:childTnLst>
+              </p:cTn>
+              <p:prevCondLst>
+                <p:cond evt="onPrev" delay="0">
+                  <p:tgtEl>
+                    <p:sldTgt/>
+                  </p:tgtEl>
+                </p:cond>
+              </p:prevCondLst>
+              <p:nextCondLst>
+                <p:cond evt="onNext" delay="0">
+                  <p:tgtEl>
+                    <p:sldTgt/>
+                  </p:tgtEl>
+                </p:cond>
+              </p:nextCondLst>
+            </p:seq>
+          </p:childTnLst>
+        </p:cTn>
+      </p:par>
+    </p:tnLst>
+    <p:bldLst>
+      <p:bldP spid="5" grpId="0" animBg="1"/>
+      <p:bldP spid="9" grpId="0" animBg="1"/>
+      <p:bldP spid="11" grpId="0" animBg="1"/>
+      <p:bldP spid="12" grpId="0"/>
+      <p:bldP spid="13" grpId="0"/>
+      <p:bldP spid="18" grpId="0"/>
+      <p:bldP spid="72" grpId="0" animBg="1"/>
+      <p:bldP spid="101" grpId="0"/>
+      <p:bldP spid="14" grpId="0"/>
+      <p:bldP spid="40" grpId="0"/>
+      <p:bldP spid="59" grpId="0"/>
+      <p:bldP spid="8" grpId="0" animBg="1"/>
+      <p:bldP spid="20" grpId="0" animBg="1"/>
+      <p:bldP spid="21" grpId="1"/>
+      <p:bldP spid="30" grpId="0"/>
+      <p:bldP spid="30" grpId="1"/>
+      <p:bldP spid="35" grpId="0" animBg="1"/>
+      <p:bldP spid="41" grpId="0"/>
+      <p:bldP spid="43" grpId="0"/>
+      <p:bldP spid="47" grpId="0" animBg="1"/>
+      <p:bldP spid="48" grpId="0" animBg="1"/>
+      <p:bldP spid="49" grpId="0" animBg="1"/>
+      <p:bldP spid="49" grpId="1" animBg="1"/>
+      <p:bldP spid="50" grpId="0" animBg="1"/>
+      <p:bldP spid="50" grpId="1" animBg="1"/>
+    </p:bldLst>
+  </p:timing>
 </p:sld>
 </file>
 

--- a/loca_virt_draft.pptx
+++ b/loca_virt_draft.pptx
@@ -5,23 +5,25 @@
     <p:sldMasterId id="2147483648" r:id="rId1"/>
   </p:sldMasterIdLst>
   <p:notesMasterIdLst>
-    <p:notesMasterId r:id="rId16"/>
+    <p:notesMasterId r:id="rId18"/>
   </p:notesMasterIdLst>
   <p:sldIdLst>
     <p:sldId id="256" r:id="rId2"/>
-    <p:sldId id="277" r:id="rId3"/>
-    <p:sldId id="260" r:id="rId4"/>
-    <p:sldId id="272" r:id="rId5"/>
+    <p:sldId id="278" r:id="rId3"/>
+    <p:sldId id="277" r:id="rId4"/>
+    <p:sldId id="260" r:id="rId5"/>
     <p:sldId id="273" r:id="rId6"/>
-    <p:sldId id="259" r:id="rId7"/>
-    <p:sldId id="261" r:id="rId8"/>
-    <p:sldId id="274" r:id="rId9"/>
-    <p:sldId id="262" r:id="rId10"/>
-    <p:sldId id="275" r:id="rId11"/>
-    <p:sldId id="263" r:id="rId12"/>
-    <p:sldId id="269" r:id="rId13"/>
-    <p:sldId id="276" r:id="rId14"/>
-    <p:sldId id="268" r:id="rId15"/>
+    <p:sldId id="279" r:id="rId7"/>
+    <p:sldId id="272" r:id="rId8"/>
+    <p:sldId id="259" r:id="rId9"/>
+    <p:sldId id="261" r:id="rId10"/>
+    <p:sldId id="274" r:id="rId11"/>
+    <p:sldId id="262" r:id="rId12"/>
+    <p:sldId id="275" r:id="rId13"/>
+    <p:sldId id="263" r:id="rId14"/>
+    <p:sldId id="269" r:id="rId15"/>
+    <p:sldId id="276" r:id="rId16"/>
+    <p:sldId id="268" r:id="rId17"/>
   </p:sldIdLst>
   <p:sldSz cx="12192000" cy="6858000"/>
   <p:notesSz cx="6858000" cy="9144000"/>
@@ -626,7 +628,7 @@
           <a:p>
             <a:fld id="{180B0F4F-C4CA-F945-8BD8-C2A10415F31A}" type="slidenum">
               <a:rPr lang="en-US" smtClean="0"/>
-              <a:t>13</a:t>
+              <a:t>15</a:t>
             </a:fld>
             <a:endParaRPr lang="en-US"/>
           </a:p>
@@ -710,7 +712,7 @@
           <a:p>
             <a:fld id="{180B0F4F-C4CA-F945-8BD8-C2A10415F31A}" type="slidenum">
               <a:rPr lang="en-US" smtClean="0"/>
-              <a:t>2</a:t>
+              <a:t>3</a:t>
             </a:fld>
             <a:endParaRPr lang="en-US"/>
           </a:p>
@@ -794,7 +796,7 @@
           <a:p>
             <a:fld id="{180B0F4F-C4CA-F945-8BD8-C2A10415F31A}" type="slidenum">
               <a:rPr lang="en-US" smtClean="0"/>
-              <a:t>3</a:t>
+              <a:t>4</a:t>
             </a:fld>
             <a:endParaRPr lang="en-US"/>
           </a:p>
@@ -878,7 +880,7 @@
           <a:p>
             <a:fld id="{180B0F4F-C4CA-F945-8BD8-C2A10415F31A}" type="slidenum">
               <a:rPr lang="en-US" smtClean="0"/>
-              <a:t>4</a:t>
+              <a:t>5</a:t>
             </a:fld>
             <a:endParaRPr lang="en-US"/>
           </a:p>
@@ -887,7 +889,7 @@
     </p:spTree>
     <p:extLst>
       <p:ext uri="{BB962C8B-B14F-4D97-AF65-F5344CB8AC3E}">
-        <p14:creationId xmlns:p14="http://schemas.microsoft.com/office/powerpoint/2010/main" val="1471488681"/>
+        <p14:creationId xmlns:p14="http://schemas.microsoft.com/office/powerpoint/2010/main" val="2075521826"/>
       </p:ext>
     </p:extLst>
   </p:cSld>
@@ -962,7 +964,7 @@
           <a:p>
             <a:fld id="{180B0F4F-C4CA-F945-8BD8-C2A10415F31A}" type="slidenum">
               <a:rPr lang="en-US" smtClean="0"/>
-              <a:t>5</a:t>
+              <a:t>7</a:t>
             </a:fld>
             <a:endParaRPr lang="en-US"/>
           </a:p>
@@ -971,7 +973,7 @@
     </p:spTree>
     <p:extLst>
       <p:ext uri="{BB962C8B-B14F-4D97-AF65-F5344CB8AC3E}">
-        <p14:creationId xmlns:p14="http://schemas.microsoft.com/office/powerpoint/2010/main" val="2075521826"/>
+        <p14:creationId xmlns:p14="http://schemas.microsoft.com/office/powerpoint/2010/main" val="1471488681"/>
       </p:ext>
     </p:extLst>
   </p:cSld>
@@ -1046,7 +1048,7 @@
           <a:p>
             <a:fld id="{180B0F4F-C4CA-F945-8BD8-C2A10415F31A}" type="slidenum">
               <a:rPr lang="en-US" smtClean="0"/>
-              <a:t>6</a:t>
+              <a:t>8</a:t>
             </a:fld>
             <a:endParaRPr lang="en-US"/>
           </a:p>
@@ -1130,7 +1132,7 @@
           <a:p>
             <a:fld id="{180B0F4F-C4CA-F945-8BD8-C2A10415F31A}" type="slidenum">
               <a:rPr lang="en-US" smtClean="0"/>
-              <a:t>7</a:t>
+              <a:t>9</a:t>
             </a:fld>
             <a:endParaRPr lang="en-US"/>
           </a:p>
@@ -1214,7 +1216,7 @@
           <a:p>
             <a:fld id="{180B0F4F-C4CA-F945-8BD8-C2A10415F31A}" type="slidenum">
               <a:rPr lang="en-US" smtClean="0"/>
-              <a:t>8</a:t>
+              <a:t>10</a:t>
             </a:fld>
             <a:endParaRPr lang="en-US"/>
           </a:p>
@@ -1298,7 +1300,7 @@
           <a:p>
             <a:fld id="{180B0F4F-C4CA-F945-8BD8-C2A10415F31A}" type="slidenum">
               <a:rPr lang="en-US" smtClean="0"/>
-              <a:t>9</a:t>
+              <a:t>11</a:t>
             </a:fld>
             <a:endParaRPr lang="en-US"/>
           </a:p>
@@ -4649,6 +4651,1437 @@
           <a:chExt cx="0" cy="0"/>
         </a:xfrm>
       </p:grpSpPr>
+      <p:pic>
+        <p:nvPicPr>
+          <p:cNvPr id="10" name="Picture 9" descr="Text, letter&#10;&#10;Description automatically generated">
+            <a:extLst>
+              <a:ext uri="{FF2B5EF4-FFF2-40B4-BE49-F238E27FC236}">
+                <a16:creationId xmlns:a16="http://schemas.microsoft.com/office/drawing/2014/main" id="{0EB949B6-1A35-7EFC-BE38-A7B74506C0C1}"/>
+              </a:ext>
+            </a:extLst>
+          </p:cNvPr>
+          <p:cNvPicPr>
+            <a:picLocks noChangeAspect="1"/>
+          </p:cNvPicPr>
+          <p:nvPr/>
+        </p:nvPicPr>
+        <p:blipFill>
+          <a:blip r:embed="rId3"/>
+          <a:stretch>
+            <a:fillRect/>
+          </a:stretch>
+        </p:blipFill>
+        <p:spPr>
+          <a:xfrm>
+            <a:off x="1150633" y="3075265"/>
+            <a:ext cx="8553677" cy="1452295"/>
+          </a:xfrm>
+          <a:prstGeom prst="rect">
+            <a:avLst/>
+          </a:prstGeom>
+        </p:spPr>
+      </p:pic>
+      <p:sp>
+        <p:nvSpPr>
+          <p:cNvPr id="2" name="Title 1">
+            <a:extLst>
+              <a:ext uri="{FF2B5EF4-FFF2-40B4-BE49-F238E27FC236}">
+                <a16:creationId xmlns:a16="http://schemas.microsoft.com/office/drawing/2014/main" id="{284DB793-5AE9-B6A8-76CE-5A520F686150}"/>
+              </a:ext>
+            </a:extLst>
+          </p:cNvPr>
+          <p:cNvSpPr>
+            <a:spLocks noGrp="1"/>
+          </p:cNvSpPr>
+          <p:nvPr>
+            <p:ph type="title"/>
+          </p:nvPr>
+        </p:nvSpPr>
+        <p:spPr>
+          <a:xfrm>
+            <a:off x="274320" y="365125"/>
+            <a:ext cx="11846560" cy="1325563"/>
+          </a:xfrm>
+        </p:spPr>
+        <p:txBody>
+          <a:bodyPr/>
+          <a:lstStyle/>
+          <a:p>
+            <a:r>
+              <a:rPr lang="en-US" dirty="0"/>
+              <a:t>Program Logic: Sharing under Page-Table Update</a:t>
+            </a:r>
+          </a:p>
+        </p:txBody>
+      </p:sp>
+      <p:sp>
+        <p:nvSpPr>
+          <p:cNvPr id="3" name="Content Placeholder 2">
+            <a:extLst>
+              <a:ext uri="{FF2B5EF4-FFF2-40B4-BE49-F238E27FC236}">
+                <a16:creationId xmlns:a16="http://schemas.microsoft.com/office/drawing/2014/main" id="{9FF1F8C8-7199-2E31-B355-11262FAAF4F5}"/>
+              </a:ext>
+            </a:extLst>
+          </p:cNvPr>
+          <p:cNvSpPr>
+            <a:spLocks noGrp="1"/>
+          </p:cNvSpPr>
+          <p:nvPr>
+            <p:ph idx="1"/>
+          </p:nvPr>
+        </p:nvSpPr>
+        <p:spPr/>
+        <p:txBody>
+          <a:bodyPr/>
+          <a:lstStyle/>
+          <a:p>
+            <a:r>
+              <a:rPr lang="en-US" dirty="0"/>
+              <a:t>Adding a new page requires an update to L1 table</a:t>
+            </a:r>
+          </a:p>
+        </p:txBody>
+      </p:sp>
+      <p:sp>
+        <p:nvSpPr>
+          <p:cNvPr id="7" name="Oval 6">
+            <a:extLst>
+              <a:ext uri="{FF2B5EF4-FFF2-40B4-BE49-F238E27FC236}">
+                <a16:creationId xmlns:a16="http://schemas.microsoft.com/office/drawing/2014/main" id="{129A6321-2269-3D61-0AEB-FFC845CC678C}"/>
+              </a:ext>
+            </a:extLst>
+          </p:cNvPr>
+          <p:cNvSpPr/>
+          <p:nvPr/>
+        </p:nvSpPr>
+        <p:spPr>
+          <a:xfrm>
+            <a:off x="838200" y="4185920"/>
+            <a:ext cx="5582920" cy="326947"/>
+          </a:xfrm>
+          <a:prstGeom prst="ellipse">
+            <a:avLst/>
+          </a:prstGeom>
+          <a:noFill/>
+        </p:spPr>
+        <p:style>
+          <a:lnRef idx="2">
+            <a:schemeClr val="accent1">
+              <a:shade val="50000"/>
+            </a:schemeClr>
+          </a:lnRef>
+          <a:fillRef idx="1">
+            <a:schemeClr val="accent1"/>
+          </a:fillRef>
+          <a:effectRef idx="0">
+            <a:schemeClr val="accent1"/>
+          </a:effectRef>
+          <a:fontRef idx="minor">
+            <a:schemeClr val="lt1"/>
+          </a:fontRef>
+        </p:style>
+        <p:txBody>
+          <a:bodyPr rtlCol="0" anchor="ctr"/>
+          <a:lstStyle/>
+          <a:p>
+            <a:pPr algn="ctr"/>
+            <a:endParaRPr lang="en-US"/>
+          </a:p>
+        </p:txBody>
+      </p:sp>
+      <p:sp>
+        <p:nvSpPr>
+          <p:cNvPr id="8" name="Oval Callout 7">
+            <a:extLst>
+              <a:ext uri="{FF2B5EF4-FFF2-40B4-BE49-F238E27FC236}">
+                <a16:creationId xmlns:a16="http://schemas.microsoft.com/office/drawing/2014/main" id="{AEB7DF88-F2A7-7F1D-072B-EEC78F596AFD}"/>
+              </a:ext>
+            </a:extLst>
+          </p:cNvPr>
+          <p:cNvSpPr/>
+          <p:nvPr/>
+        </p:nvSpPr>
+        <p:spPr>
+          <a:xfrm>
+            <a:off x="6733553" y="4002944"/>
+            <a:ext cx="5011901" cy="2882900"/>
+          </a:xfrm>
+          <a:prstGeom prst="wedgeEllipseCallout">
+            <a:avLst>
+              <a:gd name="adj1" fmla="val -81777"/>
+              <a:gd name="adj2" fmla="val -32556"/>
+            </a:avLst>
+          </a:prstGeom>
+          <a:noFill/>
+        </p:spPr>
+        <p:style>
+          <a:lnRef idx="2">
+            <a:schemeClr val="accent1">
+              <a:shade val="50000"/>
+            </a:schemeClr>
+          </a:lnRef>
+          <a:fillRef idx="1">
+            <a:schemeClr val="accent1"/>
+          </a:fillRef>
+          <a:effectRef idx="0">
+            <a:schemeClr val="accent1"/>
+          </a:effectRef>
+          <a:fontRef idx="minor">
+            <a:schemeClr val="lt1"/>
+          </a:fontRef>
+        </p:style>
+        <p:txBody>
+          <a:bodyPr rtlCol="0" anchor="ctr"/>
+          <a:lstStyle/>
+          <a:p>
+            <a:pPr algn="ctr"/>
+            <a:endParaRPr lang="en-US"/>
+          </a:p>
+        </p:txBody>
+      </p:sp>
+      <p:sp>
+        <p:nvSpPr>
+          <p:cNvPr id="9" name="TextBox 8">
+            <a:extLst>
+              <a:ext uri="{FF2B5EF4-FFF2-40B4-BE49-F238E27FC236}">
+                <a16:creationId xmlns:a16="http://schemas.microsoft.com/office/drawing/2014/main" id="{25E76388-490D-6008-D377-D65953C85663}"/>
+              </a:ext>
+            </a:extLst>
+          </p:cNvPr>
+          <p:cNvSpPr txBox="1"/>
+          <p:nvPr/>
+        </p:nvSpPr>
+        <p:spPr>
+          <a:xfrm>
+            <a:off x="7255762" y="4558835"/>
+            <a:ext cx="4098037" cy="1200329"/>
+          </a:xfrm>
+          <a:prstGeom prst="rect">
+            <a:avLst/>
+          </a:prstGeom>
+          <a:noFill/>
+        </p:spPr>
+        <p:txBody>
+          <a:bodyPr wrap="square" rtlCol="0">
+            <a:spAutoFit/>
+          </a:bodyPr>
+          <a:lstStyle/>
+          <a:p>
+            <a:r>
+              <a:rPr lang="en-US" dirty="0"/>
+              <a:t>Oops! L1 Table is updated! </a:t>
+            </a:r>
+          </a:p>
+          <a:p>
+            <a:r>
+              <a:rPr lang="en-US" dirty="0"/>
+              <a:t>This would make all virtual-points-to defined in terms of physical points-table-points-</a:t>
+            </a:r>
+            <a:r>
+              <a:rPr lang="en-US" dirty="0" err="1"/>
+              <a:t>tos</a:t>
+            </a:r>
+            <a:r>
+              <a:rPr lang="en-US" dirty="0"/>
+              <a:t> </a:t>
+            </a:r>
+            <a:r>
+              <a:rPr lang="en-US" b="1" i="1" dirty="0"/>
+              <a:t>unsound!</a:t>
+            </a:r>
+            <a:endParaRPr lang="en-US" dirty="0"/>
+          </a:p>
+        </p:txBody>
+      </p:sp>
+      <p:pic>
+        <p:nvPicPr>
+          <p:cNvPr id="11" name="Picture 10">
+            <a:extLst>
+              <a:ext uri="{FF2B5EF4-FFF2-40B4-BE49-F238E27FC236}">
+                <a16:creationId xmlns:a16="http://schemas.microsoft.com/office/drawing/2014/main" id="{FD704CBA-00DD-4136-50DB-2AB05AEE939B}"/>
+              </a:ext>
+            </a:extLst>
+          </p:cNvPr>
+          <p:cNvPicPr>
+            <a:picLocks noChangeAspect="1"/>
+          </p:cNvPicPr>
+          <p:nvPr/>
+        </p:nvPicPr>
+        <p:blipFill>
+          <a:blip r:embed="rId4"/>
+          <a:stretch>
+            <a:fillRect/>
+          </a:stretch>
+        </p:blipFill>
+        <p:spPr>
+          <a:xfrm>
+            <a:off x="834390" y="2696750"/>
+            <a:ext cx="6553200" cy="317500"/>
+          </a:xfrm>
+          <a:prstGeom prst="rect">
+            <a:avLst/>
+          </a:prstGeom>
+        </p:spPr>
+      </p:pic>
+      <p:pic>
+        <p:nvPicPr>
+          <p:cNvPr id="12" name="Picture 11">
+            <a:extLst>
+              <a:ext uri="{FF2B5EF4-FFF2-40B4-BE49-F238E27FC236}">
+                <a16:creationId xmlns:a16="http://schemas.microsoft.com/office/drawing/2014/main" id="{1D26CC3E-683B-5F43-23E6-65E19E98F131}"/>
+              </a:ext>
+            </a:extLst>
+          </p:cNvPr>
+          <p:cNvPicPr>
+            <a:picLocks noChangeAspect="1"/>
+          </p:cNvPicPr>
+          <p:nvPr/>
+        </p:nvPicPr>
+        <p:blipFill>
+          <a:blip r:embed="rId5"/>
+          <a:stretch>
+            <a:fillRect/>
+          </a:stretch>
+        </p:blipFill>
+        <p:spPr>
+          <a:xfrm>
+            <a:off x="7255763" y="2690654"/>
+            <a:ext cx="254000" cy="304800"/>
+          </a:xfrm>
+          <a:prstGeom prst="rect">
+            <a:avLst/>
+          </a:prstGeom>
+        </p:spPr>
+      </p:pic>
+    </p:spTree>
+    <p:extLst>
+      <p:ext uri="{BB962C8B-B14F-4D97-AF65-F5344CB8AC3E}">
+        <p14:creationId xmlns:p14="http://schemas.microsoft.com/office/powerpoint/2010/main" val="1369945462"/>
+      </p:ext>
+    </p:extLst>
+  </p:cSld>
+  <p:clrMapOvr>
+    <a:masterClrMapping/>
+  </p:clrMapOvr>
+  <p:timing>
+    <p:tnLst>
+      <p:par>
+        <p:cTn id="1" dur="indefinite" restart="never" nodeType="tmRoot">
+          <p:childTnLst>
+            <p:seq concurrent="1" nextAc="seek">
+              <p:cTn id="2" dur="indefinite" nodeType="mainSeq">
+                <p:childTnLst>
+                  <p:par>
+                    <p:cTn id="3" fill="hold">
+                      <p:stCondLst>
+                        <p:cond delay="indefinite"/>
+                      </p:stCondLst>
+                      <p:childTnLst>
+                        <p:par>
+                          <p:cTn id="4" fill="hold">
+                            <p:stCondLst>
+                              <p:cond delay="0"/>
+                            </p:stCondLst>
+                            <p:childTnLst>
+                              <p:par>
+                                <p:cTn id="5" presetID="1" presetClass="entr" presetSubtype="0" fill="hold" grpId="0" nodeType="clickEffect">
+                                  <p:stCondLst>
+                                    <p:cond delay="0"/>
+                                  </p:stCondLst>
+                                  <p:childTnLst>
+                                    <p:set>
+                                      <p:cBhvr>
+                                        <p:cTn id="6" dur="1" fill="hold">
+                                          <p:stCondLst>
+                                            <p:cond delay="0"/>
+                                          </p:stCondLst>
+                                        </p:cTn>
+                                        <p:tgtEl>
+                                          <p:spTgt spid="7"/>
+                                        </p:tgtEl>
+                                        <p:attrNameLst>
+                                          <p:attrName>style.visibility</p:attrName>
+                                        </p:attrNameLst>
+                                      </p:cBhvr>
+                                      <p:to>
+                                        <p:strVal val="visible"/>
+                                      </p:to>
+                                    </p:set>
+                                  </p:childTnLst>
+                                </p:cTn>
+                              </p:par>
+                            </p:childTnLst>
+                          </p:cTn>
+                        </p:par>
+                      </p:childTnLst>
+                    </p:cTn>
+                  </p:par>
+                  <p:par>
+                    <p:cTn id="7" fill="hold">
+                      <p:stCondLst>
+                        <p:cond delay="indefinite"/>
+                      </p:stCondLst>
+                      <p:childTnLst>
+                        <p:par>
+                          <p:cTn id="8" fill="hold">
+                            <p:stCondLst>
+                              <p:cond delay="0"/>
+                            </p:stCondLst>
+                            <p:childTnLst>
+                              <p:par>
+                                <p:cTn id="9" presetID="1" presetClass="entr" presetSubtype="0" fill="hold" grpId="0" nodeType="clickEffect">
+                                  <p:stCondLst>
+                                    <p:cond delay="0"/>
+                                  </p:stCondLst>
+                                  <p:childTnLst>
+                                    <p:set>
+                                      <p:cBhvr>
+                                        <p:cTn id="10" dur="1" fill="hold">
+                                          <p:stCondLst>
+                                            <p:cond delay="0"/>
+                                          </p:stCondLst>
+                                        </p:cTn>
+                                        <p:tgtEl>
+                                          <p:spTgt spid="8"/>
+                                        </p:tgtEl>
+                                        <p:attrNameLst>
+                                          <p:attrName>style.visibility</p:attrName>
+                                        </p:attrNameLst>
+                                      </p:cBhvr>
+                                      <p:to>
+                                        <p:strVal val="visible"/>
+                                      </p:to>
+                                    </p:set>
+                                  </p:childTnLst>
+                                </p:cTn>
+                              </p:par>
+                              <p:par>
+                                <p:cTn id="11" presetID="1" presetClass="entr" presetSubtype="0" fill="hold" grpId="0" nodeType="withEffect">
+                                  <p:stCondLst>
+                                    <p:cond delay="0"/>
+                                  </p:stCondLst>
+                                  <p:childTnLst>
+                                    <p:set>
+                                      <p:cBhvr>
+                                        <p:cTn id="12" dur="1" fill="hold">
+                                          <p:stCondLst>
+                                            <p:cond delay="0"/>
+                                          </p:stCondLst>
+                                        </p:cTn>
+                                        <p:tgtEl>
+                                          <p:spTgt spid="9"/>
+                                        </p:tgtEl>
+                                        <p:attrNameLst>
+                                          <p:attrName>style.visibility</p:attrName>
+                                        </p:attrNameLst>
+                                      </p:cBhvr>
+                                      <p:to>
+                                        <p:strVal val="visible"/>
+                                      </p:to>
+                                    </p:set>
+                                  </p:childTnLst>
+                                </p:cTn>
+                              </p:par>
+                            </p:childTnLst>
+                          </p:cTn>
+                        </p:par>
+                      </p:childTnLst>
+                    </p:cTn>
+                  </p:par>
+                </p:childTnLst>
+              </p:cTn>
+              <p:prevCondLst>
+                <p:cond evt="onPrev" delay="0">
+                  <p:tgtEl>
+                    <p:sldTgt/>
+                  </p:tgtEl>
+                </p:cond>
+              </p:prevCondLst>
+              <p:nextCondLst>
+                <p:cond evt="onNext" delay="0">
+                  <p:tgtEl>
+                    <p:sldTgt/>
+                  </p:tgtEl>
+                </p:cond>
+              </p:nextCondLst>
+            </p:seq>
+          </p:childTnLst>
+        </p:cTn>
+      </p:par>
+    </p:tnLst>
+    <p:bldLst>
+      <p:bldP spid="7" grpId="0" animBg="1"/>
+      <p:bldP spid="8" grpId="0" animBg="1"/>
+      <p:bldP spid="9" grpId="0"/>
+    </p:bldLst>
+  </p:timing>
+</p:sld>
+</file>
+
+<file path=ppt/slides/slide11.xml><?xml version="1.0" encoding="utf-8"?>
+<p:sld xmlns:a="http://schemas.openxmlformats.org/drawingml/2006/main" xmlns:r="http://schemas.openxmlformats.org/officeDocument/2006/relationships" xmlns:p="http://schemas.openxmlformats.org/presentationml/2006/main">
+  <p:cSld>
+    <p:spTree>
+      <p:nvGrpSpPr>
+        <p:cNvPr id="1" name=""/>
+        <p:cNvGrpSpPr/>
+        <p:nvPr/>
+      </p:nvGrpSpPr>
+      <p:grpSpPr>
+        <a:xfrm>
+          <a:off x="0" y="0"/>
+          <a:ext cx="0" cy="0"/>
+          <a:chOff x="0" y="0"/>
+          <a:chExt cx="0" cy="0"/>
+        </a:xfrm>
+      </p:grpSpPr>
+      <p:pic>
+        <p:nvPicPr>
+          <p:cNvPr id="9" name="Content Placeholder 8" descr="Text&#10;&#10;Description automatically generated with medium confidence">
+            <a:extLst>
+              <a:ext uri="{FF2B5EF4-FFF2-40B4-BE49-F238E27FC236}">
+                <a16:creationId xmlns:a16="http://schemas.microsoft.com/office/drawing/2014/main" id="{A9AAEE6D-652B-30EF-035A-D7654C014F64}"/>
+              </a:ext>
+            </a:extLst>
+          </p:cNvPr>
+          <p:cNvPicPr>
+            <a:picLocks noGrp="1" noChangeAspect="1"/>
+          </p:cNvPicPr>
+          <p:nvPr>
+            <p:ph idx="1"/>
+          </p:nvPr>
+        </p:nvPicPr>
+        <p:blipFill>
+          <a:blip r:embed="rId3"/>
+          <a:stretch>
+            <a:fillRect/>
+          </a:stretch>
+        </p:blipFill>
+        <p:spPr>
+          <a:xfrm>
+            <a:off x="1040130" y="2383314"/>
+            <a:ext cx="1638300" cy="431800"/>
+          </a:xfrm>
+        </p:spPr>
+      </p:pic>
+      <p:sp>
+        <p:nvSpPr>
+          <p:cNvPr id="7" name="Title 1">
+            <a:extLst>
+              <a:ext uri="{FF2B5EF4-FFF2-40B4-BE49-F238E27FC236}">
+                <a16:creationId xmlns:a16="http://schemas.microsoft.com/office/drawing/2014/main" id="{997A79CB-958A-800C-8ECC-077018D17896}"/>
+              </a:ext>
+            </a:extLst>
+          </p:cNvPr>
+          <p:cNvSpPr>
+            <a:spLocks noGrp="1"/>
+          </p:cNvSpPr>
+          <p:nvPr>
+            <p:ph type="title"/>
+          </p:nvPr>
+        </p:nvSpPr>
+        <p:spPr>
+          <a:xfrm>
+            <a:off x="453646" y="110570"/>
+            <a:ext cx="11846560" cy="1325563"/>
+          </a:xfrm>
+        </p:spPr>
+        <p:txBody>
+          <a:bodyPr/>
+          <a:lstStyle/>
+          <a:p>
+            <a:r>
+              <a:rPr lang="en-US" dirty="0"/>
+              <a:t>Program Logic: Abstracting Page-Table Walk</a:t>
+            </a:r>
+          </a:p>
+        </p:txBody>
+      </p:sp>
+      <p:pic>
+        <p:nvPicPr>
+          <p:cNvPr id="13" name="Picture 12">
+            <a:extLst>
+              <a:ext uri="{FF2B5EF4-FFF2-40B4-BE49-F238E27FC236}">
+                <a16:creationId xmlns:a16="http://schemas.microsoft.com/office/drawing/2014/main" id="{AA67835F-7AC1-1D85-0220-42161907A778}"/>
+              </a:ext>
+            </a:extLst>
+          </p:cNvPr>
+          <p:cNvPicPr>
+            <a:picLocks noChangeAspect="1"/>
+          </p:cNvPicPr>
+          <p:nvPr/>
+        </p:nvPicPr>
+        <p:blipFill>
+          <a:blip r:embed="rId4"/>
+          <a:stretch>
+            <a:fillRect/>
+          </a:stretch>
+        </p:blipFill>
+        <p:spPr>
+          <a:xfrm>
+            <a:off x="2717800" y="2423160"/>
+            <a:ext cx="254000" cy="304800"/>
+          </a:xfrm>
+          <a:prstGeom prst="rect">
+            <a:avLst/>
+          </a:prstGeom>
+        </p:spPr>
+      </p:pic>
+      <p:pic>
+        <p:nvPicPr>
+          <p:cNvPr id="15" name="Picture 14" descr="Diagram&#10;&#10;Description automatically generated">
+            <a:extLst>
+              <a:ext uri="{FF2B5EF4-FFF2-40B4-BE49-F238E27FC236}">
+                <a16:creationId xmlns:a16="http://schemas.microsoft.com/office/drawing/2014/main" id="{81AF9EA2-91E5-B0E5-6755-D86D1B0F1CD9}"/>
+              </a:ext>
+            </a:extLst>
+          </p:cNvPr>
+          <p:cNvPicPr>
+            <a:picLocks noChangeAspect="1"/>
+          </p:cNvPicPr>
+          <p:nvPr/>
+        </p:nvPicPr>
+        <p:blipFill>
+          <a:blip r:embed="rId5"/>
+          <a:stretch>
+            <a:fillRect/>
+          </a:stretch>
+        </p:blipFill>
+        <p:spPr>
+          <a:xfrm>
+            <a:off x="5274310" y="2383314"/>
+            <a:ext cx="1739900" cy="1333500"/>
+          </a:xfrm>
+          <a:prstGeom prst="rect">
+            <a:avLst/>
+          </a:prstGeom>
+        </p:spPr>
+      </p:pic>
+      <p:pic>
+        <p:nvPicPr>
+          <p:cNvPr id="17" name="Picture 16" descr="Text&#10;&#10;Description automatically generated">
+            <a:extLst>
+              <a:ext uri="{FF2B5EF4-FFF2-40B4-BE49-F238E27FC236}">
+                <a16:creationId xmlns:a16="http://schemas.microsoft.com/office/drawing/2014/main" id="{F0D9E048-E671-557B-04E0-8192AE8E3ACF}"/>
+              </a:ext>
+            </a:extLst>
+          </p:cNvPr>
+          <p:cNvPicPr>
+            <a:picLocks noChangeAspect="1"/>
+          </p:cNvPicPr>
+          <p:nvPr/>
+        </p:nvPicPr>
+        <p:blipFill>
+          <a:blip r:embed="rId6"/>
+          <a:stretch>
+            <a:fillRect/>
+          </a:stretch>
+        </p:blipFill>
+        <p:spPr>
+          <a:xfrm>
+            <a:off x="3011170" y="2214881"/>
+            <a:ext cx="2120900" cy="1460500"/>
+          </a:xfrm>
+          <a:prstGeom prst="rect">
+            <a:avLst/>
+          </a:prstGeom>
+        </p:spPr>
+      </p:pic>
+      <p:pic>
+        <p:nvPicPr>
+          <p:cNvPr id="19" name="Picture 18" descr="Icon&#10;&#10;Description automatically generated">
+            <a:extLst>
+              <a:ext uri="{FF2B5EF4-FFF2-40B4-BE49-F238E27FC236}">
+                <a16:creationId xmlns:a16="http://schemas.microsoft.com/office/drawing/2014/main" id="{4AD3309B-C993-FD2B-3CEF-450EFAA2D016}"/>
+              </a:ext>
+            </a:extLst>
+          </p:cNvPr>
+          <p:cNvPicPr>
+            <a:picLocks noChangeAspect="1"/>
+          </p:cNvPicPr>
+          <p:nvPr/>
+        </p:nvPicPr>
+        <p:blipFill>
+          <a:blip r:embed="rId7"/>
+          <a:stretch>
+            <a:fillRect/>
+          </a:stretch>
+        </p:blipFill>
+        <p:spPr>
+          <a:xfrm>
+            <a:off x="3561080" y="2092581"/>
+            <a:ext cx="1021080" cy="1021080"/>
+          </a:xfrm>
+          <a:prstGeom prst="rect">
+            <a:avLst/>
+          </a:prstGeom>
+        </p:spPr>
+      </p:pic>
+      <p:pic>
+        <p:nvPicPr>
+          <p:cNvPr id="21" name="Picture 20" descr="A picture containing logo&#10;&#10;Description automatically generated">
+            <a:extLst>
+              <a:ext uri="{FF2B5EF4-FFF2-40B4-BE49-F238E27FC236}">
+                <a16:creationId xmlns:a16="http://schemas.microsoft.com/office/drawing/2014/main" id="{CD4E1F76-4D57-8DA7-4509-FAAF7CFAADB8}"/>
+              </a:ext>
+            </a:extLst>
+          </p:cNvPr>
+          <p:cNvPicPr>
+            <a:picLocks noChangeAspect="1"/>
+          </p:cNvPicPr>
+          <p:nvPr/>
+        </p:nvPicPr>
+        <p:blipFill>
+          <a:blip r:embed="rId8"/>
+          <a:stretch>
+            <a:fillRect/>
+          </a:stretch>
+        </p:blipFill>
+        <p:spPr>
+          <a:xfrm>
+            <a:off x="855980" y="4372610"/>
+            <a:ext cx="2006600" cy="368300"/>
+          </a:xfrm>
+          <a:prstGeom prst="rect">
+            <a:avLst/>
+          </a:prstGeom>
+        </p:spPr>
+      </p:pic>
+      <p:pic>
+        <p:nvPicPr>
+          <p:cNvPr id="23" name="Picture 22">
+            <a:extLst>
+              <a:ext uri="{FF2B5EF4-FFF2-40B4-BE49-F238E27FC236}">
+                <a16:creationId xmlns:a16="http://schemas.microsoft.com/office/drawing/2014/main" id="{7301D611-21B4-0888-9ADD-6AEFBC8F9CE7}"/>
+              </a:ext>
+            </a:extLst>
+          </p:cNvPr>
+          <p:cNvPicPr>
+            <a:picLocks noChangeAspect="1"/>
+          </p:cNvPicPr>
+          <p:nvPr/>
+        </p:nvPicPr>
+        <p:blipFill>
+          <a:blip r:embed="rId9"/>
+          <a:stretch>
+            <a:fillRect/>
+          </a:stretch>
+        </p:blipFill>
+        <p:spPr>
+          <a:xfrm>
+            <a:off x="2815685" y="4409440"/>
+            <a:ext cx="9271906" cy="541701"/>
+          </a:xfrm>
+          <a:prstGeom prst="rect">
+            <a:avLst/>
+          </a:prstGeom>
+        </p:spPr>
+      </p:pic>
+      <p:pic>
+        <p:nvPicPr>
+          <p:cNvPr id="27" name="Picture 26" descr="A picture containing text&#10;&#10;Description automatically generated">
+            <a:extLst>
+              <a:ext uri="{FF2B5EF4-FFF2-40B4-BE49-F238E27FC236}">
+                <a16:creationId xmlns:a16="http://schemas.microsoft.com/office/drawing/2014/main" id="{A37C4D8F-8C90-ADD3-E4CC-80863AF52BD1}"/>
+              </a:ext>
+            </a:extLst>
+          </p:cNvPr>
+          <p:cNvPicPr>
+            <a:picLocks noChangeAspect="1"/>
+          </p:cNvPicPr>
+          <p:nvPr/>
+        </p:nvPicPr>
+        <p:blipFill>
+          <a:blip r:embed="rId10"/>
+          <a:stretch>
+            <a:fillRect/>
+          </a:stretch>
+        </p:blipFill>
+        <p:spPr>
+          <a:xfrm>
+            <a:off x="6913653" y="4801345"/>
+            <a:ext cx="2882900" cy="482600"/>
+          </a:xfrm>
+          <a:prstGeom prst="rect">
+            <a:avLst/>
+          </a:prstGeom>
+        </p:spPr>
+      </p:pic>
+      <p:sp>
+        <p:nvSpPr>
+          <p:cNvPr id="28" name="Oval Callout 27">
+            <a:extLst>
+              <a:ext uri="{FF2B5EF4-FFF2-40B4-BE49-F238E27FC236}">
+                <a16:creationId xmlns:a16="http://schemas.microsoft.com/office/drawing/2014/main" id="{2B59726F-A2C6-3382-245B-D66B99AC9946}"/>
+              </a:ext>
+            </a:extLst>
+          </p:cNvPr>
+          <p:cNvSpPr/>
+          <p:nvPr/>
+        </p:nvSpPr>
+        <p:spPr>
+          <a:xfrm>
+            <a:off x="5035550" y="1057751"/>
+            <a:ext cx="6869938" cy="1325563"/>
+          </a:xfrm>
+          <a:prstGeom prst="wedgeEllipseCallout">
+            <a:avLst>
+              <a:gd name="adj1" fmla="val -63084"/>
+              <a:gd name="adj2" fmla="val 62500"/>
+            </a:avLst>
+          </a:prstGeom>
+          <a:noFill/>
+        </p:spPr>
+        <p:style>
+          <a:lnRef idx="2">
+            <a:schemeClr val="accent1">
+              <a:shade val="50000"/>
+            </a:schemeClr>
+          </a:lnRef>
+          <a:fillRef idx="1">
+            <a:schemeClr val="accent1"/>
+          </a:fillRef>
+          <a:effectRef idx="0">
+            <a:schemeClr val="accent1"/>
+          </a:effectRef>
+          <a:fontRef idx="minor">
+            <a:schemeClr val="lt1"/>
+          </a:fontRef>
+        </p:style>
+        <p:txBody>
+          <a:bodyPr rtlCol="0" anchor="ctr"/>
+          <a:lstStyle/>
+          <a:p>
+            <a:pPr algn="ctr"/>
+            <a:endParaRPr lang="en-US"/>
+          </a:p>
+        </p:txBody>
+      </p:sp>
+      <p:sp>
+        <p:nvSpPr>
+          <p:cNvPr id="29" name="Oval Callout 28">
+            <a:extLst>
+              <a:ext uri="{FF2B5EF4-FFF2-40B4-BE49-F238E27FC236}">
+                <a16:creationId xmlns:a16="http://schemas.microsoft.com/office/drawing/2014/main" id="{1A39C57B-4710-243D-BAF5-D8CF75CEC588}"/>
+              </a:ext>
+            </a:extLst>
+          </p:cNvPr>
+          <p:cNvSpPr/>
+          <p:nvPr/>
+        </p:nvSpPr>
+        <p:spPr>
+          <a:xfrm>
+            <a:off x="104410" y="4951140"/>
+            <a:ext cx="4902806" cy="1660717"/>
+          </a:xfrm>
+          <a:prstGeom prst="wedgeEllipseCallout">
+            <a:avLst>
+              <a:gd name="adj1" fmla="val 92601"/>
+              <a:gd name="adj2" fmla="val -55235"/>
+            </a:avLst>
+          </a:prstGeom>
+          <a:noFill/>
+        </p:spPr>
+        <p:style>
+          <a:lnRef idx="2">
+            <a:schemeClr val="accent1">
+              <a:shade val="50000"/>
+            </a:schemeClr>
+          </a:lnRef>
+          <a:fillRef idx="1">
+            <a:schemeClr val="accent1"/>
+          </a:fillRef>
+          <a:effectRef idx="0">
+            <a:schemeClr val="accent1"/>
+          </a:effectRef>
+          <a:fontRef idx="minor">
+            <a:schemeClr val="lt1"/>
+          </a:fontRef>
+        </p:style>
+        <p:txBody>
+          <a:bodyPr rtlCol="0" anchor="ctr"/>
+          <a:lstStyle/>
+          <a:p>
+            <a:pPr algn="ctr"/>
+            <a:endParaRPr lang="en-US"/>
+          </a:p>
+        </p:txBody>
+      </p:sp>
+      <p:sp>
+        <p:nvSpPr>
+          <p:cNvPr id="30" name="TextBox 29">
+            <a:extLst>
+              <a:ext uri="{FF2B5EF4-FFF2-40B4-BE49-F238E27FC236}">
+                <a16:creationId xmlns:a16="http://schemas.microsoft.com/office/drawing/2014/main" id="{64BBC137-FBD3-0EEB-9C8F-AEE557DFE0C7}"/>
+              </a:ext>
+            </a:extLst>
+          </p:cNvPr>
+          <p:cNvSpPr txBox="1"/>
+          <p:nvPr/>
+        </p:nvSpPr>
+        <p:spPr>
+          <a:xfrm>
+            <a:off x="5970868" y="1308371"/>
+            <a:ext cx="5625246" cy="923330"/>
+          </a:xfrm>
+          <a:prstGeom prst="rect">
+            <a:avLst/>
+          </a:prstGeom>
+          <a:noFill/>
+        </p:spPr>
+        <p:txBody>
+          <a:bodyPr wrap="square" rtlCol="0">
+            <a:spAutoFit/>
+          </a:bodyPr>
+          <a:lstStyle/>
+          <a:p>
+            <a:r>
+              <a:rPr lang="en-US" dirty="0"/>
+              <a:t>Abstract Physical Page Table Walk with a </a:t>
+            </a:r>
+            <a:r>
+              <a:rPr lang="en-US" i="1" dirty="0"/>
+              <a:t>ghost-map </a:t>
+            </a:r>
+            <a:r>
+              <a:rPr lang="en-US" dirty="0"/>
+              <a:t>mapping and distribute the read-only piece to virtual-</a:t>
+            </a:r>
+            <a:r>
+              <a:rPr lang="en-US" dirty="0" err="1"/>
+              <a:t>pointsto</a:t>
+            </a:r>
+            <a:r>
+              <a:rPr lang="en-US" dirty="0"/>
+              <a:t>  (Fragmental Ownership of the ghost map)</a:t>
+            </a:r>
+          </a:p>
+        </p:txBody>
+      </p:sp>
+      <p:sp>
+        <p:nvSpPr>
+          <p:cNvPr id="31" name="TextBox 30">
+            <a:extLst>
+              <a:ext uri="{FF2B5EF4-FFF2-40B4-BE49-F238E27FC236}">
+                <a16:creationId xmlns:a16="http://schemas.microsoft.com/office/drawing/2014/main" id="{7A33CC06-6073-FD80-53D5-C6F8ECB7117A}"/>
+              </a:ext>
+            </a:extLst>
+          </p:cNvPr>
+          <p:cNvSpPr txBox="1"/>
+          <p:nvPr/>
+        </p:nvSpPr>
+        <p:spPr>
+          <a:xfrm>
+            <a:off x="658428" y="5194679"/>
+            <a:ext cx="3996884" cy="1200329"/>
+          </a:xfrm>
+          <a:prstGeom prst="rect">
+            <a:avLst/>
+          </a:prstGeom>
+          <a:noFill/>
+        </p:spPr>
+        <p:txBody>
+          <a:bodyPr wrap="square" rtlCol="0">
+            <a:spAutoFit/>
+          </a:bodyPr>
+          <a:lstStyle/>
+          <a:p>
+            <a:r>
+              <a:rPr lang="en-US" dirty="0"/>
+              <a:t>Then keep the physical page table walk next to full ownership of the ghost map which is required to update the page tables</a:t>
+            </a:r>
+          </a:p>
+        </p:txBody>
+      </p:sp>
+    </p:spTree>
+    <p:extLst>
+      <p:ext uri="{BB962C8B-B14F-4D97-AF65-F5344CB8AC3E}">
+        <p14:creationId xmlns:p14="http://schemas.microsoft.com/office/powerpoint/2010/main" val="3895013630"/>
+      </p:ext>
+    </p:extLst>
+  </p:cSld>
+  <p:clrMapOvr>
+    <a:masterClrMapping/>
+  </p:clrMapOvr>
+  <p:timing>
+    <p:tnLst>
+      <p:par>
+        <p:cTn id="1" dur="indefinite" restart="never" nodeType="tmRoot">
+          <p:childTnLst>
+            <p:seq concurrent="1" nextAc="seek">
+              <p:cTn id="2" dur="indefinite" nodeType="mainSeq">
+                <p:childTnLst>
+                  <p:par>
+                    <p:cTn id="3" fill="hold">
+                      <p:stCondLst>
+                        <p:cond delay="indefinite"/>
+                      </p:stCondLst>
+                      <p:childTnLst>
+                        <p:par>
+                          <p:cTn id="4" fill="hold">
+                            <p:stCondLst>
+                              <p:cond delay="0"/>
+                            </p:stCondLst>
+                            <p:childTnLst>
+                              <p:par>
+                                <p:cTn id="5" presetID="1" presetClass="entr" presetSubtype="0" fill="hold" nodeType="clickEffect">
+                                  <p:stCondLst>
+                                    <p:cond delay="0"/>
+                                  </p:stCondLst>
+                                  <p:childTnLst>
+                                    <p:set>
+                                      <p:cBhvr>
+                                        <p:cTn id="6" dur="1" fill="hold">
+                                          <p:stCondLst>
+                                            <p:cond delay="0"/>
+                                          </p:stCondLst>
+                                        </p:cTn>
+                                        <p:tgtEl>
+                                          <p:spTgt spid="19"/>
+                                        </p:tgtEl>
+                                        <p:attrNameLst>
+                                          <p:attrName>style.visibility</p:attrName>
+                                        </p:attrNameLst>
+                                      </p:cBhvr>
+                                      <p:to>
+                                        <p:strVal val="visible"/>
+                                      </p:to>
+                                    </p:set>
+                                  </p:childTnLst>
+                                </p:cTn>
+                              </p:par>
+                              <p:par>
+                                <p:cTn id="7" presetID="1" presetClass="entr" presetSubtype="0" fill="hold" nodeType="withEffect">
+                                  <p:stCondLst>
+                                    <p:cond delay="0"/>
+                                  </p:stCondLst>
+                                  <p:childTnLst>
+                                    <p:set>
+                                      <p:cBhvr>
+                                        <p:cTn id="8" dur="1" fill="hold">
+                                          <p:stCondLst>
+                                            <p:cond delay="0"/>
+                                          </p:stCondLst>
+                                        </p:cTn>
+                                        <p:tgtEl>
+                                          <p:spTgt spid="15"/>
+                                        </p:tgtEl>
+                                        <p:attrNameLst>
+                                          <p:attrName>style.visibility</p:attrName>
+                                        </p:attrNameLst>
+                                      </p:cBhvr>
+                                      <p:to>
+                                        <p:strVal val="visible"/>
+                                      </p:to>
+                                    </p:set>
+                                  </p:childTnLst>
+                                </p:cTn>
+                              </p:par>
+                              <p:par>
+                                <p:cTn id="9" presetID="1" presetClass="entr" presetSubtype="0" fill="hold" nodeType="withEffect">
+                                  <p:stCondLst>
+                                    <p:cond delay="0"/>
+                                  </p:stCondLst>
+                                  <p:childTnLst>
+                                    <p:set>
+                                      <p:cBhvr>
+                                        <p:cTn id="10" dur="1" fill="hold">
+                                          <p:stCondLst>
+                                            <p:cond delay="0"/>
+                                          </p:stCondLst>
+                                        </p:cTn>
+                                        <p:tgtEl>
+                                          <p:spTgt spid="9"/>
+                                        </p:tgtEl>
+                                        <p:attrNameLst>
+                                          <p:attrName>style.visibility</p:attrName>
+                                        </p:attrNameLst>
+                                      </p:cBhvr>
+                                      <p:to>
+                                        <p:strVal val="visible"/>
+                                      </p:to>
+                                    </p:set>
+                                  </p:childTnLst>
+                                </p:cTn>
+                              </p:par>
+                              <p:par>
+                                <p:cTn id="11" presetID="1" presetClass="entr" presetSubtype="0" fill="hold" nodeType="withEffect">
+                                  <p:stCondLst>
+                                    <p:cond delay="0"/>
+                                  </p:stCondLst>
+                                  <p:childTnLst>
+                                    <p:set>
+                                      <p:cBhvr>
+                                        <p:cTn id="12" dur="1" fill="hold">
+                                          <p:stCondLst>
+                                            <p:cond delay="0"/>
+                                          </p:stCondLst>
+                                        </p:cTn>
+                                        <p:tgtEl>
+                                          <p:spTgt spid="13"/>
+                                        </p:tgtEl>
+                                        <p:attrNameLst>
+                                          <p:attrName>style.visibility</p:attrName>
+                                        </p:attrNameLst>
+                                      </p:cBhvr>
+                                      <p:to>
+                                        <p:strVal val="visible"/>
+                                      </p:to>
+                                    </p:set>
+                                  </p:childTnLst>
+                                </p:cTn>
+                              </p:par>
+                            </p:childTnLst>
+                          </p:cTn>
+                        </p:par>
+                      </p:childTnLst>
+                    </p:cTn>
+                  </p:par>
+                  <p:par>
+                    <p:cTn id="13" fill="hold">
+                      <p:stCondLst>
+                        <p:cond delay="indefinite"/>
+                      </p:stCondLst>
+                      <p:childTnLst>
+                        <p:par>
+                          <p:cTn id="14" fill="hold">
+                            <p:stCondLst>
+                              <p:cond delay="0"/>
+                            </p:stCondLst>
+                            <p:childTnLst>
+                              <p:par>
+                                <p:cTn id="15" presetID="1" presetClass="entr" presetSubtype="0" fill="hold" nodeType="clickEffect">
+                                  <p:stCondLst>
+                                    <p:cond delay="0"/>
+                                  </p:stCondLst>
+                                  <p:childTnLst>
+                                    <p:set>
+                                      <p:cBhvr>
+                                        <p:cTn id="16" dur="1" fill="hold">
+                                          <p:stCondLst>
+                                            <p:cond delay="0"/>
+                                          </p:stCondLst>
+                                        </p:cTn>
+                                        <p:tgtEl>
+                                          <p:spTgt spid="17"/>
+                                        </p:tgtEl>
+                                        <p:attrNameLst>
+                                          <p:attrName>style.visibility</p:attrName>
+                                        </p:attrNameLst>
+                                      </p:cBhvr>
+                                      <p:to>
+                                        <p:strVal val="visible"/>
+                                      </p:to>
+                                    </p:set>
+                                  </p:childTnLst>
+                                </p:cTn>
+                              </p:par>
+                              <p:par>
+                                <p:cTn id="17" presetID="1" presetClass="entr" presetSubtype="0" fill="hold" grpId="0" nodeType="withEffect">
+                                  <p:stCondLst>
+                                    <p:cond delay="0"/>
+                                  </p:stCondLst>
+                                  <p:childTnLst>
+                                    <p:set>
+                                      <p:cBhvr>
+                                        <p:cTn id="18" dur="1" fill="hold">
+                                          <p:stCondLst>
+                                            <p:cond delay="0"/>
+                                          </p:stCondLst>
+                                        </p:cTn>
+                                        <p:tgtEl>
+                                          <p:spTgt spid="30"/>
+                                        </p:tgtEl>
+                                        <p:attrNameLst>
+                                          <p:attrName>style.visibility</p:attrName>
+                                        </p:attrNameLst>
+                                      </p:cBhvr>
+                                      <p:to>
+                                        <p:strVal val="visible"/>
+                                      </p:to>
+                                    </p:set>
+                                  </p:childTnLst>
+                                </p:cTn>
+                              </p:par>
+                              <p:par>
+                                <p:cTn id="19" presetID="1" presetClass="entr" presetSubtype="0" fill="hold" grpId="0" nodeType="withEffect">
+                                  <p:stCondLst>
+                                    <p:cond delay="0"/>
+                                  </p:stCondLst>
+                                  <p:childTnLst>
+                                    <p:set>
+                                      <p:cBhvr>
+                                        <p:cTn id="20" dur="1" fill="hold">
+                                          <p:stCondLst>
+                                            <p:cond delay="0"/>
+                                          </p:stCondLst>
+                                        </p:cTn>
+                                        <p:tgtEl>
+                                          <p:spTgt spid="28"/>
+                                        </p:tgtEl>
+                                        <p:attrNameLst>
+                                          <p:attrName>style.visibility</p:attrName>
+                                        </p:attrNameLst>
+                                      </p:cBhvr>
+                                      <p:to>
+                                        <p:strVal val="visible"/>
+                                      </p:to>
+                                    </p:set>
+                                  </p:childTnLst>
+                                </p:cTn>
+                              </p:par>
+                              <p:par>
+                                <p:cTn id="21" presetID="1" presetClass="exit" presetSubtype="0" fill="hold" nodeType="withEffect">
+                                  <p:stCondLst>
+                                    <p:cond delay="0"/>
+                                  </p:stCondLst>
+                                  <p:childTnLst>
+                                    <p:set>
+                                      <p:cBhvr>
+                                        <p:cTn id="22" dur="1" fill="hold">
+                                          <p:stCondLst>
+                                            <p:cond delay="0"/>
+                                          </p:stCondLst>
+                                        </p:cTn>
+                                        <p:tgtEl>
+                                          <p:spTgt spid="19"/>
+                                        </p:tgtEl>
+                                        <p:attrNameLst>
+                                          <p:attrName>style.visibility</p:attrName>
+                                        </p:attrNameLst>
+                                      </p:cBhvr>
+                                      <p:to>
+                                        <p:strVal val="hidden"/>
+                                      </p:to>
+                                    </p:set>
+                                  </p:childTnLst>
+                                </p:cTn>
+                              </p:par>
+                            </p:childTnLst>
+                          </p:cTn>
+                        </p:par>
+                      </p:childTnLst>
+                    </p:cTn>
+                  </p:par>
+                  <p:par>
+                    <p:cTn id="23" fill="hold">
+                      <p:stCondLst>
+                        <p:cond delay="indefinite"/>
+                      </p:stCondLst>
+                      <p:childTnLst>
+                        <p:par>
+                          <p:cTn id="24" fill="hold">
+                            <p:stCondLst>
+                              <p:cond delay="0"/>
+                            </p:stCondLst>
+                            <p:childTnLst>
+                              <p:par>
+                                <p:cTn id="25" presetID="1" presetClass="entr" presetSubtype="0" fill="hold" nodeType="clickEffect">
+                                  <p:stCondLst>
+                                    <p:cond delay="0"/>
+                                  </p:stCondLst>
+                                  <p:childTnLst>
+                                    <p:set>
+                                      <p:cBhvr>
+                                        <p:cTn id="26" dur="1" fill="hold">
+                                          <p:stCondLst>
+                                            <p:cond delay="0"/>
+                                          </p:stCondLst>
+                                        </p:cTn>
+                                        <p:tgtEl>
+                                          <p:spTgt spid="23"/>
+                                        </p:tgtEl>
+                                        <p:attrNameLst>
+                                          <p:attrName>style.visibility</p:attrName>
+                                        </p:attrNameLst>
+                                      </p:cBhvr>
+                                      <p:to>
+                                        <p:strVal val="visible"/>
+                                      </p:to>
+                                    </p:set>
+                                  </p:childTnLst>
+                                </p:cTn>
+                              </p:par>
+                              <p:par>
+                                <p:cTn id="27" presetID="1" presetClass="entr" presetSubtype="0" fill="hold" nodeType="withEffect">
+                                  <p:stCondLst>
+                                    <p:cond delay="0"/>
+                                  </p:stCondLst>
+                                  <p:childTnLst>
+                                    <p:set>
+                                      <p:cBhvr>
+                                        <p:cTn id="28" dur="1" fill="hold">
+                                          <p:stCondLst>
+                                            <p:cond delay="0"/>
+                                          </p:stCondLst>
+                                        </p:cTn>
+                                        <p:tgtEl>
+                                          <p:spTgt spid="21"/>
+                                        </p:tgtEl>
+                                        <p:attrNameLst>
+                                          <p:attrName>style.visibility</p:attrName>
+                                        </p:attrNameLst>
+                                      </p:cBhvr>
+                                      <p:to>
+                                        <p:strVal val="visible"/>
+                                      </p:to>
+                                    </p:set>
+                                  </p:childTnLst>
+                                </p:cTn>
+                              </p:par>
+                            </p:childTnLst>
+                          </p:cTn>
+                        </p:par>
+                      </p:childTnLst>
+                    </p:cTn>
+                  </p:par>
+                  <p:par>
+                    <p:cTn id="29" fill="hold">
+                      <p:stCondLst>
+                        <p:cond delay="indefinite"/>
+                      </p:stCondLst>
+                      <p:childTnLst>
+                        <p:par>
+                          <p:cTn id="30" fill="hold">
+                            <p:stCondLst>
+                              <p:cond delay="0"/>
+                            </p:stCondLst>
+                            <p:childTnLst>
+                              <p:par>
+                                <p:cTn id="31" presetID="1" presetClass="entr" presetSubtype="0" fill="hold" nodeType="clickEffect">
+                                  <p:stCondLst>
+                                    <p:cond delay="0"/>
+                                  </p:stCondLst>
+                                  <p:childTnLst>
+                                    <p:set>
+                                      <p:cBhvr>
+                                        <p:cTn id="32" dur="1" fill="hold">
+                                          <p:stCondLst>
+                                            <p:cond delay="0"/>
+                                          </p:stCondLst>
+                                        </p:cTn>
+                                        <p:tgtEl>
+                                          <p:spTgt spid="27"/>
+                                        </p:tgtEl>
+                                        <p:attrNameLst>
+                                          <p:attrName>style.visibility</p:attrName>
+                                        </p:attrNameLst>
+                                      </p:cBhvr>
+                                      <p:to>
+                                        <p:strVal val="visible"/>
+                                      </p:to>
+                                    </p:set>
+                                  </p:childTnLst>
+                                </p:cTn>
+                              </p:par>
+                              <p:par>
+                                <p:cTn id="33" presetID="1" presetClass="entr" presetSubtype="0" fill="hold" grpId="0" nodeType="withEffect">
+                                  <p:stCondLst>
+                                    <p:cond delay="0"/>
+                                  </p:stCondLst>
+                                  <p:childTnLst>
+                                    <p:set>
+                                      <p:cBhvr>
+                                        <p:cTn id="34" dur="1" fill="hold">
+                                          <p:stCondLst>
+                                            <p:cond delay="0"/>
+                                          </p:stCondLst>
+                                        </p:cTn>
+                                        <p:tgtEl>
+                                          <p:spTgt spid="29"/>
+                                        </p:tgtEl>
+                                        <p:attrNameLst>
+                                          <p:attrName>style.visibility</p:attrName>
+                                        </p:attrNameLst>
+                                      </p:cBhvr>
+                                      <p:to>
+                                        <p:strVal val="visible"/>
+                                      </p:to>
+                                    </p:set>
+                                  </p:childTnLst>
+                                </p:cTn>
+                              </p:par>
+                              <p:par>
+                                <p:cTn id="35" presetID="1" presetClass="entr" presetSubtype="0" fill="hold" grpId="0" nodeType="withEffect">
+                                  <p:stCondLst>
+                                    <p:cond delay="0"/>
+                                  </p:stCondLst>
+                                  <p:childTnLst>
+                                    <p:set>
+                                      <p:cBhvr>
+                                        <p:cTn id="36" dur="1" fill="hold">
+                                          <p:stCondLst>
+                                            <p:cond delay="0"/>
+                                          </p:stCondLst>
+                                        </p:cTn>
+                                        <p:tgtEl>
+                                          <p:spTgt spid="31"/>
+                                        </p:tgtEl>
+                                        <p:attrNameLst>
+                                          <p:attrName>style.visibility</p:attrName>
+                                        </p:attrNameLst>
+                                      </p:cBhvr>
+                                      <p:to>
+                                        <p:strVal val="visible"/>
+                                      </p:to>
+                                    </p:set>
+                                  </p:childTnLst>
+                                </p:cTn>
+                              </p:par>
+                            </p:childTnLst>
+                          </p:cTn>
+                        </p:par>
+                      </p:childTnLst>
+                    </p:cTn>
+                  </p:par>
+                </p:childTnLst>
+              </p:cTn>
+              <p:prevCondLst>
+                <p:cond evt="onPrev" delay="0">
+                  <p:tgtEl>
+                    <p:sldTgt/>
+                  </p:tgtEl>
+                </p:cond>
+              </p:prevCondLst>
+              <p:nextCondLst>
+                <p:cond evt="onNext" delay="0">
+                  <p:tgtEl>
+                    <p:sldTgt/>
+                  </p:tgtEl>
+                </p:cond>
+              </p:nextCondLst>
+            </p:seq>
+          </p:childTnLst>
+        </p:cTn>
+      </p:par>
+    </p:tnLst>
+    <p:bldLst>
+      <p:bldP spid="28" grpId="0" animBg="1"/>
+      <p:bldP spid="29" grpId="0" animBg="1"/>
+      <p:bldP spid="30" grpId="0"/>
+      <p:bldP spid="31" grpId="0"/>
+    </p:bldLst>
+  </p:timing>
+</p:sld>
+</file>
+
+<file path=ppt/slides/slide12.xml><?xml version="1.0" encoding="utf-8"?>
+<p:sld xmlns:a="http://schemas.openxmlformats.org/drawingml/2006/main" xmlns:r="http://schemas.openxmlformats.org/officeDocument/2006/relationships" xmlns:p="http://schemas.openxmlformats.org/presentationml/2006/main">
+  <p:cSld>
+    <p:spTree>
+      <p:nvGrpSpPr>
+        <p:cNvPr id="1" name=""/>
+        <p:cNvGrpSpPr/>
+        <p:nvPr/>
+      </p:nvGrpSpPr>
+      <p:grpSpPr>
+        <a:xfrm>
+          <a:off x="0" y="0"/>
+          <a:ext cx="0" cy="0"/>
+          <a:chOff x="0" y="0"/>
+          <a:chExt cx="0" cy="0"/>
+        </a:xfrm>
+      </p:grpSpPr>
       <p:sp>
         <p:nvSpPr>
           <p:cNvPr id="2" name="Title 1">
@@ -6682,7 +8115,7 @@
 </p:sld>
 </file>
 
-<file path=ppt/slides/slide11.xml><?xml version="1.0" encoding="utf-8"?>
+<file path=ppt/slides/slide13.xml><?xml version="1.0" encoding="utf-8"?>
 <p:sld xmlns:a="http://schemas.openxmlformats.org/drawingml/2006/main" xmlns:r="http://schemas.openxmlformats.org/officeDocument/2006/relationships" xmlns:p="http://schemas.openxmlformats.org/presentationml/2006/main">
   <p:cSld>
     <p:spTree>
@@ -7029,7 +8462,7 @@
 </p:sld>
 </file>
 
-<file path=ppt/slides/slide12.xml><?xml version="1.0" encoding="utf-8"?>
+<file path=ppt/slides/slide14.xml><?xml version="1.0" encoding="utf-8"?>
 <p:sld xmlns:a="http://schemas.openxmlformats.org/drawingml/2006/main" xmlns:r="http://schemas.openxmlformats.org/officeDocument/2006/relationships" xmlns:p="http://schemas.openxmlformats.org/presentationml/2006/main">
   <p:cSld>
     <p:spTree>
@@ -7175,7 +8608,7 @@
 </p:sld>
 </file>
 
-<file path=ppt/slides/slide13.xml><?xml version="1.0" encoding="utf-8"?>
+<file path=ppt/slides/slide15.xml><?xml version="1.0" encoding="utf-8"?>
 <p:sld xmlns:a="http://schemas.openxmlformats.org/drawingml/2006/main" xmlns:r="http://schemas.openxmlformats.org/officeDocument/2006/relationships" xmlns:p="http://schemas.openxmlformats.org/presentationml/2006/main">
   <p:cSld>
     <p:spTree>
@@ -10235,7 +11668,7 @@
 </p:sld>
 </file>
 
-<file path=ppt/slides/slide14.xml><?xml version="1.0" encoding="utf-8"?>
+<file path=ppt/slides/slide16.xml><?xml version="1.0" encoding="utf-8"?>
 <p:sld xmlns:a="http://schemas.openxmlformats.org/drawingml/2006/main" xmlns:r="http://schemas.openxmlformats.org/officeDocument/2006/relationships" xmlns:p="http://schemas.openxmlformats.org/presentationml/2006/main">
   <p:cSld>
     <p:spTree>
@@ -10341,6 +11774,92 @@
       </p:grpSpPr>
       <p:sp>
         <p:nvSpPr>
+          <p:cNvPr id="3" name="Content Placeholder 2">
+            <a:extLst>
+              <a:ext uri="{FF2B5EF4-FFF2-40B4-BE49-F238E27FC236}">
+                <a16:creationId xmlns:a16="http://schemas.microsoft.com/office/drawing/2014/main" id="{564FD919-CB97-01ED-BAB4-2E9822E9360A}"/>
+              </a:ext>
+            </a:extLst>
+          </p:cNvPr>
+          <p:cNvSpPr>
+            <a:spLocks noGrp="1"/>
+          </p:cNvSpPr>
+          <p:nvPr>
+            <p:ph idx="1"/>
+          </p:nvPr>
+        </p:nvSpPr>
+        <p:spPr>
+          <a:xfrm>
+            <a:off x="993648" y="819785"/>
+            <a:ext cx="10515600" cy="4351338"/>
+          </a:xfrm>
+        </p:spPr>
+        <p:txBody>
+          <a:bodyPr/>
+          <a:lstStyle/>
+          <a:p>
+            <a:endParaRPr lang="en-US" dirty="0"/>
+          </a:p>
+          <a:p>
+            <a:endParaRPr lang="en-US" dirty="0"/>
+          </a:p>
+          <a:p>
+            <a:endParaRPr lang="en-US" dirty="0"/>
+          </a:p>
+          <a:p>
+            <a:endParaRPr lang="en-US" dirty="0"/>
+          </a:p>
+          <a:p>
+            <a:pPr marL="0" indent="0">
+              <a:buNone/>
+            </a:pPr>
+            <a:r>
+              <a:rPr lang="en-US" dirty="0"/>
+              <a:t>				</a:t>
+            </a:r>
+            <a:r>
+              <a:rPr lang="en-US" sz="4800" dirty="0"/>
+              <a:t>SYSTEM</a:t>
+            </a:r>
+            <a:r>
+              <a:rPr lang="en-US" dirty="0"/>
+              <a:t>	</a:t>
+            </a:r>
+          </a:p>
+        </p:txBody>
+      </p:sp>
+    </p:spTree>
+    <p:extLst>
+      <p:ext uri="{BB962C8B-B14F-4D97-AF65-F5344CB8AC3E}">
+        <p14:creationId xmlns:p14="http://schemas.microsoft.com/office/powerpoint/2010/main" val="2422990202"/>
+      </p:ext>
+    </p:extLst>
+  </p:cSld>
+  <p:clrMapOvr>
+    <a:masterClrMapping/>
+  </p:clrMapOvr>
+</p:sld>
+</file>
+
+<file path=ppt/slides/slide3.xml><?xml version="1.0" encoding="utf-8"?>
+<p:sld xmlns:a="http://schemas.openxmlformats.org/drawingml/2006/main" xmlns:r="http://schemas.openxmlformats.org/officeDocument/2006/relationships" xmlns:p="http://schemas.openxmlformats.org/presentationml/2006/main">
+  <p:cSld>
+    <p:spTree>
+      <p:nvGrpSpPr>
+        <p:cNvPr id="1" name=""/>
+        <p:cNvGrpSpPr/>
+        <p:nvPr/>
+      </p:nvGrpSpPr>
+      <p:grpSpPr>
+        <a:xfrm>
+          <a:off x="0" y="0"/>
+          <a:ext cx="0" cy="0"/>
+          <a:chOff x="0" y="0"/>
+          <a:chExt cx="0" cy="0"/>
+        </a:xfrm>
+      </p:grpSpPr>
+      <p:sp>
+        <p:nvSpPr>
           <p:cNvPr id="2" name="Title 1">
             <a:extLst>
               <a:ext uri="{FF2B5EF4-FFF2-40B4-BE49-F238E27FC236}">
@@ -10397,7 +11916,15 @@
             <a:pPr lvl="1"/>
             <a:r>
               <a:rPr lang="en-US" dirty="0"/>
-              <a:t>a virtual-address translated into a physical memory location</a:t>
+              <a:t>access to a memory </a:t>
+            </a:r>
+            <a:r>
+              <a:rPr lang="en-US" dirty="0" err="1"/>
+              <a:t>addressvirtual</a:t>
+            </a:r>
+            <a:r>
+              <a:rPr lang="en-US" dirty="0"/>
+              <a:t>-address translated into a physical memory location</a:t>
             </a:r>
           </a:p>
           <a:p>
@@ -10450,10 +11977,334 @@
   <p:clrMapOvr>
     <a:masterClrMapping/>
   </p:clrMapOvr>
+  <p:timing>
+    <p:tnLst>
+      <p:par>
+        <p:cTn id="1" dur="indefinite" restart="never" nodeType="tmRoot">
+          <p:childTnLst>
+            <p:seq concurrent="1" nextAc="seek">
+              <p:cTn id="2" dur="indefinite" nodeType="mainSeq">
+                <p:childTnLst>
+                  <p:par>
+                    <p:cTn id="3" fill="hold">
+                      <p:stCondLst>
+                        <p:cond delay="indefinite"/>
+                      </p:stCondLst>
+                      <p:childTnLst>
+                        <p:par>
+                          <p:cTn id="4" fill="hold">
+                            <p:stCondLst>
+                              <p:cond delay="0"/>
+                            </p:stCondLst>
+                            <p:childTnLst>
+                              <p:par>
+                                <p:cTn id="5" presetID="1" presetClass="entr" presetSubtype="0" fill="hold" nodeType="clickEffect">
+                                  <p:stCondLst>
+                                    <p:cond delay="0"/>
+                                  </p:stCondLst>
+                                  <p:childTnLst>
+                                    <p:set>
+                                      <p:cBhvr>
+                                        <p:cTn id="6" dur="1" fill="hold">
+                                          <p:stCondLst>
+                                            <p:cond delay="0"/>
+                                          </p:stCondLst>
+                                        </p:cTn>
+                                        <p:tgtEl>
+                                          <p:spTgt spid="3">
+                                            <p:txEl>
+                                              <p:pRg st="0" end="0"/>
+                                            </p:txEl>
+                                          </p:spTgt>
+                                        </p:tgtEl>
+                                        <p:attrNameLst>
+                                          <p:attrName>style.visibility</p:attrName>
+                                        </p:attrNameLst>
+                                      </p:cBhvr>
+                                      <p:to>
+                                        <p:strVal val="visible"/>
+                                      </p:to>
+                                    </p:set>
+                                  </p:childTnLst>
+                                </p:cTn>
+                              </p:par>
+                            </p:childTnLst>
+                          </p:cTn>
+                        </p:par>
+                      </p:childTnLst>
+                    </p:cTn>
+                  </p:par>
+                  <p:par>
+                    <p:cTn id="7" fill="hold">
+                      <p:stCondLst>
+                        <p:cond delay="indefinite"/>
+                      </p:stCondLst>
+                      <p:childTnLst>
+                        <p:par>
+                          <p:cTn id="8" fill="hold">
+                            <p:stCondLst>
+                              <p:cond delay="0"/>
+                            </p:stCondLst>
+                            <p:childTnLst>
+                              <p:par>
+                                <p:cTn id="9" presetID="1" presetClass="entr" presetSubtype="0" fill="hold" nodeType="clickEffect">
+                                  <p:stCondLst>
+                                    <p:cond delay="0"/>
+                                  </p:stCondLst>
+                                  <p:childTnLst>
+                                    <p:set>
+                                      <p:cBhvr>
+                                        <p:cTn id="10" dur="1" fill="hold">
+                                          <p:stCondLst>
+                                            <p:cond delay="0"/>
+                                          </p:stCondLst>
+                                        </p:cTn>
+                                        <p:tgtEl>
+                                          <p:spTgt spid="3">
+                                            <p:txEl>
+                                              <p:pRg st="1" end="1"/>
+                                            </p:txEl>
+                                          </p:spTgt>
+                                        </p:tgtEl>
+                                        <p:attrNameLst>
+                                          <p:attrName>style.visibility</p:attrName>
+                                        </p:attrNameLst>
+                                      </p:cBhvr>
+                                      <p:to>
+                                        <p:strVal val="visible"/>
+                                      </p:to>
+                                    </p:set>
+                                  </p:childTnLst>
+                                </p:cTn>
+                              </p:par>
+                            </p:childTnLst>
+                          </p:cTn>
+                        </p:par>
+                      </p:childTnLst>
+                    </p:cTn>
+                  </p:par>
+                  <p:par>
+                    <p:cTn id="11" fill="hold">
+                      <p:stCondLst>
+                        <p:cond delay="indefinite"/>
+                      </p:stCondLst>
+                      <p:childTnLst>
+                        <p:par>
+                          <p:cTn id="12" fill="hold">
+                            <p:stCondLst>
+                              <p:cond delay="0"/>
+                            </p:stCondLst>
+                            <p:childTnLst>
+                              <p:par>
+                                <p:cTn id="13" presetID="1" presetClass="entr" presetSubtype="0" fill="hold" nodeType="clickEffect">
+                                  <p:stCondLst>
+                                    <p:cond delay="0"/>
+                                  </p:stCondLst>
+                                  <p:childTnLst>
+                                    <p:set>
+                                      <p:cBhvr>
+                                        <p:cTn id="14" dur="1" fill="hold">
+                                          <p:stCondLst>
+                                            <p:cond delay="0"/>
+                                          </p:stCondLst>
+                                        </p:cTn>
+                                        <p:tgtEl>
+                                          <p:spTgt spid="3">
+                                            <p:txEl>
+                                              <p:pRg st="2" end="2"/>
+                                            </p:txEl>
+                                          </p:spTgt>
+                                        </p:tgtEl>
+                                        <p:attrNameLst>
+                                          <p:attrName>style.visibility</p:attrName>
+                                        </p:attrNameLst>
+                                      </p:cBhvr>
+                                      <p:to>
+                                        <p:strVal val="visible"/>
+                                      </p:to>
+                                    </p:set>
+                                  </p:childTnLst>
+                                </p:cTn>
+                              </p:par>
+                            </p:childTnLst>
+                          </p:cTn>
+                        </p:par>
+                      </p:childTnLst>
+                    </p:cTn>
+                  </p:par>
+                  <p:par>
+                    <p:cTn id="15" fill="hold">
+                      <p:stCondLst>
+                        <p:cond delay="indefinite"/>
+                      </p:stCondLst>
+                      <p:childTnLst>
+                        <p:par>
+                          <p:cTn id="16" fill="hold">
+                            <p:stCondLst>
+                              <p:cond delay="0"/>
+                            </p:stCondLst>
+                            <p:childTnLst>
+                              <p:par>
+                                <p:cTn id="17" presetID="1" presetClass="entr" presetSubtype="0" fill="hold" nodeType="clickEffect">
+                                  <p:stCondLst>
+                                    <p:cond delay="0"/>
+                                  </p:stCondLst>
+                                  <p:childTnLst>
+                                    <p:set>
+                                      <p:cBhvr>
+                                        <p:cTn id="18" dur="1" fill="hold">
+                                          <p:stCondLst>
+                                            <p:cond delay="0"/>
+                                          </p:stCondLst>
+                                        </p:cTn>
+                                        <p:tgtEl>
+                                          <p:spTgt spid="3">
+                                            <p:txEl>
+                                              <p:pRg st="3" end="3"/>
+                                            </p:txEl>
+                                          </p:spTgt>
+                                        </p:tgtEl>
+                                        <p:attrNameLst>
+                                          <p:attrName>style.visibility</p:attrName>
+                                        </p:attrNameLst>
+                                      </p:cBhvr>
+                                      <p:to>
+                                        <p:strVal val="visible"/>
+                                      </p:to>
+                                    </p:set>
+                                  </p:childTnLst>
+                                </p:cTn>
+                              </p:par>
+                            </p:childTnLst>
+                          </p:cTn>
+                        </p:par>
+                      </p:childTnLst>
+                    </p:cTn>
+                  </p:par>
+                  <p:par>
+                    <p:cTn id="19" fill="hold">
+                      <p:stCondLst>
+                        <p:cond delay="indefinite"/>
+                      </p:stCondLst>
+                      <p:childTnLst>
+                        <p:par>
+                          <p:cTn id="20" fill="hold">
+                            <p:stCondLst>
+                              <p:cond delay="0"/>
+                            </p:stCondLst>
+                            <p:childTnLst>
+                              <p:par>
+                                <p:cTn id="21" presetID="1" presetClass="entr" presetSubtype="0" fill="hold" nodeType="clickEffect">
+                                  <p:stCondLst>
+                                    <p:cond delay="0"/>
+                                  </p:stCondLst>
+                                  <p:childTnLst>
+                                    <p:set>
+                                      <p:cBhvr>
+                                        <p:cTn id="22" dur="1" fill="hold">
+                                          <p:stCondLst>
+                                            <p:cond delay="0"/>
+                                          </p:stCondLst>
+                                        </p:cTn>
+                                        <p:tgtEl>
+                                          <p:spTgt spid="3">
+                                            <p:txEl>
+                                              <p:pRg st="4" end="4"/>
+                                            </p:txEl>
+                                          </p:spTgt>
+                                        </p:tgtEl>
+                                        <p:attrNameLst>
+                                          <p:attrName>style.visibility</p:attrName>
+                                        </p:attrNameLst>
+                                      </p:cBhvr>
+                                      <p:to>
+                                        <p:strVal val="visible"/>
+                                      </p:to>
+                                    </p:set>
+                                  </p:childTnLst>
+                                </p:cTn>
+                              </p:par>
+                            </p:childTnLst>
+                          </p:cTn>
+                        </p:par>
+                      </p:childTnLst>
+                    </p:cTn>
+                  </p:par>
+                  <p:par>
+                    <p:cTn id="23" fill="hold">
+                      <p:stCondLst>
+                        <p:cond delay="indefinite"/>
+                      </p:stCondLst>
+                      <p:childTnLst>
+                        <p:par>
+                          <p:cTn id="24" fill="hold">
+                            <p:stCondLst>
+                              <p:cond delay="0"/>
+                            </p:stCondLst>
+                            <p:childTnLst>
+                              <p:par>
+                                <p:cTn id="25" presetID="1" presetClass="entr" presetSubtype="0" fill="hold" nodeType="clickEffect">
+                                  <p:stCondLst>
+                                    <p:cond delay="0"/>
+                                  </p:stCondLst>
+                                  <p:childTnLst>
+                                    <p:set>
+                                      <p:cBhvr>
+                                        <p:cTn id="26" dur="1" fill="hold">
+                                          <p:stCondLst>
+                                            <p:cond delay="0"/>
+                                          </p:stCondLst>
+                                        </p:cTn>
+                                        <p:tgtEl>
+                                          <p:spTgt spid="3">
+                                            <p:txEl>
+                                              <p:pRg st="5" end="5"/>
+                                            </p:txEl>
+                                          </p:spTgt>
+                                        </p:tgtEl>
+                                        <p:attrNameLst>
+                                          <p:attrName>style.visibility</p:attrName>
+                                        </p:attrNameLst>
+                                      </p:cBhvr>
+                                      <p:to>
+                                        <p:strVal val="visible"/>
+                                      </p:to>
+                                    </p:set>
+                                  </p:childTnLst>
+                                </p:cTn>
+                              </p:par>
+                            </p:childTnLst>
+                          </p:cTn>
+                        </p:par>
+                      </p:childTnLst>
+                    </p:cTn>
+                  </p:par>
+                </p:childTnLst>
+              </p:cTn>
+              <p:prevCondLst>
+                <p:cond evt="onPrev" delay="0">
+                  <p:tgtEl>
+                    <p:sldTgt/>
+                  </p:tgtEl>
+                </p:cond>
+              </p:prevCondLst>
+              <p:nextCondLst>
+                <p:cond evt="onNext" delay="0">
+                  <p:tgtEl>
+                    <p:sldTgt/>
+                  </p:tgtEl>
+                </p:cond>
+              </p:nextCondLst>
+            </p:seq>
+          </p:childTnLst>
+        </p:cTn>
+      </p:par>
+    </p:tnLst>
+  </p:timing>
 </p:sld>
 </file>
 
-<file path=ppt/slides/slide3.xml><?xml version="1.0" encoding="utf-8"?>
+<file path=ppt/slides/slide4.xml><?xml version="1.0" encoding="utf-8"?>
 <p:sld xmlns:a="http://schemas.openxmlformats.org/drawingml/2006/main" xmlns:r="http://schemas.openxmlformats.org/officeDocument/2006/relationships" xmlns:p="http://schemas.openxmlformats.org/presentationml/2006/main">
   <p:cSld>
     <p:spTree>
@@ -14475,122 +16326,6 @@
       <p:bldP spid="244" grpId="0"/>
     </p:bldLst>
   </p:timing>
-</p:sld>
-</file>
-
-<file path=ppt/slides/slide4.xml><?xml version="1.0" encoding="utf-8"?>
-<p:sld xmlns:a="http://schemas.openxmlformats.org/drawingml/2006/main" xmlns:r="http://schemas.openxmlformats.org/officeDocument/2006/relationships" xmlns:p="http://schemas.openxmlformats.org/presentationml/2006/main">
-  <p:cSld>
-    <p:spTree>
-      <p:nvGrpSpPr>
-        <p:cNvPr id="1" name=""/>
-        <p:cNvGrpSpPr/>
-        <p:nvPr/>
-      </p:nvGrpSpPr>
-      <p:grpSpPr>
-        <a:xfrm>
-          <a:off x="0" y="0"/>
-          <a:ext cx="0" cy="0"/>
-          <a:chOff x="0" y="0"/>
-          <a:chExt cx="0" cy="0"/>
-        </a:xfrm>
-      </p:grpSpPr>
-      <p:sp>
-        <p:nvSpPr>
-          <p:cNvPr id="2" name="Title 1">
-            <a:extLst>
-              <a:ext uri="{FF2B5EF4-FFF2-40B4-BE49-F238E27FC236}">
-                <a16:creationId xmlns:a16="http://schemas.microsoft.com/office/drawing/2014/main" id="{4EBA4565-B28D-9851-2EE5-CE1EEE4EE251}"/>
-              </a:ext>
-            </a:extLst>
-          </p:cNvPr>
-          <p:cNvSpPr>
-            <a:spLocks noGrp="1"/>
-          </p:cNvSpPr>
-          <p:nvPr>
-            <p:ph type="title"/>
-          </p:nvPr>
-        </p:nvSpPr>
-        <p:spPr/>
-        <p:txBody>
-          <a:bodyPr/>
-          <a:lstStyle/>
-          <a:p>
-            <a:r>
-              <a:rPr lang="en-US" dirty="0"/>
-              <a:t>The System of Memory Virtualization</a:t>
-            </a:r>
-          </a:p>
-        </p:txBody>
-      </p:sp>
-      <p:sp>
-        <p:nvSpPr>
-          <p:cNvPr id="3" name="Content Placeholder 2">
-            <a:extLst>
-              <a:ext uri="{FF2B5EF4-FFF2-40B4-BE49-F238E27FC236}">
-                <a16:creationId xmlns:a16="http://schemas.microsoft.com/office/drawing/2014/main" id="{2989CDC0-5BA8-EA62-9AF6-5F64F3CD534E}"/>
-              </a:ext>
-            </a:extLst>
-          </p:cNvPr>
-          <p:cNvSpPr>
-            <a:spLocks noGrp="1"/>
-          </p:cNvSpPr>
-          <p:nvPr>
-            <p:ph idx="1"/>
-          </p:nvPr>
-        </p:nvSpPr>
-        <p:spPr/>
-        <p:txBody>
-          <a:bodyPr/>
-          <a:lstStyle/>
-          <a:p>
-            <a:pPr marL="0" indent="0">
-              <a:buNone/>
-            </a:pPr>
-            <a:r>
-              <a:rPr lang="en-US" sz="1800" dirty="0">
-                <a:effectLst/>
-                <a:latin typeface="LinLibertineT"/>
-              </a:rPr>
-              <a:t> </a:t>
-            </a:r>
-            <a:r>
-              <a:rPr lang="en-US" dirty="0">
-                <a:effectLst/>
-              </a:rPr>
-              <a:t>“the virtual memory sub-system can be considered the core of a Solaris instance, and the implementation of Solaris virtual memory affects just about every other subsystem in the operating system” </a:t>
-            </a:r>
-            <a:endParaRPr lang="en-US" dirty="0"/>
-          </a:p>
-          <a:p>
-            <a:pPr marL="2286000" lvl="5" indent="0">
-              <a:buNone/>
-            </a:pPr>
-            <a:r>
-              <a:rPr lang="en-US" dirty="0"/>
-              <a:t>by </a:t>
-            </a:r>
-            <a:r>
-              <a:rPr lang="en-US" sz="1800" dirty="0">
-                <a:effectLst/>
-                <a:latin typeface="LinLibertineT"/>
-              </a:rPr>
-              <a:t>authoritative reference on the internals of the Solaris kernel, McDougall and Mauro </a:t>
-            </a:r>
-            <a:endParaRPr lang="en-US" dirty="0"/>
-          </a:p>
-        </p:txBody>
-      </p:sp>
-    </p:spTree>
-    <p:extLst>
-      <p:ext uri="{BB962C8B-B14F-4D97-AF65-F5344CB8AC3E}">
-        <p14:creationId xmlns:p14="http://schemas.microsoft.com/office/powerpoint/2010/main" val="3245068524"/>
-      </p:ext>
-    </p:extLst>
-  </p:cSld>
-  <p:clrMapOvr>
-    <a:masterClrMapping/>
-  </p:clrMapOvr>
 </p:sld>
 </file>
 
@@ -19255,38 +20990,10 @@
       </p:grpSpPr>
       <p:sp>
         <p:nvSpPr>
-          <p:cNvPr id="2" name="Title 1">
-            <a:extLst>
-              <a:ext uri="{FF2B5EF4-FFF2-40B4-BE49-F238E27FC236}">
-                <a16:creationId xmlns:a16="http://schemas.microsoft.com/office/drawing/2014/main" id="{E75A09B6-332C-5EA5-F191-8AC793726293}"/>
-              </a:ext>
-            </a:extLst>
-          </p:cNvPr>
-          <p:cNvSpPr>
-            <a:spLocks noGrp="1"/>
-          </p:cNvSpPr>
-          <p:nvPr>
-            <p:ph type="title"/>
-          </p:nvPr>
-        </p:nvSpPr>
-        <p:spPr/>
-        <p:txBody>
-          <a:bodyPr/>
-          <a:lstStyle/>
-          <a:p>
-            <a:r>
-              <a:rPr lang="en-US" dirty="0"/>
-              <a:t>Program Logic: Points-to Relations</a:t>
-            </a:r>
-          </a:p>
-        </p:txBody>
-      </p:sp>
-      <p:sp>
-        <p:nvSpPr>
           <p:cNvPr id="3" name="Content Placeholder 2">
             <a:extLst>
               <a:ext uri="{FF2B5EF4-FFF2-40B4-BE49-F238E27FC236}">
-                <a16:creationId xmlns:a16="http://schemas.microsoft.com/office/drawing/2014/main" id="{DCED458A-252F-0ABD-F087-72D071452DAA}"/>
+                <a16:creationId xmlns:a16="http://schemas.microsoft.com/office/drawing/2014/main" id="{BFF2B646-AA21-3492-C127-C5076839C905}"/>
               </a:ext>
             </a:extLst>
           </p:cNvPr>
@@ -19302,182 +21009,36 @@
           <a:bodyPr/>
           <a:lstStyle/>
           <a:p>
+            <a:endParaRPr lang="en-US" dirty="0"/>
+          </a:p>
+          <a:p>
+            <a:endParaRPr lang="en-US" dirty="0"/>
+          </a:p>
+          <a:p>
+            <a:endParaRPr lang="en-US" dirty="0"/>
+          </a:p>
+          <a:p>
+            <a:endParaRPr lang="en-US" dirty="0"/>
+          </a:p>
+          <a:p>
+            <a:pPr marL="0" indent="0">
+              <a:buNone/>
+            </a:pPr>
             <a:r>
               <a:rPr lang="en-US" dirty="0"/>
-              <a:t>Physical state </a:t>
-            </a:r>
-          </a:p>
-          <a:p>
-            <a:pPr lvl="1"/>
-            <a:r>
-              <a:rPr lang="en-US" dirty="0"/>
-              <a:t>Memory</a:t>
-            </a:r>
-          </a:p>
-          <a:p>
-            <a:pPr lvl="1"/>
-            <a:r>
-              <a:rPr lang="en-US" dirty="0"/>
-              <a:t>Register</a:t>
-            </a:r>
-          </a:p>
-          <a:p>
-            <a:r>
-              <a:rPr lang="en-US" dirty="0"/>
-              <a:t>Ownership of Physical State:</a:t>
-            </a:r>
-          </a:p>
-          <a:p>
-            <a:pPr lvl="1"/>
-            <a:r>
-              <a:rPr lang="en-US" dirty="0"/>
-              <a:t>A physical points-to : </a:t>
-            </a:r>
-            <a:r>
-              <a:rPr lang="en-US" i="1" dirty="0"/>
-              <a:t> </a:t>
-            </a:r>
-          </a:p>
-          <a:p>
-            <a:pPr lvl="1"/>
-            <a:r>
-              <a:rPr lang="en-US" dirty="0"/>
-              <a:t>A register points-to : </a:t>
-            </a:r>
-            <a:endParaRPr lang="en-US" i="1" dirty="0"/>
-          </a:p>
-          <a:p>
-            <a:r>
-              <a:rPr lang="en-US" dirty="0"/>
-              <a:t>How about virtual points-to relation?</a:t>
-            </a:r>
-          </a:p>
-        </p:txBody>
-      </p:sp>
-      <p:pic>
-        <p:nvPicPr>
-          <p:cNvPr id="10" name="Picture 9" descr="Text&#10;&#10;Description automatically generated with medium confidence">
-            <a:extLst>
-              <a:ext uri="{FF2B5EF4-FFF2-40B4-BE49-F238E27FC236}">
-                <a16:creationId xmlns:a16="http://schemas.microsoft.com/office/drawing/2014/main" id="{665DB35D-ABBD-C0E4-036D-F405FC4D50A2}"/>
-              </a:ext>
-            </a:extLst>
-          </p:cNvPr>
-          <p:cNvPicPr>
-            <a:picLocks noChangeAspect="1"/>
-          </p:cNvPicPr>
-          <p:nvPr/>
-        </p:nvPicPr>
-        <p:blipFill>
-          <a:blip r:embed="rId3"/>
-          <a:stretch>
-            <a:fillRect/>
-          </a:stretch>
-        </p:blipFill>
-        <p:spPr>
-          <a:xfrm>
-            <a:off x="4272702" y="3594894"/>
-            <a:ext cx="1384300" cy="406400"/>
-          </a:xfrm>
-          <a:prstGeom prst="rect">
-            <a:avLst/>
-          </a:prstGeom>
-        </p:spPr>
-      </p:pic>
-      <p:pic>
-        <p:nvPicPr>
-          <p:cNvPr id="14" name="Picture 13" descr="Arrow&#10;&#10;Description automatically generated with low confidence">
-            <a:extLst>
-              <a:ext uri="{FF2B5EF4-FFF2-40B4-BE49-F238E27FC236}">
-                <a16:creationId xmlns:a16="http://schemas.microsoft.com/office/drawing/2014/main" id="{49231606-1D30-CBD1-5873-185CECB9ED87}"/>
-              </a:ext>
-            </a:extLst>
-          </p:cNvPr>
-          <p:cNvPicPr>
-            <a:picLocks noChangeAspect="1"/>
-          </p:cNvPicPr>
-          <p:nvPr/>
-        </p:nvPicPr>
-        <p:blipFill>
-          <a:blip r:embed="rId4"/>
-          <a:stretch>
-            <a:fillRect/>
-          </a:stretch>
-        </p:blipFill>
-        <p:spPr>
-          <a:xfrm>
-            <a:off x="4272702" y="4001294"/>
-            <a:ext cx="901700" cy="317500"/>
-          </a:xfrm>
-          <a:prstGeom prst="rect">
-            <a:avLst/>
-          </a:prstGeom>
-        </p:spPr>
-      </p:pic>
-      <p:pic>
-        <p:nvPicPr>
-          <p:cNvPr id="16" name="Picture 15" descr="A picture containing arrow&#10;&#10;Description automatically generated">
-            <a:extLst>
-              <a:ext uri="{FF2B5EF4-FFF2-40B4-BE49-F238E27FC236}">
-                <a16:creationId xmlns:a16="http://schemas.microsoft.com/office/drawing/2014/main" id="{66AF6069-6886-0C0B-68A8-9FD005DFD257}"/>
-              </a:ext>
-            </a:extLst>
-          </p:cNvPr>
-          <p:cNvPicPr>
-            <a:picLocks noChangeAspect="1"/>
-          </p:cNvPicPr>
-          <p:nvPr/>
-        </p:nvPicPr>
-        <p:blipFill>
-          <a:blip r:embed="rId5"/>
-          <a:stretch>
-            <a:fillRect/>
-          </a:stretch>
-        </p:blipFill>
-        <p:spPr>
-          <a:xfrm>
-            <a:off x="3002702" y="2645172"/>
-            <a:ext cx="2540000" cy="317500"/>
-          </a:xfrm>
-          <a:prstGeom prst="rect">
-            <a:avLst/>
-          </a:prstGeom>
-        </p:spPr>
-      </p:pic>
-      <p:pic>
-        <p:nvPicPr>
-          <p:cNvPr id="18" name="Picture 17">
-            <a:extLst>
-              <a:ext uri="{FF2B5EF4-FFF2-40B4-BE49-F238E27FC236}">
-                <a16:creationId xmlns:a16="http://schemas.microsoft.com/office/drawing/2014/main" id="{1531A761-D8D3-56C9-74A9-853080EC91D8}"/>
-              </a:ext>
-            </a:extLst>
-          </p:cNvPr>
-          <p:cNvPicPr>
-            <a:picLocks noChangeAspect="1"/>
-          </p:cNvPicPr>
-          <p:nvPr/>
-        </p:nvPicPr>
-        <p:blipFill>
-          <a:blip r:embed="rId6"/>
-          <a:stretch>
-            <a:fillRect/>
-          </a:stretch>
-        </p:blipFill>
-        <p:spPr>
-          <a:xfrm>
-            <a:off x="3002702" y="2295921"/>
-            <a:ext cx="3733800" cy="355600"/>
-          </a:xfrm>
-          <a:prstGeom prst="rect">
-            <a:avLst/>
-          </a:prstGeom>
-        </p:spPr>
-      </p:pic>
+              <a:t>				        </a:t>
+            </a:r>
+            <a:r>
+              <a:rPr lang="en-US" sz="4400" dirty="0"/>
+              <a:t>LOGIC</a:t>
+            </a:r>
+          </a:p>
+        </p:txBody>
+      </p:sp>
     </p:spTree>
     <p:extLst>
       <p:ext uri="{BB962C8B-B14F-4D97-AF65-F5344CB8AC3E}">
-        <p14:creationId xmlns:p14="http://schemas.microsoft.com/office/powerpoint/2010/main" val="236957646"/>
+        <p14:creationId xmlns:p14="http://schemas.microsoft.com/office/powerpoint/2010/main" val="2958213298"/>
       </p:ext>
     </p:extLst>
   </p:cSld>
@@ -19509,7 +21070,7 @@
           <p:cNvPr id="2" name="Title 1">
             <a:extLst>
               <a:ext uri="{FF2B5EF4-FFF2-40B4-BE49-F238E27FC236}">
-                <a16:creationId xmlns:a16="http://schemas.microsoft.com/office/drawing/2014/main" id="{8ED86DD7-9D9C-E2DD-2652-0961CEEBBAA9}"/>
+                <a16:creationId xmlns:a16="http://schemas.microsoft.com/office/drawing/2014/main" id="{4EBA4565-B28D-9851-2EE5-CE1EEE4EE251}"/>
               </a:ext>
             </a:extLst>
           </p:cNvPr>
@@ -19527,7 +21088,7 @@
           <a:p>
             <a:r>
               <a:rPr lang="en-US" dirty="0"/>
-              <a:t>Program Logic: Defining Virtual Points-to </a:t>
+              <a:t>The System of Memory Virtualization</a:t>
             </a:r>
           </a:p>
         </p:txBody>
@@ -19537,7 +21098,7 @@
           <p:cNvPr id="3" name="Content Placeholder 2">
             <a:extLst>
               <a:ext uri="{FF2B5EF4-FFF2-40B4-BE49-F238E27FC236}">
-                <a16:creationId xmlns:a16="http://schemas.microsoft.com/office/drawing/2014/main" id="{927E2B42-CF82-8BD2-7EC7-01092839E6FC}"/>
+                <a16:creationId xmlns:a16="http://schemas.microsoft.com/office/drawing/2014/main" id="{2989CDC0-5BA8-EA62-9AF6-5F64F3CD534E}"/>
               </a:ext>
             </a:extLst>
           </p:cNvPr>
@@ -19550,309 +21111,50 @@
         </p:nvSpPr>
         <p:spPr/>
         <p:txBody>
-          <a:bodyPr>
-            <a:normAutofit fontScale="85000" lnSpcReduction="20000"/>
-          </a:bodyPr>
+          <a:bodyPr/>
           <a:lstStyle/>
           <a:p>
             <a:pPr marL="0" indent="0">
               <a:buNone/>
             </a:pPr>
             <a:r>
-              <a:rPr lang="en-US" dirty="0"/>
-              <a:t>In terms of each physical points-to for a Page-Table</a:t>
-            </a:r>
-          </a:p>
-          <a:p>
+              <a:rPr lang="en-US" sz="1800" dirty="0">
+                <a:effectLst/>
+                <a:latin typeface="LinLibertineT"/>
+              </a:rPr>
+              <a:t> </a:t>
+            </a:r>
+            <a:r>
+              <a:rPr lang="en-US" dirty="0">
+                <a:effectLst/>
+              </a:rPr>
+              <a:t>“the virtual memory sub-system can be considered the core of a Solaris instance, and the implementation of Solaris virtual memory affects just about every other subsystem in the operating system” </a:t>
+            </a:r>
             <a:endParaRPr lang="en-US" dirty="0"/>
           </a:p>
           <a:p>
-            <a:pPr marL="0" indent="0">
+            <a:pPr marL="2286000" lvl="5" indent="0">
               <a:buNone/>
             </a:pPr>
+            <a:r>
+              <a:rPr lang="en-US" dirty="0"/>
+              <a:t>by </a:t>
+            </a:r>
+            <a:r>
+              <a:rPr lang="en-US" sz="1800" dirty="0">
+                <a:effectLst/>
+                <a:latin typeface="LinLibertineT"/>
+              </a:rPr>
+              <a:t>authoritative reference on the internals of the Solaris kernel, McDougall and Mauro </a:t>
+            </a:r>
             <a:endParaRPr lang="en-US" dirty="0"/>
           </a:p>
-          <a:p>
-            <a:pPr marL="0" indent="0">
-              <a:buNone/>
-            </a:pPr>
-            <a:r>
-              <a:rPr lang="en-US" dirty="0"/>
-              <a:t>where </a:t>
-            </a:r>
-            <a:r>
-              <a:rPr lang="en-US" i="1" dirty="0"/>
-              <a:t>physical</a:t>
-            </a:r>
-            <a:r>
-              <a:rPr lang="en-US" dirty="0"/>
-              <a:t> L4_L1 page-table walk</a:t>
-            </a:r>
-          </a:p>
-          <a:p>
-            <a:pPr marL="0" indent="0">
-              <a:buNone/>
-            </a:pPr>
-            <a:endParaRPr lang="en-US" dirty="0"/>
-          </a:p>
-          <a:p>
-            <a:pPr marL="0" indent="0">
-              <a:buNone/>
-            </a:pPr>
-            <a:r>
-              <a:rPr lang="en-US" dirty="0"/>
-              <a:t>                                                                                             </a:t>
-            </a:r>
-          </a:p>
-          <a:p>
-            <a:pPr marL="0" indent="0">
-              <a:buNone/>
-            </a:pPr>
-            <a:endParaRPr lang="en-US" dirty="0"/>
-          </a:p>
-          <a:p>
-            <a:pPr marL="0" indent="0">
-              <a:buNone/>
-            </a:pPr>
-            <a:endParaRPr lang="en-US" dirty="0"/>
-          </a:p>
-          <a:p>
-            <a:pPr marL="0" indent="0">
-              <a:buNone/>
-            </a:pPr>
-            <a:endParaRPr lang="en-US" dirty="0"/>
-          </a:p>
-          <a:p>
-            <a:pPr marL="0" indent="0">
-              <a:buNone/>
-            </a:pPr>
-            <a:endParaRPr lang="en-US" dirty="0"/>
-          </a:p>
-          <a:p>
-            <a:pPr marL="0" indent="0">
-              <a:buNone/>
-            </a:pPr>
-            <a:r>
-              <a:rPr lang="en-US" dirty="0"/>
-              <a:t>How about updating an entry in a page-table? </a:t>
-            </a:r>
-          </a:p>
-        </p:txBody>
-      </p:sp>
-      <p:pic>
-        <p:nvPicPr>
-          <p:cNvPr id="13" name="Picture 12" descr="Text, letter&#10;&#10;Description automatically generated">
-            <a:extLst>
-              <a:ext uri="{FF2B5EF4-FFF2-40B4-BE49-F238E27FC236}">
-                <a16:creationId xmlns:a16="http://schemas.microsoft.com/office/drawing/2014/main" id="{D935EB13-3FA7-B30B-2F54-F9B03875D067}"/>
-              </a:ext>
-            </a:extLst>
-          </p:cNvPr>
-          <p:cNvPicPr>
-            <a:picLocks noChangeAspect="1"/>
-          </p:cNvPicPr>
-          <p:nvPr/>
-        </p:nvPicPr>
-        <p:blipFill>
-          <a:blip r:embed="rId3"/>
-          <a:stretch>
-            <a:fillRect/>
-          </a:stretch>
-        </p:blipFill>
-        <p:spPr>
-          <a:xfrm>
-            <a:off x="940715" y="3796871"/>
-            <a:ext cx="9032624" cy="1533614"/>
-          </a:xfrm>
-          <a:prstGeom prst="rect">
-            <a:avLst/>
-          </a:prstGeom>
-        </p:spPr>
-      </p:pic>
-      <p:pic>
-        <p:nvPicPr>
-          <p:cNvPr id="16" name="Picture 15">
-            <a:extLst>
-              <a:ext uri="{FF2B5EF4-FFF2-40B4-BE49-F238E27FC236}">
-                <a16:creationId xmlns:a16="http://schemas.microsoft.com/office/drawing/2014/main" id="{2C6B7276-678D-1E8B-51A4-6438E4D76CC3}"/>
-              </a:ext>
-            </a:extLst>
-          </p:cNvPr>
-          <p:cNvPicPr>
-            <a:picLocks noChangeAspect="1"/>
-          </p:cNvPicPr>
-          <p:nvPr/>
-        </p:nvPicPr>
-        <p:blipFill>
-          <a:blip r:embed="rId4"/>
-          <a:stretch>
-            <a:fillRect/>
-          </a:stretch>
-        </p:blipFill>
-        <p:spPr>
-          <a:xfrm>
-            <a:off x="834389" y="3391694"/>
-            <a:ext cx="5874755" cy="284630"/>
-          </a:xfrm>
-          <a:prstGeom prst="rect">
-            <a:avLst/>
-          </a:prstGeom>
-        </p:spPr>
-      </p:pic>
-      <p:pic>
-        <p:nvPicPr>
-          <p:cNvPr id="17" name="Content Placeholder 8" descr="Text&#10;&#10;Description automatically generated with medium confidence">
-            <a:extLst>
-              <a:ext uri="{FF2B5EF4-FFF2-40B4-BE49-F238E27FC236}">
-                <a16:creationId xmlns:a16="http://schemas.microsoft.com/office/drawing/2014/main" id="{9CA77666-1192-EB47-7403-B4C1BC09D96D}"/>
-              </a:ext>
-            </a:extLst>
-          </p:cNvPr>
-          <p:cNvPicPr>
-            <a:picLocks noChangeAspect="1"/>
-          </p:cNvPicPr>
-          <p:nvPr/>
-        </p:nvPicPr>
-        <p:blipFill>
-          <a:blip r:embed="rId5"/>
-          <a:stretch>
-            <a:fillRect/>
-          </a:stretch>
-        </p:blipFill>
-        <p:spPr>
-          <a:xfrm>
-            <a:off x="638998" y="2328758"/>
-            <a:ext cx="1430895" cy="377135"/>
-          </a:xfrm>
-          <a:prstGeom prst="rect">
-            <a:avLst/>
-          </a:prstGeom>
-        </p:spPr>
-      </p:pic>
-      <p:pic>
-        <p:nvPicPr>
-          <p:cNvPr id="18" name="Picture 17">
-            <a:extLst>
-              <a:ext uri="{FF2B5EF4-FFF2-40B4-BE49-F238E27FC236}">
-                <a16:creationId xmlns:a16="http://schemas.microsoft.com/office/drawing/2014/main" id="{E8F11444-5365-779F-22CC-A36E7BE1973B}"/>
-              </a:ext>
-            </a:extLst>
-          </p:cNvPr>
-          <p:cNvPicPr>
-            <a:picLocks noChangeAspect="1"/>
-          </p:cNvPicPr>
-          <p:nvPr/>
-        </p:nvPicPr>
-        <p:blipFill>
-          <a:blip r:embed="rId6"/>
-          <a:stretch>
-            <a:fillRect/>
-          </a:stretch>
-        </p:blipFill>
-        <p:spPr>
-          <a:xfrm>
-            <a:off x="2037587" y="2328759"/>
-            <a:ext cx="254000" cy="304800"/>
-          </a:xfrm>
-          <a:prstGeom prst="rect">
-            <a:avLst/>
-          </a:prstGeom>
-        </p:spPr>
-      </p:pic>
-      <p:pic>
-        <p:nvPicPr>
-          <p:cNvPr id="19" name="Picture 18">
-            <a:extLst>
-              <a:ext uri="{FF2B5EF4-FFF2-40B4-BE49-F238E27FC236}">
-                <a16:creationId xmlns:a16="http://schemas.microsoft.com/office/drawing/2014/main" id="{B335163A-4DC9-AA79-FE91-AAE096420272}"/>
-              </a:ext>
-            </a:extLst>
-          </p:cNvPr>
-          <p:cNvPicPr>
-            <a:picLocks noChangeAspect="1"/>
-          </p:cNvPicPr>
-          <p:nvPr/>
-        </p:nvPicPr>
-        <p:blipFill>
-          <a:blip r:embed="rId6"/>
-          <a:stretch>
-            <a:fillRect/>
-          </a:stretch>
-        </p:blipFill>
-        <p:spPr>
-          <a:xfrm>
-            <a:off x="6582144" y="3365404"/>
-            <a:ext cx="254000" cy="304800"/>
-          </a:xfrm>
-          <a:prstGeom prst="rect">
-            <a:avLst/>
-          </a:prstGeom>
-        </p:spPr>
-      </p:pic>
-      <p:pic>
-        <p:nvPicPr>
-          <p:cNvPr id="25" name="Picture 24">
-            <a:extLst>
-              <a:ext uri="{FF2B5EF4-FFF2-40B4-BE49-F238E27FC236}">
-                <a16:creationId xmlns:a16="http://schemas.microsoft.com/office/drawing/2014/main" id="{2B378D27-45F4-EA83-6D4A-763AD380E8ED}"/>
-              </a:ext>
-            </a:extLst>
-          </p:cNvPr>
-          <p:cNvPicPr>
-            <a:picLocks noChangeAspect="1"/>
-          </p:cNvPicPr>
-          <p:nvPr/>
-        </p:nvPicPr>
-        <p:blipFill>
-          <a:blip r:embed="rId7"/>
-          <a:stretch>
-            <a:fillRect/>
-          </a:stretch>
-        </p:blipFill>
-        <p:spPr>
-          <a:xfrm>
-            <a:off x="2393211" y="2318631"/>
-            <a:ext cx="7580128" cy="277123"/>
-          </a:xfrm>
-          <a:prstGeom prst="rect">
-            <a:avLst/>
-          </a:prstGeom>
-        </p:spPr>
-      </p:pic>
-      <p:pic>
-        <p:nvPicPr>
-          <p:cNvPr id="27" name="Picture 26">
-            <a:extLst>
-              <a:ext uri="{FF2B5EF4-FFF2-40B4-BE49-F238E27FC236}">
-                <a16:creationId xmlns:a16="http://schemas.microsoft.com/office/drawing/2014/main" id="{AE521E24-9577-2BCD-7FD8-6F03A2A1679D}"/>
-              </a:ext>
-            </a:extLst>
-          </p:cNvPr>
-          <p:cNvPicPr>
-            <a:picLocks noChangeAspect="1"/>
-          </p:cNvPicPr>
-          <p:nvPr/>
-        </p:nvPicPr>
-        <p:blipFill>
-          <a:blip r:embed="rId8"/>
-          <a:stretch>
-            <a:fillRect/>
-          </a:stretch>
-        </p:blipFill>
-        <p:spPr>
-          <a:xfrm>
-            <a:off x="8515369" y="2639728"/>
-            <a:ext cx="1457970" cy="248165"/>
-          </a:xfrm>
-          <a:prstGeom prst="rect">
-            <a:avLst/>
-          </a:prstGeom>
-        </p:spPr>
-      </p:pic>
+        </p:txBody>
+      </p:sp>
     </p:spTree>
     <p:extLst>
       <p:ext uri="{BB962C8B-B14F-4D97-AF65-F5344CB8AC3E}">
-        <p14:creationId xmlns:p14="http://schemas.microsoft.com/office/powerpoint/2010/main" val="2616719573"/>
+        <p14:creationId xmlns:p14="http://schemas.microsoft.com/office/powerpoint/2010/main" val="3245068524"/>
       </p:ext>
     </p:extLst>
   </p:cSld>
@@ -19879,12 +21181,113 @@
           <a:chExt cx="0" cy="0"/>
         </a:xfrm>
       </p:grpSpPr>
+      <p:sp>
+        <p:nvSpPr>
+          <p:cNvPr id="2" name="Title 1">
+            <a:extLst>
+              <a:ext uri="{FF2B5EF4-FFF2-40B4-BE49-F238E27FC236}">
+                <a16:creationId xmlns:a16="http://schemas.microsoft.com/office/drawing/2014/main" id="{E75A09B6-332C-5EA5-F191-8AC793726293}"/>
+              </a:ext>
+            </a:extLst>
+          </p:cNvPr>
+          <p:cNvSpPr>
+            <a:spLocks noGrp="1"/>
+          </p:cNvSpPr>
+          <p:nvPr>
+            <p:ph type="title"/>
+          </p:nvPr>
+        </p:nvSpPr>
+        <p:spPr/>
+        <p:txBody>
+          <a:bodyPr/>
+          <a:lstStyle/>
+          <a:p>
+            <a:r>
+              <a:rPr lang="en-US" dirty="0"/>
+              <a:t>Program Logic: Points-to Relations</a:t>
+            </a:r>
+          </a:p>
+        </p:txBody>
+      </p:sp>
+      <p:sp>
+        <p:nvSpPr>
+          <p:cNvPr id="3" name="Content Placeholder 2">
+            <a:extLst>
+              <a:ext uri="{FF2B5EF4-FFF2-40B4-BE49-F238E27FC236}">
+                <a16:creationId xmlns:a16="http://schemas.microsoft.com/office/drawing/2014/main" id="{DCED458A-252F-0ABD-F087-72D071452DAA}"/>
+              </a:ext>
+            </a:extLst>
+          </p:cNvPr>
+          <p:cNvSpPr>
+            <a:spLocks noGrp="1"/>
+          </p:cNvSpPr>
+          <p:nvPr>
+            <p:ph idx="1"/>
+          </p:nvPr>
+        </p:nvSpPr>
+        <p:spPr/>
+        <p:txBody>
+          <a:bodyPr/>
+          <a:lstStyle/>
+          <a:p>
+            <a:r>
+              <a:rPr lang="en-US" dirty="0"/>
+              <a:t>Physical state </a:t>
+            </a:r>
+          </a:p>
+          <a:p>
+            <a:pPr lvl="1"/>
+            <a:r>
+              <a:rPr lang="en-US" dirty="0"/>
+              <a:t>Physical Memory</a:t>
+            </a:r>
+          </a:p>
+          <a:p>
+            <a:pPr lvl="1"/>
+            <a:r>
+              <a:rPr lang="en-US" dirty="0"/>
+              <a:t>Register</a:t>
+            </a:r>
+          </a:p>
+          <a:p>
+            <a:r>
+              <a:rPr lang="en-US" dirty="0"/>
+              <a:t>Ownership of Physical State:</a:t>
+            </a:r>
+          </a:p>
+          <a:p>
+            <a:pPr lvl="1"/>
+            <a:r>
+              <a:rPr lang="en-US" dirty="0"/>
+              <a:t>A physical points-to : </a:t>
+            </a:r>
+            <a:r>
+              <a:rPr lang="en-US" i="1" dirty="0"/>
+              <a:t> </a:t>
+            </a:r>
+          </a:p>
+          <a:p>
+            <a:pPr lvl="1"/>
+            <a:r>
+              <a:rPr lang="en-US" dirty="0"/>
+              <a:t>A register points-to : </a:t>
+            </a:r>
+            <a:endParaRPr lang="en-US" i="1" dirty="0"/>
+          </a:p>
+          <a:p>
+            <a:r>
+              <a:rPr lang="en-US" dirty="0"/>
+              <a:t>How about virtual points-to relation?</a:t>
+            </a:r>
+          </a:p>
+        </p:txBody>
+      </p:sp>
       <p:pic>
         <p:nvPicPr>
-          <p:cNvPr id="10" name="Picture 9" descr="Text, letter&#10;&#10;Description automatically generated">
-            <a:extLst>
-              <a:ext uri="{FF2B5EF4-FFF2-40B4-BE49-F238E27FC236}">
-                <a16:creationId xmlns:a16="http://schemas.microsoft.com/office/drawing/2014/main" id="{0EB949B6-1A35-7EFC-BE38-A7B74506C0C1}"/>
+          <p:cNvPr id="10" name="Picture 9" descr="Text&#10;&#10;Description automatically generated with medium confidence">
+            <a:extLst>
+              <a:ext uri="{FF2B5EF4-FFF2-40B4-BE49-F238E27FC236}">
+                <a16:creationId xmlns:a16="http://schemas.microsoft.com/office/drawing/2014/main" id="{665DB35D-ABBD-C0E4-036D-F405FC4D50A2}"/>
               </a:ext>
             </a:extLst>
           </p:cNvPr>
@@ -19901,232 +21304,20 @@
         </p:blipFill>
         <p:spPr>
           <a:xfrm>
-            <a:off x="1150633" y="3075265"/>
-            <a:ext cx="8553677" cy="1452295"/>
+            <a:off x="4272702" y="3594894"/>
+            <a:ext cx="1384300" cy="406400"/>
           </a:xfrm>
           <a:prstGeom prst="rect">
             <a:avLst/>
           </a:prstGeom>
         </p:spPr>
       </p:pic>
-      <p:sp>
-        <p:nvSpPr>
-          <p:cNvPr id="2" name="Title 1">
-            <a:extLst>
-              <a:ext uri="{FF2B5EF4-FFF2-40B4-BE49-F238E27FC236}">
-                <a16:creationId xmlns:a16="http://schemas.microsoft.com/office/drawing/2014/main" id="{284DB793-5AE9-B6A8-76CE-5A520F686150}"/>
-              </a:ext>
-            </a:extLst>
-          </p:cNvPr>
-          <p:cNvSpPr>
-            <a:spLocks noGrp="1"/>
-          </p:cNvSpPr>
-          <p:nvPr>
-            <p:ph type="title"/>
-          </p:nvPr>
-        </p:nvSpPr>
-        <p:spPr>
-          <a:xfrm>
-            <a:off x="274320" y="365125"/>
-            <a:ext cx="11846560" cy="1325563"/>
-          </a:xfrm>
-        </p:spPr>
-        <p:txBody>
-          <a:bodyPr/>
-          <a:lstStyle/>
-          <a:p>
-            <a:r>
-              <a:rPr lang="en-US" dirty="0"/>
-              <a:t>Program Logic: Sharing under Page-Table Update</a:t>
-            </a:r>
-          </a:p>
-        </p:txBody>
-      </p:sp>
-      <p:sp>
-        <p:nvSpPr>
-          <p:cNvPr id="3" name="Content Placeholder 2">
-            <a:extLst>
-              <a:ext uri="{FF2B5EF4-FFF2-40B4-BE49-F238E27FC236}">
-                <a16:creationId xmlns:a16="http://schemas.microsoft.com/office/drawing/2014/main" id="{9FF1F8C8-7199-2E31-B355-11262FAAF4F5}"/>
-              </a:ext>
-            </a:extLst>
-          </p:cNvPr>
-          <p:cNvSpPr>
-            <a:spLocks noGrp="1"/>
-          </p:cNvSpPr>
-          <p:nvPr>
-            <p:ph idx="1"/>
-          </p:nvPr>
-        </p:nvSpPr>
-        <p:spPr/>
-        <p:txBody>
-          <a:bodyPr/>
-          <a:lstStyle/>
-          <a:p>
-            <a:r>
-              <a:rPr lang="en-US" dirty="0"/>
-              <a:t>Adding a new page requires an update to L1 table</a:t>
-            </a:r>
-          </a:p>
-        </p:txBody>
-      </p:sp>
-      <p:sp>
-        <p:nvSpPr>
-          <p:cNvPr id="7" name="Oval 6">
-            <a:extLst>
-              <a:ext uri="{FF2B5EF4-FFF2-40B4-BE49-F238E27FC236}">
-                <a16:creationId xmlns:a16="http://schemas.microsoft.com/office/drawing/2014/main" id="{129A6321-2269-3D61-0AEB-FFC845CC678C}"/>
-              </a:ext>
-            </a:extLst>
-          </p:cNvPr>
-          <p:cNvSpPr/>
-          <p:nvPr/>
-        </p:nvSpPr>
-        <p:spPr>
-          <a:xfrm>
-            <a:off x="838200" y="4185920"/>
-            <a:ext cx="5582920" cy="326947"/>
-          </a:xfrm>
-          <a:prstGeom prst="ellipse">
-            <a:avLst/>
-          </a:prstGeom>
-          <a:noFill/>
-        </p:spPr>
-        <p:style>
-          <a:lnRef idx="2">
-            <a:schemeClr val="accent1">
-              <a:shade val="50000"/>
-            </a:schemeClr>
-          </a:lnRef>
-          <a:fillRef idx="1">
-            <a:schemeClr val="accent1"/>
-          </a:fillRef>
-          <a:effectRef idx="0">
-            <a:schemeClr val="accent1"/>
-          </a:effectRef>
-          <a:fontRef idx="minor">
-            <a:schemeClr val="lt1"/>
-          </a:fontRef>
-        </p:style>
-        <p:txBody>
-          <a:bodyPr rtlCol="0" anchor="ctr"/>
-          <a:lstStyle/>
-          <a:p>
-            <a:pPr algn="ctr"/>
-            <a:endParaRPr lang="en-US"/>
-          </a:p>
-        </p:txBody>
-      </p:sp>
-      <p:sp>
-        <p:nvSpPr>
-          <p:cNvPr id="8" name="Oval Callout 7">
-            <a:extLst>
-              <a:ext uri="{FF2B5EF4-FFF2-40B4-BE49-F238E27FC236}">
-                <a16:creationId xmlns:a16="http://schemas.microsoft.com/office/drawing/2014/main" id="{AEB7DF88-F2A7-7F1D-072B-EEC78F596AFD}"/>
-              </a:ext>
-            </a:extLst>
-          </p:cNvPr>
-          <p:cNvSpPr/>
-          <p:nvPr/>
-        </p:nvSpPr>
-        <p:spPr>
-          <a:xfrm>
-            <a:off x="6733553" y="4002944"/>
-            <a:ext cx="5011901" cy="2882900"/>
-          </a:xfrm>
-          <a:prstGeom prst="wedgeEllipseCallout">
-            <a:avLst>
-              <a:gd name="adj1" fmla="val -81777"/>
-              <a:gd name="adj2" fmla="val -32556"/>
-            </a:avLst>
-          </a:prstGeom>
-          <a:noFill/>
-        </p:spPr>
-        <p:style>
-          <a:lnRef idx="2">
-            <a:schemeClr val="accent1">
-              <a:shade val="50000"/>
-            </a:schemeClr>
-          </a:lnRef>
-          <a:fillRef idx="1">
-            <a:schemeClr val="accent1"/>
-          </a:fillRef>
-          <a:effectRef idx="0">
-            <a:schemeClr val="accent1"/>
-          </a:effectRef>
-          <a:fontRef idx="minor">
-            <a:schemeClr val="lt1"/>
-          </a:fontRef>
-        </p:style>
-        <p:txBody>
-          <a:bodyPr rtlCol="0" anchor="ctr"/>
-          <a:lstStyle/>
-          <a:p>
-            <a:pPr algn="ctr"/>
-            <a:endParaRPr lang="en-US"/>
-          </a:p>
-        </p:txBody>
-      </p:sp>
-      <p:sp>
-        <p:nvSpPr>
-          <p:cNvPr id="9" name="TextBox 8">
-            <a:extLst>
-              <a:ext uri="{FF2B5EF4-FFF2-40B4-BE49-F238E27FC236}">
-                <a16:creationId xmlns:a16="http://schemas.microsoft.com/office/drawing/2014/main" id="{25E76388-490D-6008-D377-D65953C85663}"/>
-              </a:ext>
-            </a:extLst>
-          </p:cNvPr>
-          <p:cNvSpPr txBox="1"/>
-          <p:nvPr/>
-        </p:nvSpPr>
-        <p:spPr>
-          <a:xfrm>
-            <a:off x="7255762" y="4558835"/>
-            <a:ext cx="4098037" cy="1200329"/>
-          </a:xfrm>
-          <a:prstGeom prst="rect">
-            <a:avLst/>
-          </a:prstGeom>
-          <a:noFill/>
-        </p:spPr>
-        <p:txBody>
-          <a:bodyPr wrap="square" rtlCol="0">
-            <a:spAutoFit/>
-          </a:bodyPr>
-          <a:lstStyle/>
-          <a:p>
-            <a:r>
-              <a:rPr lang="en-US" dirty="0"/>
-              <a:t>Oops! L1 Table is updated! </a:t>
-            </a:r>
-          </a:p>
-          <a:p>
-            <a:r>
-              <a:rPr lang="en-US" dirty="0"/>
-              <a:t>This would make all virtual-points-to defined in terms of physical points-table-points-</a:t>
-            </a:r>
-            <a:r>
-              <a:rPr lang="en-US" dirty="0" err="1"/>
-              <a:t>tos</a:t>
-            </a:r>
-            <a:r>
-              <a:rPr lang="en-US" dirty="0"/>
-              <a:t> </a:t>
-            </a:r>
-            <a:r>
-              <a:rPr lang="en-US" b="1" i="1" dirty="0"/>
-              <a:t>unsound!</a:t>
-            </a:r>
-            <a:endParaRPr lang="en-US" dirty="0"/>
-          </a:p>
-        </p:txBody>
-      </p:sp>
       <p:pic>
         <p:nvPicPr>
-          <p:cNvPr id="11" name="Picture 10">
-            <a:extLst>
-              <a:ext uri="{FF2B5EF4-FFF2-40B4-BE49-F238E27FC236}">
-                <a16:creationId xmlns:a16="http://schemas.microsoft.com/office/drawing/2014/main" id="{FD704CBA-00DD-4136-50DB-2AB05AEE939B}"/>
+          <p:cNvPr id="14" name="Picture 13" descr="Arrow&#10;&#10;Description automatically generated with low confidence">
+            <a:extLst>
+              <a:ext uri="{FF2B5EF4-FFF2-40B4-BE49-F238E27FC236}">
+                <a16:creationId xmlns:a16="http://schemas.microsoft.com/office/drawing/2014/main" id="{49231606-1D30-CBD1-5873-185CECB9ED87}"/>
               </a:ext>
             </a:extLst>
           </p:cNvPr>
@@ -20143,8 +21334,8 @@
         </p:blipFill>
         <p:spPr>
           <a:xfrm>
-            <a:off x="834390" y="2696750"/>
-            <a:ext cx="6553200" cy="317500"/>
+            <a:off x="4272702" y="4001294"/>
+            <a:ext cx="901700" cy="317500"/>
           </a:xfrm>
           <a:prstGeom prst="rect">
             <a:avLst/>
@@ -20153,10 +21344,10 @@
       </p:pic>
       <p:pic>
         <p:nvPicPr>
-          <p:cNvPr id="12" name="Picture 11">
-            <a:extLst>
-              <a:ext uri="{FF2B5EF4-FFF2-40B4-BE49-F238E27FC236}">
-                <a16:creationId xmlns:a16="http://schemas.microsoft.com/office/drawing/2014/main" id="{1D26CC3E-683B-5F43-23E6-65E19E98F131}"/>
+          <p:cNvPr id="16" name="Picture 15" descr="A picture containing arrow&#10;&#10;Description automatically generated">
+            <a:extLst>
+              <a:ext uri="{FF2B5EF4-FFF2-40B4-BE49-F238E27FC236}">
+                <a16:creationId xmlns:a16="http://schemas.microsoft.com/office/drawing/2014/main" id="{66AF6069-6886-0C0B-68A8-9FD005DFD257}"/>
               </a:ext>
             </a:extLst>
           </p:cNvPr>
@@ -20173,8 +21364,38 @@
         </p:blipFill>
         <p:spPr>
           <a:xfrm>
-            <a:off x="7255763" y="2690654"/>
-            <a:ext cx="254000" cy="304800"/>
+            <a:off x="3002702" y="2645172"/>
+            <a:ext cx="2540000" cy="317500"/>
+          </a:xfrm>
+          <a:prstGeom prst="rect">
+            <a:avLst/>
+          </a:prstGeom>
+        </p:spPr>
+      </p:pic>
+      <p:pic>
+        <p:nvPicPr>
+          <p:cNvPr id="18" name="Picture 17">
+            <a:extLst>
+              <a:ext uri="{FF2B5EF4-FFF2-40B4-BE49-F238E27FC236}">
+                <a16:creationId xmlns:a16="http://schemas.microsoft.com/office/drawing/2014/main" id="{1531A761-D8D3-56C9-74A9-853080EC91D8}"/>
+              </a:ext>
+            </a:extLst>
+          </p:cNvPr>
+          <p:cNvPicPr>
+            <a:picLocks noChangeAspect="1"/>
+          </p:cNvPicPr>
+          <p:nvPr/>
+        </p:nvPicPr>
+        <p:blipFill>
+          <a:blip r:embed="rId6"/>
+          <a:stretch>
+            <a:fillRect/>
+          </a:stretch>
+        </p:blipFill>
+        <p:spPr>
+          <a:xfrm>
+            <a:off x="3930355" y="2264172"/>
+            <a:ext cx="3733800" cy="355600"/>
           </a:xfrm>
           <a:prstGeom prst="rect">
             <a:avLst/>
@@ -20184,165 +21405,13 @@
     </p:spTree>
     <p:extLst>
       <p:ext uri="{BB962C8B-B14F-4D97-AF65-F5344CB8AC3E}">
-        <p14:creationId xmlns:p14="http://schemas.microsoft.com/office/powerpoint/2010/main" val="1369945462"/>
+        <p14:creationId xmlns:p14="http://schemas.microsoft.com/office/powerpoint/2010/main" val="236957646"/>
       </p:ext>
     </p:extLst>
   </p:cSld>
   <p:clrMapOvr>
     <a:masterClrMapping/>
   </p:clrMapOvr>
-  <p:timing>
-    <p:tnLst>
-      <p:par>
-        <p:cTn id="1" dur="indefinite" restart="never" nodeType="tmRoot">
-          <p:childTnLst>
-            <p:seq concurrent="1" nextAc="seek">
-              <p:cTn id="2" dur="indefinite" nodeType="mainSeq">
-                <p:childTnLst>
-                  <p:par>
-                    <p:cTn id="3" fill="hold">
-                      <p:stCondLst>
-                        <p:cond delay="indefinite"/>
-                      </p:stCondLst>
-                      <p:childTnLst>
-                        <p:par>
-                          <p:cTn id="4" fill="hold">
-                            <p:stCondLst>
-                              <p:cond delay="0"/>
-                            </p:stCondLst>
-                            <p:childTnLst>
-                              <p:par>
-                                <p:cTn id="5" presetID="1" presetClass="entr" presetSubtype="0" fill="hold" grpId="0" nodeType="clickEffect">
-                                  <p:stCondLst>
-                                    <p:cond delay="0"/>
-                                  </p:stCondLst>
-                                  <p:childTnLst>
-                                    <p:set>
-                                      <p:cBhvr>
-                                        <p:cTn id="6" dur="1" fill="hold">
-                                          <p:stCondLst>
-                                            <p:cond delay="0"/>
-                                          </p:stCondLst>
-                                        </p:cTn>
-                                        <p:tgtEl>
-                                          <p:spTgt spid="7"/>
-                                        </p:tgtEl>
-                                        <p:attrNameLst>
-                                          <p:attrName>style.visibility</p:attrName>
-                                        </p:attrNameLst>
-                                      </p:cBhvr>
-                                      <p:to>
-                                        <p:strVal val="visible"/>
-                                      </p:to>
-                                    </p:set>
-                                  </p:childTnLst>
-                                </p:cTn>
-                              </p:par>
-                            </p:childTnLst>
-                          </p:cTn>
-                        </p:par>
-                      </p:childTnLst>
-                    </p:cTn>
-                  </p:par>
-                  <p:par>
-                    <p:cTn id="7" fill="hold">
-                      <p:stCondLst>
-                        <p:cond delay="indefinite"/>
-                      </p:stCondLst>
-                      <p:childTnLst>
-                        <p:par>
-                          <p:cTn id="8" fill="hold">
-                            <p:stCondLst>
-                              <p:cond delay="0"/>
-                            </p:stCondLst>
-                            <p:childTnLst>
-                              <p:par>
-                                <p:cTn id="9" presetID="1" presetClass="entr" presetSubtype="0" fill="hold" grpId="0" nodeType="clickEffect">
-                                  <p:stCondLst>
-                                    <p:cond delay="0"/>
-                                  </p:stCondLst>
-                                  <p:childTnLst>
-                                    <p:set>
-                                      <p:cBhvr>
-                                        <p:cTn id="10" dur="1" fill="hold">
-                                          <p:stCondLst>
-                                            <p:cond delay="0"/>
-                                          </p:stCondLst>
-                                        </p:cTn>
-                                        <p:tgtEl>
-                                          <p:spTgt spid="8"/>
-                                        </p:tgtEl>
-                                        <p:attrNameLst>
-                                          <p:attrName>style.visibility</p:attrName>
-                                        </p:attrNameLst>
-                                      </p:cBhvr>
-                                      <p:to>
-                                        <p:strVal val="visible"/>
-                                      </p:to>
-                                    </p:set>
-                                  </p:childTnLst>
-                                </p:cTn>
-                              </p:par>
-                              <p:par>
-                                <p:cTn id="11" presetID="1" presetClass="entr" presetSubtype="0" fill="hold" grpId="0" nodeType="withEffect">
-                                  <p:stCondLst>
-                                    <p:cond delay="0"/>
-                                  </p:stCondLst>
-                                  <p:childTnLst>
-                                    <p:set>
-                                      <p:cBhvr>
-                                        <p:cTn id="12" dur="1" fill="hold">
-                                          <p:stCondLst>
-                                            <p:cond delay="0"/>
-                                          </p:stCondLst>
-                                        </p:cTn>
-                                        <p:tgtEl>
-                                          <p:spTgt spid="9"/>
-                                        </p:tgtEl>
-                                        <p:attrNameLst>
-                                          <p:attrName>style.visibility</p:attrName>
-                                        </p:attrNameLst>
-                                      </p:cBhvr>
-                                      <p:to>
-                                        <p:strVal val="visible"/>
-                                      </p:to>
-                                    </p:set>
-                                  </p:childTnLst>
-                                </p:cTn>
-                              </p:par>
-                            </p:childTnLst>
-                          </p:cTn>
-                        </p:par>
-                      </p:childTnLst>
-                    </p:cTn>
-                  </p:par>
-                </p:childTnLst>
-              </p:cTn>
-              <p:prevCondLst>
-                <p:cond evt="onPrev" delay="0">
-                  <p:tgtEl>
-                    <p:sldTgt/>
-                  </p:tgtEl>
-                </p:cond>
-              </p:prevCondLst>
-              <p:nextCondLst>
-                <p:cond evt="onNext" delay="0">
-                  <p:tgtEl>
-                    <p:sldTgt/>
-                  </p:tgtEl>
-                </p:cond>
-              </p:nextCondLst>
-            </p:seq>
-          </p:childTnLst>
-        </p:cTn>
-      </p:par>
-    </p:tnLst>
-    <p:bldLst>
-      <p:bldP spid="7" grpId="0" animBg="1"/>
-      <p:bldP spid="8" grpId="0" animBg="1"/>
-      <p:bldP spid="9" grpId="0"/>
-    </p:bldLst>
-  </p:timing>
 </p:sld>
 </file>
 
@@ -20363,21 +21432,154 @@
           <a:chExt cx="0" cy="0"/>
         </a:xfrm>
       </p:grpSpPr>
-      <p:pic>
-        <p:nvPicPr>
-          <p:cNvPr id="9" name="Content Placeholder 8" descr="Text&#10;&#10;Description automatically generated with medium confidence">
-            <a:extLst>
-              <a:ext uri="{FF2B5EF4-FFF2-40B4-BE49-F238E27FC236}">
-                <a16:creationId xmlns:a16="http://schemas.microsoft.com/office/drawing/2014/main" id="{A9AAEE6D-652B-30EF-035A-D7654C014F64}"/>
-              </a:ext>
-            </a:extLst>
-          </p:cNvPr>
-          <p:cNvPicPr>
-            <a:picLocks noGrp="1" noChangeAspect="1"/>
-          </p:cNvPicPr>
+      <p:sp>
+        <p:nvSpPr>
+          <p:cNvPr id="2" name="Title 1">
+            <a:extLst>
+              <a:ext uri="{FF2B5EF4-FFF2-40B4-BE49-F238E27FC236}">
+                <a16:creationId xmlns:a16="http://schemas.microsoft.com/office/drawing/2014/main" id="{8ED86DD7-9D9C-E2DD-2652-0961CEEBBAA9}"/>
+              </a:ext>
+            </a:extLst>
+          </p:cNvPr>
+          <p:cNvSpPr>
+            <a:spLocks noGrp="1"/>
+          </p:cNvSpPr>
+          <p:nvPr>
+            <p:ph type="title"/>
+          </p:nvPr>
+        </p:nvSpPr>
+        <p:spPr/>
+        <p:txBody>
+          <a:bodyPr/>
+          <a:lstStyle/>
+          <a:p>
+            <a:r>
+              <a:rPr lang="en-US" dirty="0"/>
+              <a:t>Program Logic: Defining Virtual Points-to </a:t>
+            </a:r>
+          </a:p>
+        </p:txBody>
+      </p:sp>
+      <p:sp>
+        <p:nvSpPr>
+          <p:cNvPr id="3" name="Content Placeholder 2">
+            <a:extLst>
+              <a:ext uri="{FF2B5EF4-FFF2-40B4-BE49-F238E27FC236}">
+                <a16:creationId xmlns:a16="http://schemas.microsoft.com/office/drawing/2014/main" id="{927E2B42-CF82-8BD2-7EC7-01092839E6FC}"/>
+              </a:ext>
+            </a:extLst>
+          </p:cNvPr>
+          <p:cNvSpPr>
+            <a:spLocks noGrp="1"/>
+          </p:cNvSpPr>
           <p:nvPr>
             <p:ph idx="1"/>
           </p:nvPr>
+        </p:nvSpPr>
+        <p:spPr/>
+        <p:txBody>
+          <a:bodyPr>
+            <a:normAutofit fontScale="85000" lnSpcReduction="20000"/>
+          </a:bodyPr>
+          <a:lstStyle/>
+          <a:p>
+            <a:pPr marL="0" indent="0">
+              <a:buNone/>
+            </a:pPr>
+            <a:r>
+              <a:rPr lang="en-US" dirty="0"/>
+              <a:t>In terms of each physical points-to for a Page-Table</a:t>
+            </a:r>
+          </a:p>
+          <a:p>
+            <a:endParaRPr lang="en-US" dirty="0"/>
+          </a:p>
+          <a:p>
+            <a:pPr marL="0" indent="0">
+              <a:buNone/>
+            </a:pPr>
+            <a:endParaRPr lang="en-US" dirty="0"/>
+          </a:p>
+          <a:p>
+            <a:pPr marL="0" indent="0">
+              <a:buNone/>
+            </a:pPr>
+            <a:r>
+              <a:rPr lang="en-US" dirty="0"/>
+              <a:t>where </a:t>
+            </a:r>
+            <a:r>
+              <a:rPr lang="en-US" i="1" dirty="0"/>
+              <a:t>physical</a:t>
+            </a:r>
+            <a:r>
+              <a:rPr lang="en-US" dirty="0"/>
+              <a:t> L4_L1 page-table walk</a:t>
+            </a:r>
+          </a:p>
+          <a:p>
+            <a:pPr marL="0" indent="0">
+              <a:buNone/>
+            </a:pPr>
+            <a:endParaRPr lang="en-US" dirty="0"/>
+          </a:p>
+          <a:p>
+            <a:pPr marL="0" indent="0">
+              <a:buNone/>
+            </a:pPr>
+            <a:r>
+              <a:rPr lang="en-US" dirty="0"/>
+              <a:t>                                                                                             </a:t>
+            </a:r>
+          </a:p>
+          <a:p>
+            <a:pPr marL="0" indent="0">
+              <a:buNone/>
+            </a:pPr>
+            <a:endParaRPr lang="en-US" dirty="0"/>
+          </a:p>
+          <a:p>
+            <a:pPr marL="0" indent="0">
+              <a:buNone/>
+            </a:pPr>
+            <a:endParaRPr lang="en-US" dirty="0"/>
+          </a:p>
+          <a:p>
+            <a:pPr marL="0" indent="0">
+              <a:buNone/>
+            </a:pPr>
+            <a:endParaRPr lang="en-US" dirty="0"/>
+          </a:p>
+          <a:p>
+            <a:pPr marL="0" indent="0">
+              <a:buNone/>
+            </a:pPr>
+            <a:endParaRPr lang="en-US" dirty="0"/>
+          </a:p>
+          <a:p>
+            <a:pPr marL="0" indent="0">
+              <a:buNone/>
+            </a:pPr>
+            <a:r>
+              <a:rPr lang="en-US" dirty="0"/>
+              <a:t>How about updating an entry in a page-table? </a:t>
+            </a:r>
+          </a:p>
+        </p:txBody>
+      </p:sp>
+      <p:pic>
+        <p:nvPicPr>
+          <p:cNvPr id="13" name="Picture 12" descr="Text, letter&#10;&#10;Description automatically generated">
+            <a:extLst>
+              <a:ext uri="{FF2B5EF4-FFF2-40B4-BE49-F238E27FC236}">
+                <a16:creationId xmlns:a16="http://schemas.microsoft.com/office/drawing/2014/main" id="{D935EB13-3FA7-B30B-2F54-F9B03875D067}"/>
+              </a:ext>
+            </a:extLst>
+          </p:cNvPr>
+          <p:cNvPicPr>
+            <a:picLocks noChangeAspect="1"/>
+          </p:cNvPicPr>
+          <p:nvPr/>
         </p:nvPicPr>
         <p:blipFill>
           <a:blip r:embed="rId3"/>
@@ -20387,50 +21589,20 @@
         </p:blipFill>
         <p:spPr>
           <a:xfrm>
-            <a:off x="1040130" y="2383314"/>
-            <a:ext cx="1638300" cy="431800"/>
-          </a:xfrm>
+            <a:off x="940715" y="3796871"/>
+            <a:ext cx="9032624" cy="1533614"/>
+          </a:xfrm>
+          <a:prstGeom prst="rect">
+            <a:avLst/>
+          </a:prstGeom>
         </p:spPr>
       </p:pic>
-      <p:sp>
-        <p:nvSpPr>
-          <p:cNvPr id="7" name="Title 1">
-            <a:extLst>
-              <a:ext uri="{FF2B5EF4-FFF2-40B4-BE49-F238E27FC236}">
-                <a16:creationId xmlns:a16="http://schemas.microsoft.com/office/drawing/2014/main" id="{997A79CB-958A-800C-8ECC-077018D17896}"/>
-              </a:ext>
-            </a:extLst>
-          </p:cNvPr>
-          <p:cNvSpPr>
-            <a:spLocks noGrp="1"/>
-          </p:cNvSpPr>
-          <p:nvPr>
-            <p:ph type="title"/>
-          </p:nvPr>
-        </p:nvSpPr>
-        <p:spPr>
-          <a:xfrm>
-            <a:off x="453646" y="110570"/>
-            <a:ext cx="11846560" cy="1325563"/>
-          </a:xfrm>
-        </p:spPr>
-        <p:txBody>
-          <a:bodyPr/>
-          <a:lstStyle/>
-          <a:p>
-            <a:r>
-              <a:rPr lang="en-US" dirty="0"/>
-              <a:t>Program Logic: Abstracting Page-Table Walk</a:t>
-            </a:r>
-          </a:p>
-        </p:txBody>
-      </p:sp>
       <p:pic>
         <p:nvPicPr>
-          <p:cNvPr id="13" name="Picture 12">
-            <a:extLst>
-              <a:ext uri="{FF2B5EF4-FFF2-40B4-BE49-F238E27FC236}">
-                <a16:creationId xmlns:a16="http://schemas.microsoft.com/office/drawing/2014/main" id="{AA67835F-7AC1-1D85-0220-42161907A778}"/>
+          <p:cNvPr id="16" name="Picture 15">
+            <a:extLst>
+              <a:ext uri="{FF2B5EF4-FFF2-40B4-BE49-F238E27FC236}">
+                <a16:creationId xmlns:a16="http://schemas.microsoft.com/office/drawing/2014/main" id="{2C6B7276-678D-1E8B-51A4-6438E4D76CC3}"/>
               </a:ext>
             </a:extLst>
           </p:cNvPr>
@@ -20447,8 +21619,8 @@
         </p:blipFill>
         <p:spPr>
           <a:xfrm>
-            <a:off x="2717800" y="2423160"/>
-            <a:ext cx="254000" cy="304800"/>
+            <a:off x="834389" y="3391694"/>
+            <a:ext cx="5874755" cy="284630"/>
           </a:xfrm>
           <a:prstGeom prst="rect">
             <a:avLst/>
@@ -20457,10 +21629,10 @@
       </p:pic>
       <p:pic>
         <p:nvPicPr>
-          <p:cNvPr id="15" name="Picture 14" descr="Diagram&#10;&#10;Description automatically generated">
-            <a:extLst>
-              <a:ext uri="{FF2B5EF4-FFF2-40B4-BE49-F238E27FC236}">
-                <a16:creationId xmlns:a16="http://schemas.microsoft.com/office/drawing/2014/main" id="{81AF9EA2-91E5-B0E5-6755-D86D1B0F1CD9}"/>
+          <p:cNvPr id="17" name="Content Placeholder 8" descr="Text&#10;&#10;Description automatically generated with medium confidence">
+            <a:extLst>
+              <a:ext uri="{FF2B5EF4-FFF2-40B4-BE49-F238E27FC236}">
+                <a16:creationId xmlns:a16="http://schemas.microsoft.com/office/drawing/2014/main" id="{9CA77666-1192-EB47-7403-B4C1BC09D96D}"/>
               </a:ext>
             </a:extLst>
           </p:cNvPr>
@@ -20477,8 +21649,8 @@
         </p:blipFill>
         <p:spPr>
           <a:xfrm>
-            <a:off x="5274310" y="2383314"/>
-            <a:ext cx="1739900" cy="1333500"/>
+            <a:off x="638998" y="2328758"/>
+            <a:ext cx="1430895" cy="377135"/>
           </a:xfrm>
           <a:prstGeom prst="rect">
             <a:avLst/>
@@ -20487,10 +21659,10 @@
       </p:pic>
       <p:pic>
         <p:nvPicPr>
-          <p:cNvPr id="17" name="Picture 16" descr="Text&#10;&#10;Description automatically generated">
-            <a:extLst>
-              <a:ext uri="{FF2B5EF4-FFF2-40B4-BE49-F238E27FC236}">
-                <a16:creationId xmlns:a16="http://schemas.microsoft.com/office/drawing/2014/main" id="{F0D9E048-E671-557B-04E0-8192AE8E3ACF}"/>
+          <p:cNvPr id="18" name="Picture 17">
+            <a:extLst>
+              <a:ext uri="{FF2B5EF4-FFF2-40B4-BE49-F238E27FC236}">
+                <a16:creationId xmlns:a16="http://schemas.microsoft.com/office/drawing/2014/main" id="{E8F11444-5365-779F-22CC-A36E7BE1973B}"/>
               </a:ext>
             </a:extLst>
           </p:cNvPr>
@@ -20507,8 +21679,8 @@
         </p:blipFill>
         <p:spPr>
           <a:xfrm>
-            <a:off x="3011170" y="2214881"/>
-            <a:ext cx="2120900" cy="1460500"/>
+            <a:off x="2037587" y="2328759"/>
+            <a:ext cx="254000" cy="304800"/>
           </a:xfrm>
           <a:prstGeom prst="rect">
             <a:avLst/>
@@ -20517,10 +21689,40 @@
       </p:pic>
       <p:pic>
         <p:nvPicPr>
-          <p:cNvPr id="19" name="Picture 18" descr="Icon&#10;&#10;Description automatically generated">
-            <a:extLst>
-              <a:ext uri="{FF2B5EF4-FFF2-40B4-BE49-F238E27FC236}">
-                <a16:creationId xmlns:a16="http://schemas.microsoft.com/office/drawing/2014/main" id="{4AD3309B-C993-FD2B-3CEF-450EFAA2D016}"/>
+          <p:cNvPr id="19" name="Picture 18">
+            <a:extLst>
+              <a:ext uri="{FF2B5EF4-FFF2-40B4-BE49-F238E27FC236}">
+                <a16:creationId xmlns:a16="http://schemas.microsoft.com/office/drawing/2014/main" id="{B335163A-4DC9-AA79-FE91-AAE096420272}"/>
+              </a:ext>
+            </a:extLst>
+          </p:cNvPr>
+          <p:cNvPicPr>
+            <a:picLocks noChangeAspect="1"/>
+          </p:cNvPicPr>
+          <p:nvPr/>
+        </p:nvPicPr>
+        <p:blipFill>
+          <a:blip r:embed="rId6"/>
+          <a:stretch>
+            <a:fillRect/>
+          </a:stretch>
+        </p:blipFill>
+        <p:spPr>
+          <a:xfrm>
+            <a:off x="6582144" y="3365404"/>
+            <a:ext cx="254000" cy="304800"/>
+          </a:xfrm>
+          <a:prstGeom prst="rect">
+            <a:avLst/>
+          </a:prstGeom>
+        </p:spPr>
+      </p:pic>
+      <p:pic>
+        <p:nvPicPr>
+          <p:cNvPr id="25" name="Picture 24">
+            <a:extLst>
+              <a:ext uri="{FF2B5EF4-FFF2-40B4-BE49-F238E27FC236}">
+                <a16:creationId xmlns:a16="http://schemas.microsoft.com/office/drawing/2014/main" id="{2B378D27-45F4-EA83-6D4A-763AD380E8ED}"/>
               </a:ext>
             </a:extLst>
           </p:cNvPr>
@@ -20537,8 +21739,8 @@
         </p:blipFill>
         <p:spPr>
           <a:xfrm>
-            <a:off x="3561080" y="2092581"/>
-            <a:ext cx="1021080" cy="1021080"/>
+            <a:off x="2393211" y="2318631"/>
+            <a:ext cx="7580128" cy="277123"/>
           </a:xfrm>
           <a:prstGeom prst="rect">
             <a:avLst/>
@@ -20547,10 +21749,10 @@
       </p:pic>
       <p:pic>
         <p:nvPicPr>
-          <p:cNvPr id="21" name="Picture 20" descr="A picture containing logo&#10;&#10;Description automatically generated">
-            <a:extLst>
-              <a:ext uri="{FF2B5EF4-FFF2-40B4-BE49-F238E27FC236}">
-                <a16:creationId xmlns:a16="http://schemas.microsoft.com/office/drawing/2014/main" id="{CD4E1F76-4D57-8DA7-4509-FAAF7CFAADB8}"/>
+          <p:cNvPr id="27" name="Picture 26">
+            <a:extLst>
+              <a:ext uri="{FF2B5EF4-FFF2-40B4-BE49-F238E27FC236}">
+                <a16:creationId xmlns:a16="http://schemas.microsoft.com/office/drawing/2014/main" id="{AE521E24-9577-2BCD-7FD8-6F03A2A1679D}"/>
               </a:ext>
             </a:extLst>
           </p:cNvPr>
@@ -20567,729 +21769,24 @@
         </p:blipFill>
         <p:spPr>
           <a:xfrm>
-            <a:off x="855980" y="4372610"/>
-            <a:ext cx="2006600" cy="368300"/>
+            <a:off x="8515369" y="2639728"/>
+            <a:ext cx="1457970" cy="248165"/>
           </a:xfrm>
           <a:prstGeom prst="rect">
             <a:avLst/>
           </a:prstGeom>
         </p:spPr>
       </p:pic>
-      <p:pic>
-        <p:nvPicPr>
-          <p:cNvPr id="23" name="Picture 22">
-            <a:extLst>
-              <a:ext uri="{FF2B5EF4-FFF2-40B4-BE49-F238E27FC236}">
-                <a16:creationId xmlns:a16="http://schemas.microsoft.com/office/drawing/2014/main" id="{7301D611-21B4-0888-9ADD-6AEFBC8F9CE7}"/>
-              </a:ext>
-            </a:extLst>
-          </p:cNvPr>
-          <p:cNvPicPr>
-            <a:picLocks noChangeAspect="1"/>
-          </p:cNvPicPr>
-          <p:nvPr/>
-        </p:nvPicPr>
-        <p:blipFill>
-          <a:blip r:embed="rId9"/>
-          <a:stretch>
-            <a:fillRect/>
-          </a:stretch>
-        </p:blipFill>
-        <p:spPr>
-          <a:xfrm>
-            <a:off x="2815685" y="4409440"/>
-            <a:ext cx="9271906" cy="541701"/>
-          </a:xfrm>
-          <a:prstGeom prst="rect">
-            <a:avLst/>
-          </a:prstGeom>
-        </p:spPr>
-      </p:pic>
-      <p:pic>
-        <p:nvPicPr>
-          <p:cNvPr id="27" name="Picture 26" descr="A picture containing text&#10;&#10;Description automatically generated">
-            <a:extLst>
-              <a:ext uri="{FF2B5EF4-FFF2-40B4-BE49-F238E27FC236}">
-                <a16:creationId xmlns:a16="http://schemas.microsoft.com/office/drawing/2014/main" id="{A37C4D8F-8C90-ADD3-E4CC-80863AF52BD1}"/>
-              </a:ext>
-            </a:extLst>
-          </p:cNvPr>
-          <p:cNvPicPr>
-            <a:picLocks noChangeAspect="1"/>
-          </p:cNvPicPr>
-          <p:nvPr/>
-        </p:nvPicPr>
-        <p:blipFill>
-          <a:blip r:embed="rId10"/>
-          <a:stretch>
-            <a:fillRect/>
-          </a:stretch>
-        </p:blipFill>
-        <p:spPr>
-          <a:xfrm>
-            <a:off x="6913653" y="4801345"/>
-            <a:ext cx="2882900" cy="482600"/>
-          </a:xfrm>
-          <a:prstGeom prst="rect">
-            <a:avLst/>
-          </a:prstGeom>
-        </p:spPr>
-      </p:pic>
-      <p:sp>
-        <p:nvSpPr>
-          <p:cNvPr id="28" name="Oval Callout 27">
-            <a:extLst>
-              <a:ext uri="{FF2B5EF4-FFF2-40B4-BE49-F238E27FC236}">
-                <a16:creationId xmlns:a16="http://schemas.microsoft.com/office/drawing/2014/main" id="{2B59726F-A2C6-3382-245B-D66B99AC9946}"/>
-              </a:ext>
-            </a:extLst>
-          </p:cNvPr>
-          <p:cNvSpPr/>
-          <p:nvPr/>
-        </p:nvSpPr>
-        <p:spPr>
-          <a:xfrm>
-            <a:off x="5035550" y="1057751"/>
-            <a:ext cx="6869938" cy="1325563"/>
-          </a:xfrm>
-          <a:prstGeom prst="wedgeEllipseCallout">
-            <a:avLst>
-              <a:gd name="adj1" fmla="val -63084"/>
-              <a:gd name="adj2" fmla="val 62500"/>
-            </a:avLst>
-          </a:prstGeom>
-          <a:noFill/>
-        </p:spPr>
-        <p:style>
-          <a:lnRef idx="2">
-            <a:schemeClr val="accent1">
-              <a:shade val="50000"/>
-            </a:schemeClr>
-          </a:lnRef>
-          <a:fillRef idx="1">
-            <a:schemeClr val="accent1"/>
-          </a:fillRef>
-          <a:effectRef idx="0">
-            <a:schemeClr val="accent1"/>
-          </a:effectRef>
-          <a:fontRef idx="minor">
-            <a:schemeClr val="lt1"/>
-          </a:fontRef>
-        </p:style>
-        <p:txBody>
-          <a:bodyPr rtlCol="0" anchor="ctr"/>
-          <a:lstStyle/>
-          <a:p>
-            <a:pPr algn="ctr"/>
-            <a:endParaRPr lang="en-US"/>
-          </a:p>
-        </p:txBody>
-      </p:sp>
-      <p:sp>
-        <p:nvSpPr>
-          <p:cNvPr id="29" name="Oval Callout 28">
-            <a:extLst>
-              <a:ext uri="{FF2B5EF4-FFF2-40B4-BE49-F238E27FC236}">
-                <a16:creationId xmlns:a16="http://schemas.microsoft.com/office/drawing/2014/main" id="{1A39C57B-4710-243D-BAF5-D8CF75CEC588}"/>
-              </a:ext>
-            </a:extLst>
-          </p:cNvPr>
-          <p:cNvSpPr/>
-          <p:nvPr/>
-        </p:nvSpPr>
-        <p:spPr>
-          <a:xfrm>
-            <a:off x="104410" y="4951140"/>
-            <a:ext cx="4902806" cy="1660717"/>
-          </a:xfrm>
-          <a:prstGeom prst="wedgeEllipseCallout">
-            <a:avLst>
-              <a:gd name="adj1" fmla="val 92601"/>
-              <a:gd name="adj2" fmla="val -55235"/>
-            </a:avLst>
-          </a:prstGeom>
-          <a:noFill/>
-        </p:spPr>
-        <p:style>
-          <a:lnRef idx="2">
-            <a:schemeClr val="accent1">
-              <a:shade val="50000"/>
-            </a:schemeClr>
-          </a:lnRef>
-          <a:fillRef idx="1">
-            <a:schemeClr val="accent1"/>
-          </a:fillRef>
-          <a:effectRef idx="0">
-            <a:schemeClr val="accent1"/>
-          </a:effectRef>
-          <a:fontRef idx="minor">
-            <a:schemeClr val="lt1"/>
-          </a:fontRef>
-        </p:style>
-        <p:txBody>
-          <a:bodyPr rtlCol="0" anchor="ctr"/>
-          <a:lstStyle/>
-          <a:p>
-            <a:pPr algn="ctr"/>
-            <a:endParaRPr lang="en-US"/>
-          </a:p>
-        </p:txBody>
-      </p:sp>
-      <p:sp>
-        <p:nvSpPr>
-          <p:cNvPr id="30" name="TextBox 29">
-            <a:extLst>
-              <a:ext uri="{FF2B5EF4-FFF2-40B4-BE49-F238E27FC236}">
-                <a16:creationId xmlns:a16="http://schemas.microsoft.com/office/drawing/2014/main" id="{64BBC137-FBD3-0EEB-9C8F-AEE557DFE0C7}"/>
-              </a:ext>
-            </a:extLst>
-          </p:cNvPr>
-          <p:cNvSpPr txBox="1"/>
-          <p:nvPr/>
-        </p:nvSpPr>
-        <p:spPr>
-          <a:xfrm>
-            <a:off x="5970868" y="1308371"/>
-            <a:ext cx="5625246" cy="923330"/>
-          </a:xfrm>
-          <a:prstGeom prst="rect">
-            <a:avLst/>
-          </a:prstGeom>
-          <a:noFill/>
-        </p:spPr>
-        <p:txBody>
-          <a:bodyPr wrap="square" rtlCol="0">
-            <a:spAutoFit/>
-          </a:bodyPr>
-          <a:lstStyle/>
-          <a:p>
-            <a:r>
-              <a:rPr lang="en-US" dirty="0"/>
-              <a:t>Abstract Physical Page Table Walk with a </a:t>
-            </a:r>
-            <a:r>
-              <a:rPr lang="en-US" i="1" dirty="0"/>
-              <a:t>ghost-map </a:t>
-            </a:r>
-            <a:r>
-              <a:rPr lang="en-US" dirty="0"/>
-              <a:t>mapping and distribute the read-only piece to virtual-</a:t>
-            </a:r>
-            <a:r>
-              <a:rPr lang="en-US" dirty="0" err="1"/>
-              <a:t>pointsto</a:t>
-            </a:r>
-            <a:r>
-              <a:rPr lang="en-US" dirty="0"/>
-              <a:t>  (Fragmental Ownership of the ghost map)</a:t>
-            </a:r>
-          </a:p>
-        </p:txBody>
-      </p:sp>
-      <p:sp>
-        <p:nvSpPr>
-          <p:cNvPr id="31" name="TextBox 30">
-            <a:extLst>
-              <a:ext uri="{FF2B5EF4-FFF2-40B4-BE49-F238E27FC236}">
-                <a16:creationId xmlns:a16="http://schemas.microsoft.com/office/drawing/2014/main" id="{7A33CC06-6073-FD80-53D5-C6F8ECB7117A}"/>
-              </a:ext>
-            </a:extLst>
-          </p:cNvPr>
-          <p:cNvSpPr txBox="1"/>
-          <p:nvPr/>
-        </p:nvSpPr>
-        <p:spPr>
-          <a:xfrm>
-            <a:off x="658428" y="5194679"/>
-            <a:ext cx="3996884" cy="1200329"/>
-          </a:xfrm>
-          <a:prstGeom prst="rect">
-            <a:avLst/>
-          </a:prstGeom>
-          <a:noFill/>
-        </p:spPr>
-        <p:txBody>
-          <a:bodyPr wrap="square" rtlCol="0">
-            <a:spAutoFit/>
-          </a:bodyPr>
-          <a:lstStyle/>
-          <a:p>
-            <a:r>
-              <a:rPr lang="en-US" dirty="0"/>
-              <a:t>Then keep the physical page table walk next to full ownership of the ghost map which is required to update the page tables</a:t>
-            </a:r>
-          </a:p>
-        </p:txBody>
-      </p:sp>
     </p:spTree>
     <p:extLst>
       <p:ext uri="{BB962C8B-B14F-4D97-AF65-F5344CB8AC3E}">
-        <p14:creationId xmlns:p14="http://schemas.microsoft.com/office/powerpoint/2010/main" val="3895013630"/>
+        <p14:creationId xmlns:p14="http://schemas.microsoft.com/office/powerpoint/2010/main" val="2616719573"/>
       </p:ext>
     </p:extLst>
   </p:cSld>
   <p:clrMapOvr>
     <a:masterClrMapping/>
   </p:clrMapOvr>
-  <p:timing>
-    <p:tnLst>
-      <p:par>
-        <p:cTn id="1" dur="indefinite" restart="never" nodeType="tmRoot">
-          <p:childTnLst>
-            <p:seq concurrent="1" nextAc="seek">
-              <p:cTn id="2" dur="indefinite" nodeType="mainSeq">
-                <p:childTnLst>
-                  <p:par>
-                    <p:cTn id="3" fill="hold">
-                      <p:stCondLst>
-                        <p:cond delay="indefinite"/>
-                      </p:stCondLst>
-                      <p:childTnLst>
-                        <p:par>
-                          <p:cTn id="4" fill="hold">
-                            <p:stCondLst>
-                              <p:cond delay="0"/>
-                            </p:stCondLst>
-                            <p:childTnLst>
-                              <p:par>
-                                <p:cTn id="5" presetID="1" presetClass="entr" presetSubtype="0" fill="hold" nodeType="clickEffect">
-                                  <p:stCondLst>
-                                    <p:cond delay="0"/>
-                                  </p:stCondLst>
-                                  <p:childTnLst>
-                                    <p:set>
-                                      <p:cBhvr>
-                                        <p:cTn id="6" dur="1" fill="hold">
-                                          <p:stCondLst>
-                                            <p:cond delay="0"/>
-                                          </p:stCondLst>
-                                        </p:cTn>
-                                        <p:tgtEl>
-                                          <p:spTgt spid="19"/>
-                                        </p:tgtEl>
-                                        <p:attrNameLst>
-                                          <p:attrName>style.visibility</p:attrName>
-                                        </p:attrNameLst>
-                                      </p:cBhvr>
-                                      <p:to>
-                                        <p:strVal val="visible"/>
-                                      </p:to>
-                                    </p:set>
-                                  </p:childTnLst>
-                                </p:cTn>
-                              </p:par>
-                              <p:par>
-                                <p:cTn id="7" presetID="1" presetClass="entr" presetSubtype="0" fill="hold" nodeType="withEffect">
-                                  <p:stCondLst>
-                                    <p:cond delay="0"/>
-                                  </p:stCondLst>
-                                  <p:childTnLst>
-                                    <p:set>
-                                      <p:cBhvr>
-                                        <p:cTn id="8" dur="1" fill="hold">
-                                          <p:stCondLst>
-                                            <p:cond delay="0"/>
-                                          </p:stCondLst>
-                                        </p:cTn>
-                                        <p:tgtEl>
-                                          <p:spTgt spid="15"/>
-                                        </p:tgtEl>
-                                        <p:attrNameLst>
-                                          <p:attrName>style.visibility</p:attrName>
-                                        </p:attrNameLst>
-                                      </p:cBhvr>
-                                      <p:to>
-                                        <p:strVal val="visible"/>
-                                      </p:to>
-                                    </p:set>
-                                  </p:childTnLst>
-                                </p:cTn>
-                              </p:par>
-                              <p:par>
-                                <p:cTn id="9" presetID="1" presetClass="entr" presetSubtype="0" fill="hold" nodeType="withEffect">
-                                  <p:stCondLst>
-                                    <p:cond delay="0"/>
-                                  </p:stCondLst>
-                                  <p:childTnLst>
-                                    <p:set>
-                                      <p:cBhvr>
-                                        <p:cTn id="10" dur="1" fill="hold">
-                                          <p:stCondLst>
-                                            <p:cond delay="0"/>
-                                          </p:stCondLst>
-                                        </p:cTn>
-                                        <p:tgtEl>
-                                          <p:spTgt spid="9"/>
-                                        </p:tgtEl>
-                                        <p:attrNameLst>
-                                          <p:attrName>style.visibility</p:attrName>
-                                        </p:attrNameLst>
-                                      </p:cBhvr>
-                                      <p:to>
-                                        <p:strVal val="visible"/>
-                                      </p:to>
-                                    </p:set>
-                                  </p:childTnLst>
-                                </p:cTn>
-                              </p:par>
-                              <p:par>
-                                <p:cTn id="11" presetID="1" presetClass="entr" presetSubtype="0" fill="hold" nodeType="withEffect">
-                                  <p:stCondLst>
-                                    <p:cond delay="0"/>
-                                  </p:stCondLst>
-                                  <p:childTnLst>
-                                    <p:set>
-                                      <p:cBhvr>
-                                        <p:cTn id="12" dur="1" fill="hold">
-                                          <p:stCondLst>
-                                            <p:cond delay="0"/>
-                                          </p:stCondLst>
-                                        </p:cTn>
-                                        <p:tgtEl>
-                                          <p:spTgt spid="13"/>
-                                        </p:tgtEl>
-                                        <p:attrNameLst>
-                                          <p:attrName>style.visibility</p:attrName>
-                                        </p:attrNameLst>
-                                      </p:cBhvr>
-                                      <p:to>
-                                        <p:strVal val="visible"/>
-                                      </p:to>
-                                    </p:set>
-                                  </p:childTnLst>
-                                </p:cTn>
-                              </p:par>
-                            </p:childTnLst>
-                          </p:cTn>
-                        </p:par>
-                      </p:childTnLst>
-                    </p:cTn>
-                  </p:par>
-                  <p:par>
-                    <p:cTn id="13" fill="hold">
-                      <p:stCondLst>
-                        <p:cond delay="indefinite"/>
-                      </p:stCondLst>
-                      <p:childTnLst>
-                        <p:par>
-                          <p:cTn id="14" fill="hold">
-                            <p:stCondLst>
-                              <p:cond delay="0"/>
-                            </p:stCondLst>
-                            <p:childTnLst>
-                              <p:par>
-                                <p:cTn id="15" presetID="1" presetClass="entr" presetSubtype="0" fill="hold" nodeType="clickEffect">
-                                  <p:stCondLst>
-                                    <p:cond delay="0"/>
-                                  </p:stCondLst>
-                                  <p:childTnLst>
-                                    <p:set>
-                                      <p:cBhvr>
-                                        <p:cTn id="16" dur="1" fill="hold">
-                                          <p:stCondLst>
-                                            <p:cond delay="0"/>
-                                          </p:stCondLst>
-                                        </p:cTn>
-                                        <p:tgtEl>
-                                          <p:spTgt spid="17"/>
-                                        </p:tgtEl>
-                                        <p:attrNameLst>
-                                          <p:attrName>style.visibility</p:attrName>
-                                        </p:attrNameLst>
-                                      </p:cBhvr>
-                                      <p:to>
-                                        <p:strVal val="visible"/>
-                                      </p:to>
-                                    </p:set>
-                                  </p:childTnLst>
-                                </p:cTn>
-                              </p:par>
-                              <p:par>
-                                <p:cTn id="17" presetID="1" presetClass="entr" presetSubtype="0" fill="hold" grpId="0" nodeType="withEffect">
-                                  <p:stCondLst>
-                                    <p:cond delay="0"/>
-                                  </p:stCondLst>
-                                  <p:childTnLst>
-                                    <p:set>
-                                      <p:cBhvr>
-                                        <p:cTn id="18" dur="1" fill="hold">
-                                          <p:stCondLst>
-                                            <p:cond delay="0"/>
-                                          </p:stCondLst>
-                                        </p:cTn>
-                                        <p:tgtEl>
-                                          <p:spTgt spid="30"/>
-                                        </p:tgtEl>
-                                        <p:attrNameLst>
-                                          <p:attrName>style.visibility</p:attrName>
-                                        </p:attrNameLst>
-                                      </p:cBhvr>
-                                      <p:to>
-                                        <p:strVal val="visible"/>
-                                      </p:to>
-                                    </p:set>
-                                  </p:childTnLst>
-                                </p:cTn>
-                              </p:par>
-                              <p:par>
-                                <p:cTn id="19" presetID="1" presetClass="entr" presetSubtype="0" fill="hold" grpId="0" nodeType="withEffect">
-                                  <p:stCondLst>
-                                    <p:cond delay="0"/>
-                                  </p:stCondLst>
-                                  <p:childTnLst>
-                                    <p:set>
-                                      <p:cBhvr>
-                                        <p:cTn id="20" dur="1" fill="hold">
-                                          <p:stCondLst>
-                                            <p:cond delay="0"/>
-                                          </p:stCondLst>
-                                        </p:cTn>
-                                        <p:tgtEl>
-                                          <p:spTgt spid="28"/>
-                                        </p:tgtEl>
-                                        <p:attrNameLst>
-                                          <p:attrName>style.visibility</p:attrName>
-                                        </p:attrNameLst>
-                                      </p:cBhvr>
-                                      <p:to>
-                                        <p:strVal val="visible"/>
-                                      </p:to>
-                                    </p:set>
-                                  </p:childTnLst>
-                                </p:cTn>
-                              </p:par>
-                              <p:par>
-                                <p:cTn id="21" presetID="1" presetClass="exit" presetSubtype="0" fill="hold" nodeType="withEffect">
-                                  <p:stCondLst>
-                                    <p:cond delay="0"/>
-                                  </p:stCondLst>
-                                  <p:childTnLst>
-                                    <p:set>
-                                      <p:cBhvr>
-                                        <p:cTn id="22" dur="1" fill="hold">
-                                          <p:stCondLst>
-                                            <p:cond delay="0"/>
-                                          </p:stCondLst>
-                                        </p:cTn>
-                                        <p:tgtEl>
-                                          <p:spTgt spid="19"/>
-                                        </p:tgtEl>
-                                        <p:attrNameLst>
-                                          <p:attrName>style.visibility</p:attrName>
-                                        </p:attrNameLst>
-                                      </p:cBhvr>
-                                      <p:to>
-                                        <p:strVal val="hidden"/>
-                                      </p:to>
-                                    </p:set>
-                                  </p:childTnLst>
-                                </p:cTn>
-                              </p:par>
-                            </p:childTnLst>
-                          </p:cTn>
-                        </p:par>
-                      </p:childTnLst>
-                    </p:cTn>
-                  </p:par>
-                  <p:par>
-                    <p:cTn id="23" fill="hold">
-                      <p:stCondLst>
-                        <p:cond delay="indefinite"/>
-                      </p:stCondLst>
-                      <p:childTnLst>
-                        <p:par>
-                          <p:cTn id="24" fill="hold">
-                            <p:stCondLst>
-                              <p:cond delay="0"/>
-                            </p:stCondLst>
-                            <p:childTnLst>
-                              <p:par>
-                                <p:cTn id="25" presetID="1" presetClass="entr" presetSubtype="0" fill="hold" nodeType="clickEffect">
-                                  <p:stCondLst>
-                                    <p:cond delay="0"/>
-                                  </p:stCondLst>
-                                  <p:childTnLst>
-                                    <p:set>
-                                      <p:cBhvr>
-                                        <p:cTn id="26" dur="1" fill="hold">
-                                          <p:stCondLst>
-                                            <p:cond delay="0"/>
-                                          </p:stCondLst>
-                                        </p:cTn>
-                                        <p:tgtEl>
-                                          <p:spTgt spid="23"/>
-                                        </p:tgtEl>
-                                        <p:attrNameLst>
-                                          <p:attrName>style.visibility</p:attrName>
-                                        </p:attrNameLst>
-                                      </p:cBhvr>
-                                      <p:to>
-                                        <p:strVal val="visible"/>
-                                      </p:to>
-                                    </p:set>
-                                  </p:childTnLst>
-                                </p:cTn>
-                              </p:par>
-                              <p:par>
-                                <p:cTn id="27" presetID="1" presetClass="entr" presetSubtype="0" fill="hold" nodeType="withEffect">
-                                  <p:stCondLst>
-                                    <p:cond delay="0"/>
-                                  </p:stCondLst>
-                                  <p:childTnLst>
-                                    <p:set>
-                                      <p:cBhvr>
-                                        <p:cTn id="28" dur="1" fill="hold">
-                                          <p:stCondLst>
-                                            <p:cond delay="0"/>
-                                          </p:stCondLst>
-                                        </p:cTn>
-                                        <p:tgtEl>
-                                          <p:spTgt spid="21"/>
-                                        </p:tgtEl>
-                                        <p:attrNameLst>
-                                          <p:attrName>style.visibility</p:attrName>
-                                        </p:attrNameLst>
-                                      </p:cBhvr>
-                                      <p:to>
-                                        <p:strVal val="visible"/>
-                                      </p:to>
-                                    </p:set>
-                                  </p:childTnLst>
-                                </p:cTn>
-                              </p:par>
-                            </p:childTnLst>
-                          </p:cTn>
-                        </p:par>
-                      </p:childTnLst>
-                    </p:cTn>
-                  </p:par>
-                  <p:par>
-                    <p:cTn id="29" fill="hold">
-                      <p:stCondLst>
-                        <p:cond delay="indefinite"/>
-                      </p:stCondLst>
-                      <p:childTnLst>
-                        <p:par>
-                          <p:cTn id="30" fill="hold">
-                            <p:stCondLst>
-                              <p:cond delay="0"/>
-                            </p:stCondLst>
-                            <p:childTnLst>
-                              <p:par>
-                                <p:cTn id="31" presetID="1" presetClass="entr" presetSubtype="0" fill="hold" nodeType="clickEffect">
-                                  <p:stCondLst>
-                                    <p:cond delay="0"/>
-                                  </p:stCondLst>
-                                  <p:childTnLst>
-                                    <p:set>
-                                      <p:cBhvr>
-                                        <p:cTn id="32" dur="1" fill="hold">
-                                          <p:stCondLst>
-                                            <p:cond delay="0"/>
-                                          </p:stCondLst>
-                                        </p:cTn>
-                                        <p:tgtEl>
-                                          <p:spTgt spid="27"/>
-                                        </p:tgtEl>
-                                        <p:attrNameLst>
-                                          <p:attrName>style.visibility</p:attrName>
-                                        </p:attrNameLst>
-                                      </p:cBhvr>
-                                      <p:to>
-                                        <p:strVal val="visible"/>
-                                      </p:to>
-                                    </p:set>
-                                  </p:childTnLst>
-                                </p:cTn>
-                              </p:par>
-                              <p:par>
-                                <p:cTn id="33" presetID="1" presetClass="entr" presetSubtype="0" fill="hold" grpId="0" nodeType="withEffect">
-                                  <p:stCondLst>
-                                    <p:cond delay="0"/>
-                                  </p:stCondLst>
-                                  <p:childTnLst>
-                                    <p:set>
-                                      <p:cBhvr>
-                                        <p:cTn id="34" dur="1" fill="hold">
-                                          <p:stCondLst>
-                                            <p:cond delay="0"/>
-                                          </p:stCondLst>
-                                        </p:cTn>
-                                        <p:tgtEl>
-                                          <p:spTgt spid="29"/>
-                                        </p:tgtEl>
-                                        <p:attrNameLst>
-                                          <p:attrName>style.visibility</p:attrName>
-                                        </p:attrNameLst>
-                                      </p:cBhvr>
-                                      <p:to>
-                                        <p:strVal val="visible"/>
-                                      </p:to>
-                                    </p:set>
-                                  </p:childTnLst>
-                                </p:cTn>
-                              </p:par>
-                              <p:par>
-                                <p:cTn id="35" presetID="1" presetClass="entr" presetSubtype="0" fill="hold" grpId="0" nodeType="withEffect">
-                                  <p:stCondLst>
-                                    <p:cond delay="0"/>
-                                  </p:stCondLst>
-                                  <p:childTnLst>
-                                    <p:set>
-                                      <p:cBhvr>
-                                        <p:cTn id="36" dur="1" fill="hold">
-                                          <p:stCondLst>
-                                            <p:cond delay="0"/>
-                                          </p:stCondLst>
-                                        </p:cTn>
-                                        <p:tgtEl>
-                                          <p:spTgt spid="31"/>
-                                        </p:tgtEl>
-                                        <p:attrNameLst>
-                                          <p:attrName>style.visibility</p:attrName>
-                                        </p:attrNameLst>
-                                      </p:cBhvr>
-                                      <p:to>
-                                        <p:strVal val="visible"/>
-                                      </p:to>
-                                    </p:set>
-                                  </p:childTnLst>
-                                </p:cTn>
-                              </p:par>
-                            </p:childTnLst>
-                          </p:cTn>
-                        </p:par>
-                      </p:childTnLst>
-                    </p:cTn>
-                  </p:par>
-                </p:childTnLst>
-              </p:cTn>
-              <p:prevCondLst>
-                <p:cond evt="onPrev" delay="0">
-                  <p:tgtEl>
-                    <p:sldTgt/>
-                  </p:tgtEl>
-                </p:cond>
-              </p:prevCondLst>
-              <p:nextCondLst>
-                <p:cond evt="onNext" delay="0">
-                  <p:tgtEl>
-                    <p:sldTgt/>
-                  </p:tgtEl>
-                </p:cond>
-              </p:nextCondLst>
-            </p:seq>
-          </p:childTnLst>
-        </p:cTn>
-      </p:par>
-    </p:tnLst>
-    <p:bldLst>
-      <p:bldP spid="28" grpId="0" animBg="1"/>
-      <p:bldP spid="29" grpId="0" animBg="1"/>
-      <p:bldP spid="30" grpId="0"/>
-      <p:bldP spid="31" grpId="0"/>
-    </p:bldLst>
-  </p:timing>
 </p:sld>
 </file>
 

--- a/loca_virt_draft.pptx
+++ b/loca_virt_draft.pptx
@@ -13,8 +13,8 @@
     <p:sldId id="277" r:id="rId4"/>
     <p:sldId id="260" r:id="rId5"/>
     <p:sldId id="273" r:id="rId6"/>
-    <p:sldId id="279" r:id="rId7"/>
-    <p:sldId id="272" r:id="rId8"/>
+    <p:sldId id="272" r:id="rId7"/>
+    <p:sldId id="279" r:id="rId8"/>
     <p:sldId id="259" r:id="rId9"/>
     <p:sldId id="261" r:id="rId10"/>
     <p:sldId id="274" r:id="rId11"/>
@@ -964,7 +964,7 @@
           <a:p>
             <a:fld id="{180B0F4F-C4CA-F945-8BD8-C2A10415F31A}" type="slidenum">
               <a:rPr lang="en-US" smtClean="0"/>
-              <a:t>7</a:t>
+              <a:t>6</a:t>
             </a:fld>
             <a:endParaRPr lang="en-US"/>
           </a:p>
@@ -4651,12 +4651,2968 @@
           <a:chExt cx="0" cy="0"/>
         </a:xfrm>
       </p:grpSpPr>
+      <p:sp>
+        <p:nvSpPr>
+          <p:cNvPr id="30" name="Alternate Process 29">
+            <a:extLst>
+              <a:ext uri="{FF2B5EF4-FFF2-40B4-BE49-F238E27FC236}">
+                <a16:creationId xmlns:a16="http://schemas.microsoft.com/office/drawing/2014/main" id="{B5F1570F-4EDE-DF48-F3C0-B727778DEFEC}"/>
+              </a:ext>
+            </a:extLst>
+          </p:cNvPr>
+          <p:cNvSpPr/>
+          <p:nvPr/>
+        </p:nvSpPr>
+        <p:spPr>
+          <a:xfrm>
+            <a:off x="2413676" y="2348778"/>
+            <a:ext cx="8463330" cy="633375"/>
+          </a:xfrm>
+          <a:prstGeom prst="flowChartAlternateProcess">
+            <a:avLst/>
+          </a:prstGeom>
+          <a:noFill/>
+        </p:spPr>
+        <p:style>
+          <a:lnRef idx="2">
+            <a:schemeClr val="accent1">
+              <a:shade val="50000"/>
+            </a:schemeClr>
+          </a:lnRef>
+          <a:fillRef idx="1">
+            <a:schemeClr val="accent1"/>
+          </a:fillRef>
+          <a:effectRef idx="0">
+            <a:schemeClr val="accent1"/>
+          </a:effectRef>
+          <a:fontRef idx="minor">
+            <a:schemeClr val="lt1"/>
+          </a:fontRef>
+        </p:style>
+        <p:txBody>
+          <a:bodyPr rtlCol="0" anchor="ctr"/>
+          <a:lstStyle/>
+          <a:p>
+            <a:pPr algn="ctr"/>
+            <a:endParaRPr lang="en-US"/>
+          </a:p>
+        </p:txBody>
+      </p:sp>
+      <p:sp>
+        <p:nvSpPr>
+          <p:cNvPr id="57" name="TextBox 56">
+            <a:extLst>
+              <a:ext uri="{FF2B5EF4-FFF2-40B4-BE49-F238E27FC236}">
+                <a16:creationId xmlns:a16="http://schemas.microsoft.com/office/drawing/2014/main" id="{84D4E397-D9F1-7414-4D13-52589E5929BF}"/>
+              </a:ext>
+            </a:extLst>
+          </p:cNvPr>
+          <p:cNvSpPr txBox="1"/>
+          <p:nvPr/>
+        </p:nvSpPr>
+        <p:spPr>
+          <a:xfrm>
+            <a:off x="5391409" y="2471351"/>
+            <a:ext cx="2010056" cy="369332"/>
+          </a:xfrm>
+          <a:prstGeom prst="rect">
+            <a:avLst/>
+          </a:prstGeom>
+          <a:noFill/>
+        </p:spPr>
+        <p:txBody>
+          <a:bodyPr wrap="square" rtlCol="0">
+            <a:spAutoFit/>
+          </a:bodyPr>
+          <a:lstStyle/>
+          <a:p>
+            <a:r>
+              <a:rPr lang="en-US" dirty="0"/>
+              <a:t>L4 Base Addr</a:t>
+            </a:r>
+            <a:r>
+              <a:rPr lang="en-US" baseline="-25000" dirty="0"/>
+              <a:t>0 </a:t>
+            </a:r>
+            <a:r>
+              <a:rPr lang="en-US" dirty="0"/>
+              <a:t> (a</a:t>
+            </a:r>
+            <a:r>
+              <a:rPr lang="en-US" baseline="-25000" dirty="0"/>
+              <a:t>0</a:t>
+            </a:r>
+            <a:r>
+              <a:rPr lang="en-US" dirty="0"/>
+              <a:t>)</a:t>
+            </a:r>
+          </a:p>
+        </p:txBody>
+      </p:sp>
+      <p:sp>
+        <p:nvSpPr>
+          <p:cNvPr id="2" name="Title 1">
+            <a:extLst>
+              <a:ext uri="{FF2B5EF4-FFF2-40B4-BE49-F238E27FC236}">
+                <a16:creationId xmlns:a16="http://schemas.microsoft.com/office/drawing/2014/main" id="{284DB793-5AE9-B6A8-76CE-5A520F686150}"/>
+              </a:ext>
+            </a:extLst>
+          </p:cNvPr>
+          <p:cNvSpPr>
+            <a:spLocks noGrp="1"/>
+          </p:cNvSpPr>
+          <p:nvPr>
+            <p:ph type="title"/>
+          </p:nvPr>
+        </p:nvSpPr>
+        <p:spPr>
+          <a:xfrm>
+            <a:off x="274320" y="365125"/>
+            <a:ext cx="11846560" cy="1325563"/>
+          </a:xfrm>
+        </p:spPr>
+        <p:txBody>
+          <a:bodyPr/>
+          <a:lstStyle/>
+          <a:p>
+            <a:r>
+              <a:rPr lang="en-US" dirty="0"/>
+              <a:t>Program Logic: Sharing under Page-Table Update</a:t>
+            </a:r>
+          </a:p>
+        </p:txBody>
+      </p:sp>
+      <p:sp>
+        <p:nvSpPr>
+          <p:cNvPr id="3" name="Content Placeholder 2">
+            <a:extLst>
+              <a:ext uri="{FF2B5EF4-FFF2-40B4-BE49-F238E27FC236}">
+                <a16:creationId xmlns:a16="http://schemas.microsoft.com/office/drawing/2014/main" id="{9FF1F8C8-7199-2E31-B355-11262FAAF4F5}"/>
+              </a:ext>
+            </a:extLst>
+          </p:cNvPr>
+          <p:cNvSpPr>
+            <a:spLocks noGrp="1"/>
+          </p:cNvSpPr>
+          <p:nvPr>
+            <p:ph idx="1"/>
+          </p:nvPr>
+        </p:nvSpPr>
+        <p:spPr>
+          <a:xfrm>
+            <a:off x="838199" y="1825625"/>
+            <a:ext cx="10674531" cy="552323"/>
+          </a:xfrm>
+        </p:spPr>
+        <p:txBody>
+          <a:bodyPr/>
+          <a:lstStyle/>
+          <a:p>
+            <a:r>
+              <a:rPr lang="en-US" dirty="0"/>
+              <a:t>Adding a new page requires an update to L1 table:  call ensure_L1</a:t>
+            </a:r>
+          </a:p>
+        </p:txBody>
+      </p:sp>
+      <p:cxnSp>
+        <p:nvCxnSpPr>
+          <p:cNvPr id="31" name="Straight Arrow Connector 30">
+            <a:extLst>
+              <a:ext uri="{FF2B5EF4-FFF2-40B4-BE49-F238E27FC236}">
+                <a16:creationId xmlns:a16="http://schemas.microsoft.com/office/drawing/2014/main" id="{EE8AC330-2B5D-E876-D694-CE03C5F19386}"/>
+              </a:ext>
+            </a:extLst>
+          </p:cNvPr>
+          <p:cNvCxnSpPr>
+            <a:cxnSpLocks/>
+            <a:endCxn id="30" idx="1"/>
+          </p:cNvCxnSpPr>
+          <p:nvPr/>
+        </p:nvCxnSpPr>
+        <p:spPr>
+          <a:xfrm>
+            <a:off x="1254034" y="2665466"/>
+            <a:ext cx="1159642" cy="0"/>
+          </a:xfrm>
+          <a:prstGeom prst="straightConnector1">
+            <a:avLst/>
+          </a:prstGeom>
+          <a:ln>
+            <a:tailEnd type="triangle"/>
+          </a:ln>
+        </p:spPr>
+        <p:style>
+          <a:lnRef idx="1">
+            <a:schemeClr val="accent1"/>
+          </a:lnRef>
+          <a:fillRef idx="0">
+            <a:schemeClr val="accent1"/>
+          </a:fillRef>
+          <a:effectRef idx="0">
+            <a:schemeClr val="accent1"/>
+          </a:effectRef>
+          <a:fontRef idx="minor">
+            <a:schemeClr val="tx1"/>
+          </a:fontRef>
+        </p:style>
+      </p:cxnSp>
+      <p:sp>
+        <p:nvSpPr>
+          <p:cNvPr id="32" name="Trapezoid 31">
+            <a:extLst>
+              <a:ext uri="{FF2B5EF4-FFF2-40B4-BE49-F238E27FC236}">
+                <a16:creationId xmlns:a16="http://schemas.microsoft.com/office/drawing/2014/main" id="{9D09E452-3D37-E10E-14BF-5D5AF5ABE0BA}"/>
+              </a:ext>
+            </a:extLst>
+          </p:cNvPr>
+          <p:cNvSpPr/>
+          <p:nvPr/>
+        </p:nvSpPr>
+        <p:spPr>
+          <a:xfrm>
+            <a:off x="1515291" y="2979487"/>
+            <a:ext cx="10258698" cy="3712439"/>
+          </a:xfrm>
+          <a:prstGeom prst="trapezoid">
+            <a:avLst/>
+          </a:prstGeom>
+          <a:noFill/>
+        </p:spPr>
+        <p:style>
+          <a:lnRef idx="2">
+            <a:schemeClr val="accent1">
+              <a:shade val="50000"/>
+            </a:schemeClr>
+          </a:lnRef>
+          <a:fillRef idx="1">
+            <a:schemeClr val="accent1"/>
+          </a:fillRef>
+          <a:effectRef idx="0">
+            <a:schemeClr val="accent1"/>
+          </a:effectRef>
+          <a:fontRef idx="minor">
+            <a:schemeClr val="lt1"/>
+          </a:fontRef>
+        </p:style>
+        <p:txBody>
+          <a:bodyPr rtlCol="0" anchor="ctr"/>
+          <a:lstStyle/>
+          <a:p>
+            <a:pPr algn="ctr"/>
+            <a:endParaRPr lang="en-US"/>
+          </a:p>
+        </p:txBody>
+      </p:sp>
+      <p:sp>
+        <p:nvSpPr>
+          <p:cNvPr id="33" name="Process 32">
+            <a:extLst>
+              <a:ext uri="{FF2B5EF4-FFF2-40B4-BE49-F238E27FC236}">
+                <a16:creationId xmlns:a16="http://schemas.microsoft.com/office/drawing/2014/main" id="{13AAFF07-6ABA-CF96-CFED-3CD241163566}"/>
+              </a:ext>
+            </a:extLst>
+          </p:cNvPr>
+          <p:cNvSpPr/>
+          <p:nvPr/>
+        </p:nvSpPr>
+        <p:spPr>
+          <a:xfrm>
+            <a:off x="3612611" y="3015158"/>
+            <a:ext cx="1099485" cy="464584"/>
+          </a:xfrm>
+          <a:prstGeom prst="flowChartProcess">
+            <a:avLst/>
+          </a:prstGeom>
+          <a:noFill/>
+          <a:ln w="41275">
+            <a:solidFill>
+              <a:schemeClr val="tx1"/>
+            </a:solidFill>
+          </a:ln>
+        </p:spPr>
+        <p:style>
+          <a:lnRef idx="2">
+            <a:schemeClr val="accent1">
+              <a:shade val="50000"/>
+            </a:schemeClr>
+          </a:lnRef>
+          <a:fillRef idx="1">
+            <a:schemeClr val="accent1"/>
+          </a:fillRef>
+          <a:effectRef idx="0">
+            <a:schemeClr val="accent1"/>
+          </a:effectRef>
+          <a:fontRef idx="minor">
+            <a:schemeClr val="lt1"/>
+          </a:fontRef>
+        </p:style>
+        <p:txBody>
+          <a:bodyPr rtlCol="0" anchor="ctr"/>
+          <a:lstStyle/>
+          <a:p>
+            <a:pPr algn="ctr"/>
+            <a:endParaRPr lang="en-US">
+              <a:solidFill>
+                <a:srgbClr val="FF0000"/>
+              </a:solidFill>
+            </a:endParaRPr>
+          </a:p>
+        </p:txBody>
+      </p:sp>
+      <p:sp>
+        <p:nvSpPr>
+          <p:cNvPr id="35" name="Process 34">
+            <a:extLst>
+              <a:ext uri="{FF2B5EF4-FFF2-40B4-BE49-F238E27FC236}">
+                <a16:creationId xmlns:a16="http://schemas.microsoft.com/office/drawing/2014/main" id="{60C08970-FA6E-31DF-3411-EE0A8036488E}"/>
+              </a:ext>
+            </a:extLst>
+          </p:cNvPr>
+          <p:cNvSpPr/>
+          <p:nvPr/>
+        </p:nvSpPr>
+        <p:spPr>
+          <a:xfrm>
+            <a:off x="7131126" y="3081135"/>
+            <a:ext cx="1099488" cy="426720"/>
+          </a:xfrm>
+          <a:prstGeom prst="flowChartProcess">
+            <a:avLst/>
+          </a:prstGeom>
+          <a:noFill/>
+          <a:ln w="41275">
+            <a:solidFill>
+              <a:srgbClr val="FF0000"/>
+            </a:solidFill>
+          </a:ln>
+        </p:spPr>
+        <p:style>
+          <a:lnRef idx="2">
+            <a:schemeClr val="accent1">
+              <a:shade val="50000"/>
+            </a:schemeClr>
+          </a:lnRef>
+          <a:fillRef idx="1">
+            <a:schemeClr val="accent1"/>
+          </a:fillRef>
+          <a:effectRef idx="0">
+            <a:schemeClr val="accent1"/>
+          </a:effectRef>
+          <a:fontRef idx="minor">
+            <a:schemeClr val="lt1"/>
+          </a:fontRef>
+        </p:style>
+        <p:txBody>
+          <a:bodyPr rtlCol="0" anchor="ctr"/>
+          <a:lstStyle/>
+          <a:p>
+            <a:pPr algn="ctr"/>
+            <a:endParaRPr lang="en-US">
+              <a:solidFill>
+                <a:srgbClr val="FF0000"/>
+              </a:solidFill>
+            </a:endParaRPr>
+          </a:p>
+        </p:txBody>
+      </p:sp>
+      <p:sp>
+        <p:nvSpPr>
+          <p:cNvPr id="36" name="TextBox 35">
+            <a:extLst>
+              <a:ext uri="{FF2B5EF4-FFF2-40B4-BE49-F238E27FC236}">
+                <a16:creationId xmlns:a16="http://schemas.microsoft.com/office/drawing/2014/main" id="{089C4AB0-5FCD-E37C-C5BF-20B4B013926F}"/>
+              </a:ext>
+            </a:extLst>
+          </p:cNvPr>
+          <p:cNvSpPr txBox="1"/>
+          <p:nvPr/>
+        </p:nvSpPr>
+        <p:spPr>
+          <a:xfrm>
+            <a:off x="3620762" y="3046299"/>
+            <a:ext cx="479532" cy="369332"/>
+          </a:xfrm>
+          <a:prstGeom prst="rect">
+            <a:avLst/>
+          </a:prstGeom>
+          <a:noFill/>
+        </p:spPr>
+        <p:txBody>
+          <a:bodyPr wrap="square" rtlCol="0">
+            <a:spAutoFit/>
+          </a:bodyPr>
+          <a:lstStyle/>
+          <a:p>
+            <a:r>
+              <a:rPr lang="en-US" dirty="0"/>
+              <a:t>va</a:t>
+            </a:r>
+            <a:r>
+              <a:rPr lang="en-US" baseline="-25000" dirty="0"/>
+              <a:t>0</a:t>
+            </a:r>
+            <a:endParaRPr lang="en-US" dirty="0"/>
+          </a:p>
+        </p:txBody>
+      </p:sp>
+      <p:cxnSp>
+        <p:nvCxnSpPr>
+          <p:cNvPr id="40" name="Straight Connector 39">
+            <a:extLst>
+              <a:ext uri="{FF2B5EF4-FFF2-40B4-BE49-F238E27FC236}">
+                <a16:creationId xmlns:a16="http://schemas.microsoft.com/office/drawing/2014/main" id="{717DB67E-88DF-F7FE-D1E0-1DBB78D6B12F}"/>
+              </a:ext>
+            </a:extLst>
+          </p:cNvPr>
+          <p:cNvCxnSpPr>
+            <a:cxnSpLocks/>
+          </p:cNvCxnSpPr>
+          <p:nvPr/>
+        </p:nvCxnSpPr>
+        <p:spPr>
+          <a:xfrm>
+            <a:off x="2272937" y="3765001"/>
+            <a:ext cx="7149737" cy="0"/>
+          </a:xfrm>
+          <a:prstGeom prst="line">
+            <a:avLst/>
+          </a:prstGeom>
+        </p:spPr>
+        <p:style>
+          <a:lnRef idx="1">
+            <a:schemeClr val="accent1"/>
+          </a:lnRef>
+          <a:fillRef idx="0">
+            <a:schemeClr val="accent1"/>
+          </a:fillRef>
+          <a:effectRef idx="0">
+            <a:schemeClr val="accent1"/>
+          </a:effectRef>
+          <a:fontRef idx="minor">
+            <a:schemeClr val="tx1"/>
+          </a:fontRef>
+        </p:style>
+      </p:cxnSp>
+      <p:cxnSp>
+        <p:nvCxnSpPr>
+          <p:cNvPr id="41" name="Straight Connector 40">
+            <a:extLst>
+              <a:ext uri="{FF2B5EF4-FFF2-40B4-BE49-F238E27FC236}">
+                <a16:creationId xmlns:a16="http://schemas.microsoft.com/office/drawing/2014/main" id="{A5BC6EB0-2319-F128-9837-06EF9308A1CF}"/>
+              </a:ext>
+            </a:extLst>
+          </p:cNvPr>
+          <p:cNvCxnSpPr>
+            <a:cxnSpLocks/>
+          </p:cNvCxnSpPr>
+          <p:nvPr/>
+        </p:nvCxnSpPr>
+        <p:spPr>
+          <a:xfrm>
+            <a:off x="1715589" y="6008460"/>
+            <a:ext cx="9884228" cy="17451"/>
+          </a:xfrm>
+          <a:prstGeom prst="line">
+            <a:avLst/>
+          </a:prstGeom>
+        </p:spPr>
+        <p:style>
+          <a:lnRef idx="1">
+            <a:schemeClr val="accent1"/>
+          </a:lnRef>
+          <a:fillRef idx="0">
+            <a:schemeClr val="accent1"/>
+          </a:fillRef>
+          <a:effectRef idx="0">
+            <a:schemeClr val="accent1"/>
+          </a:effectRef>
+          <a:fontRef idx="minor">
+            <a:schemeClr val="tx1"/>
+          </a:fontRef>
+        </p:style>
+      </p:cxnSp>
+      <p:sp>
+        <p:nvSpPr>
+          <p:cNvPr id="42" name="Alternate Process 41">
+            <a:extLst>
+              <a:ext uri="{FF2B5EF4-FFF2-40B4-BE49-F238E27FC236}">
+                <a16:creationId xmlns:a16="http://schemas.microsoft.com/office/drawing/2014/main" id="{D1D69372-224C-DFE5-C705-2C0E65921B32}"/>
+              </a:ext>
+            </a:extLst>
+          </p:cNvPr>
+          <p:cNvSpPr/>
+          <p:nvPr/>
+        </p:nvSpPr>
+        <p:spPr>
+          <a:xfrm rot="16200000">
+            <a:off x="4624907" y="3571339"/>
+            <a:ext cx="476971" cy="1117198"/>
+          </a:xfrm>
+          <a:prstGeom prst="flowChartAlternateProcess">
+            <a:avLst/>
+          </a:prstGeom>
+          <a:noFill/>
+        </p:spPr>
+        <p:style>
+          <a:lnRef idx="2">
+            <a:schemeClr val="accent1">
+              <a:shade val="50000"/>
+            </a:schemeClr>
+          </a:lnRef>
+          <a:fillRef idx="1">
+            <a:schemeClr val="accent1"/>
+          </a:fillRef>
+          <a:effectRef idx="0">
+            <a:schemeClr val="accent1"/>
+          </a:effectRef>
+          <a:fontRef idx="minor">
+            <a:schemeClr val="lt1"/>
+          </a:fontRef>
+        </p:style>
+        <p:txBody>
+          <a:bodyPr rtlCol="0" anchor="ctr"/>
+          <a:lstStyle/>
+          <a:p>
+            <a:pPr algn="ctr"/>
+            <a:endParaRPr lang="en-US"/>
+          </a:p>
+        </p:txBody>
+      </p:sp>
+      <p:sp>
+        <p:nvSpPr>
+          <p:cNvPr id="43" name="Alternate Process 42">
+            <a:extLst>
+              <a:ext uri="{FF2B5EF4-FFF2-40B4-BE49-F238E27FC236}">
+                <a16:creationId xmlns:a16="http://schemas.microsoft.com/office/drawing/2014/main" id="{4AE55BA3-46C9-A59D-CE51-7C95615C88A7}"/>
+              </a:ext>
+            </a:extLst>
+          </p:cNvPr>
+          <p:cNvSpPr/>
+          <p:nvPr/>
+        </p:nvSpPr>
+        <p:spPr>
+          <a:xfrm rot="16200000">
+            <a:off x="6386369" y="3553941"/>
+            <a:ext cx="476971" cy="1117199"/>
+          </a:xfrm>
+          <a:prstGeom prst="flowChartAlternateProcess">
+            <a:avLst/>
+          </a:prstGeom>
+          <a:noFill/>
+        </p:spPr>
+        <p:style>
+          <a:lnRef idx="2">
+            <a:schemeClr val="accent1">
+              <a:shade val="50000"/>
+            </a:schemeClr>
+          </a:lnRef>
+          <a:fillRef idx="1">
+            <a:schemeClr val="accent1"/>
+          </a:fillRef>
+          <a:effectRef idx="0">
+            <a:schemeClr val="accent1"/>
+          </a:effectRef>
+          <a:fontRef idx="minor">
+            <a:schemeClr val="lt1"/>
+          </a:fontRef>
+        </p:style>
+        <p:txBody>
+          <a:bodyPr rtlCol="0" anchor="ctr"/>
+          <a:lstStyle/>
+          <a:p>
+            <a:pPr algn="ctr"/>
+            <a:endParaRPr lang="en-US"/>
+          </a:p>
+        </p:txBody>
+      </p:sp>
+      <p:sp>
+        <p:nvSpPr>
+          <p:cNvPr id="44" name="Alternate Process 43">
+            <a:extLst>
+              <a:ext uri="{FF2B5EF4-FFF2-40B4-BE49-F238E27FC236}">
+                <a16:creationId xmlns:a16="http://schemas.microsoft.com/office/drawing/2014/main" id="{402947DC-CFCC-1BA2-164D-7DD4F2D6A2ED}"/>
+              </a:ext>
+            </a:extLst>
+          </p:cNvPr>
+          <p:cNvSpPr/>
+          <p:nvPr/>
+        </p:nvSpPr>
+        <p:spPr>
+          <a:xfrm rot="16200000">
+            <a:off x="8199457" y="3569410"/>
+            <a:ext cx="476970" cy="1117199"/>
+          </a:xfrm>
+          <a:prstGeom prst="flowChartAlternateProcess">
+            <a:avLst/>
+          </a:prstGeom>
+          <a:noFill/>
+        </p:spPr>
+        <p:style>
+          <a:lnRef idx="2">
+            <a:schemeClr val="accent1">
+              <a:shade val="50000"/>
+            </a:schemeClr>
+          </a:lnRef>
+          <a:fillRef idx="1">
+            <a:schemeClr val="accent1"/>
+          </a:fillRef>
+          <a:effectRef idx="0">
+            <a:schemeClr val="accent1"/>
+          </a:effectRef>
+          <a:fontRef idx="minor">
+            <a:schemeClr val="lt1"/>
+          </a:fontRef>
+        </p:style>
+        <p:txBody>
+          <a:bodyPr rtlCol="0" anchor="ctr"/>
+          <a:lstStyle/>
+          <a:p>
+            <a:pPr algn="ctr"/>
+            <a:endParaRPr lang="en-US"/>
+          </a:p>
+        </p:txBody>
+      </p:sp>
+      <p:sp>
+        <p:nvSpPr>
+          <p:cNvPr id="45" name="Alternate Process 44">
+            <a:extLst>
+              <a:ext uri="{FF2B5EF4-FFF2-40B4-BE49-F238E27FC236}">
+                <a16:creationId xmlns:a16="http://schemas.microsoft.com/office/drawing/2014/main" id="{647CD071-7BCC-0A7E-6A8C-7A0BCC1BDA4B}"/>
+              </a:ext>
+            </a:extLst>
+          </p:cNvPr>
+          <p:cNvSpPr/>
+          <p:nvPr/>
+        </p:nvSpPr>
+        <p:spPr>
+          <a:xfrm rot="16200000">
+            <a:off x="2858515" y="3563520"/>
+            <a:ext cx="476971" cy="1117197"/>
+          </a:xfrm>
+          <a:prstGeom prst="flowChartAlternateProcess">
+            <a:avLst/>
+          </a:prstGeom>
+          <a:noFill/>
+        </p:spPr>
+        <p:style>
+          <a:lnRef idx="2">
+            <a:schemeClr val="accent1">
+              <a:shade val="50000"/>
+            </a:schemeClr>
+          </a:lnRef>
+          <a:fillRef idx="1">
+            <a:schemeClr val="accent1"/>
+          </a:fillRef>
+          <a:effectRef idx="0">
+            <a:schemeClr val="accent1"/>
+          </a:effectRef>
+          <a:fontRef idx="minor">
+            <a:schemeClr val="lt1"/>
+          </a:fontRef>
+        </p:style>
+        <p:txBody>
+          <a:bodyPr rtlCol="0" anchor="ctr"/>
+          <a:lstStyle/>
+          <a:p>
+            <a:pPr algn="ctr"/>
+            <a:endParaRPr lang="en-US"/>
+          </a:p>
+        </p:txBody>
+      </p:sp>
+      <p:sp>
+        <p:nvSpPr>
+          <p:cNvPr id="48" name="TextBox 47">
+            <a:extLst>
+              <a:ext uri="{FF2B5EF4-FFF2-40B4-BE49-F238E27FC236}">
+                <a16:creationId xmlns:a16="http://schemas.microsoft.com/office/drawing/2014/main" id="{61CCCFED-BA21-CFAF-0BAA-F83BC7EC9EEF}"/>
+              </a:ext>
+            </a:extLst>
+          </p:cNvPr>
+          <p:cNvSpPr txBox="1"/>
+          <p:nvPr/>
+        </p:nvSpPr>
+        <p:spPr>
+          <a:xfrm>
+            <a:off x="11148569" y="6258118"/>
+            <a:ext cx="451248" cy="369332"/>
+          </a:xfrm>
+          <a:prstGeom prst="rect">
+            <a:avLst/>
+          </a:prstGeom>
+          <a:noFill/>
+        </p:spPr>
+        <p:txBody>
+          <a:bodyPr wrap="square" rtlCol="0">
+            <a:spAutoFit/>
+          </a:bodyPr>
+          <a:lstStyle/>
+          <a:p>
+            <a:r>
+              <a:rPr lang="en-US" dirty="0" err="1"/>
+              <a:t>pg</a:t>
+            </a:r>
+            <a:endParaRPr lang="en-US" dirty="0"/>
+          </a:p>
+        </p:txBody>
+      </p:sp>
+      <p:sp>
+        <p:nvSpPr>
+          <p:cNvPr id="50" name="TextBox 49">
+            <a:extLst>
+              <a:ext uri="{FF2B5EF4-FFF2-40B4-BE49-F238E27FC236}">
+                <a16:creationId xmlns:a16="http://schemas.microsoft.com/office/drawing/2014/main" id="{08EBC741-8747-D0AC-72D4-282C8019D339}"/>
+              </a:ext>
+            </a:extLst>
+          </p:cNvPr>
+          <p:cNvSpPr txBox="1"/>
+          <p:nvPr/>
+        </p:nvSpPr>
+        <p:spPr>
+          <a:xfrm>
+            <a:off x="2616780" y="3928727"/>
+            <a:ext cx="1212140" cy="369332"/>
+          </a:xfrm>
+          <a:prstGeom prst="rect">
+            <a:avLst/>
+          </a:prstGeom>
+          <a:noFill/>
+        </p:spPr>
+        <p:txBody>
+          <a:bodyPr wrap="square" rtlCol="0">
+            <a:spAutoFit/>
+          </a:bodyPr>
+          <a:lstStyle/>
+          <a:p>
+            <a:r>
+              <a:rPr lang="en-US" dirty="0"/>
+              <a:t>L4 Table</a:t>
+            </a:r>
+          </a:p>
+        </p:txBody>
+      </p:sp>
+      <p:sp>
+        <p:nvSpPr>
+          <p:cNvPr id="51" name="TextBox 50">
+            <a:extLst>
+              <a:ext uri="{FF2B5EF4-FFF2-40B4-BE49-F238E27FC236}">
+                <a16:creationId xmlns:a16="http://schemas.microsoft.com/office/drawing/2014/main" id="{254CA9C5-32E9-CA7E-4B8C-1062CE604FEC}"/>
+              </a:ext>
+            </a:extLst>
+          </p:cNvPr>
+          <p:cNvSpPr txBox="1"/>
+          <p:nvPr/>
+        </p:nvSpPr>
+        <p:spPr>
+          <a:xfrm>
+            <a:off x="4391879" y="3958338"/>
+            <a:ext cx="1212140" cy="369332"/>
+          </a:xfrm>
+          <a:prstGeom prst="rect">
+            <a:avLst/>
+          </a:prstGeom>
+          <a:noFill/>
+        </p:spPr>
+        <p:txBody>
+          <a:bodyPr wrap="square" rtlCol="0">
+            <a:spAutoFit/>
+          </a:bodyPr>
+          <a:lstStyle/>
+          <a:p>
+            <a:r>
+              <a:rPr lang="en-US" dirty="0"/>
+              <a:t>L3 Table</a:t>
+            </a:r>
+          </a:p>
+        </p:txBody>
+      </p:sp>
+      <p:sp>
+        <p:nvSpPr>
+          <p:cNvPr id="52" name="TextBox 51">
+            <a:extLst>
+              <a:ext uri="{FF2B5EF4-FFF2-40B4-BE49-F238E27FC236}">
+                <a16:creationId xmlns:a16="http://schemas.microsoft.com/office/drawing/2014/main" id="{63FDB37F-5E96-2783-9352-269457E3AE8F}"/>
+              </a:ext>
+            </a:extLst>
+          </p:cNvPr>
+          <p:cNvSpPr txBox="1"/>
+          <p:nvPr/>
+        </p:nvSpPr>
+        <p:spPr>
+          <a:xfrm>
+            <a:off x="6159722" y="3945273"/>
+            <a:ext cx="1212140" cy="369332"/>
+          </a:xfrm>
+          <a:prstGeom prst="rect">
+            <a:avLst/>
+          </a:prstGeom>
+          <a:noFill/>
+        </p:spPr>
+        <p:txBody>
+          <a:bodyPr wrap="square" rtlCol="0">
+            <a:spAutoFit/>
+          </a:bodyPr>
+          <a:lstStyle/>
+          <a:p>
+            <a:r>
+              <a:rPr lang="en-US" dirty="0"/>
+              <a:t>L2 Table</a:t>
+            </a:r>
+          </a:p>
+        </p:txBody>
+      </p:sp>
+      <p:sp>
+        <p:nvSpPr>
+          <p:cNvPr id="53" name="TextBox 52">
+            <a:extLst>
+              <a:ext uri="{FF2B5EF4-FFF2-40B4-BE49-F238E27FC236}">
+                <a16:creationId xmlns:a16="http://schemas.microsoft.com/office/drawing/2014/main" id="{23DF9147-8BA5-5C7B-EDD1-9C2DACEF5E3D}"/>
+              </a:ext>
+            </a:extLst>
+          </p:cNvPr>
+          <p:cNvSpPr txBox="1"/>
+          <p:nvPr/>
+        </p:nvSpPr>
+        <p:spPr>
+          <a:xfrm>
+            <a:off x="7979817" y="3952033"/>
+            <a:ext cx="1212140" cy="369332"/>
+          </a:xfrm>
+          <a:prstGeom prst="rect">
+            <a:avLst/>
+          </a:prstGeom>
+          <a:noFill/>
+        </p:spPr>
+        <p:txBody>
+          <a:bodyPr wrap="square" rtlCol="0">
+            <a:spAutoFit/>
+          </a:bodyPr>
+          <a:lstStyle/>
+          <a:p>
+            <a:r>
+              <a:rPr lang="en-US" dirty="0"/>
+              <a:t>L1 Table</a:t>
+            </a:r>
+          </a:p>
+        </p:txBody>
+      </p:sp>
+      <p:sp>
+        <p:nvSpPr>
+          <p:cNvPr id="61" name="Alternate Process 60">
+            <a:extLst>
+              <a:ext uri="{FF2B5EF4-FFF2-40B4-BE49-F238E27FC236}">
+                <a16:creationId xmlns:a16="http://schemas.microsoft.com/office/drawing/2014/main" id="{99D4E90F-F140-DAF6-858A-8B946D07B2C4}"/>
+              </a:ext>
+            </a:extLst>
+          </p:cNvPr>
+          <p:cNvSpPr/>
+          <p:nvPr/>
+        </p:nvSpPr>
+        <p:spPr>
+          <a:xfrm rot="16200000">
+            <a:off x="2345033" y="4435136"/>
+            <a:ext cx="1529205" cy="1391920"/>
+          </a:xfrm>
+          <a:prstGeom prst="flowChartAlternateProcess">
+            <a:avLst/>
+          </a:prstGeom>
+          <a:noFill/>
+        </p:spPr>
+        <p:style>
+          <a:lnRef idx="2">
+            <a:schemeClr val="accent1">
+              <a:shade val="50000"/>
+            </a:schemeClr>
+          </a:lnRef>
+          <a:fillRef idx="1">
+            <a:schemeClr val="accent1"/>
+          </a:fillRef>
+          <a:effectRef idx="0">
+            <a:schemeClr val="accent1"/>
+          </a:effectRef>
+          <a:fontRef idx="minor">
+            <a:schemeClr val="lt1"/>
+          </a:fontRef>
+        </p:style>
+        <p:txBody>
+          <a:bodyPr rtlCol="0" anchor="ctr"/>
+          <a:lstStyle/>
+          <a:p>
+            <a:pPr algn="ctr"/>
+            <a:endParaRPr lang="en-US"/>
+          </a:p>
+        </p:txBody>
+      </p:sp>
+      <p:sp>
+        <p:nvSpPr>
+          <p:cNvPr id="65" name="Alternate Process 64">
+            <a:extLst>
+              <a:ext uri="{FF2B5EF4-FFF2-40B4-BE49-F238E27FC236}">
+                <a16:creationId xmlns:a16="http://schemas.microsoft.com/office/drawing/2014/main" id="{1D0ED686-D88A-32F7-E0E7-23C01CF7167F}"/>
+              </a:ext>
+            </a:extLst>
+          </p:cNvPr>
+          <p:cNvSpPr/>
+          <p:nvPr/>
+        </p:nvSpPr>
+        <p:spPr>
+          <a:xfrm rot="16200000">
+            <a:off x="661066" y="2390473"/>
+            <a:ext cx="545723" cy="565922"/>
+          </a:xfrm>
+          <a:prstGeom prst="flowChartAlternateProcess">
+            <a:avLst/>
+          </a:prstGeom>
+          <a:noFill/>
+        </p:spPr>
+        <p:style>
+          <a:lnRef idx="2">
+            <a:schemeClr val="accent1">
+              <a:shade val="50000"/>
+            </a:schemeClr>
+          </a:lnRef>
+          <a:fillRef idx="1">
+            <a:schemeClr val="accent1"/>
+          </a:fillRef>
+          <a:effectRef idx="0">
+            <a:schemeClr val="accent1"/>
+          </a:effectRef>
+          <a:fontRef idx="minor">
+            <a:schemeClr val="lt1"/>
+          </a:fontRef>
+        </p:style>
+        <p:txBody>
+          <a:bodyPr rtlCol="0" anchor="ctr"/>
+          <a:lstStyle/>
+          <a:p>
+            <a:pPr algn="ctr"/>
+            <a:endParaRPr lang="en-US"/>
+          </a:p>
+        </p:txBody>
+      </p:sp>
+      <p:sp>
+        <p:nvSpPr>
+          <p:cNvPr id="66" name="TextBox 65">
+            <a:extLst>
+              <a:ext uri="{FF2B5EF4-FFF2-40B4-BE49-F238E27FC236}">
+                <a16:creationId xmlns:a16="http://schemas.microsoft.com/office/drawing/2014/main" id="{0F49BD97-B973-1DBD-F879-D40BCD014526}"/>
+              </a:ext>
+            </a:extLst>
+          </p:cNvPr>
+          <p:cNvSpPr txBox="1"/>
+          <p:nvPr/>
+        </p:nvSpPr>
+        <p:spPr>
+          <a:xfrm>
+            <a:off x="650966" y="2467419"/>
+            <a:ext cx="511809" cy="369332"/>
+          </a:xfrm>
+          <a:prstGeom prst="rect">
+            <a:avLst/>
+          </a:prstGeom>
+          <a:noFill/>
+        </p:spPr>
+        <p:txBody>
+          <a:bodyPr wrap="square" rtlCol="0">
+            <a:spAutoFit/>
+          </a:bodyPr>
+          <a:lstStyle/>
+          <a:p>
+            <a:r>
+              <a:rPr lang="en-US" dirty="0"/>
+              <a:t>cr3</a:t>
+            </a:r>
+          </a:p>
+        </p:txBody>
+      </p:sp>
+      <p:sp>
+        <p:nvSpPr>
+          <p:cNvPr id="73" name="Alternate Process 72">
+            <a:extLst>
+              <a:ext uri="{FF2B5EF4-FFF2-40B4-BE49-F238E27FC236}">
+                <a16:creationId xmlns:a16="http://schemas.microsoft.com/office/drawing/2014/main" id="{5C48B830-9BAB-C5C3-0F54-D93CE5502E46}"/>
+              </a:ext>
+            </a:extLst>
+          </p:cNvPr>
+          <p:cNvSpPr/>
+          <p:nvPr/>
+        </p:nvSpPr>
+        <p:spPr>
+          <a:xfrm rot="16200000">
+            <a:off x="4117260" y="4428378"/>
+            <a:ext cx="1529205" cy="1391920"/>
+          </a:xfrm>
+          <a:prstGeom prst="flowChartAlternateProcess">
+            <a:avLst/>
+          </a:prstGeom>
+          <a:noFill/>
+        </p:spPr>
+        <p:style>
+          <a:lnRef idx="2">
+            <a:schemeClr val="accent1">
+              <a:shade val="50000"/>
+            </a:schemeClr>
+          </a:lnRef>
+          <a:fillRef idx="1">
+            <a:schemeClr val="accent1"/>
+          </a:fillRef>
+          <a:effectRef idx="0">
+            <a:schemeClr val="accent1"/>
+          </a:effectRef>
+          <a:fontRef idx="minor">
+            <a:schemeClr val="lt1"/>
+          </a:fontRef>
+        </p:style>
+        <p:txBody>
+          <a:bodyPr rtlCol="0" anchor="ctr"/>
+          <a:lstStyle/>
+          <a:p>
+            <a:pPr algn="ctr"/>
+            <a:endParaRPr lang="en-US"/>
+          </a:p>
+        </p:txBody>
+      </p:sp>
+      <p:sp>
+        <p:nvSpPr>
+          <p:cNvPr id="74" name="Alternate Process 73">
+            <a:extLst>
+              <a:ext uri="{FF2B5EF4-FFF2-40B4-BE49-F238E27FC236}">
+                <a16:creationId xmlns:a16="http://schemas.microsoft.com/office/drawing/2014/main" id="{FE8667A6-F77B-4F86-9298-A07D9F6D891D}"/>
+              </a:ext>
+            </a:extLst>
+          </p:cNvPr>
+          <p:cNvSpPr/>
+          <p:nvPr/>
+        </p:nvSpPr>
+        <p:spPr>
+          <a:xfrm rot="16200000">
+            <a:off x="5889213" y="4435136"/>
+            <a:ext cx="1529205" cy="1391920"/>
+          </a:xfrm>
+          <a:prstGeom prst="flowChartAlternateProcess">
+            <a:avLst/>
+          </a:prstGeom>
+          <a:noFill/>
+        </p:spPr>
+        <p:style>
+          <a:lnRef idx="2">
+            <a:schemeClr val="accent1">
+              <a:shade val="50000"/>
+            </a:schemeClr>
+          </a:lnRef>
+          <a:fillRef idx="1">
+            <a:schemeClr val="accent1"/>
+          </a:fillRef>
+          <a:effectRef idx="0">
+            <a:schemeClr val="accent1"/>
+          </a:effectRef>
+          <a:fontRef idx="minor">
+            <a:schemeClr val="lt1"/>
+          </a:fontRef>
+        </p:style>
+        <p:txBody>
+          <a:bodyPr rtlCol="0" anchor="ctr"/>
+          <a:lstStyle/>
+          <a:p>
+            <a:pPr algn="ctr"/>
+            <a:endParaRPr lang="en-US"/>
+          </a:p>
+        </p:txBody>
+      </p:sp>
+      <p:sp>
+        <p:nvSpPr>
+          <p:cNvPr id="75" name="Alternate Process 74">
+            <a:extLst>
+              <a:ext uri="{FF2B5EF4-FFF2-40B4-BE49-F238E27FC236}">
+                <a16:creationId xmlns:a16="http://schemas.microsoft.com/office/drawing/2014/main" id="{B8FEF9EC-70AB-5E61-7E1A-9ABD4D3D8588}"/>
+              </a:ext>
+            </a:extLst>
+          </p:cNvPr>
+          <p:cNvSpPr/>
+          <p:nvPr/>
+        </p:nvSpPr>
+        <p:spPr>
+          <a:xfrm rot="16200000">
+            <a:off x="7684885" y="4437774"/>
+            <a:ext cx="1529205" cy="1391920"/>
+          </a:xfrm>
+          <a:prstGeom prst="flowChartAlternateProcess">
+            <a:avLst/>
+          </a:prstGeom>
+          <a:noFill/>
+        </p:spPr>
+        <p:style>
+          <a:lnRef idx="2">
+            <a:schemeClr val="accent1">
+              <a:shade val="50000"/>
+            </a:schemeClr>
+          </a:lnRef>
+          <a:fillRef idx="1">
+            <a:schemeClr val="accent1"/>
+          </a:fillRef>
+          <a:effectRef idx="0">
+            <a:schemeClr val="accent1"/>
+          </a:effectRef>
+          <a:fontRef idx="minor">
+            <a:schemeClr val="lt1"/>
+          </a:fontRef>
+        </p:style>
+        <p:txBody>
+          <a:bodyPr rtlCol="0" anchor="ctr"/>
+          <a:lstStyle/>
+          <a:p>
+            <a:pPr algn="ctr"/>
+            <a:endParaRPr lang="en-US"/>
+          </a:p>
+        </p:txBody>
+      </p:sp>
+      <p:sp>
+        <p:nvSpPr>
+          <p:cNvPr id="76" name="Alternate Process 75">
+            <a:extLst>
+              <a:ext uri="{FF2B5EF4-FFF2-40B4-BE49-F238E27FC236}">
+                <a16:creationId xmlns:a16="http://schemas.microsoft.com/office/drawing/2014/main" id="{B82D6278-5007-04BD-AB1E-2CE63BA8C803}"/>
+              </a:ext>
+            </a:extLst>
+          </p:cNvPr>
+          <p:cNvSpPr/>
+          <p:nvPr/>
+        </p:nvSpPr>
+        <p:spPr>
+          <a:xfrm rot="16200000">
+            <a:off x="2924970" y="4079602"/>
+            <a:ext cx="369331" cy="1391920"/>
+          </a:xfrm>
+          <a:prstGeom prst="flowChartAlternateProcess">
+            <a:avLst/>
+          </a:prstGeom>
+          <a:noFill/>
+        </p:spPr>
+        <p:style>
+          <a:lnRef idx="2">
+            <a:schemeClr val="accent1">
+              <a:shade val="50000"/>
+            </a:schemeClr>
+          </a:lnRef>
+          <a:fillRef idx="1">
+            <a:schemeClr val="accent1"/>
+          </a:fillRef>
+          <a:effectRef idx="0">
+            <a:schemeClr val="accent1"/>
+          </a:effectRef>
+          <a:fontRef idx="minor">
+            <a:schemeClr val="lt1"/>
+          </a:fontRef>
+        </p:style>
+        <p:txBody>
+          <a:bodyPr rtlCol="0" anchor="ctr"/>
+          <a:lstStyle/>
+          <a:p>
+            <a:pPr algn="ctr"/>
+            <a:endParaRPr lang="en-US"/>
+          </a:p>
+        </p:txBody>
+      </p:sp>
+      <p:sp>
+        <p:nvSpPr>
+          <p:cNvPr id="77" name="Alternate Process 76">
+            <a:extLst>
+              <a:ext uri="{FF2B5EF4-FFF2-40B4-BE49-F238E27FC236}">
+                <a16:creationId xmlns:a16="http://schemas.microsoft.com/office/drawing/2014/main" id="{37719B44-2501-F538-7E91-A38A45A73209}"/>
+              </a:ext>
+            </a:extLst>
+          </p:cNvPr>
+          <p:cNvSpPr/>
+          <p:nvPr/>
+        </p:nvSpPr>
+        <p:spPr>
+          <a:xfrm rot="16200000">
+            <a:off x="4697198" y="4536030"/>
+            <a:ext cx="369331" cy="1391920"/>
+          </a:xfrm>
+          <a:prstGeom prst="flowChartAlternateProcess">
+            <a:avLst/>
+          </a:prstGeom>
+          <a:noFill/>
+        </p:spPr>
+        <p:style>
+          <a:lnRef idx="2">
+            <a:schemeClr val="accent1">
+              <a:shade val="50000"/>
+            </a:schemeClr>
+          </a:lnRef>
+          <a:fillRef idx="1">
+            <a:schemeClr val="accent1"/>
+          </a:fillRef>
+          <a:effectRef idx="0">
+            <a:schemeClr val="accent1"/>
+          </a:effectRef>
+          <a:fontRef idx="minor">
+            <a:schemeClr val="lt1"/>
+          </a:fontRef>
+        </p:style>
+        <p:txBody>
+          <a:bodyPr rtlCol="0" anchor="ctr"/>
+          <a:lstStyle/>
+          <a:p>
+            <a:pPr algn="ctr"/>
+            <a:endParaRPr lang="en-US"/>
+          </a:p>
+        </p:txBody>
+      </p:sp>
+      <p:sp>
+        <p:nvSpPr>
+          <p:cNvPr id="78" name="Alternate Process 77">
+            <a:extLst>
+              <a:ext uri="{FF2B5EF4-FFF2-40B4-BE49-F238E27FC236}">
+                <a16:creationId xmlns:a16="http://schemas.microsoft.com/office/drawing/2014/main" id="{C484A7DD-3A34-85A5-1FEF-54E333E0E4B4}"/>
+              </a:ext>
+            </a:extLst>
+          </p:cNvPr>
+          <p:cNvSpPr/>
+          <p:nvPr/>
+        </p:nvSpPr>
+        <p:spPr>
+          <a:xfrm rot="16200000">
+            <a:off x="6469151" y="4090819"/>
+            <a:ext cx="369331" cy="1391920"/>
+          </a:xfrm>
+          <a:prstGeom prst="flowChartAlternateProcess">
+            <a:avLst/>
+          </a:prstGeom>
+          <a:noFill/>
+        </p:spPr>
+        <p:style>
+          <a:lnRef idx="2">
+            <a:schemeClr val="accent1">
+              <a:shade val="50000"/>
+            </a:schemeClr>
+          </a:lnRef>
+          <a:fillRef idx="1">
+            <a:schemeClr val="accent1"/>
+          </a:fillRef>
+          <a:effectRef idx="0">
+            <a:schemeClr val="accent1"/>
+          </a:effectRef>
+          <a:fontRef idx="minor">
+            <a:schemeClr val="lt1"/>
+          </a:fontRef>
+        </p:style>
+        <p:txBody>
+          <a:bodyPr rtlCol="0" anchor="ctr"/>
+          <a:lstStyle/>
+          <a:p>
+            <a:pPr algn="ctr"/>
+            <a:endParaRPr lang="en-US"/>
+          </a:p>
+        </p:txBody>
+      </p:sp>
+      <p:sp>
+        <p:nvSpPr>
+          <p:cNvPr id="79" name="Alternate Process 78">
+            <a:extLst>
+              <a:ext uri="{FF2B5EF4-FFF2-40B4-BE49-F238E27FC236}">
+                <a16:creationId xmlns:a16="http://schemas.microsoft.com/office/drawing/2014/main" id="{97DCD7F7-DA02-5522-F245-8164FA8C6739}"/>
+              </a:ext>
+            </a:extLst>
+          </p:cNvPr>
+          <p:cNvSpPr/>
+          <p:nvPr/>
+        </p:nvSpPr>
+        <p:spPr>
+          <a:xfrm rot="16200000">
+            <a:off x="8264823" y="4770905"/>
+            <a:ext cx="369331" cy="1391920"/>
+          </a:xfrm>
+          <a:prstGeom prst="flowChartAlternateProcess">
+            <a:avLst/>
+          </a:prstGeom>
+          <a:noFill/>
+        </p:spPr>
+        <p:style>
+          <a:lnRef idx="2">
+            <a:schemeClr val="accent1">
+              <a:shade val="50000"/>
+            </a:schemeClr>
+          </a:lnRef>
+          <a:fillRef idx="1">
+            <a:schemeClr val="accent1"/>
+          </a:fillRef>
+          <a:effectRef idx="0">
+            <a:schemeClr val="accent1"/>
+          </a:effectRef>
+          <a:fontRef idx="minor">
+            <a:schemeClr val="lt1"/>
+          </a:fontRef>
+        </p:style>
+        <p:txBody>
+          <a:bodyPr rtlCol="0" anchor="ctr"/>
+          <a:lstStyle/>
+          <a:p>
+            <a:pPr algn="ctr"/>
+            <a:endParaRPr lang="en-US"/>
+          </a:p>
+        </p:txBody>
+      </p:sp>
+      <p:cxnSp>
+        <p:nvCxnSpPr>
+          <p:cNvPr id="83" name="Straight Connector 82">
+            <a:extLst>
+              <a:ext uri="{FF2B5EF4-FFF2-40B4-BE49-F238E27FC236}">
+                <a16:creationId xmlns:a16="http://schemas.microsoft.com/office/drawing/2014/main" id="{C176E3A3-85FD-16F3-5187-CFDCFBE8BB08}"/>
+              </a:ext>
+            </a:extLst>
+          </p:cNvPr>
+          <p:cNvCxnSpPr>
+            <a:cxnSpLocks/>
+            <a:stCxn id="33" idx="1"/>
+          </p:cNvCxnSpPr>
+          <p:nvPr/>
+        </p:nvCxnSpPr>
+        <p:spPr>
+          <a:xfrm flipH="1">
+            <a:off x="2002974" y="3247450"/>
+            <a:ext cx="1609637" cy="0"/>
+          </a:xfrm>
+          <a:prstGeom prst="line">
+            <a:avLst/>
+          </a:prstGeom>
+          <a:ln w="41275">
+            <a:solidFill>
+              <a:schemeClr val="tx1"/>
+            </a:solidFill>
+          </a:ln>
+        </p:spPr>
+        <p:style>
+          <a:lnRef idx="1">
+            <a:schemeClr val="accent1"/>
+          </a:lnRef>
+          <a:fillRef idx="0">
+            <a:schemeClr val="accent1"/>
+          </a:fillRef>
+          <a:effectRef idx="0">
+            <a:schemeClr val="accent1"/>
+          </a:effectRef>
+          <a:fontRef idx="minor">
+            <a:schemeClr val="tx1"/>
+          </a:fontRef>
+        </p:style>
+      </p:cxnSp>
+      <p:cxnSp>
+        <p:nvCxnSpPr>
+          <p:cNvPr id="84" name="Straight Connector 83">
+            <a:extLst>
+              <a:ext uri="{FF2B5EF4-FFF2-40B4-BE49-F238E27FC236}">
+                <a16:creationId xmlns:a16="http://schemas.microsoft.com/office/drawing/2014/main" id="{CE81FC76-8DED-44B2-FFE7-A2FBD00CDA85}"/>
+              </a:ext>
+            </a:extLst>
+          </p:cNvPr>
+          <p:cNvCxnSpPr>
+            <a:cxnSpLocks/>
+          </p:cNvCxnSpPr>
+          <p:nvPr/>
+        </p:nvCxnSpPr>
+        <p:spPr>
+          <a:xfrm>
+            <a:off x="2002974" y="3247450"/>
+            <a:ext cx="0" cy="1463887"/>
+          </a:xfrm>
+          <a:prstGeom prst="line">
+            <a:avLst/>
+          </a:prstGeom>
+          <a:ln w="41275">
+            <a:solidFill>
+              <a:schemeClr val="tx1"/>
+            </a:solidFill>
+          </a:ln>
+        </p:spPr>
+        <p:style>
+          <a:lnRef idx="1">
+            <a:schemeClr val="accent1"/>
+          </a:lnRef>
+          <a:fillRef idx="0">
+            <a:schemeClr val="accent1"/>
+          </a:fillRef>
+          <a:effectRef idx="0">
+            <a:schemeClr val="accent1"/>
+          </a:effectRef>
+          <a:fontRef idx="minor">
+            <a:schemeClr val="tx1"/>
+          </a:fontRef>
+        </p:style>
+      </p:cxnSp>
+      <p:cxnSp>
+        <p:nvCxnSpPr>
+          <p:cNvPr id="87" name="Straight Connector 86">
+            <a:extLst>
+              <a:ext uri="{FF2B5EF4-FFF2-40B4-BE49-F238E27FC236}">
+                <a16:creationId xmlns:a16="http://schemas.microsoft.com/office/drawing/2014/main" id="{C949F59F-BB57-852B-F7BC-B92E9C2D51C6}"/>
+              </a:ext>
+            </a:extLst>
+          </p:cNvPr>
+          <p:cNvCxnSpPr>
+            <a:cxnSpLocks/>
+          </p:cNvCxnSpPr>
+          <p:nvPr/>
+        </p:nvCxnSpPr>
+        <p:spPr>
+          <a:xfrm>
+            <a:off x="2002974" y="4706489"/>
+            <a:ext cx="401993" cy="112618"/>
+          </a:xfrm>
+          <a:prstGeom prst="line">
+            <a:avLst/>
+          </a:prstGeom>
+          <a:ln w="41275">
+            <a:solidFill>
+              <a:schemeClr val="tx1"/>
+            </a:solidFill>
+            <a:tailEnd type="none"/>
+          </a:ln>
+        </p:spPr>
+        <p:style>
+          <a:lnRef idx="1">
+            <a:schemeClr val="accent1"/>
+          </a:lnRef>
+          <a:fillRef idx="0">
+            <a:schemeClr val="accent1"/>
+          </a:fillRef>
+          <a:effectRef idx="0">
+            <a:schemeClr val="accent1"/>
+          </a:effectRef>
+          <a:fontRef idx="minor">
+            <a:schemeClr val="tx1"/>
+          </a:fontRef>
+        </p:style>
+      </p:cxnSp>
+      <p:sp>
+        <p:nvSpPr>
+          <p:cNvPr id="92" name="TextBox 91">
+            <a:extLst>
+              <a:ext uri="{FF2B5EF4-FFF2-40B4-BE49-F238E27FC236}">
+                <a16:creationId xmlns:a16="http://schemas.microsoft.com/office/drawing/2014/main" id="{4AF12098-4685-0F0C-3B1D-B5F381502EBA}"/>
+              </a:ext>
+            </a:extLst>
+          </p:cNvPr>
+          <p:cNvSpPr txBox="1"/>
+          <p:nvPr/>
+        </p:nvSpPr>
+        <p:spPr>
+          <a:xfrm>
+            <a:off x="2813101" y="4557298"/>
+            <a:ext cx="597794" cy="369332"/>
+          </a:xfrm>
+          <a:prstGeom prst="rect">
+            <a:avLst/>
+          </a:prstGeom>
+          <a:noFill/>
+        </p:spPr>
+        <p:txBody>
+          <a:bodyPr wrap="square" rtlCol="0">
+            <a:spAutoFit/>
+          </a:bodyPr>
+          <a:lstStyle/>
+          <a:p>
+            <a:r>
+              <a:rPr lang="en-US" dirty="0"/>
+              <a:t>l4e</a:t>
+            </a:r>
+            <a:r>
+              <a:rPr lang="en-US" baseline="-25000" dirty="0"/>
+              <a:t>0</a:t>
+            </a:r>
+            <a:endParaRPr lang="en-US" dirty="0"/>
+          </a:p>
+        </p:txBody>
+      </p:sp>
+      <p:sp>
+        <p:nvSpPr>
+          <p:cNvPr id="93" name="TextBox 92">
+            <a:extLst>
+              <a:ext uri="{FF2B5EF4-FFF2-40B4-BE49-F238E27FC236}">
+                <a16:creationId xmlns:a16="http://schemas.microsoft.com/office/drawing/2014/main" id="{D3C3AA6B-42BB-1EF4-B23B-B80F1B76F068}"/>
+              </a:ext>
+            </a:extLst>
+          </p:cNvPr>
+          <p:cNvSpPr txBox="1"/>
+          <p:nvPr/>
+        </p:nvSpPr>
+        <p:spPr>
+          <a:xfrm>
+            <a:off x="4594551" y="5022787"/>
+            <a:ext cx="597794" cy="369332"/>
+          </a:xfrm>
+          <a:prstGeom prst="rect">
+            <a:avLst/>
+          </a:prstGeom>
+          <a:noFill/>
+        </p:spPr>
+        <p:txBody>
+          <a:bodyPr wrap="square" rtlCol="0">
+            <a:spAutoFit/>
+          </a:bodyPr>
+          <a:lstStyle/>
+          <a:p>
+            <a:r>
+              <a:rPr lang="en-US" dirty="0"/>
+              <a:t>l3e</a:t>
+            </a:r>
+            <a:r>
+              <a:rPr lang="en-US" baseline="-25000" dirty="0"/>
+              <a:t>0</a:t>
+            </a:r>
+            <a:endParaRPr lang="en-US" dirty="0"/>
+          </a:p>
+        </p:txBody>
+      </p:sp>
+      <p:sp>
+        <p:nvSpPr>
+          <p:cNvPr id="94" name="TextBox 93">
+            <a:extLst>
+              <a:ext uri="{FF2B5EF4-FFF2-40B4-BE49-F238E27FC236}">
+                <a16:creationId xmlns:a16="http://schemas.microsoft.com/office/drawing/2014/main" id="{7A112534-CB9A-FA90-B4DA-3C767B38711B}"/>
+              </a:ext>
+            </a:extLst>
+          </p:cNvPr>
+          <p:cNvSpPr txBox="1"/>
+          <p:nvPr/>
+        </p:nvSpPr>
+        <p:spPr>
+          <a:xfrm>
+            <a:off x="6352898" y="4572934"/>
+            <a:ext cx="597794" cy="369332"/>
+          </a:xfrm>
+          <a:prstGeom prst="rect">
+            <a:avLst/>
+          </a:prstGeom>
+          <a:noFill/>
+        </p:spPr>
+        <p:txBody>
+          <a:bodyPr wrap="square" rtlCol="0">
+            <a:spAutoFit/>
+          </a:bodyPr>
+          <a:lstStyle/>
+          <a:p>
+            <a:r>
+              <a:rPr lang="en-US" dirty="0"/>
+              <a:t>l2e</a:t>
+            </a:r>
+            <a:r>
+              <a:rPr lang="en-US" baseline="-25000" dirty="0"/>
+              <a:t>0</a:t>
+            </a:r>
+            <a:endParaRPr lang="en-US" dirty="0"/>
+          </a:p>
+        </p:txBody>
+      </p:sp>
+      <p:sp>
+        <p:nvSpPr>
+          <p:cNvPr id="95" name="TextBox 94">
+            <a:extLst>
+              <a:ext uri="{FF2B5EF4-FFF2-40B4-BE49-F238E27FC236}">
+                <a16:creationId xmlns:a16="http://schemas.microsoft.com/office/drawing/2014/main" id="{2742FD47-6FCB-53FF-059F-25ADEC9EAA0A}"/>
+              </a:ext>
+            </a:extLst>
+          </p:cNvPr>
+          <p:cNvSpPr txBox="1"/>
+          <p:nvPr/>
+        </p:nvSpPr>
+        <p:spPr>
+          <a:xfrm>
+            <a:off x="8139045" y="5286037"/>
+            <a:ext cx="597794" cy="369332"/>
+          </a:xfrm>
+          <a:prstGeom prst="rect">
+            <a:avLst/>
+          </a:prstGeom>
+          <a:noFill/>
+        </p:spPr>
+        <p:txBody>
+          <a:bodyPr wrap="square" rtlCol="0">
+            <a:spAutoFit/>
+          </a:bodyPr>
+          <a:lstStyle/>
+          <a:p>
+            <a:r>
+              <a:rPr lang="en-US" dirty="0"/>
+              <a:t>l1e</a:t>
+            </a:r>
+            <a:r>
+              <a:rPr lang="en-US" baseline="-25000" dirty="0"/>
+              <a:t>0</a:t>
+            </a:r>
+            <a:endParaRPr lang="en-US" dirty="0"/>
+          </a:p>
+        </p:txBody>
+      </p:sp>
+      <p:sp>
+        <p:nvSpPr>
+          <p:cNvPr id="97" name="Alternate Process 96">
+            <a:extLst>
+              <a:ext uri="{FF2B5EF4-FFF2-40B4-BE49-F238E27FC236}">
+                <a16:creationId xmlns:a16="http://schemas.microsoft.com/office/drawing/2014/main" id="{D782951D-778B-1404-FC36-6D3D584DE4BB}"/>
+              </a:ext>
+            </a:extLst>
+          </p:cNvPr>
+          <p:cNvSpPr/>
+          <p:nvPr/>
+        </p:nvSpPr>
+        <p:spPr>
+          <a:xfrm rot="16200000">
+            <a:off x="10072408" y="3475071"/>
+            <a:ext cx="476970" cy="1314584"/>
+          </a:xfrm>
+          <a:prstGeom prst="flowChartAlternateProcess">
+            <a:avLst/>
+          </a:prstGeom>
+          <a:noFill/>
+        </p:spPr>
+        <p:style>
+          <a:lnRef idx="2">
+            <a:schemeClr val="accent1">
+              <a:shade val="50000"/>
+            </a:schemeClr>
+          </a:lnRef>
+          <a:fillRef idx="1">
+            <a:schemeClr val="accent1"/>
+          </a:fillRef>
+          <a:effectRef idx="0">
+            <a:schemeClr val="accent1"/>
+          </a:effectRef>
+          <a:fontRef idx="minor">
+            <a:schemeClr val="lt1"/>
+          </a:fontRef>
+        </p:style>
+        <p:txBody>
+          <a:bodyPr rtlCol="0" anchor="ctr"/>
+          <a:lstStyle/>
+          <a:p>
+            <a:pPr algn="ctr"/>
+            <a:endParaRPr lang="en-US"/>
+          </a:p>
+        </p:txBody>
+      </p:sp>
+      <p:sp>
+        <p:nvSpPr>
+          <p:cNvPr id="98" name="TextBox 97">
+            <a:extLst>
+              <a:ext uri="{FF2B5EF4-FFF2-40B4-BE49-F238E27FC236}">
+                <a16:creationId xmlns:a16="http://schemas.microsoft.com/office/drawing/2014/main" id="{8A26717D-1D5A-FC6C-0A33-7FDA657B2BDB}"/>
+              </a:ext>
+            </a:extLst>
+          </p:cNvPr>
+          <p:cNvSpPr txBox="1"/>
+          <p:nvPr/>
+        </p:nvSpPr>
+        <p:spPr>
+          <a:xfrm>
+            <a:off x="9795556" y="3956386"/>
+            <a:ext cx="1212140" cy="369332"/>
+          </a:xfrm>
+          <a:prstGeom prst="rect">
+            <a:avLst/>
+          </a:prstGeom>
+          <a:noFill/>
+        </p:spPr>
+        <p:txBody>
+          <a:bodyPr wrap="square" rtlCol="0">
+            <a:spAutoFit/>
+          </a:bodyPr>
+          <a:lstStyle/>
+          <a:p>
+            <a:r>
+              <a:rPr lang="en-US" dirty="0"/>
+              <a:t>Page </a:t>
+            </a:r>
+            <a:r>
+              <a:rPr lang="en-US" dirty="0" err="1"/>
+              <a:t>Addr</a:t>
+            </a:r>
+            <a:endParaRPr lang="en-US" dirty="0"/>
+          </a:p>
+        </p:txBody>
+      </p:sp>
+      <p:sp>
+        <p:nvSpPr>
+          <p:cNvPr id="99" name="Alternate Process 98">
+            <a:extLst>
+              <a:ext uri="{FF2B5EF4-FFF2-40B4-BE49-F238E27FC236}">
+                <a16:creationId xmlns:a16="http://schemas.microsoft.com/office/drawing/2014/main" id="{566DD27C-4278-9003-F033-A56033A44295}"/>
+              </a:ext>
+            </a:extLst>
+          </p:cNvPr>
+          <p:cNvSpPr/>
+          <p:nvPr/>
+        </p:nvSpPr>
+        <p:spPr>
+          <a:xfrm rot="16200000">
+            <a:off x="9561584" y="4442127"/>
+            <a:ext cx="1529205" cy="1391920"/>
+          </a:xfrm>
+          <a:prstGeom prst="flowChartAlternateProcess">
+            <a:avLst/>
+          </a:prstGeom>
+          <a:noFill/>
+        </p:spPr>
+        <p:style>
+          <a:lnRef idx="2">
+            <a:schemeClr val="accent1">
+              <a:shade val="50000"/>
+            </a:schemeClr>
+          </a:lnRef>
+          <a:fillRef idx="1">
+            <a:schemeClr val="accent1"/>
+          </a:fillRef>
+          <a:effectRef idx="0">
+            <a:schemeClr val="accent1"/>
+          </a:effectRef>
+          <a:fontRef idx="minor">
+            <a:schemeClr val="lt1"/>
+          </a:fontRef>
+        </p:style>
+        <p:txBody>
+          <a:bodyPr rtlCol="0" anchor="ctr"/>
+          <a:lstStyle/>
+          <a:p>
+            <a:pPr algn="ctr"/>
+            <a:endParaRPr lang="en-US"/>
+          </a:p>
+        </p:txBody>
+      </p:sp>
+      <p:sp>
+        <p:nvSpPr>
+          <p:cNvPr id="101" name="Alternate Process 100">
+            <a:extLst>
+              <a:ext uri="{FF2B5EF4-FFF2-40B4-BE49-F238E27FC236}">
+                <a16:creationId xmlns:a16="http://schemas.microsoft.com/office/drawing/2014/main" id="{C7F852B3-ADAF-EC71-71A6-9808F26D8CC5}"/>
+              </a:ext>
+            </a:extLst>
+          </p:cNvPr>
+          <p:cNvSpPr/>
+          <p:nvPr/>
+        </p:nvSpPr>
+        <p:spPr>
+          <a:xfrm rot="16200000">
+            <a:off x="10147477" y="4790401"/>
+            <a:ext cx="369331" cy="1391920"/>
+          </a:xfrm>
+          <a:prstGeom prst="flowChartAlternateProcess">
+            <a:avLst/>
+          </a:prstGeom>
+          <a:noFill/>
+        </p:spPr>
+        <p:style>
+          <a:lnRef idx="2">
+            <a:schemeClr val="accent1">
+              <a:shade val="50000"/>
+            </a:schemeClr>
+          </a:lnRef>
+          <a:fillRef idx="1">
+            <a:schemeClr val="accent1"/>
+          </a:fillRef>
+          <a:effectRef idx="0">
+            <a:schemeClr val="accent1"/>
+          </a:effectRef>
+          <a:fontRef idx="minor">
+            <a:schemeClr val="lt1"/>
+          </a:fontRef>
+        </p:style>
+        <p:txBody>
+          <a:bodyPr rtlCol="0" anchor="ctr"/>
+          <a:lstStyle/>
+          <a:p>
+            <a:pPr algn="ctr"/>
+            <a:endParaRPr lang="en-US"/>
+          </a:p>
+        </p:txBody>
+      </p:sp>
+      <p:sp>
+        <p:nvSpPr>
+          <p:cNvPr id="102" name="TextBox 101">
+            <a:extLst>
+              <a:ext uri="{FF2B5EF4-FFF2-40B4-BE49-F238E27FC236}">
+                <a16:creationId xmlns:a16="http://schemas.microsoft.com/office/drawing/2014/main" id="{0C6C9711-B1BD-62DC-DAB7-170967382E29}"/>
+              </a:ext>
+            </a:extLst>
+          </p:cNvPr>
+          <p:cNvSpPr txBox="1"/>
+          <p:nvPr/>
+        </p:nvSpPr>
+        <p:spPr>
+          <a:xfrm>
+            <a:off x="9925903" y="5305533"/>
+            <a:ext cx="985997" cy="369332"/>
+          </a:xfrm>
+          <a:prstGeom prst="rect">
+            <a:avLst/>
+          </a:prstGeom>
+          <a:noFill/>
+        </p:spPr>
+        <p:txBody>
+          <a:bodyPr wrap="square" rtlCol="0">
+            <a:spAutoFit/>
+          </a:bodyPr>
+          <a:lstStyle/>
+          <a:p>
+            <a:r>
+              <a:rPr lang="en-US" dirty="0"/>
+              <a:t>paddr</a:t>
+            </a:r>
+            <a:r>
+              <a:rPr lang="en-US" baseline="-25000" dirty="0"/>
+              <a:t>0</a:t>
+            </a:r>
+            <a:endParaRPr lang="en-US" dirty="0"/>
+          </a:p>
+        </p:txBody>
+      </p:sp>
+      <p:cxnSp>
+        <p:nvCxnSpPr>
+          <p:cNvPr id="105" name="Straight Connector 104">
+            <a:extLst>
+              <a:ext uri="{FF2B5EF4-FFF2-40B4-BE49-F238E27FC236}">
+                <a16:creationId xmlns:a16="http://schemas.microsoft.com/office/drawing/2014/main" id="{EEA3461E-8010-EBBB-DC8B-C09C08FF1615}"/>
+              </a:ext>
+            </a:extLst>
+          </p:cNvPr>
+          <p:cNvCxnSpPr>
+            <a:cxnSpLocks/>
+            <a:stCxn id="76" idx="2"/>
+            <a:endCxn id="77" idx="0"/>
+          </p:cNvCxnSpPr>
+          <p:nvPr/>
+        </p:nvCxnSpPr>
+        <p:spPr>
+          <a:xfrm>
+            <a:off x="3805596" y="4775562"/>
+            <a:ext cx="380308" cy="456428"/>
+          </a:xfrm>
+          <a:prstGeom prst="line">
+            <a:avLst/>
+          </a:prstGeom>
+          <a:ln w="41275">
+            <a:solidFill>
+              <a:schemeClr val="tx1"/>
+            </a:solidFill>
+            <a:tailEnd type="none"/>
+          </a:ln>
+        </p:spPr>
+        <p:style>
+          <a:lnRef idx="1">
+            <a:schemeClr val="accent1"/>
+          </a:lnRef>
+          <a:fillRef idx="0">
+            <a:schemeClr val="accent1"/>
+          </a:fillRef>
+          <a:effectRef idx="0">
+            <a:schemeClr val="accent1"/>
+          </a:effectRef>
+          <a:fontRef idx="minor">
+            <a:schemeClr val="tx1"/>
+          </a:fontRef>
+        </p:style>
+      </p:cxnSp>
+      <p:cxnSp>
+        <p:nvCxnSpPr>
+          <p:cNvPr id="107" name="Straight Connector 106">
+            <a:extLst>
+              <a:ext uri="{FF2B5EF4-FFF2-40B4-BE49-F238E27FC236}">
+                <a16:creationId xmlns:a16="http://schemas.microsoft.com/office/drawing/2014/main" id="{A801DE95-B69E-B874-AB7E-1AB304BDF3BC}"/>
+              </a:ext>
+            </a:extLst>
+          </p:cNvPr>
+          <p:cNvCxnSpPr>
+            <a:cxnSpLocks/>
+            <a:stCxn id="77" idx="2"/>
+            <a:endCxn id="78" idx="0"/>
+          </p:cNvCxnSpPr>
+          <p:nvPr/>
+        </p:nvCxnSpPr>
+        <p:spPr>
+          <a:xfrm flipV="1">
+            <a:off x="5577824" y="4786779"/>
+            <a:ext cx="380033" cy="445211"/>
+          </a:xfrm>
+          <a:prstGeom prst="line">
+            <a:avLst/>
+          </a:prstGeom>
+          <a:ln w="41275">
+            <a:solidFill>
+              <a:schemeClr val="tx1"/>
+            </a:solidFill>
+            <a:tailEnd type="none"/>
+          </a:ln>
+        </p:spPr>
+        <p:style>
+          <a:lnRef idx="1">
+            <a:schemeClr val="accent1"/>
+          </a:lnRef>
+          <a:fillRef idx="0">
+            <a:schemeClr val="accent1"/>
+          </a:fillRef>
+          <a:effectRef idx="0">
+            <a:schemeClr val="accent1"/>
+          </a:effectRef>
+          <a:fontRef idx="minor">
+            <a:schemeClr val="tx1"/>
+          </a:fontRef>
+        </p:style>
+      </p:cxnSp>
+      <p:cxnSp>
+        <p:nvCxnSpPr>
+          <p:cNvPr id="110" name="Straight Connector 109">
+            <a:extLst>
+              <a:ext uri="{FF2B5EF4-FFF2-40B4-BE49-F238E27FC236}">
+                <a16:creationId xmlns:a16="http://schemas.microsoft.com/office/drawing/2014/main" id="{76A52CFD-6BBF-4609-CCCA-2F4903148B37}"/>
+              </a:ext>
+            </a:extLst>
+          </p:cNvPr>
+          <p:cNvCxnSpPr>
+            <a:cxnSpLocks/>
+            <a:stCxn id="78" idx="2"/>
+            <a:endCxn id="79" idx="0"/>
+          </p:cNvCxnSpPr>
+          <p:nvPr/>
+        </p:nvCxnSpPr>
+        <p:spPr>
+          <a:xfrm>
+            <a:off x="7349777" y="4786779"/>
+            <a:ext cx="403752" cy="680086"/>
+          </a:xfrm>
+          <a:prstGeom prst="line">
+            <a:avLst/>
+          </a:prstGeom>
+          <a:ln w="41275">
+            <a:solidFill>
+              <a:schemeClr val="tx1"/>
+            </a:solidFill>
+            <a:tailEnd type="none"/>
+          </a:ln>
+        </p:spPr>
+        <p:style>
+          <a:lnRef idx="1">
+            <a:schemeClr val="accent1"/>
+          </a:lnRef>
+          <a:fillRef idx="0">
+            <a:schemeClr val="accent1"/>
+          </a:fillRef>
+          <a:effectRef idx="0">
+            <a:schemeClr val="accent1"/>
+          </a:effectRef>
+          <a:fontRef idx="minor">
+            <a:schemeClr val="tx1"/>
+          </a:fontRef>
+        </p:style>
+      </p:cxnSp>
+      <p:cxnSp>
+        <p:nvCxnSpPr>
+          <p:cNvPr id="113" name="Straight Connector 112">
+            <a:extLst>
+              <a:ext uri="{FF2B5EF4-FFF2-40B4-BE49-F238E27FC236}">
+                <a16:creationId xmlns:a16="http://schemas.microsoft.com/office/drawing/2014/main" id="{94B51A9A-83F1-A210-5F3A-1316B4BD5589}"/>
+              </a:ext>
+            </a:extLst>
+          </p:cNvPr>
+          <p:cNvCxnSpPr>
+            <a:cxnSpLocks/>
+            <a:stCxn id="79" idx="2"/>
+            <a:endCxn id="101" idx="0"/>
+          </p:cNvCxnSpPr>
+          <p:nvPr/>
+        </p:nvCxnSpPr>
+        <p:spPr>
+          <a:xfrm>
+            <a:off x="9145449" y="5466865"/>
+            <a:ext cx="490734" cy="19496"/>
+          </a:xfrm>
+          <a:prstGeom prst="line">
+            <a:avLst/>
+          </a:prstGeom>
+          <a:ln w="41275">
+            <a:solidFill>
+              <a:schemeClr val="tx1"/>
+            </a:solidFill>
+            <a:tailEnd type="none"/>
+          </a:ln>
+        </p:spPr>
+        <p:style>
+          <a:lnRef idx="1">
+            <a:schemeClr val="accent1"/>
+          </a:lnRef>
+          <a:fillRef idx="0">
+            <a:schemeClr val="accent1"/>
+          </a:fillRef>
+          <a:effectRef idx="0">
+            <a:schemeClr val="accent1"/>
+          </a:effectRef>
+          <a:fontRef idx="minor">
+            <a:schemeClr val="tx1"/>
+          </a:fontRef>
+        </p:style>
+      </p:cxnSp>
+      <p:cxnSp>
+        <p:nvCxnSpPr>
+          <p:cNvPr id="117" name="Straight Connector 116">
+            <a:extLst>
+              <a:ext uri="{FF2B5EF4-FFF2-40B4-BE49-F238E27FC236}">
+                <a16:creationId xmlns:a16="http://schemas.microsoft.com/office/drawing/2014/main" id="{C7BE8080-940D-FF40-FC3D-A8C8CE577CD3}"/>
+              </a:ext>
+            </a:extLst>
+          </p:cNvPr>
+          <p:cNvCxnSpPr>
+            <a:cxnSpLocks/>
+            <a:endCxn id="48" idx="0"/>
+          </p:cNvCxnSpPr>
+          <p:nvPr/>
+        </p:nvCxnSpPr>
+        <p:spPr>
+          <a:xfrm>
+            <a:off x="11013330" y="5471900"/>
+            <a:ext cx="360863" cy="786218"/>
+          </a:xfrm>
+          <a:prstGeom prst="line">
+            <a:avLst/>
+          </a:prstGeom>
+          <a:ln w="41275">
+            <a:solidFill>
+              <a:schemeClr val="tx1"/>
+            </a:solidFill>
+            <a:tailEnd type="triangle"/>
+          </a:ln>
+        </p:spPr>
+        <p:style>
+          <a:lnRef idx="1">
+            <a:schemeClr val="accent1"/>
+          </a:lnRef>
+          <a:fillRef idx="0">
+            <a:schemeClr val="accent1"/>
+          </a:fillRef>
+          <a:effectRef idx="0">
+            <a:schemeClr val="accent1"/>
+          </a:effectRef>
+          <a:fontRef idx="minor">
+            <a:schemeClr val="tx1"/>
+          </a:fontRef>
+        </p:style>
+      </p:cxnSp>
+      <p:sp>
+        <p:nvSpPr>
+          <p:cNvPr id="120" name="TextBox 119">
+            <a:extLst>
+              <a:ext uri="{FF2B5EF4-FFF2-40B4-BE49-F238E27FC236}">
+                <a16:creationId xmlns:a16="http://schemas.microsoft.com/office/drawing/2014/main" id="{655D234D-04C6-76A5-D01B-03872A399927}"/>
+              </a:ext>
+            </a:extLst>
+          </p:cNvPr>
+          <p:cNvSpPr txBox="1"/>
+          <p:nvPr/>
+        </p:nvSpPr>
+        <p:spPr>
+          <a:xfrm rot="16200000">
+            <a:off x="1506154" y="3734715"/>
+            <a:ext cx="610462" cy="276999"/>
+          </a:xfrm>
+          <a:prstGeom prst="rect">
+            <a:avLst/>
+          </a:prstGeom>
+          <a:noFill/>
+        </p:spPr>
+        <p:txBody>
+          <a:bodyPr wrap="square" rtlCol="0">
+            <a:spAutoFit/>
+          </a:bodyPr>
+          <a:lstStyle/>
+          <a:p>
+            <a:r>
+              <a:rPr lang="en-US" sz="1200" dirty="0"/>
+              <a:t>52/12 </a:t>
+            </a:r>
+          </a:p>
+        </p:txBody>
+      </p:sp>
+      <p:sp>
+        <p:nvSpPr>
+          <p:cNvPr id="121" name="TextBox 120">
+            <a:extLst>
+              <a:ext uri="{FF2B5EF4-FFF2-40B4-BE49-F238E27FC236}">
+                <a16:creationId xmlns:a16="http://schemas.microsoft.com/office/drawing/2014/main" id="{F307C998-0604-FDE4-16F2-0C6C271DEF54}"/>
+              </a:ext>
+            </a:extLst>
+          </p:cNvPr>
+          <p:cNvSpPr txBox="1"/>
+          <p:nvPr/>
+        </p:nvSpPr>
+        <p:spPr>
+          <a:xfrm rot="16200000">
+            <a:off x="1490868" y="4059598"/>
+            <a:ext cx="597794" cy="276999"/>
+          </a:xfrm>
+          <a:prstGeom prst="rect">
+            <a:avLst/>
+          </a:prstGeom>
+          <a:noFill/>
+        </p:spPr>
+        <p:txBody>
+          <a:bodyPr wrap="square" rtlCol="0">
+            <a:spAutoFit/>
+          </a:bodyPr>
+          <a:lstStyle/>
+          <a:p>
+            <a:r>
+              <a:rPr lang="en-US" sz="1200" dirty="0"/>
+              <a:t>va</a:t>
+            </a:r>
+            <a:r>
+              <a:rPr lang="en-US" sz="1200" baseline="-25000" dirty="0"/>
+              <a:t>0</a:t>
+            </a:r>
+            <a:endParaRPr lang="en-US" sz="1200" dirty="0"/>
+          </a:p>
+        </p:txBody>
+      </p:sp>
+      <p:cxnSp>
+        <p:nvCxnSpPr>
+          <p:cNvPr id="124" name="Straight Connector 123">
+            <a:extLst>
+              <a:ext uri="{FF2B5EF4-FFF2-40B4-BE49-F238E27FC236}">
+                <a16:creationId xmlns:a16="http://schemas.microsoft.com/office/drawing/2014/main" id="{911280D4-FEB5-4E71-59B4-61DE149F7F2C}"/>
+              </a:ext>
+            </a:extLst>
+          </p:cNvPr>
+          <p:cNvCxnSpPr>
+            <a:cxnSpLocks/>
+          </p:cNvCxnSpPr>
+          <p:nvPr/>
+        </p:nvCxnSpPr>
+        <p:spPr>
+          <a:xfrm flipH="1">
+            <a:off x="6096000" y="3296173"/>
+            <a:ext cx="1018180" cy="17187"/>
+          </a:xfrm>
+          <a:prstGeom prst="line">
+            <a:avLst/>
+          </a:prstGeom>
+          <a:ln w="41275">
+            <a:solidFill>
+              <a:srgbClr val="FF0000"/>
+            </a:solidFill>
+          </a:ln>
+        </p:spPr>
+        <p:style>
+          <a:lnRef idx="1">
+            <a:schemeClr val="accent1"/>
+          </a:lnRef>
+          <a:fillRef idx="0">
+            <a:schemeClr val="accent1"/>
+          </a:fillRef>
+          <a:effectRef idx="0">
+            <a:schemeClr val="accent1"/>
+          </a:effectRef>
+          <a:fontRef idx="minor">
+            <a:schemeClr val="tx1"/>
+          </a:fontRef>
+        </p:style>
+      </p:cxnSp>
+      <p:cxnSp>
+        <p:nvCxnSpPr>
+          <p:cNvPr id="126" name="Straight Connector 125">
+            <a:extLst>
+              <a:ext uri="{FF2B5EF4-FFF2-40B4-BE49-F238E27FC236}">
+                <a16:creationId xmlns:a16="http://schemas.microsoft.com/office/drawing/2014/main" id="{72696739-AF68-264D-175C-686A43D0E2AB}"/>
+              </a:ext>
+            </a:extLst>
+          </p:cNvPr>
+          <p:cNvCxnSpPr>
+            <a:cxnSpLocks/>
+          </p:cNvCxnSpPr>
+          <p:nvPr/>
+        </p:nvCxnSpPr>
+        <p:spPr>
+          <a:xfrm>
+            <a:off x="6104709" y="3294123"/>
+            <a:ext cx="0" cy="413199"/>
+          </a:xfrm>
+          <a:prstGeom prst="line">
+            <a:avLst/>
+          </a:prstGeom>
+          <a:ln w="41275">
+            <a:solidFill>
+              <a:srgbClr val="FF0000"/>
+            </a:solidFill>
+          </a:ln>
+        </p:spPr>
+        <p:style>
+          <a:lnRef idx="1">
+            <a:schemeClr val="accent1"/>
+          </a:lnRef>
+          <a:fillRef idx="0">
+            <a:schemeClr val="accent1"/>
+          </a:fillRef>
+          <a:effectRef idx="0">
+            <a:schemeClr val="accent1"/>
+          </a:effectRef>
+          <a:fontRef idx="minor">
+            <a:schemeClr val="tx1"/>
+          </a:fontRef>
+        </p:style>
+      </p:cxnSp>
+      <p:cxnSp>
+        <p:nvCxnSpPr>
+          <p:cNvPr id="130" name="Straight Connector 129">
+            <a:extLst>
+              <a:ext uri="{FF2B5EF4-FFF2-40B4-BE49-F238E27FC236}">
+                <a16:creationId xmlns:a16="http://schemas.microsoft.com/office/drawing/2014/main" id="{0D3B60EF-AA27-D285-E886-6816AD535282}"/>
+              </a:ext>
+            </a:extLst>
+          </p:cNvPr>
+          <p:cNvCxnSpPr>
+            <a:cxnSpLocks/>
+          </p:cNvCxnSpPr>
+          <p:nvPr/>
+        </p:nvCxnSpPr>
+        <p:spPr>
+          <a:xfrm flipH="1" flipV="1">
+            <a:off x="2092651" y="3695617"/>
+            <a:ext cx="4012058" cy="11705"/>
+          </a:xfrm>
+          <a:prstGeom prst="line">
+            <a:avLst/>
+          </a:prstGeom>
+          <a:ln w="41275">
+            <a:solidFill>
+              <a:srgbClr val="FF0000"/>
+            </a:solidFill>
+          </a:ln>
+        </p:spPr>
+        <p:style>
+          <a:lnRef idx="1">
+            <a:schemeClr val="accent1"/>
+          </a:lnRef>
+          <a:fillRef idx="0">
+            <a:schemeClr val="accent1"/>
+          </a:fillRef>
+          <a:effectRef idx="0">
+            <a:schemeClr val="accent1"/>
+          </a:effectRef>
+          <a:fontRef idx="minor">
+            <a:schemeClr val="tx1"/>
+          </a:fontRef>
+        </p:style>
+      </p:cxnSp>
+      <p:cxnSp>
+        <p:nvCxnSpPr>
+          <p:cNvPr id="133" name="Straight Connector 132">
+            <a:extLst>
+              <a:ext uri="{FF2B5EF4-FFF2-40B4-BE49-F238E27FC236}">
+                <a16:creationId xmlns:a16="http://schemas.microsoft.com/office/drawing/2014/main" id="{72D0BF17-F09F-BFB6-5BBE-3419E984E37F}"/>
+              </a:ext>
+            </a:extLst>
+          </p:cNvPr>
+          <p:cNvCxnSpPr>
+            <a:cxnSpLocks/>
+          </p:cNvCxnSpPr>
+          <p:nvPr/>
+        </p:nvCxnSpPr>
+        <p:spPr>
+          <a:xfrm flipH="1">
+            <a:off x="2067215" y="3695549"/>
+            <a:ext cx="25436" cy="1955982"/>
+          </a:xfrm>
+          <a:prstGeom prst="line">
+            <a:avLst/>
+          </a:prstGeom>
+          <a:ln w="41275">
+            <a:solidFill>
+              <a:srgbClr val="FF0000"/>
+            </a:solidFill>
+          </a:ln>
+        </p:spPr>
+        <p:style>
+          <a:lnRef idx="1">
+            <a:schemeClr val="accent1"/>
+          </a:lnRef>
+          <a:fillRef idx="0">
+            <a:schemeClr val="accent1"/>
+          </a:fillRef>
+          <a:effectRef idx="0">
+            <a:schemeClr val="accent1"/>
+          </a:effectRef>
+          <a:fontRef idx="minor">
+            <a:schemeClr val="tx1"/>
+          </a:fontRef>
+        </p:style>
+      </p:cxnSp>
+      <p:cxnSp>
+        <p:nvCxnSpPr>
+          <p:cNvPr id="137" name="Straight Connector 136">
+            <a:extLst>
+              <a:ext uri="{FF2B5EF4-FFF2-40B4-BE49-F238E27FC236}">
+                <a16:creationId xmlns:a16="http://schemas.microsoft.com/office/drawing/2014/main" id="{B6079658-E932-5635-AF27-CBC6C8372D18}"/>
+              </a:ext>
+            </a:extLst>
+          </p:cNvPr>
+          <p:cNvCxnSpPr>
+            <a:cxnSpLocks/>
+          </p:cNvCxnSpPr>
+          <p:nvPr/>
+        </p:nvCxnSpPr>
+        <p:spPr>
+          <a:xfrm flipV="1">
+            <a:off x="2067214" y="5413753"/>
+            <a:ext cx="337753" cy="237778"/>
+          </a:xfrm>
+          <a:prstGeom prst="line">
+            <a:avLst/>
+          </a:prstGeom>
+          <a:ln w="41275">
+            <a:solidFill>
+              <a:srgbClr val="FF0000"/>
+            </a:solidFill>
+          </a:ln>
+        </p:spPr>
+        <p:style>
+          <a:lnRef idx="1">
+            <a:schemeClr val="accent1"/>
+          </a:lnRef>
+          <a:fillRef idx="0">
+            <a:schemeClr val="accent1"/>
+          </a:fillRef>
+          <a:effectRef idx="0">
+            <a:schemeClr val="accent1"/>
+          </a:effectRef>
+          <a:fontRef idx="minor">
+            <a:schemeClr val="tx1"/>
+          </a:fontRef>
+        </p:style>
+      </p:cxnSp>
+      <p:sp>
+        <p:nvSpPr>
+          <p:cNvPr id="141" name="TextBox 140">
+            <a:extLst>
+              <a:ext uri="{FF2B5EF4-FFF2-40B4-BE49-F238E27FC236}">
+                <a16:creationId xmlns:a16="http://schemas.microsoft.com/office/drawing/2014/main" id="{7A18C4D9-EB47-5A1D-05BB-B63DE51731BB}"/>
+              </a:ext>
+            </a:extLst>
+          </p:cNvPr>
+          <p:cNvSpPr txBox="1"/>
+          <p:nvPr/>
+        </p:nvSpPr>
+        <p:spPr>
+          <a:xfrm>
+            <a:off x="2694686" y="5232216"/>
+            <a:ext cx="789885" cy="369332"/>
+          </a:xfrm>
+          <a:prstGeom prst="rect">
+            <a:avLst/>
+          </a:prstGeom>
+          <a:noFill/>
+        </p:spPr>
+        <p:txBody>
+          <a:bodyPr wrap="square" rtlCol="0">
+            <a:spAutoFit/>
+          </a:bodyPr>
+          <a:lstStyle/>
+          <a:p>
+            <a:r>
+              <a:rPr lang="en-US" dirty="0">
+                <a:solidFill>
+                  <a:srgbClr val="FF0000"/>
+                </a:solidFill>
+              </a:rPr>
+              <a:t>ptel4e</a:t>
+            </a:r>
+          </a:p>
+        </p:txBody>
+      </p:sp>
+      <p:sp>
+        <p:nvSpPr>
+          <p:cNvPr id="142" name="Alternate Process 141">
+            <a:extLst>
+              <a:ext uri="{FF2B5EF4-FFF2-40B4-BE49-F238E27FC236}">
+                <a16:creationId xmlns:a16="http://schemas.microsoft.com/office/drawing/2014/main" id="{D2C02A63-A38F-2F81-D46E-D259DEBFFE16}"/>
+              </a:ext>
+            </a:extLst>
+          </p:cNvPr>
+          <p:cNvSpPr/>
+          <p:nvPr/>
+        </p:nvSpPr>
+        <p:spPr>
+          <a:xfrm rot="16200000">
+            <a:off x="2919760" y="4739599"/>
+            <a:ext cx="369331" cy="1391920"/>
+          </a:xfrm>
+          <a:prstGeom prst="flowChartAlternateProcess">
+            <a:avLst/>
+          </a:prstGeom>
+          <a:noFill/>
+          <a:ln w="41275">
+            <a:solidFill>
+              <a:srgbClr val="FF0000"/>
+            </a:solidFill>
+          </a:ln>
+        </p:spPr>
+        <p:style>
+          <a:lnRef idx="2">
+            <a:schemeClr val="accent1">
+              <a:shade val="50000"/>
+            </a:schemeClr>
+          </a:lnRef>
+          <a:fillRef idx="1">
+            <a:schemeClr val="accent1"/>
+          </a:fillRef>
+          <a:effectRef idx="0">
+            <a:schemeClr val="accent1"/>
+          </a:effectRef>
+          <a:fontRef idx="minor">
+            <a:schemeClr val="lt1"/>
+          </a:fontRef>
+        </p:style>
+        <p:txBody>
+          <a:bodyPr rtlCol="0" anchor="ctr"/>
+          <a:lstStyle/>
+          <a:p>
+            <a:pPr algn="ctr"/>
+            <a:endParaRPr lang="en-US"/>
+          </a:p>
+        </p:txBody>
+      </p:sp>
+      <p:sp>
+        <p:nvSpPr>
+          <p:cNvPr id="144" name="TextBox 143">
+            <a:extLst>
+              <a:ext uri="{FF2B5EF4-FFF2-40B4-BE49-F238E27FC236}">
+                <a16:creationId xmlns:a16="http://schemas.microsoft.com/office/drawing/2014/main" id="{00113C85-BE91-DA83-8CDD-ABCC9ECF7479}"/>
+              </a:ext>
+            </a:extLst>
+          </p:cNvPr>
+          <p:cNvSpPr txBox="1"/>
+          <p:nvPr/>
+        </p:nvSpPr>
+        <p:spPr>
+          <a:xfrm>
+            <a:off x="4466883" y="4539879"/>
+            <a:ext cx="789885" cy="369332"/>
+          </a:xfrm>
+          <a:prstGeom prst="rect">
+            <a:avLst/>
+          </a:prstGeom>
+          <a:noFill/>
+        </p:spPr>
+        <p:txBody>
+          <a:bodyPr wrap="square" rtlCol="0">
+            <a:spAutoFit/>
+          </a:bodyPr>
+          <a:lstStyle/>
+          <a:p>
+            <a:r>
+              <a:rPr lang="en-US" dirty="0">
+                <a:solidFill>
+                  <a:srgbClr val="FF0000"/>
+                </a:solidFill>
+              </a:rPr>
+              <a:t>ptel3e</a:t>
+            </a:r>
+          </a:p>
+        </p:txBody>
+      </p:sp>
+      <p:sp>
+        <p:nvSpPr>
+          <p:cNvPr id="145" name="Alternate Process 144">
+            <a:extLst>
+              <a:ext uri="{FF2B5EF4-FFF2-40B4-BE49-F238E27FC236}">
+                <a16:creationId xmlns:a16="http://schemas.microsoft.com/office/drawing/2014/main" id="{FE4E6A07-78FE-5071-00C6-458FEB12ABFD}"/>
+              </a:ext>
+            </a:extLst>
+          </p:cNvPr>
+          <p:cNvSpPr/>
+          <p:nvPr/>
+        </p:nvSpPr>
+        <p:spPr>
+          <a:xfrm rot="16200000">
+            <a:off x="4691957" y="4047262"/>
+            <a:ext cx="369331" cy="1391920"/>
+          </a:xfrm>
+          <a:prstGeom prst="flowChartAlternateProcess">
+            <a:avLst/>
+          </a:prstGeom>
+          <a:noFill/>
+          <a:ln w="41275">
+            <a:solidFill>
+              <a:srgbClr val="FF0000"/>
+            </a:solidFill>
+          </a:ln>
+        </p:spPr>
+        <p:style>
+          <a:lnRef idx="2">
+            <a:schemeClr val="accent1">
+              <a:shade val="50000"/>
+            </a:schemeClr>
+          </a:lnRef>
+          <a:fillRef idx="1">
+            <a:schemeClr val="accent1"/>
+          </a:fillRef>
+          <a:effectRef idx="0">
+            <a:schemeClr val="accent1"/>
+          </a:effectRef>
+          <a:fontRef idx="minor">
+            <a:schemeClr val="lt1"/>
+          </a:fontRef>
+        </p:style>
+        <p:txBody>
+          <a:bodyPr rtlCol="0" anchor="ctr"/>
+          <a:lstStyle/>
+          <a:p>
+            <a:pPr algn="ctr"/>
+            <a:endParaRPr lang="en-US"/>
+          </a:p>
+        </p:txBody>
+      </p:sp>
+      <p:sp>
+        <p:nvSpPr>
+          <p:cNvPr id="146" name="TextBox 145">
+            <a:extLst>
+              <a:ext uri="{FF2B5EF4-FFF2-40B4-BE49-F238E27FC236}">
+                <a16:creationId xmlns:a16="http://schemas.microsoft.com/office/drawing/2014/main" id="{DFD6D8D4-627B-395B-9619-361EB42D9744}"/>
+              </a:ext>
+            </a:extLst>
+          </p:cNvPr>
+          <p:cNvSpPr txBox="1"/>
+          <p:nvPr/>
+        </p:nvSpPr>
+        <p:spPr>
+          <a:xfrm>
+            <a:off x="6234732" y="5219151"/>
+            <a:ext cx="789885" cy="369332"/>
+          </a:xfrm>
+          <a:prstGeom prst="rect">
+            <a:avLst/>
+          </a:prstGeom>
+          <a:noFill/>
+        </p:spPr>
+        <p:txBody>
+          <a:bodyPr wrap="square" rtlCol="0">
+            <a:spAutoFit/>
+          </a:bodyPr>
+          <a:lstStyle/>
+          <a:p>
+            <a:r>
+              <a:rPr lang="en-US" dirty="0">
+                <a:solidFill>
+                  <a:srgbClr val="FF0000"/>
+                </a:solidFill>
+              </a:rPr>
+              <a:t>ptel2e</a:t>
+            </a:r>
+          </a:p>
+        </p:txBody>
+      </p:sp>
+      <p:sp>
+        <p:nvSpPr>
+          <p:cNvPr id="147" name="Alternate Process 146">
+            <a:extLst>
+              <a:ext uri="{FF2B5EF4-FFF2-40B4-BE49-F238E27FC236}">
+                <a16:creationId xmlns:a16="http://schemas.microsoft.com/office/drawing/2014/main" id="{679B7BA7-CC5B-D156-58E6-C1C166B36E54}"/>
+              </a:ext>
+            </a:extLst>
+          </p:cNvPr>
+          <p:cNvSpPr/>
+          <p:nvPr/>
+        </p:nvSpPr>
+        <p:spPr>
+          <a:xfrm rot="16200000">
+            <a:off x="6459806" y="4726534"/>
+            <a:ext cx="369331" cy="1391920"/>
+          </a:xfrm>
+          <a:prstGeom prst="flowChartAlternateProcess">
+            <a:avLst/>
+          </a:prstGeom>
+          <a:noFill/>
+          <a:ln w="41275">
+            <a:solidFill>
+              <a:srgbClr val="FF0000"/>
+            </a:solidFill>
+          </a:ln>
+        </p:spPr>
+        <p:style>
+          <a:lnRef idx="2">
+            <a:schemeClr val="accent1">
+              <a:shade val="50000"/>
+            </a:schemeClr>
+          </a:lnRef>
+          <a:fillRef idx="1">
+            <a:schemeClr val="accent1"/>
+          </a:fillRef>
+          <a:effectRef idx="0">
+            <a:schemeClr val="accent1"/>
+          </a:effectRef>
+          <a:fontRef idx="minor">
+            <a:schemeClr val="lt1"/>
+          </a:fontRef>
+        </p:style>
+        <p:txBody>
+          <a:bodyPr rtlCol="0" anchor="ctr"/>
+          <a:lstStyle/>
+          <a:p>
+            <a:pPr algn="ctr"/>
+            <a:endParaRPr lang="en-US"/>
+          </a:p>
+        </p:txBody>
+      </p:sp>
+      <p:cxnSp>
+        <p:nvCxnSpPr>
+          <p:cNvPr id="153" name="Straight Connector 152">
+            <a:extLst>
+              <a:ext uri="{FF2B5EF4-FFF2-40B4-BE49-F238E27FC236}">
+                <a16:creationId xmlns:a16="http://schemas.microsoft.com/office/drawing/2014/main" id="{212F1103-3B17-BBA7-A377-C6CF1E61269B}"/>
+              </a:ext>
+            </a:extLst>
+          </p:cNvPr>
+          <p:cNvCxnSpPr>
+            <a:cxnSpLocks/>
+            <a:endCxn id="145" idx="0"/>
+          </p:cNvCxnSpPr>
+          <p:nvPr/>
+        </p:nvCxnSpPr>
+        <p:spPr>
+          <a:xfrm flipV="1">
+            <a:off x="3778447" y="4743222"/>
+            <a:ext cx="402216" cy="701733"/>
+          </a:xfrm>
+          <a:prstGeom prst="line">
+            <a:avLst/>
+          </a:prstGeom>
+          <a:ln w="41275">
+            <a:solidFill>
+              <a:srgbClr val="FF0000"/>
+            </a:solidFill>
+          </a:ln>
+        </p:spPr>
+        <p:style>
+          <a:lnRef idx="1">
+            <a:schemeClr val="accent1"/>
+          </a:lnRef>
+          <a:fillRef idx="0">
+            <a:schemeClr val="accent1"/>
+          </a:fillRef>
+          <a:effectRef idx="0">
+            <a:schemeClr val="accent1"/>
+          </a:effectRef>
+          <a:fontRef idx="minor">
+            <a:schemeClr val="tx1"/>
+          </a:fontRef>
+        </p:style>
+      </p:cxnSp>
+      <p:cxnSp>
+        <p:nvCxnSpPr>
+          <p:cNvPr id="155" name="Straight Connector 154">
+            <a:extLst>
+              <a:ext uri="{FF2B5EF4-FFF2-40B4-BE49-F238E27FC236}">
+                <a16:creationId xmlns:a16="http://schemas.microsoft.com/office/drawing/2014/main" id="{AF1F65FC-2DDE-3C6C-2644-B71E1D201568}"/>
+              </a:ext>
+            </a:extLst>
+          </p:cNvPr>
+          <p:cNvCxnSpPr>
+            <a:cxnSpLocks/>
+            <a:stCxn id="147" idx="0"/>
+          </p:cNvCxnSpPr>
+          <p:nvPr/>
+        </p:nvCxnSpPr>
+        <p:spPr>
+          <a:xfrm flipH="1" flipV="1">
+            <a:off x="5577522" y="4720761"/>
+            <a:ext cx="370990" cy="701733"/>
+          </a:xfrm>
+          <a:prstGeom prst="line">
+            <a:avLst/>
+          </a:prstGeom>
+          <a:ln w="41275">
+            <a:solidFill>
+              <a:srgbClr val="FF0000"/>
+            </a:solidFill>
+          </a:ln>
+        </p:spPr>
+        <p:style>
+          <a:lnRef idx="1">
+            <a:schemeClr val="accent1"/>
+          </a:lnRef>
+          <a:fillRef idx="0">
+            <a:schemeClr val="accent1"/>
+          </a:fillRef>
+          <a:effectRef idx="0">
+            <a:schemeClr val="accent1"/>
+          </a:effectRef>
+          <a:fontRef idx="minor">
+            <a:schemeClr val="tx1"/>
+          </a:fontRef>
+        </p:style>
+      </p:cxnSp>
+      <p:cxnSp>
+        <p:nvCxnSpPr>
+          <p:cNvPr id="158" name="Straight Connector 157">
+            <a:extLst>
+              <a:ext uri="{FF2B5EF4-FFF2-40B4-BE49-F238E27FC236}">
+                <a16:creationId xmlns:a16="http://schemas.microsoft.com/office/drawing/2014/main" id="{F67E1AFA-FD88-D8C0-20B0-957FC1F6A8B5}"/>
+              </a:ext>
+            </a:extLst>
+          </p:cNvPr>
+          <p:cNvCxnSpPr>
+            <a:cxnSpLocks/>
+          </p:cNvCxnSpPr>
+          <p:nvPr/>
+        </p:nvCxnSpPr>
+        <p:spPr>
+          <a:xfrm flipH="1">
+            <a:off x="7340129" y="4673540"/>
+            <a:ext cx="399120" cy="740213"/>
+          </a:xfrm>
+          <a:prstGeom prst="line">
+            <a:avLst/>
+          </a:prstGeom>
+          <a:ln w="41275">
+            <a:solidFill>
+              <a:srgbClr val="FF0000"/>
+            </a:solidFill>
+          </a:ln>
+        </p:spPr>
+        <p:style>
+          <a:lnRef idx="1">
+            <a:schemeClr val="accent1"/>
+          </a:lnRef>
+          <a:fillRef idx="0">
+            <a:schemeClr val="accent1"/>
+          </a:fillRef>
+          <a:effectRef idx="0">
+            <a:schemeClr val="accent1"/>
+          </a:effectRef>
+          <a:fontRef idx="minor">
+            <a:schemeClr val="tx1"/>
+          </a:fontRef>
+        </p:style>
+      </p:cxnSp>
+      <p:sp>
+        <p:nvSpPr>
+          <p:cNvPr id="161" name="Alternate Process 160">
+            <a:extLst>
+              <a:ext uri="{FF2B5EF4-FFF2-40B4-BE49-F238E27FC236}">
+                <a16:creationId xmlns:a16="http://schemas.microsoft.com/office/drawing/2014/main" id="{11B91489-4670-2F5B-C48F-0F7931E4909C}"/>
+              </a:ext>
+            </a:extLst>
+          </p:cNvPr>
+          <p:cNvSpPr/>
+          <p:nvPr/>
+        </p:nvSpPr>
+        <p:spPr>
+          <a:xfrm rot="16200000">
+            <a:off x="8258124" y="4034198"/>
+            <a:ext cx="369331" cy="1391920"/>
+          </a:xfrm>
+          <a:prstGeom prst="flowChartAlternateProcess">
+            <a:avLst/>
+          </a:prstGeom>
+          <a:noFill/>
+          <a:ln w="41275">
+            <a:solidFill>
+              <a:srgbClr val="FF0000"/>
+            </a:solidFill>
+          </a:ln>
+        </p:spPr>
+        <p:style>
+          <a:lnRef idx="2">
+            <a:schemeClr val="accent1">
+              <a:shade val="50000"/>
+            </a:schemeClr>
+          </a:lnRef>
+          <a:fillRef idx="1">
+            <a:schemeClr val="accent1"/>
+          </a:fillRef>
+          <a:effectRef idx="0">
+            <a:schemeClr val="accent1"/>
+          </a:effectRef>
+          <a:fontRef idx="minor">
+            <a:schemeClr val="lt1"/>
+          </a:fontRef>
+        </p:style>
+        <p:txBody>
+          <a:bodyPr rtlCol="0" anchor="ctr"/>
+          <a:lstStyle/>
+          <a:p>
+            <a:pPr algn="ctr"/>
+            <a:endParaRPr lang="en-US"/>
+          </a:p>
+        </p:txBody>
+      </p:sp>
+      <p:sp>
+        <p:nvSpPr>
+          <p:cNvPr id="163" name="TextBox 162">
+            <a:extLst>
+              <a:ext uri="{FF2B5EF4-FFF2-40B4-BE49-F238E27FC236}">
+                <a16:creationId xmlns:a16="http://schemas.microsoft.com/office/drawing/2014/main" id="{33753048-FBDB-9D11-3354-BE883767BE62}"/>
+              </a:ext>
+            </a:extLst>
+          </p:cNvPr>
+          <p:cNvSpPr txBox="1"/>
+          <p:nvPr/>
+        </p:nvSpPr>
+        <p:spPr>
+          <a:xfrm>
+            <a:off x="8054544" y="4527107"/>
+            <a:ext cx="789885" cy="369332"/>
+          </a:xfrm>
+          <a:prstGeom prst="rect">
+            <a:avLst/>
+          </a:prstGeom>
+          <a:noFill/>
+        </p:spPr>
+        <p:txBody>
+          <a:bodyPr wrap="square" rtlCol="0">
+            <a:spAutoFit/>
+          </a:bodyPr>
+          <a:lstStyle/>
+          <a:p>
+            <a:r>
+              <a:rPr lang="en-US" dirty="0">
+                <a:solidFill>
+                  <a:srgbClr val="FF0000"/>
+                </a:solidFill>
+              </a:rPr>
+              <a:t>ptel1e</a:t>
+            </a:r>
+          </a:p>
+        </p:txBody>
+      </p:sp>
+      <p:sp>
+        <p:nvSpPr>
+          <p:cNvPr id="164" name="TextBox 163">
+            <a:extLst>
+              <a:ext uri="{FF2B5EF4-FFF2-40B4-BE49-F238E27FC236}">
+                <a16:creationId xmlns:a16="http://schemas.microsoft.com/office/drawing/2014/main" id="{37599419-CC94-8CEA-C2A6-F0EC8D184936}"/>
+              </a:ext>
+            </a:extLst>
+          </p:cNvPr>
+          <p:cNvSpPr txBox="1"/>
+          <p:nvPr/>
+        </p:nvSpPr>
+        <p:spPr>
+          <a:xfrm>
+            <a:off x="7318489" y="3117443"/>
+            <a:ext cx="690061" cy="369332"/>
+          </a:xfrm>
+          <a:prstGeom prst="rect">
+            <a:avLst/>
+          </a:prstGeom>
+          <a:noFill/>
+        </p:spPr>
+        <p:txBody>
+          <a:bodyPr wrap="none" rtlCol="0">
+            <a:spAutoFit/>
+          </a:bodyPr>
+          <a:lstStyle/>
+          <a:p>
+            <a:r>
+              <a:rPr lang="en-US" dirty="0" err="1">
+                <a:solidFill>
+                  <a:srgbClr val="FF0000"/>
+                </a:solidFill>
+              </a:rPr>
+              <a:t>vnew</a:t>
+            </a:r>
+            <a:endParaRPr lang="en-US" dirty="0">
+              <a:solidFill>
+                <a:srgbClr val="FF0000"/>
+              </a:solidFill>
+            </a:endParaRPr>
+          </a:p>
+        </p:txBody>
+      </p:sp>
+      <p:sp>
+        <p:nvSpPr>
+          <p:cNvPr id="168" name="TextBox 167">
+            <a:extLst>
+              <a:ext uri="{FF2B5EF4-FFF2-40B4-BE49-F238E27FC236}">
+                <a16:creationId xmlns:a16="http://schemas.microsoft.com/office/drawing/2014/main" id="{FF600CD7-879F-96CD-3DAB-9BF3ED15E1DE}"/>
+              </a:ext>
+            </a:extLst>
+          </p:cNvPr>
+          <p:cNvSpPr txBox="1"/>
+          <p:nvPr/>
+        </p:nvSpPr>
+        <p:spPr>
+          <a:xfrm rot="16200000">
+            <a:off x="1580170" y="4836351"/>
+            <a:ext cx="610462" cy="276999"/>
+          </a:xfrm>
+          <a:prstGeom prst="rect">
+            <a:avLst/>
+          </a:prstGeom>
+          <a:noFill/>
+        </p:spPr>
+        <p:txBody>
+          <a:bodyPr wrap="square" rtlCol="0">
+            <a:spAutoFit/>
+          </a:bodyPr>
+          <a:lstStyle/>
+          <a:p>
+            <a:r>
+              <a:rPr lang="en-US" sz="1200" dirty="0">
+                <a:solidFill>
+                  <a:srgbClr val="FF0000"/>
+                </a:solidFill>
+              </a:rPr>
+              <a:t>52/12 </a:t>
+            </a:r>
+          </a:p>
+        </p:txBody>
+      </p:sp>
+      <p:sp>
+        <p:nvSpPr>
+          <p:cNvPr id="169" name="TextBox 168">
+            <a:extLst>
+              <a:ext uri="{FF2B5EF4-FFF2-40B4-BE49-F238E27FC236}">
+                <a16:creationId xmlns:a16="http://schemas.microsoft.com/office/drawing/2014/main" id="{178F7409-EE5E-0755-4807-641F66D77F1E}"/>
+              </a:ext>
+            </a:extLst>
+          </p:cNvPr>
+          <p:cNvSpPr txBox="1"/>
+          <p:nvPr/>
+        </p:nvSpPr>
+        <p:spPr>
+          <a:xfrm rot="16200000">
+            <a:off x="1573593" y="5317990"/>
+            <a:ext cx="597794" cy="276999"/>
+          </a:xfrm>
+          <a:prstGeom prst="rect">
+            <a:avLst/>
+          </a:prstGeom>
+          <a:noFill/>
+        </p:spPr>
+        <p:txBody>
+          <a:bodyPr wrap="square" rtlCol="0">
+            <a:spAutoFit/>
+          </a:bodyPr>
+          <a:lstStyle/>
+          <a:p>
+            <a:r>
+              <a:rPr lang="en-US" sz="1200" dirty="0" err="1">
+                <a:solidFill>
+                  <a:srgbClr val="FF0000"/>
+                </a:solidFill>
+              </a:rPr>
+              <a:t>vanew</a:t>
+            </a:r>
+            <a:endParaRPr lang="en-US" sz="1200" dirty="0">
+              <a:solidFill>
+                <a:srgbClr val="FF0000"/>
+              </a:solidFill>
+            </a:endParaRPr>
+          </a:p>
+        </p:txBody>
+      </p:sp>
       <p:pic>
         <p:nvPicPr>
-          <p:cNvPr id="10" name="Picture 9" descr="Text, letter&#10;&#10;Description automatically generated">
-            <a:extLst>
-              <a:ext uri="{FF2B5EF4-FFF2-40B4-BE49-F238E27FC236}">
-                <a16:creationId xmlns:a16="http://schemas.microsoft.com/office/drawing/2014/main" id="{0EB949B6-1A35-7EFC-BE38-A7B74506C0C1}"/>
+          <p:cNvPr id="173" name="Picture 172" descr="A black arrow pointing to the right&#10;&#10;Description automatically generated with low confidence">
+            <a:extLst>
+              <a:ext uri="{FF2B5EF4-FFF2-40B4-BE49-F238E27FC236}">
+                <a16:creationId xmlns:a16="http://schemas.microsoft.com/office/drawing/2014/main" id="{AC5A9290-61CF-F446-98F0-89431FB3E347}"/>
               </a:ext>
             </a:extLst>
           </p:cNvPr>
@@ -4673,8 +7629,8 @@
         </p:blipFill>
         <p:spPr>
           <a:xfrm>
-            <a:off x="1150633" y="3075265"/>
-            <a:ext cx="8553677" cy="1452295"/>
+            <a:off x="4020676" y="3167213"/>
+            <a:ext cx="319971" cy="210507"/>
           </a:xfrm>
           <a:prstGeom prst="rect">
             <a:avLst/>
@@ -4683,71 +7639,46 @@
       </p:pic>
       <p:sp>
         <p:nvSpPr>
-          <p:cNvPr id="2" name="Title 1">
-            <a:extLst>
-              <a:ext uri="{FF2B5EF4-FFF2-40B4-BE49-F238E27FC236}">
-                <a16:creationId xmlns:a16="http://schemas.microsoft.com/office/drawing/2014/main" id="{284DB793-5AE9-B6A8-76CE-5A520F686150}"/>
-              </a:ext>
-            </a:extLst>
-          </p:cNvPr>
-          <p:cNvSpPr>
-            <a:spLocks noGrp="1"/>
-          </p:cNvSpPr>
-          <p:nvPr>
-            <p:ph type="title"/>
-          </p:nvPr>
+          <p:cNvPr id="174" name="TextBox 173">
+            <a:extLst>
+              <a:ext uri="{FF2B5EF4-FFF2-40B4-BE49-F238E27FC236}">
+                <a16:creationId xmlns:a16="http://schemas.microsoft.com/office/drawing/2014/main" id="{F69EA203-AAE0-E412-1BDC-7D403AE17316}"/>
+              </a:ext>
+            </a:extLst>
+          </p:cNvPr>
+          <p:cNvSpPr txBox="1"/>
+          <p:nvPr/>
         </p:nvSpPr>
         <p:spPr>
           <a:xfrm>
-            <a:off x="274320" y="365125"/>
-            <a:ext cx="11846560" cy="1325563"/>
-          </a:xfrm>
-        </p:spPr>
-        <p:txBody>
-          <a:bodyPr/>
+            <a:off x="4289313" y="3048818"/>
+            <a:ext cx="451248" cy="369332"/>
+          </a:xfrm>
+          <a:prstGeom prst="rect">
+            <a:avLst/>
+          </a:prstGeom>
+          <a:noFill/>
+        </p:spPr>
+        <p:txBody>
+          <a:bodyPr wrap="square" rtlCol="0">
+            <a:spAutoFit/>
+          </a:bodyPr>
           <a:lstStyle/>
           <a:p>
             <a:r>
-              <a:rPr lang="en-US" dirty="0"/>
-              <a:t>Program Logic: Sharing under Page-Table Update</a:t>
-            </a:r>
-          </a:p>
-        </p:txBody>
-      </p:sp>
-      <p:sp>
-        <p:nvSpPr>
-          <p:cNvPr id="3" name="Content Placeholder 2">
-            <a:extLst>
-              <a:ext uri="{FF2B5EF4-FFF2-40B4-BE49-F238E27FC236}">
-                <a16:creationId xmlns:a16="http://schemas.microsoft.com/office/drawing/2014/main" id="{9FF1F8C8-7199-2E31-B355-11262FAAF4F5}"/>
-              </a:ext>
-            </a:extLst>
-          </p:cNvPr>
-          <p:cNvSpPr>
-            <a:spLocks noGrp="1"/>
-          </p:cNvSpPr>
-          <p:nvPr>
-            <p:ph idx="1"/>
-          </p:nvPr>
-        </p:nvSpPr>
-        <p:spPr/>
-        <p:txBody>
-          <a:bodyPr/>
-          <a:lstStyle/>
-          <a:p>
-            <a:r>
-              <a:rPr lang="en-US" dirty="0"/>
-              <a:t>Adding a new page requires an update to L1 table</a:t>
-            </a:r>
-          </a:p>
-        </p:txBody>
-      </p:sp>
-      <p:sp>
-        <p:nvSpPr>
-          <p:cNvPr id="7" name="Oval 6">
-            <a:extLst>
-              <a:ext uri="{FF2B5EF4-FFF2-40B4-BE49-F238E27FC236}">
-                <a16:creationId xmlns:a16="http://schemas.microsoft.com/office/drawing/2014/main" id="{129A6321-2269-3D61-0AEB-FFC845CC678C}"/>
+              <a:rPr lang="en-US" dirty="0" err="1"/>
+              <a:t>pg</a:t>
+            </a:r>
+            <a:endParaRPr lang="en-US" dirty="0"/>
+          </a:p>
+        </p:txBody>
+      </p:sp>
+      <p:sp>
+        <p:nvSpPr>
+          <p:cNvPr id="175" name="Oval Callout 174">
+            <a:extLst>
+              <a:ext uri="{FF2B5EF4-FFF2-40B4-BE49-F238E27FC236}">
+                <a16:creationId xmlns:a16="http://schemas.microsoft.com/office/drawing/2014/main" id="{8E38B795-277C-EC71-8644-3C3294701564}"/>
               </a:ext>
             </a:extLst>
           </p:cNvPr>
@@ -4756,13 +7687,21 @@
         </p:nvSpPr>
         <p:spPr>
           <a:xfrm>
-            <a:off x="838200" y="4185920"/>
-            <a:ext cx="5582920" cy="326947"/>
-          </a:xfrm>
-          <a:prstGeom prst="ellipse">
-            <a:avLst/>
+            <a:off x="2413434" y="1237775"/>
+            <a:ext cx="4611161" cy="1833463"/>
+          </a:xfrm>
+          <a:prstGeom prst="wedgeEllipseCallout">
+            <a:avLst>
+              <a:gd name="adj1" fmla="val -56905"/>
+              <a:gd name="adj2" fmla="val 60924"/>
+            </a:avLst>
           </a:prstGeom>
           <a:noFill/>
+          <a:ln w="22225">
+            <a:solidFill>
+              <a:schemeClr val="tx1"/>
+            </a:solidFill>
+          </a:ln>
         </p:spPr>
         <p:style>
           <a:lnRef idx="2">
@@ -4785,76 +7724,30 @@
           <a:lstStyle/>
           <a:p>
             <a:pPr algn="ctr"/>
-            <a:endParaRPr lang="en-US"/>
-          </a:p>
-        </p:txBody>
-      </p:sp>
-      <p:sp>
-        <p:nvSpPr>
-          <p:cNvPr id="8" name="Oval Callout 7">
-            <a:extLst>
-              <a:ext uri="{FF2B5EF4-FFF2-40B4-BE49-F238E27FC236}">
-                <a16:creationId xmlns:a16="http://schemas.microsoft.com/office/drawing/2014/main" id="{AEB7DF88-F2A7-7F1D-072B-EEC78F596AFD}"/>
-              </a:ext>
-            </a:extLst>
-          </p:cNvPr>
-          <p:cNvSpPr/>
+            <a:endParaRPr lang="en-US">
+              <a:solidFill>
+                <a:schemeClr val="tx1"/>
+              </a:solidFill>
+            </a:endParaRPr>
+          </a:p>
+        </p:txBody>
+      </p:sp>
+      <p:sp>
+        <p:nvSpPr>
+          <p:cNvPr id="176" name="TextBox 175">
+            <a:extLst>
+              <a:ext uri="{FF2B5EF4-FFF2-40B4-BE49-F238E27FC236}">
+                <a16:creationId xmlns:a16="http://schemas.microsoft.com/office/drawing/2014/main" id="{BB52A5A4-0034-EFD0-655F-F0828C85D7A9}"/>
+              </a:ext>
+            </a:extLst>
+          </p:cNvPr>
+          <p:cNvSpPr txBox="1"/>
           <p:nvPr/>
         </p:nvSpPr>
         <p:spPr>
           <a:xfrm>
-            <a:off x="6733553" y="4002944"/>
-            <a:ext cx="5011901" cy="2882900"/>
-          </a:xfrm>
-          <a:prstGeom prst="wedgeEllipseCallout">
-            <a:avLst>
-              <a:gd name="adj1" fmla="val -81777"/>
-              <a:gd name="adj2" fmla="val -32556"/>
-            </a:avLst>
-          </a:prstGeom>
-          <a:noFill/>
-        </p:spPr>
-        <p:style>
-          <a:lnRef idx="2">
-            <a:schemeClr val="accent1">
-              <a:shade val="50000"/>
-            </a:schemeClr>
-          </a:lnRef>
-          <a:fillRef idx="1">
-            <a:schemeClr val="accent1"/>
-          </a:fillRef>
-          <a:effectRef idx="0">
-            <a:schemeClr val="accent1"/>
-          </a:effectRef>
-          <a:fontRef idx="minor">
-            <a:schemeClr val="lt1"/>
-          </a:fontRef>
-        </p:style>
-        <p:txBody>
-          <a:bodyPr rtlCol="0" anchor="ctr"/>
-          <a:lstStyle/>
-          <a:p>
-            <a:pPr algn="ctr"/>
-            <a:endParaRPr lang="en-US"/>
-          </a:p>
-        </p:txBody>
-      </p:sp>
-      <p:sp>
-        <p:nvSpPr>
-          <p:cNvPr id="9" name="TextBox 8">
-            <a:extLst>
-              <a:ext uri="{FF2B5EF4-FFF2-40B4-BE49-F238E27FC236}">
-                <a16:creationId xmlns:a16="http://schemas.microsoft.com/office/drawing/2014/main" id="{25E76388-490D-6008-D377-D65953C85663}"/>
-              </a:ext>
-            </a:extLst>
-          </p:cNvPr>
-          <p:cNvSpPr txBox="1"/>
-          <p:nvPr/>
-        </p:nvSpPr>
-        <p:spPr>
-          <a:xfrm>
-            <a:off x="7255762" y="4558835"/>
-            <a:ext cx="4098037" cy="1200329"/>
+            <a:off x="3282134" y="1437325"/>
+            <a:ext cx="3156018" cy="1200329"/>
           </a:xfrm>
           <a:prstGeom prst="rect">
             <a:avLst/>
@@ -4868,91 +7761,35 @@
           <a:lstStyle/>
           <a:p>
             <a:r>
+              <a:rPr lang="en-US" dirty="0" err="1"/>
+              <a:t>Opss</a:t>
+            </a:r>
+            <a:r>
               <a:rPr lang="en-US" dirty="0"/>
-              <a:t>Oops! L1 Table is updated! </a:t>
-            </a:r>
-          </a:p>
-          <a:p>
+              <a:t>! The tables are no longer the ones va</a:t>
+            </a:r>
+            <a:r>
+              <a:rPr lang="en-US" baseline="-25000" dirty="0"/>
+              <a:t>0</a:t>
+            </a:r>
             <a:r>
               <a:rPr lang="en-US" dirty="0"/>
-              <a:t>This would make all virtual-points-to defined in terms of physical points-table-points-</a:t>
-            </a:r>
-            <a:r>
-              <a:rPr lang="en-US" dirty="0" err="1"/>
-              <a:t>tos</a:t>
+              <a:t>  know! Invalid L4_L1 path for va</a:t>
+            </a:r>
+            <a:r>
+              <a:rPr lang="en-US" baseline="-25000" dirty="0"/>
+              <a:t>0 </a:t>
             </a:r>
             <a:r>
               <a:rPr lang="en-US" dirty="0"/>
-              <a:t> </a:t>
-            </a:r>
-            <a:r>
-              <a:rPr lang="en-US" b="1" i="1" dirty="0"/>
-              <a:t>unsound!</a:t>
-            </a:r>
+              <a:t>!</a:t>
+            </a:r>
+          </a:p>
+          <a:p>
             <a:endParaRPr lang="en-US" dirty="0"/>
           </a:p>
         </p:txBody>
       </p:sp>
-      <p:pic>
-        <p:nvPicPr>
-          <p:cNvPr id="11" name="Picture 10">
-            <a:extLst>
-              <a:ext uri="{FF2B5EF4-FFF2-40B4-BE49-F238E27FC236}">
-                <a16:creationId xmlns:a16="http://schemas.microsoft.com/office/drawing/2014/main" id="{FD704CBA-00DD-4136-50DB-2AB05AEE939B}"/>
-              </a:ext>
-            </a:extLst>
-          </p:cNvPr>
-          <p:cNvPicPr>
-            <a:picLocks noChangeAspect="1"/>
-          </p:cNvPicPr>
-          <p:nvPr/>
-        </p:nvPicPr>
-        <p:blipFill>
-          <a:blip r:embed="rId4"/>
-          <a:stretch>
-            <a:fillRect/>
-          </a:stretch>
-        </p:blipFill>
-        <p:spPr>
-          <a:xfrm>
-            <a:off x="834390" y="2696750"/>
-            <a:ext cx="6553200" cy="317500"/>
-          </a:xfrm>
-          <a:prstGeom prst="rect">
-            <a:avLst/>
-          </a:prstGeom>
-        </p:spPr>
-      </p:pic>
-      <p:pic>
-        <p:nvPicPr>
-          <p:cNvPr id="12" name="Picture 11">
-            <a:extLst>
-              <a:ext uri="{FF2B5EF4-FFF2-40B4-BE49-F238E27FC236}">
-                <a16:creationId xmlns:a16="http://schemas.microsoft.com/office/drawing/2014/main" id="{1D26CC3E-683B-5F43-23E6-65E19E98F131}"/>
-              </a:ext>
-            </a:extLst>
-          </p:cNvPr>
-          <p:cNvPicPr>
-            <a:picLocks noChangeAspect="1"/>
-          </p:cNvPicPr>
-          <p:nvPr/>
-        </p:nvPicPr>
-        <p:blipFill>
-          <a:blip r:embed="rId5"/>
-          <a:stretch>
-            <a:fillRect/>
-          </a:stretch>
-        </p:blipFill>
-        <p:spPr>
-          <a:xfrm>
-            <a:off x="7255763" y="2690654"/>
-            <a:ext cx="254000" cy="304800"/>
-          </a:xfrm>
-          <a:prstGeom prst="rect">
-            <a:avLst/>
-          </a:prstGeom>
-        </p:spPr>
-      </p:pic>
     </p:spTree>
     <p:extLst>
       <p:ext uri="{BB962C8B-B14F-4D97-AF65-F5344CB8AC3E}">
@@ -4975,6 +7812,9 @@
                     <p:cTn id="3" fill="hold">
                       <p:stCondLst>
                         <p:cond delay="indefinite"/>
+                        <p:cond evt="onBegin" delay="0">
+                          <p:tn val="2"/>
+                        </p:cond>
                       </p:stCondLst>
                       <p:childTnLst>
                         <p:par>
@@ -4984,7 +7824,7 @@
                             </p:stCondLst>
                             <p:childTnLst>
                               <p:par>
-                                <p:cTn id="5" presetID="1" presetClass="entr" presetSubtype="0" fill="hold" grpId="0" nodeType="clickEffect">
+                                <p:cTn id="5" presetID="1" presetClass="entr" presetSubtype="0" fill="hold" grpId="0" nodeType="withEffect">
                                   <p:stCondLst>
                                     <p:cond delay="0"/>
                                   </p:stCondLst>
@@ -4997,7 +7837,1222 @@
                                           </p:stCondLst>
                                         </p:cTn>
                                         <p:tgtEl>
-                                          <p:spTgt spid="7"/>
+                                          <p:spTgt spid="57"/>
+                                        </p:tgtEl>
+                                        <p:attrNameLst>
+                                          <p:attrName>style.visibility</p:attrName>
+                                        </p:attrNameLst>
+                                      </p:cBhvr>
+                                      <p:to>
+                                        <p:strVal val="visible"/>
+                                      </p:to>
+                                    </p:set>
+                                  </p:childTnLst>
+                                </p:cTn>
+                              </p:par>
+                              <p:par>
+                                <p:cTn id="7" presetID="1" presetClass="entr" presetSubtype="0" fill="hold" nodeType="withEffect">
+                                  <p:stCondLst>
+                                    <p:cond delay="0"/>
+                                  </p:stCondLst>
+                                  <p:childTnLst>
+                                    <p:set>
+                                      <p:cBhvr>
+                                        <p:cTn id="8" dur="1" fill="hold">
+                                          <p:stCondLst>
+                                            <p:cond delay="0"/>
+                                          </p:stCondLst>
+                                        </p:cTn>
+                                        <p:tgtEl>
+                                          <p:spTgt spid="31"/>
+                                        </p:tgtEl>
+                                        <p:attrNameLst>
+                                          <p:attrName>style.visibility</p:attrName>
+                                        </p:attrNameLst>
+                                      </p:cBhvr>
+                                      <p:to>
+                                        <p:strVal val="visible"/>
+                                      </p:to>
+                                    </p:set>
+                                  </p:childTnLst>
+                                </p:cTn>
+                              </p:par>
+                              <p:par>
+                                <p:cTn id="9" presetID="1" presetClass="entr" presetSubtype="0" fill="hold" grpId="0" nodeType="withEffect">
+                                  <p:stCondLst>
+                                    <p:cond delay="0"/>
+                                  </p:stCondLst>
+                                  <p:childTnLst>
+                                    <p:set>
+                                      <p:cBhvr>
+                                        <p:cTn id="10" dur="1" fill="hold">
+                                          <p:stCondLst>
+                                            <p:cond delay="0"/>
+                                          </p:stCondLst>
+                                        </p:cTn>
+                                        <p:tgtEl>
+                                          <p:spTgt spid="66"/>
+                                        </p:tgtEl>
+                                        <p:attrNameLst>
+                                          <p:attrName>style.visibility</p:attrName>
+                                        </p:attrNameLst>
+                                      </p:cBhvr>
+                                      <p:to>
+                                        <p:strVal val="visible"/>
+                                      </p:to>
+                                    </p:set>
+                                  </p:childTnLst>
+                                </p:cTn>
+                              </p:par>
+                              <p:par>
+                                <p:cTn id="11" presetID="1" presetClass="entr" presetSubtype="0" fill="hold" grpId="0" nodeType="withEffect">
+                                  <p:stCondLst>
+                                    <p:cond delay="0"/>
+                                  </p:stCondLst>
+                                  <p:childTnLst>
+                                    <p:set>
+                                      <p:cBhvr>
+                                        <p:cTn id="12" dur="1" fill="hold">
+                                          <p:stCondLst>
+                                            <p:cond delay="0"/>
+                                          </p:stCondLst>
+                                        </p:cTn>
+                                        <p:tgtEl>
+                                          <p:spTgt spid="30"/>
+                                        </p:tgtEl>
+                                        <p:attrNameLst>
+                                          <p:attrName>style.visibility</p:attrName>
+                                        </p:attrNameLst>
+                                      </p:cBhvr>
+                                      <p:to>
+                                        <p:strVal val="visible"/>
+                                      </p:to>
+                                    </p:set>
+                                  </p:childTnLst>
+                                </p:cTn>
+                              </p:par>
+                              <p:par>
+                                <p:cTn id="13" presetID="1" presetClass="entr" presetSubtype="0" fill="hold" grpId="1" nodeType="withEffect">
+                                  <p:stCondLst>
+                                    <p:cond delay="0"/>
+                                  </p:stCondLst>
+                                  <p:childTnLst>
+                                    <p:set>
+                                      <p:cBhvr>
+                                        <p:cTn id="14" dur="1" fill="hold">
+                                          <p:stCondLst>
+                                            <p:cond delay="0"/>
+                                          </p:stCondLst>
+                                        </p:cTn>
+                                        <p:tgtEl>
+                                          <p:spTgt spid="57"/>
+                                        </p:tgtEl>
+                                        <p:attrNameLst>
+                                          <p:attrName>style.visibility</p:attrName>
+                                        </p:attrNameLst>
+                                      </p:cBhvr>
+                                      <p:to>
+                                        <p:strVal val="visible"/>
+                                      </p:to>
+                                    </p:set>
+                                  </p:childTnLst>
+                                </p:cTn>
+                              </p:par>
+                              <p:par>
+                                <p:cTn id="15" presetID="1" presetClass="entr" presetSubtype="0" fill="hold" grpId="0" nodeType="withEffect">
+                                  <p:stCondLst>
+                                    <p:cond delay="0"/>
+                                  </p:stCondLst>
+                                  <p:childTnLst>
+                                    <p:set>
+                                      <p:cBhvr>
+                                        <p:cTn id="16" dur="1" fill="hold">
+                                          <p:stCondLst>
+                                            <p:cond delay="0"/>
+                                          </p:stCondLst>
+                                        </p:cTn>
+                                        <p:tgtEl>
+                                          <p:spTgt spid="120"/>
+                                        </p:tgtEl>
+                                        <p:attrNameLst>
+                                          <p:attrName>style.visibility</p:attrName>
+                                        </p:attrNameLst>
+                                      </p:cBhvr>
+                                      <p:to>
+                                        <p:strVal val="visible"/>
+                                      </p:to>
+                                    </p:set>
+                                  </p:childTnLst>
+                                </p:cTn>
+                              </p:par>
+                              <p:par>
+                                <p:cTn id="17" presetID="1" presetClass="entr" presetSubtype="0" fill="hold" grpId="0" nodeType="withEffect">
+                                  <p:stCondLst>
+                                    <p:cond delay="0"/>
+                                  </p:stCondLst>
+                                  <p:childTnLst>
+                                    <p:set>
+                                      <p:cBhvr>
+                                        <p:cTn id="18" dur="1" fill="hold">
+                                          <p:stCondLst>
+                                            <p:cond delay="0"/>
+                                          </p:stCondLst>
+                                        </p:cTn>
+                                        <p:tgtEl>
+                                          <p:spTgt spid="121"/>
+                                        </p:tgtEl>
+                                        <p:attrNameLst>
+                                          <p:attrName>style.visibility</p:attrName>
+                                        </p:attrNameLst>
+                                      </p:cBhvr>
+                                      <p:to>
+                                        <p:strVal val="visible"/>
+                                      </p:to>
+                                    </p:set>
+                                  </p:childTnLst>
+                                </p:cTn>
+                              </p:par>
+                              <p:par>
+                                <p:cTn id="19" presetID="1" presetClass="entr" presetSubtype="0" fill="hold" nodeType="withEffect">
+                                  <p:stCondLst>
+                                    <p:cond delay="0"/>
+                                  </p:stCondLst>
+                                  <p:childTnLst>
+                                    <p:set>
+                                      <p:cBhvr>
+                                        <p:cTn id="20" dur="1" fill="hold">
+                                          <p:stCondLst>
+                                            <p:cond delay="0"/>
+                                          </p:stCondLst>
+                                        </p:cTn>
+                                        <p:tgtEl>
+                                          <p:spTgt spid="83"/>
+                                        </p:tgtEl>
+                                        <p:attrNameLst>
+                                          <p:attrName>style.visibility</p:attrName>
+                                        </p:attrNameLst>
+                                      </p:cBhvr>
+                                      <p:to>
+                                        <p:strVal val="visible"/>
+                                      </p:to>
+                                    </p:set>
+                                  </p:childTnLst>
+                                </p:cTn>
+                              </p:par>
+                              <p:par>
+                                <p:cTn id="21" presetID="1" presetClass="entr" presetSubtype="0" fill="hold" grpId="0" nodeType="withEffect">
+                                  <p:stCondLst>
+                                    <p:cond delay="0"/>
+                                  </p:stCondLst>
+                                  <p:childTnLst>
+                                    <p:set>
+                                      <p:cBhvr>
+                                        <p:cTn id="22" dur="1" fill="hold">
+                                          <p:stCondLst>
+                                            <p:cond delay="0"/>
+                                          </p:stCondLst>
+                                        </p:cTn>
+                                        <p:tgtEl>
+                                          <p:spTgt spid="36"/>
+                                        </p:tgtEl>
+                                        <p:attrNameLst>
+                                          <p:attrName>style.visibility</p:attrName>
+                                        </p:attrNameLst>
+                                      </p:cBhvr>
+                                      <p:to>
+                                        <p:strVal val="visible"/>
+                                      </p:to>
+                                    </p:set>
+                                  </p:childTnLst>
+                                </p:cTn>
+                              </p:par>
+                              <p:par>
+                                <p:cTn id="23" presetID="1" presetClass="entr" presetSubtype="0" fill="hold" nodeType="withEffect">
+                                  <p:stCondLst>
+                                    <p:cond delay="0"/>
+                                  </p:stCondLst>
+                                  <p:childTnLst>
+                                    <p:set>
+                                      <p:cBhvr>
+                                        <p:cTn id="24" dur="1" fill="hold">
+                                          <p:stCondLst>
+                                            <p:cond delay="0"/>
+                                          </p:stCondLst>
+                                        </p:cTn>
+                                        <p:tgtEl>
+                                          <p:spTgt spid="173"/>
+                                        </p:tgtEl>
+                                        <p:attrNameLst>
+                                          <p:attrName>style.visibility</p:attrName>
+                                        </p:attrNameLst>
+                                      </p:cBhvr>
+                                      <p:to>
+                                        <p:strVal val="visible"/>
+                                      </p:to>
+                                    </p:set>
+                                  </p:childTnLst>
+                                </p:cTn>
+                              </p:par>
+                              <p:par>
+                                <p:cTn id="25" presetID="1" presetClass="entr" presetSubtype="0" fill="hold" grpId="0" nodeType="withEffect">
+                                  <p:stCondLst>
+                                    <p:cond delay="0"/>
+                                  </p:stCondLst>
+                                  <p:childTnLst>
+                                    <p:set>
+                                      <p:cBhvr>
+                                        <p:cTn id="26" dur="1" fill="hold">
+                                          <p:stCondLst>
+                                            <p:cond delay="0"/>
+                                          </p:stCondLst>
+                                        </p:cTn>
+                                        <p:tgtEl>
+                                          <p:spTgt spid="174"/>
+                                        </p:tgtEl>
+                                        <p:attrNameLst>
+                                          <p:attrName>style.visibility</p:attrName>
+                                        </p:attrNameLst>
+                                      </p:cBhvr>
+                                      <p:to>
+                                        <p:strVal val="visible"/>
+                                      </p:to>
+                                    </p:set>
+                                  </p:childTnLst>
+                                </p:cTn>
+                              </p:par>
+                              <p:par>
+                                <p:cTn id="27" presetID="1" presetClass="entr" presetSubtype="0" fill="hold" grpId="0" nodeType="withEffect">
+                                  <p:stCondLst>
+                                    <p:cond delay="0"/>
+                                  </p:stCondLst>
+                                  <p:childTnLst>
+                                    <p:set>
+                                      <p:cBhvr>
+                                        <p:cTn id="28" dur="1" fill="hold">
+                                          <p:stCondLst>
+                                            <p:cond delay="0"/>
+                                          </p:stCondLst>
+                                        </p:cTn>
+                                        <p:tgtEl>
+                                          <p:spTgt spid="33"/>
+                                        </p:tgtEl>
+                                        <p:attrNameLst>
+                                          <p:attrName>style.visibility</p:attrName>
+                                        </p:attrNameLst>
+                                      </p:cBhvr>
+                                      <p:to>
+                                        <p:strVal val="visible"/>
+                                      </p:to>
+                                    </p:set>
+                                  </p:childTnLst>
+                                </p:cTn>
+                              </p:par>
+                              <p:par>
+                                <p:cTn id="29" presetID="1" presetClass="entr" presetSubtype="0" fill="hold" nodeType="withEffect">
+                                  <p:stCondLst>
+                                    <p:cond delay="0"/>
+                                  </p:stCondLst>
+                                  <p:childTnLst>
+                                    <p:set>
+                                      <p:cBhvr>
+                                        <p:cTn id="30" dur="1" fill="hold">
+                                          <p:stCondLst>
+                                            <p:cond delay="0"/>
+                                          </p:stCondLst>
+                                        </p:cTn>
+                                        <p:tgtEl>
+                                          <p:spTgt spid="87"/>
+                                        </p:tgtEl>
+                                        <p:attrNameLst>
+                                          <p:attrName>style.visibility</p:attrName>
+                                        </p:attrNameLst>
+                                      </p:cBhvr>
+                                      <p:to>
+                                        <p:strVal val="visible"/>
+                                      </p:to>
+                                    </p:set>
+                                  </p:childTnLst>
+                                </p:cTn>
+                              </p:par>
+                              <p:par>
+                                <p:cTn id="31" presetID="1" presetClass="entr" presetSubtype="0" fill="hold" nodeType="withEffect">
+                                  <p:stCondLst>
+                                    <p:cond delay="0"/>
+                                  </p:stCondLst>
+                                  <p:childTnLst>
+                                    <p:set>
+                                      <p:cBhvr>
+                                        <p:cTn id="32" dur="1" fill="hold">
+                                          <p:stCondLst>
+                                            <p:cond delay="0"/>
+                                          </p:stCondLst>
+                                        </p:cTn>
+                                        <p:tgtEl>
+                                          <p:spTgt spid="84"/>
+                                        </p:tgtEl>
+                                        <p:attrNameLst>
+                                          <p:attrName>style.visibility</p:attrName>
+                                        </p:attrNameLst>
+                                      </p:cBhvr>
+                                      <p:to>
+                                        <p:strVal val="visible"/>
+                                      </p:to>
+                                    </p:set>
+                                  </p:childTnLst>
+                                </p:cTn>
+                              </p:par>
+                              <p:par>
+                                <p:cTn id="33" presetID="1" presetClass="entr" presetSubtype="0" fill="hold" nodeType="withEffect">
+                                  <p:stCondLst>
+                                    <p:cond delay="0"/>
+                                  </p:stCondLst>
+                                  <p:childTnLst>
+                                    <p:set>
+                                      <p:cBhvr>
+                                        <p:cTn id="34" dur="1" fill="hold">
+                                          <p:stCondLst>
+                                            <p:cond delay="0"/>
+                                          </p:stCondLst>
+                                        </p:cTn>
+                                        <p:tgtEl>
+                                          <p:spTgt spid="105"/>
+                                        </p:tgtEl>
+                                        <p:attrNameLst>
+                                          <p:attrName>style.visibility</p:attrName>
+                                        </p:attrNameLst>
+                                      </p:cBhvr>
+                                      <p:to>
+                                        <p:strVal val="visible"/>
+                                      </p:to>
+                                    </p:set>
+                                  </p:childTnLst>
+                                </p:cTn>
+                              </p:par>
+                              <p:par>
+                                <p:cTn id="35" presetID="1" presetClass="entr" presetSubtype="0" fill="hold" grpId="0" nodeType="withEffect">
+                                  <p:stCondLst>
+                                    <p:cond delay="0"/>
+                                  </p:stCondLst>
+                                  <p:childTnLst>
+                                    <p:set>
+                                      <p:cBhvr>
+                                        <p:cTn id="36" dur="1" fill="hold">
+                                          <p:stCondLst>
+                                            <p:cond delay="0"/>
+                                          </p:stCondLst>
+                                        </p:cTn>
+                                        <p:tgtEl>
+                                          <p:spTgt spid="92"/>
+                                        </p:tgtEl>
+                                        <p:attrNameLst>
+                                          <p:attrName>style.visibility</p:attrName>
+                                        </p:attrNameLst>
+                                      </p:cBhvr>
+                                      <p:to>
+                                        <p:strVal val="visible"/>
+                                      </p:to>
+                                    </p:set>
+                                  </p:childTnLst>
+                                </p:cTn>
+                              </p:par>
+                              <p:par>
+                                <p:cTn id="37" presetID="1" presetClass="entr" presetSubtype="0" fill="hold" grpId="0" nodeType="withEffect">
+                                  <p:stCondLst>
+                                    <p:cond delay="0"/>
+                                  </p:stCondLst>
+                                  <p:childTnLst>
+                                    <p:set>
+                                      <p:cBhvr>
+                                        <p:cTn id="38" dur="1" fill="hold">
+                                          <p:stCondLst>
+                                            <p:cond delay="0"/>
+                                          </p:stCondLst>
+                                        </p:cTn>
+                                        <p:tgtEl>
+                                          <p:spTgt spid="76"/>
+                                        </p:tgtEl>
+                                        <p:attrNameLst>
+                                          <p:attrName>style.visibility</p:attrName>
+                                        </p:attrNameLst>
+                                      </p:cBhvr>
+                                      <p:to>
+                                        <p:strVal val="visible"/>
+                                      </p:to>
+                                    </p:set>
+                                  </p:childTnLst>
+                                </p:cTn>
+                              </p:par>
+                              <p:par>
+                                <p:cTn id="39" presetID="1" presetClass="entr" presetSubtype="0" fill="hold" grpId="0" nodeType="withEffect">
+                                  <p:stCondLst>
+                                    <p:cond delay="0"/>
+                                  </p:stCondLst>
+                                  <p:childTnLst>
+                                    <p:set>
+                                      <p:cBhvr>
+                                        <p:cTn id="40" dur="1" fill="hold">
+                                          <p:stCondLst>
+                                            <p:cond delay="0"/>
+                                          </p:stCondLst>
+                                        </p:cTn>
+                                        <p:tgtEl>
+                                          <p:spTgt spid="61"/>
+                                        </p:tgtEl>
+                                        <p:attrNameLst>
+                                          <p:attrName>style.visibility</p:attrName>
+                                        </p:attrNameLst>
+                                      </p:cBhvr>
+                                      <p:to>
+                                        <p:strVal val="visible"/>
+                                      </p:to>
+                                    </p:set>
+                                  </p:childTnLst>
+                                </p:cTn>
+                              </p:par>
+                              <p:par>
+                                <p:cTn id="41" presetID="1" presetClass="entr" presetSubtype="0" fill="hold" grpId="0" nodeType="withEffect">
+                                  <p:stCondLst>
+                                    <p:cond delay="0"/>
+                                  </p:stCondLst>
+                                  <p:childTnLst>
+                                    <p:set>
+                                      <p:cBhvr>
+                                        <p:cTn id="42" dur="1" fill="hold">
+                                          <p:stCondLst>
+                                            <p:cond delay="0"/>
+                                          </p:stCondLst>
+                                        </p:cTn>
+                                        <p:tgtEl>
+                                          <p:spTgt spid="45"/>
+                                        </p:tgtEl>
+                                        <p:attrNameLst>
+                                          <p:attrName>style.visibility</p:attrName>
+                                        </p:attrNameLst>
+                                      </p:cBhvr>
+                                      <p:to>
+                                        <p:strVal val="visible"/>
+                                      </p:to>
+                                    </p:set>
+                                  </p:childTnLst>
+                                </p:cTn>
+                              </p:par>
+                              <p:par>
+                                <p:cTn id="43" presetID="1" presetClass="entr" presetSubtype="0" fill="hold" grpId="0" nodeType="withEffect">
+                                  <p:stCondLst>
+                                    <p:cond delay="0"/>
+                                  </p:stCondLst>
+                                  <p:childTnLst>
+                                    <p:set>
+                                      <p:cBhvr>
+                                        <p:cTn id="44" dur="1" fill="hold">
+                                          <p:stCondLst>
+                                            <p:cond delay="0"/>
+                                          </p:stCondLst>
+                                        </p:cTn>
+                                        <p:tgtEl>
+                                          <p:spTgt spid="50"/>
+                                        </p:tgtEl>
+                                        <p:attrNameLst>
+                                          <p:attrName>style.visibility</p:attrName>
+                                        </p:attrNameLst>
+                                      </p:cBhvr>
+                                      <p:to>
+                                        <p:strVal val="visible"/>
+                                      </p:to>
+                                    </p:set>
+                                  </p:childTnLst>
+                                </p:cTn>
+                              </p:par>
+                              <p:par>
+                                <p:cTn id="45" presetID="1" presetClass="entr" presetSubtype="0" fill="hold" nodeType="withEffect">
+                                  <p:stCondLst>
+                                    <p:cond delay="0"/>
+                                  </p:stCondLst>
+                                  <p:childTnLst>
+                                    <p:set>
+                                      <p:cBhvr>
+                                        <p:cTn id="46" dur="1" fill="hold">
+                                          <p:stCondLst>
+                                            <p:cond delay="0"/>
+                                          </p:stCondLst>
+                                        </p:cTn>
+                                        <p:tgtEl>
+                                          <p:spTgt spid="40"/>
+                                        </p:tgtEl>
+                                        <p:attrNameLst>
+                                          <p:attrName>style.visibility</p:attrName>
+                                        </p:attrNameLst>
+                                      </p:cBhvr>
+                                      <p:to>
+                                        <p:strVal val="visible"/>
+                                      </p:to>
+                                    </p:set>
+                                  </p:childTnLst>
+                                </p:cTn>
+                              </p:par>
+                              <p:par>
+                                <p:cTn id="47" presetID="1" presetClass="entr" presetSubtype="0" fill="hold" grpId="0" nodeType="withEffect">
+                                  <p:stCondLst>
+                                    <p:cond delay="0"/>
+                                  </p:stCondLst>
+                                  <p:childTnLst>
+                                    <p:set>
+                                      <p:cBhvr>
+                                        <p:cTn id="48" dur="1" fill="hold">
+                                          <p:stCondLst>
+                                            <p:cond delay="0"/>
+                                          </p:stCondLst>
+                                        </p:cTn>
+                                        <p:tgtEl>
+                                          <p:spTgt spid="32"/>
+                                        </p:tgtEl>
+                                        <p:attrNameLst>
+                                          <p:attrName>style.visibility</p:attrName>
+                                        </p:attrNameLst>
+                                      </p:cBhvr>
+                                      <p:to>
+                                        <p:strVal val="visible"/>
+                                      </p:to>
+                                    </p:set>
+                                  </p:childTnLst>
+                                </p:cTn>
+                              </p:par>
+                              <p:par>
+                                <p:cTn id="49" presetID="1" presetClass="entr" presetSubtype="0" fill="hold" grpId="0" nodeType="withEffect">
+                                  <p:stCondLst>
+                                    <p:cond delay="0"/>
+                                  </p:stCondLst>
+                                  <p:childTnLst>
+                                    <p:set>
+                                      <p:cBhvr>
+                                        <p:cTn id="50" dur="1" fill="hold">
+                                          <p:stCondLst>
+                                            <p:cond delay="0"/>
+                                          </p:stCondLst>
+                                        </p:cTn>
+                                        <p:tgtEl>
+                                          <p:spTgt spid="51"/>
+                                        </p:tgtEl>
+                                        <p:attrNameLst>
+                                          <p:attrName>style.visibility</p:attrName>
+                                        </p:attrNameLst>
+                                      </p:cBhvr>
+                                      <p:to>
+                                        <p:strVal val="visible"/>
+                                      </p:to>
+                                    </p:set>
+                                  </p:childTnLst>
+                                </p:cTn>
+                              </p:par>
+                              <p:par>
+                                <p:cTn id="51" presetID="1" presetClass="entr" presetSubtype="0" fill="hold" grpId="0" nodeType="withEffect">
+                                  <p:stCondLst>
+                                    <p:cond delay="0"/>
+                                  </p:stCondLst>
+                                  <p:childTnLst>
+                                    <p:set>
+                                      <p:cBhvr>
+                                        <p:cTn id="52" dur="1" fill="hold">
+                                          <p:stCondLst>
+                                            <p:cond delay="0"/>
+                                          </p:stCondLst>
+                                        </p:cTn>
+                                        <p:tgtEl>
+                                          <p:spTgt spid="42"/>
+                                        </p:tgtEl>
+                                        <p:attrNameLst>
+                                          <p:attrName>style.visibility</p:attrName>
+                                        </p:attrNameLst>
+                                      </p:cBhvr>
+                                      <p:to>
+                                        <p:strVal val="visible"/>
+                                      </p:to>
+                                    </p:set>
+                                  </p:childTnLst>
+                                </p:cTn>
+                              </p:par>
+                              <p:par>
+                                <p:cTn id="53" presetID="1" presetClass="entr" presetSubtype="0" fill="hold" grpId="0" nodeType="withEffect">
+                                  <p:stCondLst>
+                                    <p:cond delay="0"/>
+                                  </p:stCondLst>
+                                  <p:childTnLst>
+                                    <p:set>
+                                      <p:cBhvr>
+                                        <p:cTn id="54" dur="1" fill="hold">
+                                          <p:stCondLst>
+                                            <p:cond delay="0"/>
+                                          </p:stCondLst>
+                                        </p:cTn>
+                                        <p:tgtEl>
+                                          <p:spTgt spid="73"/>
+                                        </p:tgtEl>
+                                        <p:attrNameLst>
+                                          <p:attrName>style.visibility</p:attrName>
+                                        </p:attrNameLst>
+                                      </p:cBhvr>
+                                      <p:to>
+                                        <p:strVal val="visible"/>
+                                      </p:to>
+                                    </p:set>
+                                  </p:childTnLst>
+                                </p:cTn>
+                              </p:par>
+                              <p:par>
+                                <p:cTn id="55" presetID="1" presetClass="entr" presetSubtype="0" fill="hold" grpId="0" nodeType="withEffect">
+                                  <p:stCondLst>
+                                    <p:cond delay="0"/>
+                                  </p:stCondLst>
+                                  <p:childTnLst>
+                                    <p:set>
+                                      <p:cBhvr>
+                                        <p:cTn id="56" dur="1" fill="hold">
+                                          <p:stCondLst>
+                                            <p:cond delay="0"/>
+                                          </p:stCondLst>
+                                        </p:cTn>
+                                        <p:tgtEl>
+                                          <p:spTgt spid="77"/>
+                                        </p:tgtEl>
+                                        <p:attrNameLst>
+                                          <p:attrName>style.visibility</p:attrName>
+                                        </p:attrNameLst>
+                                      </p:cBhvr>
+                                      <p:to>
+                                        <p:strVal val="visible"/>
+                                      </p:to>
+                                    </p:set>
+                                  </p:childTnLst>
+                                </p:cTn>
+                              </p:par>
+                              <p:par>
+                                <p:cTn id="57" presetID="1" presetClass="entr" presetSubtype="0" fill="hold" grpId="0" nodeType="withEffect">
+                                  <p:stCondLst>
+                                    <p:cond delay="0"/>
+                                  </p:stCondLst>
+                                  <p:childTnLst>
+                                    <p:set>
+                                      <p:cBhvr>
+                                        <p:cTn id="58" dur="1" fill="hold">
+                                          <p:stCondLst>
+                                            <p:cond delay="0"/>
+                                          </p:stCondLst>
+                                        </p:cTn>
+                                        <p:tgtEl>
+                                          <p:spTgt spid="93"/>
+                                        </p:tgtEl>
+                                        <p:attrNameLst>
+                                          <p:attrName>style.visibility</p:attrName>
+                                        </p:attrNameLst>
+                                      </p:cBhvr>
+                                      <p:to>
+                                        <p:strVal val="visible"/>
+                                      </p:to>
+                                    </p:set>
+                                  </p:childTnLst>
+                                </p:cTn>
+                              </p:par>
+                              <p:par>
+                                <p:cTn id="59" presetID="1" presetClass="entr" presetSubtype="0" fill="hold" grpId="0" nodeType="withEffect">
+                                  <p:stCondLst>
+                                    <p:cond delay="0"/>
+                                  </p:stCondLst>
+                                  <p:childTnLst>
+                                    <p:set>
+                                      <p:cBhvr>
+                                        <p:cTn id="60" dur="1" fill="hold">
+                                          <p:stCondLst>
+                                            <p:cond delay="0"/>
+                                          </p:stCondLst>
+                                        </p:cTn>
+                                        <p:tgtEl>
+                                          <p:spTgt spid="74"/>
+                                        </p:tgtEl>
+                                        <p:attrNameLst>
+                                          <p:attrName>style.visibility</p:attrName>
+                                        </p:attrNameLst>
+                                      </p:cBhvr>
+                                      <p:to>
+                                        <p:strVal val="visible"/>
+                                      </p:to>
+                                    </p:set>
+                                  </p:childTnLst>
+                                </p:cTn>
+                              </p:par>
+                              <p:par>
+                                <p:cTn id="61" presetID="1" presetClass="entr" presetSubtype="0" fill="hold" grpId="0" nodeType="withEffect">
+                                  <p:stCondLst>
+                                    <p:cond delay="0"/>
+                                  </p:stCondLst>
+                                  <p:childTnLst>
+                                    <p:set>
+                                      <p:cBhvr>
+                                        <p:cTn id="62" dur="1" fill="hold">
+                                          <p:stCondLst>
+                                            <p:cond delay="0"/>
+                                          </p:stCondLst>
+                                        </p:cTn>
+                                        <p:tgtEl>
+                                          <p:spTgt spid="94"/>
+                                        </p:tgtEl>
+                                        <p:attrNameLst>
+                                          <p:attrName>style.visibility</p:attrName>
+                                        </p:attrNameLst>
+                                      </p:cBhvr>
+                                      <p:to>
+                                        <p:strVal val="visible"/>
+                                      </p:to>
+                                    </p:set>
+                                  </p:childTnLst>
+                                </p:cTn>
+                              </p:par>
+                              <p:par>
+                                <p:cTn id="63" presetID="1" presetClass="entr" presetSubtype="0" fill="hold" grpId="0" nodeType="withEffect">
+                                  <p:stCondLst>
+                                    <p:cond delay="0"/>
+                                  </p:stCondLst>
+                                  <p:childTnLst>
+                                    <p:set>
+                                      <p:cBhvr>
+                                        <p:cTn id="64" dur="1" fill="hold">
+                                          <p:stCondLst>
+                                            <p:cond delay="0"/>
+                                          </p:stCondLst>
+                                        </p:cTn>
+                                        <p:tgtEl>
+                                          <p:spTgt spid="78"/>
+                                        </p:tgtEl>
+                                        <p:attrNameLst>
+                                          <p:attrName>style.visibility</p:attrName>
+                                        </p:attrNameLst>
+                                      </p:cBhvr>
+                                      <p:to>
+                                        <p:strVal val="visible"/>
+                                      </p:to>
+                                    </p:set>
+                                  </p:childTnLst>
+                                </p:cTn>
+                              </p:par>
+                              <p:par>
+                                <p:cTn id="65" presetID="1" presetClass="entr" presetSubtype="0" fill="hold" grpId="0" nodeType="withEffect">
+                                  <p:stCondLst>
+                                    <p:cond delay="0"/>
+                                  </p:stCondLst>
+                                  <p:childTnLst>
+                                    <p:set>
+                                      <p:cBhvr>
+                                        <p:cTn id="66" dur="1" fill="hold">
+                                          <p:stCondLst>
+                                            <p:cond delay="0"/>
+                                          </p:stCondLst>
+                                        </p:cTn>
+                                        <p:tgtEl>
+                                          <p:spTgt spid="52"/>
+                                        </p:tgtEl>
+                                        <p:attrNameLst>
+                                          <p:attrName>style.visibility</p:attrName>
+                                        </p:attrNameLst>
+                                      </p:cBhvr>
+                                      <p:to>
+                                        <p:strVal val="visible"/>
+                                      </p:to>
+                                    </p:set>
+                                  </p:childTnLst>
+                                </p:cTn>
+                              </p:par>
+                              <p:par>
+                                <p:cTn id="67" presetID="1" presetClass="entr" presetSubtype="0" fill="hold" grpId="0" nodeType="withEffect">
+                                  <p:stCondLst>
+                                    <p:cond delay="0"/>
+                                  </p:stCondLst>
+                                  <p:childTnLst>
+                                    <p:set>
+                                      <p:cBhvr>
+                                        <p:cTn id="68" dur="1" fill="hold">
+                                          <p:stCondLst>
+                                            <p:cond delay="0"/>
+                                          </p:stCondLst>
+                                        </p:cTn>
+                                        <p:tgtEl>
+                                          <p:spTgt spid="43"/>
+                                        </p:tgtEl>
+                                        <p:attrNameLst>
+                                          <p:attrName>style.visibility</p:attrName>
+                                        </p:attrNameLst>
+                                      </p:cBhvr>
+                                      <p:to>
+                                        <p:strVal val="visible"/>
+                                      </p:to>
+                                    </p:set>
+                                  </p:childTnLst>
+                                </p:cTn>
+                              </p:par>
+                              <p:par>
+                                <p:cTn id="69" presetID="1" presetClass="entr" presetSubtype="0" fill="hold" grpId="0" nodeType="withEffect">
+                                  <p:stCondLst>
+                                    <p:cond delay="0"/>
+                                  </p:stCondLst>
+                                  <p:childTnLst>
+                                    <p:set>
+                                      <p:cBhvr>
+                                        <p:cTn id="70" dur="1" fill="hold">
+                                          <p:stCondLst>
+                                            <p:cond delay="0"/>
+                                          </p:stCondLst>
+                                        </p:cTn>
+                                        <p:tgtEl>
+                                          <p:spTgt spid="44"/>
+                                        </p:tgtEl>
+                                        <p:attrNameLst>
+                                          <p:attrName>style.visibility</p:attrName>
+                                        </p:attrNameLst>
+                                      </p:cBhvr>
+                                      <p:to>
+                                        <p:strVal val="visible"/>
+                                      </p:to>
+                                    </p:set>
+                                  </p:childTnLst>
+                                </p:cTn>
+                              </p:par>
+                              <p:par>
+                                <p:cTn id="71" presetID="1" presetClass="entr" presetSubtype="0" fill="hold" grpId="0" nodeType="withEffect">
+                                  <p:stCondLst>
+                                    <p:cond delay="0"/>
+                                  </p:stCondLst>
+                                  <p:childTnLst>
+                                    <p:set>
+                                      <p:cBhvr>
+                                        <p:cTn id="72" dur="1" fill="hold">
+                                          <p:stCondLst>
+                                            <p:cond delay="0"/>
+                                          </p:stCondLst>
+                                        </p:cTn>
+                                        <p:tgtEl>
+                                          <p:spTgt spid="53"/>
+                                        </p:tgtEl>
+                                        <p:attrNameLst>
+                                          <p:attrName>style.visibility</p:attrName>
+                                        </p:attrNameLst>
+                                      </p:cBhvr>
+                                      <p:to>
+                                        <p:strVal val="visible"/>
+                                      </p:to>
+                                    </p:set>
+                                  </p:childTnLst>
+                                </p:cTn>
+                              </p:par>
+                              <p:par>
+                                <p:cTn id="73" presetID="1" presetClass="entr" presetSubtype="0" fill="hold" grpId="0" nodeType="withEffect">
+                                  <p:stCondLst>
+                                    <p:cond delay="0"/>
+                                  </p:stCondLst>
+                                  <p:childTnLst>
+                                    <p:set>
+                                      <p:cBhvr>
+                                        <p:cTn id="74" dur="1" fill="hold">
+                                          <p:stCondLst>
+                                            <p:cond delay="0"/>
+                                          </p:stCondLst>
+                                        </p:cTn>
+                                        <p:tgtEl>
+                                          <p:spTgt spid="75"/>
+                                        </p:tgtEl>
+                                        <p:attrNameLst>
+                                          <p:attrName>style.visibility</p:attrName>
+                                        </p:attrNameLst>
+                                      </p:cBhvr>
+                                      <p:to>
+                                        <p:strVal val="visible"/>
+                                      </p:to>
+                                    </p:set>
+                                  </p:childTnLst>
+                                </p:cTn>
+                              </p:par>
+                              <p:par>
+                                <p:cTn id="75" presetID="1" presetClass="entr" presetSubtype="0" fill="hold" nodeType="withEffect">
+                                  <p:stCondLst>
+                                    <p:cond delay="0"/>
+                                  </p:stCondLst>
+                                  <p:childTnLst>
+                                    <p:set>
+                                      <p:cBhvr>
+                                        <p:cTn id="76" dur="1" fill="hold">
+                                          <p:stCondLst>
+                                            <p:cond delay="0"/>
+                                          </p:stCondLst>
+                                        </p:cTn>
+                                        <p:tgtEl>
+                                          <p:spTgt spid="110"/>
+                                        </p:tgtEl>
+                                        <p:attrNameLst>
+                                          <p:attrName>style.visibility</p:attrName>
+                                        </p:attrNameLst>
+                                      </p:cBhvr>
+                                      <p:to>
+                                        <p:strVal val="visible"/>
+                                      </p:to>
+                                    </p:set>
+                                  </p:childTnLst>
+                                </p:cTn>
+                              </p:par>
+                              <p:par>
+                                <p:cTn id="77" presetID="1" presetClass="entr" presetSubtype="0" fill="hold" nodeType="withEffect">
+                                  <p:stCondLst>
+                                    <p:cond delay="0"/>
+                                  </p:stCondLst>
+                                  <p:childTnLst>
+                                    <p:set>
+                                      <p:cBhvr>
+                                        <p:cTn id="78" dur="1" fill="hold">
+                                          <p:stCondLst>
+                                            <p:cond delay="0"/>
+                                          </p:stCondLst>
+                                        </p:cTn>
+                                        <p:tgtEl>
+                                          <p:spTgt spid="107"/>
+                                        </p:tgtEl>
+                                        <p:attrNameLst>
+                                          <p:attrName>style.visibility</p:attrName>
+                                        </p:attrNameLst>
+                                      </p:cBhvr>
+                                      <p:to>
+                                        <p:strVal val="visible"/>
+                                      </p:to>
+                                    </p:set>
+                                  </p:childTnLst>
+                                </p:cTn>
+                              </p:par>
+                              <p:par>
+                                <p:cTn id="79" presetID="1" presetClass="entr" presetSubtype="0" fill="hold" grpId="0" nodeType="withEffect">
+                                  <p:stCondLst>
+                                    <p:cond delay="0"/>
+                                  </p:stCondLst>
+                                  <p:childTnLst>
+                                    <p:set>
+                                      <p:cBhvr>
+                                        <p:cTn id="80" dur="1" fill="hold">
+                                          <p:stCondLst>
+                                            <p:cond delay="0"/>
+                                          </p:stCondLst>
+                                        </p:cTn>
+                                        <p:tgtEl>
+                                          <p:spTgt spid="79"/>
+                                        </p:tgtEl>
+                                        <p:attrNameLst>
+                                          <p:attrName>style.visibility</p:attrName>
+                                        </p:attrNameLst>
+                                      </p:cBhvr>
+                                      <p:to>
+                                        <p:strVal val="visible"/>
+                                      </p:to>
+                                    </p:set>
+                                  </p:childTnLst>
+                                </p:cTn>
+                              </p:par>
+                              <p:par>
+                                <p:cTn id="81" presetID="1" presetClass="entr" presetSubtype="0" fill="hold" grpId="0" nodeType="withEffect">
+                                  <p:stCondLst>
+                                    <p:cond delay="0"/>
+                                  </p:stCondLst>
+                                  <p:childTnLst>
+                                    <p:set>
+                                      <p:cBhvr>
+                                        <p:cTn id="82" dur="1" fill="hold">
+                                          <p:stCondLst>
+                                            <p:cond delay="0"/>
+                                          </p:stCondLst>
+                                        </p:cTn>
+                                        <p:tgtEl>
+                                          <p:spTgt spid="95"/>
+                                        </p:tgtEl>
+                                        <p:attrNameLst>
+                                          <p:attrName>style.visibility</p:attrName>
+                                        </p:attrNameLst>
+                                      </p:cBhvr>
+                                      <p:to>
+                                        <p:strVal val="visible"/>
+                                      </p:to>
+                                    </p:set>
+                                  </p:childTnLst>
+                                </p:cTn>
+                              </p:par>
+                              <p:par>
+                                <p:cTn id="83" presetID="1" presetClass="entr" presetSubtype="0" fill="hold" grpId="0" nodeType="withEffect">
+                                  <p:stCondLst>
+                                    <p:cond delay="0"/>
+                                  </p:stCondLst>
+                                  <p:childTnLst>
+                                    <p:set>
+                                      <p:cBhvr>
+                                        <p:cTn id="84" dur="1" fill="hold">
+                                          <p:stCondLst>
+                                            <p:cond delay="0"/>
+                                          </p:stCondLst>
+                                        </p:cTn>
+                                        <p:tgtEl>
+                                          <p:spTgt spid="99"/>
+                                        </p:tgtEl>
+                                        <p:attrNameLst>
+                                          <p:attrName>style.visibility</p:attrName>
+                                        </p:attrNameLst>
+                                      </p:cBhvr>
+                                      <p:to>
+                                        <p:strVal val="visible"/>
+                                      </p:to>
+                                    </p:set>
+                                  </p:childTnLst>
+                                </p:cTn>
+                              </p:par>
+                              <p:par>
+                                <p:cTn id="85" presetID="1" presetClass="entr" presetSubtype="0" fill="hold" nodeType="withEffect">
+                                  <p:stCondLst>
+                                    <p:cond delay="0"/>
+                                  </p:stCondLst>
+                                  <p:childTnLst>
+                                    <p:set>
+                                      <p:cBhvr>
+                                        <p:cTn id="86" dur="1" fill="hold">
+                                          <p:stCondLst>
+                                            <p:cond delay="0"/>
+                                          </p:stCondLst>
+                                        </p:cTn>
+                                        <p:tgtEl>
+                                          <p:spTgt spid="113"/>
+                                        </p:tgtEl>
+                                        <p:attrNameLst>
+                                          <p:attrName>style.visibility</p:attrName>
+                                        </p:attrNameLst>
+                                      </p:cBhvr>
+                                      <p:to>
+                                        <p:strVal val="visible"/>
+                                      </p:to>
+                                    </p:set>
+                                  </p:childTnLst>
+                                </p:cTn>
+                              </p:par>
+                              <p:par>
+                                <p:cTn id="87" presetID="1" presetClass="entr" presetSubtype="0" fill="hold" grpId="0" nodeType="withEffect">
+                                  <p:stCondLst>
+                                    <p:cond delay="0"/>
+                                  </p:stCondLst>
+                                  <p:childTnLst>
+                                    <p:set>
+                                      <p:cBhvr>
+                                        <p:cTn id="88" dur="1" fill="hold">
+                                          <p:stCondLst>
+                                            <p:cond delay="0"/>
+                                          </p:stCondLst>
+                                        </p:cTn>
+                                        <p:tgtEl>
+                                          <p:spTgt spid="102"/>
+                                        </p:tgtEl>
+                                        <p:attrNameLst>
+                                          <p:attrName>style.visibility</p:attrName>
+                                        </p:attrNameLst>
+                                      </p:cBhvr>
+                                      <p:to>
+                                        <p:strVal val="visible"/>
+                                      </p:to>
+                                    </p:set>
+                                  </p:childTnLst>
+                                </p:cTn>
+                              </p:par>
+                              <p:par>
+                                <p:cTn id="89" presetID="1" presetClass="entr" presetSubtype="0" fill="hold" grpId="0" nodeType="withEffect">
+                                  <p:stCondLst>
+                                    <p:cond delay="0"/>
+                                  </p:stCondLst>
+                                  <p:childTnLst>
+                                    <p:set>
+                                      <p:cBhvr>
+                                        <p:cTn id="90" dur="1" fill="hold">
+                                          <p:stCondLst>
+                                            <p:cond delay="0"/>
+                                          </p:stCondLst>
+                                        </p:cTn>
+                                        <p:tgtEl>
+                                          <p:spTgt spid="101"/>
+                                        </p:tgtEl>
+                                        <p:attrNameLst>
+                                          <p:attrName>style.visibility</p:attrName>
+                                        </p:attrNameLst>
+                                      </p:cBhvr>
+                                      <p:to>
+                                        <p:strVal val="visible"/>
+                                      </p:to>
+                                    </p:set>
+                                  </p:childTnLst>
+                                </p:cTn>
+                              </p:par>
+                              <p:par>
+                                <p:cTn id="91" presetID="1" presetClass="entr" presetSubtype="0" fill="hold" grpId="0" nodeType="withEffect">
+                                  <p:stCondLst>
+                                    <p:cond delay="0"/>
+                                  </p:stCondLst>
+                                  <p:childTnLst>
+                                    <p:set>
+                                      <p:cBhvr>
+                                        <p:cTn id="92" dur="1" fill="hold">
+                                          <p:stCondLst>
+                                            <p:cond delay="0"/>
+                                          </p:stCondLst>
+                                        </p:cTn>
+                                        <p:tgtEl>
+                                          <p:spTgt spid="97"/>
+                                        </p:tgtEl>
+                                        <p:attrNameLst>
+                                          <p:attrName>style.visibility</p:attrName>
+                                        </p:attrNameLst>
+                                      </p:cBhvr>
+                                      <p:to>
+                                        <p:strVal val="visible"/>
+                                      </p:to>
+                                    </p:set>
+                                  </p:childTnLst>
+                                </p:cTn>
+                              </p:par>
+                              <p:par>
+                                <p:cTn id="93" presetID="1" presetClass="entr" presetSubtype="0" fill="hold" grpId="0" nodeType="withEffect">
+                                  <p:stCondLst>
+                                    <p:cond delay="0"/>
+                                  </p:stCondLst>
+                                  <p:childTnLst>
+                                    <p:set>
+                                      <p:cBhvr>
+                                        <p:cTn id="94" dur="1" fill="hold">
+                                          <p:stCondLst>
+                                            <p:cond delay="0"/>
+                                          </p:stCondLst>
+                                        </p:cTn>
+                                        <p:tgtEl>
+                                          <p:spTgt spid="98"/>
+                                        </p:tgtEl>
+                                        <p:attrNameLst>
+                                          <p:attrName>style.visibility</p:attrName>
+                                        </p:attrNameLst>
+                                      </p:cBhvr>
+                                      <p:to>
+                                        <p:strVal val="visible"/>
+                                      </p:to>
+                                    </p:set>
+                                  </p:childTnLst>
+                                </p:cTn>
+                              </p:par>
+                              <p:par>
+                                <p:cTn id="95" presetID="1" presetClass="entr" presetSubtype="0" fill="hold" nodeType="withEffect">
+                                  <p:stCondLst>
+                                    <p:cond delay="0"/>
+                                  </p:stCondLst>
+                                  <p:childTnLst>
+                                    <p:set>
+                                      <p:cBhvr>
+                                        <p:cTn id="96" dur="1" fill="hold">
+                                          <p:stCondLst>
+                                            <p:cond delay="0"/>
+                                          </p:stCondLst>
+                                        </p:cTn>
+                                        <p:tgtEl>
+                                          <p:spTgt spid="41"/>
                                         </p:tgtEl>
                                         <p:attrNameLst>
                                           <p:attrName>style.visibility</p:attrName>
@@ -5017,66 +9072,731 @@
                     </p:cTn>
                   </p:par>
                   <p:par>
-                    <p:cTn id="7" fill="hold">
+                    <p:cTn id="97" fill="hold">
                       <p:stCondLst>
                         <p:cond delay="indefinite"/>
                       </p:stCondLst>
                       <p:childTnLst>
                         <p:par>
-                          <p:cTn id="8" fill="hold">
+                          <p:cTn id="98" fill="hold">
                             <p:stCondLst>
                               <p:cond delay="0"/>
                             </p:stCondLst>
                             <p:childTnLst>
                               <p:par>
-                                <p:cTn id="9" presetID="1" presetClass="entr" presetSubtype="0" fill="hold" grpId="0" nodeType="clickEffect">
-                                  <p:stCondLst>
-                                    <p:cond delay="0"/>
-                                  </p:stCondLst>
-                                  <p:childTnLst>
-                                    <p:set>
-                                      <p:cBhvr>
-                                        <p:cTn id="10" dur="1" fill="hold">
-                                          <p:stCondLst>
-                                            <p:cond delay="0"/>
-                                          </p:stCondLst>
-                                        </p:cTn>
-                                        <p:tgtEl>
-                                          <p:spTgt spid="8"/>
-                                        </p:tgtEl>
-                                        <p:attrNameLst>
-                                          <p:attrName>style.visibility</p:attrName>
-                                        </p:attrNameLst>
-                                      </p:cBhvr>
-                                      <p:to>
-                                        <p:strVal val="visible"/>
-                                      </p:to>
-                                    </p:set>
-                                  </p:childTnLst>
-                                </p:cTn>
-                              </p:par>
-                              <p:par>
-                                <p:cTn id="11" presetID="1" presetClass="entr" presetSubtype="0" fill="hold" grpId="0" nodeType="withEffect">
-                                  <p:stCondLst>
-                                    <p:cond delay="0"/>
-                                  </p:stCondLst>
-                                  <p:childTnLst>
-                                    <p:set>
-                                      <p:cBhvr>
-                                        <p:cTn id="12" dur="1" fill="hold">
-                                          <p:stCondLst>
-                                            <p:cond delay="0"/>
-                                          </p:stCondLst>
-                                        </p:cTn>
-                                        <p:tgtEl>
-                                          <p:spTgt spid="9"/>
-                                        </p:tgtEl>
-                                        <p:attrNameLst>
-                                          <p:attrName>style.visibility</p:attrName>
-                                        </p:attrNameLst>
-                                      </p:cBhvr>
-                                      <p:to>
-                                        <p:strVal val="visible"/>
+                                <p:cTn id="99" presetID="1" presetClass="entr" presetSubtype="0" fill="hold" grpId="0" nodeType="clickEffect">
+                                  <p:stCondLst>
+                                    <p:cond delay="0"/>
+                                  </p:stCondLst>
+                                  <p:childTnLst>
+                                    <p:set>
+                                      <p:cBhvr>
+                                        <p:cTn id="100" dur="1" fill="hold">
+                                          <p:stCondLst>
+                                            <p:cond delay="0"/>
+                                          </p:stCondLst>
+                                        </p:cTn>
+                                        <p:tgtEl>
+                                          <p:spTgt spid="3">
+                                            <p:txEl>
+                                              <p:pRg st="0" end="0"/>
+                                            </p:txEl>
+                                          </p:spTgt>
+                                        </p:tgtEl>
+                                        <p:attrNameLst>
+                                          <p:attrName>style.visibility</p:attrName>
+                                        </p:attrNameLst>
+                                      </p:cBhvr>
+                                      <p:to>
+                                        <p:strVal val="visible"/>
+                                      </p:to>
+                                    </p:set>
+                                  </p:childTnLst>
+                                </p:cTn>
+                              </p:par>
+                            </p:childTnLst>
+                          </p:cTn>
+                        </p:par>
+                      </p:childTnLst>
+                    </p:cTn>
+                  </p:par>
+                  <p:par>
+                    <p:cTn id="101" fill="hold">
+                      <p:stCondLst>
+                        <p:cond delay="indefinite"/>
+                      </p:stCondLst>
+                      <p:childTnLst>
+                        <p:par>
+                          <p:cTn id="102" fill="hold">
+                            <p:stCondLst>
+                              <p:cond delay="0"/>
+                            </p:stCondLst>
+                            <p:childTnLst>
+                              <p:par>
+                                <p:cTn id="103" presetID="1" presetClass="entr" presetSubtype="0" fill="hold" grpId="0" nodeType="clickEffect">
+                                  <p:stCondLst>
+                                    <p:cond delay="0"/>
+                                  </p:stCondLst>
+                                  <p:childTnLst>
+                                    <p:set>
+                                      <p:cBhvr>
+                                        <p:cTn id="104" dur="1" fill="hold">
+                                          <p:stCondLst>
+                                            <p:cond delay="0"/>
+                                          </p:stCondLst>
+                                        </p:cTn>
+                                        <p:tgtEl>
+                                          <p:spTgt spid="35"/>
+                                        </p:tgtEl>
+                                        <p:attrNameLst>
+                                          <p:attrName>style.visibility</p:attrName>
+                                        </p:attrNameLst>
+                                      </p:cBhvr>
+                                      <p:to>
+                                        <p:strVal val="visible"/>
+                                      </p:to>
+                                    </p:set>
+                                  </p:childTnLst>
+                                </p:cTn>
+                              </p:par>
+                              <p:par>
+                                <p:cTn id="105" presetID="1" presetClass="entr" presetSubtype="0" fill="hold" grpId="0" nodeType="withEffect">
+                                  <p:stCondLst>
+                                    <p:cond delay="0"/>
+                                  </p:stCondLst>
+                                  <p:childTnLst>
+                                    <p:set>
+                                      <p:cBhvr>
+                                        <p:cTn id="106" dur="1" fill="hold">
+                                          <p:stCondLst>
+                                            <p:cond delay="0"/>
+                                          </p:stCondLst>
+                                        </p:cTn>
+                                        <p:tgtEl>
+                                          <p:spTgt spid="164"/>
+                                        </p:tgtEl>
+                                        <p:attrNameLst>
+                                          <p:attrName>style.visibility</p:attrName>
+                                        </p:attrNameLst>
+                                      </p:cBhvr>
+                                      <p:to>
+                                        <p:strVal val="visible"/>
+                                      </p:to>
+                                    </p:set>
+                                  </p:childTnLst>
+                                </p:cTn>
+                              </p:par>
+                              <p:par>
+                                <p:cTn id="107" presetID="1" presetClass="entr" presetSubtype="0" fill="hold" nodeType="withEffect">
+                                  <p:stCondLst>
+                                    <p:cond delay="0"/>
+                                  </p:stCondLst>
+                                  <p:childTnLst>
+                                    <p:set>
+                                      <p:cBhvr>
+                                        <p:cTn id="108" dur="1" fill="hold">
+                                          <p:stCondLst>
+                                            <p:cond delay="0"/>
+                                          </p:stCondLst>
+                                        </p:cTn>
+                                        <p:tgtEl>
+                                          <p:spTgt spid="124"/>
+                                        </p:tgtEl>
+                                        <p:attrNameLst>
+                                          <p:attrName>style.visibility</p:attrName>
+                                        </p:attrNameLst>
+                                      </p:cBhvr>
+                                      <p:to>
+                                        <p:strVal val="visible"/>
+                                      </p:to>
+                                    </p:set>
+                                  </p:childTnLst>
+                                </p:cTn>
+                              </p:par>
+                              <p:par>
+                                <p:cTn id="109" presetID="1" presetClass="entr" presetSubtype="0" fill="hold" nodeType="withEffect">
+                                  <p:stCondLst>
+                                    <p:cond delay="0"/>
+                                  </p:stCondLst>
+                                  <p:childTnLst>
+                                    <p:set>
+                                      <p:cBhvr>
+                                        <p:cTn id="110" dur="1" fill="hold">
+                                          <p:stCondLst>
+                                            <p:cond delay="0"/>
+                                          </p:stCondLst>
+                                        </p:cTn>
+                                        <p:tgtEl>
+                                          <p:spTgt spid="126"/>
+                                        </p:tgtEl>
+                                        <p:attrNameLst>
+                                          <p:attrName>style.visibility</p:attrName>
+                                        </p:attrNameLst>
+                                      </p:cBhvr>
+                                      <p:to>
+                                        <p:strVal val="visible"/>
+                                      </p:to>
+                                    </p:set>
+                                  </p:childTnLst>
+                                </p:cTn>
+                              </p:par>
+                              <p:par>
+                                <p:cTn id="111" presetID="1" presetClass="entr" presetSubtype="0" fill="hold" nodeType="withEffect">
+                                  <p:stCondLst>
+                                    <p:cond delay="0"/>
+                                  </p:stCondLst>
+                                  <p:childTnLst>
+                                    <p:set>
+                                      <p:cBhvr>
+                                        <p:cTn id="112" dur="1" fill="hold">
+                                          <p:stCondLst>
+                                            <p:cond delay="0"/>
+                                          </p:stCondLst>
+                                        </p:cTn>
+                                        <p:tgtEl>
+                                          <p:spTgt spid="130"/>
+                                        </p:tgtEl>
+                                        <p:attrNameLst>
+                                          <p:attrName>style.visibility</p:attrName>
+                                        </p:attrNameLst>
+                                      </p:cBhvr>
+                                      <p:to>
+                                        <p:strVal val="visible"/>
+                                      </p:to>
+                                    </p:set>
+                                  </p:childTnLst>
+                                </p:cTn>
+                              </p:par>
+                              <p:par>
+                                <p:cTn id="113" presetID="1" presetClass="entr" presetSubtype="0" fill="hold" nodeType="withEffect">
+                                  <p:stCondLst>
+                                    <p:cond delay="0"/>
+                                  </p:stCondLst>
+                                  <p:childTnLst>
+                                    <p:set>
+                                      <p:cBhvr>
+                                        <p:cTn id="114" dur="1" fill="hold">
+                                          <p:stCondLst>
+                                            <p:cond delay="0"/>
+                                          </p:stCondLst>
+                                        </p:cTn>
+                                        <p:tgtEl>
+                                          <p:spTgt spid="133"/>
+                                        </p:tgtEl>
+                                        <p:attrNameLst>
+                                          <p:attrName>style.visibility</p:attrName>
+                                        </p:attrNameLst>
+                                      </p:cBhvr>
+                                      <p:to>
+                                        <p:strVal val="visible"/>
+                                      </p:to>
+                                    </p:set>
+                                  </p:childTnLst>
+                                </p:cTn>
+                              </p:par>
+                              <p:par>
+                                <p:cTn id="115" presetID="1" presetClass="entr" presetSubtype="0" fill="hold" grpId="0" nodeType="withEffect">
+                                  <p:stCondLst>
+                                    <p:cond delay="0"/>
+                                  </p:stCondLst>
+                                  <p:childTnLst>
+                                    <p:set>
+                                      <p:cBhvr>
+                                        <p:cTn id="116" dur="1" fill="hold">
+                                          <p:stCondLst>
+                                            <p:cond delay="0"/>
+                                          </p:stCondLst>
+                                        </p:cTn>
+                                        <p:tgtEl>
+                                          <p:spTgt spid="168"/>
+                                        </p:tgtEl>
+                                        <p:attrNameLst>
+                                          <p:attrName>style.visibility</p:attrName>
+                                        </p:attrNameLst>
+                                      </p:cBhvr>
+                                      <p:to>
+                                        <p:strVal val="visible"/>
+                                      </p:to>
+                                    </p:set>
+                                  </p:childTnLst>
+                                </p:cTn>
+                              </p:par>
+                              <p:par>
+                                <p:cTn id="117" presetID="1" presetClass="entr" presetSubtype="0" fill="hold" grpId="0" nodeType="withEffect">
+                                  <p:stCondLst>
+                                    <p:cond delay="0"/>
+                                  </p:stCondLst>
+                                  <p:childTnLst>
+                                    <p:set>
+                                      <p:cBhvr>
+                                        <p:cTn id="118" dur="1" fill="hold">
+                                          <p:stCondLst>
+                                            <p:cond delay="0"/>
+                                          </p:stCondLst>
+                                        </p:cTn>
+                                        <p:tgtEl>
+                                          <p:spTgt spid="169"/>
+                                        </p:tgtEl>
+                                        <p:attrNameLst>
+                                          <p:attrName>style.visibility</p:attrName>
+                                        </p:attrNameLst>
+                                      </p:cBhvr>
+                                      <p:to>
+                                        <p:strVal val="visible"/>
+                                      </p:to>
+                                    </p:set>
+                                  </p:childTnLst>
+                                </p:cTn>
+                              </p:par>
+                              <p:par>
+                                <p:cTn id="119" presetID="1" presetClass="entr" presetSubtype="0" fill="hold" nodeType="withEffect">
+                                  <p:stCondLst>
+                                    <p:cond delay="0"/>
+                                  </p:stCondLst>
+                                  <p:childTnLst>
+                                    <p:set>
+                                      <p:cBhvr>
+                                        <p:cTn id="120" dur="1" fill="hold">
+                                          <p:stCondLst>
+                                            <p:cond delay="0"/>
+                                          </p:stCondLst>
+                                        </p:cTn>
+                                        <p:tgtEl>
+                                          <p:spTgt spid="137"/>
+                                        </p:tgtEl>
+                                        <p:attrNameLst>
+                                          <p:attrName>style.visibility</p:attrName>
+                                        </p:attrNameLst>
+                                      </p:cBhvr>
+                                      <p:to>
+                                        <p:strVal val="visible"/>
+                                      </p:to>
+                                    </p:set>
+                                  </p:childTnLst>
+                                </p:cTn>
+                              </p:par>
+                              <p:par>
+                                <p:cTn id="121" presetID="1" presetClass="entr" presetSubtype="0" fill="hold" grpId="0" nodeType="withEffect">
+                                  <p:stCondLst>
+                                    <p:cond delay="0"/>
+                                  </p:stCondLst>
+                                  <p:childTnLst>
+                                    <p:set>
+                                      <p:cBhvr>
+                                        <p:cTn id="122" dur="1" fill="hold">
+                                          <p:stCondLst>
+                                            <p:cond delay="0"/>
+                                          </p:stCondLst>
+                                        </p:cTn>
+                                        <p:tgtEl>
+                                          <p:spTgt spid="141"/>
+                                        </p:tgtEl>
+                                        <p:attrNameLst>
+                                          <p:attrName>style.visibility</p:attrName>
+                                        </p:attrNameLst>
+                                      </p:cBhvr>
+                                      <p:to>
+                                        <p:strVal val="visible"/>
+                                      </p:to>
+                                    </p:set>
+                                  </p:childTnLst>
+                                </p:cTn>
+                              </p:par>
+                              <p:par>
+                                <p:cTn id="123" presetID="1" presetClass="entr" presetSubtype="0" fill="hold" nodeType="withEffect">
+                                  <p:stCondLst>
+                                    <p:cond delay="0"/>
+                                  </p:stCondLst>
+                                  <p:childTnLst>
+                                    <p:set>
+                                      <p:cBhvr>
+                                        <p:cTn id="124" dur="1" fill="hold">
+                                          <p:stCondLst>
+                                            <p:cond delay="0"/>
+                                          </p:stCondLst>
+                                        </p:cTn>
+                                        <p:tgtEl>
+                                          <p:spTgt spid="137"/>
+                                        </p:tgtEl>
+                                        <p:attrNameLst>
+                                          <p:attrName>style.visibility</p:attrName>
+                                        </p:attrNameLst>
+                                      </p:cBhvr>
+                                      <p:to>
+                                        <p:strVal val="visible"/>
+                                      </p:to>
+                                    </p:set>
+                                  </p:childTnLst>
+                                </p:cTn>
+                              </p:par>
+                              <p:par>
+                                <p:cTn id="125" presetID="1" presetClass="entr" presetSubtype="0" fill="hold" grpId="0" nodeType="withEffect">
+                                  <p:stCondLst>
+                                    <p:cond delay="0"/>
+                                  </p:stCondLst>
+                                  <p:childTnLst>
+                                    <p:set>
+                                      <p:cBhvr>
+                                        <p:cTn id="126" dur="1" fill="hold">
+                                          <p:stCondLst>
+                                            <p:cond delay="0"/>
+                                          </p:stCondLst>
+                                        </p:cTn>
+                                        <p:tgtEl>
+                                          <p:spTgt spid="142"/>
+                                        </p:tgtEl>
+                                        <p:attrNameLst>
+                                          <p:attrName>style.visibility</p:attrName>
+                                        </p:attrNameLst>
+                                      </p:cBhvr>
+                                      <p:to>
+                                        <p:strVal val="visible"/>
+                                      </p:to>
+                                    </p:set>
+                                  </p:childTnLst>
+                                </p:cTn>
+                              </p:par>
+                              <p:par>
+                                <p:cTn id="127" presetID="1" presetClass="entr" presetSubtype="0" fill="hold" nodeType="withEffect">
+                                  <p:stCondLst>
+                                    <p:cond delay="0"/>
+                                  </p:stCondLst>
+                                  <p:childTnLst>
+                                    <p:set>
+                                      <p:cBhvr>
+                                        <p:cTn id="128" dur="1" fill="hold">
+                                          <p:stCondLst>
+                                            <p:cond delay="0"/>
+                                          </p:stCondLst>
+                                        </p:cTn>
+                                        <p:tgtEl>
+                                          <p:spTgt spid="153"/>
+                                        </p:tgtEl>
+                                        <p:attrNameLst>
+                                          <p:attrName>style.visibility</p:attrName>
+                                        </p:attrNameLst>
+                                      </p:cBhvr>
+                                      <p:to>
+                                        <p:strVal val="visible"/>
+                                      </p:to>
+                                    </p:set>
+                                  </p:childTnLst>
+                                </p:cTn>
+                              </p:par>
+                              <p:par>
+                                <p:cTn id="129" presetID="1" presetClass="entr" presetSubtype="0" fill="hold" grpId="0" nodeType="withEffect">
+                                  <p:stCondLst>
+                                    <p:cond delay="0"/>
+                                  </p:stCondLst>
+                                  <p:childTnLst>
+                                    <p:set>
+                                      <p:cBhvr>
+                                        <p:cTn id="130" dur="1" fill="hold">
+                                          <p:stCondLst>
+                                            <p:cond delay="0"/>
+                                          </p:stCondLst>
+                                        </p:cTn>
+                                        <p:tgtEl>
+                                          <p:spTgt spid="144"/>
+                                        </p:tgtEl>
+                                        <p:attrNameLst>
+                                          <p:attrName>style.visibility</p:attrName>
+                                        </p:attrNameLst>
+                                      </p:cBhvr>
+                                      <p:to>
+                                        <p:strVal val="visible"/>
+                                      </p:to>
+                                    </p:set>
+                                  </p:childTnLst>
+                                </p:cTn>
+                              </p:par>
+                              <p:par>
+                                <p:cTn id="131" presetID="1" presetClass="entr" presetSubtype="0" fill="hold" grpId="0" nodeType="withEffect">
+                                  <p:stCondLst>
+                                    <p:cond delay="0"/>
+                                  </p:stCondLst>
+                                  <p:childTnLst>
+                                    <p:set>
+                                      <p:cBhvr>
+                                        <p:cTn id="132" dur="1" fill="hold">
+                                          <p:stCondLst>
+                                            <p:cond delay="0"/>
+                                          </p:stCondLst>
+                                        </p:cTn>
+                                        <p:tgtEl>
+                                          <p:spTgt spid="145"/>
+                                        </p:tgtEl>
+                                        <p:attrNameLst>
+                                          <p:attrName>style.visibility</p:attrName>
+                                        </p:attrNameLst>
+                                      </p:cBhvr>
+                                      <p:to>
+                                        <p:strVal val="visible"/>
+                                      </p:to>
+                                    </p:set>
+                                  </p:childTnLst>
+                                </p:cTn>
+                              </p:par>
+                              <p:par>
+                                <p:cTn id="133" presetID="1" presetClass="entr" presetSubtype="0" fill="hold" nodeType="withEffect">
+                                  <p:stCondLst>
+                                    <p:cond delay="0"/>
+                                  </p:stCondLst>
+                                  <p:childTnLst>
+                                    <p:set>
+                                      <p:cBhvr>
+                                        <p:cTn id="134" dur="1" fill="hold">
+                                          <p:stCondLst>
+                                            <p:cond delay="0"/>
+                                          </p:stCondLst>
+                                        </p:cTn>
+                                        <p:tgtEl>
+                                          <p:spTgt spid="155"/>
+                                        </p:tgtEl>
+                                        <p:attrNameLst>
+                                          <p:attrName>style.visibility</p:attrName>
+                                        </p:attrNameLst>
+                                      </p:cBhvr>
+                                      <p:to>
+                                        <p:strVal val="visible"/>
+                                      </p:to>
+                                    </p:set>
+                                  </p:childTnLst>
+                                </p:cTn>
+                              </p:par>
+                              <p:par>
+                                <p:cTn id="135" presetID="1" presetClass="entr" presetSubtype="0" fill="hold" grpId="0" nodeType="withEffect">
+                                  <p:stCondLst>
+                                    <p:cond delay="0"/>
+                                  </p:stCondLst>
+                                  <p:childTnLst>
+                                    <p:set>
+                                      <p:cBhvr>
+                                        <p:cTn id="136" dur="1" fill="hold">
+                                          <p:stCondLst>
+                                            <p:cond delay="0"/>
+                                          </p:stCondLst>
+                                        </p:cTn>
+                                        <p:tgtEl>
+                                          <p:spTgt spid="146"/>
+                                        </p:tgtEl>
+                                        <p:attrNameLst>
+                                          <p:attrName>style.visibility</p:attrName>
+                                        </p:attrNameLst>
+                                      </p:cBhvr>
+                                      <p:to>
+                                        <p:strVal val="visible"/>
+                                      </p:to>
+                                    </p:set>
+                                  </p:childTnLst>
+                                </p:cTn>
+                              </p:par>
+                              <p:par>
+                                <p:cTn id="137" presetID="1" presetClass="entr" presetSubtype="0" fill="hold" grpId="0" nodeType="withEffect">
+                                  <p:stCondLst>
+                                    <p:cond delay="0"/>
+                                  </p:stCondLst>
+                                  <p:childTnLst>
+                                    <p:set>
+                                      <p:cBhvr>
+                                        <p:cTn id="138" dur="1" fill="hold">
+                                          <p:stCondLst>
+                                            <p:cond delay="0"/>
+                                          </p:stCondLst>
+                                        </p:cTn>
+                                        <p:tgtEl>
+                                          <p:spTgt spid="147"/>
+                                        </p:tgtEl>
+                                        <p:attrNameLst>
+                                          <p:attrName>style.visibility</p:attrName>
+                                        </p:attrNameLst>
+                                      </p:cBhvr>
+                                      <p:to>
+                                        <p:strVal val="visible"/>
+                                      </p:to>
+                                    </p:set>
+                                  </p:childTnLst>
+                                </p:cTn>
+                              </p:par>
+                              <p:par>
+                                <p:cTn id="139" presetID="1" presetClass="entr" presetSubtype="0" fill="hold" nodeType="withEffect">
+                                  <p:stCondLst>
+                                    <p:cond delay="0"/>
+                                  </p:stCondLst>
+                                  <p:childTnLst>
+                                    <p:set>
+                                      <p:cBhvr>
+                                        <p:cTn id="140" dur="1" fill="hold">
+                                          <p:stCondLst>
+                                            <p:cond delay="0"/>
+                                          </p:stCondLst>
+                                        </p:cTn>
+                                        <p:tgtEl>
+                                          <p:spTgt spid="158"/>
+                                        </p:tgtEl>
+                                        <p:attrNameLst>
+                                          <p:attrName>style.visibility</p:attrName>
+                                        </p:attrNameLst>
+                                      </p:cBhvr>
+                                      <p:to>
+                                        <p:strVal val="visible"/>
+                                      </p:to>
+                                    </p:set>
+                                  </p:childTnLst>
+                                </p:cTn>
+                              </p:par>
+                              <p:par>
+                                <p:cTn id="141" presetID="1" presetClass="entr" presetSubtype="0" fill="hold" grpId="0" nodeType="withEffect">
+                                  <p:stCondLst>
+                                    <p:cond delay="0"/>
+                                  </p:stCondLst>
+                                  <p:childTnLst>
+                                    <p:set>
+                                      <p:cBhvr>
+                                        <p:cTn id="142" dur="1" fill="hold">
+                                          <p:stCondLst>
+                                            <p:cond delay="0"/>
+                                          </p:stCondLst>
+                                        </p:cTn>
+                                        <p:tgtEl>
+                                          <p:spTgt spid="163"/>
+                                        </p:tgtEl>
+                                        <p:attrNameLst>
+                                          <p:attrName>style.visibility</p:attrName>
+                                        </p:attrNameLst>
+                                      </p:cBhvr>
+                                      <p:to>
+                                        <p:strVal val="visible"/>
+                                      </p:to>
+                                    </p:set>
+                                  </p:childTnLst>
+                                </p:cTn>
+                              </p:par>
+                              <p:par>
+                                <p:cTn id="143" presetID="1" presetClass="entr" presetSubtype="0" fill="hold" grpId="0" nodeType="withEffect">
+                                  <p:stCondLst>
+                                    <p:cond delay="0"/>
+                                  </p:stCondLst>
+                                  <p:childTnLst>
+                                    <p:set>
+                                      <p:cBhvr>
+                                        <p:cTn id="144" dur="1" fill="hold">
+                                          <p:stCondLst>
+                                            <p:cond delay="0"/>
+                                          </p:stCondLst>
+                                        </p:cTn>
+                                        <p:tgtEl>
+                                          <p:spTgt spid="161"/>
+                                        </p:tgtEl>
+                                        <p:attrNameLst>
+                                          <p:attrName>style.visibility</p:attrName>
+                                        </p:attrNameLst>
+                                      </p:cBhvr>
+                                      <p:to>
+                                        <p:strVal val="visible"/>
+                                      </p:to>
+                                    </p:set>
+                                  </p:childTnLst>
+                                </p:cTn>
+                              </p:par>
+                            </p:childTnLst>
+                          </p:cTn>
+                        </p:par>
+                      </p:childTnLst>
+                    </p:cTn>
+                  </p:par>
+                  <p:par>
+                    <p:cTn id="145" fill="hold">
+                      <p:stCondLst>
+                        <p:cond delay="indefinite"/>
+                      </p:stCondLst>
+                      <p:childTnLst>
+                        <p:par>
+                          <p:cTn id="146" fill="hold">
+                            <p:stCondLst>
+                              <p:cond delay="0"/>
+                            </p:stCondLst>
+                            <p:childTnLst>
+                              <p:par>
+                                <p:cTn id="147" presetID="1" presetClass="entr" presetSubtype="0" fill="hold" grpId="0" nodeType="clickEffect">
+                                  <p:stCondLst>
+                                    <p:cond delay="0"/>
+                                  </p:stCondLst>
+                                  <p:childTnLst>
+                                    <p:set>
+                                      <p:cBhvr>
+                                        <p:cTn id="148" dur="1" fill="hold">
+                                          <p:stCondLst>
+                                            <p:cond delay="0"/>
+                                          </p:stCondLst>
+                                        </p:cTn>
+                                        <p:tgtEl>
+                                          <p:spTgt spid="176"/>
+                                        </p:tgtEl>
+                                        <p:attrNameLst>
+                                          <p:attrName>style.visibility</p:attrName>
+                                        </p:attrNameLst>
+                                      </p:cBhvr>
+                                      <p:to>
+                                        <p:strVal val="visible"/>
+                                      </p:to>
+                                    </p:set>
+                                  </p:childTnLst>
+                                </p:cTn>
+                              </p:par>
+                              <p:par>
+                                <p:cTn id="149" presetID="1" presetClass="entr" presetSubtype="0" fill="hold" grpId="0" nodeType="withEffect">
+                                  <p:stCondLst>
+                                    <p:cond delay="0"/>
+                                  </p:stCondLst>
+                                  <p:childTnLst>
+                                    <p:set>
+                                      <p:cBhvr>
+                                        <p:cTn id="150" dur="1" fill="hold">
+                                          <p:stCondLst>
+                                            <p:cond delay="0"/>
+                                          </p:stCondLst>
+                                        </p:cTn>
+                                        <p:tgtEl>
+                                          <p:spTgt spid="175"/>
+                                        </p:tgtEl>
+                                        <p:attrNameLst>
+                                          <p:attrName>style.visibility</p:attrName>
+                                        </p:attrNameLst>
+                                      </p:cBhvr>
+                                      <p:to>
+                                        <p:strVal val="visible"/>
+                                      </p:to>
+                                    </p:set>
+                                  </p:childTnLst>
+                                </p:cTn>
+                              </p:par>
+                              <p:par>
+                                <p:cTn id="151" presetID="1" presetClass="exit" presetSubtype="0" fill="hold" grpId="1" nodeType="withEffect">
+                                  <p:stCondLst>
+                                    <p:cond delay="0"/>
+                                  </p:stCondLst>
+                                  <p:childTnLst>
+                                    <p:set>
+                                      <p:cBhvr>
+                                        <p:cTn id="152" dur="1" fill="hold">
+                                          <p:stCondLst>
+                                            <p:cond delay="0"/>
+                                          </p:stCondLst>
+                                        </p:cTn>
+                                        <p:tgtEl>
+                                          <p:spTgt spid="3">
+                                            <p:txEl>
+                                              <p:pRg st="0" end="0"/>
+                                            </p:txEl>
+                                          </p:spTgt>
+                                        </p:tgtEl>
+                                        <p:attrNameLst>
+                                          <p:attrName>style.visibility</p:attrName>
+                                        </p:attrNameLst>
+                                      </p:cBhvr>
+                                      <p:to>
+                                        <p:strVal val="hidden"/>
                                       </p:to>
                                     </p:set>
                                   </p:childTnLst>
@@ -5110,9 +9830,57 @@
       </p:par>
     </p:tnLst>
     <p:bldLst>
-      <p:bldP spid="7" grpId="0" animBg="1"/>
-      <p:bldP spid="8" grpId="0" animBg="1"/>
-      <p:bldP spid="9" grpId="0"/>
+      <p:bldP spid="30" grpId="0" animBg="1"/>
+      <p:bldP spid="57" grpId="0"/>
+      <p:bldP spid="57" grpId="1"/>
+      <p:bldP spid="3" grpId="0" build="p"/>
+      <p:bldP spid="3" grpId="1" build="p"/>
+      <p:bldP spid="32" grpId="0" animBg="1"/>
+      <p:bldP spid="33" grpId="0" animBg="1"/>
+      <p:bldP spid="35" grpId="0" animBg="1"/>
+      <p:bldP spid="36" grpId="0"/>
+      <p:bldP spid="42" grpId="0" animBg="1"/>
+      <p:bldP spid="43" grpId="0" animBg="1"/>
+      <p:bldP spid="44" grpId="0" animBg="1"/>
+      <p:bldP spid="45" grpId="0" animBg="1"/>
+      <p:bldP spid="50" grpId="0"/>
+      <p:bldP spid="51" grpId="0"/>
+      <p:bldP spid="52" grpId="0"/>
+      <p:bldP spid="53" grpId="0"/>
+      <p:bldP spid="61" grpId="0" animBg="1"/>
+      <p:bldP spid="66" grpId="0"/>
+      <p:bldP spid="73" grpId="0" animBg="1"/>
+      <p:bldP spid="74" grpId="0" animBg="1"/>
+      <p:bldP spid="75" grpId="0" animBg="1"/>
+      <p:bldP spid="76" grpId="0" animBg="1"/>
+      <p:bldP spid="77" grpId="0" animBg="1"/>
+      <p:bldP spid="78" grpId="0" animBg="1"/>
+      <p:bldP spid="79" grpId="0" animBg="1"/>
+      <p:bldP spid="92" grpId="0"/>
+      <p:bldP spid="93" grpId="0"/>
+      <p:bldP spid="94" grpId="0"/>
+      <p:bldP spid="95" grpId="0"/>
+      <p:bldP spid="97" grpId="0" animBg="1"/>
+      <p:bldP spid="98" grpId="0"/>
+      <p:bldP spid="99" grpId="0" animBg="1"/>
+      <p:bldP spid="101" grpId="0" animBg="1"/>
+      <p:bldP spid="102" grpId="0"/>
+      <p:bldP spid="120" grpId="0"/>
+      <p:bldP spid="121" grpId="0"/>
+      <p:bldP spid="141" grpId="0"/>
+      <p:bldP spid="142" grpId="0" animBg="1"/>
+      <p:bldP spid="144" grpId="0"/>
+      <p:bldP spid="145" grpId="0" animBg="1"/>
+      <p:bldP spid="146" grpId="0"/>
+      <p:bldP spid="147" grpId="0" animBg="1"/>
+      <p:bldP spid="161" grpId="0" animBg="1"/>
+      <p:bldP spid="163" grpId="0"/>
+      <p:bldP spid="164" grpId="0"/>
+      <p:bldP spid="168" grpId="0"/>
+      <p:bldP spid="169" grpId="0"/>
+      <p:bldP spid="174" grpId="0"/>
+      <p:bldP spid="175" grpId="0" animBg="1"/>
+      <p:bldP spid="176" grpId="0"/>
     </p:bldLst>
   </p:timing>
 </p:sld>
@@ -7107,96 +11875,6 @@
           </a:p>
         </p:txBody>
       </p:sp>
-      <p:sp>
-        <p:nvSpPr>
-          <p:cNvPr id="64" name="Left Bracket 63">
-            <a:extLst>
-              <a:ext uri="{FF2B5EF4-FFF2-40B4-BE49-F238E27FC236}">
-                <a16:creationId xmlns:a16="http://schemas.microsoft.com/office/drawing/2014/main" id="{98851A94-6809-5CCE-A319-8B27116401C0}"/>
-              </a:ext>
-            </a:extLst>
-          </p:cNvPr>
-          <p:cNvSpPr/>
-          <p:nvPr/>
-        </p:nvSpPr>
-        <p:spPr>
-          <a:xfrm>
-            <a:off x="651160" y="2099417"/>
-            <a:ext cx="241980" cy="893572"/>
-          </a:xfrm>
-          <a:prstGeom prst="leftBracket">
-            <a:avLst/>
-          </a:prstGeom>
-          <a:ln w="63500"/>
-        </p:spPr>
-        <p:style>
-          <a:lnRef idx="1">
-            <a:schemeClr val="accent1"/>
-          </a:lnRef>
-          <a:fillRef idx="0">
-            <a:schemeClr val="accent1"/>
-          </a:fillRef>
-          <a:effectRef idx="0">
-            <a:schemeClr val="accent1"/>
-          </a:effectRef>
-          <a:fontRef idx="minor">
-            <a:schemeClr val="tx1"/>
-          </a:fontRef>
-        </p:style>
-        <p:txBody>
-          <a:bodyPr rtlCol="0" anchor="ctr"/>
-          <a:lstStyle/>
-          <a:p>
-            <a:pPr algn="ctr"/>
-            <a:endParaRPr lang="en-US"/>
-          </a:p>
-        </p:txBody>
-      </p:sp>
-      <p:sp>
-        <p:nvSpPr>
-          <p:cNvPr id="65" name="Right Bracket 64">
-            <a:extLst>
-              <a:ext uri="{FF2B5EF4-FFF2-40B4-BE49-F238E27FC236}">
-                <a16:creationId xmlns:a16="http://schemas.microsoft.com/office/drawing/2014/main" id="{D20C732D-230A-C962-B524-8468439C1EFC}"/>
-              </a:ext>
-            </a:extLst>
-          </p:cNvPr>
-          <p:cNvSpPr/>
-          <p:nvPr/>
-        </p:nvSpPr>
-        <p:spPr>
-          <a:xfrm>
-            <a:off x="3364114" y="2126454"/>
-            <a:ext cx="241980" cy="834637"/>
-          </a:xfrm>
-          <a:prstGeom prst="rightBracket">
-            <a:avLst/>
-          </a:prstGeom>
-          <a:ln w="63500"/>
-        </p:spPr>
-        <p:style>
-          <a:lnRef idx="1">
-            <a:schemeClr val="accent1"/>
-          </a:lnRef>
-          <a:fillRef idx="0">
-            <a:schemeClr val="accent1"/>
-          </a:fillRef>
-          <a:effectRef idx="0">
-            <a:schemeClr val="accent1"/>
-          </a:effectRef>
-          <a:fontRef idx="minor">
-            <a:schemeClr val="tx1"/>
-          </a:fontRef>
-        </p:style>
-        <p:txBody>
-          <a:bodyPr rtlCol="0" anchor="ctr"/>
-          <a:lstStyle/>
-          <a:p>
-            <a:pPr algn="ctr"/>
-            <a:endParaRPr lang="en-US"/>
-          </a:p>
-        </p:txBody>
-      </p:sp>
     </p:spTree>
     <p:extLst>
       <p:ext uri="{BB962C8B-B14F-4D97-AF65-F5344CB8AC3E}">
@@ -7980,78 +12658,6 @@
                                         </p:cTn>
                                         <p:tgtEl>
                                           <p:spTgt spid="60"/>
-                                        </p:tgtEl>
-                                        <p:attrNameLst>
-                                          <p:attrName>style.visibility</p:attrName>
-                                        </p:attrNameLst>
-                                      </p:cBhvr>
-                                      <p:to>
-                                        <p:strVal val="visible"/>
-                                      </p:to>
-                                    </p:set>
-                                  </p:childTnLst>
-                                </p:cTn>
-                              </p:par>
-                            </p:childTnLst>
-                          </p:cTn>
-                        </p:par>
-                      </p:childTnLst>
-                    </p:cTn>
-                  </p:par>
-                  <p:par>
-                    <p:cTn id="63" fill="hold">
-                      <p:stCondLst>
-                        <p:cond delay="indefinite"/>
-                      </p:stCondLst>
-                      <p:childTnLst>
-                        <p:par>
-                          <p:cTn id="64" fill="hold">
-                            <p:stCondLst>
-                              <p:cond delay="0"/>
-                            </p:stCondLst>
-                            <p:childTnLst>
-                              <p:par>
-                                <p:cTn id="65" presetID="1" presetClass="entr" presetSubtype="0" fill="hold" grpId="0" nodeType="clickEffect">
-                                  <p:stCondLst>
-                                    <p:cond delay="0"/>
-                                  </p:stCondLst>
-                                  <p:childTnLst>
-                                    <p:set>
-                                      <p:cBhvr>
-                                        <p:cTn id="66" dur="1" fill="hold">
-                                          <p:stCondLst>
-                                            <p:cond delay="0"/>
-                                          </p:stCondLst>
-                                        </p:cTn>
-                                        <p:tgtEl>
-                                          <p:spTgt spid="65"/>
-                                        </p:tgtEl>
-                                        <p:attrNameLst>
-                                          <p:attrName>style.visibility</p:attrName>
-                                        </p:attrNameLst>
-                                      </p:cBhvr>
-                                      <p:to>
-                                        <p:strVal val="visible"/>
-                                      </p:to>
-                                    </p:set>
-                                  </p:childTnLst>
-                                </p:cTn>
-                              </p:par>
-                              <p:par>
-                                <p:cTn id="67" presetID="1" presetClass="entr" presetSubtype="0" fill="hold" grpId="0" nodeType="withEffect">
-                                  <p:stCondLst>
-                                    <p:cond delay="0"/>
-                                  </p:stCondLst>
-                                  <p:childTnLst>
-                                    <p:set>
-                                      <p:cBhvr>
-                                        <p:cTn id="68" dur="1" fill="hold">
-                                          <p:stCondLst>
-                                            <p:cond delay="0"/>
-                                          </p:stCondLst>
-                                        </p:cTn>
-                                        <p:tgtEl>
-                                          <p:spTgt spid="64"/>
                                         </p:tgtEl>
                                         <p:attrNameLst>
                                           <p:attrName>style.visibility</p:attrName>
@@ -8108,8 +12714,6 @@
       <p:bldP spid="44" grpId="0" animBg="1"/>
       <p:bldP spid="59" grpId="0"/>
       <p:bldP spid="60" grpId="0"/>
-      <p:bldP spid="64" grpId="0" animBg="1"/>
-      <p:bldP spid="65" grpId="0" animBg="1"/>
     </p:bldLst>
   </p:timing>
 </p:sld>
@@ -9708,12 +14312,440 @@
           </a:p>
         </p:txBody>
       </p:sp>
+      <p:cxnSp>
+        <p:nvCxnSpPr>
+          <p:cNvPr id="29" name="Straight Arrow Connector 28">
+            <a:extLst>
+              <a:ext uri="{FF2B5EF4-FFF2-40B4-BE49-F238E27FC236}">
+                <a16:creationId xmlns:a16="http://schemas.microsoft.com/office/drawing/2014/main" id="{8BCEF90B-6273-FF8E-F838-639EB93C4F86}"/>
+              </a:ext>
+            </a:extLst>
+          </p:cNvPr>
+          <p:cNvCxnSpPr>
+            <a:cxnSpLocks/>
+          </p:cNvCxnSpPr>
+          <p:nvPr/>
+        </p:nvCxnSpPr>
+        <p:spPr>
+          <a:xfrm>
+            <a:off x="9528576" y="1254099"/>
+            <a:ext cx="0" cy="1085983"/>
+          </a:xfrm>
+          <a:prstGeom prst="straightConnector1">
+            <a:avLst/>
+          </a:prstGeom>
+          <a:ln>
+            <a:tailEnd type="triangle"/>
+          </a:ln>
+        </p:spPr>
+        <p:style>
+          <a:lnRef idx="1">
+            <a:schemeClr val="accent1"/>
+          </a:lnRef>
+          <a:fillRef idx="0">
+            <a:schemeClr val="accent1"/>
+          </a:fillRef>
+          <a:effectRef idx="0">
+            <a:schemeClr val="accent1"/>
+          </a:effectRef>
+          <a:fontRef idx="minor">
+            <a:schemeClr val="tx1"/>
+          </a:fontRef>
+        </p:style>
+      </p:cxnSp>
+      <p:sp>
+        <p:nvSpPr>
+          <p:cNvPr id="30" name="TextBox 29">
+            <a:extLst>
+              <a:ext uri="{FF2B5EF4-FFF2-40B4-BE49-F238E27FC236}">
+                <a16:creationId xmlns:a16="http://schemas.microsoft.com/office/drawing/2014/main" id="{D34F1187-2A2E-1A17-6F2E-8BDE5B5DB3B8}"/>
+              </a:ext>
+            </a:extLst>
+          </p:cNvPr>
+          <p:cNvSpPr txBox="1"/>
+          <p:nvPr/>
+        </p:nvSpPr>
+        <p:spPr>
+          <a:xfrm>
+            <a:off x="9528576" y="1567579"/>
+            <a:ext cx="264816" cy="369332"/>
+          </a:xfrm>
+          <a:prstGeom prst="rect">
+            <a:avLst/>
+          </a:prstGeom>
+          <a:noFill/>
+        </p:spPr>
+        <p:txBody>
+          <a:bodyPr wrap="square" rtlCol="0">
+            <a:spAutoFit/>
+          </a:bodyPr>
+          <a:lstStyle/>
+          <a:p>
+            <a:r>
+              <a:rPr lang="en-US" dirty="0"/>
+              <a:t>r</a:t>
+            </a:r>
+          </a:p>
+        </p:txBody>
+      </p:sp>
+      <p:sp>
+        <p:nvSpPr>
+          <p:cNvPr id="35" name="Alternate Process 34">
+            <a:extLst>
+              <a:ext uri="{FF2B5EF4-FFF2-40B4-BE49-F238E27FC236}">
+                <a16:creationId xmlns:a16="http://schemas.microsoft.com/office/drawing/2014/main" id="{A2128831-BB3A-EAF8-15DB-AEEAA4C08C9D}"/>
+              </a:ext>
+            </a:extLst>
+          </p:cNvPr>
+          <p:cNvSpPr/>
+          <p:nvPr/>
+        </p:nvSpPr>
+        <p:spPr>
+          <a:xfrm>
+            <a:off x="9088487" y="597659"/>
+            <a:ext cx="863600" cy="686752"/>
+          </a:xfrm>
+          <a:prstGeom prst="flowChartAlternateProcess">
+            <a:avLst/>
+          </a:prstGeom>
+          <a:noFill/>
+        </p:spPr>
+        <p:style>
+          <a:lnRef idx="2">
+            <a:schemeClr val="accent1">
+              <a:shade val="50000"/>
+            </a:schemeClr>
+          </a:lnRef>
+          <a:fillRef idx="1">
+            <a:schemeClr val="accent1"/>
+          </a:fillRef>
+          <a:effectRef idx="0">
+            <a:schemeClr val="accent1"/>
+          </a:effectRef>
+          <a:fontRef idx="minor">
+            <a:schemeClr val="lt1"/>
+          </a:fontRef>
+        </p:style>
+        <p:txBody>
+          <a:bodyPr rtlCol="0" anchor="ctr"/>
+          <a:lstStyle/>
+          <a:p>
+            <a:pPr algn="ctr"/>
+            <a:endParaRPr lang="en-US"/>
+          </a:p>
+        </p:txBody>
+      </p:sp>
+      <p:sp>
+        <p:nvSpPr>
+          <p:cNvPr id="41" name="TextBox 40">
+            <a:extLst>
+              <a:ext uri="{FF2B5EF4-FFF2-40B4-BE49-F238E27FC236}">
+                <a16:creationId xmlns:a16="http://schemas.microsoft.com/office/drawing/2014/main" id="{8EC11BF1-763B-F80A-392D-3D066F83FEFA}"/>
+              </a:ext>
+            </a:extLst>
+          </p:cNvPr>
+          <p:cNvSpPr txBox="1"/>
+          <p:nvPr/>
+        </p:nvSpPr>
+        <p:spPr>
+          <a:xfrm>
+            <a:off x="9358600" y="733157"/>
+            <a:ext cx="616531" cy="369332"/>
+          </a:xfrm>
+          <a:prstGeom prst="rect">
+            <a:avLst/>
+          </a:prstGeom>
+          <a:noFill/>
+        </p:spPr>
+        <p:txBody>
+          <a:bodyPr wrap="square" rtlCol="0">
+            <a:spAutoFit/>
+          </a:bodyPr>
+          <a:lstStyle/>
+          <a:p>
+            <a:r>
+              <a:rPr lang="en-US" dirty="0" err="1"/>
+              <a:t>r</a:t>
+            </a:r>
+            <a:r>
+              <a:rPr lang="en-US" baseline="-25000" dirty="0" err="1"/>
+              <a:t>s</a:t>
+            </a:r>
+            <a:endParaRPr lang="en-US" dirty="0"/>
+          </a:p>
+        </p:txBody>
+      </p:sp>
+      <p:cxnSp>
+        <p:nvCxnSpPr>
+          <p:cNvPr id="42" name="Straight Arrow Connector 41">
+            <a:extLst>
+              <a:ext uri="{FF2B5EF4-FFF2-40B4-BE49-F238E27FC236}">
+                <a16:creationId xmlns:a16="http://schemas.microsoft.com/office/drawing/2014/main" id="{BAB9456B-EDB3-727E-48DF-6122ED6F2BE3}"/>
+              </a:ext>
+            </a:extLst>
+          </p:cNvPr>
+          <p:cNvCxnSpPr>
+            <a:cxnSpLocks/>
+            <a:stCxn id="35" idx="1"/>
+          </p:cNvCxnSpPr>
+          <p:nvPr/>
+        </p:nvCxnSpPr>
+        <p:spPr>
+          <a:xfrm flipH="1">
+            <a:off x="3293847" y="941035"/>
+            <a:ext cx="5794640" cy="1543572"/>
+          </a:xfrm>
+          <a:prstGeom prst="straightConnector1">
+            <a:avLst/>
+          </a:prstGeom>
+          <a:ln>
+            <a:tailEnd type="triangle"/>
+          </a:ln>
+        </p:spPr>
+        <p:style>
+          <a:lnRef idx="1">
+            <a:schemeClr val="accent1"/>
+          </a:lnRef>
+          <a:fillRef idx="0">
+            <a:schemeClr val="accent1"/>
+          </a:fillRef>
+          <a:effectRef idx="0">
+            <a:schemeClr val="accent1"/>
+          </a:effectRef>
+          <a:fontRef idx="minor">
+            <a:schemeClr val="tx1"/>
+          </a:fontRef>
+        </p:style>
+      </p:cxnSp>
+      <p:sp>
+        <p:nvSpPr>
+          <p:cNvPr id="43" name="TextBox 42">
+            <a:extLst>
+              <a:ext uri="{FF2B5EF4-FFF2-40B4-BE49-F238E27FC236}">
+                <a16:creationId xmlns:a16="http://schemas.microsoft.com/office/drawing/2014/main" id="{139CAD4C-A0B1-6C2C-F2C0-9E28E2DF80BE}"/>
+              </a:ext>
+            </a:extLst>
+          </p:cNvPr>
+          <p:cNvSpPr txBox="1"/>
+          <p:nvPr/>
+        </p:nvSpPr>
+        <p:spPr>
+          <a:xfrm>
+            <a:off x="4406620" y="1878343"/>
+            <a:ext cx="264816" cy="369332"/>
+          </a:xfrm>
+          <a:prstGeom prst="rect">
+            <a:avLst/>
+          </a:prstGeom>
+          <a:noFill/>
+        </p:spPr>
+        <p:txBody>
+          <a:bodyPr wrap="square" rtlCol="0">
+            <a:spAutoFit/>
+          </a:bodyPr>
+          <a:lstStyle/>
+          <a:p>
+            <a:r>
+              <a:rPr lang="en-US" dirty="0"/>
+              <a:t>r</a:t>
+            </a:r>
+          </a:p>
+        </p:txBody>
+      </p:sp>
+      <p:sp>
+        <p:nvSpPr>
+          <p:cNvPr id="47" name="Left Bracket 46">
+            <a:extLst>
+              <a:ext uri="{FF2B5EF4-FFF2-40B4-BE49-F238E27FC236}">
+                <a16:creationId xmlns:a16="http://schemas.microsoft.com/office/drawing/2014/main" id="{E8454632-B223-A41D-17BD-A875450A8AB3}"/>
+              </a:ext>
+            </a:extLst>
+          </p:cNvPr>
+          <p:cNvSpPr/>
+          <p:nvPr/>
+        </p:nvSpPr>
+        <p:spPr>
+          <a:xfrm>
+            <a:off x="555592" y="2010277"/>
+            <a:ext cx="323002" cy="902793"/>
+          </a:xfrm>
+          <a:prstGeom prst="leftBracket">
+            <a:avLst/>
+          </a:prstGeom>
+          <a:ln w="63500">
+            <a:solidFill>
+              <a:schemeClr val="accent1"/>
+            </a:solidFill>
+          </a:ln>
+        </p:spPr>
+        <p:style>
+          <a:lnRef idx="1">
+            <a:schemeClr val="accent1"/>
+          </a:lnRef>
+          <a:fillRef idx="0">
+            <a:schemeClr val="accent1"/>
+          </a:fillRef>
+          <a:effectRef idx="0">
+            <a:schemeClr val="accent1"/>
+          </a:effectRef>
+          <a:fontRef idx="minor">
+            <a:schemeClr val="tx1"/>
+          </a:fontRef>
+        </p:style>
+        <p:txBody>
+          <a:bodyPr rtlCol="0" anchor="ctr"/>
+          <a:lstStyle/>
+          <a:p>
+            <a:pPr algn="ctr"/>
+            <a:endParaRPr lang="en-US"/>
+          </a:p>
+        </p:txBody>
+      </p:sp>
+      <p:sp>
+        <p:nvSpPr>
+          <p:cNvPr id="48" name="Right Bracket 47">
+            <a:extLst>
+              <a:ext uri="{FF2B5EF4-FFF2-40B4-BE49-F238E27FC236}">
+                <a16:creationId xmlns:a16="http://schemas.microsoft.com/office/drawing/2014/main" id="{E0855859-B268-3F53-F303-78E3E5E47695}"/>
+              </a:ext>
+            </a:extLst>
+          </p:cNvPr>
+          <p:cNvSpPr/>
+          <p:nvPr/>
+        </p:nvSpPr>
+        <p:spPr>
+          <a:xfrm>
+            <a:off x="3465511" y="2005898"/>
+            <a:ext cx="321137" cy="867412"/>
+          </a:xfrm>
+          <a:prstGeom prst="rightBracket">
+            <a:avLst/>
+          </a:prstGeom>
+          <a:ln w="63500"/>
+        </p:spPr>
+        <p:style>
+          <a:lnRef idx="1">
+            <a:schemeClr val="accent1"/>
+          </a:lnRef>
+          <a:fillRef idx="0">
+            <a:schemeClr val="accent1"/>
+          </a:fillRef>
+          <a:effectRef idx="0">
+            <a:schemeClr val="accent1"/>
+          </a:effectRef>
+          <a:fontRef idx="minor">
+            <a:schemeClr val="tx1"/>
+          </a:fontRef>
+        </p:style>
+        <p:txBody>
+          <a:bodyPr rtlCol="0" anchor="ctr"/>
+          <a:lstStyle/>
+          <a:p>
+            <a:pPr algn="ctr"/>
+            <a:endParaRPr lang="en-US"/>
+          </a:p>
+        </p:txBody>
+      </p:sp>
+      <p:sp>
+        <p:nvSpPr>
+          <p:cNvPr id="49" name="Left Bracket 48">
+            <a:extLst>
+              <a:ext uri="{FF2B5EF4-FFF2-40B4-BE49-F238E27FC236}">
+                <a16:creationId xmlns:a16="http://schemas.microsoft.com/office/drawing/2014/main" id="{9EE8E7F9-E323-AEDF-ABDD-70221B890F54}"/>
+              </a:ext>
+            </a:extLst>
+          </p:cNvPr>
+          <p:cNvSpPr/>
+          <p:nvPr/>
+        </p:nvSpPr>
+        <p:spPr>
+          <a:xfrm>
+            <a:off x="7714875" y="2162677"/>
+            <a:ext cx="323002" cy="902793"/>
+          </a:xfrm>
+          <a:prstGeom prst="leftBracket">
+            <a:avLst/>
+          </a:prstGeom>
+          <a:ln w="63500">
+            <a:solidFill>
+              <a:schemeClr val="accent1"/>
+            </a:solidFill>
+          </a:ln>
+        </p:spPr>
+        <p:style>
+          <a:lnRef idx="1">
+            <a:schemeClr val="accent1"/>
+          </a:lnRef>
+          <a:fillRef idx="0">
+            <a:schemeClr val="accent1"/>
+          </a:fillRef>
+          <a:effectRef idx="0">
+            <a:schemeClr val="accent1"/>
+          </a:effectRef>
+          <a:fontRef idx="minor">
+            <a:schemeClr val="tx1"/>
+          </a:fontRef>
+        </p:style>
+        <p:txBody>
+          <a:bodyPr rtlCol="0" anchor="ctr"/>
+          <a:lstStyle/>
+          <a:p>
+            <a:pPr algn="ctr"/>
+            <a:endParaRPr lang="en-US"/>
+          </a:p>
+        </p:txBody>
+      </p:sp>
+      <p:sp>
+        <p:nvSpPr>
+          <p:cNvPr id="50" name="Right Bracket 49">
+            <a:extLst>
+              <a:ext uri="{FF2B5EF4-FFF2-40B4-BE49-F238E27FC236}">
+                <a16:creationId xmlns:a16="http://schemas.microsoft.com/office/drawing/2014/main" id="{F4B3423D-A5EE-AE16-D759-791BEC686FED}"/>
+              </a:ext>
+            </a:extLst>
+          </p:cNvPr>
+          <p:cNvSpPr/>
+          <p:nvPr/>
+        </p:nvSpPr>
+        <p:spPr>
+          <a:xfrm>
+            <a:off x="10624794" y="2158298"/>
+            <a:ext cx="321137" cy="867412"/>
+          </a:xfrm>
+          <a:prstGeom prst="rightBracket">
+            <a:avLst/>
+          </a:prstGeom>
+          <a:ln w="63500"/>
+        </p:spPr>
+        <p:style>
+          <a:lnRef idx="1">
+            <a:schemeClr val="accent1"/>
+          </a:lnRef>
+          <a:fillRef idx="0">
+            <a:schemeClr val="accent1"/>
+          </a:fillRef>
+          <a:effectRef idx="0">
+            <a:schemeClr val="accent1"/>
+          </a:effectRef>
+          <a:fontRef idx="minor">
+            <a:schemeClr val="tx1"/>
+          </a:fontRef>
+        </p:style>
+        <p:txBody>
+          <a:bodyPr rtlCol="0" anchor="ctr"/>
+          <a:lstStyle/>
+          <a:p>
+            <a:pPr algn="ctr"/>
+            <a:endParaRPr lang="en-US"/>
+          </a:p>
+        </p:txBody>
+      </p:sp>
       <p:pic>
         <p:nvPicPr>
-          <p:cNvPr id="28" name="Picture 27" descr="A picture containing text, font, white, line&#10;&#10;Description automatically generated">
-            <a:extLst>
-              <a:ext uri="{FF2B5EF4-FFF2-40B4-BE49-F238E27FC236}">
-                <a16:creationId xmlns:a16="http://schemas.microsoft.com/office/drawing/2014/main" id="{D6D2D35C-4207-318F-A44C-41EE126AC642}"/>
+          <p:cNvPr id="6" name="Picture 5">
+            <a:extLst>
+              <a:ext uri="{FF2B5EF4-FFF2-40B4-BE49-F238E27FC236}">
+                <a16:creationId xmlns:a16="http://schemas.microsoft.com/office/drawing/2014/main" id="{A246AD16-6DA8-6DB2-6696-70F8BD691D11}"/>
               </a:ext>
             </a:extLst>
           </p:cNvPr>
@@ -9730,448 +14762,20 @@
         </p:blipFill>
         <p:spPr>
           <a:xfrm>
-            <a:off x="3315208" y="5685035"/>
-            <a:ext cx="5410200" cy="914400"/>
+            <a:off x="6659769" y="3958260"/>
+            <a:ext cx="464754" cy="375378"/>
           </a:xfrm>
           <a:prstGeom prst="rect">
             <a:avLst/>
           </a:prstGeom>
         </p:spPr>
       </p:pic>
-      <p:cxnSp>
-        <p:nvCxnSpPr>
-          <p:cNvPr id="29" name="Straight Arrow Connector 28">
-            <a:extLst>
-              <a:ext uri="{FF2B5EF4-FFF2-40B4-BE49-F238E27FC236}">
-                <a16:creationId xmlns:a16="http://schemas.microsoft.com/office/drawing/2014/main" id="{8BCEF90B-6273-FF8E-F838-639EB93C4F86}"/>
-              </a:ext>
-            </a:extLst>
-          </p:cNvPr>
-          <p:cNvCxnSpPr>
-            <a:cxnSpLocks/>
-          </p:cNvCxnSpPr>
-          <p:nvPr/>
-        </p:nvCxnSpPr>
-        <p:spPr>
-          <a:xfrm>
-            <a:off x="9528576" y="1254099"/>
-            <a:ext cx="0" cy="1085983"/>
-          </a:xfrm>
-          <a:prstGeom prst="straightConnector1">
-            <a:avLst/>
-          </a:prstGeom>
-          <a:ln>
-            <a:tailEnd type="triangle"/>
-          </a:ln>
-        </p:spPr>
-        <p:style>
-          <a:lnRef idx="1">
-            <a:schemeClr val="accent1"/>
-          </a:lnRef>
-          <a:fillRef idx="0">
-            <a:schemeClr val="accent1"/>
-          </a:fillRef>
-          <a:effectRef idx="0">
-            <a:schemeClr val="accent1"/>
-          </a:effectRef>
-          <a:fontRef idx="minor">
-            <a:schemeClr val="tx1"/>
-          </a:fontRef>
-        </p:style>
-      </p:cxnSp>
-      <p:sp>
-        <p:nvSpPr>
-          <p:cNvPr id="30" name="TextBox 29">
-            <a:extLst>
-              <a:ext uri="{FF2B5EF4-FFF2-40B4-BE49-F238E27FC236}">
-                <a16:creationId xmlns:a16="http://schemas.microsoft.com/office/drawing/2014/main" id="{D34F1187-2A2E-1A17-6F2E-8BDE5B5DB3B8}"/>
-              </a:ext>
-            </a:extLst>
-          </p:cNvPr>
-          <p:cNvSpPr txBox="1"/>
-          <p:nvPr/>
-        </p:nvSpPr>
-        <p:spPr>
-          <a:xfrm>
-            <a:off x="9528576" y="1567579"/>
-            <a:ext cx="264816" cy="369332"/>
-          </a:xfrm>
-          <a:prstGeom prst="rect">
-            <a:avLst/>
-          </a:prstGeom>
-          <a:noFill/>
-        </p:spPr>
-        <p:txBody>
-          <a:bodyPr wrap="square" rtlCol="0">
-            <a:spAutoFit/>
-          </a:bodyPr>
-          <a:lstStyle/>
-          <a:p>
-            <a:r>
-              <a:rPr lang="en-US" dirty="0"/>
-              <a:t>r</a:t>
-            </a:r>
-          </a:p>
-        </p:txBody>
-      </p:sp>
-      <p:sp>
-        <p:nvSpPr>
-          <p:cNvPr id="35" name="Alternate Process 34">
-            <a:extLst>
-              <a:ext uri="{FF2B5EF4-FFF2-40B4-BE49-F238E27FC236}">
-                <a16:creationId xmlns:a16="http://schemas.microsoft.com/office/drawing/2014/main" id="{A2128831-BB3A-EAF8-15DB-AEEAA4C08C9D}"/>
-              </a:ext>
-            </a:extLst>
-          </p:cNvPr>
-          <p:cNvSpPr/>
-          <p:nvPr/>
-        </p:nvSpPr>
-        <p:spPr>
-          <a:xfrm>
-            <a:off x="9088487" y="597659"/>
-            <a:ext cx="863600" cy="686752"/>
-          </a:xfrm>
-          <a:prstGeom prst="flowChartAlternateProcess">
-            <a:avLst/>
-          </a:prstGeom>
-          <a:noFill/>
-        </p:spPr>
-        <p:style>
-          <a:lnRef idx="2">
-            <a:schemeClr val="accent1">
-              <a:shade val="50000"/>
-            </a:schemeClr>
-          </a:lnRef>
-          <a:fillRef idx="1">
-            <a:schemeClr val="accent1"/>
-          </a:fillRef>
-          <a:effectRef idx="0">
-            <a:schemeClr val="accent1"/>
-          </a:effectRef>
-          <a:fontRef idx="minor">
-            <a:schemeClr val="lt1"/>
-          </a:fontRef>
-        </p:style>
-        <p:txBody>
-          <a:bodyPr rtlCol="0" anchor="ctr"/>
-          <a:lstStyle/>
-          <a:p>
-            <a:pPr algn="ctr"/>
-            <a:endParaRPr lang="en-US"/>
-          </a:p>
-        </p:txBody>
-      </p:sp>
-      <p:sp>
-        <p:nvSpPr>
-          <p:cNvPr id="41" name="TextBox 40">
-            <a:extLst>
-              <a:ext uri="{FF2B5EF4-FFF2-40B4-BE49-F238E27FC236}">
-                <a16:creationId xmlns:a16="http://schemas.microsoft.com/office/drawing/2014/main" id="{8EC11BF1-763B-F80A-392D-3D066F83FEFA}"/>
-              </a:ext>
-            </a:extLst>
-          </p:cNvPr>
-          <p:cNvSpPr txBox="1"/>
-          <p:nvPr/>
-        </p:nvSpPr>
-        <p:spPr>
-          <a:xfrm>
-            <a:off x="9358600" y="733157"/>
-            <a:ext cx="616531" cy="369332"/>
-          </a:xfrm>
-          <a:prstGeom prst="rect">
-            <a:avLst/>
-          </a:prstGeom>
-          <a:noFill/>
-        </p:spPr>
-        <p:txBody>
-          <a:bodyPr wrap="square" rtlCol="0">
-            <a:spAutoFit/>
-          </a:bodyPr>
-          <a:lstStyle/>
-          <a:p>
-            <a:r>
-              <a:rPr lang="en-US" dirty="0" err="1"/>
-              <a:t>r</a:t>
-            </a:r>
-            <a:r>
-              <a:rPr lang="en-US" baseline="-25000" dirty="0" err="1"/>
-              <a:t>s</a:t>
-            </a:r>
-            <a:endParaRPr lang="en-US" dirty="0"/>
-          </a:p>
-        </p:txBody>
-      </p:sp>
-      <p:cxnSp>
-        <p:nvCxnSpPr>
-          <p:cNvPr id="42" name="Straight Arrow Connector 41">
-            <a:extLst>
-              <a:ext uri="{FF2B5EF4-FFF2-40B4-BE49-F238E27FC236}">
-                <a16:creationId xmlns:a16="http://schemas.microsoft.com/office/drawing/2014/main" id="{BAB9456B-EDB3-727E-48DF-6122ED6F2BE3}"/>
-              </a:ext>
-            </a:extLst>
-          </p:cNvPr>
-          <p:cNvCxnSpPr>
-            <a:cxnSpLocks/>
-            <a:stCxn id="35" idx="1"/>
-          </p:cNvCxnSpPr>
-          <p:nvPr/>
-        </p:nvCxnSpPr>
-        <p:spPr>
-          <a:xfrm flipH="1">
-            <a:off x="3293847" y="941035"/>
-            <a:ext cx="5794640" cy="1543572"/>
-          </a:xfrm>
-          <a:prstGeom prst="straightConnector1">
-            <a:avLst/>
-          </a:prstGeom>
-          <a:ln>
-            <a:tailEnd type="triangle"/>
-          </a:ln>
-        </p:spPr>
-        <p:style>
-          <a:lnRef idx="1">
-            <a:schemeClr val="accent1"/>
-          </a:lnRef>
-          <a:fillRef idx="0">
-            <a:schemeClr val="accent1"/>
-          </a:fillRef>
-          <a:effectRef idx="0">
-            <a:schemeClr val="accent1"/>
-          </a:effectRef>
-          <a:fontRef idx="minor">
-            <a:schemeClr val="tx1"/>
-          </a:fontRef>
-        </p:style>
-      </p:cxnSp>
-      <p:sp>
-        <p:nvSpPr>
-          <p:cNvPr id="43" name="TextBox 42">
-            <a:extLst>
-              <a:ext uri="{FF2B5EF4-FFF2-40B4-BE49-F238E27FC236}">
-                <a16:creationId xmlns:a16="http://schemas.microsoft.com/office/drawing/2014/main" id="{139CAD4C-A0B1-6C2C-F2C0-9E28E2DF80BE}"/>
-              </a:ext>
-            </a:extLst>
-          </p:cNvPr>
-          <p:cNvSpPr txBox="1"/>
-          <p:nvPr/>
-        </p:nvSpPr>
-        <p:spPr>
-          <a:xfrm>
-            <a:off x="4406620" y="1878343"/>
-            <a:ext cx="264816" cy="369332"/>
-          </a:xfrm>
-          <a:prstGeom prst="rect">
-            <a:avLst/>
-          </a:prstGeom>
-          <a:noFill/>
-        </p:spPr>
-        <p:txBody>
-          <a:bodyPr wrap="square" rtlCol="0">
-            <a:spAutoFit/>
-          </a:bodyPr>
-          <a:lstStyle/>
-          <a:p>
-            <a:r>
-              <a:rPr lang="en-US" dirty="0"/>
-              <a:t>r</a:t>
-            </a:r>
-          </a:p>
-        </p:txBody>
-      </p:sp>
-      <p:sp>
-        <p:nvSpPr>
-          <p:cNvPr id="47" name="Left Bracket 46">
-            <a:extLst>
-              <a:ext uri="{FF2B5EF4-FFF2-40B4-BE49-F238E27FC236}">
-                <a16:creationId xmlns:a16="http://schemas.microsoft.com/office/drawing/2014/main" id="{E8454632-B223-A41D-17BD-A875450A8AB3}"/>
-              </a:ext>
-            </a:extLst>
-          </p:cNvPr>
-          <p:cNvSpPr/>
-          <p:nvPr/>
-        </p:nvSpPr>
-        <p:spPr>
-          <a:xfrm>
-            <a:off x="555592" y="2010277"/>
-            <a:ext cx="323002" cy="902793"/>
-          </a:xfrm>
-          <a:prstGeom prst="leftBracket">
-            <a:avLst/>
-          </a:prstGeom>
-          <a:ln w="63500">
-            <a:solidFill>
-              <a:schemeClr val="accent1"/>
-            </a:solidFill>
-          </a:ln>
-        </p:spPr>
-        <p:style>
-          <a:lnRef idx="1">
-            <a:schemeClr val="accent1"/>
-          </a:lnRef>
-          <a:fillRef idx="0">
-            <a:schemeClr val="accent1"/>
-          </a:fillRef>
-          <a:effectRef idx="0">
-            <a:schemeClr val="accent1"/>
-          </a:effectRef>
-          <a:fontRef idx="minor">
-            <a:schemeClr val="tx1"/>
-          </a:fontRef>
-        </p:style>
-        <p:txBody>
-          <a:bodyPr rtlCol="0" anchor="ctr"/>
-          <a:lstStyle/>
-          <a:p>
-            <a:pPr algn="ctr"/>
-            <a:endParaRPr lang="en-US"/>
-          </a:p>
-        </p:txBody>
-      </p:sp>
-      <p:sp>
-        <p:nvSpPr>
-          <p:cNvPr id="48" name="Right Bracket 47">
-            <a:extLst>
-              <a:ext uri="{FF2B5EF4-FFF2-40B4-BE49-F238E27FC236}">
-                <a16:creationId xmlns:a16="http://schemas.microsoft.com/office/drawing/2014/main" id="{E0855859-B268-3F53-F303-78E3E5E47695}"/>
-              </a:ext>
-            </a:extLst>
-          </p:cNvPr>
-          <p:cNvSpPr/>
-          <p:nvPr/>
-        </p:nvSpPr>
-        <p:spPr>
-          <a:xfrm>
-            <a:off x="3465511" y="2005898"/>
-            <a:ext cx="321137" cy="867412"/>
-          </a:xfrm>
-          <a:prstGeom prst="rightBracket">
-            <a:avLst/>
-          </a:prstGeom>
-          <a:ln w="63500"/>
-        </p:spPr>
-        <p:style>
-          <a:lnRef idx="1">
-            <a:schemeClr val="accent1"/>
-          </a:lnRef>
-          <a:fillRef idx="0">
-            <a:schemeClr val="accent1"/>
-          </a:fillRef>
-          <a:effectRef idx="0">
-            <a:schemeClr val="accent1"/>
-          </a:effectRef>
-          <a:fontRef idx="minor">
-            <a:schemeClr val="tx1"/>
-          </a:fontRef>
-        </p:style>
-        <p:txBody>
-          <a:bodyPr rtlCol="0" anchor="ctr"/>
-          <a:lstStyle/>
-          <a:p>
-            <a:pPr algn="ctr"/>
-            <a:endParaRPr lang="en-US"/>
-          </a:p>
-        </p:txBody>
-      </p:sp>
-      <p:sp>
-        <p:nvSpPr>
-          <p:cNvPr id="49" name="Left Bracket 48">
-            <a:extLst>
-              <a:ext uri="{FF2B5EF4-FFF2-40B4-BE49-F238E27FC236}">
-                <a16:creationId xmlns:a16="http://schemas.microsoft.com/office/drawing/2014/main" id="{9EE8E7F9-E323-AEDF-ABDD-70221B890F54}"/>
-              </a:ext>
-            </a:extLst>
-          </p:cNvPr>
-          <p:cNvSpPr/>
-          <p:nvPr/>
-        </p:nvSpPr>
-        <p:spPr>
-          <a:xfrm>
-            <a:off x="7714875" y="2162677"/>
-            <a:ext cx="323002" cy="902793"/>
-          </a:xfrm>
-          <a:prstGeom prst="leftBracket">
-            <a:avLst/>
-          </a:prstGeom>
-          <a:ln w="63500">
-            <a:solidFill>
-              <a:schemeClr val="accent1"/>
-            </a:solidFill>
-          </a:ln>
-        </p:spPr>
-        <p:style>
-          <a:lnRef idx="1">
-            <a:schemeClr val="accent1"/>
-          </a:lnRef>
-          <a:fillRef idx="0">
-            <a:schemeClr val="accent1"/>
-          </a:fillRef>
-          <a:effectRef idx="0">
-            <a:schemeClr val="accent1"/>
-          </a:effectRef>
-          <a:fontRef idx="minor">
-            <a:schemeClr val="tx1"/>
-          </a:fontRef>
-        </p:style>
-        <p:txBody>
-          <a:bodyPr rtlCol="0" anchor="ctr"/>
-          <a:lstStyle/>
-          <a:p>
-            <a:pPr algn="ctr"/>
-            <a:endParaRPr lang="en-US"/>
-          </a:p>
-        </p:txBody>
-      </p:sp>
-      <p:sp>
-        <p:nvSpPr>
-          <p:cNvPr id="50" name="Right Bracket 49">
-            <a:extLst>
-              <a:ext uri="{FF2B5EF4-FFF2-40B4-BE49-F238E27FC236}">
-                <a16:creationId xmlns:a16="http://schemas.microsoft.com/office/drawing/2014/main" id="{F4B3423D-A5EE-AE16-D759-791BEC686FED}"/>
-              </a:ext>
-            </a:extLst>
-          </p:cNvPr>
-          <p:cNvSpPr/>
-          <p:nvPr/>
-        </p:nvSpPr>
-        <p:spPr>
-          <a:xfrm>
-            <a:off x="10624794" y="2158298"/>
-            <a:ext cx="321137" cy="867412"/>
-          </a:xfrm>
-          <a:prstGeom prst="rightBracket">
-            <a:avLst/>
-          </a:prstGeom>
-          <a:ln w="63500"/>
-        </p:spPr>
-        <p:style>
-          <a:lnRef idx="1">
-            <a:schemeClr val="accent1"/>
-          </a:lnRef>
-          <a:fillRef idx="0">
-            <a:schemeClr val="accent1"/>
-          </a:fillRef>
-          <a:effectRef idx="0">
-            <a:schemeClr val="accent1"/>
-          </a:effectRef>
-          <a:fontRef idx="minor">
-            <a:schemeClr val="tx1"/>
-          </a:fontRef>
-        </p:style>
-        <p:txBody>
-          <a:bodyPr rtlCol="0" anchor="ctr"/>
-          <a:lstStyle/>
-          <a:p>
-            <a:pPr algn="ctr"/>
-            <a:endParaRPr lang="en-US"/>
-          </a:p>
-        </p:txBody>
-      </p:sp>
       <p:pic>
         <p:nvPicPr>
-          <p:cNvPr id="6" name="Picture 5">
-            <a:extLst>
-              <a:ext uri="{FF2B5EF4-FFF2-40B4-BE49-F238E27FC236}">
-                <a16:creationId xmlns:a16="http://schemas.microsoft.com/office/drawing/2014/main" id="{A246AD16-6DA8-6DB2-6696-70F8BD691D11}"/>
+          <p:cNvPr id="22" name="Picture 21" descr="A picture containing text, font, white, line&#10;&#10;Description automatically generated">
+            <a:extLst>
+              <a:ext uri="{FF2B5EF4-FFF2-40B4-BE49-F238E27FC236}">
+                <a16:creationId xmlns:a16="http://schemas.microsoft.com/office/drawing/2014/main" id="{E209869D-5892-A490-AEB9-1A9B5125DC72}"/>
               </a:ext>
             </a:extLst>
           </p:cNvPr>
@@ -10188,8 +14792,8 @@
         </p:blipFill>
         <p:spPr>
           <a:xfrm>
-            <a:off x="6659769" y="3958260"/>
-            <a:ext cx="464754" cy="375378"/>
+            <a:off x="3411394" y="5479989"/>
+            <a:ext cx="5401251" cy="1001094"/>
           </a:xfrm>
           <a:prstGeom prst="rect">
             <a:avLst/>
@@ -10875,7 +15479,7 @@
                                 </p:cTn>
                               </p:par>
                               <p:par>
-                                <p:cTn id="53" presetID="1" presetClass="entr" presetSubtype="0" fill="hold" nodeType="withEffect">
+                                <p:cTn id="53" presetID="1" presetClass="entr" presetSubtype="0" fill="hold" grpId="0" nodeType="withEffect">
                                   <p:stCondLst>
                                     <p:cond delay="0"/>
                                   </p:stCondLst>
@@ -10888,7 +15492,7 @@
                                           </p:stCondLst>
                                         </p:cTn>
                                         <p:tgtEl>
-                                          <p:spTgt spid="28"/>
+                                          <p:spTgt spid="101"/>
                                         </p:tgtEl>
                                         <p:attrNameLst>
                                           <p:attrName>style.visibility</p:attrName>
@@ -10915,7 +15519,7 @@
                                           </p:stCondLst>
                                         </p:cTn>
                                         <p:tgtEl>
-                                          <p:spTgt spid="101"/>
+                                          <p:spTgt spid="36"/>
                                         </p:tgtEl>
                                         <p:attrNameLst>
                                           <p:attrName>style.visibility</p:attrName>
@@ -10942,7 +15546,7 @@
                                           </p:stCondLst>
                                         </p:cTn>
                                         <p:tgtEl>
-                                          <p:spTgt spid="36"/>
+                                          <p:spTgt spid="17"/>
                                         </p:tgtEl>
                                         <p:attrNameLst>
                                           <p:attrName>style.visibility</p:attrName>
@@ -10969,21 +15573,21 @@
                                           </p:stCondLst>
                                         </p:cTn>
                                         <p:tgtEl>
-                                          <p:spTgt spid="17"/>
-                                        </p:tgtEl>
-                                        <p:attrNameLst>
-                                          <p:attrName>style.visibility</p:attrName>
-                                        </p:attrNameLst>
-                                      </p:cBhvr>
-                                      <p:to>
-                                        <p:strVal val="visible"/>
-                                      </p:to>
-                                    </p:set>
-                                  </p:childTnLst>
-                                </p:cTn>
-                              </p:par>
-                              <p:par>
-                                <p:cTn id="61" presetID="1" presetClass="entr" presetSubtype="0" fill="hold" grpId="0" nodeType="withEffect">
+                                          <p:spTgt spid="16"/>
+                                        </p:tgtEl>
+                                        <p:attrNameLst>
+                                          <p:attrName>style.visibility</p:attrName>
+                                        </p:attrNameLst>
+                                      </p:cBhvr>
+                                      <p:to>
+                                        <p:strVal val="visible"/>
+                                      </p:to>
+                                    </p:set>
+                                  </p:childTnLst>
+                                </p:cTn>
+                              </p:par>
+                              <p:par>
+                                <p:cTn id="61" presetID="1" presetClass="entr" presetSubtype="0" fill="hold" nodeType="withEffect">
                                   <p:stCondLst>
                                     <p:cond delay="0"/>
                                   </p:stCondLst>
@@ -10996,21 +15600,21 @@
                                           </p:stCondLst>
                                         </p:cTn>
                                         <p:tgtEl>
-                                          <p:spTgt spid="16"/>
-                                        </p:tgtEl>
-                                        <p:attrNameLst>
-                                          <p:attrName>style.visibility</p:attrName>
-                                        </p:attrNameLst>
-                                      </p:cBhvr>
-                                      <p:to>
-                                        <p:strVal val="visible"/>
-                                      </p:to>
-                                    </p:set>
-                                  </p:childTnLst>
-                                </p:cTn>
-                              </p:par>
-                              <p:par>
-                                <p:cTn id="63" presetID="1" presetClass="entr" presetSubtype="0" fill="hold" nodeType="withEffect">
+                                          <p:spTgt spid="6"/>
+                                        </p:tgtEl>
+                                        <p:attrNameLst>
+                                          <p:attrName>style.visibility</p:attrName>
+                                        </p:attrNameLst>
+                                      </p:cBhvr>
+                                      <p:to>
+                                        <p:strVal val="visible"/>
+                                      </p:to>
+                                    </p:set>
+                                  </p:childTnLst>
+                                </p:cTn>
+                              </p:par>
+                              <p:par>
+                                <p:cTn id="63" presetID="1" presetClass="entr" presetSubtype="0" fill="hold" grpId="0" nodeType="withEffect">
                                   <p:stCondLst>
                                     <p:cond delay="0"/>
                                   </p:stCondLst>
@@ -11023,21 +15627,21 @@
                                           </p:stCondLst>
                                         </p:cTn>
                                         <p:tgtEl>
-                                          <p:spTgt spid="6"/>
-                                        </p:tgtEl>
-                                        <p:attrNameLst>
-                                          <p:attrName>style.visibility</p:attrName>
-                                        </p:attrNameLst>
-                                      </p:cBhvr>
-                                      <p:to>
-                                        <p:strVal val="visible"/>
-                                      </p:to>
-                                    </p:set>
-                                  </p:childTnLst>
-                                </p:cTn>
-                              </p:par>
-                              <p:par>
-                                <p:cTn id="65" presetID="1" presetClass="entr" presetSubtype="0" fill="hold" grpId="0" nodeType="withEffect">
+                                          <p:spTgt spid="49"/>
+                                        </p:tgtEl>
+                                        <p:attrNameLst>
+                                          <p:attrName>style.visibility</p:attrName>
+                                        </p:attrNameLst>
+                                      </p:cBhvr>
+                                      <p:to>
+                                        <p:strVal val="visible"/>
+                                      </p:to>
+                                    </p:set>
+                                  </p:childTnLst>
+                                </p:cTn>
+                              </p:par>
+                              <p:par>
+                                <p:cTn id="65" presetID="1" presetClass="entr" presetSubtype="0" fill="hold" grpId="2" nodeType="withEffect">
                                   <p:stCondLst>
                                     <p:cond delay="0"/>
                                   </p:stCondLst>
@@ -11050,21 +15654,21 @@
                                           </p:stCondLst>
                                         </p:cTn>
                                         <p:tgtEl>
-                                          <p:spTgt spid="49"/>
-                                        </p:tgtEl>
-                                        <p:attrNameLst>
-                                          <p:attrName>style.visibility</p:attrName>
-                                        </p:attrNameLst>
-                                      </p:cBhvr>
-                                      <p:to>
-                                        <p:strVal val="visible"/>
-                                      </p:to>
-                                    </p:set>
-                                  </p:childTnLst>
-                                </p:cTn>
-                              </p:par>
-                              <p:par>
-                                <p:cTn id="67" presetID="1" presetClass="entr" presetSubtype="0" fill="hold" grpId="2" nodeType="withEffect">
+                                          <p:spTgt spid="21"/>
+                                        </p:tgtEl>
+                                        <p:attrNameLst>
+                                          <p:attrName>style.visibility</p:attrName>
+                                        </p:attrNameLst>
+                                      </p:cBhvr>
+                                      <p:to>
+                                        <p:strVal val="visible"/>
+                                      </p:to>
+                                    </p:set>
+                                  </p:childTnLst>
+                                </p:cTn>
+                              </p:par>
+                              <p:par>
+                                <p:cTn id="67" presetID="1" presetClass="entr" presetSubtype="0" fill="hold" grpId="0" nodeType="withEffect">
                                   <p:stCondLst>
                                     <p:cond delay="0"/>
                                   </p:stCondLst>
@@ -11072,60 +15676,6 @@
                                     <p:set>
                                       <p:cBhvr>
                                         <p:cTn id="68" dur="1" fill="hold">
-                                          <p:stCondLst>
-                                            <p:cond delay="0"/>
-                                          </p:stCondLst>
-                                        </p:cTn>
-                                        <p:tgtEl>
-                                          <p:spTgt spid="21"/>
-                                        </p:tgtEl>
-                                        <p:attrNameLst>
-                                          <p:attrName>style.visibility</p:attrName>
-                                        </p:attrNameLst>
-                                      </p:cBhvr>
-                                      <p:to>
-                                        <p:strVal val="visible"/>
-                                      </p:to>
-                                    </p:set>
-                                  </p:childTnLst>
-                                </p:cTn>
-                              </p:par>
-                              <p:par>
-                                <p:cTn id="69" presetID="1" presetClass="entr" presetSubtype="0" fill="hold" nodeType="withEffect">
-                                  <p:stCondLst>
-                                    <p:cond delay="0"/>
-                                  </p:stCondLst>
-                                  <p:childTnLst>
-                                    <p:set>
-                                      <p:cBhvr>
-                                        <p:cTn id="70" dur="1" fill="hold">
-                                          <p:stCondLst>
-                                            <p:cond delay="0"/>
-                                          </p:stCondLst>
-                                        </p:cTn>
-                                        <p:tgtEl>
-                                          <p:spTgt spid="42"/>
-                                        </p:tgtEl>
-                                        <p:attrNameLst>
-                                          <p:attrName>style.visibility</p:attrName>
-                                        </p:attrNameLst>
-                                      </p:cBhvr>
-                                      <p:to>
-                                        <p:strVal val="visible"/>
-                                      </p:to>
-                                    </p:set>
-                                  </p:childTnLst>
-                                </p:cTn>
-                              </p:par>
-                              <p:par>
-                                <p:cTn id="71" presetID="1" presetClass="entr" presetSubtype="0" fill="hold" grpId="0" nodeType="withEffect">
-                                  <p:stCondLst>
-                                    <p:cond delay="0"/>
-                                  </p:stCondLst>
-                                  <p:childTnLst>
-                                    <p:set>
-                                      <p:cBhvr>
-                                        <p:cTn id="72" dur="1" fill="hold">
                                           <p:stCondLst>
                                             <p:cond delay="0"/>
                                           </p:stCondLst>
@@ -11151,19 +15701,73 @@
                     </p:cTn>
                   </p:par>
                   <p:par>
-                    <p:cTn id="73" fill="hold">
+                    <p:cTn id="69" fill="hold">
                       <p:stCondLst>
                         <p:cond delay="indefinite"/>
                       </p:stCondLst>
                       <p:childTnLst>
                         <p:par>
-                          <p:cTn id="74" fill="hold">
+                          <p:cTn id="70" fill="hold">
                             <p:stCondLst>
                               <p:cond delay="0"/>
                             </p:stCondLst>
                             <p:childTnLst>
                               <p:par>
-                                <p:cTn id="75" presetID="1" presetClass="entr" presetSubtype="0" fill="hold" grpId="1" nodeType="clickEffect">
+                                <p:cTn id="71" presetID="1" presetClass="entr" presetSubtype="0" fill="hold" grpId="0" nodeType="clickEffect">
+                                  <p:stCondLst>
+                                    <p:cond delay="0"/>
+                                  </p:stCondLst>
+                                  <p:childTnLst>
+                                    <p:set>
+                                      <p:cBhvr>
+                                        <p:cTn id="72" dur="1" fill="hold">
+                                          <p:stCondLst>
+                                            <p:cond delay="0"/>
+                                          </p:stCondLst>
+                                        </p:cTn>
+                                        <p:tgtEl>
+                                          <p:spTgt spid="48"/>
+                                        </p:tgtEl>
+                                        <p:attrNameLst>
+                                          <p:attrName>style.visibility</p:attrName>
+                                        </p:attrNameLst>
+                                      </p:cBhvr>
+                                      <p:to>
+                                        <p:strVal val="visible"/>
+                                      </p:to>
+                                    </p:set>
+                                  </p:childTnLst>
+                                </p:cTn>
+                              </p:par>
+                              <p:par>
+                                <p:cTn id="73" presetID="1" presetClass="entr" presetSubtype="0" fill="hold" grpId="0" nodeType="withEffect">
+                                  <p:stCondLst>
+                                    <p:cond delay="0"/>
+                                  </p:stCondLst>
+                                  <p:childTnLst>
+                                    <p:set>
+                                      <p:cBhvr>
+                                        <p:cTn id="74" dur="1" fill="hold">
+                                          <p:stCondLst>
+                                            <p:cond delay="0"/>
+                                          </p:stCondLst>
+                                        </p:cTn>
+                                        <p:tgtEl>
+                                          <p:spTgt spid="47"/>
+                                        </p:tgtEl>
+                                        <p:attrNameLst>
+                                          <p:attrName>style.visibility</p:attrName>
+                                        </p:attrNameLst>
+                                      </p:cBhvr>
+                                      <p:to>
+                                        <p:strVal val="visible"/>
+                                      </p:to>
+                                    </p:set>
+                                  </p:childTnLst>
+                                </p:cTn>
+                              </p:par>
+                              <p:par>
+                                <p:cTn id="75" presetID="1" presetClass="entr" presetSubtype="0" fill="hold" nodeType="withEffect">
                                   <p:stCondLst>
                                     <p:cond delay="0"/>
                                   </p:stCondLst>
@@ -11176,14 +15780,284 @@
                                           </p:stCondLst>
                                         </p:cTn>
                                         <p:tgtEl>
-                                          <p:spTgt spid="21"/>
-                                        </p:tgtEl>
-                                        <p:attrNameLst>
-                                          <p:attrName>style.visibility</p:attrName>
-                                        </p:attrNameLst>
-                                      </p:cBhvr>
-                                      <p:to>
-                                        <p:strVal val="visible"/>
+                                          <p:spTgt spid="102"/>
+                                        </p:tgtEl>
+                                        <p:attrNameLst>
+                                          <p:attrName>style.visibility</p:attrName>
+                                        </p:attrNameLst>
+                                      </p:cBhvr>
+                                      <p:to>
+                                        <p:strVal val="visible"/>
+                                      </p:to>
+                                    </p:set>
+                                  </p:childTnLst>
+                                </p:cTn>
+                              </p:par>
+                              <p:par>
+                                <p:cTn id="77" presetID="1" presetClass="entr" presetSubtype="0" fill="hold" nodeType="withEffect">
+                                  <p:stCondLst>
+                                    <p:cond delay="0"/>
+                                  </p:stCondLst>
+                                  <p:childTnLst>
+                                    <p:set>
+                                      <p:cBhvr>
+                                        <p:cTn id="78" dur="1" fill="hold">
+                                          <p:stCondLst>
+                                            <p:cond delay="0"/>
+                                          </p:stCondLst>
+                                        </p:cTn>
+                                        <p:tgtEl>
+                                          <p:spTgt spid="42"/>
+                                        </p:tgtEl>
+                                        <p:attrNameLst>
+                                          <p:attrName>style.visibility</p:attrName>
+                                        </p:attrNameLst>
+                                      </p:cBhvr>
+                                      <p:to>
+                                        <p:strVal val="visible"/>
+                                      </p:to>
+                                    </p:set>
+                                  </p:childTnLst>
+                                </p:cTn>
+                              </p:par>
+                              <p:par>
+                                <p:cTn id="79" presetID="1" presetClass="entr" presetSubtype="0" fill="hold" grpId="0" nodeType="withEffect">
+                                  <p:stCondLst>
+                                    <p:cond delay="0"/>
+                                  </p:stCondLst>
+                                  <p:childTnLst>
+                                    <p:set>
+                                      <p:cBhvr>
+                                        <p:cTn id="80" dur="1" fill="hold">
+                                          <p:stCondLst>
+                                            <p:cond delay="0"/>
+                                          </p:stCondLst>
+                                        </p:cTn>
+                                        <p:tgtEl>
+                                          <p:spTgt spid="40"/>
+                                        </p:tgtEl>
+                                        <p:attrNameLst>
+                                          <p:attrName>style.visibility</p:attrName>
+                                        </p:attrNameLst>
+                                      </p:cBhvr>
+                                      <p:to>
+                                        <p:strVal val="visible"/>
+                                      </p:to>
+                                    </p:set>
+                                  </p:childTnLst>
+                                </p:cTn>
+                              </p:par>
+                              <p:par>
+                                <p:cTn id="81" presetID="1" presetClass="entr" presetSubtype="0" fill="hold" nodeType="withEffect">
+                                  <p:stCondLst>
+                                    <p:cond delay="0"/>
+                                  </p:stCondLst>
+                                  <p:childTnLst>
+                                    <p:set>
+                                      <p:cBhvr>
+                                        <p:cTn id="82" dur="1" fill="hold">
+                                          <p:stCondLst>
+                                            <p:cond delay="0"/>
+                                          </p:stCondLst>
+                                        </p:cTn>
+                                        <p:tgtEl>
+                                          <p:spTgt spid="42"/>
+                                        </p:tgtEl>
+                                        <p:attrNameLst>
+                                          <p:attrName>style.visibility</p:attrName>
+                                        </p:attrNameLst>
+                                      </p:cBhvr>
+                                      <p:to>
+                                        <p:strVal val="visible"/>
+                                      </p:to>
+                                    </p:set>
+                                  </p:childTnLst>
+                                </p:cTn>
+                              </p:par>
+                              <p:par>
+                                <p:cTn id="83" presetID="1" presetClass="entr" presetSubtype="0" fill="hold" grpId="0" nodeType="withEffect">
+                                  <p:stCondLst>
+                                    <p:cond delay="0"/>
+                                  </p:stCondLst>
+                                  <p:childTnLst>
+                                    <p:set>
+                                      <p:cBhvr>
+                                        <p:cTn id="84" dur="1" fill="hold">
+                                          <p:stCondLst>
+                                            <p:cond delay="0"/>
+                                          </p:stCondLst>
+                                        </p:cTn>
+                                        <p:tgtEl>
+                                          <p:spTgt spid="43"/>
+                                        </p:tgtEl>
+                                        <p:attrNameLst>
+                                          <p:attrName>style.visibility</p:attrName>
+                                        </p:attrNameLst>
+                                      </p:cBhvr>
+                                      <p:to>
+                                        <p:strVal val="visible"/>
+                                      </p:to>
+                                    </p:set>
+                                  </p:childTnLst>
+                                </p:cTn>
+                              </p:par>
+                              <p:par>
+                                <p:cTn id="85" presetID="1" presetClass="exit" presetSubtype="0" fill="hold" nodeType="withEffect">
+                                  <p:stCondLst>
+                                    <p:cond delay="0"/>
+                                  </p:stCondLst>
+                                  <p:childTnLst>
+                                    <p:set>
+                                      <p:cBhvr>
+                                        <p:cTn id="86" dur="1" fill="hold">
+                                          <p:stCondLst>
+                                            <p:cond delay="0"/>
+                                          </p:stCondLst>
+                                        </p:cTn>
+                                        <p:tgtEl>
+                                          <p:spTgt spid="15"/>
+                                        </p:tgtEl>
+                                        <p:attrNameLst>
+                                          <p:attrName>style.visibility</p:attrName>
+                                        </p:attrNameLst>
+                                      </p:cBhvr>
+                                      <p:to>
+                                        <p:strVal val="hidden"/>
+                                      </p:to>
+                                    </p:set>
+                                  </p:childTnLst>
+                                </p:cTn>
+                              </p:par>
+                              <p:par>
+                                <p:cTn id="87" presetID="1" presetClass="exit" presetSubtype="0" fill="hold" grpId="2" nodeType="withEffect">
+                                  <p:stCondLst>
+                                    <p:cond delay="0"/>
+                                  </p:stCondLst>
+                                  <p:childTnLst>
+                                    <p:set>
+                                      <p:cBhvr>
+                                        <p:cTn id="88" dur="1" fill="hold">
+                                          <p:stCondLst>
+                                            <p:cond delay="0"/>
+                                          </p:stCondLst>
+                                        </p:cTn>
+                                        <p:tgtEl>
+                                          <p:spTgt spid="36"/>
+                                        </p:tgtEl>
+                                        <p:attrNameLst>
+                                          <p:attrName>style.visibility</p:attrName>
+                                        </p:attrNameLst>
+                                      </p:cBhvr>
+                                      <p:to>
+                                        <p:strVal val="hidden"/>
+                                      </p:to>
+                                    </p:set>
+                                  </p:childTnLst>
+                                </p:cTn>
+                              </p:par>
+                              <p:par>
+                                <p:cTn id="89" presetID="1" presetClass="exit" presetSubtype="0" fill="hold" nodeType="withEffect">
+                                  <p:stCondLst>
+                                    <p:cond delay="0"/>
+                                  </p:stCondLst>
+                                  <p:childTnLst>
+                                    <p:set>
+                                      <p:cBhvr>
+                                        <p:cTn id="90" dur="1" fill="hold">
+                                          <p:stCondLst>
+                                            <p:cond delay="0"/>
+                                          </p:stCondLst>
+                                        </p:cTn>
+                                        <p:tgtEl>
+                                          <p:spTgt spid="29"/>
+                                        </p:tgtEl>
+                                        <p:attrNameLst>
+                                          <p:attrName>style.visibility</p:attrName>
+                                        </p:attrNameLst>
+                                      </p:cBhvr>
+                                      <p:to>
+                                        <p:strVal val="hidden"/>
+                                      </p:to>
+                                    </p:set>
+                                  </p:childTnLst>
+                                </p:cTn>
+                              </p:par>
+                              <p:par>
+                                <p:cTn id="91" presetID="1" presetClass="exit" presetSubtype="0" fill="hold" grpId="2" nodeType="withEffect">
+                                  <p:stCondLst>
+                                    <p:cond delay="0"/>
+                                  </p:stCondLst>
+                                  <p:childTnLst>
+                                    <p:set>
+                                      <p:cBhvr>
+                                        <p:cTn id="92" dur="1" fill="hold">
+                                          <p:stCondLst>
+                                            <p:cond delay="0"/>
+                                          </p:stCondLst>
+                                        </p:cTn>
+                                        <p:tgtEl>
+                                          <p:spTgt spid="30"/>
+                                        </p:tgtEl>
+                                        <p:attrNameLst>
+                                          <p:attrName>style.visibility</p:attrName>
+                                        </p:attrNameLst>
+                                      </p:cBhvr>
+                                      <p:to>
+                                        <p:strVal val="hidden"/>
+                                      </p:to>
+                                    </p:set>
+                                  </p:childTnLst>
+                                </p:cTn>
+                              </p:par>
+                              <p:par>
+                                <p:cTn id="93" presetID="1" presetClass="exit" presetSubtype="0" fill="hold" grpId="2" nodeType="withEffect">
+                                  <p:stCondLst>
+                                    <p:cond delay="0"/>
+                                  </p:stCondLst>
+                                  <p:childTnLst>
+                                    <p:set>
+                                      <p:cBhvr>
+                                        <p:cTn id="94" dur="1" fill="hold">
+                                          <p:stCondLst>
+                                            <p:cond delay="0"/>
+                                          </p:stCondLst>
+                                        </p:cTn>
+                                        <p:tgtEl>
+                                          <p:spTgt spid="50"/>
+                                        </p:tgtEl>
+                                        <p:attrNameLst>
+                                          <p:attrName>style.visibility</p:attrName>
+                                        </p:attrNameLst>
+                                      </p:cBhvr>
+                                      <p:to>
+                                        <p:strVal val="hidden"/>
+                                      </p:to>
+                                    </p:set>
+                                  </p:childTnLst>
+                                </p:cTn>
+                              </p:par>
+                              <p:par>
+                                <p:cTn id="95" presetID="1" presetClass="exit" presetSubtype="0" fill="hold" grpId="2" nodeType="withEffect">
+                                  <p:stCondLst>
+                                    <p:cond delay="0"/>
+                                  </p:stCondLst>
+                                  <p:childTnLst>
+                                    <p:set>
+                                      <p:cBhvr>
+                                        <p:cTn id="96" dur="1" fill="hold">
+                                          <p:stCondLst>
+                                            <p:cond delay="0"/>
+                                          </p:stCondLst>
+                                        </p:cTn>
+                                        <p:tgtEl>
+                                          <p:spTgt spid="49"/>
+                                        </p:tgtEl>
+                                        <p:attrNameLst>
+                                          <p:attrName>style.visibility</p:attrName>
+                                        </p:attrNameLst>
+                                      </p:cBhvr>
+                                      <p:to>
+                                        <p:strVal val="hidden"/>
                                       </p:to>
                                     </p:set>
                                   </p:childTnLst>
@@ -11196,167 +16070,32 @@
                     </p:cTn>
                   </p:par>
                   <p:par>
-                    <p:cTn id="77" fill="hold">
+                    <p:cTn id="97" fill="hold">
                       <p:stCondLst>
                         <p:cond delay="indefinite"/>
                       </p:stCondLst>
                       <p:childTnLst>
                         <p:par>
-                          <p:cTn id="78" fill="hold">
+                          <p:cTn id="98" fill="hold">
                             <p:stCondLst>
                               <p:cond delay="0"/>
                             </p:stCondLst>
                             <p:childTnLst>
                               <p:par>
-                                <p:cTn id="79" presetID="1" presetClass="entr" presetSubtype="0" fill="hold" grpId="0" nodeType="clickEffect">
-                                  <p:stCondLst>
-                                    <p:cond delay="0"/>
-                                  </p:stCondLst>
-                                  <p:childTnLst>
-                                    <p:set>
-                                      <p:cBhvr>
-                                        <p:cTn id="80" dur="1" fill="hold">
-                                          <p:stCondLst>
-                                            <p:cond delay="0"/>
-                                          </p:stCondLst>
-                                        </p:cTn>
-                                        <p:tgtEl>
-                                          <p:spTgt spid="48"/>
-                                        </p:tgtEl>
-                                        <p:attrNameLst>
-                                          <p:attrName>style.visibility</p:attrName>
-                                        </p:attrNameLst>
-                                      </p:cBhvr>
-                                      <p:to>
-                                        <p:strVal val="visible"/>
-                                      </p:to>
-                                    </p:set>
-                                  </p:childTnLst>
-                                </p:cTn>
-                              </p:par>
-                              <p:par>
-                                <p:cTn id="81" presetID="1" presetClass="entr" presetSubtype="0" fill="hold" grpId="0" nodeType="withEffect">
-                                  <p:stCondLst>
-                                    <p:cond delay="0"/>
-                                  </p:stCondLst>
-                                  <p:childTnLst>
-                                    <p:set>
-                                      <p:cBhvr>
-                                        <p:cTn id="82" dur="1" fill="hold">
-                                          <p:stCondLst>
-                                            <p:cond delay="0"/>
-                                          </p:stCondLst>
-                                        </p:cTn>
-                                        <p:tgtEl>
-                                          <p:spTgt spid="47"/>
-                                        </p:tgtEl>
-                                        <p:attrNameLst>
-                                          <p:attrName>style.visibility</p:attrName>
-                                        </p:attrNameLst>
-                                      </p:cBhvr>
-                                      <p:to>
-                                        <p:strVal val="visible"/>
-                                      </p:to>
-                                    </p:set>
-                                  </p:childTnLst>
-                                </p:cTn>
-                              </p:par>
-                              <p:par>
-                                <p:cTn id="83" presetID="1" presetClass="entr" presetSubtype="0" fill="hold" nodeType="withEffect">
-                                  <p:stCondLst>
-                                    <p:cond delay="0"/>
-                                  </p:stCondLst>
-                                  <p:childTnLst>
-                                    <p:set>
-                                      <p:cBhvr>
-                                        <p:cTn id="84" dur="1" fill="hold">
-                                          <p:stCondLst>
-                                            <p:cond delay="0"/>
-                                          </p:stCondLst>
-                                        </p:cTn>
-                                        <p:tgtEl>
-                                          <p:spTgt spid="102"/>
-                                        </p:tgtEl>
-                                        <p:attrNameLst>
-                                          <p:attrName>style.visibility</p:attrName>
-                                        </p:attrNameLst>
-                                      </p:cBhvr>
-                                      <p:to>
-                                        <p:strVal val="visible"/>
-                                      </p:to>
-                                    </p:set>
-                                  </p:childTnLst>
-                                </p:cTn>
-                              </p:par>
-                              <p:par>
-                                <p:cTn id="85" presetID="1" presetClass="entr" presetSubtype="0" fill="hold" grpId="0" nodeType="withEffect">
-                                  <p:stCondLst>
-                                    <p:cond delay="0"/>
-                                  </p:stCondLst>
-                                  <p:childTnLst>
-                                    <p:set>
-                                      <p:cBhvr>
-                                        <p:cTn id="86" dur="1" fill="hold">
-                                          <p:stCondLst>
-                                            <p:cond delay="0"/>
-                                          </p:stCondLst>
-                                        </p:cTn>
-                                        <p:tgtEl>
-                                          <p:spTgt spid="40"/>
-                                        </p:tgtEl>
-                                        <p:attrNameLst>
-                                          <p:attrName>style.visibility</p:attrName>
-                                        </p:attrNameLst>
-                                      </p:cBhvr>
-                                      <p:to>
-                                        <p:strVal val="visible"/>
-                                      </p:to>
-                                    </p:set>
-                                  </p:childTnLst>
-                                </p:cTn>
-                              </p:par>
-                              <p:par>
-                                <p:cTn id="87" presetID="1" presetClass="entr" presetSubtype="0" fill="hold" nodeType="withEffect">
-                                  <p:stCondLst>
-                                    <p:cond delay="0"/>
-                                  </p:stCondLst>
-                                  <p:childTnLst>
-                                    <p:set>
-                                      <p:cBhvr>
-                                        <p:cTn id="88" dur="1" fill="hold">
+                                <p:cTn id="99" presetID="1" presetClass="entr" presetSubtype="0" fill="hold" nodeType="clickEffect">
+                                  <p:stCondLst>
+                                    <p:cond delay="0"/>
+                                  </p:stCondLst>
+                                  <p:childTnLst>
+                                    <p:set>
+                                      <p:cBhvr>
+                                        <p:cTn id="100" dur="1" fill="hold">
                                           <p:stCondLst>
                                             <p:cond delay="0"/>
                                           </p:stCondLst>
                                         </p:cTn>
                                         <p:tgtEl>
                                           <p:spTgt spid="42"/>
-                                        </p:tgtEl>
-                                        <p:attrNameLst>
-                                          <p:attrName>style.visibility</p:attrName>
-                                        </p:attrNameLst>
-                                      </p:cBhvr>
-                                      <p:to>
-                                        <p:strVal val="visible"/>
-                                      </p:to>
-                                    </p:set>
-                                  </p:childTnLst>
-                                </p:cTn>
-                              </p:par>
-                              <p:par>
-                                <p:cTn id="89" presetID="1" presetClass="entr" presetSubtype="0" fill="hold" grpId="0" nodeType="withEffect">
-                                  <p:stCondLst>
-                                    <p:cond delay="0"/>
-                                  </p:stCondLst>
-                                  <p:childTnLst>
-                                    <p:set>
-                                      <p:cBhvr>
-                                        <p:cTn id="90" dur="1" fill="hold">
-                                          <p:stCondLst>
-                                            <p:cond delay="0"/>
-                                          </p:stCondLst>
-                                        </p:cTn>
-                                        <p:tgtEl>
-                                          <p:spTgt spid="43"/>
                                         </p:tgtEl>
                                         <p:attrNameLst>
                                           <p:attrName>style.visibility</p:attrName>
@@ -11376,26 +16115,26 @@
                     </p:cTn>
                   </p:par>
                   <p:par>
-                    <p:cTn id="91" fill="hold">
+                    <p:cTn id="101" fill="hold">
                       <p:stCondLst>
                         <p:cond delay="indefinite"/>
                       </p:stCondLst>
                       <p:childTnLst>
                         <p:par>
-                          <p:cTn id="92" fill="hold">
+                          <p:cTn id="102" fill="hold">
                             <p:stCondLst>
                               <p:cond delay="0"/>
                             </p:stCondLst>
                             <p:childTnLst>
                               <p:par>
-                                <p:cTn id="93" presetID="1" presetClass="exit" presetSubtype="0" fill="hold" nodeType="clickEffect">
-                                  <p:stCondLst>
-                                    <p:cond delay="0"/>
-                                  </p:stCondLst>
-                                  <p:childTnLst>
-                                    <p:set>
-                                      <p:cBhvr>
-                                        <p:cTn id="94" dur="1" fill="hold">
+                                <p:cTn id="103" presetID="1" presetClass="exit" presetSubtype="0" fill="hold" nodeType="clickEffect">
+                                  <p:stCondLst>
+                                    <p:cond delay="0"/>
+                                  </p:stCondLst>
+                                  <p:childTnLst>
+                                    <p:set>
+                                      <p:cBhvr>
+                                        <p:cTn id="104" dur="1" fill="hold">
                                           <p:stCondLst>
                                             <p:cond delay="0"/>
                                           </p:stCondLst>
@@ -11415,14 +16154,14 @@
                                 </p:cTn>
                               </p:par>
                               <p:par>
-                                <p:cTn id="95" presetID="1" presetClass="exit" presetSubtype="0" fill="hold" grpId="1" nodeType="withEffect">
-                                  <p:stCondLst>
-                                    <p:cond delay="0"/>
-                                  </p:stCondLst>
-                                  <p:childTnLst>
-                                    <p:set>
-                                      <p:cBhvr>
-                                        <p:cTn id="96" dur="1" fill="hold">
+                                <p:cTn id="105" presetID="1" presetClass="exit" presetSubtype="0" fill="hold" grpId="1" nodeType="withEffect">
+                                  <p:stCondLst>
+                                    <p:cond delay="0"/>
+                                  </p:stCondLst>
+                                  <p:childTnLst>
+                                    <p:set>
+                                      <p:cBhvr>
+                                        <p:cTn id="106" dur="1" fill="hold">
                                           <p:stCondLst>
                                             <p:cond delay="0"/>
                                           </p:stCondLst>
@@ -11442,14 +16181,14 @@
                                 </p:cTn>
                               </p:par>
                               <p:par>
-                                <p:cTn id="97" presetID="1" presetClass="exit" presetSubtype="0" fill="hold" grpId="1" nodeType="withEffect">
-                                  <p:stCondLst>
-                                    <p:cond delay="0"/>
-                                  </p:stCondLst>
-                                  <p:childTnLst>
-                                    <p:set>
-                                      <p:cBhvr>
-                                        <p:cTn id="98" dur="1" fill="hold">
+                                <p:cTn id="107" presetID="1" presetClass="exit" presetSubtype="0" fill="hold" grpId="1" nodeType="withEffect">
+                                  <p:stCondLst>
+                                    <p:cond delay="0"/>
+                                  </p:stCondLst>
+                                  <p:childTnLst>
+                                    <p:set>
+                                      <p:cBhvr>
+                                        <p:cTn id="108" dur="1" fill="hold">
                                           <p:stCondLst>
                                             <p:cond delay="0"/>
                                           </p:stCondLst>
@@ -11469,14 +16208,14 @@
                                 </p:cTn>
                               </p:par>
                               <p:par>
-                                <p:cTn id="99" presetID="1" presetClass="exit" presetSubtype="0" fill="hold" grpId="1" nodeType="withEffect">
-                                  <p:stCondLst>
-                                    <p:cond delay="0"/>
-                                  </p:stCondLst>
-                                  <p:childTnLst>
-                                    <p:set>
-                                      <p:cBhvr>
-                                        <p:cTn id="100" dur="1" fill="hold">
+                                <p:cTn id="109" presetID="1" presetClass="exit" presetSubtype="0" fill="hold" grpId="1" nodeType="withEffect">
+                                  <p:stCondLst>
+                                    <p:cond delay="0"/>
+                                  </p:stCondLst>
+                                  <p:childTnLst>
+                                    <p:set>
+                                      <p:cBhvr>
+                                        <p:cTn id="110" dur="1" fill="hold">
                                           <p:stCondLst>
                                             <p:cond delay="0"/>
                                           </p:stCondLst>
@@ -11496,20 +16235,20 @@
                                 </p:cTn>
                               </p:par>
                               <p:par>
-                                <p:cTn id="101" presetID="1" presetClass="exit" presetSubtype="0" fill="hold" grpId="2" nodeType="withEffect">
-                                  <p:stCondLst>
-                                    <p:cond delay="0"/>
-                                  </p:stCondLst>
-                                  <p:childTnLst>
-                                    <p:set>
-                                      <p:cBhvr>
-                                        <p:cTn id="102" dur="1" fill="hold">
-                                          <p:stCondLst>
-                                            <p:cond delay="0"/>
-                                          </p:stCondLst>
-                                        </p:cTn>
-                                        <p:tgtEl>
-                                          <p:spTgt spid="50"/>
+                                <p:cTn id="111" presetID="1" presetClass="exit" presetSubtype="0" fill="hold" nodeType="withEffect">
+                                  <p:stCondLst>
+                                    <p:cond delay="0"/>
+                                  </p:stCondLst>
+                                  <p:childTnLst>
+                                    <p:set>
+                                      <p:cBhvr>
+                                        <p:cTn id="112" dur="1" fill="hold">
+                                          <p:stCondLst>
+                                            <p:cond delay="0"/>
+                                          </p:stCondLst>
+                                        </p:cTn>
+                                        <p:tgtEl>
+                                          <p:spTgt spid="15"/>
                                         </p:tgtEl>
                                         <p:attrNameLst>
                                           <p:attrName>style.visibility</p:attrName>
@@ -11523,68 +16262,14 @@
                                 </p:cTn>
                               </p:par>
                               <p:par>
-                                <p:cTn id="103" presetID="1" presetClass="exit" presetSubtype="0" fill="hold" grpId="2" nodeType="withEffect">
-                                  <p:stCondLst>
-                                    <p:cond delay="0"/>
-                                  </p:stCondLst>
-                                  <p:childTnLst>
-                                    <p:set>
-                                      <p:cBhvr>
-                                        <p:cTn id="104" dur="1" fill="hold">
-                                          <p:stCondLst>
-                                            <p:cond delay="0"/>
-                                          </p:stCondLst>
-                                        </p:cTn>
-                                        <p:tgtEl>
-                                          <p:spTgt spid="49"/>
-                                        </p:tgtEl>
-                                        <p:attrNameLst>
-                                          <p:attrName>style.visibility</p:attrName>
-                                        </p:attrNameLst>
-                                      </p:cBhvr>
-                                      <p:to>
-                                        <p:strVal val="hidden"/>
-                                      </p:to>
-                                    </p:set>
-                                  </p:childTnLst>
-                                </p:cTn>
-                              </p:par>
-                              <p:par>
-                                <p:cTn id="105" presetID="1" presetClass="exit" presetSubtype="0" fill="hold" nodeType="withEffect">
-                                  <p:stCondLst>
-                                    <p:cond delay="0"/>
-                                  </p:stCondLst>
-                                  <p:childTnLst>
-                                    <p:set>
-                                      <p:cBhvr>
-                                        <p:cTn id="106" dur="1" fill="hold">
-                                          <p:stCondLst>
-                                            <p:cond delay="0"/>
-                                          </p:stCondLst>
-                                        </p:cTn>
-                                        <p:tgtEl>
-                                          <p:spTgt spid="15"/>
-                                        </p:tgtEl>
-                                        <p:attrNameLst>
-                                          <p:attrName>style.visibility</p:attrName>
-                                        </p:attrNameLst>
-                                      </p:cBhvr>
-                                      <p:to>
-                                        <p:strVal val="hidden"/>
-                                      </p:to>
-                                    </p:set>
-                                  </p:childTnLst>
-                                </p:cTn>
-                              </p:par>
-                              <p:par>
-                                <p:cTn id="107" presetID="1" presetClass="exit" presetSubtype="0" fill="hold" grpId="1" nodeType="withEffect">
-                                  <p:stCondLst>
-                                    <p:cond delay="0"/>
-                                  </p:stCondLst>
-                                  <p:childTnLst>
-                                    <p:set>
-                                      <p:cBhvr>
-                                        <p:cTn id="108" dur="1" fill="hold">
+                                <p:cTn id="113" presetID="1" presetClass="exit" presetSubtype="0" fill="hold" grpId="1" nodeType="withEffect">
+                                  <p:stCondLst>
+                                    <p:cond delay="0"/>
+                                  </p:stCondLst>
+                                  <p:childTnLst>
+                                    <p:set>
+                                      <p:cBhvr>
+                                        <p:cTn id="114" dur="1" fill="hold">
                                           <p:stCondLst>
                                             <p:cond delay="0"/>
                                           </p:stCondLst>
@@ -11643,15 +16328,16 @@
       <p:bldP spid="14" grpId="0"/>
       <p:bldP spid="36" grpId="0"/>
       <p:bldP spid="36" grpId="1"/>
+      <p:bldP spid="36" grpId="2"/>
       <p:bldP spid="40" grpId="0"/>
       <p:bldP spid="59" grpId="0"/>
       <p:bldP spid="8" grpId="0" animBg="1"/>
       <p:bldP spid="17" grpId="0"/>
       <p:bldP spid="20" grpId="0" animBg="1"/>
-      <p:bldP spid="21" grpId="1"/>
       <p:bldP spid="21" grpId="2"/>
       <p:bldP spid="30" grpId="0"/>
       <p:bldP spid="30" grpId="1"/>
+      <p:bldP spid="30" grpId="2"/>
       <p:bldP spid="35" grpId="0" animBg="1"/>
       <p:bldP spid="41" grpId="0"/>
       <p:bldP spid="43" grpId="0"/>
@@ -11821,6 +16507,15 @@
               <a:rPr lang="en-US" sz="4800" dirty="0"/>
               <a:t>SYSTEM</a:t>
             </a:r>
+          </a:p>
+          <a:p>
+            <a:pPr marL="0" indent="0">
+              <a:buNone/>
+            </a:pPr>
+            <a:r>
+              <a:rPr lang="en-US" sz="4800" dirty="0"/>
+              <a:t>		(Translation &amp; Management)</a:t>
+            </a:r>
             <a:r>
               <a:rPr lang="en-US" dirty="0"/>
               <a:t>	</a:t>
@@ -11916,21 +16611,13 @@
             <a:pPr lvl="1"/>
             <a:r>
               <a:rPr lang="en-US" dirty="0"/>
-              <a:t>access to a memory </a:t>
-            </a:r>
-            <a:r>
-              <a:rPr lang="en-US" dirty="0" err="1"/>
-              <a:t>addressvirtual</a:t>
-            </a:r>
+              <a:t>realizing a mechanism to address more memory locations than you physically (actually) have</a:t>
+            </a:r>
+          </a:p>
+          <a:p>
             <a:r>
               <a:rPr lang="en-US" dirty="0"/>
-              <a:t>-address translated into a physical memory location</a:t>
-            </a:r>
-          </a:p>
-          <a:p>
-            <a:r>
-              <a:rPr lang="en-US" dirty="0"/>
-              <a:t>Where do these virtual-addresses belong to?</a:t>
+              <a:t>What is the abstraction for virtualizing memory location?</a:t>
             </a:r>
           </a:p>
           <a:p>
@@ -11951,18 +16638,18 @@
           <a:p>
             <a:r>
               <a:rPr lang="en-US" dirty="0"/>
-              <a:t>How do we translate a virtual-address to a physical one?</a:t>
+              <a:t>How do we implement memory-location virtualization?</a:t>
             </a:r>
           </a:p>
           <a:p>
             <a:pPr lvl="1"/>
             <a:r>
+              <a:rPr lang="en-US" b="1" i="1" dirty="0"/>
+              <a:t>address-translation</a:t>
+            </a:r>
+            <a:r>
               <a:rPr lang="en-US" dirty="0"/>
-              <a:t>by using </a:t>
-            </a:r>
-            <a:r>
-              <a:rPr lang="en-US" b="1" i="1" dirty="0"/>
-              <a:t>per-address-space page-tables – a tree like structure</a:t>
+              <a:t>: by using per-address-space page-tables – a tree like structure</a:t>
             </a:r>
           </a:p>
         </p:txBody>
@@ -17274,7 +21961,7 @@
         </p:nvSpPr>
         <p:spPr>
           <a:xfrm>
-            <a:off x="1086164" y="4000056"/>
+            <a:off x="1086164" y="4018344"/>
             <a:ext cx="476971" cy="1391920"/>
           </a:xfrm>
           <a:prstGeom prst="flowChartAlternateProcess">
@@ -17464,7 +22151,7 @@
         </p:nvSpPr>
         <p:spPr>
           <a:xfrm rot="5400000">
-            <a:off x="718305" y="4502624"/>
+            <a:off x="718305" y="4520912"/>
             <a:ext cx="1212140" cy="369332"/>
           </a:xfrm>
           <a:prstGeom prst="rect">
@@ -20990,10 +25677,38 @@
       </p:grpSpPr>
       <p:sp>
         <p:nvSpPr>
+          <p:cNvPr id="2" name="Title 1">
+            <a:extLst>
+              <a:ext uri="{FF2B5EF4-FFF2-40B4-BE49-F238E27FC236}">
+                <a16:creationId xmlns:a16="http://schemas.microsoft.com/office/drawing/2014/main" id="{4EBA4565-B28D-9851-2EE5-CE1EEE4EE251}"/>
+              </a:ext>
+            </a:extLst>
+          </p:cNvPr>
+          <p:cNvSpPr>
+            <a:spLocks noGrp="1"/>
+          </p:cNvSpPr>
+          <p:nvPr>
+            <p:ph type="title"/>
+          </p:nvPr>
+        </p:nvSpPr>
+        <p:spPr/>
+        <p:txBody>
+          <a:bodyPr/>
+          <a:lstStyle/>
+          <a:p>
+            <a:r>
+              <a:rPr lang="en-US" dirty="0"/>
+              <a:t>The System of Memory Virtualization</a:t>
+            </a:r>
+          </a:p>
+        </p:txBody>
+      </p:sp>
+      <p:sp>
+        <p:nvSpPr>
           <p:cNvPr id="3" name="Content Placeholder 2">
             <a:extLst>
               <a:ext uri="{FF2B5EF4-FFF2-40B4-BE49-F238E27FC236}">
-                <a16:creationId xmlns:a16="http://schemas.microsoft.com/office/drawing/2014/main" id="{BFF2B646-AA21-3492-C127-C5076839C905}"/>
+                <a16:creationId xmlns:a16="http://schemas.microsoft.com/office/drawing/2014/main" id="{2989CDC0-5BA8-EA62-9AF6-5F64F3CD534E}"/>
               </a:ext>
             </a:extLst>
           </p:cNvPr>
@@ -21009,36 +25724,47 @@
           <a:bodyPr/>
           <a:lstStyle/>
           <a:p>
-            <a:endParaRPr lang="en-US" dirty="0"/>
-          </a:p>
-          <a:p>
-            <a:endParaRPr lang="en-US" dirty="0"/>
-          </a:p>
-          <a:p>
-            <a:endParaRPr lang="en-US" dirty="0"/>
-          </a:p>
-          <a:p>
-            <a:endParaRPr lang="en-US" dirty="0"/>
-          </a:p>
-          <a:p>
             <a:pPr marL="0" indent="0">
               <a:buNone/>
             </a:pPr>
             <a:r>
+              <a:rPr lang="en-US" sz="1800" dirty="0">
+                <a:effectLst/>
+                <a:latin typeface="LinLibertineT"/>
+              </a:rPr>
+              <a:t> </a:t>
+            </a:r>
+            <a:r>
+              <a:rPr lang="en-US" dirty="0">
+                <a:effectLst/>
+              </a:rPr>
+              <a:t>“the virtual memory sub-system can be considered the core of a Solaris instance, and the implementation of Solaris virtual memory affects just about every other subsystem in the operating system” </a:t>
+            </a:r>
+            <a:endParaRPr lang="en-US" dirty="0"/>
+          </a:p>
+          <a:p>
+            <a:pPr marL="2286000" lvl="5" indent="0">
+              <a:buNone/>
+            </a:pPr>
+            <a:r>
               <a:rPr lang="en-US" dirty="0"/>
-              <a:t>				        </a:t>
-            </a:r>
-            <a:r>
-              <a:rPr lang="en-US" sz="4400" dirty="0"/>
-              <a:t>LOGIC</a:t>
-            </a:r>
+              <a:t>by </a:t>
+            </a:r>
+            <a:r>
+              <a:rPr lang="en-US" sz="1800" dirty="0">
+                <a:effectLst/>
+                <a:latin typeface="LinLibertineT"/>
+              </a:rPr>
+              <a:t>authoritative reference on the internals of the Solaris kernel, McDougall and Mauro </a:t>
+            </a:r>
+            <a:endParaRPr lang="en-US" dirty="0"/>
           </a:p>
         </p:txBody>
       </p:sp>
     </p:spTree>
     <p:extLst>
       <p:ext uri="{BB962C8B-B14F-4D97-AF65-F5344CB8AC3E}">
-        <p14:creationId xmlns:p14="http://schemas.microsoft.com/office/powerpoint/2010/main" val="2958213298"/>
+        <p14:creationId xmlns:p14="http://schemas.microsoft.com/office/powerpoint/2010/main" val="3245068524"/>
       </p:ext>
     </p:extLst>
   </p:cSld>
@@ -21067,38 +25793,10 @@
       </p:grpSpPr>
       <p:sp>
         <p:nvSpPr>
-          <p:cNvPr id="2" name="Title 1">
-            <a:extLst>
-              <a:ext uri="{FF2B5EF4-FFF2-40B4-BE49-F238E27FC236}">
-                <a16:creationId xmlns:a16="http://schemas.microsoft.com/office/drawing/2014/main" id="{4EBA4565-B28D-9851-2EE5-CE1EEE4EE251}"/>
-              </a:ext>
-            </a:extLst>
-          </p:cNvPr>
-          <p:cNvSpPr>
-            <a:spLocks noGrp="1"/>
-          </p:cNvSpPr>
-          <p:nvPr>
-            <p:ph type="title"/>
-          </p:nvPr>
-        </p:nvSpPr>
-        <p:spPr/>
-        <p:txBody>
-          <a:bodyPr/>
-          <a:lstStyle/>
-          <a:p>
-            <a:r>
-              <a:rPr lang="en-US" dirty="0"/>
-              <a:t>The System of Memory Virtualization</a:t>
-            </a:r>
-          </a:p>
-        </p:txBody>
-      </p:sp>
-      <p:sp>
-        <p:nvSpPr>
           <p:cNvPr id="3" name="Content Placeholder 2">
             <a:extLst>
               <a:ext uri="{FF2B5EF4-FFF2-40B4-BE49-F238E27FC236}">
-                <a16:creationId xmlns:a16="http://schemas.microsoft.com/office/drawing/2014/main" id="{2989CDC0-5BA8-EA62-9AF6-5F64F3CD534E}"/>
+                <a16:creationId xmlns:a16="http://schemas.microsoft.com/office/drawing/2014/main" id="{BFF2B646-AA21-3492-C127-C5076839C905}"/>
               </a:ext>
             </a:extLst>
           </p:cNvPr>
@@ -21114,47 +25812,45 @@
           <a:bodyPr/>
           <a:lstStyle/>
           <a:p>
+            <a:endParaRPr lang="en-US" dirty="0"/>
+          </a:p>
+          <a:p>
+            <a:endParaRPr lang="en-US" dirty="0"/>
+          </a:p>
+          <a:p>
             <a:pPr marL="0" indent="0">
               <a:buNone/>
             </a:pPr>
-            <a:r>
-              <a:rPr lang="en-US" sz="1800" dirty="0">
-                <a:effectLst/>
-                <a:latin typeface="LinLibertineT"/>
-              </a:rPr>
-              <a:t> </a:t>
-            </a:r>
-            <a:r>
-              <a:rPr lang="en-US" dirty="0">
-                <a:effectLst/>
-              </a:rPr>
-              <a:t>“the virtual memory sub-system can be considered the core of a Solaris instance, and the implementation of Solaris virtual memory affects just about every other subsystem in the operating system” </a:t>
-            </a:r>
             <a:endParaRPr lang="en-US" dirty="0"/>
           </a:p>
           <a:p>
-            <a:pPr marL="2286000" lvl="5" indent="0">
+            <a:pPr marL="0" indent="0">
               <a:buNone/>
             </a:pPr>
             <a:r>
               <a:rPr lang="en-US" dirty="0"/>
-              <a:t>by </a:t>
-            </a:r>
-            <a:r>
-              <a:rPr lang="en-US" sz="1800" dirty="0">
-                <a:effectLst/>
-                <a:latin typeface="LinLibertineT"/>
-              </a:rPr>
-              <a:t>authoritative reference on the internals of the Solaris kernel, McDougall and Mauro </a:t>
-            </a:r>
-            <a:endParaRPr lang="en-US" dirty="0"/>
+              <a:t>				        </a:t>
+            </a:r>
+            <a:r>
+              <a:rPr lang="en-US" sz="4800" dirty="0"/>
+              <a:t>LOGIC</a:t>
+            </a:r>
+          </a:p>
+          <a:p>
+            <a:pPr marL="0" indent="0">
+              <a:buNone/>
+            </a:pPr>
+            <a:r>
+              <a:rPr lang="en-US" sz="4800" dirty="0"/>
+              <a:t>		     (Sharing &amp; Contingency)</a:t>
+            </a:r>
           </a:p>
         </p:txBody>
       </p:sp>
     </p:spTree>
     <p:extLst>
       <p:ext uri="{BB962C8B-B14F-4D97-AF65-F5344CB8AC3E}">
-        <p14:creationId xmlns:p14="http://schemas.microsoft.com/office/powerpoint/2010/main" val="3245068524"/>
+        <p14:creationId xmlns:p14="http://schemas.microsoft.com/office/powerpoint/2010/main" val="2958213298"/>
       </p:ext>
     </p:extLst>
   </p:cSld>
@@ -21239,38 +25935,38 @@
             <a:pPr lvl="1"/>
             <a:r>
               <a:rPr lang="en-US" dirty="0"/>
-              <a:t>Physical Memory</a:t>
+              <a:t>Physical Memory Map</a:t>
             </a:r>
           </a:p>
           <a:p>
             <a:pPr lvl="1"/>
             <a:r>
               <a:rPr lang="en-US" dirty="0"/>
-              <a:t>Register</a:t>
+              <a:t>Register Map</a:t>
             </a:r>
           </a:p>
           <a:p>
             <a:r>
               <a:rPr lang="en-US" dirty="0"/>
-              <a:t>Ownership of Physical State:</a:t>
+              <a:t>Ownership on Physical State:</a:t>
             </a:r>
           </a:p>
           <a:p>
             <a:pPr lvl="1"/>
             <a:r>
               <a:rPr lang="en-US" dirty="0"/>
-              <a:t>A physical points-to : </a:t>
+              <a:t>A physical points-to assertion (resource): </a:t>
             </a:r>
             <a:r>
               <a:rPr lang="en-US" i="1" dirty="0"/>
-              <a:t> </a:t>
+              <a:t>                  </a:t>
             </a:r>
           </a:p>
           <a:p>
             <a:pPr lvl="1"/>
             <a:r>
               <a:rPr lang="en-US" dirty="0"/>
-              <a:t>A register points-to : </a:t>
+              <a:t>A register points-to (resource): </a:t>
             </a:r>
             <a:endParaRPr lang="en-US" i="1" dirty="0"/>
           </a:p>
@@ -21304,7 +26000,7 @@
         </p:blipFill>
         <p:spPr>
           <a:xfrm>
-            <a:off x="4272702" y="3594894"/>
+            <a:off x="6761534" y="3594894"/>
             <a:ext cx="1384300" cy="406400"/>
           </a:xfrm>
           <a:prstGeom prst="rect">
@@ -21334,7 +26030,7 @@
         </p:blipFill>
         <p:spPr>
           <a:xfrm>
-            <a:off x="4272702" y="4001294"/>
+            <a:off x="5542702" y="3995988"/>
             <a:ext cx="901700" cy="317500"/>
           </a:xfrm>
           <a:prstGeom prst="rect">
@@ -21364,7 +26060,7 @@
         </p:blipFill>
         <p:spPr>
           <a:xfrm>
-            <a:off x="3002702" y="2645172"/>
+            <a:off x="3426711" y="2740819"/>
             <a:ext cx="2540000" cy="317500"/>
           </a:xfrm>
           <a:prstGeom prst="rect">
@@ -21394,7 +26090,7 @@
         </p:blipFill>
         <p:spPr>
           <a:xfrm>
-            <a:off x="3930355" y="2264172"/>
+            <a:off x="4548665" y="2317751"/>
             <a:ext cx="3733800" cy="355600"/>
           </a:xfrm>
           <a:prstGeom prst="rect">
@@ -21479,20 +26175,14 @@
         <p:spPr/>
         <p:txBody>
           <a:bodyPr>
-            <a:normAutofit fontScale="85000" lnSpcReduction="20000"/>
+            <a:normAutofit/>
           </a:bodyPr>
           <a:lstStyle/>
           <a:p>
-            <a:pPr marL="0" indent="0">
-              <a:buNone/>
-            </a:pPr>
             <a:r>
               <a:rPr lang="en-US" dirty="0"/>
               <a:t>In terms of each physical points-to for a Page-Table</a:t>
             </a:r>
-          </a:p>
-          <a:p>
-            <a:endParaRPr lang="en-US" dirty="0"/>
           </a:p>
           <a:p>
             <a:pPr marL="0" indent="0">
@@ -21555,15 +26245,6 @@
               <a:buNone/>
             </a:pPr>
             <a:endParaRPr lang="en-US" dirty="0"/>
-          </a:p>
-          <a:p>
-            <a:pPr marL="0" indent="0">
-              <a:buNone/>
-            </a:pPr>
-            <a:r>
-              <a:rPr lang="en-US" dirty="0"/>
-              <a:t>How about updating an entry in a page-table? </a:t>
-            </a:r>
           </a:p>
         </p:txBody>
       </p:sp>
@@ -21589,7 +26270,7 @@
         </p:blipFill>
         <p:spPr>
           <a:xfrm>
-            <a:off x="940715" y="3796871"/>
+            <a:off x="989256" y="3794273"/>
             <a:ext cx="9032624" cy="1533614"/>
           </a:xfrm>
           <a:prstGeom prst="rect">
@@ -21619,7 +26300,7 @@
         </p:blipFill>
         <p:spPr>
           <a:xfrm>
-            <a:off x="834389" y="3391694"/>
+            <a:off x="838200" y="3385574"/>
             <a:ext cx="5874755" cy="284630"/>
           </a:xfrm>
           <a:prstGeom prst="rect">
@@ -21739,7 +26420,7 @@
         </p:blipFill>
         <p:spPr>
           <a:xfrm>
-            <a:off x="2393211" y="2318631"/>
+            <a:off x="2358375" y="2379593"/>
             <a:ext cx="7580128" cy="277123"/>
           </a:xfrm>
           <a:prstGeom prst="rect">
@@ -21769,7 +26450,7 @@
         </p:blipFill>
         <p:spPr>
           <a:xfrm>
-            <a:off x="8515369" y="2639728"/>
+            <a:off x="9969627" y="2389915"/>
             <a:ext cx="1457970" cy="248165"/>
           </a:xfrm>
           <a:prstGeom prst="rect">
@@ -21777,6 +26458,300 @@
           </a:prstGeom>
         </p:spPr>
       </p:pic>
+      <p:sp>
+        <p:nvSpPr>
+          <p:cNvPr id="28" name="Right Brace 27">
+            <a:extLst>
+              <a:ext uri="{FF2B5EF4-FFF2-40B4-BE49-F238E27FC236}">
+                <a16:creationId xmlns:a16="http://schemas.microsoft.com/office/drawing/2014/main" id="{0D712138-AC12-CEF9-28B2-6F6A9BB3B59E}"/>
+              </a:ext>
+            </a:extLst>
+          </p:cNvPr>
+          <p:cNvSpPr/>
+          <p:nvPr/>
+        </p:nvSpPr>
+        <p:spPr>
+          <a:xfrm rot="5400000">
+            <a:off x="1888649" y="4674998"/>
+            <a:ext cx="362488" cy="1661494"/>
+          </a:xfrm>
+          <a:prstGeom prst="rightBrace">
+            <a:avLst>
+              <a:gd name="adj1" fmla="val 19808"/>
+              <a:gd name="adj2" fmla="val 50000"/>
+            </a:avLst>
+          </a:prstGeom>
+        </p:spPr>
+        <p:style>
+          <a:lnRef idx="1">
+            <a:schemeClr val="accent1"/>
+          </a:lnRef>
+          <a:fillRef idx="0">
+            <a:schemeClr val="accent1"/>
+          </a:fillRef>
+          <a:effectRef idx="0">
+            <a:schemeClr val="accent1"/>
+          </a:effectRef>
+          <a:fontRef idx="minor">
+            <a:schemeClr val="tx1"/>
+          </a:fontRef>
+        </p:style>
+        <p:txBody>
+          <a:bodyPr rtlCol="0" anchor="ctr"/>
+          <a:lstStyle/>
+          <a:p>
+            <a:pPr algn="ctr"/>
+            <a:endParaRPr lang="en-US"/>
+          </a:p>
+        </p:txBody>
+      </p:sp>
+      <p:sp>
+        <p:nvSpPr>
+          <p:cNvPr id="29" name="Right Brace 28">
+            <a:extLst>
+              <a:ext uri="{FF2B5EF4-FFF2-40B4-BE49-F238E27FC236}">
+                <a16:creationId xmlns:a16="http://schemas.microsoft.com/office/drawing/2014/main" id="{F9A784BA-6BB9-1CCB-D08F-7085DBBBE31F}"/>
+              </a:ext>
+            </a:extLst>
+          </p:cNvPr>
+          <p:cNvSpPr/>
+          <p:nvPr/>
+        </p:nvSpPr>
+        <p:spPr>
+          <a:xfrm rot="5400000">
+            <a:off x="3951089" y="4726223"/>
+            <a:ext cx="362488" cy="1661494"/>
+          </a:xfrm>
+          <a:prstGeom prst="rightBrace">
+            <a:avLst>
+              <a:gd name="adj1" fmla="val 19808"/>
+              <a:gd name="adj2" fmla="val 50000"/>
+            </a:avLst>
+          </a:prstGeom>
+        </p:spPr>
+        <p:style>
+          <a:lnRef idx="1">
+            <a:schemeClr val="accent1"/>
+          </a:lnRef>
+          <a:fillRef idx="0">
+            <a:schemeClr val="accent1"/>
+          </a:fillRef>
+          <a:effectRef idx="0">
+            <a:schemeClr val="accent1"/>
+          </a:effectRef>
+          <a:fontRef idx="minor">
+            <a:schemeClr val="tx1"/>
+          </a:fontRef>
+        </p:style>
+        <p:txBody>
+          <a:bodyPr rtlCol="0" anchor="ctr"/>
+          <a:lstStyle/>
+          <a:p>
+            <a:pPr algn="ctr"/>
+            <a:endParaRPr lang="en-US"/>
+          </a:p>
+        </p:txBody>
+      </p:sp>
+      <p:sp>
+        <p:nvSpPr>
+          <p:cNvPr id="30" name="TextBox 29">
+            <a:extLst>
+              <a:ext uri="{FF2B5EF4-FFF2-40B4-BE49-F238E27FC236}">
+                <a16:creationId xmlns:a16="http://schemas.microsoft.com/office/drawing/2014/main" id="{3B5C320B-3F36-D667-438F-1CB198A3D733}"/>
+              </a:ext>
+            </a:extLst>
+          </p:cNvPr>
+          <p:cNvSpPr txBox="1"/>
+          <p:nvPr/>
+        </p:nvSpPr>
+        <p:spPr>
+          <a:xfrm>
+            <a:off x="1239146" y="5849750"/>
+            <a:ext cx="1661494" cy="369332"/>
+          </a:xfrm>
+          <a:prstGeom prst="rect">
+            <a:avLst/>
+          </a:prstGeom>
+          <a:noFill/>
+        </p:spPr>
+        <p:txBody>
+          <a:bodyPr wrap="square" rtlCol="0">
+            <a:spAutoFit/>
+          </a:bodyPr>
+          <a:lstStyle/>
+          <a:p>
+            <a:r>
+              <a:rPr lang="en-US" b="1" dirty="0"/>
+              <a:t>Table Address</a:t>
+            </a:r>
+          </a:p>
+        </p:txBody>
+      </p:sp>
+      <p:sp>
+        <p:nvSpPr>
+          <p:cNvPr id="31" name="TextBox 30">
+            <a:extLst>
+              <a:ext uri="{FF2B5EF4-FFF2-40B4-BE49-F238E27FC236}">
+                <a16:creationId xmlns:a16="http://schemas.microsoft.com/office/drawing/2014/main" id="{EE3074FA-945F-0B3C-AFC9-98346E3A297B}"/>
+              </a:ext>
+            </a:extLst>
+          </p:cNvPr>
+          <p:cNvSpPr txBox="1"/>
+          <p:nvPr/>
+        </p:nvSpPr>
+        <p:spPr>
+          <a:xfrm>
+            <a:off x="3482830" y="5842339"/>
+            <a:ext cx="1661494" cy="369332"/>
+          </a:xfrm>
+          <a:prstGeom prst="rect">
+            <a:avLst/>
+          </a:prstGeom>
+          <a:noFill/>
+        </p:spPr>
+        <p:txBody>
+          <a:bodyPr wrap="square" rtlCol="0">
+            <a:spAutoFit/>
+          </a:bodyPr>
+          <a:lstStyle/>
+          <a:p>
+            <a:r>
+              <a:rPr lang="en-US" b="1" dirty="0"/>
+              <a:t>Entry Offset</a:t>
+            </a:r>
+          </a:p>
+        </p:txBody>
+      </p:sp>
+      <p:sp>
+        <p:nvSpPr>
+          <p:cNvPr id="33" name="Oval Callout 32">
+            <a:extLst>
+              <a:ext uri="{FF2B5EF4-FFF2-40B4-BE49-F238E27FC236}">
+                <a16:creationId xmlns:a16="http://schemas.microsoft.com/office/drawing/2014/main" id="{A8E236EE-62DF-3A25-E722-5B871BD81B0D}"/>
+              </a:ext>
+            </a:extLst>
+          </p:cNvPr>
+          <p:cNvSpPr/>
+          <p:nvPr/>
+        </p:nvSpPr>
+        <p:spPr>
+          <a:xfrm>
+            <a:off x="7388352" y="4736592"/>
+            <a:ext cx="3362513" cy="1365709"/>
+          </a:xfrm>
+          <a:prstGeom prst="wedgeEllipseCallout">
+            <a:avLst/>
+          </a:prstGeom>
+          <a:noFill/>
+        </p:spPr>
+        <p:style>
+          <a:lnRef idx="2">
+            <a:schemeClr val="accent1">
+              <a:shade val="50000"/>
+            </a:schemeClr>
+          </a:lnRef>
+          <a:fillRef idx="1">
+            <a:schemeClr val="accent1"/>
+          </a:fillRef>
+          <a:effectRef idx="0">
+            <a:schemeClr val="accent1"/>
+          </a:effectRef>
+          <a:fontRef idx="minor">
+            <a:schemeClr val="lt1"/>
+          </a:fontRef>
+        </p:style>
+        <p:txBody>
+          <a:bodyPr rtlCol="0" anchor="ctr"/>
+          <a:lstStyle/>
+          <a:p>
+            <a:pPr algn="ctr"/>
+            <a:endParaRPr lang="en-US"/>
+          </a:p>
+        </p:txBody>
+      </p:sp>
+      <p:sp>
+        <p:nvSpPr>
+          <p:cNvPr id="34" name="TextBox 33">
+            <a:extLst>
+              <a:ext uri="{FF2B5EF4-FFF2-40B4-BE49-F238E27FC236}">
+                <a16:creationId xmlns:a16="http://schemas.microsoft.com/office/drawing/2014/main" id="{BB1CF585-70C5-CD7C-8660-0720372EB885}"/>
+              </a:ext>
+            </a:extLst>
+          </p:cNvPr>
+          <p:cNvSpPr txBox="1"/>
+          <p:nvPr/>
+        </p:nvSpPr>
+        <p:spPr>
+          <a:xfrm>
+            <a:off x="7985636" y="5038344"/>
+            <a:ext cx="2374515" cy="646331"/>
+          </a:xfrm>
+          <a:prstGeom prst="rect">
+            <a:avLst/>
+          </a:prstGeom>
+          <a:noFill/>
+        </p:spPr>
+        <p:txBody>
+          <a:bodyPr wrap="square" rtlCol="0">
+            <a:spAutoFit/>
+          </a:bodyPr>
+          <a:lstStyle/>
+          <a:p>
+            <a:r>
+              <a:rPr lang="en-US" dirty="0"/>
+              <a:t>This definition under updated page-tables?</a:t>
+            </a:r>
+          </a:p>
+        </p:txBody>
+      </p:sp>
+      <p:sp>
+        <p:nvSpPr>
+          <p:cNvPr id="37" name="Oval 36">
+            <a:extLst>
+              <a:ext uri="{FF2B5EF4-FFF2-40B4-BE49-F238E27FC236}">
+                <a16:creationId xmlns:a16="http://schemas.microsoft.com/office/drawing/2014/main" id="{EA240FDD-06C5-F3FB-AB40-0210C3537DA3}"/>
+              </a:ext>
+            </a:extLst>
+          </p:cNvPr>
+          <p:cNvSpPr/>
+          <p:nvPr/>
+        </p:nvSpPr>
+        <p:spPr>
+          <a:xfrm>
+            <a:off x="5100779" y="2224250"/>
+            <a:ext cx="4715428" cy="518945"/>
+          </a:xfrm>
+          <a:prstGeom prst="ellipse">
+            <a:avLst/>
+          </a:prstGeom>
+          <a:noFill/>
+          <a:ln w="22225"/>
+        </p:spPr>
+        <p:style>
+          <a:lnRef idx="2">
+            <a:schemeClr val="accent1">
+              <a:shade val="50000"/>
+            </a:schemeClr>
+          </a:lnRef>
+          <a:fillRef idx="1">
+            <a:schemeClr val="accent1"/>
+          </a:fillRef>
+          <a:effectRef idx="0">
+            <a:schemeClr val="accent1"/>
+          </a:effectRef>
+          <a:fontRef idx="minor">
+            <a:schemeClr val="lt1"/>
+          </a:fontRef>
+        </p:style>
+        <p:txBody>
+          <a:bodyPr rtlCol="0" anchor="ctr"/>
+          <a:lstStyle/>
+          <a:p>
+            <a:pPr algn="ctr"/>
+            <a:endParaRPr lang="en-US"/>
+          </a:p>
+        </p:txBody>
+      </p:sp>
     </p:spTree>
     <p:extLst>
       <p:ext uri="{BB962C8B-B14F-4D97-AF65-F5344CB8AC3E}">
@@ -21787,6 +26762,593 @@
   <p:clrMapOvr>
     <a:masterClrMapping/>
   </p:clrMapOvr>
+  <p:timing>
+    <p:tnLst>
+      <p:par>
+        <p:cTn id="1" dur="indefinite" restart="never" nodeType="tmRoot">
+          <p:childTnLst>
+            <p:seq concurrent="1" nextAc="seek">
+              <p:cTn id="2" dur="indefinite" nodeType="mainSeq">
+                <p:childTnLst>
+                  <p:par>
+                    <p:cTn id="3" fill="hold">
+                      <p:stCondLst>
+                        <p:cond delay="indefinite"/>
+                      </p:stCondLst>
+                      <p:childTnLst>
+                        <p:par>
+                          <p:cTn id="4" fill="hold">
+                            <p:stCondLst>
+                              <p:cond delay="0"/>
+                            </p:stCondLst>
+                            <p:childTnLst>
+                              <p:par>
+                                <p:cTn id="5" presetID="1" presetClass="entr" presetSubtype="0" fill="hold" nodeType="clickEffect">
+                                  <p:stCondLst>
+                                    <p:cond delay="0"/>
+                                  </p:stCondLst>
+                                  <p:childTnLst>
+                                    <p:set>
+                                      <p:cBhvr>
+                                        <p:cTn id="6" dur="1" fill="hold">
+                                          <p:stCondLst>
+                                            <p:cond delay="0"/>
+                                          </p:stCondLst>
+                                        </p:cTn>
+                                        <p:tgtEl>
+                                          <p:spTgt spid="17"/>
+                                        </p:tgtEl>
+                                        <p:attrNameLst>
+                                          <p:attrName>style.visibility</p:attrName>
+                                        </p:attrNameLst>
+                                      </p:cBhvr>
+                                      <p:to>
+                                        <p:strVal val="visible"/>
+                                      </p:to>
+                                    </p:set>
+                                  </p:childTnLst>
+                                </p:cTn>
+                              </p:par>
+                              <p:par>
+                                <p:cTn id="7" presetID="1" presetClass="entr" presetSubtype="0" fill="hold" nodeType="withEffect">
+                                  <p:stCondLst>
+                                    <p:cond delay="0"/>
+                                  </p:stCondLst>
+                                  <p:childTnLst>
+                                    <p:set>
+                                      <p:cBhvr>
+                                        <p:cTn id="8" dur="1" fill="hold">
+                                          <p:stCondLst>
+                                            <p:cond delay="0"/>
+                                          </p:stCondLst>
+                                        </p:cTn>
+                                        <p:tgtEl>
+                                          <p:spTgt spid="18"/>
+                                        </p:tgtEl>
+                                        <p:attrNameLst>
+                                          <p:attrName>style.visibility</p:attrName>
+                                        </p:attrNameLst>
+                                      </p:cBhvr>
+                                      <p:to>
+                                        <p:strVal val="visible"/>
+                                      </p:to>
+                                    </p:set>
+                                  </p:childTnLst>
+                                </p:cTn>
+                              </p:par>
+                              <p:par>
+                                <p:cTn id="9" presetID="1" presetClass="entr" presetSubtype="0" fill="hold" nodeType="withEffect">
+                                  <p:stCondLst>
+                                    <p:cond delay="0"/>
+                                  </p:stCondLst>
+                                  <p:childTnLst>
+                                    <p:set>
+                                      <p:cBhvr>
+                                        <p:cTn id="10" dur="1" fill="hold">
+                                          <p:stCondLst>
+                                            <p:cond delay="0"/>
+                                          </p:stCondLst>
+                                        </p:cTn>
+                                        <p:tgtEl>
+                                          <p:spTgt spid="25"/>
+                                        </p:tgtEl>
+                                        <p:attrNameLst>
+                                          <p:attrName>style.visibility</p:attrName>
+                                        </p:attrNameLst>
+                                      </p:cBhvr>
+                                      <p:to>
+                                        <p:strVal val="visible"/>
+                                      </p:to>
+                                    </p:set>
+                                  </p:childTnLst>
+                                </p:cTn>
+                              </p:par>
+                              <p:par>
+                                <p:cTn id="11" presetID="1" presetClass="entr" presetSubtype="0" fill="hold" nodeType="withEffect">
+                                  <p:stCondLst>
+                                    <p:cond delay="0"/>
+                                  </p:stCondLst>
+                                  <p:childTnLst>
+                                    <p:set>
+                                      <p:cBhvr>
+                                        <p:cTn id="12" dur="1" fill="hold">
+                                          <p:stCondLst>
+                                            <p:cond delay="0"/>
+                                          </p:stCondLst>
+                                        </p:cTn>
+                                        <p:tgtEl>
+                                          <p:spTgt spid="27"/>
+                                        </p:tgtEl>
+                                        <p:attrNameLst>
+                                          <p:attrName>style.visibility</p:attrName>
+                                        </p:attrNameLst>
+                                      </p:cBhvr>
+                                      <p:to>
+                                        <p:strVal val="visible"/>
+                                      </p:to>
+                                    </p:set>
+                                  </p:childTnLst>
+                                </p:cTn>
+                              </p:par>
+                            </p:childTnLst>
+                          </p:cTn>
+                        </p:par>
+                      </p:childTnLst>
+                    </p:cTn>
+                  </p:par>
+                  <p:par>
+                    <p:cTn id="13" fill="hold">
+                      <p:stCondLst>
+                        <p:cond delay="indefinite"/>
+                      </p:stCondLst>
+                      <p:childTnLst>
+                        <p:par>
+                          <p:cTn id="14" fill="hold">
+                            <p:stCondLst>
+                              <p:cond delay="0"/>
+                            </p:stCondLst>
+                            <p:childTnLst>
+                              <p:par>
+                                <p:cTn id="15" presetID="1" presetClass="entr" presetSubtype="0" fill="hold" grpId="0" nodeType="clickEffect">
+                                  <p:stCondLst>
+                                    <p:cond delay="0"/>
+                                  </p:stCondLst>
+                                  <p:childTnLst>
+                                    <p:set>
+                                      <p:cBhvr>
+                                        <p:cTn id="16" dur="1" fill="hold">
+                                          <p:stCondLst>
+                                            <p:cond delay="0"/>
+                                          </p:stCondLst>
+                                        </p:cTn>
+                                        <p:tgtEl>
+                                          <p:spTgt spid="37"/>
+                                        </p:tgtEl>
+                                        <p:attrNameLst>
+                                          <p:attrName>style.visibility</p:attrName>
+                                        </p:attrNameLst>
+                                      </p:cBhvr>
+                                      <p:to>
+                                        <p:strVal val="visible"/>
+                                      </p:to>
+                                    </p:set>
+                                  </p:childTnLst>
+                                </p:cTn>
+                              </p:par>
+                              <p:par>
+                                <p:cTn id="17" presetID="1" presetClass="entr" presetSubtype="0" fill="hold" nodeType="withEffect">
+                                  <p:stCondLst>
+                                    <p:cond delay="0"/>
+                                  </p:stCondLst>
+                                  <p:childTnLst>
+                                    <p:set>
+                                      <p:cBhvr>
+                                        <p:cTn id="18" dur="1" fill="hold">
+                                          <p:stCondLst>
+                                            <p:cond delay="0"/>
+                                          </p:stCondLst>
+                                        </p:cTn>
+                                        <p:tgtEl>
+                                          <p:spTgt spid="3">
+                                            <p:txEl>
+                                              <p:pRg st="0" end="0"/>
+                                            </p:txEl>
+                                          </p:spTgt>
+                                        </p:tgtEl>
+                                        <p:attrNameLst>
+                                          <p:attrName>style.visibility</p:attrName>
+                                        </p:attrNameLst>
+                                      </p:cBhvr>
+                                      <p:to>
+                                        <p:strVal val="visible"/>
+                                      </p:to>
+                                    </p:set>
+                                  </p:childTnLst>
+                                </p:cTn>
+                              </p:par>
+                            </p:childTnLst>
+                          </p:cTn>
+                        </p:par>
+                      </p:childTnLst>
+                    </p:cTn>
+                  </p:par>
+                  <p:par>
+                    <p:cTn id="19" fill="hold">
+                      <p:stCondLst>
+                        <p:cond delay="indefinite"/>
+                      </p:stCondLst>
+                      <p:childTnLst>
+                        <p:par>
+                          <p:cTn id="20" fill="hold">
+                            <p:stCondLst>
+                              <p:cond delay="0"/>
+                            </p:stCondLst>
+                            <p:childTnLst>
+                              <p:par>
+                                <p:cTn id="21" presetID="1" presetClass="entr" presetSubtype="0" fill="hold" nodeType="clickEffect">
+                                  <p:stCondLst>
+                                    <p:cond delay="0"/>
+                                  </p:stCondLst>
+                                  <p:childTnLst>
+                                    <p:set>
+                                      <p:cBhvr>
+                                        <p:cTn id="22" dur="1" fill="hold">
+                                          <p:stCondLst>
+                                            <p:cond delay="0"/>
+                                          </p:stCondLst>
+                                        </p:cTn>
+                                        <p:tgtEl>
+                                          <p:spTgt spid="16"/>
+                                        </p:tgtEl>
+                                        <p:attrNameLst>
+                                          <p:attrName>style.visibility</p:attrName>
+                                        </p:attrNameLst>
+                                      </p:cBhvr>
+                                      <p:to>
+                                        <p:strVal val="visible"/>
+                                      </p:to>
+                                    </p:set>
+                                  </p:childTnLst>
+                                </p:cTn>
+                              </p:par>
+                              <p:par>
+                                <p:cTn id="23" presetID="1" presetClass="entr" presetSubtype="0" fill="hold" nodeType="withEffect">
+                                  <p:stCondLst>
+                                    <p:cond delay="0"/>
+                                  </p:stCondLst>
+                                  <p:childTnLst>
+                                    <p:set>
+                                      <p:cBhvr>
+                                        <p:cTn id="24" dur="1" fill="hold">
+                                          <p:stCondLst>
+                                            <p:cond delay="0"/>
+                                          </p:stCondLst>
+                                        </p:cTn>
+                                        <p:tgtEl>
+                                          <p:spTgt spid="19"/>
+                                        </p:tgtEl>
+                                        <p:attrNameLst>
+                                          <p:attrName>style.visibility</p:attrName>
+                                        </p:attrNameLst>
+                                      </p:cBhvr>
+                                      <p:to>
+                                        <p:strVal val="visible"/>
+                                      </p:to>
+                                    </p:set>
+                                  </p:childTnLst>
+                                </p:cTn>
+                              </p:par>
+                              <p:par>
+                                <p:cTn id="25" presetID="1" presetClass="entr" presetSubtype="0" fill="hold" nodeType="withEffect">
+                                  <p:stCondLst>
+                                    <p:cond delay="0"/>
+                                  </p:stCondLst>
+                                  <p:childTnLst>
+                                    <p:set>
+                                      <p:cBhvr>
+                                        <p:cTn id="26" dur="1" fill="hold">
+                                          <p:stCondLst>
+                                            <p:cond delay="0"/>
+                                          </p:stCondLst>
+                                        </p:cTn>
+                                        <p:tgtEl>
+                                          <p:spTgt spid="3">
+                                            <p:txEl>
+                                              <p:pRg st="2" end="2"/>
+                                            </p:txEl>
+                                          </p:spTgt>
+                                        </p:tgtEl>
+                                        <p:attrNameLst>
+                                          <p:attrName>style.visibility</p:attrName>
+                                        </p:attrNameLst>
+                                      </p:cBhvr>
+                                      <p:to>
+                                        <p:strVal val="visible"/>
+                                      </p:to>
+                                    </p:set>
+                                  </p:childTnLst>
+                                </p:cTn>
+                              </p:par>
+                              <p:par>
+                                <p:cTn id="27" presetID="1" presetClass="entr" presetSubtype="0" fill="hold" nodeType="withEffect">
+                                  <p:stCondLst>
+                                    <p:cond delay="0"/>
+                                  </p:stCondLst>
+                                  <p:childTnLst>
+                                    <p:set>
+                                      <p:cBhvr>
+                                        <p:cTn id="28" dur="1" fill="hold">
+                                          <p:stCondLst>
+                                            <p:cond delay="0"/>
+                                          </p:stCondLst>
+                                        </p:cTn>
+                                        <p:tgtEl>
+                                          <p:spTgt spid="13"/>
+                                        </p:tgtEl>
+                                        <p:attrNameLst>
+                                          <p:attrName>style.visibility</p:attrName>
+                                        </p:attrNameLst>
+                                      </p:cBhvr>
+                                      <p:to>
+                                        <p:strVal val="visible"/>
+                                      </p:to>
+                                    </p:set>
+                                  </p:childTnLst>
+                                </p:cTn>
+                              </p:par>
+                            </p:childTnLst>
+                          </p:cTn>
+                        </p:par>
+                      </p:childTnLst>
+                    </p:cTn>
+                  </p:par>
+                  <p:par>
+                    <p:cTn id="29" fill="hold">
+                      <p:stCondLst>
+                        <p:cond delay="indefinite"/>
+                      </p:stCondLst>
+                      <p:childTnLst>
+                        <p:par>
+                          <p:cTn id="30" fill="hold">
+                            <p:stCondLst>
+                              <p:cond delay="0"/>
+                            </p:stCondLst>
+                            <p:childTnLst>
+                              <p:par>
+                                <p:cTn id="31" presetID="1" presetClass="entr" presetSubtype="0" fill="hold" grpId="0" nodeType="clickEffect">
+                                  <p:stCondLst>
+                                    <p:cond delay="0"/>
+                                  </p:stCondLst>
+                                  <p:childTnLst>
+                                    <p:set>
+                                      <p:cBhvr>
+                                        <p:cTn id="32" dur="1" fill="hold">
+                                          <p:stCondLst>
+                                            <p:cond delay="0"/>
+                                          </p:stCondLst>
+                                        </p:cTn>
+                                        <p:tgtEl>
+                                          <p:spTgt spid="28"/>
+                                        </p:tgtEl>
+                                        <p:attrNameLst>
+                                          <p:attrName>style.visibility</p:attrName>
+                                        </p:attrNameLst>
+                                      </p:cBhvr>
+                                      <p:to>
+                                        <p:strVal val="visible"/>
+                                      </p:to>
+                                    </p:set>
+                                  </p:childTnLst>
+                                </p:cTn>
+                              </p:par>
+                              <p:par>
+                                <p:cTn id="33" presetID="1" presetClass="entr" presetSubtype="0" fill="hold" grpId="0" nodeType="withEffect">
+                                  <p:stCondLst>
+                                    <p:cond delay="0"/>
+                                  </p:stCondLst>
+                                  <p:childTnLst>
+                                    <p:set>
+                                      <p:cBhvr>
+                                        <p:cTn id="34" dur="1" fill="hold">
+                                          <p:stCondLst>
+                                            <p:cond delay="0"/>
+                                          </p:stCondLst>
+                                        </p:cTn>
+                                        <p:tgtEl>
+                                          <p:spTgt spid="30"/>
+                                        </p:tgtEl>
+                                        <p:attrNameLst>
+                                          <p:attrName>style.visibility</p:attrName>
+                                        </p:attrNameLst>
+                                      </p:cBhvr>
+                                      <p:to>
+                                        <p:strVal val="visible"/>
+                                      </p:to>
+                                    </p:set>
+                                  </p:childTnLst>
+                                </p:cTn>
+                              </p:par>
+                            </p:childTnLst>
+                          </p:cTn>
+                        </p:par>
+                      </p:childTnLst>
+                    </p:cTn>
+                  </p:par>
+                  <p:par>
+                    <p:cTn id="35" fill="hold">
+                      <p:stCondLst>
+                        <p:cond delay="indefinite"/>
+                      </p:stCondLst>
+                      <p:childTnLst>
+                        <p:par>
+                          <p:cTn id="36" fill="hold">
+                            <p:stCondLst>
+                              <p:cond delay="0"/>
+                            </p:stCondLst>
+                            <p:childTnLst>
+                              <p:par>
+                                <p:cTn id="37" presetID="1" presetClass="entr" presetSubtype="0" fill="hold" grpId="0" nodeType="clickEffect">
+                                  <p:stCondLst>
+                                    <p:cond delay="0"/>
+                                  </p:stCondLst>
+                                  <p:childTnLst>
+                                    <p:set>
+                                      <p:cBhvr>
+                                        <p:cTn id="38" dur="1" fill="hold">
+                                          <p:stCondLst>
+                                            <p:cond delay="0"/>
+                                          </p:stCondLst>
+                                        </p:cTn>
+                                        <p:tgtEl>
+                                          <p:spTgt spid="29"/>
+                                        </p:tgtEl>
+                                        <p:attrNameLst>
+                                          <p:attrName>style.visibility</p:attrName>
+                                        </p:attrNameLst>
+                                      </p:cBhvr>
+                                      <p:to>
+                                        <p:strVal val="visible"/>
+                                      </p:to>
+                                    </p:set>
+                                  </p:childTnLst>
+                                </p:cTn>
+                              </p:par>
+                              <p:par>
+                                <p:cTn id="39" presetID="1" presetClass="entr" presetSubtype="0" fill="hold" grpId="0" nodeType="withEffect">
+                                  <p:stCondLst>
+                                    <p:cond delay="0"/>
+                                  </p:stCondLst>
+                                  <p:childTnLst>
+                                    <p:set>
+                                      <p:cBhvr>
+                                        <p:cTn id="40" dur="1" fill="hold">
+                                          <p:stCondLst>
+                                            <p:cond delay="0"/>
+                                          </p:stCondLst>
+                                        </p:cTn>
+                                        <p:tgtEl>
+                                          <p:spTgt spid="31"/>
+                                        </p:tgtEl>
+                                        <p:attrNameLst>
+                                          <p:attrName>style.visibility</p:attrName>
+                                        </p:attrNameLst>
+                                      </p:cBhvr>
+                                      <p:to>
+                                        <p:strVal val="visible"/>
+                                      </p:to>
+                                    </p:set>
+                                  </p:childTnLst>
+                                </p:cTn>
+                              </p:par>
+                            </p:childTnLst>
+                          </p:cTn>
+                        </p:par>
+                      </p:childTnLst>
+                    </p:cTn>
+                  </p:par>
+                  <p:par>
+                    <p:cTn id="41" fill="hold">
+                      <p:stCondLst>
+                        <p:cond delay="indefinite"/>
+                      </p:stCondLst>
+                      <p:childTnLst>
+                        <p:par>
+                          <p:cTn id="42" fill="hold">
+                            <p:stCondLst>
+                              <p:cond delay="0"/>
+                            </p:stCondLst>
+                            <p:childTnLst>
+                              <p:par>
+                                <p:cTn id="43" presetID="1" presetClass="entr" presetSubtype="0" fill="hold" grpId="0" nodeType="clickEffect">
+                                  <p:stCondLst>
+                                    <p:cond delay="0"/>
+                                  </p:stCondLst>
+                                  <p:childTnLst>
+                                    <p:set>
+                                      <p:cBhvr>
+                                        <p:cTn id="44" dur="1" fill="hold">
+                                          <p:stCondLst>
+                                            <p:cond delay="0"/>
+                                          </p:stCondLst>
+                                        </p:cTn>
+                                        <p:tgtEl>
+                                          <p:spTgt spid="33"/>
+                                        </p:tgtEl>
+                                        <p:attrNameLst>
+                                          <p:attrName>style.visibility</p:attrName>
+                                        </p:attrNameLst>
+                                      </p:cBhvr>
+                                      <p:to>
+                                        <p:strVal val="visible"/>
+                                      </p:to>
+                                    </p:set>
+                                  </p:childTnLst>
+                                </p:cTn>
+                              </p:par>
+                              <p:par>
+                                <p:cTn id="45" presetID="1" presetClass="entr" presetSubtype="0" fill="hold" grpId="0" nodeType="withEffect">
+                                  <p:stCondLst>
+                                    <p:cond delay="0"/>
+                                  </p:stCondLst>
+                                  <p:childTnLst>
+                                    <p:set>
+                                      <p:cBhvr>
+                                        <p:cTn id="46" dur="1" fill="hold">
+                                          <p:stCondLst>
+                                            <p:cond delay="0"/>
+                                          </p:stCondLst>
+                                        </p:cTn>
+                                        <p:tgtEl>
+                                          <p:spTgt spid="34"/>
+                                        </p:tgtEl>
+                                        <p:attrNameLst>
+                                          <p:attrName>style.visibility</p:attrName>
+                                        </p:attrNameLst>
+                                      </p:cBhvr>
+                                      <p:to>
+                                        <p:strVal val="visible"/>
+                                      </p:to>
+                                    </p:set>
+                                  </p:childTnLst>
+                                </p:cTn>
+                              </p:par>
+                            </p:childTnLst>
+                          </p:cTn>
+                        </p:par>
+                      </p:childTnLst>
+                    </p:cTn>
+                  </p:par>
+                </p:childTnLst>
+              </p:cTn>
+              <p:prevCondLst>
+                <p:cond evt="onPrev" delay="0">
+                  <p:tgtEl>
+                    <p:sldTgt/>
+                  </p:tgtEl>
+                </p:cond>
+              </p:prevCondLst>
+              <p:nextCondLst>
+                <p:cond evt="onNext" delay="0">
+                  <p:tgtEl>
+                    <p:sldTgt/>
+                  </p:tgtEl>
+                </p:cond>
+              </p:nextCondLst>
+            </p:seq>
+          </p:childTnLst>
+        </p:cTn>
+      </p:par>
+    </p:tnLst>
+    <p:bldLst>
+      <p:bldP spid="28" grpId="0" animBg="1"/>
+      <p:bldP spid="29" grpId="0" animBg="1"/>
+      <p:bldP spid="30" grpId="0"/>
+      <p:bldP spid="31" grpId="0"/>
+      <p:bldP spid="33" grpId="0" animBg="1"/>
+      <p:bldP spid="34" grpId="0"/>
+      <p:bldP spid="37" grpId="0" animBg="1"/>
+    </p:bldLst>
+  </p:timing>
 </p:sld>
 </file>
 

--- a/loca_virt_draft.pptx
+++ b/loca_virt_draft.pptx
@@ -16501,7 +16501,7 @@
             </a:pPr>
             <a:r>
               <a:rPr lang="en-US" dirty="0"/>
-              <a:t>				</a:t>
+              <a:t>				      </a:t>
             </a:r>
             <a:r>
               <a:rPr lang="en-US" sz="4800" dirty="0"/>
@@ -16617,7 +16617,7 @@
           <a:p>
             <a:r>
               <a:rPr lang="en-US" dirty="0"/>
-              <a:t>What is the abstraction for virtualizing memory location?</a:t>
+              <a:t>What is the abstraction for virtualizing memory location in OSes?</a:t>
             </a:r>
           </a:p>
           <a:p>
@@ -18818,13 +18818,42 @@
         </p:nvSpPr>
         <p:spPr>
           <a:xfrm>
-            <a:off x="2403141" y="2376051"/>
+            <a:off x="2394432" y="2384760"/>
             <a:ext cx="981803" cy="575109"/>
           </a:xfrm>
           <a:prstGeom prst="flowChartAlternateProcess">
             <a:avLst/>
           </a:prstGeom>
-          <a:noFill/>
+          <a:gradFill>
+            <a:gsLst>
+              <a:gs pos="0">
+                <a:schemeClr val="accent1">
+                  <a:lumMod val="5000"/>
+                  <a:lumOff val="95000"/>
+                  <a:alpha val="2000"/>
+                </a:schemeClr>
+              </a:gs>
+              <a:gs pos="93000">
+                <a:schemeClr val="accent1">
+                  <a:lumMod val="45000"/>
+                  <a:lumOff val="55000"/>
+                </a:schemeClr>
+              </a:gs>
+              <a:gs pos="99000">
+                <a:schemeClr val="accent1">
+                  <a:lumMod val="45000"/>
+                  <a:lumOff val="55000"/>
+                </a:schemeClr>
+              </a:gs>
+              <a:gs pos="100000">
+                <a:schemeClr val="accent1">
+                  <a:lumMod val="30000"/>
+                  <a:lumOff val="70000"/>
+                </a:schemeClr>
+              </a:gs>
+            </a:gsLst>
+            <a:lin ang="5400000" scaled="1"/>
+          </a:gradFill>
         </p:spPr>
         <p:style>
           <a:lnRef idx="2">
@@ -18906,7 +18935,36 @@
           <a:prstGeom prst="flowChartAlternateProcess">
             <a:avLst/>
           </a:prstGeom>
-          <a:noFill/>
+          <a:gradFill>
+            <a:gsLst>
+              <a:gs pos="0">
+                <a:schemeClr val="accent1">
+                  <a:lumMod val="5000"/>
+                  <a:lumOff val="95000"/>
+                  <a:alpha val="2000"/>
+                </a:schemeClr>
+              </a:gs>
+              <a:gs pos="93000">
+                <a:schemeClr val="accent1">
+                  <a:lumMod val="45000"/>
+                  <a:lumOff val="55000"/>
+                </a:schemeClr>
+              </a:gs>
+              <a:gs pos="99000">
+                <a:schemeClr val="accent1">
+                  <a:lumMod val="45000"/>
+                  <a:lumOff val="55000"/>
+                </a:schemeClr>
+              </a:gs>
+              <a:gs pos="100000">
+                <a:schemeClr val="accent1">
+                  <a:lumMod val="30000"/>
+                  <a:lumOff val="70000"/>
+                </a:schemeClr>
+              </a:gs>
+            </a:gsLst>
+            <a:lin ang="5400000" scaled="1"/>
+          </a:gradFill>
         </p:spPr>
         <p:style>
           <a:lnRef idx="2">
@@ -18988,7 +19046,36 @@
           <a:prstGeom prst="flowChartAlternateProcess">
             <a:avLst/>
           </a:prstGeom>
-          <a:noFill/>
+          <a:gradFill>
+            <a:gsLst>
+              <a:gs pos="0">
+                <a:schemeClr val="accent1">
+                  <a:lumMod val="5000"/>
+                  <a:lumOff val="95000"/>
+                  <a:alpha val="2000"/>
+                </a:schemeClr>
+              </a:gs>
+              <a:gs pos="93000">
+                <a:schemeClr val="accent1">
+                  <a:lumMod val="45000"/>
+                  <a:lumOff val="55000"/>
+                </a:schemeClr>
+              </a:gs>
+              <a:gs pos="99000">
+                <a:schemeClr val="accent1">
+                  <a:lumMod val="45000"/>
+                  <a:lumOff val="55000"/>
+                </a:schemeClr>
+              </a:gs>
+              <a:gs pos="100000">
+                <a:schemeClr val="accent1">
+                  <a:lumMod val="30000"/>
+                  <a:lumOff val="70000"/>
+                </a:schemeClr>
+              </a:gs>
+            </a:gsLst>
+            <a:lin ang="5400000" scaled="1"/>
+          </a:gradFill>
         </p:spPr>
         <p:style>
           <a:lnRef idx="2">
@@ -19070,7 +19157,36 @@
           <a:prstGeom prst="flowChartAlternateProcess">
             <a:avLst/>
           </a:prstGeom>
-          <a:noFill/>
+          <a:gradFill>
+            <a:gsLst>
+              <a:gs pos="0">
+                <a:schemeClr val="accent1">
+                  <a:lumMod val="5000"/>
+                  <a:lumOff val="95000"/>
+                  <a:alpha val="2000"/>
+                </a:schemeClr>
+              </a:gs>
+              <a:gs pos="93000">
+                <a:schemeClr val="accent1">
+                  <a:lumMod val="45000"/>
+                  <a:lumOff val="55000"/>
+                </a:schemeClr>
+              </a:gs>
+              <a:gs pos="99000">
+                <a:schemeClr val="accent1">
+                  <a:lumMod val="45000"/>
+                  <a:lumOff val="55000"/>
+                </a:schemeClr>
+              </a:gs>
+              <a:gs pos="100000">
+                <a:schemeClr val="accent1">
+                  <a:lumMod val="30000"/>
+                  <a:lumOff val="70000"/>
+                </a:schemeClr>
+              </a:gs>
+            </a:gsLst>
+            <a:lin ang="5400000" scaled="1"/>
+          </a:gradFill>
         </p:spPr>
         <p:style>
           <a:lnRef idx="2">
@@ -19152,7 +19268,36 @@
           <a:prstGeom prst="flowChartAlternateProcess">
             <a:avLst/>
           </a:prstGeom>
-          <a:noFill/>
+          <a:gradFill>
+            <a:gsLst>
+              <a:gs pos="0">
+                <a:schemeClr val="accent1">
+                  <a:lumMod val="5000"/>
+                  <a:lumOff val="95000"/>
+                  <a:alpha val="2000"/>
+                </a:schemeClr>
+              </a:gs>
+              <a:gs pos="93000">
+                <a:schemeClr val="accent1">
+                  <a:lumMod val="45000"/>
+                  <a:lumOff val="55000"/>
+                </a:schemeClr>
+              </a:gs>
+              <a:gs pos="99000">
+                <a:schemeClr val="accent1">
+                  <a:lumMod val="45000"/>
+                  <a:lumOff val="55000"/>
+                </a:schemeClr>
+              </a:gs>
+              <a:gs pos="100000">
+                <a:schemeClr val="accent1">
+                  <a:lumMod val="30000"/>
+                  <a:lumOff val="70000"/>
+                </a:schemeClr>
+              </a:gs>
+            </a:gsLst>
+            <a:lin ang="5400000" scaled="1"/>
+          </a:gradFill>
         </p:spPr>
         <p:style>
           <a:lnRef idx="2">
@@ -25550,7 +25695,7 @@
                                 </p:cTn>
                               </p:par>
                               <p:par>
-                                <p:cTn id="141" presetID="1" presetClass="exit" presetSubtype="0" fill="hold" nodeType="withEffect">
+                                <p:cTn id="141" presetID="1" presetClass="entr" presetSubtype="0" fill="hold" nodeType="withEffect">
                                   <p:stCondLst>
                                     <p:cond delay="0"/>
                                   </p:stCondLst>
@@ -25558,6 +25703,33 @@
                                     <p:set>
                                       <p:cBhvr>
                                         <p:cTn id="142" dur="1" fill="hold">
+                                          <p:stCondLst>
+                                            <p:cond delay="0"/>
+                                          </p:stCondLst>
+                                        </p:cTn>
+                                        <p:tgtEl>
+                                          <p:spTgt spid="79"/>
+                                        </p:tgtEl>
+                                        <p:attrNameLst>
+                                          <p:attrName>style.visibility</p:attrName>
+                                        </p:attrNameLst>
+                                      </p:cBhvr>
+                                      <p:to>
+                                        <p:strVal val="visible"/>
+                                      </p:to>
+                                    </p:set>
+                                  </p:childTnLst>
+                                </p:cTn>
+                              </p:par>
+                              <p:par>
+                                <p:cTn id="143" presetID="1" presetClass="exit" presetSubtype="0" fill="hold" nodeType="withEffect">
+                                  <p:stCondLst>
+                                    <p:cond delay="0"/>
+                                  </p:stCondLst>
+                                  <p:childTnLst>
+                                    <p:set>
+                                      <p:cBhvr>
+                                        <p:cTn id="144" dur="1" fill="hold">
                                           <p:stCondLst>
                                             <p:cond delay="0"/>
                                           </p:stCondLst>

--- a/loca_virt_draft.pptx
+++ b/loca_virt_draft.pptx
@@ -212,7 +212,7 @@
           <a:p>
             <a:fld id="{F46D3AF7-5EDA-3B4A-97E0-315D431B4E03}" type="datetimeFigureOut">
               <a:rPr lang="en-US" smtClean="0"/>
-              <a:t>5/11/23</a:t>
+              <a:t>5/14/23</a:t>
             </a:fld>
             <a:endParaRPr lang="en-US"/>
           </a:p>
@@ -607,7 +607,29 @@
           <a:bodyPr/>
           <a:lstStyle/>
           <a:p>
-            <a:endParaRPr lang="en-US"/>
+            <a:r>
+              <a:rPr lang="en-US" dirty="0"/>
+              <a:t>A lot of text , </a:t>
+            </a:r>
+          </a:p>
+          <a:p>
+            <a:r>
+              <a:rPr lang="en-US" dirty="0"/>
+              <a:t>we define all of our assertions relative to the address-space </a:t>
+            </a:r>
+          </a:p>
+          <a:p>
+            <a:r>
+              <a:rPr lang="en-US" dirty="0" err="1"/>
+              <a:t>vProp</a:t>
+            </a:r>
+            <a:endParaRPr lang="en-US" dirty="0"/>
+          </a:p>
+          <a:p>
+            <a:r>
+              <a:rPr lang="en-US" dirty="0"/>
+              <a:t>lift all the bi stuff</a:t>
+            </a:r>
           </a:p>
         </p:txBody>
       </p:sp>
@@ -628,6 +650,177 @@
           <a:p>
             <a:fld id="{180B0F4F-C4CA-F945-8BD8-C2A10415F31A}" type="slidenum">
               <a:rPr lang="en-US" smtClean="0"/>
+              <a:t>13</a:t>
+            </a:fld>
+            <a:endParaRPr lang="en-US"/>
+          </a:p>
+        </p:txBody>
+      </p:sp>
+    </p:spTree>
+    <p:extLst>
+      <p:ext uri="{BB962C8B-B14F-4D97-AF65-F5344CB8AC3E}">
+        <p14:creationId xmlns:p14="http://schemas.microsoft.com/office/powerpoint/2010/main" val="2295082353"/>
+      </p:ext>
+    </p:extLst>
+  </p:cSld>
+  <p:clrMapOvr>
+    <a:masterClrMapping/>
+  </p:clrMapOvr>
+</p:notes>
+</file>
+
+<file path=ppt/notesSlides/notesSlide11.xml><?xml version="1.0" encoding="utf-8"?>
+<p:notes xmlns:a="http://schemas.openxmlformats.org/drawingml/2006/main" xmlns:r="http://schemas.openxmlformats.org/officeDocument/2006/relationships" xmlns:p="http://schemas.openxmlformats.org/presentationml/2006/main">
+  <p:cSld>
+    <p:spTree>
+      <p:nvGrpSpPr>
+        <p:cNvPr id="1" name=""/>
+        <p:cNvGrpSpPr/>
+        <p:nvPr/>
+      </p:nvGrpSpPr>
+      <p:grpSpPr>
+        <a:xfrm>
+          <a:off x="0" y="0"/>
+          <a:ext cx="0" cy="0"/>
+          <a:chOff x="0" y="0"/>
+          <a:chExt cx="0" cy="0"/>
+        </a:xfrm>
+      </p:grpSpPr>
+      <p:sp>
+        <p:nvSpPr>
+          <p:cNvPr id="2" name="Slide Image Placeholder 1"/>
+          <p:cNvSpPr>
+            <a:spLocks noGrp="1" noRot="1" noChangeAspect="1"/>
+          </p:cNvSpPr>
+          <p:nvPr>
+            <p:ph type="sldImg"/>
+          </p:nvPr>
+        </p:nvSpPr>
+        <p:spPr/>
+      </p:sp>
+      <p:sp>
+        <p:nvSpPr>
+          <p:cNvPr id="3" name="Notes Placeholder 2"/>
+          <p:cNvSpPr>
+            <a:spLocks noGrp="1"/>
+          </p:cNvSpPr>
+          <p:nvPr>
+            <p:ph type="body" idx="1"/>
+          </p:nvPr>
+        </p:nvSpPr>
+        <p:spPr/>
+        <p:txBody>
+          <a:bodyPr/>
+          <a:lstStyle/>
+          <a:p>
+            <a:r>
+              <a:rPr lang="en-US" dirty="0"/>
+              <a:t>a lot of text</a:t>
+            </a:r>
+          </a:p>
+        </p:txBody>
+      </p:sp>
+      <p:sp>
+        <p:nvSpPr>
+          <p:cNvPr id="4" name="Slide Number Placeholder 3"/>
+          <p:cNvSpPr>
+            <a:spLocks noGrp="1"/>
+          </p:cNvSpPr>
+          <p:nvPr>
+            <p:ph type="sldNum" sz="quarter" idx="5"/>
+          </p:nvPr>
+        </p:nvSpPr>
+        <p:spPr/>
+        <p:txBody>
+          <a:bodyPr/>
+          <a:lstStyle/>
+          <a:p>
+            <a:fld id="{180B0F4F-C4CA-F945-8BD8-C2A10415F31A}" type="slidenum">
+              <a:rPr lang="en-US" smtClean="0"/>
+              <a:t>14</a:t>
+            </a:fld>
+            <a:endParaRPr lang="en-US"/>
+          </a:p>
+        </p:txBody>
+      </p:sp>
+    </p:spTree>
+    <p:extLst>
+      <p:ext uri="{BB962C8B-B14F-4D97-AF65-F5344CB8AC3E}">
+        <p14:creationId xmlns:p14="http://schemas.microsoft.com/office/powerpoint/2010/main" val="3232203025"/>
+      </p:ext>
+    </p:extLst>
+  </p:cSld>
+  <p:clrMapOvr>
+    <a:masterClrMapping/>
+  </p:clrMapOvr>
+</p:notes>
+</file>
+
+<file path=ppt/notesSlides/notesSlide12.xml><?xml version="1.0" encoding="utf-8"?>
+<p:notes xmlns:a="http://schemas.openxmlformats.org/drawingml/2006/main" xmlns:r="http://schemas.openxmlformats.org/officeDocument/2006/relationships" xmlns:p="http://schemas.openxmlformats.org/presentationml/2006/main">
+  <p:cSld>
+    <p:spTree>
+      <p:nvGrpSpPr>
+        <p:cNvPr id="1" name=""/>
+        <p:cNvGrpSpPr/>
+        <p:nvPr/>
+      </p:nvGrpSpPr>
+      <p:grpSpPr>
+        <a:xfrm>
+          <a:off x="0" y="0"/>
+          <a:ext cx="0" cy="0"/>
+          <a:chOff x="0" y="0"/>
+          <a:chExt cx="0" cy="0"/>
+        </a:xfrm>
+      </p:grpSpPr>
+      <p:sp>
+        <p:nvSpPr>
+          <p:cNvPr id="2" name="Slide Image Placeholder 1"/>
+          <p:cNvSpPr>
+            <a:spLocks noGrp="1" noRot="1" noChangeAspect="1"/>
+          </p:cNvSpPr>
+          <p:nvPr>
+            <p:ph type="sldImg"/>
+          </p:nvPr>
+        </p:nvSpPr>
+        <p:spPr/>
+      </p:sp>
+      <p:sp>
+        <p:nvSpPr>
+          <p:cNvPr id="3" name="Notes Placeholder 2"/>
+          <p:cNvSpPr>
+            <a:spLocks noGrp="1"/>
+          </p:cNvSpPr>
+          <p:nvPr>
+            <p:ph type="body" idx="1"/>
+          </p:nvPr>
+        </p:nvSpPr>
+        <p:spPr/>
+        <p:txBody>
+          <a:bodyPr/>
+          <a:lstStyle/>
+          <a:p>
+            <a:endParaRPr lang="en-US"/>
+          </a:p>
+        </p:txBody>
+      </p:sp>
+      <p:sp>
+        <p:nvSpPr>
+          <p:cNvPr id="4" name="Slide Number Placeholder 3"/>
+          <p:cNvSpPr>
+            <a:spLocks noGrp="1"/>
+          </p:cNvSpPr>
+          <p:nvPr>
+            <p:ph type="sldNum" sz="quarter" idx="5"/>
+          </p:nvPr>
+        </p:nvSpPr>
+        <p:spPr/>
+        <p:txBody>
+          <a:bodyPr/>
+          <a:lstStyle/>
+          <a:p>
+            <a:fld id="{180B0F4F-C4CA-F945-8BD8-C2A10415F31A}" type="slidenum">
+              <a:rPr lang="en-US" smtClean="0"/>
               <a:t>15</a:t>
             </a:fld>
             <a:endParaRPr lang="en-US"/>
@@ -638,6 +831,93 @@
     <p:extLst>
       <p:ext uri="{BB962C8B-B14F-4D97-AF65-F5344CB8AC3E}">
         <p14:creationId xmlns:p14="http://schemas.microsoft.com/office/powerpoint/2010/main" val="180261347"/>
+      </p:ext>
+    </p:extLst>
+  </p:cSld>
+  <p:clrMapOvr>
+    <a:masterClrMapping/>
+  </p:clrMapOvr>
+</p:notes>
+</file>
+
+<file path=ppt/notesSlides/notesSlide13.xml><?xml version="1.0" encoding="utf-8"?>
+<p:notes xmlns:a="http://schemas.openxmlformats.org/drawingml/2006/main" xmlns:r="http://schemas.openxmlformats.org/officeDocument/2006/relationships" xmlns:p="http://schemas.openxmlformats.org/presentationml/2006/main">
+  <p:cSld>
+    <p:spTree>
+      <p:nvGrpSpPr>
+        <p:cNvPr id="1" name=""/>
+        <p:cNvGrpSpPr/>
+        <p:nvPr/>
+      </p:nvGrpSpPr>
+      <p:grpSpPr>
+        <a:xfrm>
+          <a:off x="0" y="0"/>
+          <a:ext cx="0" cy="0"/>
+          <a:chOff x="0" y="0"/>
+          <a:chExt cx="0" cy="0"/>
+        </a:xfrm>
+      </p:grpSpPr>
+      <p:sp>
+        <p:nvSpPr>
+          <p:cNvPr id="2" name="Slide Image Placeholder 1"/>
+          <p:cNvSpPr>
+            <a:spLocks noGrp="1" noRot="1" noChangeAspect="1"/>
+          </p:cNvSpPr>
+          <p:nvPr>
+            <p:ph type="sldImg"/>
+          </p:nvPr>
+        </p:nvSpPr>
+        <p:spPr/>
+      </p:sp>
+      <p:sp>
+        <p:nvSpPr>
+          <p:cNvPr id="3" name="Notes Placeholder 2"/>
+          <p:cNvSpPr>
+            <a:spLocks noGrp="1"/>
+          </p:cNvSpPr>
+          <p:nvPr>
+            <p:ph type="body" idx="1"/>
+          </p:nvPr>
+        </p:nvSpPr>
+        <p:spPr/>
+        <p:txBody>
+          <a:bodyPr/>
+          <a:lstStyle/>
+          <a:p>
+            <a:r>
+              <a:rPr lang="en-US" dirty="0"/>
+              <a:t>As backup slide.</a:t>
+            </a:r>
+          </a:p>
+        </p:txBody>
+      </p:sp>
+      <p:sp>
+        <p:nvSpPr>
+          <p:cNvPr id="4" name="Slide Number Placeholder 3"/>
+          <p:cNvSpPr>
+            <a:spLocks noGrp="1"/>
+          </p:cNvSpPr>
+          <p:nvPr>
+            <p:ph type="sldNum" sz="quarter" idx="5"/>
+          </p:nvPr>
+        </p:nvSpPr>
+        <p:spPr/>
+        <p:txBody>
+          <a:bodyPr/>
+          <a:lstStyle/>
+          <a:p>
+            <a:fld id="{180B0F4F-C4CA-F945-8BD8-C2A10415F31A}" type="slidenum">
+              <a:rPr lang="en-US" smtClean="0"/>
+              <a:t>16</a:t>
+            </a:fld>
+            <a:endParaRPr lang="en-US"/>
+          </a:p>
+        </p:txBody>
+      </p:sp>
+    </p:spTree>
+    <p:extLst>
+      <p:ext uri="{BB962C8B-B14F-4D97-AF65-F5344CB8AC3E}">
+        <p14:creationId xmlns:p14="http://schemas.microsoft.com/office/powerpoint/2010/main" val="819162960"/>
       </p:ext>
     </p:extLst>
   </p:cSld>
@@ -859,7 +1139,27 @@
           <a:bodyPr/>
           <a:lstStyle/>
           <a:p>
-            <a:endParaRPr lang="en-US"/>
+            <a:r>
+              <a:rPr lang="en-US" dirty="0"/>
+              <a:t>When you access an address when you access an address page-fault.</a:t>
+            </a:r>
+          </a:p>
+          <a:p>
+            <a:endParaRPr lang="en-US" dirty="0"/>
+          </a:p>
+          <a:p>
+            <a:r>
+              <a:rPr lang="en-US" dirty="0"/>
+              <a:t>Different address-spaces </a:t>
+            </a:r>
+            <a:r>
+              <a:rPr lang="en-US" dirty="0" err="1"/>
+              <a:t>dont's</a:t>
+            </a:r>
+            <a:r>
+              <a:rPr lang="en-US" dirty="0"/>
+              <a:t> touch each others memory</a:t>
+            </a:r>
           </a:p>
         </p:txBody>
       </p:sp>
@@ -1195,7 +1495,16 @@
           <a:bodyPr/>
           <a:lstStyle/>
           <a:p>
-            <a:endParaRPr lang="en-US"/>
+            <a:r>
+              <a:rPr lang="en-US" dirty="0"/>
+              <a:t>It might want to defrag / compress page tables </a:t>
+            </a:r>
+          </a:p>
+          <a:p>
+            <a:r>
+              <a:rPr lang="en-US" dirty="0"/>
+              <a:t>changes internal page-tables would violate</a:t>
+            </a:r>
           </a:p>
         </p:txBody>
       </p:sp>
@@ -1466,7 +1775,7 @@
           <a:p>
             <a:fld id="{1906170E-F9C0-7E4B-9B19-8BE5F5704E4E}" type="datetimeFigureOut">
               <a:rPr lang="en-US" smtClean="0"/>
-              <a:t>5/11/23</a:t>
+              <a:t>5/14/23</a:t>
             </a:fld>
             <a:endParaRPr lang="en-US"/>
           </a:p>
@@ -1664,7 +1973,7 @@
           <a:p>
             <a:fld id="{1906170E-F9C0-7E4B-9B19-8BE5F5704E4E}" type="datetimeFigureOut">
               <a:rPr lang="en-US" smtClean="0"/>
-              <a:t>5/11/23</a:t>
+              <a:t>5/14/23</a:t>
             </a:fld>
             <a:endParaRPr lang="en-US"/>
           </a:p>
@@ -1872,7 +2181,7 @@
           <a:p>
             <a:fld id="{1906170E-F9C0-7E4B-9B19-8BE5F5704E4E}" type="datetimeFigureOut">
               <a:rPr lang="en-US" smtClean="0"/>
-              <a:t>5/11/23</a:t>
+              <a:t>5/14/23</a:t>
             </a:fld>
             <a:endParaRPr lang="en-US"/>
           </a:p>
@@ -2070,7 +2379,7 @@
           <a:p>
             <a:fld id="{1906170E-F9C0-7E4B-9B19-8BE5F5704E4E}" type="datetimeFigureOut">
               <a:rPr lang="en-US" smtClean="0"/>
-              <a:t>5/11/23</a:t>
+              <a:t>5/14/23</a:t>
             </a:fld>
             <a:endParaRPr lang="en-US"/>
           </a:p>
@@ -2345,7 +2654,7 @@
           <a:p>
             <a:fld id="{1906170E-F9C0-7E4B-9B19-8BE5F5704E4E}" type="datetimeFigureOut">
               <a:rPr lang="en-US" smtClean="0"/>
-              <a:t>5/11/23</a:t>
+              <a:t>5/14/23</a:t>
             </a:fld>
             <a:endParaRPr lang="en-US"/>
           </a:p>
@@ -2610,7 +2919,7 @@
           <a:p>
             <a:fld id="{1906170E-F9C0-7E4B-9B19-8BE5F5704E4E}" type="datetimeFigureOut">
               <a:rPr lang="en-US" smtClean="0"/>
-              <a:t>5/11/23</a:t>
+              <a:t>5/14/23</a:t>
             </a:fld>
             <a:endParaRPr lang="en-US"/>
           </a:p>
@@ -3022,7 +3331,7 @@
           <a:p>
             <a:fld id="{1906170E-F9C0-7E4B-9B19-8BE5F5704E4E}" type="datetimeFigureOut">
               <a:rPr lang="en-US" smtClean="0"/>
-              <a:t>5/11/23</a:t>
+              <a:t>5/14/23</a:t>
             </a:fld>
             <a:endParaRPr lang="en-US"/>
           </a:p>
@@ -3163,7 +3472,7 @@
           <a:p>
             <a:fld id="{1906170E-F9C0-7E4B-9B19-8BE5F5704E4E}" type="datetimeFigureOut">
               <a:rPr lang="en-US" smtClean="0"/>
-              <a:t>5/11/23</a:t>
+              <a:t>5/14/23</a:t>
             </a:fld>
             <a:endParaRPr lang="en-US"/>
           </a:p>
@@ -3276,7 +3585,7 @@
           <a:p>
             <a:fld id="{1906170E-F9C0-7E4B-9B19-8BE5F5704E4E}" type="datetimeFigureOut">
               <a:rPr lang="en-US" smtClean="0"/>
-              <a:t>5/11/23</a:t>
+              <a:t>5/14/23</a:t>
             </a:fld>
             <a:endParaRPr lang="en-US"/>
           </a:p>
@@ -3587,7 +3896,7 @@
           <a:p>
             <a:fld id="{1906170E-F9C0-7E4B-9B19-8BE5F5704E4E}" type="datetimeFigureOut">
               <a:rPr lang="en-US" smtClean="0"/>
-              <a:t>5/11/23</a:t>
+              <a:t>5/14/23</a:t>
             </a:fld>
             <a:endParaRPr lang="en-US"/>
           </a:p>
@@ -3875,7 +4184,7 @@
           <a:p>
             <a:fld id="{1906170E-F9C0-7E4B-9B19-8BE5F5704E4E}" type="datetimeFigureOut">
               <a:rPr lang="en-US" smtClean="0"/>
-              <a:t>5/11/23</a:t>
+              <a:t>5/14/23</a:t>
             </a:fld>
             <a:endParaRPr lang="en-US"/>
           </a:p>
@@ -4116,7 +4425,7 @@
           <a:p>
             <a:fld id="{1906170E-F9C0-7E4B-9B19-8BE5F5704E4E}" type="datetimeFigureOut">
               <a:rPr lang="en-US" smtClean="0"/>
-              <a:t>5/11/23</a:t>
+              <a:t>5/14/23</a:t>
             </a:fld>
             <a:endParaRPr lang="en-US"/>
           </a:p>
@@ -12888,7 +13197,7 @@
           <p:nvPr/>
         </p:nvPicPr>
         <p:blipFill>
-          <a:blip r:embed="rId2"/>
+          <a:blip r:embed="rId3"/>
           <a:stretch>
             <a:fillRect/>
           </a:stretch>
@@ -12918,7 +13227,7 @@
           <p:nvPr/>
         </p:nvPicPr>
         <p:blipFill>
-          <a:blip r:embed="rId3"/>
+          <a:blip r:embed="rId4"/>
           <a:stretch>
             <a:fillRect/>
           </a:stretch>
@@ -16416,7 +16725,7 @@
           </p:nvPr>
         </p:nvPicPr>
         <p:blipFill>
-          <a:blip r:embed="rId2"/>
+          <a:blip r:embed="rId3"/>
           <a:stretch>
             <a:fillRect/>
           </a:stretch>
@@ -25379,26 +25688,35 @@
                                   </p:childTnLst>
                                 </p:cTn>
                               </p:par>
-                            </p:childTnLst>
-                          </p:cTn>
-                        </p:par>
-                      </p:childTnLst>
-                    </p:cTn>
-                  </p:par>
-                  <p:par>
-                    <p:cTn id="117" fill="hold">
-                      <p:stCondLst>
-                        <p:cond delay="indefinite"/>
-                      </p:stCondLst>
-                      <p:childTnLst>
-                        <p:par>
-                          <p:cTn id="118" fill="hold">
-                            <p:stCondLst>
-                              <p:cond delay="0"/>
-                            </p:stCondLst>
-                            <p:childTnLst>
-                              <p:par>
-                                <p:cTn id="119" presetID="1" presetClass="entr" presetSubtype="0" fill="hold" nodeType="clickEffect">
+                              <p:par>
+                                <p:cTn id="117" presetID="1" presetClass="entr" presetSubtype="0" fill="hold" nodeType="withEffect">
+                                  <p:stCondLst>
+                                    <p:cond delay="0"/>
+                                  </p:stCondLst>
+                                  <p:childTnLst>
+                                    <p:set>
+                                      <p:cBhvr>
+                                        <p:cTn id="118" dur="1" fill="hold">
+                                          <p:stCondLst>
+                                            <p:cond delay="0"/>
+                                          </p:stCondLst>
+                                        </p:cTn>
+                                        <p:tgtEl>
+                                          <p:spTgt spid="102"/>
+                                        </p:tgtEl>
+                                        <p:attrNameLst>
+                                          <p:attrName>style.visibility</p:attrName>
+                                        </p:attrNameLst>
+                                      </p:cBhvr>
+                                      <p:to>
+                                        <p:strVal val="visible"/>
+                                      </p:to>
+                                    </p:set>
+                                  </p:childTnLst>
+                                </p:cTn>
+                              </p:par>
+                              <p:par>
+                                <p:cTn id="119" presetID="1" presetClass="entr" presetSubtype="0" fill="hold" grpId="0" nodeType="withEffect">
                                   <p:stCondLst>
                                     <p:cond delay="0"/>
                                   </p:stCondLst>
@@ -25411,21 +25729,21 @@
                                           </p:stCondLst>
                                         </p:cTn>
                                         <p:tgtEl>
-                                          <p:spTgt spid="102"/>
-                                        </p:tgtEl>
-                                        <p:attrNameLst>
-                                          <p:attrName>style.visibility</p:attrName>
-                                        </p:attrNameLst>
-                                      </p:cBhvr>
-                                      <p:to>
-                                        <p:strVal val="visible"/>
-                                      </p:to>
-                                    </p:set>
-                                  </p:childTnLst>
-                                </p:cTn>
-                              </p:par>
-                              <p:par>
-                                <p:cTn id="121" presetID="1" presetClass="entr" presetSubtype="0" fill="hold" grpId="0" nodeType="withEffect">
+                                          <p:spTgt spid="97"/>
+                                        </p:tgtEl>
+                                        <p:attrNameLst>
+                                          <p:attrName>style.visibility</p:attrName>
+                                        </p:attrNameLst>
+                                      </p:cBhvr>
+                                      <p:to>
+                                        <p:strVal val="visible"/>
+                                      </p:to>
+                                    </p:set>
+                                  </p:childTnLst>
+                                </p:cTn>
+                              </p:par>
+                              <p:par>
+                                <p:cTn id="121" presetID="1" presetClass="entr" presetSubtype="0" fill="hold" nodeType="withEffect">
                                   <p:stCondLst>
                                     <p:cond delay="0"/>
                                   </p:stCondLst>
@@ -25438,7 +25756,7 @@
                                           </p:stCondLst>
                                         </p:cTn>
                                         <p:tgtEl>
-                                          <p:spTgt spid="97"/>
+                                          <p:spTgt spid="93"/>
                                         </p:tgtEl>
                                         <p:attrNameLst>
                                           <p:attrName>style.visibility</p:attrName>
@@ -25465,7 +25783,7 @@
                                           </p:stCondLst>
                                         </p:cTn>
                                         <p:tgtEl>
-                                          <p:spTgt spid="93"/>
+                                          <p:spTgt spid="92"/>
                                         </p:tgtEl>
                                         <p:attrNameLst>
                                           <p:attrName>style.visibility</p:attrName>
@@ -25492,21 +25810,21 @@
                                           </p:stCondLst>
                                         </p:cTn>
                                         <p:tgtEl>
-                                          <p:spTgt spid="92"/>
-                                        </p:tgtEl>
-                                        <p:attrNameLst>
-                                          <p:attrName>style.visibility</p:attrName>
-                                        </p:attrNameLst>
-                                      </p:cBhvr>
-                                      <p:to>
-                                        <p:strVal val="visible"/>
-                                      </p:to>
-                                    </p:set>
-                                  </p:childTnLst>
-                                </p:cTn>
-                              </p:par>
-                              <p:par>
-                                <p:cTn id="127" presetID="1" presetClass="entr" presetSubtype="0" fill="hold" nodeType="withEffect">
+                                          <p:spTgt spid="98"/>
+                                        </p:tgtEl>
+                                        <p:attrNameLst>
+                                          <p:attrName>style.visibility</p:attrName>
+                                        </p:attrNameLst>
+                                      </p:cBhvr>
+                                      <p:to>
+                                        <p:strVal val="visible"/>
+                                      </p:to>
+                                    </p:set>
+                                  </p:childTnLst>
+                                </p:cTn>
+                              </p:par>
+                              <p:par>
+                                <p:cTn id="127" presetID="1" presetClass="entr" presetSubtype="0" fill="hold" grpId="1" nodeType="withEffect">
                                   <p:stCondLst>
                                     <p:cond delay="0"/>
                                   </p:stCondLst>
@@ -25519,21 +25837,21 @@
                                           </p:stCondLst>
                                         </p:cTn>
                                         <p:tgtEl>
-                                          <p:spTgt spid="98"/>
-                                        </p:tgtEl>
-                                        <p:attrNameLst>
-                                          <p:attrName>style.visibility</p:attrName>
-                                        </p:attrNameLst>
-                                      </p:cBhvr>
-                                      <p:to>
-                                        <p:strVal val="visible"/>
-                                      </p:to>
-                                    </p:set>
-                                  </p:childTnLst>
-                                </p:cTn>
-                              </p:par>
-                              <p:par>
-                                <p:cTn id="129" presetID="1" presetClass="entr" presetSubtype="0" fill="hold" grpId="1" nodeType="withEffect">
+                                          <p:spTgt spid="74"/>
+                                        </p:tgtEl>
+                                        <p:attrNameLst>
+                                          <p:attrName>style.visibility</p:attrName>
+                                        </p:attrNameLst>
+                                      </p:cBhvr>
+                                      <p:to>
+                                        <p:strVal val="visible"/>
+                                      </p:to>
+                                    </p:set>
+                                  </p:childTnLst>
+                                </p:cTn>
+                              </p:par>
+                              <p:par>
+                                <p:cTn id="129" presetID="1" presetClass="entr" presetSubtype="0" fill="hold" grpId="0" nodeType="withEffect">
                                   <p:stCondLst>
                                     <p:cond delay="0"/>
                                   </p:stCondLst>
@@ -25546,6 +25864,33 @@
                                           </p:stCondLst>
                                         </p:cTn>
                                         <p:tgtEl>
+                                          <p:spTgt spid="96"/>
+                                        </p:tgtEl>
+                                        <p:attrNameLst>
+                                          <p:attrName>style.visibility</p:attrName>
+                                        </p:attrNameLst>
+                                      </p:cBhvr>
+                                      <p:to>
+                                        <p:strVal val="visible"/>
+                                      </p:to>
+                                    </p:set>
+                                  </p:childTnLst>
+                                </p:cTn>
+                              </p:par>
+                              <p:par>
+                                <p:cTn id="131" presetID="1" presetClass="entr" presetSubtype="0" fill="hold" grpId="2" nodeType="withEffect">
+                                  <p:stCondLst>
+                                    <p:cond delay="0"/>
+                                  </p:stCondLst>
+                                  <p:childTnLst>
+                                    <p:set>
+                                      <p:cBhvr>
+                                        <p:cTn id="132" dur="1" fill="hold">
+                                          <p:stCondLst>
+                                            <p:cond delay="0"/>
+                                          </p:stCondLst>
+                                        </p:cTn>
+                                        <p:tgtEl>
                                           <p:spTgt spid="74"/>
                                         </p:tgtEl>
                                         <p:attrNameLst>
@@ -25560,34 +25905,7 @@
                                 </p:cTn>
                               </p:par>
                               <p:par>
-                                <p:cTn id="131" presetID="1" presetClass="entr" presetSubtype="0" fill="hold" grpId="0" nodeType="withEffect">
-                                  <p:stCondLst>
-                                    <p:cond delay="0"/>
-                                  </p:stCondLst>
-                                  <p:childTnLst>
-                                    <p:set>
-                                      <p:cBhvr>
-                                        <p:cTn id="132" dur="1" fill="hold">
-                                          <p:stCondLst>
-                                            <p:cond delay="0"/>
-                                          </p:stCondLst>
-                                        </p:cTn>
-                                        <p:tgtEl>
-                                          <p:spTgt spid="96"/>
-                                        </p:tgtEl>
-                                        <p:attrNameLst>
-                                          <p:attrName>style.visibility</p:attrName>
-                                        </p:attrNameLst>
-                                      </p:cBhvr>
-                                      <p:to>
-                                        <p:strVal val="visible"/>
-                                      </p:to>
-                                    </p:set>
-                                  </p:childTnLst>
-                                </p:cTn>
-                              </p:par>
-                              <p:par>
-                                <p:cTn id="133" presetID="1" presetClass="entr" presetSubtype="0" fill="hold" grpId="2" nodeType="withEffect">
+                                <p:cTn id="133" presetID="1" presetClass="entr" presetSubtype="0" fill="hold" nodeType="withEffect">
                                   <p:stCondLst>
                                     <p:cond delay="0"/>
                                   </p:stCondLst>
@@ -25600,21 +25918,21 @@
                                           </p:stCondLst>
                                         </p:cTn>
                                         <p:tgtEl>
-                                          <p:spTgt spid="74"/>
-                                        </p:tgtEl>
-                                        <p:attrNameLst>
-                                          <p:attrName>style.visibility</p:attrName>
-                                        </p:attrNameLst>
-                                      </p:cBhvr>
-                                      <p:to>
-                                        <p:strVal val="visible"/>
-                                      </p:to>
-                                    </p:set>
-                                  </p:childTnLst>
-                                </p:cTn>
-                              </p:par>
-                              <p:par>
-                                <p:cTn id="135" presetID="1" presetClass="entr" presetSubtype="0" fill="hold" nodeType="withEffect">
+                                          <p:spTgt spid="79"/>
+                                        </p:tgtEl>
+                                        <p:attrNameLst>
+                                          <p:attrName>style.visibility</p:attrName>
+                                        </p:attrNameLst>
+                                      </p:cBhvr>
+                                      <p:to>
+                                        <p:strVal val="visible"/>
+                                      </p:to>
+                                    </p:set>
+                                  </p:childTnLst>
+                                </p:cTn>
+                              </p:par>
+                              <p:par>
+                                <p:cTn id="135" presetID="1" presetClass="entr" presetSubtype="0" fill="hold" grpId="0" nodeType="withEffect">
                                   <p:stCondLst>
                                     <p:cond delay="0"/>
                                   </p:stCondLst>
@@ -25627,6 +25945,60 @@
                                           </p:stCondLst>
                                         </p:cTn>
                                         <p:tgtEl>
+                                          <p:spTgt spid="73"/>
+                                        </p:tgtEl>
+                                        <p:attrNameLst>
+                                          <p:attrName>style.visibility</p:attrName>
+                                        </p:attrNameLst>
+                                      </p:cBhvr>
+                                      <p:to>
+                                        <p:strVal val="visible"/>
+                                      </p:to>
+                                    </p:set>
+                                  </p:childTnLst>
+                                </p:cTn>
+                              </p:par>
+                              <p:par>
+                                <p:cTn id="137" presetID="1" presetClass="entr" presetSubtype="0" fill="hold" grpId="0" nodeType="withEffect">
+                                  <p:stCondLst>
+                                    <p:cond delay="0"/>
+                                  </p:stCondLst>
+                                  <p:childTnLst>
+                                    <p:set>
+                                      <p:cBhvr>
+                                        <p:cTn id="138" dur="1" fill="hold">
+                                          <p:stCondLst>
+                                            <p:cond delay="0"/>
+                                          </p:stCondLst>
+                                        </p:cTn>
+                                        <p:tgtEl>
+                                          <p:spTgt spid="101"/>
+                                        </p:tgtEl>
+                                        <p:attrNameLst>
+                                          <p:attrName>style.visibility</p:attrName>
+                                        </p:attrNameLst>
+                                      </p:cBhvr>
+                                      <p:to>
+                                        <p:strVal val="visible"/>
+                                      </p:to>
+                                    </p:set>
+                                  </p:childTnLst>
+                                </p:cTn>
+                              </p:par>
+                              <p:par>
+                                <p:cTn id="139" presetID="1" presetClass="entr" presetSubtype="0" fill="hold" nodeType="withEffect">
+                                  <p:stCondLst>
+                                    <p:cond delay="0"/>
+                                  </p:stCondLst>
+                                  <p:childTnLst>
+                                    <p:set>
+                                      <p:cBhvr>
+                                        <p:cTn id="140" dur="1" fill="hold">
+                                          <p:stCondLst>
+                                            <p:cond delay="0"/>
+                                          </p:stCondLst>
+                                        </p:cTn>
+                                        <p:tgtEl>
                                           <p:spTgt spid="79"/>
                                         </p:tgtEl>
                                         <p:attrNameLst>
@@ -25641,61 +26013,7 @@
                                 </p:cTn>
                               </p:par>
                               <p:par>
-                                <p:cTn id="137" presetID="1" presetClass="entr" presetSubtype="0" fill="hold" grpId="0" nodeType="withEffect">
-                                  <p:stCondLst>
-                                    <p:cond delay="0"/>
-                                  </p:stCondLst>
-                                  <p:childTnLst>
-                                    <p:set>
-                                      <p:cBhvr>
-                                        <p:cTn id="138" dur="1" fill="hold">
-                                          <p:stCondLst>
-                                            <p:cond delay="0"/>
-                                          </p:stCondLst>
-                                        </p:cTn>
-                                        <p:tgtEl>
-                                          <p:spTgt spid="73"/>
-                                        </p:tgtEl>
-                                        <p:attrNameLst>
-                                          <p:attrName>style.visibility</p:attrName>
-                                        </p:attrNameLst>
-                                      </p:cBhvr>
-                                      <p:to>
-                                        <p:strVal val="visible"/>
-                                      </p:to>
-                                    </p:set>
-                                  </p:childTnLst>
-                                </p:cTn>
-                              </p:par>
-                              <p:par>
-                                <p:cTn id="139" presetID="1" presetClass="entr" presetSubtype="0" fill="hold" grpId="0" nodeType="withEffect">
-                                  <p:stCondLst>
-                                    <p:cond delay="0"/>
-                                  </p:stCondLst>
-                                  <p:childTnLst>
-                                    <p:set>
-                                      <p:cBhvr>
-                                        <p:cTn id="140" dur="1" fill="hold">
-                                          <p:stCondLst>
-                                            <p:cond delay="0"/>
-                                          </p:stCondLst>
-                                        </p:cTn>
-                                        <p:tgtEl>
-                                          <p:spTgt spid="101"/>
-                                        </p:tgtEl>
-                                        <p:attrNameLst>
-                                          <p:attrName>style.visibility</p:attrName>
-                                        </p:attrNameLst>
-                                      </p:cBhvr>
-                                      <p:to>
-                                        <p:strVal val="visible"/>
-                                      </p:to>
-                                    </p:set>
-                                  </p:childTnLst>
-                                </p:cTn>
-                              </p:par>
-                              <p:par>
-                                <p:cTn id="141" presetID="1" presetClass="entr" presetSubtype="0" fill="hold" nodeType="withEffect">
+                                <p:cTn id="141" presetID="1" presetClass="exit" presetSubtype="0" fill="hold" nodeType="withEffect">
                                   <p:stCondLst>
                                     <p:cond delay="0"/>
                                   </p:stCondLst>
@@ -25703,33 +26021,6 @@
                                     <p:set>
                                       <p:cBhvr>
                                         <p:cTn id="142" dur="1" fill="hold">
-                                          <p:stCondLst>
-                                            <p:cond delay="0"/>
-                                          </p:stCondLst>
-                                        </p:cTn>
-                                        <p:tgtEl>
-                                          <p:spTgt spid="79"/>
-                                        </p:tgtEl>
-                                        <p:attrNameLst>
-                                          <p:attrName>style.visibility</p:attrName>
-                                        </p:attrNameLst>
-                                      </p:cBhvr>
-                                      <p:to>
-                                        <p:strVal val="visible"/>
-                                      </p:to>
-                                    </p:set>
-                                  </p:childTnLst>
-                                </p:cTn>
-                              </p:par>
-                              <p:par>
-                                <p:cTn id="143" presetID="1" presetClass="exit" presetSubtype="0" fill="hold" nodeType="withEffect">
-                                  <p:stCondLst>
-                                    <p:cond delay="0"/>
-                                  </p:stCondLst>
-                                  <p:childTnLst>
-                                    <p:set>
-                                      <p:cBhvr>
-                                        <p:cTn id="144" dur="1" fill="hold">
                                           <p:stCondLst>
                                             <p:cond delay="0"/>
                                           </p:stCondLst>
@@ -26924,6 +27215,45 @@
           </a:p>
         </p:txBody>
       </p:sp>
+      <p:sp>
+        <p:nvSpPr>
+          <p:cNvPr id="43" name="TextBox 42">
+            <a:extLst>
+              <a:ext uri="{FF2B5EF4-FFF2-40B4-BE49-F238E27FC236}">
+                <a16:creationId xmlns:a16="http://schemas.microsoft.com/office/drawing/2014/main" id="{45209ED4-4B37-E4FD-8573-E69338690E5E}"/>
+              </a:ext>
+            </a:extLst>
+          </p:cNvPr>
+          <p:cNvSpPr txBox="1"/>
+          <p:nvPr/>
+        </p:nvSpPr>
+        <p:spPr>
+          <a:xfrm>
+            <a:off x="10360151" y="6409508"/>
+            <a:ext cx="1387712" cy="369332"/>
+          </a:xfrm>
+          <a:prstGeom prst="rect">
+            <a:avLst/>
+          </a:prstGeom>
+          <a:noFill/>
+        </p:spPr>
+        <p:txBody>
+          <a:bodyPr wrap="square" rtlCol="0">
+            <a:spAutoFit/>
+          </a:bodyPr>
+          <a:lstStyle/>
+          <a:p>
+            <a:r>
+              <a:rPr lang="en-US" dirty="0">
+                <a:solidFill>
+                  <a:srgbClr val="FF0000"/>
+                </a:solidFill>
+              </a:rPr>
+              <a:t>TYPO HERE</a:t>
+            </a:r>
+          </a:p>
+        </p:txBody>
+      </p:sp>
     </p:spTree>
     <p:extLst>
       <p:ext uri="{BB962C8B-B14F-4D97-AF65-F5344CB8AC3E}">
@@ -26946,6 +27276,9 @@
                     <p:cTn id="3" fill="hold">
                       <p:stCondLst>
                         <p:cond delay="indefinite"/>
+                        <p:cond evt="onBegin" delay="0">
+                          <p:tn val="2"/>
+                        </p:cond>
                       </p:stCondLst>
                       <p:childTnLst>
                         <p:par>
@@ -26955,7 +27288,7 @@
                             </p:stCondLst>
                             <p:childTnLst>
                               <p:par>
-                                <p:cTn id="5" presetID="1" presetClass="entr" presetSubtype="0" fill="hold" nodeType="clickEffect">
+                                <p:cTn id="5" presetID="1" presetClass="entr" presetSubtype="0" fill="hold" grpId="0" nodeType="withEffect">
                                   <p:stCondLst>
                                     <p:cond delay="0"/>
                                   </p:stCondLst>
@@ -26968,88 +27301,7 @@
                                           </p:stCondLst>
                                         </p:cTn>
                                         <p:tgtEl>
-                                          <p:spTgt spid="17"/>
-                                        </p:tgtEl>
-                                        <p:attrNameLst>
-                                          <p:attrName>style.visibility</p:attrName>
-                                        </p:attrNameLst>
-                                      </p:cBhvr>
-                                      <p:to>
-                                        <p:strVal val="visible"/>
-                                      </p:to>
-                                    </p:set>
-                                  </p:childTnLst>
-                                </p:cTn>
-                              </p:par>
-                              <p:par>
-                                <p:cTn id="7" presetID="1" presetClass="entr" presetSubtype="0" fill="hold" nodeType="withEffect">
-                                  <p:stCondLst>
-                                    <p:cond delay="0"/>
-                                  </p:stCondLst>
-                                  <p:childTnLst>
-                                    <p:set>
-                                      <p:cBhvr>
-                                        <p:cTn id="8" dur="1" fill="hold">
-                                          <p:stCondLst>
-                                            <p:cond delay="0"/>
-                                          </p:stCondLst>
-                                        </p:cTn>
-                                        <p:tgtEl>
-                                          <p:spTgt spid="18"/>
-                                        </p:tgtEl>
-                                        <p:attrNameLst>
-                                          <p:attrName>style.visibility</p:attrName>
-                                        </p:attrNameLst>
-                                      </p:cBhvr>
-                                      <p:to>
-                                        <p:strVal val="visible"/>
-                                      </p:to>
-                                    </p:set>
-                                  </p:childTnLst>
-                                </p:cTn>
-                              </p:par>
-                              <p:par>
-                                <p:cTn id="9" presetID="1" presetClass="entr" presetSubtype="0" fill="hold" nodeType="withEffect">
-                                  <p:stCondLst>
-                                    <p:cond delay="0"/>
-                                  </p:stCondLst>
-                                  <p:childTnLst>
-                                    <p:set>
-                                      <p:cBhvr>
-                                        <p:cTn id="10" dur="1" fill="hold">
-                                          <p:stCondLst>
-                                            <p:cond delay="0"/>
-                                          </p:stCondLst>
-                                        </p:cTn>
-                                        <p:tgtEl>
-                                          <p:spTgt spid="25"/>
-                                        </p:tgtEl>
-                                        <p:attrNameLst>
-                                          <p:attrName>style.visibility</p:attrName>
-                                        </p:attrNameLst>
-                                      </p:cBhvr>
-                                      <p:to>
-                                        <p:strVal val="visible"/>
-                                      </p:to>
-                                    </p:set>
-                                  </p:childTnLst>
-                                </p:cTn>
-                              </p:par>
-                              <p:par>
-                                <p:cTn id="11" presetID="1" presetClass="entr" presetSubtype="0" fill="hold" nodeType="withEffect">
-                                  <p:stCondLst>
-                                    <p:cond delay="0"/>
-                                  </p:stCondLst>
-                                  <p:childTnLst>
-                                    <p:set>
-                                      <p:cBhvr>
-                                        <p:cTn id="12" dur="1" fill="hold">
-                                          <p:stCondLst>
-                                            <p:cond delay="0"/>
-                                          </p:stCondLst>
-                                        </p:cTn>
-                                        <p:tgtEl>
-                                          <p:spTgt spid="27"/>
+                                          <p:spTgt spid="43"/>
                                         </p:tgtEl>
                                         <p:attrNameLst>
                                           <p:attrName>style.visibility</p:attrName>
@@ -27069,19 +27321,100 @@
                     </p:cTn>
                   </p:par>
                   <p:par>
-                    <p:cTn id="13" fill="hold">
+                    <p:cTn id="7" fill="hold">
                       <p:stCondLst>
                         <p:cond delay="indefinite"/>
                       </p:stCondLst>
                       <p:childTnLst>
                         <p:par>
-                          <p:cTn id="14" fill="hold">
+                          <p:cTn id="8" fill="hold">
                             <p:stCondLst>
                               <p:cond delay="0"/>
                             </p:stCondLst>
                             <p:childTnLst>
                               <p:par>
-                                <p:cTn id="15" presetID="1" presetClass="entr" presetSubtype="0" fill="hold" grpId="0" nodeType="clickEffect">
+                                <p:cTn id="9" presetID="1" presetClass="entr" presetSubtype="0" fill="hold" nodeType="clickEffect">
+                                  <p:stCondLst>
+                                    <p:cond delay="0"/>
+                                  </p:stCondLst>
+                                  <p:childTnLst>
+                                    <p:set>
+                                      <p:cBhvr>
+                                        <p:cTn id="10" dur="1" fill="hold">
+                                          <p:stCondLst>
+                                            <p:cond delay="0"/>
+                                          </p:stCondLst>
+                                        </p:cTn>
+                                        <p:tgtEl>
+                                          <p:spTgt spid="17"/>
+                                        </p:tgtEl>
+                                        <p:attrNameLst>
+                                          <p:attrName>style.visibility</p:attrName>
+                                        </p:attrNameLst>
+                                      </p:cBhvr>
+                                      <p:to>
+                                        <p:strVal val="visible"/>
+                                      </p:to>
+                                    </p:set>
+                                  </p:childTnLst>
+                                </p:cTn>
+                              </p:par>
+                              <p:par>
+                                <p:cTn id="11" presetID="1" presetClass="entr" presetSubtype="0" fill="hold" nodeType="withEffect">
+                                  <p:stCondLst>
+                                    <p:cond delay="0"/>
+                                  </p:stCondLst>
+                                  <p:childTnLst>
+                                    <p:set>
+                                      <p:cBhvr>
+                                        <p:cTn id="12" dur="1" fill="hold">
+                                          <p:stCondLst>
+                                            <p:cond delay="0"/>
+                                          </p:stCondLst>
+                                        </p:cTn>
+                                        <p:tgtEl>
+                                          <p:spTgt spid="18"/>
+                                        </p:tgtEl>
+                                        <p:attrNameLst>
+                                          <p:attrName>style.visibility</p:attrName>
+                                        </p:attrNameLst>
+                                      </p:cBhvr>
+                                      <p:to>
+                                        <p:strVal val="visible"/>
+                                      </p:to>
+                                    </p:set>
+                                  </p:childTnLst>
+                                </p:cTn>
+                              </p:par>
+                              <p:par>
+                                <p:cTn id="13" presetID="1" presetClass="entr" presetSubtype="0" fill="hold" nodeType="withEffect">
+                                  <p:stCondLst>
+                                    <p:cond delay="0"/>
+                                  </p:stCondLst>
+                                  <p:childTnLst>
+                                    <p:set>
+                                      <p:cBhvr>
+                                        <p:cTn id="14" dur="1" fill="hold">
+                                          <p:stCondLst>
+                                            <p:cond delay="0"/>
+                                          </p:stCondLst>
+                                        </p:cTn>
+                                        <p:tgtEl>
+                                          <p:spTgt spid="25"/>
+                                        </p:tgtEl>
+                                        <p:attrNameLst>
+                                          <p:attrName>style.visibility</p:attrName>
+                                        </p:attrNameLst>
+                                      </p:cBhvr>
+                                      <p:to>
+                                        <p:strVal val="visible"/>
+                                      </p:to>
+                                    </p:set>
+                                  </p:childTnLst>
+                                </p:cTn>
+                              </p:par>
+                              <p:par>
+                                <p:cTn id="15" presetID="1" presetClass="entr" presetSubtype="0" fill="hold" nodeType="withEffect">
                                   <p:stCondLst>
                                     <p:cond delay="0"/>
                                   </p:stCondLst>
@@ -27094,38 +27427,7 @@
                                           </p:stCondLst>
                                         </p:cTn>
                                         <p:tgtEl>
-                                          <p:spTgt spid="37"/>
-                                        </p:tgtEl>
-                                        <p:attrNameLst>
-                                          <p:attrName>style.visibility</p:attrName>
-                                        </p:attrNameLst>
-                                      </p:cBhvr>
-                                      <p:to>
-                                        <p:strVal val="visible"/>
-                                      </p:to>
-                                    </p:set>
-                                  </p:childTnLst>
-                                </p:cTn>
-                              </p:par>
-                              <p:par>
-                                <p:cTn id="17" presetID="1" presetClass="entr" presetSubtype="0" fill="hold" nodeType="withEffect">
-                                  <p:stCondLst>
-                                    <p:cond delay="0"/>
-                                  </p:stCondLst>
-                                  <p:childTnLst>
-                                    <p:set>
-                                      <p:cBhvr>
-                                        <p:cTn id="18" dur="1" fill="hold">
-                                          <p:stCondLst>
-                                            <p:cond delay="0"/>
-                                          </p:stCondLst>
-                                        </p:cTn>
-                                        <p:tgtEl>
-                                          <p:spTgt spid="3">
-                                            <p:txEl>
-                                              <p:pRg st="0" end="0"/>
-                                            </p:txEl>
-                                          </p:spTgt>
+                                          <p:spTgt spid="27"/>
                                         </p:tgtEl>
                                         <p:attrNameLst>
                                           <p:attrName>style.visibility</p:attrName>
@@ -27145,19 +27447,46 @@
                     </p:cTn>
                   </p:par>
                   <p:par>
-                    <p:cTn id="19" fill="hold">
+                    <p:cTn id="17" fill="hold">
                       <p:stCondLst>
                         <p:cond delay="indefinite"/>
                       </p:stCondLst>
                       <p:childTnLst>
                         <p:par>
-                          <p:cTn id="20" fill="hold">
+                          <p:cTn id="18" fill="hold">
                             <p:stCondLst>
                               <p:cond delay="0"/>
                             </p:stCondLst>
                             <p:childTnLst>
                               <p:par>
-                                <p:cTn id="21" presetID="1" presetClass="entr" presetSubtype="0" fill="hold" nodeType="clickEffect">
+                                <p:cTn id="19" presetID="1" presetClass="entr" presetSubtype="0" fill="hold" grpId="0" nodeType="clickEffect">
+                                  <p:stCondLst>
+                                    <p:cond delay="0"/>
+                                  </p:stCondLst>
+                                  <p:childTnLst>
+                                    <p:set>
+                                      <p:cBhvr>
+                                        <p:cTn id="20" dur="1" fill="hold">
+                                          <p:stCondLst>
+                                            <p:cond delay="0"/>
+                                          </p:stCondLst>
+                                        </p:cTn>
+                                        <p:tgtEl>
+                                          <p:spTgt spid="37"/>
+                                        </p:tgtEl>
+                                        <p:attrNameLst>
+                                          <p:attrName>style.visibility</p:attrName>
+                                        </p:attrNameLst>
+                                      </p:cBhvr>
+                                      <p:to>
+                                        <p:strVal val="visible"/>
+                                      </p:to>
+                                    </p:set>
+                                  </p:childTnLst>
+                                </p:cTn>
+                              </p:par>
+                              <p:par>
+                                <p:cTn id="21" presetID="1" presetClass="entr" presetSubtype="0" fill="hold" nodeType="withEffect">
                                   <p:stCondLst>
                                     <p:cond delay="0"/>
                                   </p:stCondLst>
@@ -27165,60 +27494,6 @@
                                     <p:set>
                                       <p:cBhvr>
                                         <p:cTn id="22" dur="1" fill="hold">
-                                          <p:stCondLst>
-                                            <p:cond delay="0"/>
-                                          </p:stCondLst>
-                                        </p:cTn>
-                                        <p:tgtEl>
-                                          <p:spTgt spid="16"/>
-                                        </p:tgtEl>
-                                        <p:attrNameLst>
-                                          <p:attrName>style.visibility</p:attrName>
-                                        </p:attrNameLst>
-                                      </p:cBhvr>
-                                      <p:to>
-                                        <p:strVal val="visible"/>
-                                      </p:to>
-                                    </p:set>
-                                  </p:childTnLst>
-                                </p:cTn>
-                              </p:par>
-                              <p:par>
-                                <p:cTn id="23" presetID="1" presetClass="entr" presetSubtype="0" fill="hold" nodeType="withEffect">
-                                  <p:stCondLst>
-                                    <p:cond delay="0"/>
-                                  </p:stCondLst>
-                                  <p:childTnLst>
-                                    <p:set>
-                                      <p:cBhvr>
-                                        <p:cTn id="24" dur="1" fill="hold">
-                                          <p:stCondLst>
-                                            <p:cond delay="0"/>
-                                          </p:stCondLst>
-                                        </p:cTn>
-                                        <p:tgtEl>
-                                          <p:spTgt spid="19"/>
-                                        </p:tgtEl>
-                                        <p:attrNameLst>
-                                          <p:attrName>style.visibility</p:attrName>
-                                        </p:attrNameLst>
-                                      </p:cBhvr>
-                                      <p:to>
-                                        <p:strVal val="visible"/>
-                                      </p:to>
-                                    </p:set>
-                                  </p:childTnLst>
-                                </p:cTn>
-                              </p:par>
-                              <p:par>
-                                <p:cTn id="25" presetID="1" presetClass="entr" presetSubtype="0" fill="hold" nodeType="withEffect">
-                                  <p:stCondLst>
-                                    <p:cond delay="0"/>
-                                  </p:stCondLst>
-                                  <p:childTnLst>
-                                    <p:set>
-                                      <p:cBhvr>
-                                        <p:cTn id="26" dur="1" fill="hold">
                                           <p:stCondLst>
                                             <p:cond delay="0"/>
                                           </p:stCondLst>
@@ -27226,36 +27501,9 @@
                                         <p:tgtEl>
                                           <p:spTgt spid="3">
                                             <p:txEl>
-                                              <p:pRg st="2" end="2"/>
+                                              <p:pRg st="0" end="0"/>
                                             </p:txEl>
                                           </p:spTgt>
-                                        </p:tgtEl>
-                                        <p:attrNameLst>
-                                          <p:attrName>style.visibility</p:attrName>
-                                        </p:attrNameLst>
-                                      </p:cBhvr>
-                                      <p:to>
-                                        <p:strVal val="visible"/>
-                                      </p:to>
-                                    </p:set>
-                                  </p:childTnLst>
-                                </p:cTn>
-                              </p:par>
-                              <p:par>
-                                <p:cTn id="27" presetID="1" presetClass="entr" presetSubtype="0" fill="hold" nodeType="withEffect">
-                                  <p:stCondLst>
-                                    <p:cond delay="0"/>
-                                  </p:stCondLst>
-                                  <p:childTnLst>
-                                    <p:set>
-                                      <p:cBhvr>
-                                        <p:cTn id="28" dur="1" fill="hold">
-                                          <p:stCondLst>
-                                            <p:cond delay="0"/>
-                                          </p:stCondLst>
-                                        </p:cTn>
-                                        <p:tgtEl>
-                                          <p:spTgt spid="13"/>
                                         </p:tgtEl>
                                         <p:attrNameLst>
                                           <p:attrName>style.visibility</p:attrName>
@@ -27275,19 +27523,104 @@
                     </p:cTn>
                   </p:par>
                   <p:par>
-                    <p:cTn id="29" fill="hold">
+                    <p:cTn id="23" fill="hold">
                       <p:stCondLst>
                         <p:cond delay="indefinite"/>
                       </p:stCondLst>
                       <p:childTnLst>
                         <p:par>
-                          <p:cTn id="30" fill="hold">
+                          <p:cTn id="24" fill="hold">
                             <p:stCondLst>
                               <p:cond delay="0"/>
                             </p:stCondLst>
                             <p:childTnLst>
                               <p:par>
-                                <p:cTn id="31" presetID="1" presetClass="entr" presetSubtype="0" fill="hold" grpId="0" nodeType="clickEffect">
+                                <p:cTn id="25" presetID="1" presetClass="entr" presetSubtype="0" fill="hold" nodeType="clickEffect">
+                                  <p:stCondLst>
+                                    <p:cond delay="0"/>
+                                  </p:stCondLst>
+                                  <p:childTnLst>
+                                    <p:set>
+                                      <p:cBhvr>
+                                        <p:cTn id="26" dur="1" fill="hold">
+                                          <p:stCondLst>
+                                            <p:cond delay="0"/>
+                                          </p:stCondLst>
+                                        </p:cTn>
+                                        <p:tgtEl>
+                                          <p:spTgt spid="16"/>
+                                        </p:tgtEl>
+                                        <p:attrNameLst>
+                                          <p:attrName>style.visibility</p:attrName>
+                                        </p:attrNameLst>
+                                      </p:cBhvr>
+                                      <p:to>
+                                        <p:strVal val="visible"/>
+                                      </p:to>
+                                    </p:set>
+                                  </p:childTnLst>
+                                </p:cTn>
+                              </p:par>
+                              <p:par>
+                                <p:cTn id="27" presetID="1" presetClass="entr" presetSubtype="0" fill="hold" nodeType="withEffect">
+                                  <p:stCondLst>
+                                    <p:cond delay="0"/>
+                                  </p:stCondLst>
+                                  <p:childTnLst>
+                                    <p:set>
+                                      <p:cBhvr>
+                                        <p:cTn id="28" dur="1" fill="hold">
+                                          <p:stCondLst>
+                                            <p:cond delay="0"/>
+                                          </p:stCondLst>
+                                        </p:cTn>
+                                        <p:tgtEl>
+                                          <p:spTgt spid="19"/>
+                                        </p:tgtEl>
+                                        <p:attrNameLst>
+                                          <p:attrName>style.visibility</p:attrName>
+                                        </p:attrNameLst>
+                                      </p:cBhvr>
+                                      <p:to>
+                                        <p:strVal val="visible"/>
+                                      </p:to>
+                                    </p:set>
+                                  </p:childTnLst>
+                                </p:cTn>
+                              </p:par>
+                              <p:par>
+                                <p:cTn id="29" presetID="1" presetClass="entr" presetSubtype="0" fill="hold" nodeType="withEffect">
+                                  <p:stCondLst>
+                                    <p:cond delay="0"/>
+                                  </p:stCondLst>
+                                  <p:childTnLst>
+                                    <p:set>
+                                      <p:cBhvr>
+                                        <p:cTn id="30" dur="1" fill="hold">
+                                          <p:stCondLst>
+                                            <p:cond delay="0"/>
+                                          </p:stCondLst>
+                                        </p:cTn>
+                                        <p:tgtEl>
+                                          <p:spTgt spid="3">
+                                            <p:txEl>
+                                              <p:pRg st="2" end="2"/>
+                                            </p:txEl>
+                                          </p:spTgt>
+                                        </p:tgtEl>
+                                        <p:attrNameLst>
+                                          <p:attrName>style.visibility</p:attrName>
+                                        </p:attrNameLst>
+                                      </p:cBhvr>
+                                      <p:to>
+                                        <p:strVal val="visible"/>
+                                      </p:to>
+                                    </p:set>
+                                  </p:childTnLst>
+                                </p:cTn>
+                              </p:par>
+                              <p:par>
+                                <p:cTn id="31" presetID="1" presetClass="entr" presetSubtype="0" fill="hold" nodeType="withEffect">
                                   <p:stCondLst>
                                     <p:cond delay="0"/>
                                   </p:stCondLst>
@@ -27300,34 +27633,7 @@
                                           </p:stCondLst>
                                         </p:cTn>
                                         <p:tgtEl>
-                                          <p:spTgt spid="28"/>
-                                        </p:tgtEl>
-                                        <p:attrNameLst>
-                                          <p:attrName>style.visibility</p:attrName>
-                                        </p:attrNameLst>
-                                      </p:cBhvr>
-                                      <p:to>
-                                        <p:strVal val="visible"/>
-                                      </p:to>
-                                    </p:set>
-                                  </p:childTnLst>
-                                </p:cTn>
-                              </p:par>
-                              <p:par>
-                                <p:cTn id="33" presetID="1" presetClass="entr" presetSubtype="0" fill="hold" grpId="0" nodeType="withEffect">
-                                  <p:stCondLst>
-                                    <p:cond delay="0"/>
-                                  </p:stCondLst>
-                                  <p:childTnLst>
-                                    <p:set>
-                                      <p:cBhvr>
-                                        <p:cTn id="34" dur="1" fill="hold">
-                                          <p:stCondLst>
-                                            <p:cond delay="0"/>
-                                          </p:stCondLst>
-                                        </p:cTn>
-                                        <p:tgtEl>
-                                          <p:spTgt spid="30"/>
+                                          <p:spTgt spid="13"/>
                                         </p:tgtEl>
                                         <p:attrNameLst>
                                           <p:attrName>style.visibility</p:attrName>
@@ -27347,19 +27653,46 @@
                     </p:cTn>
                   </p:par>
                   <p:par>
-                    <p:cTn id="35" fill="hold">
+                    <p:cTn id="33" fill="hold">
                       <p:stCondLst>
                         <p:cond delay="indefinite"/>
                       </p:stCondLst>
                       <p:childTnLst>
                         <p:par>
-                          <p:cTn id="36" fill="hold">
+                          <p:cTn id="34" fill="hold">
                             <p:stCondLst>
                               <p:cond delay="0"/>
                             </p:stCondLst>
                             <p:childTnLst>
                               <p:par>
-                                <p:cTn id="37" presetID="1" presetClass="entr" presetSubtype="0" fill="hold" grpId="0" nodeType="clickEffect">
+                                <p:cTn id="35" presetID="1" presetClass="entr" presetSubtype="0" fill="hold" grpId="0" nodeType="clickEffect">
+                                  <p:stCondLst>
+                                    <p:cond delay="0"/>
+                                  </p:stCondLst>
+                                  <p:childTnLst>
+                                    <p:set>
+                                      <p:cBhvr>
+                                        <p:cTn id="36" dur="1" fill="hold">
+                                          <p:stCondLst>
+                                            <p:cond delay="0"/>
+                                          </p:stCondLst>
+                                        </p:cTn>
+                                        <p:tgtEl>
+                                          <p:spTgt spid="28"/>
+                                        </p:tgtEl>
+                                        <p:attrNameLst>
+                                          <p:attrName>style.visibility</p:attrName>
+                                        </p:attrNameLst>
+                                      </p:cBhvr>
+                                      <p:to>
+                                        <p:strVal val="visible"/>
+                                      </p:to>
+                                    </p:set>
+                                  </p:childTnLst>
+                                </p:cTn>
+                              </p:par>
+                              <p:par>
+                                <p:cTn id="37" presetID="1" presetClass="entr" presetSubtype="0" fill="hold" grpId="0" nodeType="withEffect">
                                   <p:stCondLst>
                                     <p:cond delay="0"/>
                                   </p:stCondLst>
@@ -27372,34 +27705,7 @@
                                           </p:stCondLst>
                                         </p:cTn>
                                         <p:tgtEl>
-                                          <p:spTgt spid="29"/>
-                                        </p:tgtEl>
-                                        <p:attrNameLst>
-                                          <p:attrName>style.visibility</p:attrName>
-                                        </p:attrNameLst>
-                                      </p:cBhvr>
-                                      <p:to>
-                                        <p:strVal val="visible"/>
-                                      </p:to>
-                                    </p:set>
-                                  </p:childTnLst>
-                                </p:cTn>
-                              </p:par>
-                              <p:par>
-                                <p:cTn id="39" presetID="1" presetClass="entr" presetSubtype="0" fill="hold" grpId="0" nodeType="withEffect">
-                                  <p:stCondLst>
-                                    <p:cond delay="0"/>
-                                  </p:stCondLst>
-                                  <p:childTnLst>
-                                    <p:set>
-                                      <p:cBhvr>
-                                        <p:cTn id="40" dur="1" fill="hold">
-                                          <p:stCondLst>
-                                            <p:cond delay="0"/>
-                                          </p:stCondLst>
-                                        </p:cTn>
-                                        <p:tgtEl>
-                                          <p:spTgt spid="31"/>
+                                          <p:spTgt spid="30"/>
                                         </p:tgtEl>
                                         <p:attrNameLst>
                                           <p:attrName>style.visibility</p:attrName>
@@ -27419,19 +27725,46 @@
                     </p:cTn>
                   </p:par>
                   <p:par>
-                    <p:cTn id="41" fill="hold">
+                    <p:cTn id="39" fill="hold">
                       <p:stCondLst>
                         <p:cond delay="indefinite"/>
                       </p:stCondLst>
                       <p:childTnLst>
                         <p:par>
-                          <p:cTn id="42" fill="hold">
+                          <p:cTn id="40" fill="hold">
                             <p:stCondLst>
                               <p:cond delay="0"/>
                             </p:stCondLst>
                             <p:childTnLst>
                               <p:par>
-                                <p:cTn id="43" presetID="1" presetClass="entr" presetSubtype="0" fill="hold" grpId="0" nodeType="clickEffect">
+                                <p:cTn id="41" presetID="1" presetClass="entr" presetSubtype="0" fill="hold" grpId="0" nodeType="clickEffect">
+                                  <p:stCondLst>
+                                    <p:cond delay="0"/>
+                                  </p:stCondLst>
+                                  <p:childTnLst>
+                                    <p:set>
+                                      <p:cBhvr>
+                                        <p:cTn id="42" dur="1" fill="hold">
+                                          <p:stCondLst>
+                                            <p:cond delay="0"/>
+                                          </p:stCondLst>
+                                        </p:cTn>
+                                        <p:tgtEl>
+                                          <p:spTgt spid="29"/>
+                                        </p:tgtEl>
+                                        <p:attrNameLst>
+                                          <p:attrName>style.visibility</p:attrName>
+                                        </p:attrNameLst>
+                                      </p:cBhvr>
+                                      <p:to>
+                                        <p:strVal val="visible"/>
+                                      </p:to>
+                                    </p:set>
+                                  </p:childTnLst>
+                                </p:cTn>
+                              </p:par>
+                              <p:par>
+                                <p:cTn id="43" presetID="1" presetClass="entr" presetSubtype="0" fill="hold" grpId="0" nodeType="withEffect">
                                   <p:stCondLst>
                                     <p:cond delay="0"/>
                                   </p:stCondLst>
@@ -27444,6 +27777,51 @@
                                           </p:stCondLst>
                                         </p:cTn>
                                         <p:tgtEl>
+                                          <p:spTgt spid="31"/>
+                                        </p:tgtEl>
+                                        <p:attrNameLst>
+                                          <p:attrName>style.visibility</p:attrName>
+                                        </p:attrNameLst>
+                                      </p:cBhvr>
+                                      <p:to>
+                                        <p:strVal val="visible"/>
+                                      </p:to>
+                                    </p:set>
+                                  </p:childTnLst>
+                                </p:cTn>
+                              </p:par>
+                            </p:childTnLst>
+                          </p:cTn>
+                        </p:par>
+                      </p:childTnLst>
+                    </p:cTn>
+                  </p:par>
+                  <p:par>
+                    <p:cTn id="45" fill="hold">
+                      <p:stCondLst>
+                        <p:cond delay="indefinite"/>
+                      </p:stCondLst>
+                      <p:childTnLst>
+                        <p:par>
+                          <p:cTn id="46" fill="hold">
+                            <p:stCondLst>
+                              <p:cond delay="0"/>
+                            </p:stCondLst>
+                            <p:childTnLst>
+                              <p:par>
+                                <p:cTn id="47" presetID="1" presetClass="entr" presetSubtype="0" fill="hold" grpId="0" nodeType="clickEffect">
+                                  <p:stCondLst>
+                                    <p:cond delay="0"/>
+                                  </p:stCondLst>
+                                  <p:childTnLst>
+                                    <p:set>
+                                      <p:cBhvr>
+                                        <p:cTn id="48" dur="1" fill="hold">
+                                          <p:stCondLst>
+                                            <p:cond delay="0"/>
+                                          </p:stCondLst>
+                                        </p:cTn>
+                                        <p:tgtEl>
                                           <p:spTgt spid="33"/>
                                         </p:tgtEl>
                                         <p:attrNameLst>
@@ -27458,14 +27836,14 @@
                                 </p:cTn>
                               </p:par>
                               <p:par>
-                                <p:cTn id="45" presetID="1" presetClass="entr" presetSubtype="0" fill="hold" grpId="0" nodeType="withEffect">
-                                  <p:stCondLst>
-                                    <p:cond delay="0"/>
-                                  </p:stCondLst>
-                                  <p:childTnLst>
-                                    <p:set>
-                                      <p:cBhvr>
-                                        <p:cTn id="46" dur="1" fill="hold">
+                                <p:cTn id="49" presetID="1" presetClass="entr" presetSubtype="0" fill="hold" grpId="0" nodeType="withEffect">
+                                  <p:stCondLst>
+                                    <p:cond delay="0"/>
+                                  </p:stCondLst>
+                                  <p:childTnLst>
+                                    <p:set>
+                                      <p:cBhvr>
+                                        <p:cTn id="50" dur="1" fill="hold">
                                           <p:stCondLst>
                                             <p:cond delay="0"/>
                                           </p:stCondLst>
@@ -27519,6 +27897,7 @@
       <p:bldP spid="33" grpId="0" animBg="1"/>
       <p:bldP spid="34" grpId="0"/>
       <p:bldP spid="37" grpId="0" animBg="1"/>
+      <p:bldP spid="43" grpId="0"/>
     </p:bldLst>
   </p:timing>
 </p:sld>

--- a/loca_virt_draft.pptx
+++ b/loca_virt_draft.pptx
@@ -10214,6 +10214,36 @@
       </p:grpSpPr>
       <p:pic>
         <p:nvPicPr>
+          <p:cNvPr id="8" name="Picture 7">
+            <a:extLst>
+              <a:ext uri="{FF2B5EF4-FFF2-40B4-BE49-F238E27FC236}">
+                <a16:creationId xmlns:a16="http://schemas.microsoft.com/office/drawing/2014/main" id="{63015ED1-2E83-CF5C-B99D-E35E8BA267E3}"/>
+              </a:ext>
+            </a:extLst>
+          </p:cNvPr>
+          <p:cNvPicPr>
+            <a:picLocks noChangeAspect="1"/>
+          </p:cNvPicPr>
+          <p:nvPr/>
+        </p:nvPicPr>
+        <p:blipFill>
+          <a:blip r:embed="rId3"/>
+          <a:stretch>
+            <a:fillRect/>
+          </a:stretch>
+        </p:blipFill>
+        <p:spPr>
+          <a:xfrm>
+            <a:off x="793581" y="4036904"/>
+            <a:ext cx="9360905" cy="841808"/>
+          </a:xfrm>
+          <a:prstGeom prst="rect">
+            <a:avLst/>
+          </a:prstGeom>
+        </p:spPr>
+      </p:pic>
+      <p:pic>
+        <p:nvPicPr>
           <p:cNvPr id="9" name="Content Placeholder 8" descr="Text&#10;&#10;Description automatically generated with medium confidence">
             <a:extLst>
               <a:ext uri="{FF2B5EF4-FFF2-40B4-BE49-F238E27FC236}">
@@ -10229,15 +10259,15 @@
           </p:nvPr>
         </p:nvPicPr>
         <p:blipFill>
-          <a:blip r:embed="rId3"/>
+          <a:blip r:embed="rId4"/>
           <a:stretch>
             <a:fillRect/>
           </a:stretch>
         </p:blipFill>
         <p:spPr>
           <a:xfrm>
-            <a:off x="1040130" y="2383314"/>
-            <a:ext cx="1638300" cy="431800"/>
+            <a:off x="1010634" y="2375540"/>
+            <a:ext cx="1667796" cy="439574"/>
           </a:xfrm>
         </p:spPr>
       </p:pic>
@@ -10280,36 +10310,6 @@
             <a:extLst>
               <a:ext uri="{FF2B5EF4-FFF2-40B4-BE49-F238E27FC236}">
                 <a16:creationId xmlns:a16="http://schemas.microsoft.com/office/drawing/2014/main" id="{AA67835F-7AC1-1D85-0220-42161907A778}"/>
-              </a:ext>
-            </a:extLst>
-          </p:cNvPr>
-          <p:cNvPicPr>
-            <a:picLocks noChangeAspect="1"/>
-          </p:cNvPicPr>
-          <p:nvPr/>
-        </p:nvPicPr>
-        <p:blipFill>
-          <a:blip r:embed="rId4"/>
-          <a:stretch>
-            <a:fillRect/>
-          </a:stretch>
-        </p:blipFill>
-        <p:spPr>
-          <a:xfrm>
-            <a:off x="2717800" y="2423160"/>
-            <a:ext cx="254000" cy="304800"/>
-          </a:xfrm>
-          <a:prstGeom prst="rect">
-            <a:avLst/>
-          </a:prstGeom>
-        </p:spPr>
-      </p:pic>
-      <p:pic>
-        <p:nvPicPr>
-          <p:cNvPr id="15" name="Picture 14" descr="Diagram&#10;&#10;Description automatically generated">
-            <a:extLst>
-              <a:ext uri="{FF2B5EF4-FFF2-40B4-BE49-F238E27FC236}">
-                <a16:creationId xmlns:a16="http://schemas.microsoft.com/office/drawing/2014/main" id="{81AF9EA2-91E5-B0E5-6755-D86D1B0F1CD9}"/>
               </a:ext>
             </a:extLst>
           </p:cNvPr>
@@ -10326,8 +10326,8 @@
         </p:blipFill>
         <p:spPr>
           <a:xfrm>
-            <a:off x="5274310" y="2383314"/>
-            <a:ext cx="1739900" cy="1333500"/>
+            <a:off x="2717800" y="2423160"/>
+            <a:ext cx="254000" cy="304800"/>
           </a:xfrm>
           <a:prstGeom prst="rect">
             <a:avLst/>
@@ -10336,10 +10336,10 @@
       </p:pic>
       <p:pic>
         <p:nvPicPr>
-          <p:cNvPr id="17" name="Picture 16" descr="Text&#10;&#10;Description automatically generated">
-            <a:extLst>
-              <a:ext uri="{FF2B5EF4-FFF2-40B4-BE49-F238E27FC236}">
-                <a16:creationId xmlns:a16="http://schemas.microsoft.com/office/drawing/2014/main" id="{F0D9E048-E671-557B-04E0-8192AE8E3ACF}"/>
+          <p:cNvPr id="15" name="Picture 14" descr="Diagram&#10;&#10;Description automatically generated">
+            <a:extLst>
+              <a:ext uri="{FF2B5EF4-FFF2-40B4-BE49-F238E27FC236}">
+                <a16:creationId xmlns:a16="http://schemas.microsoft.com/office/drawing/2014/main" id="{81AF9EA2-91E5-B0E5-6755-D86D1B0F1CD9}"/>
               </a:ext>
             </a:extLst>
           </p:cNvPr>
@@ -10356,8 +10356,8 @@
         </p:blipFill>
         <p:spPr>
           <a:xfrm>
-            <a:off x="3011170" y="2214881"/>
-            <a:ext cx="2120900" cy="1460500"/>
+            <a:off x="5274309" y="2383313"/>
+            <a:ext cx="1805781" cy="1383993"/>
           </a:xfrm>
           <a:prstGeom prst="rect">
             <a:avLst/>
@@ -10366,10 +10366,10 @@
       </p:pic>
       <p:pic>
         <p:nvPicPr>
-          <p:cNvPr id="19" name="Picture 18" descr="Icon&#10;&#10;Description automatically generated">
-            <a:extLst>
-              <a:ext uri="{FF2B5EF4-FFF2-40B4-BE49-F238E27FC236}">
-                <a16:creationId xmlns:a16="http://schemas.microsoft.com/office/drawing/2014/main" id="{4AD3309B-C993-FD2B-3CEF-450EFAA2D016}"/>
+          <p:cNvPr id="17" name="Picture 16" descr="Text&#10;&#10;Description automatically generated">
+            <a:extLst>
+              <a:ext uri="{FF2B5EF4-FFF2-40B4-BE49-F238E27FC236}">
+                <a16:creationId xmlns:a16="http://schemas.microsoft.com/office/drawing/2014/main" id="{F0D9E048-E671-557B-04E0-8192AE8E3ACF}"/>
               </a:ext>
             </a:extLst>
           </p:cNvPr>
@@ -10386,8 +10386,8 @@
         </p:blipFill>
         <p:spPr>
           <a:xfrm>
-            <a:off x="3561080" y="2092581"/>
-            <a:ext cx="1021080" cy="1021080"/>
+            <a:off x="3011170" y="2214881"/>
+            <a:ext cx="2120900" cy="1460500"/>
           </a:xfrm>
           <a:prstGeom prst="rect">
             <a:avLst/>
@@ -10396,10 +10396,10 @@
       </p:pic>
       <p:pic>
         <p:nvPicPr>
-          <p:cNvPr id="21" name="Picture 20" descr="A picture containing logo&#10;&#10;Description automatically generated">
-            <a:extLst>
-              <a:ext uri="{FF2B5EF4-FFF2-40B4-BE49-F238E27FC236}">
-                <a16:creationId xmlns:a16="http://schemas.microsoft.com/office/drawing/2014/main" id="{CD4E1F76-4D57-8DA7-4509-FAAF7CFAADB8}"/>
+          <p:cNvPr id="19" name="Picture 18" descr="Icon&#10;&#10;Description automatically generated">
+            <a:extLst>
+              <a:ext uri="{FF2B5EF4-FFF2-40B4-BE49-F238E27FC236}">
+                <a16:creationId xmlns:a16="http://schemas.microsoft.com/office/drawing/2014/main" id="{4AD3309B-C993-FD2B-3CEF-450EFAA2D016}"/>
               </a:ext>
             </a:extLst>
           </p:cNvPr>
@@ -10416,38 +10416,8 @@
         </p:blipFill>
         <p:spPr>
           <a:xfrm>
-            <a:off x="855980" y="4372610"/>
-            <a:ext cx="2006600" cy="368300"/>
-          </a:xfrm>
-          <a:prstGeom prst="rect">
-            <a:avLst/>
-          </a:prstGeom>
-        </p:spPr>
-      </p:pic>
-      <p:pic>
-        <p:nvPicPr>
-          <p:cNvPr id="23" name="Picture 22">
-            <a:extLst>
-              <a:ext uri="{FF2B5EF4-FFF2-40B4-BE49-F238E27FC236}">
-                <a16:creationId xmlns:a16="http://schemas.microsoft.com/office/drawing/2014/main" id="{7301D611-21B4-0888-9ADD-6AEFBC8F9CE7}"/>
-              </a:ext>
-            </a:extLst>
-          </p:cNvPr>
-          <p:cNvPicPr>
-            <a:picLocks noChangeAspect="1"/>
-          </p:cNvPicPr>
-          <p:nvPr/>
-        </p:nvPicPr>
-        <p:blipFill>
-          <a:blip r:embed="rId9"/>
-          <a:stretch>
-            <a:fillRect/>
-          </a:stretch>
-        </p:blipFill>
-        <p:spPr>
-          <a:xfrm>
-            <a:off x="2815685" y="4409440"/>
-            <a:ext cx="9271906" cy="541701"/>
+            <a:off x="3561080" y="2092581"/>
+            <a:ext cx="1021080" cy="1021080"/>
           </a:xfrm>
           <a:prstGeom prst="rect">
             <a:avLst/>
@@ -10469,7 +10439,7 @@
           <p:nvPr/>
         </p:nvPicPr>
         <p:blipFill>
-          <a:blip r:embed="rId10"/>
+          <a:blip r:embed="rId9"/>
           <a:stretch>
             <a:fillRect/>
           </a:stretch>
@@ -10966,21 +10936,21 @@
                                           </p:stCondLst>
                                         </p:cTn>
                                         <p:tgtEl>
-                                          <p:spTgt spid="23"/>
-                                        </p:tgtEl>
-                                        <p:attrNameLst>
-                                          <p:attrName>style.visibility</p:attrName>
-                                        </p:attrNameLst>
-                                      </p:cBhvr>
-                                      <p:to>
-                                        <p:strVal val="visible"/>
-                                      </p:to>
-                                    </p:set>
-                                  </p:childTnLst>
-                                </p:cTn>
-                              </p:par>
-                              <p:par>
-                                <p:cTn id="27" presetID="1" presetClass="entr" presetSubtype="0" fill="hold" nodeType="withEffect">
+                                          <p:spTgt spid="27"/>
+                                        </p:tgtEl>
+                                        <p:attrNameLst>
+                                          <p:attrName>style.visibility</p:attrName>
+                                        </p:attrNameLst>
+                                      </p:cBhvr>
+                                      <p:to>
+                                        <p:strVal val="visible"/>
+                                      </p:to>
+                                    </p:set>
+                                  </p:childTnLst>
+                                </p:cTn>
+                              </p:par>
+                              <p:par>
+                                <p:cTn id="27" presetID="1" presetClass="entr" presetSubtype="0" fill="hold" grpId="0" nodeType="withEffect">
                                   <p:stCondLst>
                                     <p:cond delay="0"/>
                                   </p:stCondLst>
@@ -10993,78 +10963,6 @@
                                           </p:stCondLst>
                                         </p:cTn>
                                         <p:tgtEl>
-                                          <p:spTgt spid="21"/>
-                                        </p:tgtEl>
-                                        <p:attrNameLst>
-                                          <p:attrName>style.visibility</p:attrName>
-                                        </p:attrNameLst>
-                                      </p:cBhvr>
-                                      <p:to>
-                                        <p:strVal val="visible"/>
-                                      </p:to>
-                                    </p:set>
-                                  </p:childTnLst>
-                                </p:cTn>
-                              </p:par>
-                            </p:childTnLst>
-                          </p:cTn>
-                        </p:par>
-                      </p:childTnLst>
-                    </p:cTn>
-                  </p:par>
-                  <p:par>
-                    <p:cTn id="29" fill="hold">
-                      <p:stCondLst>
-                        <p:cond delay="indefinite"/>
-                      </p:stCondLst>
-                      <p:childTnLst>
-                        <p:par>
-                          <p:cTn id="30" fill="hold">
-                            <p:stCondLst>
-                              <p:cond delay="0"/>
-                            </p:stCondLst>
-                            <p:childTnLst>
-                              <p:par>
-                                <p:cTn id="31" presetID="1" presetClass="entr" presetSubtype="0" fill="hold" nodeType="clickEffect">
-                                  <p:stCondLst>
-                                    <p:cond delay="0"/>
-                                  </p:stCondLst>
-                                  <p:childTnLst>
-                                    <p:set>
-                                      <p:cBhvr>
-                                        <p:cTn id="32" dur="1" fill="hold">
-                                          <p:stCondLst>
-                                            <p:cond delay="0"/>
-                                          </p:stCondLst>
-                                        </p:cTn>
-                                        <p:tgtEl>
-                                          <p:spTgt spid="27"/>
-                                        </p:tgtEl>
-                                        <p:attrNameLst>
-                                          <p:attrName>style.visibility</p:attrName>
-                                        </p:attrNameLst>
-                                      </p:cBhvr>
-                                      <p:to>
-                                        <p:strVal val="visible"/>
-                                      </p:to>
-                                    </p:set>
-                                  </p:childTnLst>
-                                </p:cTn>
-                              </p:par>
-                              <p:par>
-                                <p:cTn id="33" presetID="1" presetClass="entr" presetSubtype="0" fill="hold" grpId="0" nodeType="withEffect">
-                                  <p:stCondLst>
-                                    <p:cond delay="0"/>
-                                  </p:stCondLst>
-                                  <p:childTnLst>
-                                    <p:set>
-                                      <p:cBhvr>
-                                        <p:cTn id="34" dur="1" fill="hold">
-                                          <p:stCondLst>
-                                            <p:cond delay="0"/>
-                                          </p:stCondLst>
-                                        </p:cTn>
-                                        <p:tgtEl>
                                           <p:spTgt spid="29"/>
                                         </p:tgtEl>
                                         <p:attrNameLst>
@@ -11079,14 +10977,14 @@
                                 </p:cTn>
                               </p:par>
                               <p:par>
-                                <p:cTn id="35" presetID="1" presetClass="entr" presetSubtype="0" fill="hold" grpId="0" nodeType="withEffect">
-                                  <p:stCondLst>
-                                    <p:cond delay="0"/>
-                                  </p:stCondLst>
-                                  <p:childTnLst>
-                                    <p:set>
-                                      <p:cBhvr>
-                                        <p:cTn id="36" dur="1" fill="hold">
+                                <p:cTn id="29" presetID="1" presetClass="entr" presetSubtype="0" fill="hold" grpId="0" nodeType="withEffect">
+                                  <p:stCondLst>
+                                    <p:cond delay="0"/>
+                                  </p:stCondLst>
+                                  <p:childTnLst>
+                                    <p:set>
+                                      <p:cBhvr>
+                                        <p:cTn id="30" dur="1" fill="hold">
                                           <p:stCondLst>
                                             <p:cond delay="0"/>
                                           </p:stCondLst>
@@ -26591,132 +26489,12 @@
           <a:chExt cx="0" cy="0"/>
         </a:xfrm>
       </p:grpSpPr>
-      <p:sp>
-        <p:nvSpPr>
-          <p:cNvPr id="2" name="Title 1">
-            <a:extLst>
-              <a:ext uri="{FF2B5EF4-FFF2-40B4-BE49-F238E27FC236}">
-                <a16:creationId xmlns:a16="http://schemas.microsoft.com/office/drawing/2014/main" id="{8ED86DD7-9D9C-E2DD-2652-0961CEEBBAA9}"/>
-              </a:ext>
-            </a:extLst>
-          </p:cNvPr>
-          <p:cNvSpPr>
-            <a:spLocks noGrp="1"/>
-          </p:cNvSpPr>
-          <p:nvPr>
-            <p:ph type="title"/>
-          </p:nvPr>
-        </p:nvSpPr>
-        <p:spPr/>
-        <p:txBody>
-          <a:bodyPr/>
-          <a:lstStyle/>
-          <a:p>
-            <a:r>
-              <a:rPr lang="en-US" dirty="0"/>
-              <a:t>Program Logic: Defining Virtual Points-to </a:t>
-            </a:r>
-          </a:p>
-        </p:txBody>
-      </p:sp>
-      <p:sp>
-        <p:nvSpPr>
-          <p:cNvPr id="3" name="Content Placeholder 2">
-            <a:extLst>
-              <a:ext uri="{FF2B5EF4-FFF2-40B4-BE49-F238E27FC236}">
-                <a16:creationId xmlns:a16="http://schemas.microsoft.com/office/drawing/2014/main" id="{927E2B42-CF82-8BD2-7EC7-01092839E6FC}"/>
-              </a:ext>
-            </a:extLst>
-          </p:cNvPr>
-          <p:cNvSpPr>
-            <a:spLocks noGrp="1"/>
-          </p:cNvSpPr>
-          <p:nvPr>
-            <p:ph idx="1"/>
-          </p:nvPr>
-        </p:nvSpPr>
-        <p:spPr/>
-        <p:txBody>
-          <a:bodyPr>
-            <a:normAutofit/>
-          </a:bodyPr>
-          <a:lstStyle/>
-          <a:p>
-            <a:r>
-              <a:rPr lang="en-US" dirty="0"/>
-              <a:t>In terms of each physical points-to for a Page-Table</a:t>
-            </a:r>
-          </a:p>
-          <a:p>
-            <a:pPr marL="0" indent="0">
-              <a:buNone/>
-            </a:pPr>
-            <a:endParaRPr lang="en-US" dirty="0"/>
-          </a:p>
-          <a:p>
-            <a:pPr marL="0" indent="0">
-              <a:buNone/>
-            </a:pPr>
-            <a:r>
-              <a:rPr lang="en-US" dirty="0"/>
-              <a:t>where </a:t>
-            </a:r>
-            <a:r>
-              <a:rPr lang="en-US" i="1" dirty="0"/>
-              <a:t>physical</a:t>
-            </a:r>
-            <a:r>
-              <a:rPr lang="en-US" dirty="0"/>
-              <a:t> L4_L1 page-table walk</a:t>
-            </a:r>
-          </a:p>
-          <a:p>
-            <a:pPr marL="0" indent="0">
-              <a:buNone/>
-            </a:pPr>
-            <a:endParaRPr lang="en-US" dirty="0"/>
-          </a:p>
-          <a:p>
-            <a:pPr marL="0" indent="0">
-              <a:buNone/>
-            </a:pPr>
-            <a:r>
-              <a:rPr lang="en-US" dirty="0"/>
-              <a:t>                                                                                             </a:t>
-            </a:r>
-          </a:p>
-          <a:p>
-            <a:pPr marL="0" indent="0">
-              <a:buNone/>
-            </a:pPr>
-            <a:endParaRPr lang="en-US" dirty="0"/>
-          </a:p>
-          <a:p>
-            <a:pPr marL="0" indent="0">
-              <a:buNone/>
-            </a:pPr>
-            <a:endParaRPr lang="en-US" dirty="0"/>
-          </a:p>
-          <a:p>
-            <a:pPr marL="0" indent="0">
-              <a:buNone/>
-            </a:pPr>
-            <a:endParaRPr lang="en-US" dirty="0"/>
-          </a:p>
-          <a:p>
-            <a:pPr marL="0" indent="0">
-              <a:buNone/>
-            </a:pPr>
-            <a:endParaRPr lang="en-US" dirty="0"/>
-          </a:p>
-        </p:txBody>
-      </p:sp>
       <p:pic>
         <p:nvPicPr>
-          <p:cNvPr id="13" name="Picture 12" descr="Text, letter&#10;&#10;Description automatically generated">
-            <a:extLst>
-              <a:ext uri="{FF2B5EF4-FFF2-40B4-BE49-F238E27FC236}">
-                <a16:creationId xmlns:a16="http://schemas.microsoft.com/office/drawing/2014/main" id="{D935EB13-3FA7-B30B-2F54-F9B03875D067}"/>
+          <p:cNvPr id="7" name="Picture 6" descr="A picture containing text, font, white, algebra&#10;&#10;Description automatically generated">
+            <a:extLst>
+              <a:ext uri="{FF2B5EF4-FFF2-40B4-BE49-F238E27FC236}">
+                <a16:creationId xmlns:a16="http://schemas.microsoft.com/office/drawing/2014/main" id="{F799785E-5E7D-1A00-C5B5-60AA0BC4BDA6}"/>
               </a:ext>
             </a:extLst>
           </p:cNvPr>
@@ -26733,8 +26511,8 @@
         </p:blipFill>
         <p:spPr>
           <a:xfrm>
-            <a:off x="989256" y="3794273"/>
-            <a:ext cx="9032624" cy="1533614"/>
+            <a:off x="957773" y="3695360"/>
+            <a:ext cx="8621608" cy="1466380"/>
           </a:xfrm>
           <a:prstGeom prst="rect">
             <a:avLst/>
@@ -26743,10 +26521,10 @@
       </p:pic>
       <p:pic>
         <p:nvPicPr>
-          <p:cNvPr id="16" name="Picture 15">
-            <a:extLst>
-              <a:ext uri="{FF2B5EF4-FFF2-40B4-BE49-F238E27FC236}">
-                <a16:creationId xmlns:a16="http://schemas.microsoft.com/office/drawing/2014/main" id="{2C6B7276-678D-1E8B-51A4-6438E4D76CC3}"/>
+          <p:cNvPr id="5" name="Picture 4">
+            <a:extLst>
+              <a:ext uri="{FF2B5EF4-FFF2-40B4-BE49-F238E27FC236}">
+                <a16:creationId xmlns:a16="http://schemas.microsoft.com/office/drawing/2014/main" id="{1DF22A7A-3621-ECEE-DC75-0C23853DC037}"/>
               </a:ext>
             </a:extLst>
           </p:cNvPr>
@@ -26763,20 +26541,140 @@
         </p:blipFill>
         <p:spPr>
           <a:xfrm>
-            <a:off x="838200" y="3385574"/>
-            <a:ext cx="5874755" cy="284630"/>
+            <a:off x="857987" y="2224250"/>
+            <a:ext cx="9032623" cy="631022"/>
           </a:xfrm>
           <a:prstGeom prst="rect">
             <a:avLst/>
           </a:prstGeom>
         </p:spPr>
       </p:pic>
+      <p:sp>
+        <p:nvSpPr>
+          <p:cNvPr id="2" name="Title 1">
+            <a:extLst>
+              <a:ext uri="{FF2B5EF4-FFF2-40B4-BE49-F238E27FC236}">
+                <a16:creationId xmlns:a16="http://schemas.microsoft.com/office/drawing/2014/main" id="{8ED86DD7-9D9C-E2DD-2652-0961CEEBBAA9}"/>
+              </a:ext>
+            </a:extLst>
+          </p:cNvPr>
+          <p:cNvSpPr>
+            <a:spLocks noGrp="1"/>
+          </p:cNvSpPr>
+          <p:nvPr>
+            <p:ph type="title"/>
+          </p:nvPr>
+        </p:nvSpPr>
+        <p:spPr/>
+        <p:txBody>
+          <a:bodyPr/>
+          <a:lstStyle/>
+          <a:p>
+            <a:r>
+              <a:rPr lang="en-US" dirty="0"/>
+              <a:t>Program Logic: Defining Virtual Points-to </a:t>
+            </a:r>
+          </a:p>
+        </p:txBody>
+      </p:sp>
+      <p:sp>
+        <p:nvSpPr>
+          <p:cNvPr id="3" name="Content Placeholder 2">
+            <a:extLst>
+              <a:ext uri="{FF2B5EF4-FFF2-40B4-BE49-F238E27FC236}">
+                <a16:creationId xmlns:a16="http://schemas.microsoft.com/office/drawing/2014/main" id="{927E2B42-CF82-8BD2-7EC7-01092839E6FC}"/>
+              </a:ext>
+            </a:extLst>
+          </p:cNvPr>
+          <p:cNvSpPr>
+            <a:spLocks noGrp="1"/>
+          </p:cNvSpPr>
+          <p:nvPr>
+            <p:ph idx="1"/>
+          </p:nvPr>
+        </p:nvSpPr>
+        <p:spPr/>
+        <p:txBody>
+          <a:bodyPr>
+            <a:normAutofit/>
+          </a:bodyPr>
+          <a:lstStyle/>
+          <a:p>
+            <a:r>
+              <a:rPr lang="en-US" dirty="0"/>
+              <a:t>In terms of each physical points-to for a Page-Table</a:t>
+            </a:r>
+          </a:p>
+          <a:p>
+            <a:pPr marL="0" indent="0">
+              <a:buNone/>
+            </a:pPr>
+            <a:endParaRPr lang="en-US" dirty="0"/>
+          </a:p>
+          <a:p>
+            <a:pPr marL="0" indent="0">
+              <a:buNone/>
+            </a:pPr>
+            <a:r>
+              <a:rPr lang="en-US" dirty="0"/>
+              <a:t>where </a:t>
+            </a:r>
+            <a:r>
+              <a:rPr lang="en-US" i="1" dirty="0"/>
+              <a:t>physical</a:t>
+            </a:r>
+            <a:r>
+              <a:rPr lang="en-US" dirty="0"/>
+              <a:t> L4_L1 page-table walk</a:t>
+            </a:r>
+          </a:p>
+          <a:p>
+            <a:pPr marL="0" indent="0">
+              <a:buNone/>
+            </a:pPr>
+            <a:endParaRPr lang="en-US" dirty="0"/>
+          </a:p>
+          <a:p>
+            <a:pPr marL="0" indent="0">
+              <a:buNone/>
+            </a:pPr>
+            <a:r>
+              <a:rPr lang="en-US" dirty="0"/>
+              <a:t>                                                                                             </a:t>
+            </a:r>
+          </a:p>
+          <a:p>
+            <a:pPr marL="0" indent="0">
+              <a:buNone/>
+            </a:pPr>
+            <a:endParaRPr lang="en-US" dirty="0"/>
+          </a:p>
+          <a:p>
+            <a:pPr marL="0" indent="0">
+              <a:buNone/>
+            </a:pPr>
+            <a:endParaRPr lang="en-US" dirty="0"/>
+          </a:p>
+          <a:p>
+            <a:pPr marL="0" indent="0">
+              <a:buNone/>
+            </a:pPr>
+            <a:endParaRPr lang="en-US" dirty="0"/>
+          </a:p>
+          <a:p>
+            <a:pPr marL="0" indent="0">
+              <a:buNone/>
+            </a:pPr>
+            <a:endParaRPr lang="en-US" dirty="0"/>
+          </a:p>
+        </p:txBody>
+      </p:sp>
       <p:pic>
         <p:nvPicPr>
-          <p:cNvPr id="17" name="Content Placeholder 8" descr="Text&#10;&#10;Description automatically generated with medium confidence">
-            <a:extLst>
-              <a:ext uri="{FF2B5EF4-FFF2-40B4-BE49-F238E27FC236}">
-                <a16:creationId xmlns:a16="http://schemas.microsoft.com/office/drawing/2014/main" id="{9CA77666-1192-EB47-7403-B4C1BC09D96D}"/>
+          <p:cNvPr id="16" name="Picture 15">
+            <a:extLst>
+              <a:ext uri="{FF2B5EF4-FFF2-40B4-BE49-F238E27FC236}">
+                <a16:creationId xmlns:a16="http://schemas.microsoft.com/office/drawing/2014/main" id="{2C6B7276-678D-1E8B-51A4-6438E4D76CC3}"/>
               </a:ext>
             </a:extLst>
           </p:cNvPr>
@@ -26793,8 +26691,8 @@
         </p:blipFill>
         <p:spPr>
           <a:xfrm>
-            <a:off x="638998" y="2328758"/>
-            <a:ext cx="1430895" cy="377135"/>
+            <a:off x="838200" y="3385574"/>
+            <a:ext cx="5874755" cy="284630"/>
           </a:xfrm>
           <a:prstGeom prst="rect">
             <a:avLst/>
@@ -26803,10 +26701,10 @@
       </p:pic>
       <p:pic>
         <p:nvPicPr>
-          <p:cNvPr id="18" name="Picture 17">
-            <a:extLst>
-              <a:ext uri="{FF2B5EF4-FFF2-40B4-BE49-F238E27FC236}">
-                <a16:creationId xmlns:a16="http://schemas.microsoft.com/office/drawing/2014/main" id="{E8F11444-5365-779F-22CC-A36E7BE1973B}"/>
+          <p:cNvPr id="19" name="Picture 18">
+            <a:extLst>
+              <a:ext uri="{FF2B5EF4-FFF2-40B4-BE49-F238E27FC236}">
+                <a16:creationId xmlns:a16="http://schemas.microsoft.com/office/drawing/2014/main" id="{B335163A-4DC9-AA79-FE91-AAE096420272}"/>
               </a:ext>
             </a:extLst>
           </p:cNvPr>
@@ -26823,36 +26721,6 @@
         </p:blipFill>
         <p:spPr>
           <a:xfrm>
-            <a:off x="2037587" y="2328759"/>
-            <a:ext cx="254000" cy="304800"/>
-          </a:xfrm>
-          <a:prstGeom prst="rect">
-            <a:avLst/>
-          </a:prstGeom>
-        </p:spPr>
-      </p:pic>
-      <p:pic>
-        <p:nvPicPr>
-          <p:cNvPr id="19" name="Picture 18">
-            <a:extLst>
-              <a:ext uri="{FF2B5EF4-FFF2-40B4-BE49-F238E27FC236}">
-                <a16:creationId xmlns:a16="http://schemas.microsoft.com/office/drawing/2014/main" id="{B335163A-4DC9-AA79-FE91-AAE096420272}"/>
-              </a:ext>
-            </a:extLst>
-          </p:cNvPr>
-          <p:cNvPicPr>
-            <a:picLocks noChangeAspect="1"/>
-          </p:cNvPicPr>
-          <p:nvPr/>
-        </p:nvPicPr>
-        <p:blipFill>
-          <a:blip r:embed="rId6"/>
-          <a:stretch>
-            <a:fillRect/>
-          </a:stretch>
-        </p:blipFill>
-        <p:spPr>
-          <a:xfrm>
             <a:off x="6582144" y="3365404"/>
             <a:ext cx="254000" cy="304800"/>
           </a:xfrm>
@@ -26861,66 +26729,6 @@
           </a:prstGeom>
         </p:spPr>
       </p:pic>
-      <p:pic>
-        <p:nvPicPr>
-          <p:cNvPr id="25" name="Picture 24">
-            <a:extLst>
-              <a:ext uri="{FF2B5EF4-FFF2-40B4-BE49-F238E27FC236}">
-                <a16:creationId xmlns:a16="http://schemas.microsoft.com/office/drawing/2014/main" id="{2B378D27-45F4-EA83-6D4A-763AD380E8ED}"/>
-              </a:ext>
-            </a:extLst>
-          </p:cNvPr>
-          <p:cNvPicPr>
-            <a:picLocks noChangeAspect="1"/>
-          </p:cNvPicPr>
-          <p:nvPr/>
-        </p:nvPicPr>
-        <p:blipFill>
-          <a:blip r:embed="rId7"/>
-          <a:stretch>
-            <a:fillRect/>
-          </a:stretch>
-        </p:blipFill>
-        <p:spPr>
-          <a:xfrm>
-            <a:off x="2358375" y="2379593"/>
-            <a:ext cx="7580128" cy="277123"/>
-          </a:xfrm>
-          <a:prstGeom prst="rect">
-            <a:avLst/>
-          </a:prstGeom>
-        </p:spPr>
-      </p:pic>
-      <p:pic>
-        <p:nvPicPr>
-          <p:cNvPr id="27" name="Picture 26">
-            <a:extLst>
-              <a:ext uri="{FF2B5EF4-FFF2-40B4-BE49-F238E27FC236}">
-                <a16:creationId xmlns:a16="http://schemas.microsoft.com/office/drawing/2014/main" id="{AE521E24-9577-2BCD-7FD8-6F03A2A1679D}"/>
-              </a:ext>
-            </a:extLst>
-          </p:cNvPr>
-          <p:cNvPicPr>
-            <a:picLocks noChangeAspect="1"/>
-          </p:cNvPicPr>
-          <p:nvPr/>
-        </p:nvPicPr>
-        <p:blipFill>
-          <a:blip r:embed="rId8"/>
-          <a:stretch>
-            <a:fillRect/>
-          </a:stretch>
-        </p:blipFill>
-        <p:spPr>
-          <a:xfrm>
-            <a:off x="9969627" y="2389915"/>
-            <a:ext cx="1457970" cy="248165"/>
-          </a:xfrm>
-          <a:prstGeom prst="rect">
-            <a:avLst/>
-          </a:prstGeom>
-        </p:spPr>
-      </p:pic>
       <p:sp>
         <p:nvSpPr>
           <p:cNvPr id="28" name="Right Brace 27">
@@ -26935,7 +26743,7 @@
         </p:nvSpPr>
         <p:spPr>
           <a:xfrm rot="5400000">
-            <a:off x="1888649" y="4674998"/>
+            <a:off x="1686660" y="4580650"/>
             <a:ext cx="362488" cy="1661494"/>
           </a:xfrm>
           <a:prstGeom prst="rightBrace">
@@ -26982,7 +26790,7 @@
         </p:nvSpPr>
         <p:spPr>
           <a:xfrm rot="5400000">
-            <a:off x="3951089" y="4726223"/>
+            <a:off x="3695451" y="4588699"/>
             <a:ext cx="362488" cy="1661494"/>
           </a:xfrm>
           <a:prstGeom prst="rightBrace">
@@ -27029,7 +26837,7 @@
         </p:nvSpPr>
         <p:spPr>
           <a:xfrm>
-            <a:off x="1239146" y="5849750"/>
+            <a:off x="1148524" y="5702114"/>
             <a:ext cx="1661494" cy="369332"/>
           </a:xfrm>
           <a:prstGeom prst="rect">
@@ -27064,7 +26872,7 @@
         </p:nvSpPr>
         <p:spPr>
           <a:xfrm>
-            <a:off x="3482830" y="5842339"/>
+            <a:off x="3045948" y="5702114"/>
             <a:ext cx="1661494" cy="369332"/>
           </a:xfrm>
           <a:prstGeom prst="rect">
@@ -27181,8 +26989,8 @@
         </p:nvSpPr>
         <p:spPr>
           <a:xfrm>
-            <a:off x="5100779" y="2224250"/>
-            <a:ext cx="4715428" cy="518945"/>
+            <a:off x="3775577" y="2400700"/>
+            <a:ext cx="4210059" cy="518945"/>
           </a:xfrm>
           <a:prstGeom prst="ellipse">
             <a:avLst/>
@@ -27212,45 +27020,6 @@
           <a:p>
             <a:pPr algn="ctr"/>
             <a:endParaRPr lang="en-US"/>
-          </a:p>
-        </p:txBody>
-      </p:sp>
-      <p:sp>
-        <p:nvSpPr>
-          <p:cNvPr id="43" name="TextBox 42">
-            <a:extLst>
-              <a:ext uri="{FF2B5EF4-FFF2-40B4-BE49-F238E27FC236}">
-                <a16:creationId xmlns:a16="http://schemas.microsoft.com/office/drawing/2014/main" id="{45209ED4-4B37-E4FD-8573-E69338690E5E}"/>
-              </a:ext>
-            </a:extLst>
-          </p:cNvPr>
-          <p:cNvSpPr txBox="1"/>
-          <p:nvPr/>
-        </p:nvSpPr>
-        <p:spPr>
-          <a:xfrm>
-            <a:off x="10360151" y="6409508"/>
-            <a:ext cx="1387712" cy="369332"/>
-          </a:xfrm>
-          <a:prstGeom prst="rect">
-            <a:avLst/>
-          </a:prstGeom>
-          <a:noFill/>
-        </p:spPr>
-        <p:txBody>
-          <a:bodyPr wrap="square" rtlCol="0">
-            <a:spAutoFit/>
-          </a:bodyPr>
-          <a:lstStyle/>
-          <a:p>
-            <a:r>
-              <a:rPr lang="en-US" dirty="0">
-                <a:solidFill>
-                  <a:srgbClr val="FF0000"/>
-                </a:solidFill>
-              </a:rPr>
-              <a:t>TYPO HERE</a:t>
-            </a:r>
           </a:p>
         </p:txBody>
       </p:sp>
@@ -27276,9 +27045,6 @@
                     <p:cTn id="3" fill="hold">
                       <p:stCondLst>
                         <p:cond delay="indefinite"/>
-                        <p:cond evt="onBegin" delay="0">
-                          <p:tn val="2"/>
-                        </p:cond>
                       </p:stCondLst>
                       <p:childTnLst>
                         <p:par>
@@ -27288,7 +27054,7 @@
                             </p:stCondLst>
                             <p:childTnLst>
                               <p:par>
-                                <p:cTn id="5" presetID="1" presetClass="entr" presetSubtype="0" fill="hold" grpId="0" nodeType="withEffect">
+                                <p:cTn id="5" presetID="1" presetClass="entr" presetSubtype="0" fill="hold" grpId="0" nodeType="clickEffect">
                                   <p:stCondLst>
                                     <p:cond delay="0"/>
                                   </p:stCondLst>
@@ -27301,7 +27067,38 @@
                                           </p:stCondLst>
                                         </p:cTn>
                                         <p:tgtEl>
-                                          <p:spTgt spid="43"/>
+                                          <p:spTgt spid="37"/>
+                                        </p:tgtEl>
+                                        <p:attrNameLst>
+                                          <p:attrName>style.visibility</p:attrName>
+                                        </p:attrNameLst>
+                                      </p:cBhvr>
+                                      <p:to>
+                                        <p:strVal val="visible"/>
+                                      </p:to>
+                                    </p:set>
+                                  </p:childTnLst>
+                                </p:cTn>
+                              </p:par>
+                              <p:par>
+                                <p:cTn id="7" presetID="1" presetClass="entr" presetSubtype="0" fill="hold" nodeType="withEffect">
+                                  <p:stCondLst>
+                                    <p:cond delay="0"/>
+                                  </p:stCondLst>
+                                  <p:childTnLst>
+                                    <p:set>
+                                      <p:cBhvr>
+                                        <p:cTn id="8" dur="1" fill="hold">
+                                          <p:stCondLst>
+                                            <p:cond delay="0"/>
+                                          </p:stCondLst>
+                                        </p:cTn>
+                                        <p:tgtEl>
+                                          <p:spTgt spid="3">
+                                            <p:txEl>
+                                              <p:pRg st="0" end="0"/>
+                                            </p:txEl>
+                                          </p:spTgt>
                                         </p:tgtEl>
                                         <p:attrNameLst>
                                           <p:attrName>style.visibility</p:attrName>
@@ -27321,46 +27118,19 @@
                     </p:cTn>
                   </p:par>
                   <p:par>
-                    <p:cTn id="7" fill="hold">
+                    <p:cTn id="9" fill="hold">
                       <p:stCondLst>
                         <p:cond delay="indefinite"/>
                       </p:stCondLst>
                       <p:childTnLst>
                         <p:par>
-                          <p:cTn id="8" fill="hold">
+                          <p:cTn id="10" fill="hold">
                             <p:stCondLst>
                               <p:cond delay="0"/>
                             </p:stCondLst>
                             <p:childTnLst>
                               <p:par>
-                                <p:cTn id="9" presetID="1" presetClass="entr" presetSubtype="0" fill="hold" nodeType="clickEffect">
-                                  <p:stCondLst>
-                                    <p:cond delay="0"/>
-                                  </p:stCondLst>
-                                  <p:childTnLst>
-                                    <p:set>
-                                      <p:cBhvr>
-                                        <p:cTn id="10" dur="1" fill="hold">
-                                          <p:stCondLst>
-                                            <p:cond delay="0"/>
-                                          </p:stCondLst>
-                                        </p:cTn>
-                                        <p:tgtEl>
-                                          <p:spTgt spid="17"/>
-                                        </p:tgtEl>
-                                        <p:attrNameLst>
-                                          <p:attrName>style.visibility</p:attrName>
-                                        </p:attrNameLst>
-                                      </p:cBhvr>
-                                      <p:to>
-                                        <p:strVal val="visible"/>
-                                      </p:to>
-                                    </p:set>
-                                  </p:childTnLst>
-                                </p:cTn>
-                              </p:par>
-                              <p:par>
-                                <p:cTn id="11" presetID="1" presetClass="entr" presetSubtype="0" fill="hold" nodeType="withEffect">
+                                <p:cTn id="11" presetID="1" presetClass="entr" presetSubtype="0" fill="hold" nodeType="clickEffect">
                                   <p:stCondLst>
                                     <p:cond delay="0"/>
                                   </p:stCondLst>
@@ -27373,7 +27143,7 @@
                                           </p:stCondLst>
                                         </p:cTn>
                                         <p:tgtEl>
-                                          <p:spTgt spid="18"/>
+                                          <p:spTgt spid="16"/>
                                         </p:tgtEl>
                                         <p:attrNameLst>
                                           <p:attrName>style.visibility</p:attrName>
@@ -27400,7 +27170,7 @@
                                           </p:stCondLst>
                                         </p:cTn>
                                         <p:tgtEl>
-                                          <p:spTgt spid="25"/>
+                                          <p:spTgt spid="19"/>
                                         </p:tgtEl>
                                         <p:attrNameLst>
                                           <p:attrName>style.visibility</p:attrName>
@@ -27427,7 +27197,11 @@
                                           </p:stCondLst>
                                         </p:cTn>
                                         <p:tgtEl>
-                                          <p:spTgt spid="27"/>
+                                          <p:spTgt spid="3">
+                                            <p:txEl>
+                                              <p:pRg st="2" end="2"/>
+                                            </p:txEl>
+                                          </p:spTgt>
                                         </p:tgtEl>
                                         <p:attrNameLst>
                                           <p:attrName>style.visibility</p:attrName>
@@ -27472,21 +27246,21 @@
                                           </p:stCondLst>
                                         </p:cTn>
                                         <p:tgtEl>
-                                          <p:spTgt spid="37"/>
-                                        </p:tgtEl>
-                                        <p:attrNameLst>
-                                          <p:attrName>style.visibility</p:attrName>
-                                        </p:attrNameLst>
-                                      </p:cBhvr>
-                                      <p:to>
-                                        <p:strVal val="visible"/>
-                                      </p:to>
-                                    </p:set>
-                                  </p:childTnLst>
-                                </p:cTn>
-                              </p:par>
-                              <p:par>
-                                <p:cTn id="21" presetID="1" presetClass="entr" presetSubtype="0" fill="hold" nodeType="withEffect">
+                                          <p:spTgt spid="28"/>
+                                        </p:tgtEl>
+                                        <p:attrNameLst>
+                                          <p:attrName>style.visibility</p:attrName>
+                                        </p:attrNameLst>
+                                      </p:cBhvr>
+                                      <p:to>
+                                        <p:strVal val="visible"/>
+                                      </p:to>
+                                    </p:set>
+                                  </p:childTnLst>
+                                </p:cTn>
+                              </p:par>
+                              <p:par>
+                                <p:cTn id="21" presetID="1" presetClass="entr" presetSubtype="0" fill="hold" grpId="0" nodeType="withEffect">
                                   <p:stCondLst>
                                     <p:cond delay="0"/>
                                   </p:stCondLst>
@@ -27499,11 +27273,7 @@
                                           </p:stCondLst>
                                         </p:cTn>
                                         <p:tgtEl>
-                                          <p:spTgt spid="3">
-                                            <p:txEl>
-                                              <p:pRg st="0" end="0"/>
-                                            </p:txEl>
-                                          </p:spTgt>
+                                          <p:spTgt spid="30"/>
                                         </p:tgtEl>
                                         <p:attrNameLst>
                                           <p:attrName>style.visibility</p:attrName>
@@ -27535,7 +27305,7 @@
                             </p:stCondLst>
                             <p:childTnLst>
                               <p:par>
-                                <p:cTn id="25" presetID="1" presetClass="entr" presetSubtype="0" fill="hold" nodeType="clickEffect">
+                                <p:cTn id="25" presetID="1" presetClass="entr" presetSubtype="0" fill="hold" grpId="0" nodeType="clickEffect">
                                   <p:stCondLst>
                                     <p:cond delay="0"/>
                                   </p:stCondLst>
@@ -27548,21 +27318,21 @@
                                           </p:stCondLst>
                                         </p:cTn>
                                         <p:tgtEl>
-                                          <p:spTgt spid="16"/>
-                                        </p:tgtEl>
-                                        <p:attrNameLst>
-                                          <p:attrName>style.visibility</p:attrName>
-                                        </p:attrNameLst>
-                                      </p:cBhvr>
-                                      <p:to>
-                                        <p:strVal val="visible"/>
-                                      </p:to>
-                                    </p:set>
-                                  </p:childTnLst>
-                                </p:cTn>
-                              </p:par>
-                              <p:par>
-                                <p:cTn id="27" presetID="1" presetClass="entr" presetSubtype="0" fill="hold" nodeType="withEffect">
+                                          <p:spTgt spid="29"/>
+                                        </p:tgtEl>
+                                        <p:attrNameLst>
+                                          <p:attrName>style.visibility</p:attrName>
+                                        </p:attrNameLst>
+                                      </p:cBhvr>
+                                      <p:to>
+                                        <p:strVal val="visible"/>
+                                      </p:to>
+                                    </p:set>
+                                  </p:childTnLst>
+                                </p:cTn>
+                              </p:par>
+                              <p:par>
+                                <p:cTn id="27" presetID="1" presetClass="entr" presetSubtype="0" fill="hold" grpId="0" nodeType="withEffect">
                                   <p:stCondLst>
                                     <p:cond delay="0"/>
                                   </p:stCondLst>
@@ -27575,65 +27345,7 @@
                                           </p:stCondLst>
                                         </p:cTn>
                                         <p:tgtEl>
-                                          <p:spTgt spid="19"/>
-                                        </p:tgtEl>
-                                        <p:attrNameLst>
-                                          <p:attrName>style.visibility</p:attrName>
-                                        </p:attrNameLst>
-                                      </p:cBhvr>
-                                      <p:to>
-                                        <p:strVal val="visible"/>
-                                      </p:to>
-                                    </p:set>
-                                  </p:childTnLst>
-                                </p:cTn>
-                              </p:par>
-                              <p:par>
-                                <p:cTn id="29" presetID="1" presetClass="entr" presetSubtype="0" fill="hold" nodeType="withEffect">
-                                  <p:stCondLst>
-                                    <p:cond delay="0"/>
-                                  </p:stCondLst>
-                                  <p:childTnLst>
-                                    <p:set>
-                                      <p:cBhvr>
-                                        <p:cTn id="30" dur="1" fill="hold">
-                                          <p:stCondLst>
-                                            <p:cond delay="0"/>
-                                          </p:stCondLst>
-                                        </p:cTn>
-                                        <p:tgtEl>
-                                          <p:spTgt spid="3">
-                                            <p:txEl>
-                                              <p:pRg st="2" end="2"/>
-                                            </p:txEl>
-                                          </p:spTgt>
-                                        </p:tgtEl>
-                                        <p:attrNameLst>
-                                          <p:attrName>style.visibility</p:attrName>
-                                        </p:attrNameLst>
-                                      </p:cBhvr>
-                                      <p:to>
-                                        <p:strVal val="visible"/>
-                                      </p:to>
-                                    </p:set>
-                                  </p:childTnLst>
-                                </p:cTn>
-                              </p:par>
-                              <p:par>
-                                <p:cTn id="31" presetID="1" presetClass="entr" presetSubtype="0" fill="hold" nodeType="withEffect">
-                                  <p:stCondLst>
-                                    <p:cond delay="0"/>
-                                  </p:stCondLst>
-                                  <p:childTnLst>
-                                    <p:set>
-                                      <p:cBhvr>
-                                        <p:cTn id="32" dur="1" fill="hold">
-                                          <p:stCondLst>
-                                            <p:cond delay="0"/>
-                                          </p:stCondLst>
-                                        </p:cTn>
-                                        <p:tgtEl>
-                                          <p:spTgt spid="13"/>
+                                          <p:spTgt spid="31"/>
                                         </p:tgtEl>
                                         <p:attrNameLst>
                                           <p:attrName>style.visibility</p:attrName>
@@ -27653,170 +27365,26 @@
                     </p:cTn>
                   </p:par>
                   <p:par>
-                    <p:cTn id="33" fill="hold">
+                    <p:cTn id="29" fill="hold">
                       <p:stCondLst>
                         <p:cond delay="indefinite"/>
                       </p:stCondLst>
                       <p:childTnLst>
                         <p:par>
-                          <p:cTn id="34" fill="hold">
+                          <p:cTn id="30" fill="hold">
                             <p:stCondLst>
                               <p:cond delay="0"/>
                             </p:stCondLst>
                             <p:childTnLst>
                               <p:par>
-                                <p:cTn id="35" presetID="1" presetClass="entr" presetSubtype="0" fill="hold" grpId="0" nodeType="clickEffect">
-                                  <p:stCondLst>
-                                    <p:cond delay="0"/>
-                                  </p:stCondLst>
-                                  <p:childTnLst>
-                                    <p:set>
-                                      <p:cBhvr>
-                                        <p:cTn id="36" dur="1" fill="hold">
-                                          <p:stCondLst>
-                                            <p:cond delay="0"/>
-                                          </p:stCondLst>
-                                        </p:cTn>
-                                        <p:tgtEl>
-                                          <p:spTgt spid="28"/>
-                                        </p:tgtEl>
-                                        <p:attrNameLst>
-                                          <p:attrName>style.visibility</p:attrName>
-                                        </p:attrNameLst>
-                                      </p:cBhvr>
-                                      <p:to>
-                                        <p:strVal val="visible"/>
-                                      </p:to>
-                                    </p:set>
-                                  </p:childTnLst>
-                                </p:cTn>
-                              </p:par>
-                              <p:par>
-                                <p:cTn id="37" presetID="1" presetClass="entr" presetSubtype="0" fill="hold" grpId="0" nodeType="withEffect">
-                                  <p:stCondLst>
-                                    <p:cond delay="0"/>
-                                  </p:stCondLst>
-                                  <p:childTnLst>
-                                    <p:set>
-                                      <p:cBhvr>
-                                        <p:cTn id="38" dur="1" fill="hold">
-                                          <p:stCondLst>
-                                            <p:cond delay="0"/>
-                                          </p:stCondLst>
-                                        </p:cTn>
-                                        <p:tgtEl>
-                                          <p:spTgt spid="30"/>
-                                        </p:tgtEl>
-                                        <p:attrNameLst>
-                                          <p:attrName>style.visibility</p:attrName>
-                                        </p:attrNameLst>
-                                      </p:cBhvr>
-                                      <p:to>
-                                        <p:strVal val="visible"/>
-                                      </p:to>
-                                    </p:set>
-                                  </p:childTnLst>
-                                </p:cTn>
-                              </p:par>
-                            </p:childTnLst>
-                          </p:cTn>
-                        </p:par>
-                      </p:childTnLst>
-                    </p:cTn>
-                  </p:par>
-                  <p:par>
-                    <p:cTn id="39" fill="hold">
-                      <p:stCondLst>
-                        <p:cond delay="indefinite"/>
-                      </p:stCondLst>
-                      <p:childTnLst>
-                        <p:par>
-                          <p:cTn id="40" fill="hold">
-                            <p:stCondLst>
-                              <p:cond delay="0"/>
-                            </p:stCondLst>
-                            <p:childTnLst>
-                              <p:par>
-                                <p:cTn id="41" presetID="1" presetClass="entr" presetSubtype="0" fill="hold" grpId="0" nodeType="clickEffect">
-                                  <p:stCondLst>
-                                    <p:cond delay="0"/>
-                                  </p:stCondLst>
-                                  <p:childTnLst>
-                                    <p:set>
-                                      <p:cBhvr>
-                                        <p:cTn id="42" dur="1" fill="hold">
-                                          <p:stCondLst>
-                                            <p:cond delay="0"/>
-                                          </p:stCondLst>
-                                        </p:cTn>
-                                        <p:tgtEl>
-                                          <p:spTgt spid="29"/>
-                                        </p:tgtEl>
-                                        <p:attrNameLst>
-                                          <p:attrName>style.visibility</p:attrName>
-                                        </p:attrNameLst>
-                                      </p:cBhvr>
-                                      <p:to>
-                                        <p:strVal val="visible"/>
-                                      </p:to>
-                                    </p:set>
-                                  </p:childTnLst>
-                                </p:cTn>
-                              </p:par>
-                              <p:par>
-                                <p:cTn id="43" presetID="1" presetClass="entr" presetSubtype="0" fill="hold" grpId="0" nodeType="withEffect">
-                                  <p:stCondLst>
-                                    <p:cond delay="0"/>
-                                  </p:stCondLst>
-                                  <p:childTnLst>
-                                    <p:set>
-                                      <p:cBhvr>
-                                        <p:cTn id="44" dur="1" fill="hold">
-                                          <p:stCondLst>
-                                            <p:cond delay="0"/>
-                                          </p:stCondLst>
-                                        </p:cTn>
-                                        <p:tgtEl>
-                                          <p:spTgt spid="31"/>
-                                        </p:tgtEl>
-                                        <p:attrNameLst>
-                                          <p:attrName>style.visibility</p:attrName>
-                                        </p:attrNameLst>
-                                      </p:cBhvr>
-                                      <p:to>
-                                        <p:strVal val="visible"/>
-                                      </p:to>
-                                    </p:set>
-                                  </p:childTnLst>
-                                </p:cTn>
-                              </p:par>
-                            </p:childTnLst>
-                          </p:cTn>
-                        </p:par>
-                      </p:childTnLst>
-                    </p:cTn>
-                  </p:par>
-                  <p:par>
-                    <p:cTn id="45" fill="hold">
-                      <p:stCondLst>
-                        <p:cond delay="indefinite"/>
-                      </p:stCondLst>
-                      <p:childTnLst>
-                        <p:par>
-                          <p:cTn id="46" fill="hold">
-                            <p:stCondLst>
-                              <p:cond delay="0"/>
-                            </p:stCondLst>
-                            <p:childTnLst>
-                              <p:par>
-                                <p:cTn id="47" presetID="1" presetClass="entr" presetSubtype="0" fill="hold" grpId="0" nodeType="clickEffect">
-                                  <p:stCondLst>
-                                    <p:cond delay="0"/>
-                                  </p:stCondLst>
-                                  <p:childTnLst>
-                                    <p:set>
-                                      <p:cBhvr>
-                                        <p:cTn id="48" dur="1" fill="hold">
+                                <p:cTn id="31" presetID="1" presetClass="entr" presetSubtype="0" fill="hold" grpId="0" nodeType="clickEffect">
+                                  <p:stCondLst>
+                                    <p:cond delay="0"/>
+                                  </p:stCondLst>
+                                  <p:childTnLst>
+                                    <p:set>
+                                      <p:cBhvr>
+                                        <p:cTn id="32" dur="1" fill="hold">
                                           <p:stCondLst>
                                             <p:cond delay="0"/>
                                           </p:stCondLst>
@@ -27836,14 +27404,14 @@
                                 </p:cTn>
                               </p:par>
                               <p:par>
-                                <p:cTn id="49" presetID="1" presetClass="entr" presetSubtype="0" fill="hold" grpId="0" nodeType="withEffect">
-                                  <p:stCondLst>
-                                    <p:cond delay="0"/>
-                                  </p:stCondLst>
-                                  <p:childTnLst>
-                                    <p:set>
-                                      <p:cBhvr>
-                                        <p:cTn id="50" dur="1" fill="hold">
+                                <p:cTn id="33" presetID="1" presetClass="entr" presetSubtype="0" fill="hold" grpId="0" nodeType="withEffect">
+                                  <p:stCondLst>
+                                    <p:cond delay="0"/>
+                                  </p:stCondLst>
+                                  <p:childTnLst>
+                                    <p:set>
+                                      <p:cBhvr>
+                                        <p:cTn id="34" dur="1" fill="hold">
                                           <p:stCondLst>
                                             <p:cond delay="0"/>
                                           </p:stCondLst>
@@ -27897,7 +27465,6 @@
       <p:bldP spid="33" grpId="0" animBg="1"/>
       <p:bldP spid="34" grpId="0"/>
       <p:bldP spid="37" grpId="0" animBg="1"/>
-      <p:bldP spid="43" grpId="0"/>
     </p:bldLst>
   </p:timing>
 </p:sld>

--- a/loca_virt_draft.pptx
+++ b/loca_virt_draft.pptx
@@ -5,7 +5,7 @@
     <p:sldMasterId id="2147483648" r:id="rId1"/>
   </p:sldMasterIdLst>
   <p:notesMasterIdLst>
-    <p:notesMasterId r:id="rId18"/>
+    <p:notesMasterId r:id="rId19"/>
   </p:notesMasterIdLst>
   <p:sldIdLst>
     <p:sldId id="256" r:id="rId2"/>
@@ -23,7 +23,8 @@
     <p:sldId id="263" r:id="rId14"/>
     <p:sldId id="269" r:id="rId15"/>
     <p:sldId id="276" r:id="rId16"/>
-    <p:sldId id="268" r:id="rId17"/>
+    <p:sldId id="280" r:id="rId17"/>
+    <p:sldId id="268" r:id="rId18"/>
   </p:sldIdLst>
   <p:sldSz cx="12192000" cy="6858000"/>
   <p:notesSz cx="6858000" cy="9144000"/>
@@ -631,6 +632,50 @@
               <a:t>lift all the bi stuff</a:t>
             </a:r>
           </a:p>
+          <a:p>
+            <a:endParaRPr lang="en-US" dirty="0"/>
+          </a:p>
+          <a:p>
+            <a:pPr marL="0" marR="0" lvl="0" indent="0" algn="l" defTabSz="914400" rtl="0" eaLnBrk="1" fontAlgn="auto" latinLnBrk="0" hangingPunct="1">
+              <a:lnSpc>
+                <a:spcPct val="100000"/>
+              </a:lnSpc>
+              <a:spcBef>
+                <a:spcPts val="0"/>
+              </a:spcBef>
+              <a:spcAft>
+                <a:spcPts val="0"/>
+              </a:spcAft>
+              <a:buClrTx/>
+              <a:buSzTx/>
+              <a:buFontTx/>
+              <a:buNone/>
+              <a:tabLst/>
+              <a:defRPr/>
+            </a:pPr>
+            <a:r>
+              <a:rPr lang="en-US" dirty="0"/>
+              <a:t>t</a:t>
+            </a:r>
+            <a:r>
+              <a:rPr lang="en-US" dirty="0">
+                <a:effectLst/>
+              </a:rPr>
+              <a:t>hat is, assertions are not explicitly tagged with their address space validity </a:t>
+            </a:r>
+          </a:p>
+          <a:p>
+            <a:endParaRPr lang="en-US" dirty="0"/>
+          </a:p>
+          <a:p>
+            <a:r>
+              <a:rPr lang="en-US" dirty="0">
+                <a:effectLst/>
+              </a:rPr>
+              <a:t>, in the sense that their truth depends on which address space they are used in, due to the need to support virtual points-to assertions. </a:t>
+            </a:r>
+            <a:endParaRPr lang="en-US" dirty="0"/>
+          </a:p>
         </p:txBody>
       </p:sp>
       <p:sp>
@@ -718,6 +763,41 @@
               <a:t>a lot of text</a:t>
             </a:r>
           </a:p>
+          <a:p>
+            <a:endParaRPr lang="en-US" dirty="0"/>
+          </a:p>
+          <a:p>
+            <a:pPr marL="0" marR="0" lvl="0" indent="0" algn="l" defTabSz="914400" rtl="0" eaLnBrk="1" fontAlgn="auto" latinLnBrk="0" hangingPunct="1">
+              <a:lnSpc>
+                <a:spcPct val="100000"/>
+              </a:lnSpc>
+              <a:spcBef>
+                <a:spcPts val="0"/>
+              </a:spcBef>
+              <a:spcAft>
+                <a:spcPts val="0"/>
+              </a:spcAft>
+              <a:buClrTx/>
+              <a:buSzTx/>
+              <a:buFontTx/>
+              <a:buNone/>
+              <a:tabLst/>
+              <a:defRPr/>
+            </a:pPr>
+            <a:r>
+              <a:rPr lang="en-US" dirty="0">
+                <a:effectLst/>
+                <a:latin typeface="LinLibertineT"/>
+              </a:rPr>
+              <a:t> switching from one address-space to another logically becomes a simultaneous introduction-and-elimination of a pair of modal assertions (for different address spaces) </a:t>
+            </a:r>
+            <a:endParaRPr lang="en-US" dirty="0">
+              <a:effectLst/>
+            </a:endParaRPr>
+          </a:p>
+          <a:p>
+            <a:endParaRPr lang="en-US" dirty="0"/>
+          </a:p>
         </p:txBody>
       </p:sp>
       <p:sp>
@@ -908,7 +988,7 @@
           <a:p>
             <a:fld id="{180B0F4F-C4CA-F945-8BD8-C2A10415F31A}" type="slidenum">
               <a:rPr lang="en-US" smtClean="0"/>
-              <a:t>16</a:t>
+              <a:t>17</a:t>
             </a:fld>
             <a:endParaRPr lang="en-US"/>
           </a:p>
@@ -4960,2968 +5040,12 @@
           <a:chExt cx="0" cy="0"/>
         </a:xfrm>
       </p:grpSpPr>
-      <p:sp>
-        <p:nvSpPr>
-          <p:cNvPr id="30" name="Alternate Process 29">
-            <a:extLst>
-              <a:ext uri="{FF2B5EF4-FFF2-40B4-BE49-F238E27FC236}">
-                <a16:creationId xmlns:a16="http://schemas.microsoft.com/office/drawing/2014/main" id="{B5F1570F-4EDE-DF48-F3C0-B727778DEFEC}"/>
-              </a:ext>
-            </a:extLst>
-          </p:cNvPr>
-          <p:cNvSpPr/>
-          <p:nvPr/>
-        </p:nvSpPr>
-        <p:spPr>
-          <a:xfrm>
-            <a:off x="2413676" y="2348778"/>
-            <a:ext cx="8463330" cy="633375"/>
-          </a:xfrm>
-          <a:prstGeom prst="flowChartAlternateProcess">
-            <a:avLst/>
-          </a:prstGeom>
-          <a:noFill/>
-        </p:spPr>
-        <p:style>
-          <a:lnRef idx="2">
-            <a:schemeClr val="accent1">
-              <a:shade val="50000"/>
-            </a:schemeClr>
-          </a:lnRef>
-          <a:fillRef idx="1">
-            <a:schemeClr val="accent1"/>
-          </a:fillRef>
-          <a:effectRef idx="0">
-            <a:schemeClr val="accent1"/>
-          </a:effectRef>
-          <a:fontRef idx="minor">
-            <a:schemeClr val="lt1"/>
-          </a:fontRef>
-        </p:style>
-        <p:txBody>
-          <a:bodyPr rtlCol="0" anchor="ctr"/>
-          <a:lstStyle/>
-          <a:p>
-            <a:pPr algn="ctr"/>
-            <a:endParaRPr lang="en-US"/>
-          </a:p>
-        </p:txBody>
-      </p:sp>
-      <p:sp>
-        <p:nvSpPr>
-          <p:cNvPr id="57" name="TextBox 56">
-            <a:extLst>
-              <a:ext uri="{FF2B5EF4-FFF2-40B4-BE49-F238E27FC236}">
-                <a16:creationId xmlns:a16="http://schemas.microsoft.com/office/drawing/2014/main" id="{84D4E397-D9F1-7414-4D13-52589E5929BF}"/>
-              </a:ext>
-            </a:extLst>
-          </p:cNvPr>
-          <p:cNvSpPr txBox="1"/>
-          <p:nvPr/>
-        </p:nvSpPr>
-        <p:spPr>
-          <a:xfrm>
-            <a:off x="5391409" y="2471351"/>
-            <a:ext cx="2010056" cy="369332"/>
-          </a:xfrm>
-          <a:prstGeom prst="rect">
-            <a:avLst/>
-          </a:prstGeom>
-          <a:noFill/>
-        </p:spPr>
-        <p:txBody>
-          <a:bodyPr wrap="square" rtlCol="0">
-            <a:spAutoFit/>
-          </a:bodyPr>
-          <a:lstStyle/>
-          <a:p>
-            <a:r>
-              <a:rPr lang="en-US" dirty="0"/>
-              <a:t>L4 Base Addr</a:t>
-            </a:r>
-            <a:r>
-              <a:rPr lang="en-US" baseline="-25000" dirty="0"/>
-              <a:t>0 </a:t>
-            </a:r>
-            <a:r>
-              <a:rPr lang="en-US" dirty="0"/>
-              <a:t> (a</a:t>
-            </a:r>
-            <a:r>
-              <a:rPr lang="en-US" baseline="-25000" dirty="0"/>
-              <a:t>0</a:t>
-            </a:r>
-            <a:r>
-              <a:rPr lang="en-US" dirty="0"/>
-              <a:t>)</a:t>
-            </a:r>
-          </a:p>
-        </p:txBody>
-      </p:sp>
-      <p:sp>
-        <p:nvSpPr>
-          <p:cNvPr id="2" name="Title 1">
-            <a:extLst>
-              <a:ext uri="{FF2B5EF4-FFF2-40B4-BE49-F238E27FC236}">
-                <a16:creationId xmlns:a16="http://schemas.microsoft.com/office/drawing/2014/main" id="{284DB793-5AE9-B6A8-76CE-5A520F686150}"/>
-              </a:ext>
-            </a:extLst>
-          </p:cNvPr>
-          <p:cNvSpPr>
-            <a:spLocks noGrp="1"/>
-          </p:cNvSpPr>
-          <p:nvPr>
-            <p:ph type="title"/>
-          </p:nvPr>
-        </p:nvSpPr>
-        <p:spPr>
-          <a:xfrm>
-            <a:off x="274320" y="365125"/>
-            <a:ext cx="11846560" cy="1325563"/>
-          </a:xfrm>
-        </p:spPr>
-        <p:txBody>
-          <a:bodyPr/>
-          <a:lstStyle/>
-          <a:p>
-            <a:r>
-              <a:rPr lang="en-US" dirty="0"/>
-              <a:t>Program Logic: Sharing under Page-Table Update</a:t>
-            </a:r>
-          </a:p>
-        </p:txBody>
-      </p:sp>
-      <p:sp>
-        <p:nvSpPr>
-          <p:cNvPr id="3" name="Content Placeholder 2">
-            <a:extLst>
-              <a:ext uri="{FF2B5EF4-FFF2-40B4-BE49-F238E27FC236}">
-                <a16:creationId xmlns:a16="http://schemas.microsoft.com/office/drawing/2014/main" id="{9FF1F8C8-7199-2E31-B355-11262FAAF4F5}"/>
-              </a:ext>
-            </a:extLst>
-          </p:cNvPr>
-          <p:cNvSpPr>
-            <a:spLocks noGrp="1"/>
-          </p:cNvSpPr>
-          <p:nvPr>
-            <p:ph idx="1"/>
-          </p:nvPr>
-        </p:nvSpPr>
-        <p:spPr>
-          <a:xfrm>
-            <a:off x="838199" y="1825625"/>
-            <a:ext cx="10674531" cy="552323"/>
-          </a:xfrm>
-        </p:spPr>
-        <p:txBody>
-          <a:bodyPr/>
-          <a:lstStyle/>
-          <a:p>
-            <a:r>
-              <a:rPr lang="en-US" dirty="0"/>
-              <a:t>Adding a new page requires an update to L1 table:  call ensure_L1</a:t>
-            </a:r>
-          </a:p>
-        </p:txBody>
-      </p:sp>
-      <p:cxnSp>
-        <p:nvCxnSpPr>
-          <p:cNvPr id="31" name="Straight Arrow Connector 30">
-            <a:extLst>
-              <a:ext uri="{FF2B5EF4-FFF2-40B4-BE49-F238E27FC236}">
-                <a16:creationId xmlns:a16="http://schemas.microsoft.com/office/drawing/2014/main" id="{EE8AC330-2B5D-E876-D694-CE03C5F19386}"/>
-              </a:ext>
-            </a:extLst>
-          </p:cNvPr>
-          <p:cNvCxnSpPr>
-            <a:cxnSpLocks/>
-            <a:endCxn id="30" idx="1"/>
-          </p:cNvCxnSpPr>
-          <p:nvPr/>
-        </p:nvCxnSpPr>
-        <p:spPr>
-          <a:xfrm>
-            <a:off x="1254034" y="2665466"/>
-            <a:ext cx="1159642" cy="0"/>
-          </a:xfrm>
-          <a:prstGeom prst="straightConnector1">
-            <a:avLst/>
-          </a:prstGeom>
-          <a:ln>
-            <a:tailEnd type="triangle"/>
-          </a:ln>
-        </p:spPr>
-        <p:style>
-          <a:lnRef idx="1">
-            <a:schemeClr val="accent1"/>
-          </a:lnRef>
-          <a:fillRef idx="0">
-            <a:schemeClr val="accent1"/>
-          </a:fillRef>
-          <a:effectRef idx="0">
-            <a:schemeClr val="accent1"/>
-          </a:effectRef>
-          <a:fontRef idx="minor">
-            <a:schemeClr val="tx1"/>
-          </a:fontRef>
-        </p:style>
-      </p:cxnSp>
-      <p:sp>
-        <p:nvSpPr>
-          <p:cNvPr id="32" name="Trapezoid 31">
-            <a:extLst>
-              <a:ext uri="{FF2B5EF4-FFF2-40B4-BE49-F238E27FC236}">
-                <a16:creationId xmlns:a16="http://schemas.microsoft.com/office/drawing/2014/main" id="{9D09E452-3D37-E10E-14BF-5D5AF5ABE0BA}"/>
-              </a:ext>
-            </a:extLst>
-          </p:cNvPr>
-          <p:cNvSpPr/>
-          <p:nvPr/>
-        </p:nvSpPr>
-        <p:spPr>
-          <a:xfrm>
-            <a:off x="1515291" y="2979487"/>
-            <a:ext cx="10258698" cy="3712439"/>
-          </a:xfrm>
-          <a:prstGeom prst="trapezoid">
-            <a:avLst/>
-          </a:prstGeom>
-          <a:noFill/>
-        </p:spPr>
-        <p:style>
-          <a:lnRef idx="2">
-            <a:schemeClr val="accent1">
-              <a:shade val="50000"/>
-            </a:schemeClr>
-          </a:lnRef>
-          <a:fillRef idx="1">
-            <a:schemeClr val="accent1"/>
-          </a:fillRef>
-          <a:effectRef idx="0">
-            <a:schemeClr val="accent1"/>
-          </a:effectRef>
-          <a:fontRef idx="minor">
-            <a:schemeClr val="lt1"/>
-          </a:fontRef>
-        </p:style>
-        <p:txBody>
-          <a:bodyPr rtlCol="0" anchor="ctr"/>
-          <a:lstStyle/>
-          <a:p>
-            <a:pPr algn="ctr"/>
-            <a:endParaRPr lang="en-US"/>
-          </a:p>
-        </p:txBody>
-      </p:sp>
-      <p:sp>
-        <p:nvSpPr>
-          <p:cNvPr id="33" name="Process 32">
-            <a:extLst>
-              <a:ext uri="{FF2B5EF4-FFF2-40B4-BE49-F238E27FC236}">
-                <a16:creationId xmlns:a16="http://schemas.microsoft.com/office/drawing/2014/main" id="{13AAFF07-6ABA-CF96-CFED-3CD241163566}"/>
-              </a:ext>
-            </a:extLst>
-          </p:cNvPr>
-          <p:cNvSpPr/>
-          <p:nvPr/>
-        </p:nvSpPr>
-        <p:spPr>
-          <a:xfrm>
-            <a:off x="3612611" y="3015158"/>
-            <a:ext cx="1099485" cy="464584"/>
-          </a:xfrm>
-          <a:prstGeom prst="flowChartProcess">
-            <a:avLst/>
-          </a:prstGeom>
-          <a:noFill/>
-          <a:ln w="41275">
-            <a:solidFill>
-              <a:schemeClr val="tx1"/>
-            </a:solidFill>
-          </a:ln>
-        </p:spPr>
-        <p:style>
-          <a:lnRef idx="2">
-            <a:schemeClr val="accent1">
-              <a:shade val="50000"/>
-            </a:schemeClr>
-          </a:lnRef>
-          <a:fillRef idx="1">
-            <a:schemeClr val="accent1"/>
-          </a:fillRef>
-          <a:effectRef idx="0">
-            <a:schemeClr val="accent1"/>
-          </a:effectRef>
-          <a:fontRef idx="minor">
-            <a:schemeClr val="lt1"/>
-          </a:fontRef>
-        </p:style>
-        <p:txBody>
-          <a:bodyPr rtlCol="0" anchor="ctr"/>
-          <a:lstStyle/>
-          <a:p>
-            <a:pPr algn="ctr"/>
-            <a:endParaRPr lang="en-US">
-              <a:solidFill>
-                <a:srgbClr val="FF0000"/>
-              </a:solidFill>
-            </a:endParaRPr>
-          </a:p>
-        </p:txBody>
-      </p:sp>
-      <p:sp>
-        <p:nvSpPr>
-          <p:cNvPr id="35" name="Process 34">
-            <a:extLst>
-              <a:ext uri="{FF2B5EF4-FFF2-40B4-BE49-F238E27FC236}">
-                <a16:creationId xmlns:a16="http://schemas.microsoft.com/office/drawing/2014/main" id="{60C08970-FA6E-31DF-3411-EE0A8036488E}"/>
-              </a:ext>
-            </a:extLst>
-          </p:cNvPr>
-          <p:cNvSpPr/>
-          <p:nvPr/>
-        </p:nvSpPr>
-        <p:spPr>
-          <a:xfrm>
-            <a:off x="7131126" y="3081135"/>
-            <a:ext cx="1099488" cy="426720"/>
-          </a:xfrm>
-          <a:prstGeom prst="flowChartProcess">
-            <a:avLst/>
-          </a:prstGeom>
-          <a:noFill/>
-          <a:ln w="41275">
-            <a:solidFill>
-              <a:srgbClr val="FF0000"/>
-            </a:solidFill>
-          </a:ln>
-        </p:spPr>
-        <p:style>
-          <a:lnRef idx="2">
-            <a:schemeClr val="accent1">
-              <a:shade val="50000"/>
-            </a:schemeClr>
-          </a:lnRef>
-          <a:fillRef idx="1">
-            <a:schemeClr val="accent1"/>
-          </a:fillRef>
-          <a:effectRef idx="0">
-            <a:schemeClr val="accent1"/>
-          </a:effectRef>
-          <a:fontRef idx="minor">
-            <a:schemeClr val="lt1"/>
-          </a:fontRef>
-        </p:style>
-        <p:txBody>
-          <a:bodyPr rtlCol="0" anchor="ctr"/>
-          <a:lstStyle/>
-          <a:p>
-            <a:pPr algn="ctr"/>
-            <a:endParaRPr lang="en-US">
-              <a:solidFill>
-                <a:srgbClr val="FF0000"/>
-              </a:solidFill>
-            </a:endParaRPr>
-          </a:p>
-        </p:txBody>
-      </p:sp>
-      <p:sp>
-        <p:nvSpPr>
-          <p:cNvPr id="36" name="TextBox 35">
-            <a:extLst>
-              <a:ext uri="{FF2B5EF4-FFF2-40B4-BE49-F238E27FC236}">
-                <a16:creationId xmlns:a16="http://schemas.microsoft.com/office/drawing/2014/main" id="{089C4AB0-5FCD-E37C-C5BF-20B4B013926F}"/>
-              </a:ext>
-            </a:extLst>
-          </p:cNvPr>
-          <p:cNvSpPr txBox="1"/>
-          <p:nvPr/>
-        </p:nvSpPr>
-        <p:spPr>
-          <a:xfrm>
-            <a:off x="3620762" y="3046299"/>
-            <a:ext cx="479532" cy="369332"/>
-          </a:xfrm>
-          <a:prstGeom prst="rect">
-            <a:avLst/>
-          </a:prstGeom>
-          <a:noFill/>
-        </p:spPr>
-        <p:txBody>
-          <a:bodyPr wrap="square" rtlCol="0">
-            <a:spAutoFit/>
-          </a:bodyPr>
-          <a:lstStyle/>
-          <a:p>
-            <a:r>
-              <a:rPr lang="en-US" dirty="0"/>
-              <a:t>va</a:t>
-            </a:r>
-            <a:r>
-              <a:rPr lang="en-US" baseline="-25000" dirty="0"/>
-              <a:t>0</a:t>
-            </a:r>
-            <a:endParaRPr lang="en-US" dirty="0"/>
-          </a:p>
-        </p:txBody>
-      </p:sp>
-      <p:cxnSp>
-        <p:nvCxnSpPr>
-          <p:cNvPr id="40" name="Straight Connector 39">
-            <a:extLst>
-              <a:ext uri="{FF2B5EF4-FFF2-40B4-BE49-F238E27FC236}">
-                <a16:creationId xmlns:a16="http://schemas.microsoft.com/office/drawing/2014/main" id="{717DB67E-88DF-F7FE-D1E0-1DBB78D6B12F}"/>
-              </a:ext>
-            </a:extLst>
-          </p:cNvPr>
-          <p:cNvCxnSpPr>
-            <a:cxnSpLocks/>
-          </p:cNvCxnSpPr>
-          <p:nvPr/>
-        </p:nvCxnSpPr>
-        <p:spPr>
-          <a:xfrm>
-            <a:off x="2272937" y="3765001"/>
-            <a:ext cx="7149737" cy="0"/>
-          </a:xfrm>
-          <a:prstGeom prst="line">
-            <a:avLst/>
-          </a:prstGeom>
-        </p:spPr>
-        <p:style>
-          <a:lnRef idx="1">
-            <a:schemeClr val="accent1"/>
-          </a:lnRef>
-          <a:fillRef idx="0">
-            <a:schemeClr val="accent1"/>
-          </a:fillRef>
-          <a:effectRef idx="0">
-            <a:schemeClr val="accent1"/>
-          </a:effectRef>
-          <a:fontRef idx="minor">
-            <a:schemeClr val="tx1"/>
-          </a:fontRef>
-        </p:style>
-      </p:cxnSp>
-      <p:cxnSp>
-        <p:nvCxnSpPr>
-          <p:cNvPr id="41" name="Straight Connector 40">
-            <a:extLst>
-              <a:ext uri="{FF2B5EF4-FFF2-40B4-BE49-F238E27FC236}">
-                <a16:creationId xmlns:a16="http://schemas.microsoft.com/office/drawing/2014/main" id="{A5BC6EB0-2319-F128-9837-06EF9308A1CF}"/>
-              </a:ext>
-            </a:extLst>
-          </p:cNvPr>
-          <p:cNvCxnSpPr>
-            <a:cxnSpLocks/>
-          </p:cNvCxnSpPr>
-          <p:nvPr/>
-        </p:nvCxnSpPr>
-        <p:spPr>
-          <a:xfrm>
-            <a:off x="1715589" y="6008460"/>
-            <a:ext cx="9884228" cy="17451"/>
-          </a:xfrm>
-          <a:prstGeom prst="line">
-            <a:avLst/>
-          </a:prstGeom>
-        </p:spPr>
-        <p:style>
-          <a:lnRef idx="1">
-            <a:schemeClr val="accent1"/>
-          </a:lnRef>
-          <a:fillRef idx="0">
-            <a:schemeClr val="accent1"/>
-          </a:fillRef>
-          <a:effectRef idx="0">
-            <a:schemeClr val="accent1"/>
-          </a:effectRef>
-          <a:fontRef idx="minor">
-            <a:schemeClr val="tx1"/>
-          </a:fontRef>
-        </p:style>
-      </p:cxnSp>
-      <p:sp>
-        <p:nvSpPr>
-          <p:cNvPr id="42" name="Alternate Process 41">
-            <a:extLst>
-              <a:ext uri="{FF2B5EF4-FFF2-40B4-BE49-F238E27FC236}">
-                <a16:creationId xmlns:a16="http://schemas.microsoft.com/office/drawing/2014/main" id="{D1D69372-224C-DFE5-C705-2C0E65921B32}"/>
-              </a:ext>
-            </a:extLst>
-          </p:cNvPr>
-          <p:cNvSpPr/>
-          <p:nvPr/>
-        </p:nvSpPr>
-        <p:spPr>
-          <a:xfrm rot="16200000">
-            <a:off x="4624907" y="3571339"/>
-            <a:ext cx="476971" cy="1117198"/>
-          </a:xfrm>
-          <a:prstGeom prst="flowChartAlternateProcess">
-            <a:avLst/>
-          </a:prstGeom>
-          <a:noFill/>
-        </p:spPr>
-        <p:style>
-          <a:lnRef idx="2">
-            <a:schemeClr val="accent1">
-              <a:shade val="50000"/>
-            </a:schemeClr>
-          </a:lnRef>
-          <a:fillRef idx="1">
-            <a:schemeClr val="accent1"/>
-          </a:fillRef>
-          <a:effectRef idx="0">
-            <a:schemeClr val="accent1"/>
-          </a:effectRef>
-          <a:fontRef idx="minor">
-            <a:schemeClr val="lt1"/>
-          </a:fontRef>
-        </p:style>
-        <p:txBody>
-          <a:bodyPr rtlCol="0" anchor="ctr"/>
-          <a:lstStyle/>
-          <a:p>
-            <a:pPr algn="ctr"/>
-            <a:endParaRPr lang="en-US"/>
-          </a:p>
-        </p:txBody>
-      </p:sp>
-      <p:sp>
-        <p:nvSpPr>
-          <p:cNvPr id="43" name="Alternate Process 42">
-            <a:extLst>
-              <a:ext uri="{FF2B5EF4-FFF2-40B4-BE49-F238E27FC236}">
-                <a16:creationId xmlns:a16="http://schemas.microsoft.com/office/drawing/2014/main" id="{4AE55BA3-46C9-A59D-CE51-7C95615C88A7}"/>
-              </a:ext>
-            </a:extLst>
-          </p:cNvPr>
-          <p:cNvSpPr/>
-          <p:nvPr/>
-        </p:nvSpPr>
-        <p:spPr>
-          <a:xfrm rot="16200000">
-            <a:off x="6386369" y="3553941"/>
-            <a:ext cx="476971" cy="1117199"/>
-          </a:xfrm>
-          <a:prstGeom prst="flowChartAlternateProcess">
-            <a:avLst/>
-          </a:prstGeom>
-          <a:noFill/>
-        </p:spPr>
-        <p:style>
-          <a:lnRef idx="2">
-            <a:schemeClr val="accent1">
-              <a:shade val="50000"/>
-            </a:schemeClr>
-          </a:lnRef>
-          <a:fillRef idx="1">
-            <a:schemeClr val="accent1"/>
-          </a:fillRef>
-          <a:effectRef idx="0">
-            <a:schemeClr val="accent1"/>
-          </a:effectRef>
-          <a:fontRef idx="minor">
-            <a:schemeClr val="lt1"/>
-          </a:fontRef>
-        </p:style>
-        <p:txBody>
-          <a:bodyPr rtlCol="0" anchor="ctr"/>
-          <a:lstStyle/>
-          <a:p>
-            <a:pPr algn="ctr"/>
-            <a:endParaRPr lang="en-US"/>
-          </a:p>
-        </p:txBody>
-      </p:sp>
-      <p:sp>
-        <p:nvSpPr>
-          <p:cNvPr id="44" name="Alternate Process 43">
-            <a:extLst>
-              <a:ext uri="{FF2B5EF4-FFF2-40B4-BE49-F238E27FC236}">
-                <a16:creationId xmlns:a16="http://schemas.microsoft.com/office/drawing/2014/main" id="{402947DC-CFCC-1BA2-164D-7DD4F2D6A2ED}"/>
-              </a:ext>
-            </a:extLst>
-          </p:cNvPr>
-          <p:cNvSpPr/>
-          <p:nvPr/>
-        </p:nvSpPr>
-        <p:spPr>
-          <a:xfrm rot="16200000">
-            <a:off x="8199457" y="3569410"/>
-            <a:ext cx="476970" cy="1117199"/>
-          </a:xfrm>
-          <a:prstGeom prst="flowChartAlternateProcess">
-            <a:avLst/>
-          </a:prstGeom>
-          <a:noFill/>
-        </p:spPr>
-        <p:style>
-          <a:lnRef idx="2">
-            <a:schemeClr val="accent1">
-              <a:shade val="50000"/>
-            </a:schemeClr>
-          </a:lnRef>
-          <a:fillRef idx="1">
-            <a:schemeClr val="accent1"/>
-          </a:fillRef>
-          <a:effectRef idx="0">
-            <a:schemeClr val="accent1"/>
-          </a:effectRef>
-          <a:fontRef idx="minor">
-            <a:schemeClr val="lt1"/>
-          </a:fontRef>
-        </p:style>
-        <p:txBody>
-          <a:bodyPr rtlCol="0" anchor="ctr"/>
-          <a:lstStyle/>
-          <a:p>
-            <a:pPr algn="ctr"/>
-            <a:endParaRPr lang="en-US"/>
-          </a:p>
-        </p:txBody>
-      </p:sp>
-      <p:sp>
-        <p:nvSpPr>
-          <p:cNvPr id="45" name="Alternate Process 44">
-            <a:extLst>
-              <a:ext uri="{FF2B5EF4-FFF2-40B4-BE49-F238E27FC236}">
-                <a16:creationId xmlns:a16="http://schemas.microsoft.com/office/drawing/2014/main" id="{647CD071-7BCC-0A7E-6A8C-7A0BCC1BDA4B}"/>
-              </a:ext>
-            </a:extLst>
-          </p:cNvPr>
-          <p:cNvSpPr/>
-          <p:nvPr/>
-        </p:nvSpPr>
-        <p:spPr>
-          <a:xfrm rot="16200000">
-            <a:off x="2858515" y="3563520"/>
-            <a:ext cx="476971" cy="1117197"/>
-          </a:xfrm>
-          <a:prstGeom prst="flowChartAlternateProcess">
-            <a:avLst/>
-          </a:prstGeom>
-          <a:noFill/>
-        </p:spPr>
-        <p:style>
-          <a:lnRef idx="2">
-            <a:schemeClr val="accent1">
-              <a:shade val="50000"/>
-            </a:schemeClr>
-          </a:lnRef>
-          <a:fillRef idx="1">
-            <a:schemeClr val="accent1"/>
-          </a:fillRef>
-          <a:effectRef idx="0">
-            <a:schemeClr val="accent1"/>
-          </a:effectRef>
-          <a:fontRef idx="minor">
-            <a:schemeClr val="lt1"/>
-          </a:fontRef>
-        </p:style>
-        <p:txBody>
-          <a:bodyPr rtlCol="0" anchor="ctr"/>
-          <a:lstStyle/>
-          <a:p>
-            <a:pPr algn="ctr"/>
-            <a:endParaRPr lang="en-US"/>
-          </a:p>
-        </p:txBody>
-      </p:sp>
-      <p:sp>
-        <p:nvSpPr>
-          <p:cNvPr id="48" name="TextBox 47">
-            <a:extLst>
-              <a:ext uri="{FF2B5EF4-FFF2-40B4-BE49-F238E27FC236}">
-                <a16:creationId xmlns:a16="http://schemas.microsoft.com/office/drawing/2014/main" id="{61CCCFED-BA21-CFAF-0BAA-F83BC7EC9EEF}"/>
-              </a:ext>
-            </a:extLst>
-          </p:cNvPr>
-          <p:cNvSpPr txBox="1"/>
-          <p:nvPr/>
-        </p:nvSpPr>
-        <p:spPr>
-          <a:xfrm>
-            <a:off x="11148569" y="6258118"/>
-            <a:ext cx="451248" cy="369332"/>
-          </a:xfrm>
-          <a:prstGeom prst="rect">
-            <a:avLst/>
-          </a:prstGeom>
-          <a:noFill/>
-        </p:spPr>
-        <p:txBody>
-          <a:bodyPr wrap="square" rtlCol="0">
-            <a:spAutoFit/>
-          </a:bodyPr>
-          <a:lstStyle/>
-          <a:p>
-            <a:r>
-              <a:rPr lang="en-US" dirty="0" err="1"/>
-              <a:t>pg</a:t>
-            </a:r>
-            <a:endParaRPr lang="en-US" dirty="0"/>
-          </a:p>
-        </p:txBody>
-      </p:sp>
-      <p:sp>
-        <p:nvSpPr>
-          <p:cNvPr id="50" name="TextBox 49">
-            <a:extLst>
-              <a:ext uri="{FF2B5EF4-FFF2-40B4-BE49-F238E27FC236}">
-                <a16:creationId xmlns:a16="http://schemas.microsoft.com/office/drawing/2014/main" id="{08EBC741-8747-D0AC-72D4-282C8019D339}"/>
-              </a:ext>
-            </a:extLst>
-          </p:cNvPr>
-          <p:cNvSpPr txBox="1"/>
-          <p:nvPr/>
-        </p:nvSpPr>
-        <p:spPr>
-          <a:xfrm>
-            <a:off x="2616780" y="3928727"/>
-            <a:ext cx="1212140" cy="369332"/>
-          </a:xfrm>
-          <a:prstGeom prst="rect">
-            <a:avLst/>
-          </a:prstGeom>
-          <a:noFill/>
-        </p:spPr>
-        <p:txBody>
-          <a:bodyPr wrap="square" rtlCol="0">
-            <a:spAutoFit/>
-          </a:bodyPr>
-          <a:lstStyle/>
-          <a:p>
-            <a:r>
-              <a:rPr lang="en-US" dirty="0"/>
-              <a:t>L4 Table</a:t>
-            </a:r>
-          </a:p>
-        </p:txBody>
-      </p:sp>
-      <p:sp>
-        <p:nvSpPr>
-          <p:cNvPr id="51" name="TextBox 50">
-            <a:extLst>
-              <a:ext uri="{FF2B5EF4-FFF2-40B4-BE49-F238E27FC236}">
-                <a16:creationId xmlns:a16="http://schemas.microsoft.com/office/drawing/2014/main" id="{254CA9C5-32E9-CA7E-4B8C-1062CE604FEC}"/>
-              </a:ext>
-            </a:extLst>
-          </p:cNvPr>
-          <p:cNvSpPr txBox="1"/>
-          <p:nvPr/>
-        </p:nvSpPr>
-        <p:spPr>
-          <a:xfrm>
-            <a:off x="4391879" y="3958338"/>
-            <a:ext cx="1212140" cy="369332"/>
-          </a:xfrm>
-          <a:prstGeom prst="rect">
-            <a:avLst/>
-          </a:prstGeom>
-          <a:noFill/>
-        </p:spPr>
-        <p:txBody>
-          <a:bodyPr wrap="square" rtlCol="0">
-            <a:spAutoFit/>
-          </a:bodyPr>
-          <a:lstStyle/>
-          <a:p>
-            <a:r>
-              <a:rPr lang="en-US" dirty="0"/>
-              <a:t>L3 Table</a:t>
-            </a:r>
-          </a:p>
-        </p:txBody>
-      </p:sp>
-      <p:sp>
-        <p:nvSpPr>
-          <p:cNvPr id="52" name="TextBox 51">
-            <a:extLst>
-              <a:ext uri="{FF2B5EF4-FFF2-40B4-BE49-F238E27FC236}">
-                <a16:creationId xmlns:a16="http://schemas.microsoft.com/office/drawing/2014/main" id="{63FDB37F-5E96-2783-9352-269457E3AE8F}"/>
-              </a:ext>
-            </a:extLst>
-          </p:cNvPr>
-          <p:cNvSpPr txBox="1"/>
-          <p:nvPr/>
-        </p:nvSpPr>
-        <p:spPr>
-          <a:xfrm>
-            <a:off x="6159722" y="3945273"/>
-            <a:ext cx="1212140" cy="369332"/>
-          </a:xfrm>
-          <a:prstGeom prst="rect">
-            <a:avLst/>
-          </a:prstGeom>
-          <a:noFill/>
-        </p:spPr>
-        <p:txBody>
-          <a:bodyPr wrap="square" rtlCol="0">
-            <a:spAutoFit/>
-          </a:bodyPr>
-          <a:lstStyle/>
-          <a:p>
-            <a:r>
-              <a:rPr lang="en-US" dirty="0"/>
-              <a:t>L2 Table</a:t>
-            </a:r>
-          </a:p>
-        </p:txBody>
-      </p:sp>
-      <p:sp>
-        <p:nvSpPr>
-          <p:cNvPr id="53" name="TextBox 52">
-            <a:extLst>
-              <a:ext uri="{FF2B5EF4-FFF2-40B4-BE49-F238E27FC236}">
-                <a16:creationId xmlns:a16="http://schemas.microsoft.com/office/drawing/2014/main" id="{23DF9147-8BA5-5C7B-EDD1-9C2DACEF5E3D}"/>
-              </a:ext>
-            </a:extLst>
-          </p:cNvPr>
-          <p:cNvSpPr txBox="1"/>
-          <p:nvPr/>
-        </p:nvSpPr>
-        <p:spPr>
-          <a:xfrm>
-            <a:off x="7979817" y="3952033"/>
-            <a:ext cx="1212140" cy="369332"/>
-          </a:xfrm>
-          <a:prstGeom prst="rect">
-            <a:avLst/>
-          </a:prstGeom>
-          <a:noFill/>
-        </p:spPr>
-        <p:txBody>
-          <a:bodyPr wrap="square" rtlCol="0">
-            <a:spAutoFit/>
-          </a:bodyPr>
-          <a:lstStyle/>
-          <a:p>
-            <a:r>
-              <a:rPr lang="en-US" dirty="0"/>
-              <a:t>L1 Table</a:t>
-            </a:r>
-          </a:p>
-        </p:txBody>
-      </p:sp>
-      <p:sp>
-        <p:nvSpPr>
-          <p:cNvPr id="61" name="Alternate Process 60">
-            <a:extLst>
-              <a:ext uri="{FF2B5EF4-FFF2-40B4-BE49-F238E27FC236}">
-                <a16:creationId xmlns:a16="http://schemas.microsoft.com/office/drawing/2014/main" id="{99D4E90F-F140-DAF6-858A-8B946D07B2C4}"/>
-              </a:ext>
-            </a:extLst>
-          </p:cNvPr>
-          <p:cNvSpPr/>
-          <p:nvPr/>
-        </p:nvSpPr>
-        <p:spPr>
-          <a:xfrm rot="16200000">
-            <a:off x="2345033" y="4435136"/>
-            <a:ext cx="1529205" cy="1391920"/>
-          </a:xfrm>
-          <a:prstGeom prst="flowChartAlternateProcess">
-            <a:avLst/>
-          </a:prstGeom>
-          <a:noFill/>
-        </p:spPr>
-        <p:style>
-          <a:lnRef idx="2">
-            <a:schemeClr val="accent1">
-              <a:shade val="50000"/>
-            </a:schemeClr>
-          </a:lnRef>
-          <a:fillRef idx="1">
-            <a:schemeClr val="accent1"/>
-          </a:fillRef>
-          <a:effectRef idx="0">
-            <a:schemeClr val="accent1"/>
-          </a:effectRef>
-          <a:fontRef idx="minor">
-            <a:schemeClr val="lt1"/>
-          </a:fontRef>
-        </p:style>
-        <p:txBody>
-          <a:bodyPr rtlCol="0" anchor="ctr"/>
-          <a:lstStyle/>
-          <a:p>
-            <a:pPr algn="ctr"/>
-            <a:endParaRPr lang="en-US"/>
-          </a:p>
-        </p:txBody>
-      </p:sp>
-      <p:sp>
-        <p:nvSpPr>
-          <p:cNvPr id="65" name="Alternate Process 64">
-            <a:extLst>
-              <a:ext uri="{FF2B5EF4-FFF2-40B4-BE49-F238E27FC236}">
-                <a16:creationId xmlns:a16="http://schemas.microsoft.com/office/drawing/2014/main" id="{1D0ED686-D88A-32F7-E0E7-23C01CF7167F}"/>
-              </a:ext>
-            </a:extLst>
-          </p:cNvPr>
-          <p:cNvSpPr/>
-          <p:nvPr/>
-        </p:nvSpPr>
-        <p:spPr>
-          <a:xfrm rot="16200000">
-            <a:off x="661066" y="2390473"/>
-            <a:ext cx="545723" cy="565922"/>
-          </a:xfrm>
-          <a:prstGeom prst="flowChartAlternateProcess">
-            <a:avLst/>
-          </a:prstGeom>
-          <a:noFill/>
-        </p:spPr>
-        <p:style>
-          <a:lnRef idx="2">
-            <a:schemeClr val="accent1">
-              <a:shade val="50000"/>
-            </a:schemeClr>
-          </a:lnRef>
-          <a:fillRef idx="1">
-            <a:schemeClr val="accent1"/>
-          </a:fillRef>
-          <a:effectRef idx="0">
-            <a:schemeClr val="accent1"/>
-          </a:effectRef>
-          <a:fontRef idx="minor">
-            <a:schemeClr val="lt1"/>
-          </a:fontRef>
-        </p:style>
-        <p:txBody>
-          <a:bodyPr rtlCol="0" anchor="ctr"/>
-          <a:lstStyle/>
-          <a:p>
-            <a:pPr algn="ctr"/>
-            <a:endParaRPr lang="en-US"/>
-          </a:p>
-        </p:txBody>
-      </p:sp>
-      <p:sp>
-        <p:nvSpPr>
-          <p:cNvPr id="66" name="TextBox 65">
-            <a:extLst>
-              <a:ext uri="{FF2B5EF4-FFF2-40B4-BE49-F238E27FC236}">
-                <a16:creationId xmlns:a16="http://schemas.microsoft.com/office/drawing/2014/main" id="{0F49BD97-B973-1DBD-F879-D40BCD014526}"/>
-              </a:ext>
-            </a:extLst>
-          </p:cNvPr>
-          <p:cNvSpPr txBox="1"/>
-          <p:nvPr/>
-        </p:nvSpPr>
-        <p:spPr>
-          <a:xfrm>
-            <a:off x="650966" y="2467419"/>
-            <a:ext cx="511809" cy="369332"/>
-          </a:xfrm>
-          <a:prstGeom prst="rect">
-            <a:avLst/>
-          </a:prstGeom>
-          <a:noFill/>
-        </p:spPr>
-        <p:txBody>
-          <a:bodyPr wrap="square" rtlCol="0">
-            <a:spAutoFit/>
-          </a:bodyPr>
-          <a:lstStyle/>
-          <a:p>
-            <a:r>
-              <a:rPr lang="en-US" dirty="0"/>
-              <a:t>cr3</a:t>
-            </a:r>
-          </a:p>
-        </p:txBody>
-      </p:sp>
-      <p:sp>
-        <p:nvSpPr>
-          <p:cNvPr id="73" name="Alternate Process 72">
-            <a:extLst>
-              <a:ext uri="{FF2B5EF4-FFF2-40B4-BE49-F238E27FC236}">
-                <a16:creationId xmlns:a16="http://schemas.microsoft.com/office/drawing/2014/main" id="{5C48B830-9BAB-C5C3-0F54-D93CE5502E46}"/>
-              </a:ext>
-            </a:extLst>
-          </p:cNvPr>
-          <p:cNvSpPr/>
-          <p:nvPr/>
-        </p:nvSpPr>
-        <p:spPr>
-          <a:xfrm rot="16200000">
-            <a:off x="4117260" y="4428378"/>
-            <a:ext cx="1529205" cy="1391920"/>
-          </a:xfrm>
-          <a:prstGeom prst="flowChartAlternateProcess">
-            <a:avLst/>
-          </a:prstGeom>
-          <a:noFill/>
-        </p:spPr>
-        <p:style>
-          <a:lnRef idx="2">
-            <a:schemeClr val="accent1">
-              <a:shade val="50000"/>
-            </a:schemeClr>
-          </a:lnRef>
-          <a:fillRef idx="1">
-            <a:schemeClr val="accent1"/>
-          </a:fillRef>
-          <a:effectRef idx="0">
-            <a:schemeClr val="accent1"/>
-          </a:effectRef>
-          <a:fontRef idx="minor">
-            <a:schemeClr val="lt1"/>
-          </a:fontRef>
-        </p:style>
-        <p:txBody>
-          <a:bodyPr rtlCol="0" anchor="ctr"/>
-          <a:lstStyle/>
-          <a:p>
-            <a:pPr algn="ctr"/>
-            <a:endParaRPr lang="en-US"/>
-          </a:p>
-        </p:txBody>
-      </p:sp>
-      <p:sp>
-        <p:nvSpPr>
-          <p:cNvPr id="74" name="Alternate Process 73">
-            <a:extLst>
-              <a:ext uri="{FF2B5EF4-FFF2-40B4-BE49-F238E27FC236}">
-                <a16:creationId xmlns:a16="http://schemas.microsoft.com/office/drawing/2014/main" id="{FE8667A6-F77B-4F86-9298-A07D9F6D891D}"/>
-              </a:ext>
-            </a:extLst>
-          </p:cNvPr>
-          <p:cNvSpPr/>
-          <p:nvPr/>
-        </p:nvSpPr>
-        <p:spPr>
-          <a:xfrm rot="16200000">
-            <a:off x="5889213" y="4435136"/>
-            <a:ext cx="1529205" cy="1391920"/>
-          </a:xfrm>
-          <a:prstGeom prst="flowChartAlternateProcess">
-            <a:avLst/>
-          </a:prstGeom>
-          <a:noFill/>
-        </p:spPr>
-        <p:style>
-          <a:lnRef idx="2">
-            <a:schemeClr val="accent1">
-              <a:shade val="50000"/>
-            </a:schemeClr>
-          </a:lnRef>
-          <a:fillRef idx="1">
-            <a:schemeClr val="accent1"/>
-          </a:fillRef>
-          <a:effectRef idx="0">
-            <a:schemeClr val="accent1"/>
-          </a:effectRef>
-          <a:fontRef idx="minor">
-            <a:schemeClr val="lt1"/>
-          </a:fontRef>
-        </p:style>
-        <p:txBody>
-          <a:bodyPr rtlCol="0" anchor="ctr"/>
-          <a:lstStyle/>
-          <a:p>
-            <a:pPr algn="ctr"/>
-            <a:endParaRPr lang="en-US"/>
-          </a:p>
-        </p:txBody>
-      </p:sp>
-      <p:sp>
-        <p:nvSpPr>
-          <p:cNvPr id="75" name="Alternate Process 74">
-            <a:extLst>
-              <a:ext uri="{FF2B5EF4-FFF2-40B4-BE49-F238E27FC236}">
-                <a16:creationId xmlns:a16="http://schemas.microsoft.com/office/drawing/2014/main" id="{B8FEF9EC-70AB-5E61-7E1A-9ABD4D3D8588}"/>
-              </a:ext>
-            </a:extLst>
-          </p:cNvPr>
-          <p:cNvSpPr/>
-          <p:nvPr/>
-        </p:nvSpPr>
-        <p:spPr>
-          <a:xfrm rot="16200000">
-            <a:off x="7684885" y="4437774"/>
-            <a:ext cx="1529205" cy="1391920"/>
-          </a:xfrm>
-          <a:prstGeom prst="flowChartAlternateProcess">
-            <a:avLst/>
-          </a:prstGeom>
-          <a:noFill/>
-        </p:spPr>
-        <p:style>
-          <a:lnRef idx="2">
-            <a:schemeClr val="accent1">
-              <a:shade val="50000"/>
-            </a:schemeClr>
-          </a:lnRef>
-          <a:fillRef idx="1">
-            <a:schemeClr val="accent1"/>
-          </a:fillRef>
-          <a:effectRef idx="0">
-            <a:schemeClr val="accent1"/>
-          </a:effectRef>
-          <a:fontRef idx="minor">
-            <a:schemeClr val="lt1"/>
-          </a:fontRef>
-        </p:style>
-        <p:txBody>
-          <a:bodyPr rtlCol="0" anchor="ctr"/>
-          <a:lstStyle/>
-          <a:p>
-            <a:pPr algn="ctr"/>
-            <a:endParaRPr lang="en-US"/>
-          </a:p>
-        </p:txBody>
-      </p:sp>
-      <p:sp>
-        <p:nvSpPr>
-          <p:cNvPr id="76" name="Alternate Process 75">
-            <a:extLst>
-              <a:ext uri="{FF2B5EF4-FFF2-40B4-BE49-F238E27FC236}">
-                <a16:creationId xmlns:a16="http://schemas.microsoft.com/office/drawing/2014/main" id="{B82D6278-5007-04BD-AB1E-2CE63BA8C803}"/>
-              </a:ext>
-            </a:extLst>
-          </p:cNvPr>
-          <p:cNvSpPr/>
-          <p:nvPr/>
-        </p:nvSpPr>
-        <p:spPr>
-          <a:xfrm rot="16200000">
-            <a:off x="2924970" y="4079602"/>
-            <a:ext cx="369331" cy="1391920"/>
-          </a:xfrm>
-          <a:prstGeom prst="flowChartAlternateProcess">
-            <a:avLst/>
-          </a:prstGeom>
-          <a:noFill/>
-        </p:spPr>
-        <p:style>
-          <a:lnRef idx="2">
-            <a:schemeClr val="accent1">
-              <a:shade val="50000"/>
-            </a:schemeClr>
-          </a:lnRef>
-          <a:fillRef idx="1">
-            <a:schemeClr val="accent1"/>
-          </a:fillRef>
-          <a:effectRef idx="0">
-            <a:schemeClr val="accent1"/>
-          </a:effectRef>
-          <a:fontRef idx="minor">
-            <a:schemeClr val="lt1"/>
-          </a:fontRef>
-        </p:style>
-        <p:txBody>
-          <a:bodyPr rtlCol="0" anchor="ctr"/>
-          <a:lstStyle/>
-          <a:p>
-            <a:pPr algn="ctr"/>
-            <a:endParaRPr lang="en-US"/>
-          </a:p>
-        </p:txBody>
-      </p:sp>
-      <p:sp>
-        <p:nvSpPr>
-          <p:cNvPr id="77" name="Alternate Process 76">
-            <a:extLst>
-              <a:ext uri="{FF2B5EF4-FFF2-40B4-BE49-F238E27FC236}">
-                <a16:creationId xmlns:a16="http://schemas.microsoft.com/office/drawing/2014/main" id="{37719B44-2501-F538-7E91-A38A45A73209}"/>
-              </a:ext>
-            </a:extLst>
-          </p:cNvPr>
-          <p:cNvSpPr/>
-          <p:nvPr/>
-        </p:nvSpPr>
-        <p:spPr>
-          <a:xfrm rot="16200000">
-            <a:off x="4697198" y="4536030"/>
-            <a:ext cx="369331" cy="1391920"/>
-          </a:xfrm>
-          <a:prstGeom prst="flowChartAlternateProcess">
-            <a:avLst/>
-          </a:prstGeom>
-          <a:noFill/>
-        </p:spPr>
-        <p:style>
-          <a:lnRef idx="2">
-            <a:schemeClr val="accent1">
-              <a:shade val="50000"/>
-            </a:schemeClr>
-          </a:lnRef>
-          <a:fillRef idx="1">
-            <a:schemeClr val="accent1"/>
-          </a:fillRef>
-          <a:effectRef idx="0">
-            <a:schemeClr val="accent1"/>
-          </a:effectRef>
-          <a:fontRef idx="minor">
-            <a:schemeClr val="lt1"/>
-          </a:fontRef>
-        </p:style>
-        <p:txBody>
-          <a:bodyPr rtlCol="0" anchor="ctr"/>
-          <a:lstStyle/>
-          <a:p>
-            <a:pPr algn="ctr"/>
-            <a:endParaRPr lang="en-US"/>
-          </a:p>
-        </p:txBody>
-      </p:sp>
-      <p:sp>
-        <p:nvSpPr>
-          <p:cNvPr id="78" name="Alternate Process 77">
-            <a:extLst>
-              <a:ext uri="{FF2B5EF4-FFF2-40B4-BE49-F238E27FC236}">
-                <a16:creationId xmlns:a16="http://schemas.microsoft.com/office/drawing/2014/main" id="{C484A7DD-3A34-85A5-1FEF-54E333E0E4B4}"/>
-              </a:ext>
-            </a:extLst>
-          </p:cNvPr>
-          <p:cNvSpPr/>
-          <p:nvPr/>
-        </p:nvSpPr>
-        <p:spPr>
-          <a:xfrm rot="16200000">
-            <a:off x="6469151" y="4090819"/>
-            <a:ext cx="369331" cy="1391920"/>
-          </a:xfrm>
-          <a:prstGeom prst="flowChartAlternateProcess">
-            <a:avLst/>
-          </a:prstGeom>
-          <a:noFill/>
-        </p:spPr>
-        <p:style>
-          <a:lnRef idx="2">
-            <a:schemeClr val="accent1">
-              <a:shade val="50000"/>
-            </a:schemeClr>
-          </a:lnRef>
-          <a:fillRef idx="1">
-            <a:schemeClr val="accent1"/>
-          </a:fillRef>
-          <a:effectRef idx="0">
-            <a:schemeClr val="accent1"/>
-          </a:effectRef>
-          <a:fontRef idx="minor">
-            <a:schemeClr val="lt1"/>
-          </a:fontRef>
-        </p:style>
-        <p:txBody>
-          <a:bodyPr rtlCol="0" anchor="ctr"/>
-          <a:lstStyle/>
-          <a:p>
-            <a:pPr algn="ctr"/>
-            <a:endParaRPr lang="en-US"/>
-          </a:p>
-        </p:txBody>
-      </p:sp>
-      <p:sp>
-        <p:nvSpPr>
-          <p:cNvPr id="79" name="Alternate Process 78">
-            <a:extLst>
-              <a:ext uri="{FF2B5EF4-FFF2-40B4-BE49-F238E27FC236}">
-                <a16:creationId xmlns:a16="http://schemas.microsoft.com/office/drawing/2014/main" id="{97DCD7F7-DA02-5522-F245-8164FA8C6739}"/>
-              </a:ext>
-            </a:extLst>
-          </p:cNvPr>
-          <p:cNvSpPr/>
-          <p:nvPr/>
-        </p:nvSpPr>
-        <p:spPr>
-          <a:xfrm rot="16200000">
-            <a:off x="8264823" y="4770905"/>
-            <a:ext cx="369331" cy="1391920"/>
-          </a:xfrm>
-          <a:prstGeom prst="flowChartAlternateProcess">
-            <a:avLst/>
-          </a:prstGeom>
-          <a:noFill/>
-        </p:spPr>
-        <p:style>
-          <a:lnRef idx="2">
-            <a:schemeClr val="accent1">
-              <a:shade val="50000"/>
-            </a:schemeClr>
-          </a:lnRef>
-          <a:fillRef idx="1">
-            <a:schemeClr val="accent1"/>
-          </a:fillRef>
-          <a:effectRef idx="0">
-            <a:schemeClr val="accent1"/>
-          </a:effectRef>
-          <a:fontRef idx="minor">
-            <a:schemeClr val="lt1"/>
-          </a:fontRef>
-        </p:style>
-        <p:txBody>
-          <a:bodyPr rtlCol="0" anchor="ctr"/>
-          <a:lstStyle/>
-          <a:p>
-            <a:pPr algn="ctr"/>
-            <a:endParaRPr lang="en-US"/>
-          </a:p>
-        </p:txBody>
-      </p:sp>
-      <p:cxnSp>
-        <p:nvCxnSpPr>
-          <p:cNvPr id="83" name="Straight Connector 82">
-            <a:extLst>
-              <a:ext uri="{FF2B5EF4-FFF2-40B4-BE49-F238E27FC236}">
-                <a16:creationId xmlns:a16="http://schemas.microsoft.com/office/drawing/2014/main" id="{C176E3A3-85FD-16F3-5187-CFDCFBE8BB08}"/>
-              </a:ext>
-            </a:extLst>
-          </p:cNvPr>
-          <p:cNvCxnSpPr>
-            <a:cxnSpLocks/>
-            <a:stCxn id="33" idx="1"/>
-          </p:cNvCxnSpPr>
-          <p:nvPr/>
-        </p:nvCxnSpPr>
-        <p:spPr>
-          <a:xfrm flipH="1">
-            <a:off x="2002974" y="3247450"/>
-            <a:ext cx="1609637" cy="0"/>
-          </a:xfrm>
-          <a:prstGeom prst="line">
-            <a:avLst/>
-          </a:prstGeom>
-          <a:ln w="41275">
-            <a:solidFill>
-              <a:schemeClr val="tx1"/>
-            </a:solidFill>
-          </a:ln>
-        </p:spPr>
-        <p:style>
-          <a:lnRef idx="1">
-            <a:schemeClr val="accent1"/>
-          </a:lnRef>
-          <a:fillRef idx="0">
-            <a:schemeClr val="accent1"/>
-          </a:fillRef>
-          <a:effectRef idx="0">
-            <a:schemeClr val="accent1"/>
-          </a:effectRef>
-          <a:fontRef idx="minor">
-            <a:schemeClr val="tx1"/>
-          </a:fontRef>
-        </p:style>
-      </p:cxnSp>
-      <p:cxnSp>
-        <p:nvCxnSpPr>
-          <p:cNvPr id="84" name="Straight Connector 83">
-            <a:extLst>
-              <a:ext uri="{FF2B5EF4-FFF2-40B4-BE49-F238E27FC236}">
-                <a16:creationId xmlns:a16="http://schemas.microsoft.com/office/drawing/2014/main" id="{CE81FC76-8DED-44B2-FFE7-A2FBD00CDA85}"/>
-              </a:ext>
-            </a:extLst>
-          </p:cNvPr>
-          <p:cNvCxnSpPr>
-            <a:cxnSpLocks/>
-          </p:cNvCxnSpPr>
-          <p:nvPr/>
-        </p:nvCxnSpPr>
-        <p:spPr>
-          <a:xfrm>
-            <a:off x="2002974" y="3247450"/>
-            <a:ext cx="0" cy="1463887"/>
-          </a:xfrm>
-          <a:prstGeom prst="line">
-            <a:avLst/>
-          </a:prstGeom>
-          <a:ln w="41275">
-            <a:solidFill>
-              <a:schemeClr val="tx1"/>
-            </a:solidFill>
-          </a:ln>
-        </p:spPr>
-        <p:style>
-          <a:lnRef idx="1">
-            <a:schemeClr val="accent1"/>
-          </a:lnRef>
-          <a:fillRef idx="0">
-            <a:schemeClr val="accent1"/>
-          </a:fillRef>
-          <a:effectRef idx="0">
-            <a:schemeClr val="accent1"/>
-          </a:effectRef>
-          <a:fontRef idx="minor">
-            <a:schemeClr val="tx1"/>
-          </a:fontRef>
-        </p:style>
-      </p:cxnSp>
-      <p:cxnSp>
-        <p:nvCxnSpPr>
-          <p:cNvPr id="87" name="Straight Connector 86">
-            <a:extLst>
-              <a:ext uri="{FF2B5EF4-FFF2-40B4-BE49-F238E27FC236}">
-                <a16:creationId xmlns:a16="http://schemas.microsoft.com/office/drawing/2014/main" id="{C949F59F-BB57-852B-F7BC-B92E9C2D51C6}"/>
-              </a:ext>
-            </a:extLst>
-          </p:cNvPr>
-          <p:cNvCxnSpPr>
-            <a:cxnSpLocks/>
-          </p:cNvCxnSpPr>
-          <p:nvPr/>
-        </p:nvCxnSpPr>
-        <p:spPr>
-          <a:xfrm>
-            <a:off x="2002974" y="4706489"/>
-            <a:ext cx="401993" cy="112618"/>
-          </a:xfrm>
-          <a:prstGeom prst="line">
-            <a:avLst/>
-          </a:prstGeom>
-          <a:ln w="41275">
-            <a:solidFill>
-              <a:schemeClr val="tx1"/>
-            </a:solidFill>
-            <a:tailEnd type="none"/>
-          </a:ln>
-        </p:spPr>
-        <p:style>
-          <a:lnRef idx="1">
-            <a:schemeClr val="accent1"/>
-          </a:lnRef>
-          <a:fillRef idx="0">
-            <a:schemeClr val="accent1"/>
-          </a:fillRef>
-          <a:effectRef idx="0">
-            <a:schemeClr val="accent1"/>
-          </a:effectRef>
-          <a:fontRef idx="minor">
-            <a:schemeClr val="tx1"/>
-          </a:fontRef>
-        </p:style>
-      </p:cxnSp>
-      <p:sp>
-        <p:nvSpPr>
-          <p:cNvPr id="92" name="TextBox 91">
-            <a:extLst>
-              <a:ext uri="{FF2B5EF4-FFF2-40B4-BE49-F238E27FC236}">
-                <a16:creationId xmlns:a16="http://schemas.microsoft.com/office/drawing/2014/main" id="{4AF12098-4685-0F0C-3B1D-B5F381502EBA}"/>
-              </a:ext>
-            </a:extLst>
-          </p:cNvPr>
-          <p:cNvSpPr txBox="1"/>
-          <p:nvPr/>
-        </p:nvSpPr>
-        <p:spPr>
-          <a:xfrm>
-            <a:off x="2813101" y="4557298"/>
-            <a:ext cx="597794" cy="369332"/>
-          </a:xfrm>
-          <a:prstGeom prst="rect">
-            <a:avLst/>
-          </a:prstGeom>
-          <a:noFill/>
-        </p:spPr>
-        <p:txBody>
-          <a:bodyPr wrap="square" rtlCol="0">
-            <a:spAutoFit/>
-          </a:bodyPr>
-          <a:lstStyle/>
-          <a:p>
-            <a:r>
-              <a:rPr lang="en-US" dirty="0"/>
-              <a:t>l4e</a:t>
-            </a:r>
-            <a:r>
-              <a:rPr lang="en-US" baseline="-25000" dirty="0"/>
-              <a:t>0</a:t>
-            </a:r>
-            <a:endParaRPr lang="en-US" dirty="0"/>
-          </a:p>
-        </p:txBody>
-      </p:sp>
-      <p:sp>
-        <p:nvSpPr>
-          <p:cNvPr id="93" name="TextBox 92">
-            <a:extLst>
-              <a:ext uri="{FF2B5EF4-FFF2-40B4-BE49-F238E27FC236}">
-                <a16:creationId xmlns:a16="http://schemas.microsoft.com/office/drawing/2014/main" id="{D3C3AA6B-42BB-1EF4-B23B-B80F1B76F068}"/>
-              </a:ext>
-            </a:extLst>
-          </p:cNvPr>
-          <p:cNvSpPr txBox="1"/>
-          <p:nvPr/>
-        </p:nvSpPr>
-        <p:spPr>
-          <a:xfrm>
-            <a:off x="4594551" y="5022787"/>
-            <a:ext cx="597794" cy="369332"/>
-          </a:xfrm>
-          <a:prstGeom prst="rect">
-            <a:avLst/>
-          </a:prstGeom>
-          <a:noFill/>
-        </p:spPr>
-        <p:txBody>
-          <a:bodyPr wrap="square" rtlCol="0">
-            <a:spAutoFit/>
-          </a:bodyPr>
-          <a:lstStyle/>
-          <a:p>
-            <a:r>
-              <a:rPr lang="en-US" dirty="0"/>
-              <a:t>l3e</a:t>
-            </a:r>
-            <a:r>
-              <a:rPr lang="en-US" baseline="-25000" dirty="0"/>
-              <a:t>0</a:t>
-            </a:r>
-            <a:endParaRPr lang="en-US" dirty="0"/>
-          </a:p>
-        </p:txBody>
-      </p:sp>
-      <p:sp>
-        <p:nvSpPr>
-          <p:cNvPr id="94" name="TextBox 93">
-            <a:extLst>
-              <a:ext uri="{FF2B5EF4-FFF2-40B4-BE49-F238E27FC236}">
-                <a16:creationId xmlns:a16="http://schemas.microsoft.com/office/drawing/2014/main" id="{7A112534-CB9A-FA90-B4DA-3C767B38711B}"/>
-              </a:ext>
-            </a:extLst>
-          </p:cNvPr>
-          <p:cNvSpPr txBox="1"/>
-          <p:nvPr/>
-        </p:nvSpPr>
-        <p:spPr>
-          <a:xfrm>
-            <a:off x="6352898" y="4572934"/>
-            <a:ext cx="597794" cy="369332"/>
-          </a:xfrm>
-          <a:prstGeom prst="rect">
-            <a:avLst/>
-          </a:prstGeom>
-          <a:noFill/>
-        </p:spPr>
-        <p:txBody>
-          <a:bodyPr wrap="square" rtlCol="0">
-            <a:spAutoFit/>
-          </a:bodyPr>
-          <a:lstStyle/>
-          <a:p>
-            <a:r>
-              <a:rPr lang="en-US" dirty="0"/>
-              <a:t>l2e</a:t>
-            </a:r>
-            <a:r>
-              <a:rPr lang="en-US" baseline="-25000" dirty="0"/>
-              <a:t>0</a:t>
-            </a:r>
-            <a:endParaRPr lang="en-US" dirty="0"/>
-          </a:p>
-        </p:txBody>
-      </p:sp>
-      <p:sp>
-        <p:nvSpPr>
-          <p:cNvPr id="95" name="TextBox 94">
-            <a:extLst>
-              <a:ext uri="{FF2B5EF4-FFF2-40B4-BE49-F238E27FC236}">
-                <a16:creationId xmlns:a16="http://schemas.microsoft.com/office/drawing/2014/main" id="{2742FD47-6FCB-53FF-059F-25ADEC9EAA0A}"/>
-              </a:ext>
-            </a:extLst>
-          </p:cNvPr>
-          <p:cNvSpPr txBox="1"/>
-          <p:nvPr/>
-        </p:nvSpPr>
-        <p:spPr>
-          <a:xfrm>
-            <a:off x="8139045" y="5286037"/>
-            <a:ext cx="597794" cy="369332"/>
-          </a:xfrm>
-          <a:prstGeom prst="rect">
-            <a:avLst/>
-          </a:prstGeom>
-          <a:noFill/>
-        </p:spPr>
-        <p:txBody>
-          <a:bodyPr wrap="square" rtlCol="0">
-            <a:spAutoFit/>
-          </a:bodyPr>
-          <a:lstStyle/>
-          <a:p>
-            <a:r>
-              <a:rPr lang="en-US" dirty="0"/>
-              <a:t>l1e</a:t>
-            </a:r>
-            <a:r>
-              <a:rPr lang="en-US" baseline="-25000" dirty="0"/>
-              <a:t>0</a:t>
-            </a:r>
-            <a:endParaRPr lang="en-US" dirty="0"/>
-          </a:p>
-        </p:txBody>
-      </p:sp>
-      <p:sp>
-        <p:nvSpPr>
-          <p:cNvPr id="97" name="Alternate Process 96">
-            <a:extLst>
-              <a:ext uri="{FF2B5EF4-FFF2-40B4-BE49-F238E27FC236}">
-                <a16:creationId xmlns:a16="http://schemas.microsoft.com/office/drawing/2014/main" id="{D782951D-778B-1404-FC36-6D3D584DE4BB}"/>
-              </a:ext>
-            </a:extLst>
-          </p:cNvPr>
-          <p:cNvSpPr/>
-          <p:nvPr/>
-        </p:nvSpPr>
-        <p:spPr>
-          <a:xfrm rot="16200000">
-            <a:off x="10072408" y="3475071"/>
-            <a:ext cx="476970" cy="1314584"/>
-          </a:xfrm>
-          <a:prstGeom prst="flowChartAlternateProcess">
-            <a:avLst/>
-          </a:prstGeom>
-          <a:noFill/>
-        </p:spPr>
-        <p:style>
-          <a:lnRef idx="2">
-            <a:schemeClr val="accent1">
-              <a:shade val="50000"/>
-            </a:schemeClr>
-          </a:lnRef>
-          <a:fillRef idx="1">
-            <a:schemeClr val="accent1"/>
-          </a:fillRef>
-          <a:effectRef idx="0">
-            <a:schemeClr val="accent1"/>
-          </a:effectRef>
-          <a:fontRef idx="minor">
-            <a:schemeClr val="lt1"/>
-          </a:fontRef>
-        </p:style>
-        <p:txBody>
-          <a:bodyPr rtlCol="0" anchor="ctr"/>
-          <a:lstStyle/>
-          <a:p>
-            <a:pPr algn="ctr"/>
-            <a:endParaRPr lang="en-US"/>
-          </a:p>
-        </p:txBody>
-      </p:sp>
-      <p:sp>
-        <p:nvSpPr>
-          <p:cNvPr id="98" name="TextBox 97">
-            <a:extLst>
-              <a:ext uri="{FF2B5EF4-FFF2-40B4-BE49-F238E27FC236}">
-                <a16:creationId xmlns:a16="http://schemas.microsoft.com/office/drawing/2014/main" id="{8A26717D-1D5A-FC6C-0A33-7FDA657B2BDB}"/>
-              </a:ext>
-            </a:extLst>
-          </p:cNvPr>
-          <p:cNvSpPr txBox="1"/>
-          <p:nvPr/>
-        </p:nvSpPr>
-        <p:spPr>
-          <a:xfrm>
-            <a:off x="9795556" y="3956386"/>
-            <a:ext cx="1212140" cy="369332"/>
-          </a:xfrm>
-          <a:prstGeom prst="rect">
-            <a:avLst/>
-          </a:prstGeom>
-          <a:noFill/>
-        </p:spPr>
-        <p:txBody>
-          <a:bodyPr wrap="square" rtlCol="0">
-            <a:spAutoFit/>
-          </a:bodyPr>
-          <a:lstStyle/>
-          <a:p>
-            <a:r>
-              <a:rPr lang="en-US" dirty="0"/>
-              <a:t>Page </a:t>
-            </a:r>
-            <a:r>
-              <a:rPr lang="en-US" dirty="0" err="1"/>
-              <a:t>Addr</a:t>
-            </a:r>
-            <a:endParaRPr lang="en-US" dirty="0"/>
-          </a:p>
-        </p:txBody>
-      </p:sp>
-      <p:sp>
-        <p:nvSpPr>
-          <p:cNvPr id="99" name="Alternate Process 98">
-            <a:extLst>
-              <a:ext uri="{FF2B5EF4-FFF2-40B4-BE49-F238E27FC236}">
-                <a16:creationId xmlns:a16="http://schemas.microsoft.com/office/drawing/2014/main" id="{566DD27C-4278-9003-F033-A56033A44295}"/>
-              </a:ext>
-            </a:extLst>
-          </p:cNvPr>
-          <p:cNvSpPr/>
-          <p:nvPr/>
-        </p:nvSpPr>
-        <p:spPr>
-          <a:xfrm rot="16200000">
-            <a:off x="9561584" y="4442127"/>
-            <a:ext cx="1529205" cy="1391920"/>
-          </a:xfrm>
-          <a:prstGeom prst="flowChartAlternateProcess">
-            <a:avLst/>
-          </a:prstGeom>
-          <a:noFill/>
-        </p:spPr>
-        <p:style>
-          <a:lnRef idx="2">
-            <a:schemeClr val="accent1">
-              <a:shade val="50000"/>
-            </a:schemeClr>
-          </a:lnRef>
-          <a:fillRef idx="1">
-            <a:schemeClr val="accent1"/>
-          </a:fillRef>
-          <a:effectRef idx="0">
-            <a:schemeClr val="accent1"/>
-          </a:effectRef>
-          <a:fontRef idx="minor">
-            <a:schemeClr val="lt1"/>
-          </a:fontRef>
-        </p:style>
-        <p:txBody>
-          <a:bodyPr rtlCol="0" anchor="ctr"/>
-          <a:lstStyle/>
-          <a:p>
-            <a:pPr algn="ctr"/>
-            <a:endParaRPr lang="en-US"/>
-          </a:p>
-        </p:txBody>
-      </p:sp>
-      <p:sp>
-        <p:nvSpPr>
-          <p:cNvPr id="101" name="Alternate Process 100">
-            <a:extLst>
-              <a:ext uri="{FF2B5EF4-FFF2-40B4-BE49-F238E27FC236}">
-                <a16:creationId xmlns:a16="http://schemas.microsoft.com/office/drawing/2014/main" id="{C7F852B3-ADAF-EC71-71A6-9808F26D8CC5}"/>
-              </a:ext>
-            </a:extLst>
-          </p:cNvPr>
-          <p:cNvSpPr/>
-          <p:nvPr/>
-        </p:nvSpPr>
-        <p:spPr>
-          <a:xfrm rot="16200000">
-            <a:off x="10147477" y="4790401"/>
-            <a:ext cx="369331" cy="1391920"/>
-          </a:xfrm>
-          <a:prstGeom prst="flowChartAlternateProcess">
-            <a:avLst/>
-          </a:prstGeom>
-          <a:noFill/>
-        </p:spPr>
-        <p:style>
-          <a:lnRef idx="2">
-            <a:schemeClr val="accent1">
-              <a:shade val="50000"/>
-            </a:schemeClr>
-          </a:lnRef>
-          <a:fillRef idx="1">
-            <a:schemeClr val="accent1"/>
-          </a:fillRef>
-          <a:effectRef idx="0">
-            <a:schemeClr val="accent1"/>
-          </a:effectRef>
-          <a:fontRef idx="minor">
-            <a:schemeClr val="lt1"/>
-          </a:fontRef>
-        </p:style>
-        <p:txBody>
-          <a:bodyPr rtlCol="0" anchor="ctr"/>
-          <a:lstStyle/>
-          <a:p>
-            <a:pPr algn="ctr"/>
-            <a:endParaRPr lang="en-US"/>
-          </a:p>
-        </p:txBody>
-      </p:sp>
-      <p:sp>
-        <p:nvSpPr>
-          <p:cNvPr id="102" name="TextBox 101">
-            <a:extLst>
-              <a:ext uri="{FF2B5EF4-FFF2-40B4-BE49-F238E27FC236}">
-                <a16:creationId xmlns:a16="http://schemas.microsoft.com/office/drawing/2014/main" id="{0C6C9711-B1BD-62DC-DAB7-170967382E29}"/>
-              </a:ext>
-            </a:extLst>
-          </p:cNvPr>
-          <p:cNvSpPr txBox="1"/>
-          <p:nvPr/>
-        </p:nvSpPr>
-        <p:spPr>
-          <a:xfrm>
-            <a:off x="9925903" y="5305533"/>
-            <a:ext cx="985997" cy="369332"/>
-          </a:xfrm>
-          <a:prstGeom prst="rect">
-            <a:avLst/>
-          </a:prstGeom>
-          <a:noFill/>
-        </p:spPr>
-        <p:txBody>
-          <a:bodyPr wrap="square" rtlCol="0">
-            <a:spAutoFit/>
-          </a:bodyPr>
-          <a:lstStyle/>
-          <a:p>
-            <a:r>
-              <a:rPr lang="en-US" dirty="0"/>
-              <a:t>paddr</a:t>
-            </a:r>
-            <a:r>
-              <a:rPr lang="en-US" baseline="-25000" dirty="0"/>
-              <a:t>0</a:t>
-            </a:r>
-            <a:endParaRPr lang="en-US" dirty="0"/>
-          </a:p>
-        </p:txBody>
-      </p:sp>
-      <p:cxnSp>
-        <p:nvCxnSpPr>
-          <p:cNvPr id="105" name="Straight Connector 104">
-            <a:extLst>
-              <a:ext uri="{FF2B5EF4-FFF2-40B4-BE49-F238E27FC236}">
-                <a16:creationId xmlns:a16="http://schemas.microsoft.com/office/drawing/2014/main" id="{EEA3461E-8010-EBBB-DC8B-C09C08FF1615}"/>
-              </a:ext>
-            </a:extLst>
-          </p:cNvPr>
-          <p:cNvCxnSpPr>
-            <a:cxnSpLocks/>
-            <a:stCxn id="76" idx="2"/>
-            <a:endCxn id="77" idx="0"/>
-          </p:cNvCxnSpPr>
-          <p:nvPr/>
-        </p:nvCxnSpPr>
-        <p:spPr>
-          <a:xfrm>
-            <a:off x="3805596" y="4775562"/>
-            <a:ext cx="380308" cy="456428"/>
-          </a:xfrm>
-          <a:prstGeom prst="line">
-            <a:avLst/>
-          </a:prstGeom>
-          <a:ln w="41275">
-            <a:solidFill>
-              <a:schemeClr val="tx1"/>
-            </a:solidFill>
-            <a:tailEnd type="none"/>
-          </a:ln>
-        </p:spPr>
-        <p:style>
-          <a:lnRef idx="1">
-            <a:schemeClr val="accent1"/>
-          </a:lnRef>
-          <a:fillRef idx="0">
-            <a:schemeClr val="accent1"/>
-          </a:fillRef>
-          <a:effectRef idx="0">
-            <a:schemeClr val="accent1"/>
-          </a:effectRef>
-          <a:fontRef idx="minor">
-            <a:schemeClr val="tx1"/>
-          </a:fontRef>
-        </p:style>
-      </p:cxnSp>
-      <p:cxnSp>
-        <p:nvCxnSpPr>
-          <p:cNvPr id="107" name="Straight Connector 106">
-            <a:extLst>
-              <a:ext uri="{FF2B5EF4-FFF2-40B4-BE49-F238E27FC236}">
-                <a16:creationId xmlns:a16="http://schemas.microsoft.com/office/drawing/2014/main" id="{A801DE95-B69E-B874-AB7E-1AB304BDF3BC}"/>
-              </a:ext>
-            </a:extLst>
-          </p:cNvPr>
-          <p:cNvCxnSpPr>
-            <a:cxnSpLocks/>
-            <a:stCxn id="77" idx="2"/>
-            <a:endCxn id="78" idx="0"/>
-          </p:cNvCxnSpPr>
-          <p:nvPr/>
-        </p:nvCxnSpPr>
-        <p:spPr>
-          <a:xfrm flipV="1">
-            <a:off x="5577824" y="4786779"/>
-            <a:ext cx="380033" cy="445211"/>
-          </a:xfrm>
-          <a:prstGeom prst="line">
-            <a:avLst/>
-          </a:prstGeom>
-          <a:ln w="41275">
-            <a:solidFill>
-              <a:schemeClr val="tx1"/>
-            </a:solidFill>
-            <a:tailEnd type="none"/>
-          </a:ln>
-        </p:spPr>
-        <p:style>
-          <a:lnRef idx="1">
-            <a:schemeClr val="accent1"/>
-          </a:lnRef>
-          <a:fillRef idx="0">
-            <a:schemeClr val="accent1"/>
-          </a:fillRef>
-          <a:effectRef idx="0">
-            <a:schemeClr val="accent1"/>
-          </a:effectRef>
-          <a:fontRef idx="minor">
-            <a:schemeClr val="tx1"/>
-          </a:fontRef>
-        </p:style>
-      </p:cxnSp>
-      <p:cxnSp>
-        <p:nvCxnSpPr>
-          <p:cNvPr id="110" name="Straight Connector 109">
-            <a:extLst>
-              <a:ext uri="{FF2B5EF4-FFF2-40B4-BE49-F238E27FC236}">
-                <a16:creationId xmlns:a16="http://schemas.microsoft.com/office/drawing/2014/main" id="{76A52CFD-6BBF-4609-CCCA-2F4903148B37}"/>
-              </a:ext>
-            </a:extLst>
-          </p:cNvPr>
-          <p:cNvCxnSpPr>
-            <a:cxnSpLocks/>
-            <a:stCxn id="78" idx="2"/>
-            <a:endCxn id="79" idx="0"/>
-          </p:cNvCxnSpPr>
-          <p:nvPr/>
-        </p:nvCxnSpPr>
-        <p:spPr>
-          <a:xfrm>
-            <a:off x="7349777" y="4786779"/>
-            <a:ext cx="403752" cy="680086"/>
-          </a:xfrm>
-          <a:prstGeom prst="line">
-            <a:avLst/>
-          </a:prstGeom>
-          <a:ln w="41275">
-            <a:solidFill>
-              <a:schemeClr val="tx1"/>
-            </a:solidFill>
-            <a:tailEnd type="none"/>
-          </a:ln>
-        </p:spPr>
-        <p:style>
-          <a:lnRef idx="1">
-            <a:schemeClr val="accent1"/>
-          </a:lnRef>
-          <a:fillRef idx="0">
-            <a:schemeClr val="accent1"/>
-          </a:fillRef>
-          <a:effectRef idx="0">
-            <a:schemeClr val="accent1"/>
-          </a:effectRef>
-          <a:fontRef idx="minor">
-            <a:schemeClr val="tx1"/>
-          </a:fontRef>
-        </p:style>
-      </p:cxnSp>
-      <p:cxnSp>
-        <p:nvCxnSpPr>
-          <p:cNvPr id="113" name="Straight Connector 112">
-            <a:extLst>
-              <a:ext uri="{FF2B5EF4-FFF2-40B4-BE49-F238E27FC236}">
-                <a16:creationId xmlns:a16="http://schemas.microsoft.com/office/drawing/2014/main" id="{94B51A9A-83F1-A210-5F3A-1316B4BD5589}"/>
-              </a:ext>
-            </a:extLst>
-          </p:cNvPr>
-          <p:cNvCxnSpPr>
-            <a:cxnSpLocks/>
-            <a:stCxn id="79" idx="2"/>
-            <a:endCxn id="101" idx="0"/>
-          </p:cNvCxnSpPr>
-          <p:nvPr/>
-        </p:nvCxnSpPr>
-        <p:spPr>
-          <a:xfrm>
-            <a:off x="9145449" y="5466865"/>
-            <a:ext cx="490734" cy="19496"/>
-          </a:xfrm>
-          <a:prstGeom prst="line">
-            <a:avLst/>
-          </a:prstGeom>
-          <a:ln w="41275">
-            <a:solidFill>
-              <a:schemeClr val="tx1"/>
-            </a:solidFill>
-            <a:tailEnd type="none"/>
-          </a:ln>
-        </p:spPr>
-        <p:style>
-          <a:lnRef idx="1">
-            <a:schemeClr val="accent1"/>
-          </a:lnRef>
-          <a:fillRef idx="0">
-            <a:schemeClr val="accent1"/>
-          </a:fillRef>
-          <a:effectRef idx="0">
-            <a:schemeClr val="accent1"/>
-          </a:effectRef>
-          <a:fontRef idx="minor">
-            <a:schemeClr val="tx1"/>
-          </a:fontRef>
-        </p:style>
-      </p:cxnSp>
-      <p:cxnSp>
-        <p:nvCxnSpPr>
-          <p:cNvPr id="117" name="Straight Connector 116">
-            <a:extLst>
-              <a:ext uri="{FF2B5EF4-FFF2-40B4-BE49-F238E27FC236}">
-                <a16:creationId xmlns:a16="http://schemas.microsoft.com/office/drawing/2014/main" id="{C7BE8080-940D-FF40-FC3D-A8C8CE577CD3}"/>
-              </a:ext>
-            </a:extLst>
-          </p:cNvPr>
-          <p:cNvCxnSpPr>
-            <a:cxnSpLocks/>
-            <a:endCxn id="48" idx="0"/>
-          </p:cNvCxnSpPr>
-          <p:nvPr/>
-        </p:nvCxnSpPr>
-        <p:spPr>
-          <a:xfrm>
-            <a:off x="11013330" y="5471900"/>
-            <a:ext cx="360863" cy="786218"/>
-          </a:xfrm>
-          <a:prstGeom prst="line">
-            <a:avLst/>
-          </a:prstGeom>
-          <a:ln w="41275">
-            <a:solidFill>
-              <a:schemeClr val="tx1"/>
-            </a:solidFill>
-            <a:tailEnd type="triangle"/>
-          </a:ln>
-        </p:spPr>
-        <p:style>
-          <a:lnRef idx="1">
-            <a:schemeClr val="accent1"/>
-          </a:lnRef>
-          <a:fillRef idx="0">
-            <a:schemeClr val="accent1"/>
-          </a:fillRef>
-          <a:effectRef idx="0">
-            <a:schemeClr val="accent1"/>
-          </a:effectRef>
-          <a:fontRef idx="minor">
-            <a:schemeClr val="tx1"/>
-          </a:fontRef>
-        </p:style>
-      </p:cxnSp>
-      <p:sp>
-        <p:nvSpPr>
-          <p:cNvPr id="120" name="TextBox 119">
-            <a:extLst>
-              <a:ext uri="{FF2B5EF4-FFF2-40B4-BE49-F238E27FC236}">
-                <a16:creationId xmlns:a16="http://schemas.microsoft.com/office/drawing/2014/main" id="{655D234D-04C6-76A5-D01B-03872A399927}"/>
-              </a:ext>
-            </a:extLst>
-          </p:cNvPr>
-          <p:cNvSpPr txBox="1"/>
-          <p:nvPr/>
-        </p:nvSpPr>
-        <p:spPr>
-          <a:xfrm rot="16200000">
-            <a:off x="1506154" y="3734715"/>
-            <a:ext cx="610462" cy="276999"/>
-          </a:xfrm>
-          <a:prstGeom prst="rect">
-            <a:avLst/>
-          </a:prstGeom>
-          <a:noFill/>
-        </p:spPr>
-        <p:txBody>
-          <a:bodyPr wrap="square" rtlCol="0">
-            <a:spAutoFit/>
-          </a:bodyPr>
-          <a:lstStyle/>
-          <a:p>
-            <a:r>
-              <a:rPr lang="en-US" sz="1200" dirty="0"/>
-              <a:t>52/12 </a:t>
-            </a:r>
-          </a:p>
-        </p:txBody>
-      </p:sp>
-      <p:sp>
-        <p:nvSpPr>
-          <p:cNvPr id="121" name="TextBox 120">
-            <a:extLst>
-              <a:ext uri="{FF2B5EF4-FFF2-40B4-BE49-F238E27FC236}">
-                <a16:creationId xmlns:a16="http://schemas.microsoft.com/office/drawing/2014/main" id="{F307C998-0604-FDE4-16F2-0C6C271DEF54}"/>
-              </a:ext>
-            </a:extLst>
-          </p:cNvPr>
-          <p:cNvSpPr txBox="1"/>
-          <p:nvPr/>
-        </p:nvSpPr>
-        <p:spPr>
-          <a:xfrm rot="16200000">
-            <a:off x="1490868" y="4059598"/>
-            <a:ext cx="597794" cy="276999"/>
-          </a:xfrm>
-          <a:prstGeom prst="rect">
-            <a:avLst/>
-          </a:prstGeom>
-          <a:noFill/>
-        </p:spPr>
-        <p:txBody>
-          <a:bodyPr wrap="square" rtlCol="0">
-            <a:spAutoFit/>
-          </a:bodyPr>
-          <a:lstStyle/>
-          <a:p>
-            <a:r>
-              <a:rPr lang="en-US" sz="1200" dirty="0"/>
-              <a:t>va</a:t>
-            </a:r>
-            <a:r>
-              <a:rPr lang="en-US" sz="1200" baseline="-25000" dirty="0"/>
-              <a:t>0</a:t>
-            </a:r>
-            <a:endParaRPr lang="en-US" sz="1200" dirty="0"/>
-          </a:p>
-        </p:txBody>
-      </p:sp>
-      <p:cxnSp>
-        <p:nvCxnSpPr>
-          <p:cNvPr id="124" name="Straight Connector 123">
-            <a:extLst>
-              <a:ext uri="{FF2B5EF4-FFF2-40B4-BE49-F238E27FC236}">
-                <a16:creationId xmlns:a16="http://schemas.microsoft.com/office/drawing/2014/main" id="{911280D4-FEB5-4E71-59B4-61DE149F7F2C}"/>
-              </a:ext>
-            </a:extLst>
-          </p:cNvPr>
-          <p:cNvCxnSpPr>
-            <a:cxnSpLocks/>
-          </p:cNvCxnSpPr>
-          <p:nvPr/>
-        </p:nvCxnSpPr>
-        <p:spPr>
-          <a:xfrm flipH="1">
-            <a:off x="6096000" y="3296173"/>
-            <a:ext cx="1018180" cy="17187"/>
-          </a:xfrm>
-          <a:prstGeom prst="line">
-            <a:avLst/>
-          </a:prstGeom>
-          <a:ln w="41275">
-            <a:solidFill>
-              <a:srgbClr val="FF0000"/>
-            </a:solidFill>
-          </a:ln>
-        </p:spPr>
-        <p:style>
-          <a:lnRef idx="1">
-            <a:schemeClr val="accent1"/>
-          </a:lnRef>
-          <a:fillRef idx="0">
-            <a:schemeClr val="accent1"/>
-          </a:fillRef>
-          <a:effectRef idx="0">
-            <a:schemeClr val="accent1"/>
-          </a:effectRef>
-          <a:fontRef idx="minor">
-            <a:schemeClr val="tx1"/>
-          </a:fontRef>
-        </p:style>
-      </p:cxnSp>
-      <p:cxnSp>
-        <p:nvCxnSpPr>
-          <p:cNvPr id="126" name="Straight Connector 125">
-            <a:extLst>
-              <a:ext uri="{FF2B5EF4-FFF2-40B4-BE49-F238E27FC236}">
-                <a16:creationId xmlns:a16="http://schemas.microsoft.com/office/drawing/2014/main" id="{72696739-AF68-264D-175C-686A43D0E2AB}"/>
-              </a:ext>
-            </a:extLst>
-          </p:cNvPr>
-          <p:cNvCxnSpPr>
-            <a:cxnSpLocks/>
-          </p:cNvCxnSpPr>
-          <p:nvPr/>
-        </p:nvCxnSpPr>
-        <p:spPr>
-          <a:xfrm>
-            <a:off x="6104709" y="3294123"/>
-            <a:ext cx="0" cy="413199"/>
-          </a:xfrm>
-          <a:prstGeom prst="line">
-            <a:avLst/>
-          </a:prstGeom>
-          <a:ln w="41275">
-            <a:solidFill>
-              <a:srgbClr val="FF0000"/>
-            </a:solidFill>
-          </a:ln>
-        </p:spPr>
-        <p:style>
-          <a:lnRef idx="1">
-            <a:schemeClr val="accent1"/>
-          </a:lnRef>
-          <a:fillRef idx="0">
-            <a:schemeClr val="accent1"/>
-          </a:fillRef>
-          <a:effectRef idx="0">
-            <a:schemeClr val="accent1"/>
-          </a:effectRef>
-          <a:fontRef idx="minor">
-            <a:schemeClr val="tx1"/>
-          </a:fontRef>
-        </p:style>
-      </p:cxnSp>
-      <p:cxnSp>
-        <p:nvCxnSpPr>
-          <p:cNvPr id="130" name="Straight Connector 129">
-            <a:extLst>
-              <a:ext uri="{FF2B5EF4-FFF2-40B4-BE49-F238E27FC236}">
-                <a16:creationId xmlns:a16="http://schemas.microsoft.com/office/drawing/2014/main" id="{0D3B60EF-AA27-D285-E886-6816AD535282}"/>
-              </a:ext>
-            </a:extLst>
-          </p:cNvPr>
-          <p:cNvCxnSpPr>
-            <a:cxnSpLocks/>
-          </p:cNvCxnSpPr>
-          <p:nvPr/>
-        </p:nvCxnSpPr>
-        <p:spPr>
-          <a:xfrm flipH="1" flipV="1">
-            <a:off x="2092651" y="3695617"/>
-            <a:ext cx="4012058" cy="11705"/>
-          </a:xfrm>
-          <a:prstGeom prst="line">
-            <a:avLst/>
-          </a:prstGeom>
-          <a:ln w="41275">
-            <a:solidFill>
-              <a:srgbClr val="FF0000"/>
-            </a:solidFill>
-          </a:ln>
-        </p:spPr>
-        <p:style>
-          <a:lnRef idx="1">
-            <a:schemeClr val="accent1"/>
-          </a:lnRef>
-          <a:fillRef idx="0">
-            <a:schemeClr val="accent1"/>
-          </a:fillRef>
-          <a:effectRef idx="0">
-            <a:schemeClr val="accent1"/>
-          </a:effectRef>
-          <a:fontRef idx="minor">
-            <a:schemeClr val="tx1"/>
-          </a:fontRef>
-        </p:style>
-      </p:cxnSp>
-      <p:cxnSp>
-        <p:nvCxnSpPr>
-          <p:cNvPr id="133" name="Straight Connector 132">
-            <a:extLst>
-              <a:ext uri="{FF2B5EF4-FFF2-40B4-BE49-F238E27FC236}">
-                <a16:creationId xmlns:a16="http://schemas.microsoft.com/office/drawing/2014/main" id="{72D0BF17-F09F-BFB6-5BBE-3419E984E37F}"/>
-              </a:ext>
-            </a:extLst>
-          </p:cNvPr>
-          <p:cNvCxnSpPr>
-            <a:cxnSpLocks/>
-          </p:cNvCxnSpPr>
-          <p:nvPr/>
-        </p:nvCxnSpPr>
-        <p:spPr>
-          <a:xfrm flipH="1">
-            <a:off x="2067215" y="3695549"/>
-            <a:ext cx="25436" cy="1955982"/>
-          </a:xfrm>
-          <a:prstGeom prst="line">
-            <a:avLst/>
-          </a:prstGeom>
-          <a:ln w="41275">
-            <a:solidFill>
-              <a:srgbClr val="FF0000"/>
-            </a:solidFill>
-          </a:ln>
-        </p:spPr>
-        <p:style>
-          <a:lnRef idx="1">
-            <a:schemeClr val="accent1"/>
-          </a:lnRef>
-          <a:fillRef idx="0">
-            <a:schemeClr val="accent1"/>
-          </a:fillRef>
-          <a:effectRef idx="0">
-            <a:schemeClr val="accent1"/>
-          </a:effectRef>
-          <a:fontRef idx="minor">
-            <a:schemeClr val="tx1"/>
-          </a:fontRef>
-        </p:style>
-      </p:cxnSp>
-      <p:cxnSp>
-        <p:nvCxnSpPr>
-          <p:cNvPr id="137" name="Straight Connector 136">
-            <a:extLst>
-              <a:ext uri="{FF2B5EF4-FFF2-40B4-BE49-F238E27FC236}">
-                <a16:creationId xmlns:a16="http://schemas.microsoft.com/office/drawing/2014/main" id="{B6079658-E932-5635-AF27-CBC6C8372D18}"/>
-              </a:ext>
-            </a:extLst>
-          </p:cNvPr>
-          <p:cNvCxnSpPr>
-            <a:cxnSpLocks/>
-          </p:cNvCxnSpPr>
-          <p:nvPr/>
-        </p:nvCxnSpPr>
-        <p:spPr>
-          <a:xfrm flipV="1">
-            <a:off x="2067214" y="5413753"/>
-            <a:ext cx="337753" cy="237778"/>
-          </a:xfrm>
-          <a:prstGeom prst="line">
-            <a:avLst/>
-          </a:prstGeom>
-          <a:ln w="41275">
-            <a:solidFill>
-              <a:srgbClr val="FF0000"/>
-            </a:solidFill>
-          </a:ln>
-        </p:spPr>
-        <p:style>
-          <a:lnRef idx="1">
-            <a:schemeClr val="accent1"/>
-          </a:lnRef>
-          <a:fillRef idx="0">
-            <a:schemeClr val="accent1"/>
-          </a:fillRef>
-          <a:effectRef idx="0">
-            <a:schemeClr val="accent1"/>
-          </a:effectRef>
-          <a:fontRef idx="minor">
-            <a:schemeClr val="tx1"/>
-          </a:fontRef>
-        </p:style>
-      </p:cxnSp>
-      <p:sp>
-        <p:nvSpPr>
-          <p:cNvPr id="141" name="TextBox 140">
-            <a:extLst>
-              <a:ext uri="{FF2B5EF4-FFF2-40B4-BE49-F238E27FC236}">
-                <a16:creationId xmlns:a16="http://schemas.microsoft.com/office/drawing/2014/main" id="{7A18C4D9-EB47-5A1D-05BB-B63DE51731BB}"/>
-              </a:ext>
-            </a:extLst>
-          </p:cNvPr>
-          <p:cNvSpPr txBox="1"/>
-          <p:nvPr/>
-        </p:nvSpPr>
-        <p:spPr>
-          <a:xfrm>
-            <a:off x="2694686" y="5232216"/>
-            <a:ext cx="789885" cy="369332"/>
-          </a:xfrm>
-          <a:prstGeom prst="rect">
-            <a:avLst/>
-          </a:prstGeom>
-          <a:noFill/>
-        </p:spPr>
-        <p:txBody>
-          <a:bodyPr wrap="square" rtlCol="0">
-            <a:spAutoFit/>
-          </a:bodyPr>
-          <a:lstStyle/>
-          <a:p>
-            <a:r>
-              <a:rPr lang="en-US" dirty="0">
-                <a:solidFill>
-                  <a:srgbClr val="FF0000"/>
-                </a:solidFill>
-              </a:rPr>
-              <a:t>ptel4e</a:t>
-            </a:r>
-          </a:p>
-        </p:txBody>
-      </p:sp>
-      <p:sp>
-        <p:nvSpPr>
-          <p:cNvPr id="142" name="Alternate Process 141">
-            <a:extLst>
-              <a:ext uri="{FF2B5EF4-FFF2-40B4-BE49-F238E27FC236}">
-                <a16:creationId xmlns:a16="http://schemas.microsoft.com/office/drawing/2014/main" id="{D2C02A63-A38F-2F81-D46E-D259DEBFFE16}"/>
-              </a:ext>
-            </a:extLst>
-          </p:cNvPr>
-          <p:cNvSpPr/>
-          <p:nvPr/>
-        </p:nvSpPr>
-        <p:spPr>
-          <a:xfrm rot="16200000">
-            <a:off x="2919760" y="4739599"/>
-            <a:ext cx="369331" cy="1391920"/>
-          </a:xfrm>
-          <a:prstGeom prst="flowChartAlternateProcess">
-            <a:avLst/>
-          </a:prstGeom>
-          <a:noFill/>
-          <a:ln w="41275">
-            <a:solidFill>
-              <a:srgbClr val="FF0000"/>
-            </a:solidFill>
-          </a:ln>
-        </p:spPr>
-        <p:style>
-          <a:lnRef idx="2">
-            <a:schemeClr val="accent1">
-              <a:shade val="50000"/>
-            </a:schemeClr>
-          </a:lnRef>
-          <a:fillRef idx="1">
-            <a:schemeClr val="accent1"/>
-          </a:fillRef>
-          <a:effectRef idx="0">
-            <a:schemeClr val="accent1"/>
-          </a:effectRef>
-          <a:fontRef idx="minor">
-            <a:schemeClr val="lt1"/>
-          </a:fontRef>
-        </p:style>
-        <p:txBody>
-          <a:bodyPr rtlCol="0" anchor="ctr"/>
-          <a:lstStyle/>
-          <a:p>
-            <a:pPr algn="ctr"/>
-            <a:endParaRPr lang="en-US"/>
-          </a:p>
-        </p:txBody>
-      </p:sp>
-      <p:sp>
-        <p:nvSpPr>
-          <p:cNvPr id="144" name="TextBox 143">
-            <a:extLst>
-              <a:ext uri="{FF2B5EF4-FFF2-40B4-BE49-F238E27FC236}">
-                <a16:creationId xmlns:a16="http://schemas.microsoft.com/office/drawing/2014/main" id="{00113C85-BE91-DA83-8CDD-ABCC9ECF7479}"/>
-              </a:ext>
-            </a:extLst>
-          </p:cNvPr>
-          <p:cNvSpPr txBox="1"/>
-          <p:nvPr/>
-        </p:nvSpPr>
-        <p:spPr>
-          <a:xfrm>
-            <a:off x="4466883" y="4539879"/>
-            <a:ext cx="789885" cy="369332"/>
-          </a:xfrm>
-          <a:prstGeom prst="rect">
-            <a:avLst/>
-          </a:prstGeom>
-          <a:noFill/>
-        </p:spPr>
-        <p:txBody>
-          <a:bodyPr wrap="square" rtlCol="0">
-            <a:spAutoFit/>
-          </a:bodyPr>
-          <a:lstStyle/>
-          <a:p>
-            <a:r>
-              <a:rPr lang="en-US" dirty="0">
-                <a:solidFill>
-                  <a:srgbClr val="FF0000"/>
-                </a:solidFill>
-              </a:rPr>
-              <a:t>ptel3e</a:t>
-            </a:r>
-          </a:p>
-        </p:txBody>
-      </p:sp>
-      <p:sp>
-        <p:nvSpPr>
-          <p:cNvPr id="145" name="Alternate Process 144">
-            <a:extLst>
-              <a:ext uri="{FF2B5EF4-FFF2-40B4-BE49-F238E27FC236}">
-                <a16:creationId xmlns:a16="http://schemas.microsoft.com/office/drawing/2014/main" id="{FE4E6A07-78FE-5071-00C6-458FEB12ABFD}"/>
-              </a:ext>
-            </a:extLst>
-          </p:cNvPr>
-          <p:cNvSpPr/>
-          <p:nvPr/>
-        </p:nvSpPr>
-        <p:spPr>
-          <a:xfrm rot="16200000">
-            <a:off x="4691957" y="4047262"/>
-            <a:ext cx="369331" cy="1391920"/>
-          </a:xfrm>
-          <a:prstGeom prst="flowChartAlternateProcess">
-            <a:avLst/>
-          </a:prstGeom>
-          <a:noFill/>
-          <a:ln w="41275">
-            <a:solidFill>
-              <a:srgbClr val="FF0000"/>
-            </a:solidFill>
-          </a:ln>
-        </p:spPr>
-        <p:style>
-          <a:lnRef idx="2">
-            <a:schemeClr val="accent1">
-              <a:shade val="50000"/>
-            </a:schemeClr>
-          </a:lnRef>
-          <a:fillRef idx="1">
-            <a:schemeClr val="accent1"/>
-          </a:fillRef>
-          <a:effectRef idx="0">
-            <a:schemeClr val="accent1"/>
-          </a:effectRef>
-          <a:fontRef idx="minor">
-            <a:schemeClr val="lt1"/>
-          </a:fontRef>
-        </p:style>
-        <p:txBody>
-          <a:bodyPr rtlCol="0" anchor="ctr"/>
-          <a:lstStyle/>
-          <a:p>
-            <a:pPr algn="ctr"/>
-            <a:endParaRPr lang="en-US"/>
-          </a:p>
-        </p:txBody>
-      </p:sp>
-      <p:sp>
-        <p:nvSpPr>
-          <p:cNvPr id="146" name="TextBox 145">
-            <a:extLst>
-              <a:ext uri="{FF2B5EF4-FFF2-40B4-BE49-F238E27FC236}">
-                <a16:creationId xmlns:a16="http://schemas.microsoft.com/office/drawing/2014/main" id="{DFD6D8D4-627B-395B-9619-361EB42D9744}"/>
-              </a:ext>
-            </a:extLst>
-          </p:cNvPr>
-          <p:cNvSpPr txBox="1"/>
-          <p:nvPr/>
-        </p:nvSpPr>
-        <p:spPr>
-          <a:xfrm>
-            <a:off x="6234732" y="5219151"/>
-            <a:ext cx="789885" cy="369332"/>
-          </a:xfrm>
-          <a:prstGeom prst="rect">
-            <a:avLst/>
-          </a:prstGeom>
-          <a:noFill/>
-        </p:spPr>
-        <p:txBody>
-          <a:bodyPr wrap="square" rtlCol="0">
-            <a:spAutoFit/>
-          </a:bodyPr>
-          <a:lstStyle/>
-          <a:p>
-            <a:r>
-              <a:rPr lang="en-US" dirty="0">
-                <a:solidFill>
-                  <a:srgbClr val="FF0000"/>
-                </a:solidFill>
-              </a:rPr>
-              <a:t>ptel2e</a:t>
-            </a:r>
-          </a:p>
-        </p:txBody>
-      </p:sp>
-      <p:sp>
-        <p:nvSpPr>
-          <p:cNvPr id="147" name="Alternate Process 146">
-            <a:extLst>
-              <a:ext uri="{FF2B5EF4-FFF2-40B4-BE49-F238E27FC236}">
-                <a16:creationId xmlns:a16="http://schemas.microsoft.com/office/drawing/2014/main" id="{679B7BA7-CC5B-D156-58E6-C1C166B36E54}"/>
-              </a:ext>
-            </a:extLst>
-          </p:cNvPr>
-          <p:cNvSpPr/>
-          <p:nvPr/>
-        </p:nvSpPr>
-        <p:spPr>
-          <a:xfrm rot="16200000">
-            <a:off x="6459806" y="4726534"/>
-            <a:ext cx="369331" cy="1391920"/>
-          </a:xfrm>
-          <a:prstGeom prst="flowChartAlternateProcess">
-            <a:avLst/>
-          </a:prstGeom>
-          <a:noFill/>
-          <a:ln w="41275">
-            <a:solidFill>
-              <a:srgbClr val="FF0000"/>
-            </a:solidFill>
-          </a:ln>
-        </p:spPr>
-        <p:style>
-          <a:lnRef idx="2">
-            <a:schemeClr val="accent1">
-              <a:shade val="50000"/>
-            </a:schemeClr>
-          </a:lnRef>
-          <a:fillRef idx="1">
-            <a:schemeClr val="accent1"/>
-          </a:fillRef>
-          <a:effectRef idx="0">
-            <a:schemeClr val="accent1"/>
-          </a:effectRef>
-          <a:fontRef idx="minor">
-            <a:schemeClr val="lt1"/>
-          </a:fontRef>
-        </p:style>
-        <p:txBody>
-          <a:bodyPr rtlCol="0" anchor="ctr"/>
-          <a:lstStyle/>
-          <a:p>
-            <a:pPr algn="ctr"/>
-            <a:endParaRPr lang="en-US"/>
-          </a:p>
-        </p:txBody>
-      </p:sp>
-      <p:cxnSp>
-        <p:nvCxnSpPr>
-          <p:cNvPr id="153" name="Straight Connector 152">
-            <a:extLst>
-              <a:ext uri="{FF2B5EF4-FFF2-40B4-BE49-F238E27FC236}">
-                <a16:creationId xmlns:a16="http://schemas.microsoft.com/office/drawing/2014/main" id="{212F1103-3B17-BBA7-A377-C6CF1E61269B}"/>
-              </a:ext>
-            </a:extLst>
-          </p:cNvPr>
-          <p:cNvCxnSpPr>
-            <a:cxnSpLocks/>
-            <a:endCxn id="145" idx="0"/>
-          </p:cNvCxnSpPr>
-          <p:nvPr/>
-        </p:nvCxnSpPr>
-        <p:spPr>
-          <a:xfrm flipV="1">
-            <a:off x="3778447" y="4743222"/>
-            <a:ext cx="402216" cy="701733"/>
-          </a:xfrm>
-          <a:prstGeom prst="line">
-            <a:avLst/>
-          </a:prstGeom>
-          <a:ln w="41275">
-            <a:solidFill>
-              <a:srgbClr val="FF0000"/>
-            </a:solidFill>
-          </a:ln>
-        </p:spPr>
-        <p:style>
-          <a:lnRef idx="1">
-            <a:schemeClr val="accent1"/>
-          </a:lnRef>
-          <a:fillRef idx="0">
-            <a:schemeClr val="accent1"/>
-          </a:fillRef>
-          <a:effectRef idx="0">
-            <a:schemeClr val="accent1"/>
-          </a:effectRef>
-          <a:fontRef idx="minor">
-            <a:schemeClr val="tx1"/>
-          </a:fontRef>
-        </p:style>
-      </p:cxnSp>
-      <p:cxnSp>
-        <p:nvCxnSpPr>
-          <p:cNvPr id="155" name="Straight Connector 154">
-            <a:extLst>
-              <a:ext uri="{FF2B5EF4-FFF2-40B4-BE49-F238E27FC236}">
-                <a16:creationId xmlns:a16="http://schemas.microsoft.com/office/drawing/2014/main" id="{AF1F65FC-2DDE-3C6C-2644-B71E1D201568}"/>
-              </a:ext>
-            </a:extLst>
-          </p:cNvPr>
-          <p:cNvCxnSpPr>
-            <a:cxnSpLocks/>
-            <a:stCxn id="147" idx="0"/>
-          </p:cNvCxnSpPr>
-          <p:nvPr/>
-        </p:nvCxnSpPr>
-        <p:spPr>
-          <a:xfrm flipH="1" flipV="1">
-            <a:off x="5577522" y="4720761"/>
-            <a:ext cx="370990" cy="701733"/>
-          </a:xfrm>
-          <a:prstGeom prst="line">
-            <a:avLst/>
-          </a:prstGeom>
-          <a:ln w="41275">
-            <a:solidFill>
-              <a:srgbClr val="FF0000"/>
-            </a:solidFill>
-          </a:ln>
-        </p:spPr>
-        <p:style>
-          <a:lnRef idx="1">
-            <a:schemeClr val="accent1"/>
-          </a:lnRef>
-          <a:fillRef idx="0">
-            <a:schemeClr val="accent1"/>
-          </a:fillRef>
-          <a:effectRef idx="0">
-            <a:schemeClr val="accent1"/>
-          </a:effectRef>
-          <a:fontRef idx="minor">
-            <a:schemeClr val="tx1"/>
-          </a:fontRef>
-        </p:style>
-      </p:cxnSp>
-      <p:cxnSp>
-        <p:nvCxnSpPr>
-          <p:cNvPr id="158" name="Straight Connector 157">
-            <a:extLst>
-              <a:ext uri="{FF2B5EF4-FFF2-40B4-BE49-F238E27FC236}">
-                <a16:creationId xmlns:a16="http://schemas.microsoft.com/office/drawing/2014/main" id="{F67E1AFA-FD88-D8C0-20B0-957FC1F6A8B5}"/>
-              </a:ext>
-            </a:extLst>
-          </p:cNvPr>
-          <p:cNvCxnSpPr>
-            <a:cxnSpLocks/>
-          </p:cNvCxnSpPr>
-          <p:nvPr/>
-        </p:nvCxnSpPr>
-        <p:spPr>
-          <a:xfrm flipH="1">
-            <a:off x="7340129" y="4673540"/>
-            <a:ext cx="399120" cy="740213"/>
-          </a:xfrm>
-          <a:prstGeom prst="line">
-            <a:avLst/>
-          </a:prstGeom>
-          <a:ln w="41275">
-            <a:solidFill>
-              <a:srgbClr val="FF0000"/>
-            </a:solidFill>
-          </a:ln>
-        </p:spPr>
-        <p:style>
-          <a:lnRef idx="1">
-            <a:schemeClr val="accent1"/>
-          </a:lnRef>
-          <a:fillRef idx="0">
-            <a:schemeClr val="accent1"/>
-          </a:fillRef>
-          <a:effectRef idx="0">
-            <a:schemeClr val="accent1"/>
-          </a:effectRef>
-          <a:fontRef idx="minor">
-            <a:schemeClr val="tx1"/>
-          </a:fontRef>
-        </p:style>
-      </p:cxnSp>
-      <p:sp>
-        <p:nvSpPr>
-          <p:cNvPr id="161" name="Alternate Process 160">
-            <a:extLst>
-              <a:ext uri="{FF2B5EF4-FFF2-40B4-BE49-F238E27FC236}">
-                <a16:creationId xmlns:a16="http://schemas.microsoft.com/office/drawing/2014/main" id="{11B91489-4670-2F5B-C48F-0F7931E4909C}"/>
-              </a:ext>
-            </a:extLst>
-          </p:cNvPr>
-          <p:cNvSpPr/>
-          <p:nvPr/>
-        </p:nvSpPr>
-        <p:spPr>
-          <a:xfrm rot="16200000">
-            <a:off x="8258124" y="4034198"/>
-            <a:ext cx="369331" cy="1391920"/>
-          </a:xfrm>
-          <a:prstGeom prst="flowChartAlternateProcess">
-            <a:avLst/>
-          </a:prstGeom>
-          <a:noFill/>
-          <a:ln w="41275">
-            <a:solidFill>
-              <a:srgbClr val="FF0000"/>
-            </a:solidFill>
-          </a:ln>
-        </p:spPr>
-        <p:style>
-          <a:lnRef idx="2">
-            <a:schemeClr val="accent1">
-              <a:shade val="50000"/>
-            </a:schemeClr>
-          </a:lnRef>
-          <a:fillRef idx="1">
-            <a:schemeClr val="accent1"/>
-          </a:fillRef>
-          <a:effectRef idx="0">
-            <a:schemeClr val="accent1"/>
-          </a:effectRef>
-          <a:fontRef idx="minor">
-            <a:schemeClr val="lt1"/>
-          </a:fontRef>
-        </p:style>
-        <p:txBody>
-          <a:bodyPr rtlCol="0" anchor="ctr"/>
-          <a:lstStyle/>
-          <a:p>
-            <a:pPr algn="ctr"/>
-            <a:endParaRPr lang="en-US"/>
-          </a:p>
-        </p:txBody>
-      </p:sp>
-      <p:sp>
-        <p:nvSpPr>
-          <p:cNvPr id="163" name="TextBox 162">
-            <a:extLst>
-              <a:ext uri="{FF2B5EF4-FFF2-40B4-BE49-F238E27FC236}">
-                <a16:creationId xmlns:a16="http://schemas.microsoft.com/office/drawing/2014/main" id="{33753048-FBDB-9D11-3354-BE883767BE62}"/>
-              </a:ext>
-            </a:extLst>
-          </p:cNvPr>
-          <p:cNvSpPr txBox="1"/>
-          <p:nvPr/>
-        </p:nvSpPr>
-        <p:spPr>
-          <a:xfrm>
-            <a:off x="8054544" y="4527107"/>
-            <a:ext cx="789885" cy="369332"/>
-          </a:xfrm>
-          <a:prstGeom prst="rect">
-            <a:avLst/>
-          </a:prstGeom>
-          <a:noFill/>
-        </p:spPr>
-        <p:txBody>
-          <a:bodyPr wrap="square" rtlCol="0">
-            <a:spAutoFit/>
-          </a:bodyPr>
-          <a:lstStyle/>
-          <a:p>
-            <a:r>
-              <a:rPr lang="en-US" dirty="0">
-                <a:solidFill>
-                  <a:srgbClr val="FF0000"/>
-                </a:solidFill>
-              </a:rPr>
-              <a:t>ptel1e</a:t>
-            </a:r>
-          </a:p>
-        </p:txBody>
-      </p:sp>
-      <p:sp>
-        <p:nvSpPr>
-          <p:cNvPr id="164" name="TextBox 163">
-            <a:extLst>
-              <a:ext uri="{FF2B5EF4-FFF2-40B4-BE49-F238E27FC236}">
-                <a16:creationId xmlns:a16="http://schemas.microsoft.com/office/drawing/2014/main" id="{37599419-CC94-8CEA-C2A6-F0EC8D184936}"/>
-              </a:ext>
-            </a:extLst>
-          </p:cNvPr>
-          <p:cNvSpPr txBox="1"/>
-          <p:nvPr/>
-        </p:nvSpPr>
-        <p:spPr>
-          <a:xfrm>
-            <a:off x="7318489" y="3117443"/>
-            <a:ext cx="690061" cy="369332"/>
-          </a:xfrm>
-          <a:prstGeom prst="rect">
-            <a:avLst/>
-          </a:prstGeom>
-          <a:noFill/>
-        </p:spPr>
-        <p:txBody>
-          <a:bodyPr wrap="none" rtlCol="0">
-            <a:spAutoFit/>
-          </a:bodyPr>
-          <a:lstStyle/>
-          <a:p>
-            <a:r>
-              <a:rPr lang="en-US" dirty="0" err="1">
-                <a:solidFill>
-                  <a:srgbClr val="FF0000"/>
-                </a:solidFill>
-              </a:rPr>
-              <a:t>vnew</a:t>
-            </a:r>
-            <a:endParaRPr lang="en-US" dirty="0">
-              <a:solidFill>
-                <a:srgbClr val="FF0000"/>
-              </a:solidFill>
-            </a:endParaRPr>
-          </a:p>
-        </p:txBody>
-      </p:sp>
-      <p:sp>
-        <p:nvSpPr>
-          <p:cNvPr id="168" name="TextBox 167">
-            <a:extLst>
-              <a:ext uri="{FF2B5EF4-FFF2-40B4-BE49-F238E27FC236}">
-                <a16:creationId xmlns:a16="http://schemas.microsoft.com/office/drawing/2014/main" id="{FF600CD7-879F-96CD-3DAB-9BF3ED15E1DE}"/>
-              </a:ext>
-            </a:extLst>
-          </p:cNvPr>
-          <p:cNvSpPr txBox="1"/>
-          <p:nvPr/>
-        </p:nvSpPr>
-        <p:spPr>
-          <a:xfrm rot="16200000">
-            <a:off x="1580170" y="4836351"/>
-            <a:ext cx="610462" cy="276999"/>
-          </a:xfrm>
-          <a:prstGeom prst="rect">
-            <a:avLst/>
-          </a:prstGeom>
-          <a:noFill/>
-        </p:spPr>
-        <p:txBody>
-          <a:bodyPr wrap="square" rtlCol="0">
-            <a:spAutoFit/>
-          </a:bodyPr>
-          <a:lstStyle/>
-          <a:p>
-            <a:r>
-              <a:rPr lang="en-US" sz="1200" dirty="0">
-                <a:solidFill>
-                  <a:srgbClr val="FF0000"/>
-                </a:solidFill>
-              </a:rPr>
-              <a:t>52/12 </a:t>
-            </a:r>
-          </a:p>
-        </p:txBody>
-      </p:sp>
-      <p:sp>
-        <p:nvSpPr>
-          <p:cNvPr id="169" name="TextBox 168">
-            <a:extLst>
-              <a:ext uri="{FF2B5EF4-FFF2-40B4-BE49-F238E27FC236}">
-                <a16:creationId xmlns:a16="http://schemas.microsoft.com/office/drawing/2014/main" id="{178F7409-EE5E-0755-4807-641F66D77F1E}"/>
-              </a:ext>
-            </a:extLst>
-          </p:cNvPr>
-          <p:cNvSpPr txBox="1"/>
-          <p:nvPr/>
-        </p:nvSpPr>
-        <p:spPr>
-          <a:xfrm rot="16200000">
-            <a:off x="1573593" y="5317990"/>
-            <a:ext cx="597794" cy="276999"/>
-          </a:xfrm>
-          <a:prstGeom prst="rect">
-            <a:avLst/>
-          </a:prstGeom>
-          <a:noFill/>
-        </p:spPr>
-        <p:txBody>
-          <a:bodyPr wrap="square" rtlCol="0">
-            <a:spAutoFit/>
-          </a:bodyPr>
-          <a:lstStyle/>
-          <a:p>
-            <a:r>
-              <a:rPr lang="en-US" sz="1200" dirty="0" err="1">
-                <a:solidFill>
-                  <a:srgbClr val="FF0000"/>
-                </a:solidFill>
-              </a:rPr>
-              <a:t>vanew</a:t>
-            </a:r>
-            <a:endParaRPr lang="en-US" sz="1200" dirty="0">
-              <a:solidFill>
-                <a:srgbClr val="FF0000"/>
-              </a:solidFill>
-            </a:endParaRPr>
-          </a:p>
-        </p:txBody>
-      </p:sp>
       <p:pic>
         <p:nvPicPr>
-          <p:cNvPr id="173" name="Picture 172" descr="A black arrow pointing to the right&#10;&#10;Description automatically generated with low confidence">
-            <a:extLst>
-              <a:ext uri="{FF2B5EF4-FFF2-40B4-BE49-F238E27FC236}">
-                <a16:creationId xmlns:a16="http://schemas.microsoft.com/office/drawing/2014/main" id="{AC5A9290-61CF-F446-98F0-89431FB3E347}"/>
+          <p:cNvPr id="4" name="Picture 3" descr="A picture containing text, font, white, algebra&#10;&#10;Description automatically generated">
+            <a:extLst>
+              <a:ext uri="{FF2B5EF4-FFF2-40B4-BE49-F238E27FC236}">
+                <a16:creationId xmlns:a16="http://schemas.microsoft.com/office/drawing/2014/main" id="{FD92F494-F192-AFB4-5078-F1FB00D8A527}"/>
               </a:ext>
             </a:extLst>
           </p:cNvPr>
@@ -7937,9 +5061,9 @@
           </a:stretch>
         </p:blipFill>
         <p:spPr>
-          <a:xfrm>
-            <a:off x="4020676" y="3167213"/>
-            <a:ext cx="319971" cy="210507"/>
+          <a:xfrm rot="16200000">
+            <a:off x="-2294842" y="3368801"/>
+            <a:ext cx="5762465" cy="1008826"/>
           </a:xfrm>
           <a:prstGeom prst="rect">
             <a:avLst/>
@@ -7948,46 +5072,10 @@
       </p:pic>
       <p:sp>
         <p:nvSpPr>
-          <p:cNvPr id="174" name="TextBox 173">
-            <a:extLst>
-              <a:ext uri="{FF2B5EF4-FFF2-40B4-BE49-F238E27FC236}">
-                <a16:creationId xmlns:a16="http://schemas.microsoft.com/office/drawing/2014/main" id="{F69EA203-AAE0-E412-1BDC-7D403AE17316}"/>
-              </a:ext>
-            </a:extLst>
-          </p:cNvPr>
-          <p:cNvSpPr txBox="1"/>
-          <p:nvPr/>
-        </p:nvSpPr>
-        <p:spPr>
-          <a:xfrm>
-            <a:off x="4289313" y="3048818"/>
-            <a:ext cx="451248" cy="369332"/>
-          </a:xfrm>
-          <a:prstGeom prst="rect">
-            <a:avLst/>
-          </a:prstGeom>
-          <a:noFill/>
-        </p:spPr>
-        <p:txBody>
-          <a:bodyPr wrap="square" rtlCol="0">
-            <a:spAutoFit/>
-          </a:bodyPr>
-          <a:lstStyle/>
-          <a:p>
-            <a:r>
-              <a:rPr lang="en-US" dirty="0" err="1"/>
-              <a:t>pg</a:t>
-            </a:r>
-            <a:endParaRPr lang="en-US" dirty="0"/>
-          </a:p>
-        </p:txBody>
-      </p:sp>
-      <p:sp>
-        <p:nvSpPr>
-          <p:cNvPr id="175" name="Oval Callout 174">
-            <a:extLst>
-              <a:ext uri="{FF2B5EF4-FFF2-40B4-BE49-F238E27FC236}">
-                <a16:creationId xmlns:a16="http://schemas.microsoft.com/office/drawing/2014/main" id="{8E38B795-277C-EC71-8644-3C3294701564}"/>
+          <p:cNvPr id="30" name="Alternate Process 29">
+            <a:extLst>
+              <a:ext uri="{FF2B5EF4-FFF2-40B4-BE49-F238E27FC236}">
+                <a16:creationId xmlns:a16="http://schemas.microsoft.com/office/drawing/2014/main" id="{B5F1570F-4EDE-DF48-F3C0-B727778DEFEC}"/>
               </a:ext>
             </a:extLst>
           </p:cNvPr>
@@ -7996,21 +5084,13 @@
         </p:nvSpPr>
         <p:spPr>
           <a:xfrm>
-            <a:off x="2413434" y="1237775"/>
-            <a:ext cx="4611161" cy="1833463"/>
-          </a:xfrm>
-          <a:prstGeom prst="wedgeEllipseCallout">
-            <a:avLst>
-              <a:gd name="adj1" fmla="val -56905"/>
-              <a:gd name="adj2" fmla="val 60924"/>
-            </a:avLst>
+            <a:off x="2413676" y="2348778"/>
+            <a:ext cx="8463330" cy="633375"/>
+          </a:xfrm>
+          <a:prstGeom prst="flowChartAlternateProcess">
+            <a:avLst/>
           </a:prstGeom>
           <a:noFill/>
-          <a:ln w="22225">
-            <a:solidFill>
-              <a:schemeClr val="tx1"/>
-            </a:solidFill>
-          </a:ln>
         </p:spPr>
         <p:style>
           <a:lnRef idx="2">
@@ -8033,6 +5113,2225 @@
           <a:lstStyle/>
           <a:p>
             <a:pPr algn="ctr"/>
+            <a:endParaRPr lang="en-US"/>
+          </a:p>
+        </p:txBody>
+      </p:sp>
+      <p:sp>
+        <p:nvSpPr>
+          <p:cNvPr id="57" name="TextBox 56">
+            <a:extLst>
+              <a:ext uri="{FF2B5EF4-FFF2-40B4-BE49-F238E27FC236}">
+                <a16:creationId xmlns:a16="http://schemas.microsoft.com/office/drawing/2014/main" id="{84D4E397-D9F1-7414-4D13-52589E5929BF}"/>
+              </a:ext>
+            </a:extLst>
+          </p:cNvPr>
+          <p:cNvSpPr txBox="1"/>
+          <p:nvPr/>
+        </p:nvSpPr>
+        <p:spPr>
+          <a:xfrm>
+            <a:off x="5391409" y="2471351"/>
+            <a:ext cx="2010056" cy="369332"/>
+          </a:xfrm>
+          <a:prstGeom prst="rect">
+            <a:avLst/>
+          </a:prstGeom>
+          <a:noFill/>
+        </p:spPr>
+        <p:txBody>
+          <a:bodyPr wrap="square" rtlCol="0">
+            <a:spAutoFit/>
+          </a:bodyPr>
+          <a:lstStyle/>
+          <a:p>
+            <a:r>
+              <a:rPr lang="en-US" dirty="0"/>
+              <a:t>L4 Base Addr</a:t>
+            </a:r>
+            <a:r>
+              <a:rPr lang="en-US" baseline="-25000" dirty="0"/>
+              <a:t>0 </a:t>
+            </a:r>
+            <a:r>
+              <a:rPr lang="en-US" dirty="0"/>
+              <a:t> (a</a:t>
+            </a:r>
+            <a:r>
+              <a:rPr lang="en-US" baseline="-25000" dirty="0"/>
+              <a:t>0</a:t>
+            </a:r>
+            <a:r>
+              <a:rPr lang="en-US" dirty="0"/>
+              <a:t>)</a:t>
+            </a:r>
+          </a:p>
+        </p:txBody>
+      </p:sp>
+      <p:sp>
+        <p:nvSpPr>
+          <p:cNvPr id="2" name="Title 1">
+            <a:extLst>
+              <a:ext uri="{FF2B5EF4-FFF2-40B4-BE49-F238E27FC236}">
+                <a16:creationId xmlns:a16="http://schemas.microsoft.com/office/drawing/2014/main" id="{284DB793-5AE9-B6A8-76CE-5A520F686150}"/>
+              </a:ext>
+            </a:extLst>
+          </p:cNvPr>
+          <p:cNvSpPr>
+            <a:spLocks noGrp="1"/>
+          </p:cNvSpPr>
+          <p:nvPr>
+            <p:ph type="title"/>
+          </p:nvPr>
+        </p:nvSpPr>
+        <p:spPr>
+          <a:xfrm>
+            <a:off x="274320" y="365125"/>
+            <a:ext cx="11846560" cy="1325563"/>
+          </a:xfrm>
+        </p:spPr>
+        <p:txBody>
+          <a:bodyPr/>
+          <a:lstStyle/>
+          <a:p>
+            <a:r>
+              <a:rPr lang="en-US" dirty="0"/>
+              <a:t>Program Logic: Sharing under Page-Table Update</a:t>
+            </a:r>
+          </a:p>
+        </p:txBody>
+      </p:sp>
+      <p:sp>
+        <p:nvSpPr>
+          <p:cNvPr id="3" name="Content Placeholder 2">
+            <a:extLst>
+              <a:ext uri="{FF2B5EF4-FFF2-40B4-BE49-F238E27FC236}">
+                <a16:creationId xmlns:a16="http://schemas.microsoft.com/office/drawing/2014/main" id="{9FF1F8C8-7199-2E31-B355-11262FAAF4F5}"/>
+              </a:ext>
+            </a:extLst>
+          </p:cNvPr>
+          <p:cNvSpPr>
+            <a:spLocks noGrp="1"/>
+          </p:cNvSpPr>
+          <p:nvPr>
+            <p:ph idx="1"/>
+          </p:nvPr>
+        </p:nvSpPr>
+        <p:spPr>
+          <a:xfrm>
+            <a:off x="838199" y="1825625"/>
+            <a:ext cx="10674531" cy="552323"/>
+          </a:xfrm>
+        </p:spPr>
+        <p:txBody>
+          <a:bodyPr/>
+          <a:lstStyle/>
+          <a:p>
+            <a:r>
+              <a:rPr lang="en-US" dirty="0"/>
+              <a:t>Adding a new page requires an update to L1 table:  call ensure_L1</a:t>
+            </a:r>
+          </a:p>
+        </p:txBody>
+      </p:sp>
+      <p:cxnSp>
+        <p:nvCxnSpPr>
+          <p:cNvPr id="31" name="Straight Arrow Connector 30">
+            <a:extLst>
+              <a:ext uri="{FF2B5EF4-FFF2-40B4-BE49-F238E27FC236}">
+                <a16:creationId xmlns:a16="http://schemas.microsoft.com/office/drawing/2014/main" id="{EE8AC330-2B5D-E876-D694-CE03C5F19386}"/>
+              </a:ext>
+            </a:extLst>
+          </p:cNvPr>
+          <p:cNvCxnSpPr>
+            <a:cxnSpLocks/>
+          </p:cNvCxnSpPr>
+          <p:nvPr/>
+        </p:nvCxnSpPr>
+        <p:spPr>
+          <a:xfrm>
+            <a:off x="1872490" y="1690688"/>
+            <a:ext cx="579821" cy="686366"/>
+          </a:xfrm>
+          <a:prstGeom prst="straightConnector1">
+            <a:avLst/>
+          </a:prstGeom>
+          <a:ln>
+            <a:tailEnd type="triangle"/>
+          </a:ln>
+        </p:spPr>
+        <p:style>
+          <a:lnRef idx="1">
+            <a:schemeClr val="accent1"/>
+          </a:lnRef>
+          <a:fillRef idx="0">
+            <a:schemeClr val="accent1"/>
+          </a:fillRef>
+          <a:effectRef idx="0">
+            <a:schemeClr val="accent1"/>
+          </a:effectRef>
+          <a:fontRef idx="minor">
+            <a:schemeClr val="tx1"/>
+          </a:fontRef>
+        </p:style>
+      </p:cxnSp>
+      <p:sp>
+        <p:nvSpPr>
+          <p:cNvPr id="32" name="Trapezoid 31">
+            <a:extLst>
+              <a:ext uri="{FF2B5EF4-FFF2-40B4-BE49-F238E27FC236}">
+                <a16:creationId xmlns:a16="http://schemas.microsoft.com/office/drawing/2014/main" id="{9D09E452-3D37-E10E-14BF-5D5AF5ABE0BA}"/>
+              </a:ext>
+            </a:extLst>
+          </p:cNvPr>
+          <p:cNvSpPr/>
+          <p:nvPr/>
+        </p:nvSpPr>
+        <p:spPr>
+          <a:xfrm>
+            <a:off x="1515291" y="2979487"/>
+            <a:ext cx="10258698" cy="3712439"/>
+          </a:xfrm>
+          <a:prstGeom prst="trapezoid">
+            <a:avLst/>
+          </a:prstGeom>
+          <a:noFill/>
+        </p:spPr>
+        <p:style>
+          <a:lnRef idx="2">
+            <a:schemeClr val="accent1">
+              <a:shade val="50000"/>
+            </a:schemeClr>
+          </a:lnRef>
+          <a:fillRef idx="1">
+            <a:schemeClr val="accent1"/>
+          </a:fillRef>
+          <a:effectRef idx="0">
+            <a:schemeClr val="accent1"/>
+          </a:effectRef>
+          <a:fontRef idx="minor">
+            <a:schemeClr val="lt1"/>
+          </a:fontRef>
+        </p:style>
+        <p:txBody>
+          <a:bodyPr rtlCol="0" anchor="ctr"/>
+          <a:lstStyle/>
+          <a:p>
+            <a:pPr algn="ctr"/>
+            <a:endParaRPr lang="en-US"/>
+          </a:p>
+        </p:txBody>
+      </p:sp>
+      <p:sp>
+        <p:nvSpPr>
+          <p:cNvPr id="33" name="Process 32">
+            <a:extLst>
+              <a:ext uri="{FF2B5EF4-FFF2-40B4-BE49-F238E27FC236}">
+                <a16:creationId xmlns:a16="http://schemas.microsoft.com/office/drawing/2014/main" id="{13AAFF07-6ABA-CF96-CFED-3CD241163566}"/>
+              </a:ext>
+            </a:extLst>
+          </p:cNvPr>
+          <p:cNvSpPr/>
+          <p:nvPr/>
+        </p:nvSpPr>
+        <p:spPr>
+          <a:xfrm>
+            <a:off x="3612611" y="3015158"/>
+            <a:ext cx="1099485" cy="464584"/>
+          </a:xfrm>
+          <a:prstGeom prst="flowChartProcess">
+            <a:avLst/>
+          </a:prstGeom>
+          <a:noFill/>
+          <a:ln w="41275">
+            <a:solidFill>
+              <a:schemeClr val="tx1"/>
+            </a:solidFill>
+          </a:ln>
+        </p:spPr>
+        <p:style>
+          <a:lnRef idx="2">
+            <a:schemeClr val="accent1">
+              <a:shade val="50000"/>
+            </a:schemeClr>
+          </a:lnRef>
+          <a:fillRef idx="1">
+            <a:schemeClr val="accent1"/>
+          </a:fillRef>
+          <a:effectRef idx="0">
+            <a:schemeClr val="accent1"/>
+          </a:effectRef>
+          <a:fontRef idx="minor">
+            <a:schemeClr val="lt1"/>
+          </a:fontRef>
+        </p:style>
+        <p:txBody>
+          <a:bodyPr rtlCol="0" anchor="ctr"/>
+          <a:lstStyle/>
+          <a:p>
+            <a:pPr algn="ctr"/>
+            <a:endParaRPr lang="en-US">
+              <a:solidFill>
+                <a:srgbClr val="FF0000"/>
+              </a:solidFill>
+            </a:endParaRPr>
+          </a:p>
+        </p:txBody>
+      </p:sp>
+      <p:sp>
+        <p:nvSpPr>
+          <p:cNvPr id="36" name="TextBox 35">
+            <a:extLst>
+              <a:ext uri="{FF2B5EF4-FFF2-40B4-BE49-F238E27FC236}">
+                <a16:creationId xmlns:a16="http://schemas.microsoft.com/office/drawing/2014/main" id="{089C4AB0-5FCD-E37C-C5BF-20B4B013926F}"/>
+              </a:ext>
+            </a:extLst>
+          </p:cNvPr>
+          <p:cNvSpPr txBox="1"/>
+          <p:nvPr/>
+        </p:nvSpPr>
+        <p:spPr>
+          <a:xfrm>
+            <a:off x="3620762" y="3046299"/>
+            <a:ext cx="479532" cy="369332"/>
+          </a:xfrm>
+          <a:prstGeom prst="rect">
+            <a:avLst/>
+          </a:prstGeom>
+          <a:noFill/>
+        </p:spPr>
+        <p:txBody>
+          <a:bodyPr wrap="square" rtlCol="0">
+            <a:spAutoFit/>
+          </a:bodyPr>
+          <a:lstStyle/>
+          <a:p>
+            <a:r>
+              <a:rPr lang="en-US" dirty="0"/>
+              <a:t>va</a:t>
+            </a:r>
+            <a:r>
+              <a:rPr lang="en-US" baseline="-25000" dirty="0"/>
+              <a:t>0</a:t>
+            </a:r>
+            <a:endParaRPr lang="en-US" dirty="0"/>
+          </a:p>
+        </p:txBody>
+      </p:sp>
+      <p:cxnSp>
+        <p:nvCxnSpPr>
+          <p:cNvPr id="40" name="Straight Connector 39">
+            <a:extLst>
+              <a:ext uri="{FF2B5EF4-FFF2-40B4-BE49-F238E27FC236}">
+                <a16:creationId xmlns:a16="http://schemas.microsoft.com/office/drawing/2014/main" id="{717DB67E-88DF-F7FE-D1E0-1DBB78D6B12F}"/>
+              </a:ext>
+            </a:extLst>
+          </p:cNvPr>
+          <p:cNvCxnSpPr>
+            <a:cxnSpLocks/>
+          </p:cNvCxnSpPr>
+          <p:nvPr/>
+        </p:nvCxnSpPr>
+        <p:spPr>
+          <a:xfrm>
+            <a:off x="2272937" y="3765001"/>
+            <a:ext cx="7149737" cy="0"/>
+          </a:xfrm>
+          <a:prstGeom prst="line">
+            <a:avLst/>
+          </a:prstGeom>
+        </p:spPr>
+        <p:style>
+          <a:lnRef idx="1">
+            <a:schemeClr val="accent1"/>
+          </a:lnRef>
+          <a:fillRef idx="0">
+            <a:schemeClr val="accent1"/>
+          </a:fillRef>
+          <a:effectRef idx="0">
+            <a:schemeClr val="accent1"/>
+          </a:effectRef>
+          <a:fontRef idx="minor">
+            <a:schemeClr val="tx1"/>
+          </a:fontRef>
+        </p:style>
+      </p:cxnSp>
+      <p:cxnSp>
+        <p:nvCxnSpPr>
+          <p:cNvPr id="41" name="Straight Connector 40">
+            <a:extLst>
+              <a:ext uri="{FF2B5EF4-FFF2-40B4-BE49-F238E27FC236}">
+                <a16:creationId xmlns:a16="http://schemas.microsoft.com/office/drawing/2014/main" id="{A5BC6EB0-2319-F128-9837-06EF9308A1CF}"/>
+              </a:ext>
+            </a:extLst>
+          </p:cNvPr>
+          <p:cNvCxnSpPr>
+            <a:cxnSpLocks/>
+          </p:cNvCxnSpPr>
+          <p:nvPr/>
+        </p:nvCxnSpPr>
+        <p:spPr>
+          <a:xfrm>
+            <a:off x="1715589" y="6008460"/>
+            <a:ext cx="9884228" cy="17451"/>
+          </a:xfrm>
+          <a:prstGeom prst="line">
+            <a:avLst/>
+          </a:prstGeom>
+        </p:spPr>
+        <p:style>
+          <a:lnRef idx="1">
+            <a:schemeClr val="accent1"/>
+          </a:lnRef>
+          <a:fillRef idx="0">
+            <a:schemeClr val="accent1"/>
+          </a:fillRef>
+          <a:effectRef idx="0">
+            <a:schemeClr val="accent1"/>
+          </a:effectRef>
+          <a:fontRef idx="minor">
+            <a:schemeClr val="tx1"/>
+          </a:fontRef>
+        </p:style>
+      </p:cxnSp>
+      <p:sp>
+        <p:nvSpPr>
+          <p:cNvPr id="42" name="Alternate Process 41">
+            <a:extLst>
+              <a:ext uri="{FF2B5EF4-FFF2-40B4-BE49-F238E27FC236}">
+                <a16:creationId xmlns:a16="http://schemas.microsoft.com/office/drawing/2014/main" id="{D1D69372-224C-DFE5-C705-2C0E65921B32}"/>
+              </a:ext>
+            </a:extLst>
+          </p:cNvPr>
+          <p:cNvSpPr/>
+          <p:nvPr/>
+        </p:nvSpPr>
+        <p:spPr>
+          <a:xfrm rot="16200000">
+            <a:off x="4624907" y="3571339"/>
+            <a:ext cx="476971" cy="1117198"/>
+          </a:xfrm>
+          <a:prstGeom prst="flowChartAlternateProcess">
+            <a:avLst/>
+          </a:prstGeom>
+          <a:noFill/>
+        </p:spPr>
+        <p:style>
+          <a:lnRef idx="2">
+            <a:schemeClr val="accent1">
+              <a:shade val="50000"/>
+            </a:schemeClr>
+          </a:lnRef>
+          <a:fillRef idx="1">
+            <a:schemeClr val="accent1"/>
+          </a:fillRef>
+          <a:effectRef idx="0">
+            <a:schemeClr val="accent1"/>
+          </a:effectRef>
+          <a:fontRef idx="minor">
+            <a:schemeClr val="lt1"/>
+          </a:fontRef>
+        </p:style>
+        <p:txBody>
+          <a:bodyPr rtlCol="0" anchor="ctr"/>
+          <a:lstStyle/>
+          <a:p>
+            <a:pPr algn="ctr"/>
+            <a:endParaRPr lang="en-US"/>
+          </a:p>
+        </p:txBody>
+      </p:sp>
+      <p:sp>
+        <p:nvSpPr>
+          <p:cNvPr id="43" name="Alternate Process 42">
+            <a:extLst>
+              <a:ext uri="{FF2B5EF4-FFF2-40B4-BE49-F238E27FC236}">
+                <a16:creationId xmlns:a16="http://schemas.microsoft.com/office/drawing/2014/main" id="{4AE55BA3-46C9-A59D-CE51-7C95615C88A7}"/>
+              </a:ext>
+            </a:extLst>
+          </p:cNvPr>
+          <p:cNvSpPr/>
+          <p:nvPr/>
+        </p:nvSpPr>
+        <p:spPr>
+          <a:xfrm rot="16200000">
+            <a:off x="6386369" y="3553941"/>
+            <a:ext cx="476971" cy="1117199"/>
+          </a:xfrm>
+          <a:prstGeom prst="flowChartAlternateProcess">
+            <a:avLst/>
+          </a:prstGeom>
+          <a:noFill/>
+        </p:spPr>
+        <p:style>
+          <a:lnRef idx="2">
+            <a:schemeClr val="accent1">
+              <a:shade val="50000"/>
+            </a:schemeClr>
+          </a:lnRef>
+          <a:fillRef idx="1">
+            <a:schemeClr val="accent1"/>
+          </a:fillRef>
+          <a:effectRef idx="0">
+            <a:schemeClr val="accent1"/>
+          </a:effectRef>
+          <a:fontRef idx="minor">
+            <a:schemeClr val="lt1"/>
+          </a:fontRef>
+        </p:style>
+        <p:txBody>
+          <a:bodyPr rtlCol="0" anchor="ctr"/>
+          <a:lstStyle/>
+          <a:p>
+            <a:pPr algn="ctr"/>
+            <a:endParaRPr lang="en-US"/>
+          </a:p>
+        </p:txBody>
+      </p:sp>
+      <p:sp>
+        <p:nvSpPr>
+          <p:cNvPr id="44" name="Alternate Process 43">
+            <a:extLst>
+              <a:ext uri="{FF2B5EF4-FFF2-40B4-BE49-F238E27FC236}">
+                <a16:creationId xmlns:a16="http://schemas.microsoft.com/office/drawing/2014/main" id="{402947DC-CFCC-1BA2-164D-7DD4F2D6A2ED}"/>
+              </a:ext>
+            </a:extLst>
+          </p:cNvPr>
+          <p:cNvSpPr/>
+          <p:nvPr/>
+        </p:nvSpPr>
+        <p:spPr>
+          <a:xfrm rot="16200000">
+            <a:off x="8199457" y="3569410"/>
+            <a:ext cx="476970" cy="1117199"/>
+          </a:xfrm>
+          <a:prstGeom prst="flowChartAlternateProcess">
+            <a:avLst/>
+          </a:prstGeom>
+          <a:noFill/>
+        </p:spPr>
+        <p:style>
+          <a:lnRef idx="2">
+            <a:schemeClr val="accent1">
+              <a:shade val="50000"/>
+            </a:schemeClr>
+          </a:lnRef>
+          <a:fillRef idx="1">
+            <a:schemeClr val="accent1"/>
+          </a:fillRef>
+          <a:effectRef idx="0">
+            <a:schemeClr val="accent1"/>
+          </a:effectRef>
+          <a:fontRef idx="minor">
+            <a:schemeClr val="lt1"/>
+          </a:fontRef>
+        </p:style>
+        <p:txBody>
+          <a:bodyPr rtlCol="0" anchor="ctr"/>
+          <a:lstStyle/>
+          <a:p>
+            <a:pPr algn="ctr"/>
+            <a:endParaRPr lang="en-US"/>
+          </a:p>
+        </p:txBody>
+      </p:sp>
+      <p:sp>
+        <p:nvSpPr>
+          <p:cNvPr id="45" name="Alternate Process 44">
+            <a:extLst>
+              <a:ext uri="{FF2B5EF4-FFF2-40B4-BE49-F238E27FC236}">
+                <a16:creationId xmlns:a16="http://schemas.microsoft.com/office/drawing/2014/main" id="{647CD071-7BCC-0A7E-6A8C-7A0BCC1BDA4B}"/>
+              </a:ext>
+            </a:extLst>
+          </p:cNvPr>
+          <p:cNvSpPr/>
+          <p:nvPr/>
+        </p:nvSpPr>
+        <p:spPr>
+          <a:xfrm rot="16200000">
+            <a:off x="2858515" y="3563520"/>
+            <a:ext cx="476971" cy="1117197"/>
+          </a:xfrm>
+          <a:prstGeom prst="flowChartAlternateProcess">
+            <a:avLst/>
+          </a:prstGeom>
+          <a:noFill/>
+        </p:spPr>
+        <p:style>
+          <a:lnRef idx="2">
+            <a:schemeClr val="accent1">
+              <a:shade val="50000"/>
+            </a:schemeClr>
+          </a:lnRef>
+          <a:fillRef idx="1">
+            <a:schemeClr val="accent1"/>
+          </a:fillRef>
+          <a:effectRef idx="0">
+            <a:schemeClr val="accent1"/>
+          </a:effectRef>
+          <a:fontRef idx="minor">
+            <a:schemeClr val="lt1"/>
+          </a:fontRef>
+        </p:style>
+        <p:txBody>
+          <a:bodyPr rtlCol="0" anchor="ctr"/>
+          <a:lstStyle/>
+          <a:p>
+            <a:pPr algn="ctr"/>
+            <a:endParaRPr lang="en-US"/>
+          </a:p>
+        </p:txBody>
+      </p:sp>
+      <p:sp>
+        <p:nvSpPr>
+          <p:cNvPr id="48" name="TextBox 47">
+            <a:extLst>
+              <a:ext uri="{FF2B5EF4-FFF2-40B4-BE49-F238E27FC236}">
+                <a16:creationId xmlns:a16="http://schemas.microsoft.com/office/drawing/2014/main" id="{61CCCFED-BA21-CFAF-0BAA-F83BC7EC9EEF}"/>
+              </a:ext>
+            </a:extLst>
+          </p:cNvPr>
+          <p:cNvSpPr txBox="1"/>
+          <p:nvPr/>
+        </p:nvSpPr>
+        <p:spPr>
+          <a:xfrm>
+            <a:off x="11148569" y="6258118"/>
+            <a:ext cx="451248" cy="369332"/>
+          </a:xfrm>
+          <a:prstGeom prst="rect">
+            <a:avLst/>
+          </a:prstGeom>
+          <a:noFill/>
+        </p:spPr>
+        <p:txBody>
+          <a:bodyPr wrap="square" rtlCol="0">
+            <a:spAutoFit/>
+          </a:bodyPr>
+          <a:lstStyle/>
+          <a:p>
+            <a:r>
+              <a:rPr lang="en-US" dirty="0" err="1"/>
+              <a:t>pg</a:t>
+            </a:r>
+            <a:endParaRPr lang="en-US" dirty="0"/>
+          </a:p>
+        </p:txBody>
+      </p:sp>
+      <p:sp>
+        <p:nvSpPr>
+          <p:cNvPr id="50" name="TextBox 49">
+            <a:extLst>
+              <a:ext uri="{FF2B5EF4-FFF2-40B4-BE49-F238E27FC236}">
+                <a16:creationId xmlns:a16="http://schemas.microsoft.com/office/drawing/2014/main" id="{08EBC741-8747-D0AC-72D4-282C8019D339}"/>
+              </a:ext>
+            </a:extLst>
+          </p:cNvPr>
+          <p:cNvSpPr txBox="1"/>
+          <p:nvPr/>
+        </p:nvSpPr>
+        <p:spPr>
+          <a:xfrm>
+            <a:off x="2616780" y="3928727"/>
+            <a:ext cx="1212140" cy="369332"/>
+          </a:xfrm>
+          <a:prstGeom prst="rect">
+            <a:avLst/>
+          </a:prstGeom>
+          <a:noFill/>
+        </p:spPr>
+        <p:txBody>
+          <a:bodyPr wrap="square" rtlCol="0">
+            <a:spAutoFit/>
+          </a:bodyPr>
+          <a:lstStyle/>
+          <a:p>
+            <a:r>
+              <a:rPr lang="en-US" dirty="0"/>
+              <a:t>L4 Table</a:t>
+            </a:r>
+          </a:p>
+        </p:txBody>
+      </p:sp>
+      <p:sp>
+        <p:nvSpPr>
+          <p:cNvPr id="51" name="TextBox 50">
+            <a:extLst>
+              <a:ext uri="{FF2B5EF4-FFF2-40B4-BE49-F238E27FC236}">
+                <a16:creationId xmlns:a16="http://schemas.microsoft.com/office/drawing/2014/main" id="{254CA9C5-32E9-CA7E-4B8C-1062CE604FEC}"/>
+              </a:ext>
+            </a:extLst>
+          </p:cNvPr>
+          <p:cNvSpPr txBox="1"/>
+          <p:nvPr/>
+        </p:nvSpPr>
+        <p:spPr>
+          <a:xfrm>
+            <a:off x="4391879" y="3958338"/>
+            <a:ext cx="1212140" cy="369332"/>
+          </a:xfrm>
+          <a:prstGeom prst="rect">
+            <a:avLst/>
+          </a:prstGeom>
+          <a:noFill/>
+        </p:spPr>
+        <p:txBody>
+          <a:bodyPr wrap="square" rtlCol="0">
+            <a:spAutoFit/>
+          </a:bodyPr>
+          <a:lstStyle/>
+          <a:p>
+            <a:r>
+              <a:rPr lang="en-US" dirty="0"/>
+              <a:t>L3 Table</a:t>
+            </a:r>
+          </a:p>
+        </p:txBody>
+      </p:sp>
+      <p:sp>
+        <p:nvSpPr>
+          <p:cNvPr id="52" name="TextBox 51">
+            <a:extLst>
+              <a:ext uri="{FF2B5EF4-FFF2-40B4-BE49-F238E27FC236}">
+                <a16:creationId xmlns:a16="http://schemas.microsoft.com/office/drawing/2014/main" id="{63FDB37F-5E96-2783-9352-269457E3AE8F}"/>
+              </a:ext>
+            </a:extLst>
+          </p:cNvPr>
+          <p:cNvSpPr txBox="1"/>
+          <p:nvPr/>
+        </p:nvSpPr>
+        <p:spPr>
+          <a:xfrm>
+            <a:off x="6159722" y="3945273"/>
+            <a:ext cx="1212140" cy="369332"/>
+          </a:xfrm>
+          <a:prstGeom prst="rect">
+            <a:avLst/>
+          </a:prstGeom>
+          <a:noFill/>
+        </p:spPr>
+        <p:txBody>
+          <a:bodyPr wrap="square" rtlCol="0">
+            <a:spAutoFit/>
+          </a:bodyPr>
+          <a:lstStyle/>
+          <a:p>
+            <a:r>
+              <a:rPr lang="en-US" dirty="0"/>
+              <a:t>L2 Table</a:t>
+            </a:r>
+          </a:p>
+        </p:txBody>
+      </p:sp>
+      <p:sp>
+        <p:nvSpPr>
+          <p:cNvPr id="53" name="TextBox 52">
+            <a:extLst>
+              <a:ext uri="{FF2B5EF4-FFF2-40B4-BE49-F238E27FC236}">
+                <a16:creationId xmlns:a16="http://schemas.microsoft.com/office/drawing/2014/main" id="{23DF9147-8BA5-5C7B-EDD1-9C2DACEF5E3D}"/>
+              </a:ext>
+            </a:extLst>
+          </p:cNvPr>
+          <p:cNvSpPr txBox="1"/>
+          <p:nvPr/>
+        </p:nvSpPr>
+        <p:spPr>
+          <a:xfrm>
+            <a:off x="7979817" y="3952033"/>
+            <a:ext cx="1212140" cy="369332"/>
+          </a:xfrm>
+          <a:prstGeom prst="rect">
+            <a:avLst/>
+          </a:prstGeom>
+          <a:noFill/>
+        </p:spPr>
+        <p:txBody>
+          <a:bodyPr wrap="square" rtlCol="0">
+            <a:spAutoFit/>
+          </a:bodyPr>
+          <a:lstStyle/>
+          <a:p>
+            <a:r>
+              <a:rPr lang="en-US" dirty="0"/>
+              <a:t>L1 Table</a:t>
+            </a:r>
+          </a:p>
+        </p:txBody>
+      </p:sp>
+      <p:sp>
+        <p:nvSpPr>
+          <p:cNvPr id="61" name="Alternate Process 60">
+            <a:extLst>
+              <a:ext uri="{FF2B5EF4-FFF2-40B4-BE49-F238E27FC236}">
+                <a16:creationId xmlns:a16="http://schemas.microsoft.com/office/drawing/2014/main" id="{99D4E90F-F140-DAF6-858A-8B946D07B2C4}"/>
+              </a:ext>
+            </a:extLst>
+          </p:cNvPr>
+          <p:cNvSpPr/>
+          <p:nvPr/>
+        </p:nvSpPr>
+        <p:spPr>
+          <a:xfrm rot="16200000">
+            <a:off x="2345033" y="4435136"/>
+            <a:ext cx="1529205" cy="1391920"/>
+          </a:xfrm>
+          <a:prstGeom prst="flowChartAlternateProcess">
+            <a:avLst/>
+          </a:prstGeom>
+          <a:noFill/>
+        </p:spPr>
+        <p:style>
+          <a:lnRef idx="2">
+            <a:schemeClr val="accent1">
+              <a:shade val="50000"/>
+            </a:schemeClr>
+          </a:lnRef>
+          <a:fillRef idx="1">
+            <a:schemeClr val="accent1"/>
+          </a:fillRef>
+          <a:effectRef idx="0">
+            <a:schemeClr val="accent1"/>
+          </a:effectRef>
+          <a:fontRef idx="minor">
+            <a:schemeClr val="lt1"/>
+          </a:fontRef>
+        </p:style>
+        <p:txBody>
+          <a:bodyPr rtlCol="0" anchor="ctr"/>
+          <a:lstStyle/>
+          <a:p>
+            <a:pPr algn="ctr"/>
+            <a:endParaRPr lang="en-US"/>
+          </a:p>
+        </p:txBody>
+      </p:sp>
+      <p:sp>
+        <p:nvSpPr>
+          <p:cNvPr id="65" name="Alternate Process 64">
+            <a:extLst>
+              <a:ext uri="{FF2B5EF4-FFF2-40B4-BE49-F238E27FC236}">
+                <a16:creationId xmlns:a16="http://schemas.microsoft.com/office/drawing/2014/main" id="{1D0ED686-D88A-32F7-E0E7-23C01CF7167F}"/>
+              </a:ext>
+            </a:extLst>
+          </p:cNvPr>
+          <p:cNvSpPr/>
+          <p:nvPr/>
+        </p:nvSpPr>
+        <p:spPr>
+          <a:xfrm rot="16200000">
+            <a:off x="1321320" y="1206723"/>
+            <a:ext cx="545723" cy="565922"/>
+          </a:xfrm>
+          <a:prstGeom prst="flowChartAlternateProcess">
+            <a:avLst/>
+          </a:prstGeom>
+          <a:noFill/>
+        </p:spPr>
+        <p:style>
+          <a:lnRef idx="2">
+            <a:schemeClr val="accent1">
+              <a:shade val="50000"/>
+            </a:schemeClr>
+          </a:lnRef>
+          <a:fillRef idx="1">
+            <a:schemeClr val="accent1"/>
+          </a:fillRef>
+          <a:effectRef idx="0">
+            <a:schemeClr val="accent1"/>
+          </a:effectRef>
+          <a:fontRef idx="minor">
+            <a:schemeClr val="lt1"/>
+          </a:fontRef>
+        </p:style>
+        <p:txBody>
+          <a:bodyPr rtlCol="0" anchor="ctr"/>
+          <a:lstStyle/>
+          <a:p>
+            <a:pPr algn="ctr"/>
+            <a:endParaRPr lang="en-US"/>
+          </a:p>
+        </p:txBody>
+      </p:sp>
+      <p:sp>
+        <p:nvSpPr>
+          <p:cNvPr id="66" name="TextBox 65">
+            <a:extLst>
+              <a:ext uri="{FF2B5EF4-FFF2-40B4-BE49-F238E27FC236}">
+                <a16:creationId xmlns:a16="http://schemas.microsoft.com/office/drawing/2014/main" id="{0F49BD97-B973-1DBD-F879-D40BCD014526}"/>
+              </a:ext>
+            </a:extLst>
+          </p:cNvPr>
+          <p:cNvSpPr txBox="1"/>
+          <p:nvPr/>
+        </p:nvSpPr>
+        <p:spPr>
+          <a:xfrm>
+            <a:off x="1311220" y="1283669"/>
+            <a:ext cx="511809" cy="369332"/>
+          </a:xfrm>
+          <a:prstGeom prst="rect">
+            <a:avLst/>
+          </a:prstGeom>
+          <a:noFill/>
+        </p:spPr>
+        <p:txBody>
+          <a:bodyPr wrap="square" rtlCol="0">
+            <a:spAutoFit/>
+          </a:bodyPr>
+          <a:lstStyle/>
+          <a:p>
+            <a:r>
+              <a:rPr lang="en-US" dirty="0"/>
+              <a:t>cr3</a:t>
+            </a:r>
+          </a:p>
+        </p:txBody>
+      </p:sp>
+      <p:sp>
+        <p:nvSpPr>
+          <p:cNvPr id="73" name="Alternate Process 72">
+            <a:extLst>
+              <a:ext uri="{FF2B5EF4-FFF2-40B4-BE49-F238E27FC236}">
+                <a16:creationId xmlns:a16="http://schemas.microsoft.com/office/drawing/2014/main" id="{5C48B830-9BAB-C5C3-0F54-D93CE5502E46}"/>
+              </a:ext>
+            </a:extLst>
+          </p:cNvPr>
+          <p:cNvSpPr/>
+          <p:nvPr/>
+        </p:nvSpPr>
+        <p:spPr>
+          <a:xfrm rot="16200000">
+            <a:off x="4117260" y="4428378"/>
+            <a:ext cx="1529205" cy="1391920"/>
+          </a:xfrm>
+          <a:prstGeom prst="flowChartAlternateProcess">
+            <a:avLst/>
+          </a:prstGeom>
+          <a:noFill/>
+        </p:spPr>
+        <p:style>
+          <a:lnRef idx="2">
+            <a:schemeClr val="accent1">
+              <a:shade val="50000"/>
+            </a:schemeClr>
+          </a:lnRef>
+          <a:fillRef idx="1">
+            <a:schemeClr val="accent1"/>
+          </a:fillRef>
+          <a:effectRef idx="0">
+            <a:schemeClr val="accent1"/>
+          </a:effectRef>
+          <a:fontRef idx="minor">
+            <a:schemeClr val="lt1"/>
+          </a:fontRef>
+        </p:style>
+        <p:txBody>
+          <a:bodyPr rtlCol="0" anchor="ctr"/>
+          <a:lstStyle/>
+          <a:p>
+            <a:pPr algn="ctr"/>
+            <a:endParaRPr lang="en-US"/>
+          </a:p>
+        </p:txBody>
+      </p:sp>
+      <p:sp>
+        <p:nvSpPr>
+          <p:cNvPr id="74" name="Alternate Process 73">
+            <a:extLst>
+              <a:ext uri="{FF2B5EF4-FFF2-40B4-BE49-F238E27FC236}">
+                <a16:creationId xmlns:a16="http://schemas.microsoft.com/office/drawing/2014/main" id="{FE8667A6-F77B-4F86-9298-A07D9F6D891D}"/>
+              </a:ext>
+            </a:extLst>
+          </p:cNvPr>
+          <p:cNvSpPr/>
+          <p:nvPr/>
+        </p:nvSpPr>
+        <p:spPr>
+          <a:xfrm rot="16200000">
+            <a:off x="5889213" y="4435136"/>
+            <a:ext cx="1529205" cy="1391920"/>
+          </a:xfrm>
+          <a:prstGeom prst="flowChartAlternateProcess">
+            <a:avLst/>
+          </a:prstGeom>
+          <a:noFill/>
+        </p:spPr>
+        <p:style>
+          <a:lnRef idx="2">
+            <a:schemeClr val="accent1">
+              <a:shade val="50000"/>
+            </a:schemeClr>
+          </a:lnRef>
+          <a:fillRef idx="1">
+            <a:schemeClr val="accent1"/>
+          </a:fillRef>
+          <a:effectRef idx="0">
+            <a:schemeClr val="accent1"/>
+          </a:effectRef>
+          <a:fontRef idx="minor">
+            <a:schemeClr val="lt1"/>
+          </a:fontRef>
+        </p:style>
+        <p:txBody>
+          <a:bodyPr rtlCol="0" anchor="ctr"/>
+          <a:lstStyle/>
+          <a:p>
+            <a:pPr algn="ctr"/>
+            <a:endParaRPr lang="en-US"/>
+          </a:p>
+        </p:txBody>
+      </p:sp>
+      <p:sp>
+        <p:nvSpPr>
+          <p:cNvPr id="75" name="Alternate Process 74">
+            <a:extLst>
+              <a:ext uri="{FF2B5EF4-FFF2-40B4-BE49-F238E27FC236}">
+                <a16:creationId xmlns:a16="http://schemas.microsoft.com/office/drawing/2014/main" id="{B8FEF9EC-70AB-5E61-7E1A-9ABD4D3D8588}"/>
+              </a:ext>
+            </a:extLst>
+          </p:cNvPr>
+          <p:cNvSpPr/>
+          <p:nvPr/>
+        </p:nvSpPr>
+        <p:spPr>
+          <a:xfrm rot="16200000">
+            <a:off x="7684885" y="4437774"/>
+            <a:ext cx="1529205" cy="1391920"/>
+          </a:xfrm>
+          <a:prstGeom prst="flowChartAlternateProcess">
+            <a:avLst/>
+          </a:prstGeom>
+          <a:noFill/>
+        </p:spPr>
+        <p:style>
+          <a:lnRef idx="2">
+            <a:schemeClr val="accent1">
+              <a:shade val="50000"/>
+            </a:schemeClr>
+          </a:lnRef>
+          <a:fillRef idx="1">
+            <a:schemeClr val="accent1"/>
+          </a:fillRef>
+          <a:effectRef idx="0">
+            <a:schemeClr val="accent1"/>
+          </a:effectRef>
+          <a:fontRef idx="minor">
+            <a:schemeClr val="lt1"/>
+          </a:fontRef>
+        </p:style>
+        <p:txBody>
+          <a:bodyPr rtlCol="0" anchor="ctr"/>
+          <a:lstStyle/>
+          <a:p>
+            <a:pPr algn="ctr"/>
+            <a:endParaRPr lang="en-US"/>
+          </a:p>
+        </p:txBody>
+      </p:sp>
+      <p:sp>
+        <p:nvSpPr>
+          <p:cNvPr id="76" name="Alternate Process 75">
+            <a:extLst>
+              <a:ext uri="{FF2B5EF4-FFF2-40B4-BE49-F238E27FC236}">
+                <a16:creationId xmlns:a16="http://schemas.microsoft.com/office/drawing/2014/main" id="{B82D6278-5007-04BD-AB1E-2CE63BA8C803}"/>
+              </a:ext>
+            </a:extLst>
+          </p:cNvPr>
+          <p:cNvSpPr/>
+          <p:nvPr/>
+        </p:nvSpPr>
+        <p:spPr>
+          <a:xfrm rot="16200000">
+            <a:off x="2924970" y="4079602"/>
+            <a:ext cx="369331" cy="1391920"/>
+          </a:xfrm>
+          <a:prstGeom prst="flowChartAlternateProcess">
+            <a:avLst/>
+          </a:prstGeom>
+          <a:noFill/>
+        </p:spPr>
+        <p:style>
+          <a:lnRef idx="2">
+            <a:schemeClr val="accent1">
+              <a:shade val="50000"/>
+            </a:schemeClr>
+          </a:lnRef>
+          <a:fillRef idx="1">
+            <a:schemeClr val="accent1"/>
+          </a:fillRef>
+          <a:effectRef idx="0">
+            <a:schemeClr val="accent1"/>
+          </a:effectRef>
+          <a:fontRef idx="minor">
+            <a:schemeClr val="lt1"/>
+          </a:fontRef>
+        </p:style>
+        <p:txBody>
+          <a:bodyPr rtlCol="0" anchor="ctr"/>
+          <a:lstStyle/>
+          <a:p>
+            <a:pPr algn="ctr"/>
+            <a:endParaRPr lang="en-US"/>
+          </a:p>
+        </p:txBody>
+      </p:sp>
+      <p:sp>
+        <p:nvSpPr>
+          <p:cNvPr id="77" name="Alternate Process 76">
+            <a:extLst>
+              <a:ext uri="{FF2B5EF4-FFF2-40B4-BE49-F238E27FC236}">
+                <a16:creationId xmlns:a16="http://schemas.microsoft.com/office/drawing/2014/main" id="{37719B44-2501-F538-7E91-A38A45A73209}"/>
+              </a:ext>
+            </a:extLst>
+          </p:cNvPr>
+          <p:cNvSpPr/>
+          <p:nvPr/>
+        </p:nvSpPr>
+        <p:spPr>
+          <a:xfrm rot="16200000">
+            <a:off x="4697198" y="4536030"/>
+            <a:ext cx="369331" cy="1391920"/>
+          </a:xfrm>
+          <a:prstGeom prst="flowChartAlternateProcess">
+            <a:avLst/>
+          </a:prstGeom>
+          <a:noFill/>
+        </p:spPr>
+        <p:style>
+          <a:lnRef idx="2">
+            <a:schemeClr val="accent1">
+              <a:shade val="50000"/>
+            </a:schemeClr>
+          </a:lnRef>
+          <a:fillRef idx="1">
+            <a:schemeClr val="accent1"/>
+          </a:fillRef>
+          <a:effectRef idx="0">
+            <a:schemeClr val="accent1"/>
+          </a:effectRef>
+          <a:fontRef idx="minor">
+            <a:schemeClr val="lt1"/>
+          </a:fontRef>
+        </p:style>
+        <p:txBody>
+          <a:bodyPr rtlCol="0" anchor="ctr"/>
+          <a:lstStyle/>
+          <a:p>
+            <a:pPr algn="ctr"/>
+            <a:endParaRPr lang="en-US"/>
+          </a:p>
+        </p:txBody>
+      </p:sp>
+      <p:sp>
+        <p:nvSpPr>
+          <p:cNvPr id="78" name="Alternate Process 77">
+            <a:extLst>
+              <a:ext uri="{FF2B5EF4-FFF2-40B4-BE49-F238E27FC236}">
+                <a16:creationId xmlns:a16="http://schemas.microsoft.com/office/drawing/2014/main" id="{C484A7DD-3A34-85A5-1FEF-54E333E0E4B4}"/>
+              </a:ext>
+            </a:extLst>
+          </p:cNvPr>
+          <p:cNvSpPr/>
+          <p:nvPr/>
+        </p:nvSpPr>
+        <p:spPr>
+          <a:xfrm rot="16200000">
+            <a:off x="6469151" y="4090819"/>
+            <a:ext cx="369331" cy="1391920"/>
+          </a:xfrm>
+          <a:prstGeom prst="flowChartAlternateProcess">
+            <a:avLst/>
+          </a:prstGeom>
+          <a:noFill/>
+        </p:spPr>
+        <p:style>
+          <a:lnRef idx="2">
+            <a:schemeClr val="accent1">
+              <a:shade val="50000"/>
+            </a:schemeClr>
+          </a:lnRef>
+          <a:fillRef idx="1">
+            <a:schemeClr val="accent1"/>
+          </a:fillRef>
+          <a:effectRef idx="0">
+            <a:schemeClr val="accent1"/>
+          </a:effectRef>
+          <a:fontRef idx="minor">
+            <a:schemeClr val="lt1"/>
+          </a:fontRef>
+        </p:style>
+        <p:txBody>
+          <a:bodyPr rtlCol="0" anchor="ctr"/>
+          <a:lstStyle/>
+          <a:p>
+            <a:pPr algn="ctr"/>
+            <a:endParaRPr lang="en-US"/>
+          </a:p>
+        </p:txBody>
+      </p:sp>
+      <p:sp>
+        <p:nvSpPr>
+          <p:cNvPr id="79" name="Alternate Process 78">
+            <a:extLst>
+              <a:ext uri="{FF2B5EF4-FFF2-40B4-BE49-F238E27FC236}">
+                <a16:creationId xmlns:a16="http://schemas.microsoft.com/office/drawing/2014/main" id="{97DCD7F7-DA02-5522-F245-8164FA8C6739}"/>
+              </a:ext>
+            </a:extLst>
+          </p:cNvPr>
+          <p:cNvSpPr/>
+          <p:nvPr/>
+        </p:nvSpPr>
+        <p:spPr>
+          <a:xfrm rot="16200000">
+            <a:off x="8264823" y="4770905"/>
+            <a:ext cx="369331" cy="1391920"/>
+          </a:xfrm>
+          <a:prstGeom prst="flowChartAlternateProcess">
+            <a:avLst/>
+          </a:prstGeom>
+          <a:noFill/>
+        </p:spPr>
+        <p:style>
+          <a:lnRef idx="2">
+            <a:schemeClr val="accent1">
+              <a:shade val="50000"/>
+            </a:schemeClr>
+          </a:lnRef>
+          <a:fillRef idx="1">
+            <a:schemeClr val="accent1"/>
+          </a:fillRef>
+          <a:effectRef idx="0">
+            <a:schemeClr val="accent1"/>
+          </a:effectRef>
+          <a:fontRef idx="minor">
+            <a:schemeClr val="lt1"/>
+          </a:fontRef>
+        </p:style>
+        <p:txBody>
+          <a:bodyPr rtlCol="0" anchor="ctr"/>
+          <a:lstStyle/>
+          <a:p>
+            <a:pPr algn="ctr"/>
+            <a:endParaRPr lang="en-US"/>
+          </a:p>
+        </p:txBody>
+      </p:sp>
+      <p:cxnSp>
+        <p:nvCxnSpPr>
+          <p:cNvPr id="83" name="Straight Connector 82">
+            <a:extLst>
+              <a:ext uri="{FF2B5EF4-FFF2-40B4-BE49-F238E27FC236}">
+                <a16:creationId xmlns:a16="http://schemas.microsoft.com/office/drawing/2014/main" id="{C176E3A3-85FD-16F3-5187-CFDCFBE8BB08}"/>
+              </a:ext>
+            </a:extLst>
+          </p:cNvPr>
+          <p:cNvCxnSpPr>
+            <a:cxnSpLocks/>
+            <a:stCxn id="33" idx="1"/>
+          </p:cNvCxnSpPr>
+          <p:nvPr/>
+        </p:nvCxnSpPr>
+        <p:spPr>
+          <a:xfrm flipH="1">
+            <a:off x="2002974" y="3247450"/>
+            <a:ext cx="1609637" cy="0"/>
+          </a:xfrm>
+          <a:prstGeom prst="line">
+            <a:avLst/>
+          </a:prstGeom>
+          <a:ln w="41275">
+            <a:solidFill>
+              <a:schemeClr val="tx1"/>
+            </a:solidFill>
+          </a:ln>
+        </p:spPr>
+        <p:style>
+          <a:lnRef idx="1">
+            <a:schemeClr val="accent1"/>
+          </a:lnRef>
+          <a:fillRef idx="0">
+            <a:schemeClr val="accent1"/>
+          </a:fillRef>
+          <a:effectRef idx="0">
+            <a:schemeClr val="accent1"/>
+          </a:effectRef>
+          <a:fontRef idx="minor">
+            <a:schemeClr val="tx1"/>
+          </a:fontRef>
+        </p:style>
+      </p:cxnSp>
+      <p:cxnSp>
+        <p:nvCxnSpPr>
+          <p:cNvPr id="84" name="Straight Connector 83">
+            <a:extLst>
+              <a:ext uri="{FF2B5EF4-FFF2-40B4-BE49-F238E27FC236}">
+                <a16:creationId xmlns:a16="http://schemas.microsoft.com/office/drawing/2014/main" id="{CE81FC76-8DED-44B2-FFE7-A2FBD00CDA85}"/>
+              </a:ext>
+            </a:extLst>
+          </p:cNvPr>
+          <p:cNvCxnSpPr>
+            <a:cxnSpLocks/>
+          </p:cNvCxnSpPr>
+          <p:nvPr/>
+        </p:nvCxnSpPr>
+        <p:spPr>
+          <a:xfrm>
+            <a:off x="2002974" y="3247450"/>
+            <a:ext cx="0" cy="1463887"/>
+          </a:xfrm>
+          <a:prstGeom prst="line">
+            <a:avLst/>
+          </a:prstGeom>
+          <a:ln w="41275">
+            <a:solidFill>
+              <a:schemeClr val="tx1"/>
+            </a:solidFill>
+          </a:ln>
+        </p:spPr>
+        <p:style>
+          <a:lnRef idx="1">
+            <a:schemeClr val="accent1"/>
+          </a:lnRef>
+          <a:fillRef idx="0">
+            <a:schemeClr val="accent1"/>
+          </a:fillRef>
+          <a:effectRef idx="0">
+            <a:schemeClr val="accent1"/>
+          </a:effectRef>
+          <a:fontRef idx="minor">
+            <a:schemeClr val="tx1"/>
+          </a:fontRef>
+        </p:style>
+      </p:cxnSp>
+      <p:cxnSp>
+        <p:nvCxnSpPr>
+          <p:cNvPr id="87" name="Straight Connector 86">
+            <a:extLst>
+              <a:ext uri="{FF2B5EF4-FFF2-40B4-BE49-F238E27FC236}">
+                <a16:creationId xmlns:a16="http://schemas.microsoft.com/office/drawing/2014/main" id="{C949F59F-BB57-852B-F7BC-B92E9C2D51C6}"/>
+              </a:ext>
+            </a:extLst>
+          </p:cNvPr>
+          <p:cNvCxnSpPr>
+            <a:cxnSpLocks/>
+          </p:cNvCxnSpPr>
+          <p:nvPr/>
+        </p:nvCxnSpPr>
+        <p:spPr>
+          <a:xfrm>
+            <a:off x="2002974" y="4706489"/>
+            <a:ext cx="401993" cy="112618"/>
+          </a:xfrm>
+          <a:prstGeom prst="line">
+            <a:avLst/>
+          </a:prstGeom>
+          <a:ln w="41275">
+            <a:solidFill>
+              <a:schemeClr val="tx1"/>
+            </a:solidFill>
+            <a:tailEnd type="none"/>
+          </a:ln>
+        </p:spPr>
+        <p:style>
+          <a:lnRef idx="1">
+            <a:schemeClr val="accent1"/>
+          </a:lnRef>
+          <a:fillRef idx="0">
+            <a:schemeClr val="accent1"/>
+          </a:fillRef>
+          <a:effectRef idx="0">
+            <a:schemeClr val="accent1"/>
+          </a:effectRef>
+          <a:fontRef idx="minor">
+            <a:schemeClr val="tx1"/>
+          </a:fontRef>
+        </p:style>
+      </p:cxnSp>
+      <p:sp>
+        <p:nvSpPr>
+          <p:cNvPr id="92" name="TextBox 91">
+            <a:extLst>
+              <a:ext uri="{FF2B5EF4-FFF2-40B4-BE49-F238E27FC236}">
+                <a16:creationId xmlns:a16="http://schemas.microsoft.com/office/drawing/2014/main" id="{4AF12098-4685-0F0C-3B1D-B5F381502EBA}"/>
+              </a:ext>
+            </a:extLst>
+          </p:cNvPr>
+          <p:cNvSpPr txBox="1"/>
+          <p:nvPr/>
+        </p:nvSpPr>
+        <p:spPr>
+          <a:xfrm>
+            <a:off x="2813101" y="4557298"/>
+            <a:ext cx="597794" cy="369332"/>
+          </a:xfrm>
+          <a:prstGeom prst="rect">
+            <a:avLst/>
+          </a:prstGeom>
+          <a:noFill/>
+        </p:spPr>
+        <p:txBody>
+          <a:bodyPr wrap="square" rtlCol="0">
+            <a:spAutoFit/>
+          </a:bodyPr>
+          <a:lstStyle/>
+          <a:p>
+            <a:r>
+              <a:rPr lang="en-US" dirty="0"/>
+              <a:t>l4e</a:t>
+            </a:r>
+            <a:r>
+              <a:rPr lang="en-US" baseline="-25000" dirty="0"/>
+              <a:t>0</a:t>
+            </a:r>
+            <a:endParaRPr lang="en-US" dirty="0"/>
+          </a:p>
+        </p:txBody>
+      </p:sp>
+      <p:sp>
+        <p:nvSpPr>
+          <p:cNvPr id="93" name="TextBox 92">
+            <a:extLst>
+              <a:ext uri="{FF2B5EF4-FFF2-40B4-BE49-F238E27FC236}">
+                <a16:creationId xmlns:a16="http://schemas.microsoft.com/office/drawing/2014/main" id="{D3C3AA6B-42BB-1EF4-B23B-B80F1B76F068}"/>
+              </a:ext>
+            </a:extLst>
+          </p:cNvPr>
+          <p:cNvSpPr txBox="1"/>
+          <p:nvPr/>
+        </p:nvSpPr>
+        <p:spPr>
+          <a:xfrm>
+            <a:off x="4594551" y="5022787"/>
+            <a:ext cx="597794" cy="369332"/>
+          </a:xfrm>
+          <a:prstGeom prst="rect">
+            <a:avLst/>
+          </a:prstGeom>
+          <a:noFill/>
+        </p:spPr>
+        <p:txBody>
+          <a:bodyPr wrap="square" rtlCol="0">
+            <a:spAutoFit/>
+          </a:bodyPr>
+          <a:lstStyle/>
+          <a:p>
+            <a:r>
+              <a:rPr lang="en-US" dirty="0"/>
+              <a:t>l3e</a:t>
+            </a:r>
+            <a:r>
+              <a:rPr lang="en-US" baseline="-25000" dirty="0"/>
+              <a:t>0</a:t>
+            </a:r>
+            <a:endParaRPr lang="en-US" dirty="0"/>
+          </a:p>
+        </p:txBody>
+      </p:sp>
+      <p:sp>
+        <p:nvSpPr>
+          <p:cNvPr id="94" name="TextBox 93">
+            <a:extLst>
+              <a:ext uri="{FF2B5EF4-FFF2-40B4-BE49-F238E27FC236}">
+                <a16:creationId xmlns:a16="http://schemas.microsoft.com/office/drawing/2014/main" id="{7A112534-CB9A-FA90-B4DA-3C767B38711B}"/>
+              </a:ext>
+            </a:extLst>
+          </p:cNvPr>
+          <p:cNvSpPr txBox="1"/>
+          <p:nvPr/>
+        </p:nvSpPr>
+        <p:spPr>
+          <a:xfrm>
+            <a:off x="6352898" y="4572934"/>
+            <a:ext cx="597794" cy="369332"/>
+          </a:xfrm>
+          <a:prstGeom prst="rect">
+            <a:avLst/>
+          </a:prstGeom>
+          <a:noFill/>
+        </p:spPr>
+        <p:txBody>
+          <a:bodyPr wrap="square" rtlCol="0">
+            <a:spAutoFit/>
+          </a:bodyPr>
+          <a:lstStyle/>
+          <a:p>
+            <a:r>
+              <a:rPr lang="en-US" dirty="0"/>
+              <a:t>l2e</a:t>
+            </a:r>
+            <a:r>
+              <a:rPr lang="en-US" baseline="-25000" dirty="0"/>
+              <a:t>0</a:t>
+            </a:r>
+            <a:endParaRPr lang="en-US" dirty="0"/>
+          </a:p>
+        </p:txBody>
+      </p:sp>
+      <p:sp>
+        <p:nvSpPr>
+          <p:cNvPr id="95" name="TextBox 94">
+            <a:extLst>
+              <a:ext uri="{FF2B5EF4-FFF2-40B4-BE49-F238E27FC236}">
+                <a16:creationId xmlns:a16="http://schemas.microsoft.com/office/drawing/2014/main" id="{2742FD47-6FCB-53FF-059F-25ADEC9EAA0A}"/>
+              </a:ext>
+            </a:extLst>
+          </p:cNvPr>
+          <p:cNvSpPr txBox="1"/>
+          <p:nvPr/>
+        </p:nvSpPr>
+        <p:spPr>
+          <a:xfrm>
+            <a:off x="8139045" y="5286037"/>
+            <a:ext cx="597794" cy="369332"/>
+          </a:xfrm>
+          <a:prstGeom prst="rect">
+            <a:avLst/>
+          </a:prstGeom>
+          <a:noFill/>
+        </p:spPr>
+        <p:txBody>
+          <a:bodyPr wrap="square" rtlCol="0">
+            <a:spAutoFit/>
+          </a:bodyPr>
+          <a:lstStyle/>
+          <a:p>
+            <a:r>
+              <a:rPr lang="en-US" dirty="0"/>
+              <a:t>l1e</a:t>
+            </a:r>
+            <a:r>
+              <a:rPr lang="en-US" baseline="-25000" dirty="0"/>
+              <a:t>0</a:t>
+            </a:r>
+            <a:endParaRPr lang="en-US" dirty="0"/>
+          </a:p>
+        </p:txBody>
+      </p:sp>
+      <p:sp>
+        <p:nvSpPr>
+          <p:cNvPr id="97" name="Alternate Process 96">
+            <a:extLst>
+              <a:ext uri="{FF2B5EF4-FFF2-40B4-BE49-F238E27FC236}">
+                <a16:creationId xmlns:a16="http://schemas.microsoft.com/office/drawing/2014/main" id="{D782951D-778B-1404-FC36-6D3D584DE4BB}"/>
+              </a:ext>
+            </a:extLst>
+          </p:cNvPr>
+          <p:cNvSpPr/>
+          <p:nvPr/>
+        </p:nvSpPr>
+        <p:spPr>
+          <a:xfrm rot="16200000">
+            <a:off x="10072408" y="3475071"/>
+            <a:ext cx="476970" cy="1314584"/>
+          </a:xfrm>
+          <a:prstGeom prst="flowChartAlternateProcess">
+            <a:avLst/>
+          </a:prstGeom>
+          <a:noFill/>
+        </p:spPr>
+        <p:style>
+          <a:lnRef idx="2">
+            <a:schemeClr val="accent1">
+              <a:shade val="50000"/>
+            </a:schemeClr>
+          </a:lnRef>
+          <a:fillRef idx="1">
+            <a:schemeClr val="accent1"/>
+          </a:fillRef>
+          <a:effectRef idx="0">
+            <a:schemeClr val="accent1"/>
+          </a:effectRef>
+          <a:fontRef idx="minor">
+            <a:schemeClr val="lt1"/>
+          </a:fontRef>
+        </p:style>
+        <p:txBody>
+          <a:bodyPr rtlCol="0" anchor="ctr"/>
+          <a:lstStyle/>
+          <a:p>
+            <a:pPr algn="ctr"/>
+            <a:endParaRPr lang="en-US"/>
+          </a:p>
+        </p:txBody>
+      </p:sp>
+      <p:sp>
+        <p:nvSpPr>
+          <p:cNvPr id="98" name="TextBox 97">
+            <a:extLst>
+              <a:ext uri="{FF2B5EF4-FFF2-40B4-BE49-F238E27FC236}">
+                <a16:creationId xmlns:a16="http://schemas.microsoft.com/office/drawing/2014/main" id="{8A26717D-1D5A-FC6C-0A33-7FDA657B2BDB}"/>
+              </a:ext>
+            </a:extLst>
+          </p:cNvPr>
+          <p:cNvSpPr txBox="1"/>
+          <p:nvPr/>
+        </p:nvSpPr>
+        <p:spPr>
+          <a:xfrm>
+            <a:off x="9795556" y="3956386"/>
+            <a:ext cx="1212140" cy="369332"/>
+          </a:xfrm>
+          <a:prstGeom prst="rect">
+            <a:avLst/>
+          </a:prstGeom>
+          <a:noFill/>
+        </p:spPr>
+        <p:txBody>
+          <a:bodyPr wrap="square" rtlCol="0">
+            <a:spAutoFit/>
+          </a:bodyPr>
+          <a:lstStyle/>
+          <a:p>
+            <a:r>
+              <a:rPr lang="en-US" dirty="0"/>
+              <a:t>Page </a:t>
+            </a:r>
+            <a:r>
+              <a:rPr lang="en-US" dirty="0" err="1"/>
+              <a:t>Addr</a:t>
+            </a:r>
+            <a:endParaRPr lang="en-US" dirty="0"/>
+          </a:p>
+        </p:txBody>
+      </p:sp>
+      <p:sp>
+        <p:nvSpPr>
+          <p:cNvPr id="99" name="Alternate Process 98">
+            <a:extLst>
+              <a:ext uri="{FF2B5EF4-FFF2-40B4-BE49-F238E27FC236}">
+                <a16:creationId xmlns:a16="http://schemas.microsoft.com/office/drawing/2014/main" id="{566DD27C-4278-9003-F033-A56033A44295}"/>
+              </a:ext>
+            </a:extLst>
+          </p:cNvPr>
+          <p:cNvSpPr/>
+          <p:nvPr/>
+        </p:nvSpPr>
+        <p:spPr>
+          <a:xfrm rot="16200000">
+            <a:off x="9561584" y="4442127"/>
+            <a:ext cx="1529205" cy="1391920"/>
+          </a:xfrm>
+          <a:prstGeom prst="flowChartAlternateProcess">
+            <a:avLst/>
+          </a:prstGeom>
+          <a:noFill/>
+        </p:spPr>
+        <p:style>
+          <a:lnRef idx="2">
+            <a:schemeClr val="accent1">
+              <a:shade val="50000"/>
+            </a:schemeClr>
+          </a:lnRef>
+          <a:fillRef idx="1">
+            <a:schemeClr val="accent1"/>
+          </a:fillRef>
+          <a:effectRef idx="0">
+            <a:schemeClr val="accent1"/>
+          </a:effectRef>
+          <a:fontRef idx="minor">
+            <a:schemeClr val="lt1"/>
+          </a:fontRef>
+        </p:style>
+        <p:txBody>
+          <a:bodyPr rtlCol="0" anchor="ctr"/>
+          <a:lstStyle/>
+          <a:p>
+            <a:pPr algn="ctr"/>
+            <a:endParaRPr lang="en-US"/>
+          </a:p>
+        </p:txBody>
+      </p:sp>
+      <p:sp>
+        <p:nvSpPr>
+          <p:cNvPr id="101" name="Alternate Process 100">
+            <a:extLst>
+              <a:ext uri="{FF2B5EF4-FFF2-40B4-BE49-F238E27FC236}">
+                <a16:creationId xmlns:a16="http://schemas.microsoft.com/office/drawing/2014/main" id="{C7F852B3-ADAF-EC71-71A6-9808F26D8CC5}"/>
+              </a:ext>
+            </a:extLst>
+          </p:cNvPr>
+          <p:cNvSpPr/>
+          <p:nvPr/>
+        </p:nvSpPr>
+        <p:spPr>
+          <a:xfrm rot="16200000">
+            <a:off x="10147477" y="4790401"/>
+            <a:ext cx="369331" cy="1391920"/>
+          </a:xfrm>
+          <a:prstGeom prst="flowChartAlternateProcess">
+            <a:avLst/>
+          </a:prstGeom>
+          <a:noFill/>
+        </p:spPr>
+        <p:style>
+          <a:lnRef idx="2">
+            <a:schemeClr val="accent1">
+              <a:shade val="50000"/>
+            </a:schemeClr>
+          </a:lnRef>
+          <a:fillRef idx="1">
+            <a:schemeClr val="accent1"/>
+          </a:fillRef>
+          <a:effectRef idx="0">
+            <a:schemeClr val="accent1"/>
+          </a:effectRef>
+          <a:fontRef idx="minor">
+            <a:schemeClr val="lt1"/>
+          </a:fontRef>
+        </p:style>
+        <p:txBody>
+          <a:bodyPr rtlCol="0" anchor="ctr"/>
+          <a:lstStyle/>
+          <a:p>
+            <a:pPr algn="ctr"/>
+            <a:endParaRPr lang="en-US"/>
+          </a:p>
+        </p:txBody>
+      </p:sp>
+      <p:sp>
+        <p:nvSpPr>
+          <p:cNvPr id="102" name="TextBox 101">
+            <a:extLst>
+              <a:ext uri="{FF2B5EF4-FFF2-40B4-BE49-F238E27FC236}">
+                <a16:creationId xmlns:a16="http://schemas.microsoft.com/office/drawing/2014/main" id="{0C6C9711-B1BD-62DC-DAB7-170967382E29}"/>
+              </a:ext>
+            </a:extLst>
+          </p:cNvPr>
+          <p:cNvSpPr txBox="1"/>
+          <p:nvPr/>
+        </p:nvSpPr>
+        <p:spPr>
+          <a:xfrm>
+            <a:off x="9925903" y="5305533"/>
+            <a:ext cx="985997" cy="369332"/>
+          </a:xfrm>
+          <a:prstGeom prst="rect">
+            <a:avLst/>
+          </a:prstGeom>
+          <a:noFill/>
+        </p:spPr>
+        <p:txBody>
+          <a:bodyPr wrap="square" rtlCol="0">
+            <a:spAutoFit/>
+          </a:bodyPr>
+          <a:lstStyle/>
+          <a:p>
+            <a:r>
+              <a:rPr lang="en-US" dirty="0"/>
+              <a:t>paddr</a:t>
+            </a:r>
+            <a:r>
+              <a:rPr lang="en-US" baseline="-25000" dirty="0"/>
+              <a:t>0</a:t>
+            </a:r>
+            <a:endParaRPr lang="en-US" dirty="0"/>
+          </a:p>
+        </p:txBody>
+      </p:sp>
+      <p:cxnSp>
+        <p:nvCxnSpPr>
+          <p:cNvPr id="105" name="Straight Connector 104">
+            <a:extLst>
+              <a:ext uri="{FF2B5EF4-FFF2-40B4-BE49-F238E27FC236}">
+                <a16:creationId xmlns:a16="http://schemas.microsoft.com/office/drawing/2014/main" id="{EEA3461E-8010-EBBB-DC8B-C09C08FF1615}"/>
+              </a:ext>
+            </a:extLst>
+          </p:cNvPr>
+          <p:cNvCxnSpPr>
+            <a:cxnSpLocks/>
+            <a:stCxn id="76" idx="2"/>
+            <a:endCxn id="77" idx="0"/>
+          </p:cNvCxnSpPr>
+          <p:nvPr/>
+        </p:nvCxnSpPr>
+        <p:spPr>
+          <a:xfrm>
+            <a:off x="3805596" y="4775562"/>
+            <a:ext cx="380308" cy="456428"/>
+          </a:xfrm>
+          <a:prstGeom prst="line">
+            <a:avLst/>
+          </a:prstGeom>
+          <a:ln w="41275">
+            <a:solidFill>
+              <a:schemeClr val="tx1"/>
+            </a:solidFill>
+            <a:tailEnd type="none"/>
+          </a:ln>
+        </p:spPr>
+        <p:style>
+          <a:lnRef idx="1">
+            <a:schemeClr val="accent1"/>
+          </a:lnRef>
+          <a:fillRef idx="0">
+            <a:schemeClr val="accent1"/>
+          </a:fillRef>
+          <a:effectRef idx="0">
+            <a:schemeClr val="accent1"/>
+          </a:effectRef>
+          <a:fontRef idx="minor">
+            <a:schemeClr val="tx1"/>
+          </a:fontRef>
+        </p:style>
+      </p:cxnSp>
+      <p:cxnSp>
+        <p:nvCxnSpPr>
+          <p:cNvPr id="107" name="Straight Connector 106">
+            <a:extLst>
+              <a:ext uri="{FF2B5EF4-FFF2-40B4-BE49-F238E27FC236}">
+                <a16:creationId xmlns:a16="http://schemas.microsoft.com/office/drawing/2014/main" id="{A801DE95-B69E-B874-AB7E-1AB304BDF3BC}"/>
+              </a:ext>
+            </a:extLst>
+          </p:cNvPr>
+          <p:cNvCxnSpPr>
+            <a:cxnSpLocks/>
+            <a:stCxn id="77" idx="2"/>
+            <a:endCxn id="78" idx="0"/>
+          </p:cNvCxnSpPr>
+          <p:nvPr/>
+        </p:nvCxnSpPr>
+        <p:spPr>
+          <a:xfrm flipV="1">
+            <a:off x="5577824" y="4786779"/>
+            <a:ext cx="380033" cy="445211"/>
+          </a:xfrm>
+          <a:prstGeom prst="line">
+            <a:avLst/>
+          </a:prstGeom>
+          <a:ln w="41275">
+            <a:solidFill>
+              <a:schemeClr val="tx1"/>
+            </a:solidFill>
+            <a:tailEnd type="none"/>
+          </a:ln>
+        </p:spPr>
+        <p:style>
+          <a:lnRef idx="1">
+            <a:schemeClr val="accent1"/>
+          </a:lnRef>
+          <a:fillRef idx="0">
+            <a:schemeClr val="accent1"/>
+          </a:fillRef>
+          <a:effectRef idx="0">
+            <a:schemeClr val="accent1"/>
+          </a:effectRef>
+          <a:fontRef idx="minor">
+            <a:schemeClr val="tx1"/>
+          </a:fontRef>
+        </p:style>
+      </p:cxnSp>
+      <p:cxnSp>
+        <p:nvCxnSpPr>
+          <p:cNvPr id="110" name="Straight Connector 109">
+            <a:extLst>
+              <a:ext uri="{FF2B5EF4-FFF2-40B4-BE49-F238E27FC236}">
+                <a16:creationId xmlns:a16="http://schemas.microsoft.com/office/drawing/2014/main" id="{76A52CFD-6BBF-4609-CCCA-2F4903148B37}"/>
+              </a:ext>
+            </a:extLst>
+          </p:cNvPr>
+          <p:cNvCxnSpPr>
+            <a:cxnSpLocks/>
+            <a:stCxn id="78" idx="2"/>
+            <a:endCxn id="79" idx="0"/>
+          </p:cNvCxnSpPr>
+          <p:nvPr/>
+        </p:nvCxnSpPr>
+        <p:spPr>
+          <a:xfrm>
+            <a:off x="7349777" y="4786779"/>
+            <a:ext cx="403752" cy="680086"/>
+          </a:xfrm>
+          <a:prstGeom prst="line">
+            <a:avLst/>
+          </a:prstGeom>
+          <a:ln w="41275">
+            <a:solidFill>
+              <a:schemeClr val="tx1"/>
+            </a:solidFill>
+            <a:tailEnd type="none"/>
+          </a:ln>
+        </p:spPr>
+        <p:style>
+          <a:lnRef idx="1">
+            <a:schemeClr val="accent1"/>
+          </a:lnRef>
+          <a:fillRef idx="0">
+            <a:schemeClr val="accent1"/>
+          </a:fillRef>
+          <a:effectRef idx="0">
+            <a:schemeClr val="accent1"/>
+          </a:effectRef>
+          <a:fontRef idx="minor">
+            <a:schemeClr val="tx1"/>
+          </a:fontRef>
+        </p:style>
+      </p:cxnSp>
+      <p:cxnSp>
+        <p:nvCxnSpPr>
+          <p:cNvPr id="113" name="Straight Connector 112">
+            <a:extLst>
+              <a:ext uri="{FF2B5EF4-FFF2-40B4-BE49-F238E27FC236}">
+                <a16:creationId xmlns:a16="http://schemas.microsoft.com/office/drawing/2014/main" id="{94B51A9A-83F1-A210-5F3A-1316B4BD5589}"/>
+              </a:ext>
+            </a:extLst>
+          </p:cNvPr>
+          <p:cNvCxnSpPr>
+            <a:cxnSpLocks/>
+            <a:stCxn id="79" idx="2"/>
+            <a:endCxn id="101" idx="0"/>
+          </p:cNvCxnSpPr>
+          <p:nvPr/>
+        </p:nvCxnSpPr>
+        <p:spPr>
+          <a:xfrm>
+            <a:off x="9145449" y="5466865"/>
+            <a:ext cx="490734" cy="19496"/>
+          </a:xfrm>
+          <a:prstGeom prst="line">
+            <a:avLst/>
+          </a:prstGeom>
+          <a:ln w="41275">
+            <a:solidFill>
+              <a:schemeClr val="tx1"/>
+            </a:solidFill>
+            <a:tailEnd type="none"/>
+          </a:ln>
+        </p:spPr>
+        <p:style>
+          <a:lnRef idx="1">
+            <a:schemeClr val="accent1"/>
+          </a:lnRef>
+          <a:fillRef idx="0">
+            <a:schemeClr val="accent1"/>
+          </a:fillRef>
+          <a:effectRef idx="0">
+            <a:schemeClr val="accent1"/>
+          </a:effectRef>
+          <a:fontRef idx="minor">
+            <a:schemeClr val="tx1"/>
+          </a:fontRef>
+        </p:style>
+      </p:cxnSp>
+      <p:cxnSp>
+        <p:nvCxnSpPr>
+          <p:cNvPr id="117" name="Straight Connector 116">
+            <a:extLst>
+              <a:ext uri="{FF2B5EF4-FFF2-40B4-BE49-F238E27FC236}">
+                <a16:creationId xmlns:a16="http://schemas.microsoft.com/office/drawing/2014/main" id="{C7BE8080-940D-FF40-FC3D-A8C8CE577CD3}"/>
+              </a:ext>
+            </a:extLst>
+          </p:cNvPr>
+          <p:cNvCxnSpPr>
+            <a:cxnSpLocks/>
+            <a:endCxn id="48" idx="0"/>
+          </p:cNvCxnSpPr>
+          <p:nvPr/>
+        </p:nvCxnSpPr>
+        <p:spPr>
+          <a:xfrm>
+            <a:off x="11013330" y="5471900"/>
+            <a:ext cx="360863" cy="786218"/>
+          </a:xfrm>
+          <a:prstGeom prst="line">
+            <a:avLst/>
+          </a:prstGeom>
+          <a:ln w="41275">
+            <a:solidFill>
+              <a:schemeClr val="tx1"/>
+            </a:solidFill>
+            <a:tailEnd type="triangle"/>
+          </a:ln>
+        </p:spPr>
+        <p:style>
+          <a:lnRef idx="1">
+            <a:schemeClr val="accent1"/>
+          </a:lnRef>
+          <a:fillRef idx="0">
+            <a:schemeClr val="accent1"/>
+          </a:fillRef>
+          <a:effectRef idx="0">
+            <a:schemeClr val="accent1"/>
+          </a:effectRef>
+          <a:fontRef idx="minor">
+            <a:schemeClr val="tx1"/>
+          </a:fontRef>
+        </p:style>
+      </p:cxnSp>
+      <p:sp>
+        <p:nvSpPr>
+          <p:cNvPr id="120" name="TextBox 119">
+            <a:extLst>
+              <a:ext uri="{FF2B5EF4-FFF2-40B4-BE49-F238E27FC236}">
+                <a16:creationId xmlns:a16="http://schemas.microsoft.com/office/drawing/2014/main" id="{655D234D-04C6-76A5-D01B-03872A399927}"/>
+              </a:ext>
+            </a:extLst>
+          </p:cNvPr>
+          <p:cNvSpPr txBox="1"/>
+          <p:nvPr/>
+        </p:nvSpPr>
+        <p:spPr>
+          <a:xfrm rot="16200000">
+            <a:off x="1506154" y="3734715"/>
+            <a:ext cx="610462" cy="276999"/>
+          </a:xfrm>
+          <a:prstGeom prst="rect">
+            <a:avLst/>
+          </a:prstGeom>
+          <a:noFill/>
+        </p:spPr>
+        <p:txBody>
+          <a:bodyPr wrap="square" rtlCol="0">
+            <a:spAutoFit/>
+          </a:bodyPr>
+          <a:lstStyle/>
+          <a:p>
+            <a:r>
+              <a:rPr lang="en-US" sz="1200" dirty="0"/>
+              <a:t>52/12 </a:t>
+            </a:r>
+          </a:p>
+        </p:txBody>
+      </p:sp>
+      <p:sp>
+        <p:nvSpPr>
+          <p:cNvPr id="121" name="TextBox 120">
+            <a:extLst>
+              <a:ext uri="{FF2B5EF4-FFF2-40B4-BE49-F238E27FC236}">
+                <a16:creationId xmlns:a16="http://schemas.microsoft.com/office/drawing/2014/main" id="{F307C998-0604-FDE4-16F2-0C6C271DEF54}"/>
+              </a:ext>
+            </a:extLst>
+          </p:cNvPr>
+          <p:cNvSpPr txBox="1"/>
+          <p:nvPr/>
+        </p:nvSpPr>
+        <p:spPr>
+          <a:xfrm rot="16200000">
+            <a:off x="1490868" y="4059598"/>
+            <a:ext cx="597794" cy="276999"/>
+          </a:xfrm>
+          <a:prstGeom prst="rect">
+            <a:avLst/>
+          </a:prstGeom>
+          <a:noFill/>
+        </p:spPr>
+        <p:txBody>
+          <a:bodyPr wrap="square" rtlCol="0">
+            <a:spAutoFit/>
+          </a:bodyPr>
+          <a:lstStyle/>
+          <a:p>
+            <a:r>
+              <a:rPr lang="en-US" sz="1200" dirty="0"/>
+              <a:t>va</a:t>
+            </a:r>
+            <a:r>
+              <a:rPr lang="en-US" sz="1200" baseline="-25000" dirty="0"/>
+              <a:t>0</a:t>
+            </a:r>
+            <a:endParaRPr lang="en-US" sz="1200" dirty="0"/>
+          </a:p>
+        </p:txBody>
+      </p:sp>
+      <p:sp>
+        <p:nvSpPr>
+          <p:cNvPr id="168" name="TextBox 167">
+            <a:extLst>
+              <a:ext uri="{FF2B5EF4-FFF2-40B4-BE49-F238E27FC236}">
+                <a16:creationId xmlns:a16="http://schemas.microsoft.com/office/drawing/2014/main" id="{FF600CD7-879F-96CD-3DAB-9BF3ED15E1DE}"/>
+              </a:ext>
+            </a:extLst>
+          </p:cNvPr>
+          <p:cNvSpPr txBox="1"/>
+          <p:nvPr/>
+        </p:nvSpPr>
+        <p:spPr>
+          <a:xfrm rot="16200000">
+            <a:off x="1580170" y="4836351"/>
+            <a:ext cx="610462" cy="276999"/>
+          </a:xfrm>
+          <a:prstGeom prst="rect">
+            <a:avLst/>
+          </a:prstGeom>
+          <a:noFill/>
+        </p:spPr>
+        <p:txBody>
+          <a:bodyPr wrap="square" rtlCol="0">
+            <a:spAutoFit/>
+          </a:bodyPr>
+          <a:lstStyle/>
+          <a:p>
+            <a:r>
+              <a:rPr lang="en-US" sz="1200" dirty="0">
+                <a:solidFill>
+                  <a:srgbClr val="FF0000"/>
+                </a:solidFill>
+              </a:rPr>
+              <a:t>52/12 </a:t>
+            </a:r>
+          </a:p>
+        </p:txBody>
+      </p:sp>
+      <p:sp>
+        <p:nvSpPr>
+          <p:cNvPr id="169" name="TextBox 168">
+            <a:extLst>
+              <a:ext uri="{FF2B5EF4-FFF2-40B4-BE49-F238E27FC236}">
+                <a16:creationId xmlns:a16="http://schemas.microsoft.com/office/drawing/2014/main" id="{178F7409-EE5E-0755-4807-641F66D77F1E}"/>
+              </a:ext>
+            </a:extLst>
+          </p:cNvPr>
+          <p:cNvSpPr txBox="1"/>
+          <p:nvPr/>
+        </p:nvSpPr>
+        <p:spPr>
+          <a:xfrm rot="16200000">
+            <a:off x="1573593" y="5317990"/>
+            <a:ext cx="597794" cy="276999"/>
+          </a:xfrm>
+          <a:prstGeom prst="rect">
+            <a:avLst/>
+          </a:prstGeom>
+          <a:noFill/>
+        </p:spPr>
+        <p:txBody>
+          <a:bodyPr wrap="square" rtlCol="0">
+            <a:spAutoFit/>
+          </a:bodyPr>
+          <a:lstStyle/>
+          <a:p>
+            <a:r>
+              <a:rPr lang="en-US" sz="1200" dirty="0" err="1">
+                <a:solidFill>
+                  <a:srgbClr val="FF0000"/>
+                </a:solidFill>
+              </a:rPr>
+              <a:t>vanew</a:t>
+            </a:r>
+            <a:endParaRPr lang="en-US" sz="1200" dirty="0">
+              <a:solidFill>
+                <a:srgbClr val="FF0000"/>
+              </a:solidFill>
+            </a:endParaRPr>
+          </a:p>
+        </p:txBody>
+      </p:sp>
+      <p:pic>
+        <p:nvPicPr>
+          <p:cNvPr id="173" name="Picture 172" descr="A black arrow pointing to the right&#10;&#10;Description automatically generated with low confidence">
+            <a:extLst>
+              <a:ext uri="{FF2B5EF4-FFF2-40B4-BE49-F238E27FC236}">
+                <a16:creationId xmlns:a16="http://schemas.microsoft.com/office/drawing/2014/main" id="{AC5A9290-61CF-F446-98F0-89431FB3E347}"/>
+              </a:ext>
+            </a:extLst>
+          </p:cNvPr>
+          <p:cNvPicPr>
+            <a:picLocks noChangeAspect="1"/>
+          </p:cNvPicPr>
+          <p:nvPr/>
+        </p:nvPicPr>
+        <p:blipFill>
+          <a:blip r:embed="rId4"/>
+          <a:stretch>
+            <a:fillRect/>
+          </a:stretch>
+        </p:blipFill>
+        <p:spPr>
+          <a:xfrm>
+            <a:off x="4020676" y="3167213"/>
+            <a:ext cx="319971" cy="210507"/>
+          </a:xfrm>
+          <a:prstGeom prst="rect">
+            <a:avLst/>
+          </a:prstGeom>
+        </p:spPr>
+      </p:pic>
+      <p:sp>
+        <p:nvSpPr>
+          <p:cNvPr id="174" name="TextBox 173">
+            <a:extLst>
+              <a:ext uri="{FF2B5EF4-FFF2-40B4-BE49-F238E27FC236}">
+                <a16:creationId xmlns:a16="http://schemas.microsoft.com/office/drawing/2014/main" id="{F69EA203-AAE0-E412-1BDC-7D403AE17316}"/>
+              </a:ext>
+            </a:extLst>
+          </p:cNvPr>
+          <p:cNvSpPr txBox="1"/>
+          <p:nvPr/>
+        </p:nvSpPr>
+        <p:spPr>
+          <a:xfrm>
+            <a:off x="4289313" y="3048818"/>
+            <a:ext cx="451248" cy="369332"/>
+          </a:xfrm>
+          <a:prstGeom prst="rect">
+            <a:avLst/>
+          </a:prstGeom>
+          <a:noFill/>
+        </p:spPr>
+        <p:txBody>
+          <a:bodyPr wrap="square" rtlCol="0">
+            <a:spAutoFit/>
+          </a:bodyPr>
+          <a:lstStyle/>
+          <a:p>
+            <a:r>
+              <a:rPr lang="en-US" dirty="0" err="1"/>
+              <a:t>pg</a:t>
+            </a:r>
+            <a:endParaRPr lang="en-US" dirty="0"/>
+          </a:p>
+        </p:txBody>
+      </p:sp>
+      <p:sp>
+        <p:nvSpPr>
+          <p:cNvPr id="175" name="Oval Callout 174">
+            <a:extLst>
+              <a:ext uri="{FF2B5EF4-FFF2-40B4-BE49-F238E27FC236}">
+                <a16:creationId xmlns:a16="http://schemas.microsoft.com/office/drawing/2014/main" id="{8E38B795-277C-EC71-8644-3C3294701564}"/>
+              </a:ext>
+            </a:extLst>
+          </p:cNvPr>
+          <p:cNvSpPr/>
+          <p:nvPr/>
+        </p:nvSpPr>
+        <p:spPr>
+          <a:xfrm>
+            <a:off x="2413434" y="1237775"/>
+            <a:ext cx="4611161" cy="1833463"/>
+          </a:xfrm>
+          <a:prstGeom prst="wedgeEllipseCallout">
+            <a:avLst>
+              <a:gd name="adj1" fmla="val -56905"/>
+              <a:gd name="adj2" fmla="val 60924"/>
+            </a:avLst>
+          </a:prstGeom>
+          <a:noFill/>
+          <a:ln w="22225">
+            <a:solidFill>
+              <a:schemeClr val="tx1"/>
+            </a:solidFill>
+          </a:ln>
+        </p:spPr>
+        <p:style>
+          <a:lnRef idx="2">
+            <a:schemeClr val="accent1">
+              <a:shade val="50000"/>
+            </a:schemeClr>
+          </a:lnRef>
+          <a:fillRef idx="1">
+            <a:schemeClr val="accent1"/>
+          </a:fillRef>
+          <a:effectRef idx="0">
+            <a:schemeClr val="accent1"/>
+          </a:effectRef>
+          <a:fontRef idx="minor">
+            <a:schemeClr val="lt1"/>
+          </a:fontRef>
+        </p:style>
+        <p:txBody>
+          <a:bodyPr rtlCol="0" anchor="ctr"/>
+          <a:lstStyle/>
+          <a:p>
+            <a:pPr algn="ctr"/>
             <a:endParaRPr lang="en-US">
               <a:solidFill>
                 <a:schemeClr val="tx1"/>
@@ -8096,6 +7395,162 @@
           </a:p>
           <a:p>
             <a:endParaRPr lang="en-US" dirty="0"/>
+          </a:p>
+        </p:txBody>
+      </p:sp>
+      <p:sp>
+        <p:nvSpPr>
+          <p:cNvPr id="6" name="Right Brace 5">
+            <a:extLst>
+              <a:ext uri="{FF2B5EF4-FFF2-40B4-BE49-F238E27FC236}">
+                <a16:creationId xmlns:a16="http://schemas.microsoft.com/office/drawing/2014/main" id="{9B432933-A350-6A5B-BCF1-C45E6C602F86}"/>
+              </a:ext>
+            </a:extLst>
+          </p:cNvPr>
+          <p:cNvSpPr/>
+          <p:nvPr/>
+        </p:nvSpPr>
+        <p:spPr>
+          <a:xfrm>
+            <a:off x="1150422" y="2254540"/>
+            <a:ext cx="505518" cy="4437384"/>
+          </a:xfrm>
+          <a:prstGeom prst="rightBrace">
+            <a:avLst>
+              <a:gd name="adj1" fmla="val 57979"/>
+              <a:gd name="adj2" fmla="val 45405"/>
+            </a:avLst>
+          </a:prstGeom>
+          <a:ln w="41275">
+            <a:solidFill>
+              <a:schemeClr val="tx1"/>
+            </a:solidFill>
+          </a:ln>
+        </p:spPr>
+        <p:style>
+          <a:lnRef idx="1">
+            <a:schemeClr val="accent1"/>
+          </a:lnRef>
+          <a:fillRef idx="0">
+            <a:schemeClr val="accent1"/>
+          </a:fillRef>
+          <a:effectRef idx="0">
+            <a:schemeClr val="accent1"/>
+          </a:effectRef>
+          <a:fontRef idx="minor">
+            <a:schemeClr val="tx1"/>
+          </a:fontRef>
+        </p:style>
+        <p:txBody>
+          <a:bodyPr rtlCol="0" anchor="ctr"/>
+          <a:lstStyle/>
+          <a:p>
+            <a:pPr algn="ctr"/>
+            <a:endParaRPr lang="en-US"/>
+          </a:p>
+        </p:txBody>
+      </p:sp>
+      <p:sp>
+        <p:nvSpPr>
+          <p:cNvPr id="8" name="Alternate Process 7">
+            <a:extLst>
+              <a:ext uri="{FF2B5EF4-FFF2-40B4-BE49-F238E27FC236}">
+                <a16:creationId xmlns:a16="http://schemas.microsoft.com/office/drawing/2014/main" id="{AF7066CA-A2AC-DB30-C3FA-9D4C1E8DC8E7}"/>
+              </a:ext>
+            </a:extLst>
+          </p:cNvPr>
+          <p:cNvSpPr/>
+          <p:nvPr/>
+        </p:nvSpPr>
+        <p:spPr>
+          <a:xfrm rot="16200000">
+            <a:off x="7285692" y="2646921"/>
+            <a:ext cx="491416" cy="2930289"/>
+          </a:xfrm>
+          <a:prstGeom prst="flowChartAlternateProcess">
+            <a:avLst/>
+          </a:prstGeom>
+          <a:noFill/>
+          <a:ln w="41275">
+            <a:solidFill>
+              <a:srgbClr val="FF0000"/>
+            </a:solidFill>
+          </a:ln>
+        </p:spPr>
+        <p:style>
+          <a:lnRef idx="2">
+            <a:schemeClr val="accent1">
+              <a:shade val="50000"/>
+            </a:schemeClr>
+          </a:lnRef>
+          <a:fillRef idx="1">
+            <a:schemeClr val="accent1"/>
+          </a:fillRef>
+          <a:effectRef idx="0">
+            <a:schemeClr val="accent1"/>
+          </a:effectRef>
+          <a:fontRef idx="minor">
+            <a:schemeClr val="lt1"/>
+          </a:fontRef>
+        </p:style>
+        <p:txBody>
+          <a:bodyPr rtlCol="0" anchor="ctr"/>
+          <a:lstStyle/>
+          <a:p>
+            <a:pPr algn="ctr"/>
+            <a:endParaRPr lang="en-US"/>
+          </a:p>
+        </p:txBody>
+      </p:sp>
+      <p:sp>
+        <p:nvSpPr>
+          <p:cNvPr id="9" name="Alternate Process 8">
+            <a:extLst>
+              <a:ext uri="{FF2B5EF4-FFF2-40B4-BE49-F238E27FC236}">
+                <a16:creationId xmlns:a16="http://schemas.microsoft.com/office/drawing/2014/main" id="{C872B37C-536F-5CDE-3473-FFD7E9A8B214}"/>
+              </a:ext>
+            </a:extLst>
+          </p:cNvPr>
+          <p:cNvSpPr/>
+          <p:nvPr/>
+        </p:nvSpPr>
+        <p:spPr>
+          <a:xfrm rot="16200000">
+            <a:off x="6790423" y="3540672"/>
+            <a:ext cx="1522458" cy="3187593"/>
+          </a:xfrm>
+          <a:prstGeom prst="flowChartAlternateProcess">
+            <a:avLst/>
+          </a:prstGeom>
+          <a:noFill/>
+          <a:ln w="41275">
+            <a:solidFill>
+              <a:srgbClr val="FF0000"/>
+            </a:solidFill>
+          </a:ln>
+        </p:spPr>
+        <p:style>
+          <a:lnRef idx="2">
+            <a:schemeClr val="accent1">
+              <a:shade val="50000"/>
+            </a:schemeClr>
+          </a:lnRef>
+          <a:fillRef idx="1">
+            <a:schemeClr val="accent1"/>
+          </a:fillRef>
+          <a:effectRef idx="0">
+            <a:schemeClr val="accent1"/>
+          </a:effectRef>
+          <a:fontRef idx="minor">
+            <a:schemeClr val="lt1"/>
+          </a:fontRef>
+        </p:style>
+        <p:txBody>
+          <a:bodyPr rtlCol="0" anchor="ctr"/>
+          <a:lstStyle/>
+          <a:p>
+            <a:pPr algn="ctr"/>
+            <a:endParaRPr lang="en-US"/>
           </a:p>
         </p:txBody>
       </p:sp>
@@ -9374,26 +8829,35 @@
                                   </p:childTnLst>
                                 </p:cTn>
                               </p:par>
-                            </p:childTnLst>
-                          </p:cTn>
-                        </p:par>
-                      </p:childTnLst>
-                    </p:cTn>
-                  </p:par>
-                  <p:par>
-                    <p:cTn id="97" fill="hold">
-                      <p:stCondLst>
-                        <p:cond delay="indefinite"/>
-                      </p:stCondLst>
-                      <p:childTnLst>
-                        <p:par>
-                          <p:cTn id="98" fill="hold">
-                            <p:stCondLst>
-                              <p:cond delay="0"/>
-                            </p:stCondLst>
-                            <p:childTnLst>
-                              <p:par>
-                                <p:cTn id="99" presetID="1" presetClass="entr" presetSubtype="0" fill="hold" grpId="0" nodeType="clickEffect">
+                              <p:par>
+                                <p:cTn id="97" presetID="1" presetClass="entr" presetSubtype="0" fill="hold" grpId="0" nodeType="withEffect">
+                                  <p:stCondLst>
+                                    <p:cond delay="0"/>
+                                  </p:stCondLst>
+                                  <p:childTnLst>
+                                    <p:set>
+                                      <p:cBhvr>
+                                        <p:cTn id="98" dur="1" fill="hold">
+                                          <p:stCondLst>
+                                            <p:cond delay="0"/>
+                                          </p:stCondLst>
+                                        </p:cTn>
+                                        <p:tgtEl>
+                                          <p:spTgt spid="6"/>
+                                        </p:tgtEl>
+                                        <p:attrNameLst>
+                                          <p:attrName>style.visibility</p:attrName>
+                                        </p:attrNameLst>
+                                      </p:cBhvr>
+                                      <p:to>
+                                        <p:strVal val="visible"/>
+                                      </p:to>
+                                    </p:set>
+                                  </p:childTnLst>
+                                </p:cTn>
+                              </p:par>
+                              <p:par>
+                                <p:cTn id="99" presetID="1" presetClass="entr" presetSubtype="0" fill="hold" nodeType="withEffect">
                                   <p:stCondLst>
                                     <p:cond delay="0"/>
                                   </p:stCondLst>
@@ -9406,11 +8870,7 @@
                                           </p:stCondLst>
                                         </p:cTn>
                                         <p:tgtEl>
-                                          <p:spTgt spid="3">
-                                            <p:txEl>
-                                              <p:pRg st="0" end="0"/>
-                                            </p:txEl>
-                                          </p:spTgt>
+                                          <p:spTgt spid="4"/>
                                         </p:tgtEl>
                                         <p:attrNameLst>
                                           <p:attrName>style.visibility</p:attrName>
@@ -9455,7 +8915,11 @@
                                           </p:stCondLst>
                                         </p:cTn>
                                         <p:tgtEl>
-                                          <p:spTgt spid="35"/>
+                                          <p:spTgt spid="3">
+                                            <p:txEl>
+                                              <p:pRg st="0" end="0"/>
+                                            </p:txEl>
+                                          </p:spTgt>
                                         </p:tgtEl>
                                         <p:attrNameLst>
                                           <p:attrName>style.visibility</p:attrName>
@@ -9482,21 +8946,21 @@
                                           </p:stCondLst>
                                         </p:cTn>
                                         <p:tgtEl>
-                                          <p:spTgt spid="164"/>
-                                        </p:tgtEl>
-                                        <p:attrNameLst>
-                                          <p:attrName>style.visibility</p:attrName>
-                                        </p:attrNameLst>
-                                      </p:cBhvr>
-                                      <p:to>
-                                        <p:strVal val="visible"/>
-                                      </p:to>
-                                    </p:set>
-                                  </p:childTnLst>
-                                </p:cTn>
-                              </p:par>
-                              <p:par>
-                                <p:cTn id="107" presetID="1" presetClass="entr" presetSubtype="0" fill="hold" nodeType="withEffect">
+                                          <p:spTgt spid="168"/>
+                                        </p:tgtEl>
+                                        <p:attrNameLst>
+                                          <p:attrName>style.visibility</p:attrName>
+                                        </p:attrNameLst>
+                                      </p:cBhvr>
+                                      <p:to>
+                                        <p:strVal val="visible"/>
+                                      </p:to>
+                                    </p:set>
+                                  </p:childTnLst>
+                                </p:cTn>
+                              </p:par>
+                              <p:par>
+                                <p:cTn id="107" presetID="1" presetClass="entr" presetSubtype="0" fill="hold" grpId="0" nodeType="withEffect">
                                   <p:stCondLst>
                                     <p:cond delay="0"/>
                                   </p:stCondLst>
@@ -9509,493 +8973,7 @@
                                           </p:stCondLst>
                                         </p:cTn>
                                         <p:tgtEl>
-                                          <p:spTgt spid="124"/>
-                                        </p:tgtEl>
-                                        <p:attrNameLst>
-                                          <p:attrName>style.visibility</p:attrName>
-                                        </p:attrNameLst>
-                                      </p:cBhvr>
-                                      <p:to>
-                                        <p:strVal val="visible"/>
-                                      </p:to>
-                                    </p:set>
-                                  </p:childTnLst>
-                                </p:cTn>
-                              </p:par>
-                              <p:par>
-                                <p:cTn id="109" presetID="1" presetClass="entr" presetSubtype="0" fill="hold" nodeType="withEffect">
-                                  <p:stCondLst>
-                                    <p:cond delay="0"/>
-                                  </p:stCondLst>
-                                  <p:childTnLst>
-                                    <p:set>
-                                      <p:cBhvr>
-                                        <p:cTn id="110" dur="1" fill="hold">
-                                          <p:stCondLst>
-                                            <p:cond delay="0"/>
-                                          </p:stCondLst>
-                                        </p:cTn>
-                                        <p:tgtEl>
-                                          <p:spTgt spid="126"/>
-                                        </p:tgtEl>
-                                        <p:attrNameLst>
-                                          <p:attrName>style.visibility</p:attrName>
-                                        </p:attrNameLst>
-                                      </p:cBhvr>
-                                      <p:to>
-                                        <p:strVal val="visible"/>
-                                      </p:to>
-                                    </p:set>
-                                  </p:childTnLst>
-                                </p:cTn>
-                              </p:par>
-                              <p:par>
-                                <p:cTn id="111" presetID="1" presetClass="entr" presetSubtype="0" fill="hold" nodeType="withEffect">
-                                  <p:stCondLst>
-                                    <p:cond delay="0"/>
-                                  </p:stCondLst>
-                                  <p:childTnLst>
-                                    <p:set>
-                                      <p:cBhvr>
-                                        <p:cTn id="112" dur="1" fill="hold">
-                                          <p:stCondLst>
-                                            <p:cond delay="0"/>
-                                          </p:stCondLst>
-                                        </p:cTn>
-                                        <p:tgtEl>
-                                          <p:spTgt spid="130"/>
-                                        </p:tgtEl>
-                                        <p:attrNameLst>
-                                          <p:attrName>style.visibility</p:attrName>
-                                        </p:attrNameLst>
-                                      </p:cBhvr>
-                                      <p:to>
-                                        <p:strVal val="visible"/>
-                                      </p:to>
-                                    </p:set>
-                                  </p:childTnLst>
-                                </p:cTn>
-                              </p:par>
-                              <p:par>
-                                <p:cTn id="113" presetID="1" presetClass="entr" presetSubtype="0" fill="hold" nodeType="withEffect">
-                                  <p:stCondLst>
-                                    <p:cond delay="0"/>
-                                  </p:stCondLst>
-                                  <p:childTnLst>
-                                    <p:set>
-                                      <p:cBhvr>
-                                        <p:cTn id="114" dur="1" fill="hold">
-                                          <p:stCondLst>
-                                            <p:cond delay="0"/>
-                                          </p:stCondLst>
-                                        </p:cTn>
-                                        <p:tgtEl>
-                                          <p:spTgt spid="133"/>
-                                        </p:tgtEl>
-                                        <p:attrNameLst>
-                                          <p:attrName>style.visibility</p:attrName>
-                                        </p:attrNameLst>
-                                      </p:cBhvr>
-                                      <p:to>
-                                        <p:strVal val="visible"/>
-                                      </p:to>
-                                    </p:set>
-                                  </p:childTnLst>
-                                </p:cTn>
-                              </p:par>
-                              <p:par>
-                                <p:cTn id="115" presetID="1" presetClass="entr" presetSubtype="0" fill="hold" grpId="0" nodeType="withEffect">
-                                  <p:stCondLst>
-                                    <p:cond delay="0"/>
-                                  </p:stCondLst>
-                                  <p:childTnLst>
-                                    <p:set>
-                                      <p:cBhvr>
-                                        <p:cTn id="116" dur="1" fill="hold">
-                                          <p:stCondLst>
-                                            <p:cond delay="0"/>
-                                          </p:stCondLst>
-                                        </p:cTn>
-                                        <p:tgtEl>
-                                          <p:spTgt spid="168"/>
-                                        </p:tgtEl>
-                                        <p:attrNameLst>
-                                          <p:attrName>style.visibility</p:attrName>
-                                        </p:attrNameLst>
-                                      </p:cBhvr>
-                                      <p:to>
-                                        <p:strVal val="visible"/>
-                                      </p:to>
-                                    </p:set>
-                                  </p:childTnLst>
-                                </p:cTn>
-                              </p:par>
-                              <p:par>
-                                <p:cTn id="117" presetID="1" presetClass="entr" presetSubtype="0" fill="hold" grpId="0" nodeType="withEffect">
-                                  <p:stCondLst>
-                                    <p:cond delay="0"/>
-                                  </p:stCondLst>
-                                  <p:childTnLst>
-                                    <p:set>
-                                      <p:cBhvr>
-                                        <p:cTn id="118" dur="1" fill="hold">
-                                          <p:stCondLst>
-                                            <p:cond delay="0"/>
-                                          </p:stCondLst>
-                                        </p:cTn>
-                                        <p:tgtEl>
                                           <p:spTgt spid="169"/>
-                                        </p:tgtEl>
-                                        <p:attrNameLst>
-                                          <p:attrName>style.visibility</p:attrName>
-                                        </p:attrNameLst>
-                                      </p:cBhvr>
-                                      <p:to>
-                                        <p:strVal val="visible"/>
-                                      </p:to>
-                                    </p:set>
-                                  </p:childTnLst>
-                                </p:cTn>
-                              </p:par>
-                              <p:par>
-                                <p:cTn id="119" presetID="1" presetClass="entr" presetSubtype="0" fill="hold" nodeType="withEffect">
-                                  <p:stCondLst>
-                                    <p:cond delay="0"/>
-                                  </p:stCondLst>
-                                  <p:childTnLst>
-                                    <p:set>
-                                      <p:cBhvr>
-                                        <p:cTn id="120" dur="1" fill="hold">
-                                          <p:stCondLst>
-                                            <p:cond delay="0"/>
-                                          </p:stCondLst>
-                                        </p:cTn>
-                                        <p:tgtEl>
-                                          <p:spTgt spid="137"/>
-                                        </p:tgtEl>
-                                        <p:attrNameLst>
-                                          <p:attrName>style.visibility</p:attrName>
-                                        </p:attrNameLst>
-                                      </p:cBhvr>
-                                      <p:to>
-                                        <p:strVal val="visible"/>
-                                      </p:to>
-                                    </p:set>
-                                  </p:childTnLst>
-                                </p:cTn>
-                              </p:par>
-                              <p:par>
-                                <p:cTn id="121" presetID="1" presetClass="entr" presetSubtype="0" fill="hold" grpId="0" nodeType="withEffect">
-                                  <p:stCondLst>
-                                    <p:cond delay="0"/>
-                                  </p:stCondLst>
-                                  <p:childTnLst>
-                                    <p:set>
-                                      <p:cBhvr>
-                                        <p:cTn id="122" dur="1" fill="hold">
-                                          <p:stCondLst>
-                                            <p:cond delay="0"/>
-                                          </p:stCondLst>
-                                        </p:cTn>
-                                        <p:tgtEl>
-                                          <p:spTgt spid="141"/>
-                                        </p:tgtEl>
-                                        <p:attrNameLst>
-                                          <p:attrName>style.visibility</p:attrName>
-                                        </p:attrNameLst>
-                                      </p:cBhvr>
-                                      <p:to>
-                                        <p:strVal val="visible"/>
-                                      </p:to>
-                                    </p:set>
-                                  </p:childTnLst>
-                                </p:cTn>
-                              </p:par>
-                              <p:par>
-                                <p:cTn id="123" presetID="1" presetClass="entr" presetSubtype="0" fill="hold" nodeType="withEffect">
-                                  <p:stCondLst>
-                                    <p:cond delay="0"/>
-                                  </p:stCondLst>
-                                  <p:childTnLst>
-                                    <p:set>
-                                      <p:cBhvr>
-                                        <p:cTn id="124" dur="1" fill="hold">
-                                          <p:stCondLst>
-                                            <p:cond delay="0"/>
-                                          </p:stCondLst>
-                                        </p:cTn>
-                                        <p:tgtEl>
-                                          <p:spTgt spid="137"/>
-                                        </p:tgtEl>
-                                        <p:attrNameLst>
-                                          <p:attrName>style.visibility</p:attrName>
-                                        </p:attrNameLst>
-                                      </p:cBhvr>
-                                      <p:to>
-                                        <p:strVal val="visible"/>
-                                      </p:to>
-                                    </p:set>
-                                  </p:childTnLst>
-                                </p:cTn>
-                              </p:par>
-                              <p:par>
-                                <p:cTn id="125" presetID="1" presetClass="entr" presetSubtype="0" fill="hold" grpId="0" nodeType="withEffect">
-                                  <p:stCondLst>
-                                    <p:cond delay="0"/>
-                                  </p:stCondLst>
-                                  <p:childTnLst>
-                                    <p:set>
-                                      <p:cBhvr>
-                                        <p:cTn id="126" dur="1" fill="hold">
-                                          <p:stCondLst>
-                                            <p:cond delay="0"/>
-                                          </p:stCondLst>
-                                        </p:cTn>
-                                        <p:tgtEl>
-                                          <p:spTgt spid="142"/>
-                                        </p:tgtEl>
-                                        <p:attrNameLst>
-                                          <p:attrName>style.visibility</p:attrName>
-                                        </p:attrNameLst>
-                                      </p:cBhvr>
-                                      <p:to>
-                                        <p:strVal val="visible"/>
-                                      </p:to>
-                                    </p:set>
-                                  </p:childTnLst>
-                                </p:cTn>
-                              </p:par>
-                              <p:par>
-                                <p:cTn id="127" presetID="1" presetClass="entr" presetSubtype="0" fill="hold" nodeType="withEffect">
-                                  <p:stCondLst>
-                                    <p:cond delay="0"/>
-                                  </p:stCondLst>
-                                  <p:childTnLst>
-                                    <p:set>
-                                      <p:cBhvr>
-                                        <p:cTn id="128" dur="1" fill="hold">
-                                          <p:stCondLst>
-                                            <p:cond delay="0"/>
-                                          </p:stCondLst>
-                                        </p:cTn>
-                                        <p:tgtEl>
-                                          <p:spTgt spid="153"/>
-                                        </p:tgtEl>
-                                        <p:attrNameLst>
-                                          <p:attrName>style.visibility</p:attrName>
-                                        </p:attrNameLst>
-                                      </p:cBhvr>
-                                      <p:to>
-                                        <p:strVal val="visible"/>
-                                      </p:to>
-                                    </p:set>
-                                  </p:childTnLst>
-                                </p:cTn>
-                              </p:par>
-                              <p:par>
-                                <p:cTn id="129" presetID="1" presetClass="entr" presetSubtype="0" fill="hold" grpId="0" nodeType="withEffect">
-                                  <p:stCondLst>
-                                    <p:cond delay="0"/>
-                                  </p:stCondLst>
-                                  <p:childTnLst>
-                                    <p:set>
-                                      <p:cBhvr>
-                                        <p:cTn id="130" dur="1" fill="hold">
-                                          <p:stCondLst>
-                                            <p:cond delay="0"/>
-                                          </p:stCondLst>
-                                        </p:cTn>
-                                        <p:tgtEl>
-                                          <p:spTgt spid="144"/>
-                                        </p:tgtEl>
-                                        <p:attrNameLst>
-                                          <p:attrName>style.visibility</p:attrName>
-                                        </p:attrNameLst>
-                                      </p:cBhvr>
-                                      <p:to>
-                                        <p:strVal val="visible"/>
-                                      </p:to>
-                                    </p:set>
-                                  </p:childTnLst>
-                                </p:cTn>
-                              </p:par>
-                              <p:par>
-                                <p:cTn id="131" presetID="1" presetClass="entr" presetSubtype="0" fill="hold" grpId="0" nodeType="withEffect">
-                                  <p:stCondLst>
-                                    <p:cond delay="0"/>
-                                  </p:stCondLst>
-                                  <p:childTnLst>
-                                    <p:set>
-                                      <p:cBhvr>
-                                        <p:cTn id="132" dur="1" fill="hold">
-                                          <p:stCondLst>
-                                            <p:cond delay="0"/>
-                                          </p:stCondLst>
-                                        </p:cTn>
-                                        <p:tgtEl>
-                                          <p:spTgt spid="145"/>
-                                        </p:tgtEl>
-                                        <p:attrNameLst>
-                                          <p:attrName>style.visibility</p:attrName>
-                                        </p:attrNameLst>
-                                      </p:cBhvr>
-                                      <p:to>
-                                        <p:strVal val="visible"/>
-                                      </p:to>
-                                    </p:set>
-                                  </p:childTnLst>
-                                </p:cTn>
-                              </p:par>
-                              <p:par>
-                                <p:cTn id="133" presetID="1" presetClass="entr" presetSubtype="0" fill="hold" nodeType="withEffect">
-                                  <p:stCondLst>
-                                    <p:cond delay="0"/>
-                                  </p:stCondLst>
-                                  <p:childTnLst>
-                                    <p:set>
-                                      <p:cBhvr>
-                                        <p:cTn id="134" dur="1" fill="hold">
-                                          <p:stCondLst>
-                                            <p:cond delay="0"/>
-                                          </p:stCondLst>
-                                        </p:cTn>
-                                        <p:tgtEl>
-                                          <p:spTgt spid="155"/>
-                                        </p:tgtEl>
-                                        <p:attrNameLst>
-                                          <p:attrName>style.visibility</p:attrName>
-                                        </p:attrNameLst>
-                                      </p:cBhvr>
-                                      <p:to>
-                                        <p:strVal val="visible"/>
-                                      </p:to>
-                                    </p:set>
-                                  </p:childTnLst>
-                                </p:cTn>
-                              </p:par>
-                              <p:par>
-                                <p:cTn id="135" presetID="1" presetClass="entr" presetSubtype="0" fill="hold" grpId="0" nodeType="withEffect">
-                                  <p:stCondLst>
-                                    <p:cond delay="0"/>
-                                  </p:stCondLst>
-                                  <p:childTnLst>
-                                    <p:set>
-                                      <p:cBhvr>
-                                        <p:cTn id="136" dur="1" fill="hold">
-                                          <p:stCondLst>
-                                            <p:cond delay="0"/>
-                                          </p:stCondLst>
-                                        </p:cTn>
-                                        <p:tgtEl>
-                                          <p:spTgt spid="146"/>
-                                        </p:tgtEl>
-                                        <p:attrNameLst>
-                                          <p:attrName>style.visibility</p:attrName>
-                                        </p:attrNameLst>
-                                      </p:cBhvr>
-                                      <p:to>
-                                        <p:strVal val="visible"/>
-                                      </p:to>
-                                    </p:set>
-                                  </p:childTnLst>
-                                </p:cTn>
-                              </p:par>
-                              <p:par>
-                                <p:cTn id="137" presetID="1" presetClass="entr" presetSubtype="0" fill="hold" grpId="0" nodeType="withEffect">
-                                  <p:stCondLst>
-                                    <p:cond delay="0"/>
-                                  </p:stCondLst>
-                                  <p:childTnLst>
-                                    <p:set>
-                                      <p:cBhvr>
-                                        <p:cTn id="138" dur="1" fill="hold">
-                                          <p:stCondLst>
-                                            <p:cond delay="0"/>
-                                          </p:stCondLst>
-                                        </p:cTn>
-                                        <p:tgtEl>
-                                          <p:spTgt spid="147"/>
-                                        </p:tgtEl>
-                                        <p:attrNameLst>
-                                          <p:attrName>style.visibility</p:attrName>
-                                        </p:attrNameLst>
-                                      </p:cBhvr>
-                                      <p:to>
-                                        <p:strVal val="visible"/>
-                                      </p:to>
-                                    </p:set>
-                                  </p:childTnLst>
-                                </p:cTn>
-                              </p:par>
-                              <p:par>
-                                <p:cTn id="139" presetID="1" presetClass="entr" presetSubtype="0" fill="hold" nodeType="withEffect">
-                                  <p:stCondLst>
-                                    <p:cond delay="0"/>
-                                  </p:stCondLst>
-                                  <p:childTnLst>
-                                    <p:set>
-                                      <p:cBhvr>
-                                        <p:cTn id="140" dur="1" fill="hold">
-                                          <p:stCondLst>
-                                            <p:cond delay="0"/>
-                                          </p:stCondLst>
-                                        </p:cTn>
-                                        <p:tgtEl>
-                                          <p:spTgt spid="158"/>
-                                        </p:tgtEl>
-                                        <p:attrNameLst>
-                                          <p:attrName>style.visibility</p:attrName>
-                                        </p:attrNameLst>
-                                      </p:cBhvr>
-                                      <p:to>
-                                        <p:strVal val="visible"/>
-                                      </p:to>
-                                    </p:set>
-                                  </p:childTnLst>
-                                </p:cTn>
-                              </p:par>
-                              <p:par>
-                                <p:cTn id="141" presetID="1" presetClass="entr" presetSubtype="0" fill="hold" grpId="0" nodeType="withEffect">
-                                  <p:stCondLst>
-                                    <p:cond delay="0"/>
-                                  </p:stCondLst>
-                                  <p:childTnLst>
-                                    <p:set>
-                                      <p:cBhvr>
-                                        <p:cTn id="142" dur="1" fill="hold">
-                                          <p:stCondLst>
-                                            <p:cond delay="0"/>
-                                          </p:stCondLst>
-                                        </p:cTn>
-                                        <p:tgtEl>
-                                          <p:spTgt spid="163"/>
-                                        </p:tgtEl>
-                                        <p:attrNameLst>
-                                          <p:attrName>style.visibility</p:attrName>
-                                        </p:attrNameLst>
-                                      </p:cBhvr>
-                                      <p:to>
-                                        <p:strVal val="visible"/>
-                                      </p:to>
-                                    </p:set>
-                                  </p:childTnLst>
-                                </p:cTn>
-                              </p:par>
-                              <p:par>
-                                <p:cTn id="143" presetID="1" presetClass="entr" presetSubtype="0" fill="hold" grpId="0" nodeType="withEffect">
-                                  <p:stCondLst>
-                                    <p:cond delay="0"/>
-                                  </p:stCondLst>
-                                  <p:childTnLst>
-                                    <p:set>
-                                      <p:cBhvr>
-                                        <p:cTn id="144" dur="1" fill="hold">
-                                          <p:stCondLst>
-                                            <p:cond delay="0"/>
-                                          </p:stCondLst>
-                                        </p:cTn>
-                                        <p:tgtEl>
-                                          <p:spTgt spid="161"/>
                                         </p:tgtEl>
                                         <p:attrNameLst>
                                           <p:attrName>style.visibility</p:attrName>
@@ -10015,26 +8993,26 @@
                     </p:cTn>
                   </p:par>
                   <p:par>
-                    <p:cTn id="145" fill="hold">
+                    <p:cTn id="109" fill="hold">
                       <p:stCondLst>
                         <p:cond delay="indefinite"/>
                       </p:stCondLst>
                       <p:childTnLst>
                         <p:par>
-                          <p:cTn id="146" fill="hold">
+                          <p:cTn id="110" fill="hold">
                             <p:stCondLst>
                               <p:cond delay="0"/>
                             </p:stCondLst>
                             <p:childTnLst>
                               <p:par>
-                                <p:cTn id="147" presetID="1" presetClass="entr" presetSubtype="0" fill="hold" grpId="0" nodeType="clickEffect">
-                                  <p:stCondLst>
-                                    <p:cond delay="0"/>
-                                  </p:stCondLst>
-                                  <p:childTnLst>
-                                    <p:set>
-                                      <p:cBhvr>
-                                        <p:cTn id="148" dur="1" fill="hold">
+                                <p:cTn id="111" presetID="1" presetClass="entr" presetSubtype="0" fill="hold" grpId="0" nodeType="clickEffect">
+                                  <p:stCondLst>
+                                    <p:cond delay="0"/>
+                                  </p:stCondLst>
+                                  <p:childTnLst>
+                                    <p:set>
+                                      <p:cBhvr>
+                                        <p:cTn id="112" dur="1" fill="hold">
                                           <p:stCondLst>
                                             <p:cond delay="0"/>
                                           </p:stCondLst>
@@ -10054,14 +9032,14 @@
                                 </p:cTn>
                               </p:par>
                               <p:par>
-                                <p:cTn id="149" presetID="1" presetClass="entr" presetSubtype="0" fill="hold" grpId="0" nodeType="withEffect">
-                                  <p:stCondLst>
-                                    <p:cond delay="0"/>
-                                  </p:stCondLst>
-                                  <p:childTnLst>
-                                    <p:set>
-                                      <p:cBhvr>
-                                        <p:cTn id="150" dur="1" fill="hold">
+                                <p:cTn id="113" presetID="1" presetClass="entr" presetSubtype="0" fill="hold" grpId="0" nodeType="withEffect">
+                                  <p:stCondLst>
+                                    <p:cond delay="0"/>
+                                  </p:stCondLst>
+                                  <p:childTnLst>
+                                    <p:set>
+                                      <p:cBhvr>
+                                        <p:cTn id="114" dur="1" fill="hold">
                                           <p:stCondLst>
                                             <p:cond delay="0"/>
                                           </p:stCondLst>
@@ -10081,14 +9059,14 @@
                                 </p:cTn>
                               </p:par>
                               <p:par>
-                                <p:cTn id="151" presetID="1" presetClass="exit" presetSubtype="0" fill="hold" grpId="1" nodeType="withEffect">
-                                  <p:stCondLst>
-                                    <p:cond delay="0"/>
-                                  </p:stCondLst>
-                                  <p:childTnLst>
-                                    <p:set>
-                                      <p:cBhvr>
-                                        <p:cTn id="152" dur="1" fill="hold">
+                                <p:cTn id="115" presetID="1" presetClass="exit" presetSubtype="0" fill="hold" grpId="1" nodeType="withEffect">
+                                  <p:stCondLst>
+                                    <p:cond delay="0"/>
+                                  </p:stCondLst>
+                                  <p:childTnLst>
+                                    <p:set>
+                                      <p:cBhvr>
+                                        <p:cTn id="116" dur="1" fill="hold">
                                           <p:stCondLst>
                                             <p:cond delay="0"/>
                                           </p:stCondLst>
@@ -10106,6 +9084,87 @@
                                       </p:cBhvr>
                                       <p:to>
                                         <p:strVal val="hidden"/>
+                                      </p:to>
+                                    </p:set>
+                                  </p:childTnLst>
+                                </p:cTn>
+                              </p:par>
+                              <p:par>
+                                <p:cTn id="117" presetID="1" presetClass="entr" presetSubtype="0" fill="hold" nodeType="withEffect">
+                                  <p:stCondLst>
+                                    <p:cond delay="0"/>
+                                  </p:stCondLst>
+                                  <p:childTnLst>
+                                    <p:set>
+                                      <p:cBhvr>
+                                        <p:cTn id="118" dur="1" fill="hold">
+                                          <p:stCondLst>
+                                            <p:cond delay="0"/>
+                                          </p:stCondLst>
+                                        </p:cTn>
+                                        <p:tgtEl>
+                                          <p:spTgt spid="4"/>
+                                        </p:tgtEl>
+                                        <p:attrNameLst>
+                                          <p:attrName>style.visibility</p:attrName>
+                                        </p:attrNameLst>
+                                      </p:cBhvr>
+                                      <p:to>
+                                        <p:strVal val="visible"/>
+                                      </p:to>
+                                    </p:set>
+                                  </p:childTnLst>
+                                </p:cTn>
+                              </p:par>
+                              <p:par>
+                                <p:cTn id="119" presetID="1" presetClass="entr" presetSubtype="0" fill="hold" grpId="0" nodeType="withEffect">
+                                  <p:stCondLst>
+                                    <p:cond delay="0"/>
+                                  </p:stCondLst>
+                                  <p:childTnLst>
+                                    <p:set>
+                                      <p:cBhvr>
+                                        <p:cTn id="120" dur="1" fill="hold">
+                                          <p:stCondLst>
+                                            <p:cond delay="0"/>
+                                          </p:stCondLst>
+                                        </p:cTn>
+                                        <p:tgtEl>
+                                          <p:spTgt spid="8"/>
+                                        </p:tgtEl>
+                                        <p:attrNameLst>
+                                          <p:attrName>style.visibility</p:attrName>
+                                        </p:attrNameLst>
+                                      </p:cBhvr>
+                                      <p:to>
+                                        <p:strVal val="visible"/>
+                                      </p:to>
+                                    </p:set>
+                                  </p:childTnLst>
+                                </p:cTn>
+                              </p:par>
+                              <p:par>
+                                <p:cTn id="121" presetID="1" presetClass="entr" presetSubtype="0" fill="hold" grpId="0" nodeType="withEffect">
+                                  <p:stCondLst>
+                                    <p:cond delay="0"/>
+                                  </p:stCondLst>
+                                  <p:childTnLst>
+                                    <p:set>
+                                      <p:cBhvr>
+                                        <p:cTn id="122" dur="1" fill="hold">
+                                          <p:stCondLst>
+                                            <p:cond delay="0"/>
+                                          </p:stCondLst>
+                                        </p:cTn>
+                                        <p:tgtEl>
+                                          <p:spTgt spid="9"/>
+                                        </p:tgtEl>
+                                        <p:attrNameLst>
+                                          <p:attrName>style.visibility</p:attrName>
+                                        </p:attrNameLst>
+                                      </p:cBhvr>
+                                      <p:to>
+                                        <p:strVal val="visible"/>
                                       </p:to>
                                     </p:set>
                                   </p:childTnLst>
@@ -10146,7 +9205,6 @@
       <p:bldP spid="3" grpId="1" build="p"/>
       <p:bldP spid="32" grpId="0" animBg="1"/>
       <p:bldP spid="33" grpId="0" animBg="1"/>
-      <p:bldP spid="35" grpId="0" animBg="1"/>
       <p:bldP spid="36" grpId="0"/>
       <p:bldP spid="42" grpId="0" animBg="1"/>
       <p:bldP spid="43" grpId="0" animBg="1"/>
@@ -10176,20 +9234,14 @@
       <p:bldP spid="102" grpId="0"/>
       <p:bldP spid="120" grpId="0"/>
       <p:bldP spid="121" grpId="0"/>
-      <p:bldP spid="141" grpId="0"/>
-      <p:bldP spid="142" grpId="0" animBg="1"/>
-      <p:bldP spid="144" grpId="0"/>
-      <p:bldP spid="145" grpId="0" animBg="1"/>
-      <p:bldP spid="146" grpId="0"/>
-      <p:bldP spid="147" grpId="0" animBg="1"/>
-      <p:bldP spid="161" grpId="0" animBg="1"/>
-      <p:bldP spid="163" grpId="0"/>
-      <p:bldP spid="164" grpId="0"/>
       <p:bldP spid="168" grpId="0"/>
       <p:bldP spid="169" grpId="0"/>
       <p:bldP spid="174" grpId="0"/>
       <p:bldP spid="175" grpId="0" animBg="1"/>
       <p:bldP spid="176" grpId="0"/>
+      <p:bldP spid="6" grpId="0" animBg="1"/>
+      <p:bldP spid="8" grpId="0" animBg="1"/>
+      <p:bldP spid="9" grpId="0" animBg="1"/>
     </p:bldLst>
   </p:timing>
 </p:sld>
@@ -12970,7 +12022,7 @@
             </a:r>
             <a:r>
               <a:rPr lang="en-US" dirty="0" err="1"/>
-              <a:t>Tos</a:t>
+              <a:t>tos</a:t>
             </a:r>
             <a:r>
               <a:rPr lang="en-US" dirty="0"/>
@@ -13023,20 +12075,16 @@
               <a:rPr lang="en-US" dirty="0">
                 <a:effectLst/>
               </a:rPr>
-              <a:t>ach virtual address is valid under a certain address-space, but it does not represent this knowledge of its address-space. </a:t>
+              <a:t>ach virtual address is valid under a certain address-space</a:t>
             </a:r>
           </a:p>
           <a:p>
             <a:pPr lvl="1"/>
-            <a:r>
-              <a:rPr lang="en-US" dirty="0"/>
-              <a:t>t</a:t>
-            </a:r>
             <a:r>
               <a:rPr lang="en-US" dirty="0">
                 <a:effectLst/>
               </a:rPr>
-              <a:t>hat is, assertions are not explicitly tagged with their address space validity </a:t>
+              <a:t>but it does not represent this knowledge of its address-space. </a:t>
             </a:r>
           </a:p>
           <a:p>
@@ -13057,7 +12105,7 @@
               <a:rPr lang="en-US" dirty="0">
                 <a:effectLst/>
               </a:rPr>
-              <a:t>assertions in our logic are context-dependent, in the sense that their truth depends on which address space they are used in, due to the need to support virtual points-to assertions. </a:t>
+              <a:t>assertions in our logic are context-dependent</a:t>
             </a:r>
           </a:p>
           <a:p>
@@ -13102,7 +12150,7 @@
         </p:blipFill>
         <p:spPr>
           <a:xfrm>
-            <a:off x="1123347" y="5025443"/>
+            <a:off x="1033509" y="4418404"/>
             <a:ext cx="7061200" cy="406400"/>
           </a:xfrm>
           <a:prstGeom prst="rect">
@@ -13132,7 +12180,7 @@
         </p:blipFill>
         <p:spPr>
           <a:xfrm>
-            <a:off x="1033509" y="5398002"/>
+            <a:off x="1033509" y="5048966"/>
             <a:ext cx="7061200" cy="451917"/>
           </a:xfrm>
           <a:prstGeom prst="rect">
@@ -13386,19 +12434,6 @@
             </a:r>
             <a:endParaRPr lang="en-US" dirty="0">
               <a:latin typeface="LinLibertineT"/>
-            </a:endParaRPr>
-          </a:p>
-          <a:p>
-            <a:pPr lvl="1"/>
-            <a:r>
-              <a:rPr lang="en-US" dirty="0">
-                <a:effectLst/>
-                <a:latin typeface="LinLibertineT"/>
-              </a:rPr>
-              <a:t> Switching from one address-space to another logically becomes a simultaneous introduction-and-elimination of a pair of modal assertions (for different address spaces) </a:t>
-            </a:r>
-            <a:endParaRPr lang="en-US" dirty="0">
-              <a:effectLst/>
             </a:endParaRPr>
           </a:p>
           <a:p>
@@ -16562,6 +15597,168 @@
 </file>
 
 <file path=ppt/slides/slide16.xml><?xml version="1.0" encoding="utf-8"?>
+<p:sld xmlns:a="http://schemas.openxmlformats.org/drawingml/2006/main" xmlns:r="http://schemas.openxmlformats.org/officeDocument/2006/relationships" xmlns:p="http://schemas.openxmlformats.org/presentationml/2006/main">
+  <p:cSld>
+    <p:spTree>
+      <p:nvGrpSpPr>
+        <p:cNvPr id="1" name=""/>
+        <p:cNvGrpSpPr/>
+        <p:nvPr/>
+      </p:nvGrpSpPr>
+      <p:grpSpPr>
+        <a:xfrm>
+          <a:off x="0" y="0"/>
+          <a:ext cx="0" cy="0"/>
+          <a:chOff x="0" y="0"/>
+          <a:chExt cx="0" cy="0"/>
+        </a:xfrm>
+      </p:grpSpPr>
+      <p:pic>
+        <p:nvPicPr>
+          <p:cNvPr id="4" name="Picture 3" descr="Icon&#10;&#10;Description automatically generated">
+            <a:extLst>
+              <a:ext uri="{FF2B5EF4-FFF2-40B4-BE49-F238E27FC236}">
+                <a16:creationId xmlns:a16="http://schemas.microsoft.com/office/drawing/2014/main" id="{F8F8C805-B5AF-8CF2-879F-AFBBF2A7A971}"/>
+              </a:ext>
+            </a:extLst>
+          </p:cNvPr>
+          <p:cNvPicPr>
+            <a:picLocks noChangeAspect="1"/>
+          </p:cNvPicPr>
+          <p:nvPr/>
+        </p:nvPicPr>
+        <p:blipFill>
+          <a:blip r:embed="rId2"/>
+          <a:stretch>
+            <a:fillRect/>
+          </a:stretch>
+        </p:blipFill>
+        <p:spPr>
+          <a:xfrm>
+            <a:off x="4283379" y="1347229"/>
+            <a:ext cx="3462127" cy="3462127"/>
+          </a:xfrm>
+          <a:prstGeom prst="rect">
+            <a:avLst/>
+          </a:prstGeom>
+        </p:spPr>
+      </p:pic>
+    </p:spTree>
+    <p:extLst>
+      <p:ext uri="{BB962C8B-B14F-4D97-AF65-F5344CB8AC3E}">
+        <p14:creationId xmlns:p14="http://schemas.microsoft.com/office/powerpoint/2010/main" val="737132392"/>
+      </p:ext>
+    </p:extLst>
+  </p:cSld>
+  <p:clrMapOvr>
+    <a:masterClrMapping/>
+  </p:clrMapOvr>
+  <p:timing>
+    <p:tnLst>
+      <p:par>
+        <p:cTn id="1" dur="indefinite" restart="never" nodeType="tmRoot">
+          <p:childTnLst>
+            <p:seq concurrent="1" nextAc="seek">
+              <p:cTn id="2" dur="indefinite" nodeType="mainSeq">
+                <p:childTnLst>
+                  <p:par>
+                    <p:cTn id="3" fill="hold">
+                      <p:stCondLst>
+                        <p:cond delay="indefinite"/>
+                      </p:stCondLst>
+                      <p:childTnLst>
+                        <p:par>
+                          <p:cTn id="4" fill="hold">
+                            <p:stCondLst>
+                              <p:cond delay="0"/>
+                            </p:stCondLst>
+                            <p:childTnLst>
+                              <p:par>
+                                <p:cTn id="5" presetID="1" presetClass="entr" presetSubtype="0" fill="hold" nodeType="clickEffect">
+                                  <p:stCondLst>
+                                    <p:cond delay="0"/>
+                                  </p:stCondLst>
+                                  <p:childTnLst>
+                                    <p:set>
+                                      <p:cBhvr>
+                                        <p:cTn id="6" dur="1" fill="hold">
+                                          <p:stCondLst>
+                                            <p:cond delay="0"/>
+                                          </p:stCondLst>
+                                        </p:cTn>
+                                        <p:tgtEl>
+                                          <p:spTgt spid="4"/>
+                                        </p:tgtEl>
+                                        <p:attrNameLst>
+                                          <p:attrName>style.visibility</p:attrName>
+                                        </p:attrNameLst>
+                                      </p:cBhvr>
+                                      <p:to>
+                                        <p:strVal val="visible"/>
+                                      </p:to>
+                                    </p:set>
+                                  </p:childTnLst>
+                                </p:cTn>
+                              </p:par>
+                              <p:par>
+                                <p:cTn id="7" presetID="1" presetClass="exit" presetSubtype="0" fill="hold" nodeType="withEffect">
+                                  <p:stCondLst>
+                                    <p:cond delay="0"/>
+                                  </p:stCondLst>
+                                  <p:childTnLst>
+                                    <p:set>
+                                      <p:cBhvr>
+                                        <p:cTn id="8" dur="1" fill="hold">
+                                          <p:stCondLst>
+                                            <p:cond delay="0"/>
+                                          </p:stCondLst>
+                                        </p:cTn>
+                                        <p:tgtEl>
+                                          <p:spTgt spid="4"/>
+                                        </p:tgtEl>
+                                        <p:attrNameLst>
+                                          <p:attrName>style.visibility</p:attrName>
+                                        </p:attrNameLst>
+                                      </p:cBhvr>
+                                      <p:to>
+                                        <p:strVal val="hidden"/>
+                                      </p:to>
+                                    </p:set>
+                                  </p:childTnLst>
+                                </p:cTn>
+                              </p:par>
+                            </p:childTnLst>
+                          </p:cTn>
+                        </p:par>
+                      </p:childTnLst>
+                    </p:cTn>
+                  </p:par>
+                </p:childTnLst>
+              </p:cTn>
+              <p:prevCondLst>
+                <p:cond evt="onPrev" delay="0">
+                  <p:tgtEl>
+                    <p:sldTgt/>
+                  </p:tgtEl>
+                </p:cond>
+              </p:prevCondLst>
+              <p:nextCondLst>
+                <p:cond evt="onNext" delay="0">
+                  <p:tgtEl>
+                    <p:sldTgt/>
+                  </p:tgtEl>
+                </p:cond>
+              </p:nextCondLst>
+            </p:seq>
+          </p:childTnLst>
+        </p:cTn>
+      </p:par>
+    </p:tnLst>
+  </p:timing>
+</p:sld>
+</file>
+
+<file path=ppt/slides/slide17.xml><?xml version="1.0" encoding="utf-8"?>
 <p:sld xmlns:a="http://schemas.openxmlformats.org/drawingml/2006/main" xmlns:r="http://schemas.openxmlformats.org/officeDocument/2006/relationships" xmlns:p="http://schemas.openxmlformats.org/presentationml/2006/main">
   <p:cSld>
     <p:spTree>
@@ -26489,6 +25686,98 @@
           <a:chExt cx="0" cy="0"/>
         </a:xfrm>
       </p:grpSpPr>
+      <p:sp>
+        <p:nvSpPr>
+          <p:cNvPr id="3" name="Content Placeholder 2">
+            <a:extLst>
+              <a:ext uri="{FF2B5EF4-FFF2-40B4-BE49-F238E27FC236}">
+                <a16:creationId xmlns:a16="http://schemas.microsoft.com/office/drawing/2014/main" id="{927E2B42-CF82-8BD2-7EC7-01092839E6FC}"/>
+              </a:ext>
+            </a:extLst>
+          </p:cNvPr>
+          <p:cNvSpPr>
+            <a:spLocks noGrp="1"/>
+          </p:cNvSpPr>
+          <p:nvPr>
+            <p:ph idx="1"/>
+          </p:nvPr>
+        </p:nvSpPr>
+        <p:spPr/>
+        <p:txBody>
+          <a:bodyPr>
+            <a:normAutofit/>
+          </a:bodyPr>
+          <a:lstStyle/>
+          <a:p>
+            <a:r>
+              <a:rPr lang="en-US" dirty="0"/>
+              <a:t>In terms of each physical points-to for a Page-Table</a:t>
+            </a:r>
+          </a:p>
+          <a:p>
+            <a:pPr marL="0" indent="0">
+              <a:buNone/>
+            </a:pPr>
+            <a:endParaRPr lang="en-US" dirty="0"/>
+          </a:p>
+          <a:p>
+            <a:pPr marL="0" indent="0">
+              <a:buNone/>
+            </a:pPr>
+            <a:r>
+              <a:rPr lang="en-US" dirty="0"/>
+              <a:t>where </a:t>
+            </a:r>
+            <a:r>
+              <a:rPr lang="en-US" i="1" dirty="0"/>
+              <a:t>physical</a:t>
+            </a:r>
+            <a:r>
+              <a:rPr lang="en-US" dirty="0"/>
+              <a:t> L4_L1 page-table walk</a:t>
+            </a:r>
+          </a:p>
+          <a:p>
+            <a:pPr marL="0" indent="0">
+              <a:buNone/>
+            </a:pPr>
+            <a:endParaRPr lang="en-US" dirty="0"/>
+          </a:p>
+          <a:p>
+            <a:pPr marL="0" indent="0">
+              <a:buNone/>
+            </a:pPr>
+            <a:r>
+              <a:rPr lang="en-US" dirty="0"/>
+              <a:t>                                                                                             </a:t>
+            </a:r>
+          </a:p>
+          <a:p>
+            <a:pPr marL="0" indent="0">
+              <a:buNone/>
+            </a:pPr>
+            <a:endParaRPr lang="en-US" dirty="0"/>
+          </a:p>
+          <a:p>
+            <a:pPr marL="0" indent="0">
+              <a:buNone/>
+            </a:pPr>
+            <a:endParaRPr lang="en-US" dirty="0"/>
+          </a:p>
+          <a:p>
+            <a:pPr marL="0" indent="0">
+              <a:buNone/>
+            </a:pPr>
+            <a:endParaRPr lang="en-US" dirty="0"/>
+          </a:p>
+          <a:p>
+            <a:pPr marL="0" indent="0">
+              <a:buNone/>
+            </a:pPr>
+            <a:endParaRPr lang="en-US" dirty="0"/>
+          </a:p>
+        </p:txBody>
+      </p:sp>
       <p:pic>
         <p:nvPicPr>
           <p:cNvPr id="7" name="Picture 6" descr="A picture containing text, font, white, algebra&#10;&#10;Description automatically generated">
@@ -26511,7 +25800,7 @@
         </p:blipFill>
         <p:spPr>
           <a:xfrm>
-            <a:off x="957773" y="3695360"/>
+            <a:off x="957773" y="3708239"/>
             <a:ext cx="8621608" cy="1466380"/>
           </a:xfrm>
           <a:prstGeom prst="rect">
@@ -26574,98 +25863,6 @@
               <a:rPr lang="en-US" dirty="0"/>
               <a:t>Program Logic: Defining Virtual Points-to </a:t>
             </a:r>
-          </a:p>
-        </p:txBody>
-      </p:sp>
-      <p:sp>
-        <p:nvSpPr>
-          <p:cNvPr id="3" name="Content Placeholder 2">
-            <a:extLst>
-              <a:ext uri="{FF2B5EF4-FFF2-40B4-BE49-F238E27FC236}">
-                <a16:creationId xmlns:a16="http://schemas.microsoft.com/office/drawing/2014/main" id="{927E2B42-CF82-8BD2-7EC7-01092839E6FC}"/>
-              </a:ext>
-            </a:extLst>
-          </p:cNvPr>
-          <p:cNvSpPr>
-            <a:spLocks noGrp="1"/>
-          </p:cNvSpPr>
-          <p:nvPr>
-            <p:ph idx="1"/>
-          </p:nvPr>
-        </p:nvSpPr>
-        <p:spPr/>
-        <p:txBody>
-          <a:bodyPr>
-            <a:normAutofit/>
-          </a:bodyPr>
-          <a:lstStyle/>
-          <a:p>
-            <a:r>
-              <a:rPr lang="en-US" dirty="0"/>
-              <a:t>In terms of each physical points-to for a Page-Table</a:t>
-            </a:r>
-          </a:p>
-          <a:p>
-            <a:pPr marL="0" indent="0">
-              <a:buNone/>
-            </a:pPr>
-            <a:endParaRPr lang="en-US" dirty="0"/>
-          </a:p>
-          <a:p>
-            <a:pPr marL="0" indent="0">
-              <a:buNone/>
-            </a:pPr>
-            <a:r>
-              <a:rPr lang="en-US" dirty="0"/>
-              <a:t>where </a:t>
-            </a:r>
-            <a:r>
-              <a:rPr lang="en-US" i="1" dirty="0"/>
-              <a:t>physical</a:t>
-            </a:r>
-            <a:r>
-              <a:rPr lang="en-US" dirty="0"/>
-              <a:t> L4_L1 page-table walk</a:t>
-            </a:r>
-          </a:p>
-          <a:p>
-            <a:pPr marL="0" indent="0">
-              <a:buNone/>
-            </a:pPr>
-            <a:endParaRPr lang="en-US" dirty="0"/>
-          </a:p>
-          <a:p>
-            <a:pPr marL="0" indent="0">
-              <a:buNone/>
-            </a:pPr>
-            <a:r>
-              <a:rPr lang="en-US" dirty="0"/>
-              <a:t>                                                                                             </a:t>
-            </a:r>
-          </a:p>
-          <a:p>
-            <a:pPr marL="0" indent="0">
-              <a:buNone/>
-            </a:pPr>
-            <a:endParaRPr lang="en-US" dirty="0"/>
-          </a:p>
-          <a:p>
-            <a:pPr marL="0" indent="0">
-              <a:buNone/>
-            </a:pPr>
-            <a:endParaRPr lang="en-US" dirty="0"/>
-          </a:p>
-          <a:p>
-            <a:pPr marL="0" indent="0">
-              <a:buNone/>
-            </a:pPr>
-            <a:endParaRPr lang="en-US" dirty="0"/>
-          </a:p>
-          <a:p>
-            <a:pPr marL="0" indent="0">
-              <a:buNone/>
-            </a:pPr>
-            <a:endParaRPr lang="en-US" dirty="0"/>
           </a:p>
         </p:txBody>
       </p:sp>
@@ -27214,6 +26411,33 @@
                                   </p:childTnLst>
                                 </p:cTn>
                               </p:par>
+                              <p:par>
+                                <p:cTn id="17" presetID="1" presetClass="entr" presetSubtype="0" fill="hold" nodeType="withEffect">
+                                  <p:stCondLst>
+                                    <p:cond delay="0"/>
+                                  </p:stCondLst>
+                                  <p:childTnLst>
+                                    <p:set>
+                                      <p:cBhvr>
+                                        <p:cTn id="18" dur="1" fill="hold">
+                                          <p:stCondLst>
+                                            <p:cond delay="0"/>
+                                          </p:stCondLst>
+                                        </p:cTn>
+                                        <p:tgtEl>
+                                          <p:spTgt spid="7"/>
+                                        </p:tgtEl>
+                                        <p:attrNameLst>
+                                          <p:attrName>style.visibility</p:attrName>
+                                        </p:attrNameLst>
+                                      </p:cBhvr>
+                                      <p:to>
+                                        <p:strVal val="visible"/>
+                                      </p:to>
+                                    </p:set>
+                                  </p:childTnLst>
+                                </p:cTn>
+                              </p:par>
                             </p:childTnLst>
                           </p:cTn>
                         </p:par>
@@ -27221,26 +26445,26 @@
                     </p:cTn>
                   </p:par>
                   <p:par>
-                    <p:cTn id="17" fill="hold">
+                    <p:cTn id="19" fill="hold">
                       <p:stCondLst>
                         <p:cond delay="indefinite"/>
                       </p:stCondLst>
                       <p:childTnLst>
                         <p:par>
-                          <p:cTn id="18" fill="hold">
+                          <p:cTn id="20" fill="hold">
                             <p:stCondLst>
                               <p:cond delay="0"/>
                             </p:stCondLst>
                             <p:childTnLst>
                               <p:par>
-                                <p:cTn id="19" presetID="1" presetClass="entr" presetSubtype="0" fill="hold" grpId="0" nodeType="clickEffect">
-                                  <p:stCondLst>
-                                    <p:cond delay="0"/>
-                                  </p:stCondLst>
-                                  <p:childTnLst>
-                                    <p:set>
-                                      <p:cBhvr>
-                                        <p:cTn id="20" dur="1" fill="hold">
+                                <p:cTn id="21" presetID="1" presetClass="entr" presetSubtype="0" fill="hold" grpId="0" nodeType="clickEffect">
+                                  <p:stCondLst>
+                                    <p:cond delay="0"/>
+                                  </p:stCondLst>
+                                  <p:childTnLst>
+                                    <p:set>
+                                      <p:cBhvr>
+                                        <p:cTn id="22" dur="1" fill="hold">
                                           <p:stCondLst>
                                             <p:cond delay="0"/>
                                           </p:stCondLst>
@@ -27260,14 +26484,14 @@
                                 </p:cTn>
                               </p:par>
                               <p:par>
-                                <p:cTn id="21" presetID="1" presetClass="entr" presetSubtype="0" fill="hold" grpId="0" nodeType="withEffect">
-                                  <p:stCondLst>
-                                    <p:cond delay="0"/>
-                                  </p:stCondLst>
-                                  <p:childTnLst>
-                                    <p:set>
-                                      <p:cBhvr>
-                                        <p:cTn id="22" dur="1" fill="hold">
+                                <p:cTn id="23" presetID="1" presetClass="entr" presetSubtype="0" fill="hold" grpId="0" nodeType="withEffect">
+                                  <p:stCondLst>
+                                    <p:cond delay="0"/>
+                                  </p:stCondLst>
+                                  <p:childTnLst>
+                                    <p:set>
+                                      <p:cBhvr>
+                                        <p:cTn id="24" dur="1" fill="hold">
                                           <p:stCondLst>
                                             <p:cond delay="0"/>
                                           </p:stCondLst>
@@ -27293,26 +26517,26 @@
                     </p:cTn>
                   </p:par>
                   <p:par>
-                    <p:cTn id="23" fill="hold">
+                    <p:cTn id="25" fill="hold">
                       <p:stCondLst>
                         <p:cond delay="indefinite"/>
                       </p:stCondLst>
                       <p:childTnLst>
                         <p:par>
-                          <p:cTn id="24" fill="hold">
+                          <p:cTn id="26" fill="hold">
                             <p:stCondLst>
                               <p:cond delay="0"/>
                             </p:stCondLst>
                             <p:childTnLst>
                               <p:par>
-                                <p:cTn id="25" presetID="1" presetClass="entr" presetSubtype="0" fill="hold" grpId="0" nodeType="clickEffect">
-                                  <p:stCondLst>
-                                    <p:cond delay="0"/>
-                                  </p:stCondLst>
-                                  <p:childTnLst>
-                                    <p:set>
-                                      <p:cBhvr>
-                                        <p:cTn id="26" dur="1" fill="hold">
+                                <p:cTn id="27" presetID="1" presetClass="entr" presetSubtype="0" fill="hold" grpId="0" nodeType="clickEffect">
+                                  <p:stCondLst>
+                                    <p:cond delay="0"/>
+                                  </p:stCondLst>
+                                  <p:childTnLst>
+                                    <p:set>
+                                      <p:cBhvr>
+                                        <p:cTn id="28" dur="1" fill="hold">
                                           <p:stCondLst>
                                             <p:cond delay="0"/>
                                           </p:stCondLst>
@@ -27332,14 +26556,14 @@
                                 </p:cTn>
                               </p:par>
                               <p:par>
-                                <p:cTn id="27" presetID="1" presetClass="entr" presetSubtype="0" fill="hold" grpId="0" nodeType="withEffect">
-                                  <p:stCondLst>
-                                    <p:cond delay="0"/>
-                                  </p:stCondLst>
-                                  <p:childTnLst>
-                                    <p:set>
-                                      <p:cBhvr>
-                                        <p:cTn id="28" dur="1" fill="hold">
+                                <p:cTn id="29" presetID="1" presetClass="entr" presetSubtype="0" fill="hold" grpId="0" nodeType="withEffect">
+                                  <p:stCondLst>
+                                    <p:cond delay="0"/>
+                                  </p:stCondLst>
+                                  <p:childTnLst>
+                                    <p:set>
+                                      <p:cBhvr>
+                                        <p:cTn id="30" dur="1" fill="hold">
                                           <p:stCondLst>
                                             <p:cond delay="0"/>
                                           </p:stCondLst>
@@ -27365,26 +26589,26 @@
                     </p:cTn>
                   </p:par>
                   <p:par>
-                    <p:cTn id="29" fill="hold">
+                    <p:cTn id="31" fill="hold">
                       <p:stCondLst>
                         <p:cond delay="indefinite"/>
                       </p:stCondLst>
                       <p:childTnLst>
                         <p:par>
-                          <p:cTn id="30" fill="hold">
+                          <p:cTn id="32" fill="hold">
                             <p:stCondLst>
                               <p:cond delay="0"/>
                             </p:stCondLst>
                             <p:childTnLst>
                               <p:par>
-                                <p:cTn id="31" presetID="1" presetClass="entr" presetSubtype="0" fill="hold" grpId="0" nodeType="clickEffect">
-                                  <p:stCondLst>
-                                    <p:cond delay="0"/>
-                                  </p:stCondLst>
-                                  <p:childTnLst>
-                                    <p:set>
-                                      <p:cBhvr>
-                                        <p:cTn id="32" dur="1" fill="hold">
+                                <p:cTn id="33" presetID="1" presetClass="entr" presetSubtype="0" fill="hold" grpId="0" nodeType="clickEffect">
+                                  <p:stCondLst>
+                                    <p:cond delay="0"/>
+                                  </p:stCondLst>
+                                  <p:childTnLst>
+                                    <p:set>
+                                      <p:cBhvr>
+                                        <p:cTn id="34" dur="1" fill="hold">
                                           <p:stCondLst>
                                             <p:cond delay="0"/>
                                           </p:stCondLst>
@@ -27404,14 +26628,14 @@
                                 </p:cTn>
                               </p:par>
                               <p:par>
-                                <p:cTn id="33" presetID="1" presetClass="entr" presetSubtype="0" fill="hold" grpId="0" nodeType="withEffect">
-                                  <p:stCondLst>
-                                    <p:cond delay="0"/>
-                                  </p:stCondLst>
-                                  <p:childTnLst>
-                                    <p:set>
-                                      <p:cBhvr>
-                                        <p:cTn id="34" dur="1" fill="hold">
+                                <p:cTn id="35" presetID="1" presetClass="entr" presetSubtype="0" fill="hold" grpId="0" nodeType="withEffect">
+                                  <p:stCondLst>
+                                    <p:cond delay="0"/>
+                                  </p:stCondLst>
+                                  <p:childTnLst>
+                                    <p:set>
+                                      <p:cBhvr>
+                                        <p:cTn id="36" dur="1" fill="hold">
                                           <p:stCondLst>
                                             <p:cond delay="0"/>
                                           </p:stCondLst>

--- a/loca_virt_draft.pptx
+++ b/loca_virt_draft.pptx
@@ -5201,39 +5201,6 @@
           </a:p>
         </p:txBody>
       </p:sp>
-      <p:sp>
-        <p:nvSpPr>
-          <p:cNvPr id="3" name="Content Placeholder 2">
-            <a:extLst>
-              <a:ext uri="{FF2B5EF4-FFF2-40B4-BE49-F238E27FC236}">
-                <a16:creationId xmlns:a16="http://schemas.microsoft.com/office/drawing/2014/main" id="{9FF1F8C8-7199-2E31-B355-11262FAAF4F5}"/>
-              </a:ext>
-            </a:extLst>
-          </p:cNvPr>
-          <p:cNvSpPr>
-            <a:spLocks noGrp="1"/>
-          </p:cNvSpPr>
-          <p:nvPr>
-            <p:ph idx="1"/>
-          </p:nvPr>
-        </p:nvSpPr>
-        <p:spPr>
-          <a:xfrm>
-            <a:off x="838199" y="1825625"/>
-            <a:ext cx="10674531" cy="552323"/>
-          </a:xfrm>
-        </p:spPr>
-        <p:txBody>
-          <a:bodyPr/>
-          <a:lstStyle/>
-          <a:p>
-            <a:r>
-              <a:rPr lang="en-US" dirty="0"/>
-              <a:t>Adding a new page requires an update to L1 table:  call ensure_L1</a:t>
-            </a:r>
-          </a:p>
-        </p:txBody>
-      </p:sp>
       <p:cxnSp>
         <p:nvCxnSpPr>
           <p:cNvPr id="31" name="Straight Arrow Connector 30">
@@ -5245,13 +5212,14 @@
           </p:cNvPr>
           <p:cNvCxnSpPr>
             <a:cxnSpLocks/>
+            <a:stCxn id="65" idx="1"/>
           </p:cNvCxnSpPr>
           <p:nvPr/>
         </p:nvCxnSpPr>
         <p:spPr>
           <a:xfrm>
-            <a:off x="1872490" y="1690688"/>
-            <a:ext cx="579821" cy="686366"/>
+            <a:off x="2242224" y="1807999"/>
+            <a:ext cx="210087" cy="569055"/>
           </a:xfrm>
           <a:prstGeom prst="straightConnector1">
             <a:avLst/>
@@ -5919,7 +5887,7 @@
         </p:nvSpPr>
         <p:spPr>
           <a:xfrm rot="16200000">
-            <a:off x="1321320" y="1206723"/>
+            <a:off x="1969362" y="1252176"/>
             <a:ext cx="545723" cy="565922"/>
           </a:xfrm>
           <a:prstGeom prst="flowChartAlternateProcess">
@@ -5966,7 +5934,7 @@
         </p:nvSpPr>
         <p:spPr>
           <a:xfrm>
-            <a:off x="1311220" y="1283669"/>
+            <a:off x="1959262" y="1329122"/>
             <a:ext cx="511809" cy="369332"/>
           </a:xfrm>
           <a:prstGeom prst="rect">
@@ -7129,89 +7097,6 @@
               <a:t>0</a:t>
             </a:r>
             <a:endParaRPr lang="en-US" sz="1200" dirty="0"/>
-          </a:p>
-        </p:txBody>
-      </p:sp>
-      <p:sp>
-        <p:nvSpPr>
-          <p:cNvPr id="168" name="TextBox 167">
-            <a:extLst>
-              <a:ext uri="{FF2B5EF4-FFF2-40B4-BE49-F238E27FC236}">
-                <a16:creationId xmlns:a16="http://schemas.microsoft.com/office/drawing/2014/main" id="{FF600CD7-879F-96CD-3DAB-9BF3ED15E1DE}"/>
-              </a:ext>
-            </a:extLst>
-          </p:cNvPr>
-          <p:cNvSpPr txBox="1"/>
-          <p:nvPr/>
-        </p:nvSpPr>
-        <p:spPr>
-          <a:xfrm rot="16200000">
-            <a:off x="1580170" y="4836351"/>
-            <a:ext cx="610462" cy="276999"/>
-          </a:xfrm>
-          <a:prstGeom prst="rect">
-            <a:avLst/>
-          </a:prstGeom>
-          <a:noFill/>
-        </p:spPr>
-        <p:txBody>
-          <a:bodyPr wrap="square" rtlCol="0">
-            <a:spAutoFit/>
-          </a:bodyPr>
-          <a:lstStyle/>
-          <a:p>
-            <a:r>
-              <a:rPr lang="en-US" sz="1200" dirty="0">
-                <a:solidFill>
-                  <a:srgbClr val="FF0000"/>
-                </a:solidFill>
-              </a:rPr>
-              <a:t>52/12 </a:t>
-            </a:r>
-          </a:p>
-        </p:txBody>
-      </p:sp>
-      <p:sp>
-        <p:nvSpPr>
-          <p:cNvPr id="169" name="TextBox 168">
-            <a:extLst>
-              <a:ext uri="{FF2B5EF4-FFF2-40B4-BE49-F238E27FC236}">
-                <a16:creationId xmlns:a16="http://schemas.microsoft.com/office/drawing/2014/main" id="{178F7409-EE5E-0755-4807-641F66D77F1E}"/>
-              </a:ext>
-            </a:extLst>
-          </p:cNvPr>
-          <p:cNvSpPr txBox="1"/>
-          <p:nvPr/>
-        </p:nvSpPr>
-        <p:spPr>
-          <a:xfrm rot="16200000">
-            <a:off x="1573593" y="5317990"/>
-            <a:ext cx="597794" cy="276999"/>
-          </a:xfrm>
-          <a:prstGeom prst="rect">
-            <a:avLst/>
-          </a:prstGeom>
-          <a:noFill/>
-        </p:spPr>
-        <p:txBody>
-          <a:bodyPr wrap="square" rtlCol="0">
-            <a:spAutoFit/>
-          </a:bodyPr>
-          <a:lstStyle/>
-          <a:p>
-            <a:r>
-              <a:rPr lang="en-US" sz="1200" dirty="0" err="1">
-                <a:solidFill>
-                  <a:srgbClr val="FF0000"/>
-                </a:solidFill>
-              </a:rPr>
-              <a:t>vanew</a:t>
-            </a:r>
-            <a:endParaRPr lang="en-US" sz="1200" dirty="0">
-              <a:solidFill>
-                <a:srgbClr val="FF0000"/>
-              </a:solidFill>
-            </a:endParaRPr>
           </a:p>
         </p:txBody>
       </p:sp>
@@ -7551,6 +7436,31 @@
           <a:p>
             <a:pPr algn="ctr"/>
             <a:endParaRPr lang="en-US"/>
+          </a:p>
+        </p:txBody>
+      </p:sp>
+      <p:sp>
+        <p:nvSpPr>
+          <p:cNvPr id="11" name="Content Placeholder 10">
+            <a:extLst>
+              <a:ext uri="{FF2B5EF4-FFF2-40B4-BE49-F238E27FC236}">
+                <a16:creationId xmlns:a16="http://schemas.microsoft.com/office/drawing/2014/main" id="{1E5C84CA-964A-0504-B72B-9E3927A72A41}"/>
+              </a:ext>
+            </a:extLst>
+          </p:cNvPr>
+          <p:cNvSpPr>
+            <a:spLocks noGrp="1"/>
+          </p:cNvSpPr>
+          <p:nvPr>
+            <p:ph idx="1"/>
+          </p:nvPr>
+        </p:nvSpPr>
+        <p:spPr/>
+        <p:txBody>
+          <a:bodyPr/>
+          <a:lstStyle/>
+          <a:p>
+            <a:endParaRPr lang="en-US" dirty="0"/>
           </a:p>
         </p:txBody>
       </p:sp>
@@ -8915,11 +8825,7 @@
                                           </p:stCondLst>
                                         </p:cTn>
                                         <p:tgtEl>
-                                          <p:spTgt spid="3">
-                                            <p:txEl>
-                                              <p:pRg st="0" end="0"/>
-                                            </p:txEl>
-                                          </p:spTgt>
+                                          <p:spTgt spid="176"/>
                                         </p:tgtEl>
                                         <p:attrNameLst>
                                           <p:attrName>style.visibility</p:attrName>
@@ -8946,21 +8852,21 @@
                                           </p:stCondLst>
                                         </p:cTn>
                                         <p:tgtEl>
-                                          <p:spTgt spid="168"/>
-                                        </p:tgtEl>
-                                        <p:attrNameLst>
-                                          <p:attrName>style.visibility</p:attrName>
-                                        </p:attrNameLst>
-                                      </p:cBhvr>
-                                      <p:to>
-                                        <p:strVal val="visible"/>
-                                      </p:to>
-                                    </p:set>
-                                  </p:childTnLst>
-                                </p:cTn>
-                              </p:par>
-                              <p:par>
-                                <p:cTn id="107" presetID="1" presetClass="entr" presetSubtype="0" fill="hold" grpId="0" nodeType="withEffect">
+                                          <p:spTgt spid="175"/>
+                                        </p:tgtEl>
+                                        <p:attrNameLst>
+                                          <p:attrName>style.visibility</p:attrName>
+                                        </p:attrNameLst>
+                                      </p:cBhvr>
+                                      <p:to>
+                                        <p:strVal val="visible"/>
+                                      </p:to>
+                                    </p:set>
+                                  </p:childTnLst>
+                                </p:cTn>
+                              </p:par>
+                              <p:par>
+                                <p:cTn id="107" presetID="1" presetClass="entr" presetSubtype="0" fill="hold" nodeType="withEffect">
                                   <p:stCondLst>
                                     <p:cond delay="0"/>
                                   </p:stCondLst>
@@ -8973,39 +8879,48 @@
                                           </p:stCondLst>
                                         </p:cTn>
                                         <p:tgtEl>
-                                          <p:spTgt spid="169"/>
-                                        </p:tgtEl>
-                                        <p:attrNameLst>
-                                          <p:attrName>style.visibility</p:attrName>
-                                        </p:attrNameLst>
-                                      </p:cBhvr>
-                                      <p:to>
-                                        <p:strVal val="visible"/>
-                                      </p:to>
-                                    </p:set>
-                                  </p:childTnLst>
-                                </p:cTn>
-                              </p:par>
-                            </p:childTnLst>
-                          </p:cTn>
-                        </p:par>
-                      </p:childTnLst>
-                    </p:cTn>
-                  </p:par>
-                  <p:par>
-                    <p:cTn id="109" fill="hold">
-                      <p:stCondLst>
-                        <p:cond delay="indefinite"/>
-                      </p:stCondLst>
-                      <p:childTnLst>
-                        <p:par>
-                          <p:cTn id="110" fill="hold">
-                            <p:stCondLst>
-                              <p:cond delay="0"/>
-                            </p:stCondLst>
-                            <p:childTnLst>
-                              <p:par>
-                                <p:cTn id="111" presetID="1" presetClass="entr" presetSubtype="0" fill="hold" grpId="0" nodeType="clickEffect">
+                                          <p:spTgt spid="4"/>
+                                        </p:tgtEl>
+                                        <p:attrNameLst>
+                                          <p:attrName>style.visibility</p:attrName>
+                                        </p:attrNameLst>
+                                      </p:cBhvr>
+                                      <p:to>
+                                        <p:strVal val="visible"/>
+                                      </p:to>
+                                    </p:set>
+                                  </p:childTnLst>
+                                </p:cTn>
+                              </p:par>
+                              <p:par>
+                                <p:cTn id="109" presetID="1" presetClass="entr" presetSubtype="0" fill="hold" grpId="0" nodeType="withEffect">
+                                  <p:stCondLst>
+                                    <p:cond delay="0"/>
+                                  </p:stCondLst>
+                                  <p:childTnLst>
+                                    <p:set>
+                                      <p:cBhvr>
+                                        <p:cTn id="110" dur="1" fill="hold">
+                                          <p:stCondLst>
+                                            <p:cond delay="0"/>
+                                          </p:stCondLst>
+                                        </p:cTn>
+                                        <p:tgtEl>
+                                          <p:spTgt spid="8"/>
+                                        </p:tgtEl>
+                                        <p:attrNameLst>
+                                          <p:attrName>style.visibility</p:attrName>
+                                        </p:attrNameLst>
+                                      </p:cBhvr>
+                                      <p:to>
+                                        <p:strVal val="visible"/>
+                                      </p:to>
+                                    </p:set>
+                                  </p:childTnLst>
+                                </p:cTn>
+                              </p:par>
+                              <p:par>
+                                <p:cTn id="111" presetID="1" presetClass="entr" presetSubtype="0" fill="hold" grpId="0" nodeType="withEffect">
                                   <p:stCondLst>
                                     <p:cond delay="0"/>
                                   </p:stCondLst>
@@ -9013,145 +8928,6 @@
                                     <p:set>
                                       <p:cBhvr>
                                         <p:cTn id="112" dur="1" fill="hold">
-                                          <p:stCondLst>
-                                            <p:cond delay="0"/>
-                                          </p:stCondLst>
-                                        </p:cTn>
-                                        <p:tgtEl>
-                                          <p:spTgt spid="176"/>
-                                        </p:tgtEl>
-                                        <p:attrNameLst>
-                                          <p:attrName>style.visibility</p:attrName>
-                                        </p:attrNameLst>
-                                      </p:cBhvr>
-                                      <p:to>
-                                        <p:strVal val="visible"/>
-                                      </p:to>
-                                    </p:set>
-                                  </p:childTnLst>
-                                </p:cTn>
-                              </p:par>
-                              <p:par>
-                                <p:cTn id="113" presetID="1" presetClass="entr" presetSubtype="0" fill="hold" grpId="0" nodeType="withEffect">
-                                  <p:stCondLst>
-                                    <p:cond delay="0"/>
-                                  </p:stCondLst>
-                                  <p:childTnLst>
-                                    <p:set>
-                                      <p:cBhvr>
-                                        <p:cTn id="114" dur="1" fill="hold">
-                                          <p:stCondLst>
-                                            <p:cond delay="0"/>
-                                          </p:stCondLst>
-                                        </p:cTn>
-                                        <p:tgtEl>
-                                          <p:spTgt spid="175"/>
-                                        </p:tgtEl>
-                                        <p:attrNameLst>
-                                          <p:attrName>style.visibility</p:attrName>
-                                        </p:attrNameLst>
-                                      </p:cBhvr>
-                                      <p:to>
-                                        <p:strVal val="visible"/>
-                                      </p:to>
-                                    </p:set>
-                                  </p:childTnLst>
-                                </p:cTn>
-                              </p:par>
-                              <p:par>
-                                <p:cTn id="115" presetID="1" presetClass="exit" presetSubtype="0" fill="hold" grpId="1" nodeType="withEffect">
-                                  <p:stCondLst>
-                                    <p:cond delay="0"/>
-                                  </p:stCondLst>
-                                  <p:childTnLst>
-                                    <p:set>
-                                      <p:cBhvr>
-                                        <p:cTn id="116" dur="1" fill="hold">
-                                          <p:stCondLst>
-                                            <p:cond delay="0"/>
-                                          </p:stCondLst>
-                                        </p:cTn>
-                                        <p:tgtEl>
-                                          <p:spTgt spid="3">
-                                            <p:txEl>
-                                              <p:pRg st="0" end="0"/>
-                                            </p:txEl>
-                                          </p:spTgt>
-                                        </p:tgtEl>
-                                        <p:attrNameLst>
-                                          <p:attrName>style.visibility</p:attrName>
-                                        </p:attrNameLst>
-                                      </p:cBhvr>
-                                      <p:to>
-                                        <p:strVal val="hidden"/>
-                                      </p:to>
-                                    </p:set>
-                                  </p:childTnLst>
-                                </p:cTn>
-                              </p:par>
-                              <p:par>
-                                <p:cTn id="117" presetID="1" presetClass="entr" presetSubtype="0" fill="hold" nodeType="withEffect">
-                                  <p:stCondLst>
-                                    <p:cond delay="0"/>
-                                  </p:stCondLst>
-                                  <p:childTnLst>
-                                    <p:set>
-                                      <p:cBhvr>
-                                        <p:cTn id="118" dur="1" fill="hold">
-                                          <p:stCondLst>
-                                            <p:cond delay="0"/>
-                                          </p:stCondLst>
-                                        </p:cTn>
-                                        <p:tgtEl>
-                                          <p:spTgt spid="4"/>
-                                        </p:tgtEl>
-                                        <p:attrNameLst>
-                                          <p:attrName>style.visibility</p:attrName>
-                                        </p:attrNameLst>
-                                      </p:cBhvr>
-                                      <p:to>
-                                        <p:strVal val="visible"/>
-                                      </p:to>
-                                    </p:set>
-                                  </p:childTnLst>
-                                </p:cTn>
-                              </p:par>
-                              <p:par>
-                                <p:cTn id="119" presetID="1" presetClass="entr" presetSubtype="0" fill="hold" grpId="0" nodeType="withEffect">
-                                  <p:stCondLst>
-                                    <p:cond delay="0"/>
-                                  </p:stCondLst>
-                                  <p:childTnLst>
-                                    <p:set>
-                                      <p:cBhvr>
-                                        <p:cTn id="120" dur="1" fill="hold">
-                                          <p:stCondLst>
-                                            <p:cond delay="0"/>
-                                          </p:stCondLst>
-                                        </p:cTn>
-                                        <p:tgtEl>
-                                          <p:spTgt spid="8"/>
-                                        </p:tgtEl>
-                                        <p:attrNameLst>
-                                          <p:attrName>style.visibility</p:attrName>
-                                        </p:attrNameLst>
-                                      </p:cBhvr>
-                                      <p:to>
-                                        <p:strVal val="visible"/>
-                                      </p:to>
-                                    </p:set>
-                                  </p:childTnLst>
-                                </p:cTn>
-                              </p:par>
-                              <p:par>
-                                <p:cTn id="121" presetID="1" presetClass="entr" presetSubtype="0" fill="hold" grpId="0" nodeType="withEffect">
-                                  <p:stCondLst>
-                                    <p:cond delay="0"/>
-                                  </p:stCondLst>
-                                  <p:childTnLst>
-                                    <p:set>
-                                      <p:cBhvr>
-                                        <p:cTn id="122" dur="1" fill="hold">
                                           <p:stCondLst>
                                             <p:cond delay="0"/>
                                           </p:stCondLst>
@@ -9201,8 +8977,6 @@
       <p:bldP spid="30" grpId="0" animBg="1"/>
       <p:bldP spid="57" grpId="0"/>
       <p:bldP spid="57" grpId="1"/>
-      <p:bldP spid="3" grpId="0" build="p"/>
-      <p:bldP spid="3" grpId="1" build="p"/>
       <p:bldP spid="32" grpId="0" animBg="1"/>
       <p:bldP spid="33" grpId="0" animBg="1"/>
       <p:bldP spid="36" grpId="0"/>
@@ -9234,8 +9008,6 @@
       <p:bldP spid="102" grpId="0"/>
       <p:bldP spid="120" grpId="0"/>
       <p:bldP spid="121" grpId="0"/>
-      <p:bldP spid="168" grpId="0"/>
-      <p:bldP spid="169" grpId="0"/>
       <p:bldP spid="174" grpId="0"/>
       <p:bldP spid="175" grpId="0" animBg="1"/>
       <p:bldP spid="176" grpId="0"/>
@@ -9286,8 +9058,8 @@
         </p:blipFill>
         <p:spPr>
           <a:xfrm>
-            <a:off x="793581" y="4036904"/>
-            <a:ext cx="9360905" cy="841808"/>
+            <a:off x="793581" y="4010845"/>
+            <a:ext cx="9650686" cy="867867"/>
           </a:xfrm>
           <a:prstGeom prst="rect">
             <a:avLst/>
@@ -9318,8 +9090,8 @@
         </p:blipFill>
         <p:spPr>
           <a:xfrm>
-            <a:off x="1010634" y="2375540"/>
-            <a:ext cx="1667796" cy="439574"/>
+            <a:off x="1183340" y="2421060"/>
+            <a:ext cx="1495089" cy="394054"/>
           </a:xfrm>
         </p:spPr>
       </p:pic>
@@ -9408,8 +9180,8 @@
         </p:blipFill>
         <p:spPr>
           <a:xfrm>
-            <a:off x="5274309" y="2383313"/>
-            <a:ext cx="1805781" cy="1383993"/>
+            <a:off x="5147607" y="2432697"/>
+            <a:ext cx="1646522" cy="1261933"/>
           </a:xfrm>
           <a:prstGeom prst="rect">
             <a:avLst/>
@@ -9438,8 +9210,8 @@
         </p:blipFill>
         <p:spPr>
           <a:xfrm>
-            <a:off x="3011170" y="2214881"/>
-            <a:ext cx="2120900" cy="1460500"/>
+            <a:off x="3172267" y="2292198"/>
+            <a:ext cx="1910705" cy="1315755"/>
           </a:xfrm>
           <a:prstGeom prst="rect">
             <a:avLst/>
@@ -9498,8 +9270,8 @@
         </p:blipFill>
         <p:spPr>
           <a:xfrm>
-            <a:off x="6913653" y="4801345"/>
-            <a:ext cx="2882900" cy="482600"/>
+            <a:off x="7566793" y="4678437"/>
+            <a:ext cx="2699073" cy="451827"/>
           </a:xfrm>
           <a:prstGeom prst="rect">
             <a:avLst/>
@@ -14936,6 +14708,33 @@
                                   </p:childTnLst>
                                 </p:cTn>
                               </p:par>
+                              <p:par>
+                                <p:cTn id="69" presetID="1" presetClass="entr" presetSubtype="0" fill="hold" nodeType="withEffect">
+                                  <p:stCondLst>
+                                    <p:cond delay="0"/>
+                                  </p:stCondLst>
+                                  <p:childTnLst>
+                                    <p:set>
+                                      <p:cBhvr>
+                                        <p:cTn id="70" dur="1" fill="hold">
+                                          <p:stCondLst>
+                                            <p:cond delay="0"/>
+                                          </p:stCondLst>
+                                        </p:cTn>
+                                        <p:tgtEl>
+                                          <p:spTgt spid="22"/>
+                                        </p:tgtEl>
+                                        <p:attrNameLst>
+                                          <p:attrName>style.visibility</p:attrName>
+                                        </p:attrNameLst>
+                                      </p:cBhvr>
+                                      <p:to>
+                                        <p:strVal val="visible"/>
+                                      </p:to>
+                                    </p:set>
+                                  </p:childTnLst>
+                                </p:cTn>
+                              </p:par>
                             </p:childTnLst>
                           </p:cTn>
                         </p:par>
@@ -14943,26 +14742,26 @@
                     </p:cTn>
                   </p:par>
                   <p:par>
-                    <p:cTn id="69" fill="hold">
+                    <p:cTn id="71" fill="hold">
                       <p:stCondLst>
                         <p:cond delay="indefinite"/>
                       </p:stCondLst>
                       <p:childTnLst>
                         <p:par>
-                          <p:cTn id="70" fill="hold">
+                          <p:cTn id="72" fill="hold">
                             <p:stCondLst>
                               <p:cond delay="0"/>
                             </p:stCondLst>
                             <p:childTnLst>
                               <p:par>
-                                <p:cTn id="71" presetID="1" presetClass="entr" presetSubtype="0" fill="hold" grpId="0" nodeType="clickEffect">
-                                  <p:stCondLst>
-                                    <p:cond delay="0"/>
-                                  </p:stCondLst>
-                                  <p:childTnLst>
-                                    <p:set>
-                                      <p:cBhvr>
-                                        <p:cTn id="72" dur="1" fill="hold">
+                                <p:cTn id="73" presetID="1" presetClass="entr" presetSubtype="0" fill="hold" grpId="0" nodeType="clickEffect">
+                                  <p:stCondLst>
+                                    <p:cond delay="0"/>
+                                  </p:stCondLst>
+                                  <p:childTnLst>
+                                    <p:set>
+                                      <p:cBhvr>
+                                        <p:cTn id="74" dur="1" fill="hold">
                                           <p:stCondLst>
                                             <p:cond delay="0"/>
                                           </p:stCondLst>
@@ -14982,14 +14781,14 @@
                                 </p:cTn>
                               </p:par>
                               <p:par>
-                                <p:cTn id="73" presetID="1" presetClass="entr" presetSubtype="0" fill="hold" grpId="0" nodeType="withEffect">
-                                  <p:stCondLst>
-                                    <p:cond delay="0"/>
-                                  </p:stCondLst>
-                                  <p:childTnLst>
-                                    <p:set>
-                                      <p:cBhvr>
-                                        <p:cTn id="74" dur="1" fill="hold">
+                                <p:cTn id="75" presetID="1" presetClass="entr" presetSubtype="0" fill="hold" grpId="0" nodeType="withEffect">
+                                  <p:stCondLst>
+                                    <p:cond delay="0"/>
+                                  </p:stCondLst>
+                                  <p:childTnLst>
+                                    <p:set>
+                                      <p:cBhvr>
+                                        <p:cTn id="76" dur="1" fill="hold">
                                           <p:stCondLst>
                                             <p:cond delay="0"/>
                                           </p:stCondLst>
@@ -15009,14 +14808,14 @@
                                 </p:cTn>
                               </p:par>
                               <p:par>
-                                <p:cTn id="75" presetID="1" presetClass="entr" presetSubtype="0" fill="hold" nodeType="withEffect">
-                                  <p:stCondLst>
-                                    <p:cond delay="0"/>
-                                  </p:stCondLst>
-                                  <p:childTnLst>
-                                    <p:set>
-                                      <p:cBhvr>
-                                        <p:cTn id="76" dur="1" fill="hold">
+                                <p:cTn id="77" presetID="1" presetClass="entr" presetSubtype="0" fill="hold" nodeType="withEffect">
+                                  <p:stCondLst>
+                                    <p:cond delay="0"/>
+                                  </p:stCondLst>
+                                  <p:childTnLst>
+                                    <p:set>
+                                      <p:cBhvr>
+                                        <p:cTn id="78" dur="1" fill="hold">
                                           <p:stCondLst>
                                             <p:cond delay="0"/>
                                           </p:stCondLst>
@@ -15036,14 +14835,14 @@
                                 </p:cTn>
                               </p:par>
                               <p:par>
-                                <p:cTn id="77" presetID="1" presetClass="entr" presetSubtype="0" fill="hold" nodeType="withEffect">
-                                  <p:stCondLst>
-                                    <p:cond delay="0"/>
-                                  </p:stCondLst>
-                                  <p:childTnLst>
-                                    <p:set>
-                                      <p:cBhvr>
-                                        <p:cTn id="78" dur="1" fill="hold">
+                                <p:cTn id="79" presetID="1" presetClass="entr" presetSubtype="0" fill="hold" nodeType="withEffect">
+                                  <p:stCondLst>
+                                    <p:cond delay="0"/>
+                                  </p:stCondLst>
+                                  <p:childTnLst>
+                                    <p:set>
+                                      <p:cBhvr>
+                                        <p:cTn id="80" dur="1" fill="hold">
                                           <p:stCondLst>
                                             <p:cond delay="0"/>
                                           </p:stCondLst>
@@ -15063,14 +14862,14 @@
                                 </p:cTn>
                               </p:par>
                               <p:par>
-                                <p:cTn id="79" presetID="1" presetClass="entr" presetSubtype="0" fill="hold" grpId="0" nodeType="withEffect">
-                                  <p:stCondLst>
-                                    <p:cond delay="0"/>
-                                  </p:stCondLst>
-                                  <p:childTnLst>
-                                    <p:set>
-                                      <p:cBhvr>
-                                        <p:cTn id="80" dur="1" fill="hold">
+                                <p:cTn id="81" presetID="1" presetClass="entr" presetSubtype="0" fill="hold" grpId="0" nodeType="withEffect">
+                                  <p:stCondLst>
+                                    <p:cond delay="0"/>
+                                  </p:stCondLst>
+                                  <p:childTnLst>
+                                    <p:set>
+                                      <p:cBhvr>
+                                        <p:cTn id="82" dur="1" fill="hold">
                                           <p:stCondLst>
                                             <p:cond delay="0"/>
                                           </p:stCondLst>
@@ -15090,14 +14889,14 @@
                                 </p:cTn>
                               </p:par>
                               <p:par>
-                                <p:cTn id="81" presetID="1" presetClass="entr" presetSubtype="0" fill="hold" nodeType="withEffect">
-                                  <p:stCondLst>
-                                    <p:cond delay="0"/>
-                                  </p:stCondLst>
-                                  <p:childTnLst>
-                                    <p:set>
-                                      <p:cBhvr>
-                                        <p:cTn id="82" dur="1" fill="hold">
+                                <p:cTn id="83" presetID="1" presetClass="entr" presetSubtype="0" fill="hold" nodeType="withEffect">
+                                  <p:stCondLst>
+                                    <p:cond delay="0"/>
+                                  </p:stCondLst>
+                                  <p:childTnLst>
+                                    <p:set>
+                                      <p:cBhvr>
+                                        <p:cTn id="84" dur="1" fill="hold">
                                           <p:stCondLst>
                                             <p:cond delay="0"/>
                                           </p:stCondLst>
@@ -15117,14 +14916,14 @@
                                 </p:cTn>
                               </p:par>
                               <p:par>
-                                <p:cTn id="83" presetID="1" presetClass="entr" presetSubtype="0" fill="hold" grpId="0" nodeType="withEffect">
-                                  <p:stCondLst>
-                                    <p:cond delay="0"/>
-                                  </p:stCondLst>
-                                  <p:childTnLst>
-                                    <p:set>
-                                      <p:cBhvr>
-                                        <p:cTn id="84" dur="1" fill="hold">
+                                <p:cTn id="85" presetID="1" presetClass="entr" presetSubtype="0" fill="hold" grpId="0" nodeType="withEffect">
+                                  <p:stCondLst>
+                                    <p:cond delay="0"/>
+                                  </p:stCondLst>
+                                  <p:childTnLst>
+                                    <p:set>
+                                      <p:cBhvr>
+                                        <p:cTn id="86" dur="1" fill="hold">
                                           <p:stCondLst>
                                             <p:cond delay="0"/>
                                           </p:stCondLst>
@@ -15144,14 +14943,14 @@
                                 </p:cTn>
                               </p:par>
                               <p:par>
-                                <p:cTn id="85" presetID="1" presetClass="exit" presetSubtype="0" fill="hold" nodeType="withEffect">
-                                  <p:stCondLst>
-                                    <p:cond delay="0"/>
-                                  </p:stCondLst>
-                                  <p:childTnLst>
-                                    <p:set>
-                                      <p:cBhvr>
-                                        <p:cTn id="86" dur="1" fill="hold">
+                                <p:cTn id="87" presetID="1" presetClass="exit" presetSubtype="0" fill="hold" nodeType="withEffect">
+                                  <p:stCondLst>
+                                    <p:cond delay="0"/>
+                                  </p:stCondLst>
+                                  <p:childTnLst>
+                                    <p:set>
+                                      <p:cBhvr>
+                                        <p:cTn id="88" dur="1" fill="hold">
                                           <p:stCondLst>
                                             <p:cond delay="0"/>
                                           </p:stCondLst>
@@ -15171,14 +14970,14 @@
                                 </p:cTn>
                               </p:par>
                               <p:par>
-                                <p:cTn id="87" presetID="1" presetClass="exit" presetSubtype="0" fill="hold" grpId="2" nodeType="withEffect">
-                                  <p:stCondLst>
-                                    <p:cond delay="0"/>
-                                  </p:stCondLst>
-                                  <p:childTnLst>
-                                    <p:set>
-                                      <p:cBhvr>
-                                        <p:cTn id="88" dur="1" fill="hold">
+                                <p:cTn id="89" presetID="1" presetClass="exit" presetSubtype="0" fill="hold" grpId="2" nodeType="withEffect">
+                                  <p:stCondLst>
+                                    <p:cond delay="0"/>
+                                  </p:stCondLst>
+                                  <p:childTnLst>
+                                    <p:set>
+                                      <p:cBhvr>
+                                        <p:cTn id="90" dur="1" fill="hold">
                                           <p:stCondLst>
                                             <p:cond delay="0"/>
                                           </p:stCondLst>
@@ -15198,14 +14997,14 @@
                                 </p:cTn>
                               </p:par>
                               <p:par>
-                                <p:cTn id="89" presetID="1" presetClass="exit" presetSubtype="0" fill="hold" nodeType="withEffect">
-                                  <p:stCondLst>
-                                    <p:cond delay="0"/>
-                                  </p:stCondLst>
-                                  <p:childTnLst>
-                                    <p:set>
-                                      <p:cBhvr>
-                                        <p:cTn id="90" dur="1" fill="hold">
+                                <p:cTn id="91" presetID="1" presetClass="exit" presetSubtype="0" fill="hold" nodeType="withEffect">
+                                  <p:stCondLst>
+                                    <p:cond delay="0"/>
+                                  </p:stCondLst>
+                                  <p:childTnLst>
+                                    <p:set>
+                                      <p:cBhvr>
+                                        <p:cTn id="92" dur="1" fill="hold">
                                           <p:stCondLst>
                                             <p:cond delay="0"/>
                                           </p:stCondLst>
@@ -15225,14 +15024,14 @@
                                 </p:cTn>
                               </p:par>
                               <p:par>
-                                <p:cTn id="91" presetID="1" presetClass="exit" presetSubtype="0" fill="hold" grpId="2" nodeType="withEffect">
-                                  <p:stCondLst>
-                                    <p:cond delay="0"/>
-                                  </p:stCondLst>
-                                  <p:childTnLst>
-                                    <p:set>
-                                      <p:cBhvr>
-                                        <p:cTn id="92" dur="1" fill="hold">
+                                <p:cTn id="93" presetID="1" presetClass="exit" presetSubtype="0" fill="hold" grpId="2" nodeType="withEffect">
+                                  <p:stCondLst>
+                                    <p:cond delay="0"/>
+                                  </p:stCondLst>
+                                  <p:childTnLst>
+                                    <p:set>
+                                      <p:cBhvr>
+                                        <p:cTn id="94" dur="1" fill="hold">
                                           <p:stCondLst>
                                             <p:cond delay="0"/>
                                           </p:stCondLst>
@@ -15252,14 +15051,14 @@
                                 </p:cTn>
                               </p:par>
                               <p:par>
-                                <p:cTn id="93" presetID="1" presetClass="exit" presetSubtype="0" fill="hold" grpId="2" nodeType="withEffect">
-                                  <p:stCondLst>
-                                    <p:cond delay="0"/>
-                                  </p:stCondLst>
-                                  <p:childTnLst>
-                                    <p:set>
-                                      <p:cBhvr>
-                                        <p:cTn id="94" dur="1" fill="hold">
+                                <p:cTn id="95" presetID="1" presetClass="exit" presetSubtype="0" fill="hold" grpId="2" nodeType="withEffect">
+                                  <p:stCondLst>
+                                    <p:cond delay="0"/>
+                                  </p:stCondLst>
+                                  <p:childTnLst>
+                                    <p:set>
+                                      <p:cBhvr>
+                                        <p:cTn id="96" dur="1" fill="hold">
                                           <p:stCondLst>
                                             <p:cond delay="0"/>
                                           </p:stCondLst>
@@ -15279,14 +15078,14 @@
                                 </p:cTn>
                               </p:par>
                               <p:par>
-                                <p:cTn id="95" presetID="1" presetClass="exit" presetSubtype="0" fill="hold" grpId="2" nodeType="withEffect">
-                                  <p:stCondLst>
-                                    <p:cond delay="0"/>
-                                  </p:stCondLst>
-                                  <p:childTnLst>
-                                    <p:set>
-                                      <p:cBhvr>
-                                        <p:cTn id="96" dur="1" fill="hold">
+                                <p:cTn id="97" presetID="1" presetClass="exit" presetSubtype="0" fill="hold" grpId="2" nodeType="withEffect">
+                                  <p:stCondLst>
+                                    <p:cond delay="0"/>
+                                  </p:stCondLst>
+                                  <p:childTnLst>
+                                    <p:set>
+                                      <p:cBhvr>
+                                        <p:cTn id="98" dur="1" fill="hold">
                                           <p:stCondLst>
                                             <p:cond delay="0"/>
                                           </p:stCondLst>
@@ -15312,26 +15111,26 @@
                     </p:cTn>
                   </p:par>
                   <p:par>
-                    <p:cTn id="97" fill="hold">
+                    <p:cTn id="99" fill="hold">
                       <p:stCondLst>
                         <p:cond delay="indefinite"/>
                       </p:stCondLst>
                       <p:childTnLst>
                         <p:par>
-                          <p:cTn id="98" fill="hold">
+                          <p:cTn id="100" fill="hold">
                             <p:stCondLst>
                               <p:cond delay="0"/>
                             </p:stCondLst>
                             <p:childTnLst>
                               <p:par>
-                                <p:cTn id="99" presetID="1" presetClass="entr" presetSubtype="0" fill="hold" nodeType="clickEffect">
-                                  <p:stCondLst>
-                                    <p:cond delay="0"/>
-                                  </p:stCondLst>
-                                  <p:childTnLst>
-                                    <p:set>
-                                      <p:cBhvr>
-                                        <p:cTn id="100" dur="1" fill="hold">
+                                <p:cTn id="101" presetID="1" presetClass="entr" presetSubtype="0" fill="hold" nodeType="clickEffect">
+                                  <p:stCondLst>
+                                    <p:cond delay="0"/>
+                                  </p:stCondLst>
+                                  <p:childTnLst>
+                                    <p:set>
+                                      <p:cBhvr>
+                                        <p:cTn id="102" dur="1" fill="hold">
                                           <p:stCondLst>
                                             <p:cond delay="0"/>
                                           </p:stCondLst>
@@ -15357,26 +15156,26 @@
                     </p:cTn>
                   </p:par>
                   <p:par>
-                    <p:cTn id="101" fill="hold">
+                    <p:cTn id="103" fill="hold">
                       <p:stCondLst>
                         <p:cond delay="indefinite"/>
                       </p:stCondLst>
                       <p:childTnLst>
                         <p:par>
-                          <p:cTn id="102" fill="hold">
+                          <p:cTn id="104" fill="hold">
                             <p:stCondLst>
                               <p:cond delay="0"/>
                             </p:stCondLst>
                             <p:childTnLst>
                               <p:par>
-                                <p:cTn id="103" presetID="1" presetClass="exit" presetSubtype="0" fill="hold" nodeType="clickEffect">
-                                  <p:stCondLst>
-                                    <p:cond delay="0"/>
-                                  </p:stCondLst>
-                                  <p:childTnLst>
-                                    <p:set>
-                                      <p:cBhvr>
-                                        <p:cTn id="104" dur="1" fill="hold">
+                                <p:cTn id="105" presetID="1" presetClass="exit" presetSubtype="0" fill="hold" nodeType="clickEffect">
+                                  <p:stCondLst>
+                                    <p:cond delay="0"/>
+                                  </p:stCondLst>
+                                  <p:childTnLst>
+                                    <p:set>
+                                      <p:cBhvr>
+                                        <p:cTn id="106" dur="1" fill="hold">
                                           <p:stCondLst>
                                             <p:cond delay="0"/>
                                           </p:stCondLst>
@@ -15396,14 +15195,14 @@
                                 </p:cTn>
                               </p:par>
                               <p:par>
-                                <p:cTn id="105" presetID="1" presetClass="exit" presetSubtype="0" fill="hold" grpId="1" nodeType="withEffect">
-                                  <p:stCondLst>
-                                    <p:cond delay="0"/>
-                                  </p:stCondLst>
-                                  <p:childTnLst>
-                                    <p:set>
-                                      <p:cBhvr>
-                                        <p:cTn id="106" dur="1" fill="hold">
+                                <p:cTn id="107" presetID="1" presetClass="exit" presetSubtype="0" fill="hold" grpId="1" nodeType="withEffect">
+                                  <p:stCondLst>
+                                    <p:cond delay="0"/>
+                                  </p:stCondLst>
+                                  <p:childTnLst>
+                                    <p:set>
+                                      <p:cBhvr>
+                                        <p:cTn id="108" dur="1" fill="hold">
                                           <p:stCondLst>
                                             <p:cond delay="0"/>
                                           </p:stCondLst>
@@ -15423,14 +15222,14 @@
                                 </p:cTn>
                               </p:par>
                               <p:par>
-                                <p:cTn id="107" presetID="1" presetClass="exit" presetSubtype="0" fill="hold" grpId="1" nodeType="withEffect">
-                                  <p:stCondLst>
-                                    <p:cond delay="0"/>
-                                  </p:stCondLst>
-                                  <p:childTnLst>
-                                    <p:set>
-                                      <p:cBhvr>
-                                        <p:cTn id="108" dur="1" fill="hold">
+                                <p:cTn id="109" presetID="1" presetClass="exit" presetSubtype="0" fill="hold" grpId="1" nodeType="withEffect">
+                                  <p:stCondLst>
+                                    <p:cond delay="0"/>
+                                  </p:stCondLst>
+                                  <p:childTnLst>
+                                    <p:set>
+                                      <p:cBhvr>
+                                        <p:cTn id="110" dur="1" fill="hold">
                                           <p:stCondLst>
                                             <p:cond delay="0"/>
                                           </p:stCondLst>
@@ -15450,14 +15249,14 @@
                                 </p:cTn>
                               </p:par>
                               <p:par>
-                                <p:cTn id="109" presetID="1" presetClass="exit" presetSubtype="0" fill="hold" grpId="1" nodeType="withEffect">
-                                  <p:stCondLst>
-                                    <p:cond delay="0"/>
-                                  </p:stCondLst>
-                                  <p:childTnLst>
-                                    <p:set>
-                                      <p:cBhvr>
-                                        <p:cTn id="110" dur="1" fill="hold">
+                                <p:cTn id="111" presetID="1" presetClass="exit" presetSubtype="0" fill="hold" grpId="1" nodeType="withEffect">
+                                  <p:stCondLst>
+                                    <p:cond delay="0"/>
+                                  </p:stCondLst>
+                                  <p:childTnLst>
+                                    <p:set>
+                                      <p:cBhvr>
+                                        <p:cTn id="112" dur="1" fill="hold">
                                           <p:stCondLst>
                                             <p:cond delay="0"/>
                                           </p:stCondLst>
@@ -15477,14 +15276,14 @@
                                 </p:cTn>
                               </p:par>
                               <p:par>
-                                <p:cTn id="111" presetID="1" presetClass="exit" presetSubtype="0" fill="hold" nodeType="withEffect">
-                                  <p:stCondLst>
-                                    <p:cond delay="0"/>
-                                  </p:stCondLst>
-                                  <p:childTnLst>
-                                    <p:set>
-                                      <p:cBhvr>
-                                        <p:cTn id="112" dur="1" fill="hold">
+                                <p:cTn id="113" presetID="1" presetClass="exit" presetSubtype="0" fill="hold" nodeType="withEffect">
+                                  <p:stCondLst>
+                                    <p:cond delay="0"/>
+                                  </p:stCondLst>
+                                  <p:childTnLst>
+                                    <p:set>
+                                      <p:cBhvr>
+                                        <p:cTn id="114" dur="1" fill="hold">
                                           <p:stCondLst>
                                             <p:cond delay="0"/>
                                           </p:stCondLst>
@@ -15504,14 +15303,14 @@
                                 </p:cTn>
                               </p:par>
                               <p:par>
-                                <p:cTn id="113" presetID="1" presetClass="exit" presetSubtype="0" fill="hold" grpId="1" nodeType="withEffect">
-                                  <p:stCondLst>
-                                    <p:cond delay="0"/>
-                                  </p:stCondLst>
-                                  <p:childTnLst>
-                                    <p:set>
-                                      <p:cBhvr>
-                                        <p:cTn id="114" dur="1" fill="hold">
+                                <p:cTn id="115" presetID="1" presetClass="exit" presetSubtype="0" fill="hold" grpId="1" nodeType="withEffect">
+                                  <p:stCondLst>
+                                    <p:cond delay="0"/>
+                                  </p:stCondLst>
+                                  <p:childTnLst>
+                                    <p:set>
+                                      <p:cBhvr>
+                                        <p:cTn id="116" dur="1" fill="hold">
                                           <p:stCondLst>
                                             <p:cond delay="0"/>
                                           </p:stCondLst>
@@ -18333,8 +18132,8 @@
         </p:nvSpPr>
         <p:spPr>
           <a:xfrm>
-            <a:off x="4036869" y="2400435"/>
-            <a:ext cx="981803" cy="575109"/>
+            <a:off x="4036870" y="2400435"/>
+            <a:ext cx="958362" cy="575109"/>
           </a:xfrm>
           <a:prstGeom prst="flowChartAlternateProcess">
             <a:avLst/>
@@ -18444,8 +18243,8 @@
         </p:nvSpPr>
         <p:spPr>
           <a:xfrm>
-            <a:off x="5847381" y="2418723"/>
-            <a:ext cx="981803" cy="575109"/>
+            <a:off x="5847381" y="2413235"/>
+            <a:ext cx="958333" cy="580597"/>
           </a:xfrm>
           <a:prstGeom prst="flowChartAlternateProcess">
             <a:avLst/>
@@ -18555,8 +18354,8 @@
         </p:nvSpPr>
         <p:spPr>
           <a:xfrm>
-            <a:off x="7481109" y="2369955"/>
-            <a:ext cx="981803" cy="575109"/>
+            <a:off x="7481925" y="2376052"/>
+            <a:ext cx="976245" cy="569012"/>
           </a:xfrm>
           <a:prstGeom prst="flowChartAlternateProcess">
             <a:avLst/>
@@ -18666,8 +18465,8 @@
         </p:nvSpPr>
         <p:spPr>
           <a:xfrm>
-            <a:off x="9163605" y="2388243"/>
-            <a:ext cx="981803" cy="575109"/>
+            <a:off x="9155922" y="2383735"/>
+            <a:ext cx="967946" cy="587301"/>
           </a:xfrm>
           <a:prstGeom prst="flowChartAlternateProcess">
             <a:avLst/>

--- a/loca_virt_draft.pptx
+++ b/loca_virt_draft.pptx
@@ -608,72 +608,6 @@
           <a:bodyPr/>
           <a:lstStyle/>
           <a:p>
-            <a:r>
-              <a:rPr lang="en-US" dirty="0"/>
-              <a:t>A lot of text , </a:t>
-            </a:r>
-          </a:p>
-          <a:p>
-            <a:r>
-              <a:rPr lang="en-US" dirty="0"/>
-              <a:t>we define all of our assertions relative to the address-space </a:t>
-            </a:r>
-          </a:p>
-          <a:p>
-            <a:r>
-              <a:rPr lang="en-US" dirty="0" err="1"/>
-              <a:t>vProp</a:t>
-            </a:r>
-            <a:endParaRPr lang="en-US" dirty="0"/>
-          </a:p>
-          <a:p>
-            <a:r>
-              <a:rPr lang="en-US" dirty="0"/>
-              <a:t>lift all the bi stuff</a:t>
-            </a:r>
-          </a:p>
-          <a:p>
-            <a:endParaRPr lang="en-US" dirty="0"/>
-          </a:p>
-          <a:p>
-            <a:pPr marL="0" marR="0" lvl="0" indent="0" algn="l" defTabSz="914400" rtl="0" eaLnBrk="1" fontAlgn="auto" latinLnBrk="0" hangingPunct="1">
-              <a:lnSpc>
-                <a:spcPct val="100000"/>
-              </a:lnSpc>
-              <a:spcBef>
-                <a:spcPts val="0"/>
-              </a:spcBef>
-              <a:spcAft>
-                <a:spcPts val="0"/>
-              </a:spcAft>
-              <a:buClrTx/>
-              <a:buSzTx/>
-              <a:buFontTx/>
-              <a:buNone/>
-              <a:tabLst/>
-              <a:defRPr/>
-            </a:pPr>
-            <a:r>
-              <a:rPr lang="en-US" dirty="0"/>
-              <a:t>t</a:t>
-            </a:r>
-            <a:r>
-              <a:rPr lang="en-US" dirty="0">
-                <a:effectLst/>
-              </a:rPr>
-              <a:t>hat is, assertions are not explicitly tagged with their address space validity </a:t>
-            </a:r>
-          </a:p>
-          <a:p>
-            <a:endParaRPr lang="en-US" dirty="0"/>
-          </a:p>
-          <a:p>
-            <a:r>
-              <a:rPr lang="en-US" dirty="0">
-                <a:effectLst/>
-              </a:rPr>
-              <a:t>, in the sense that their truth depends on which address space they are used in, due to the need to support virtual points-to assertions. </a:t>
-            </a:r>
             <a:endParaRPr lang="en-US" dirty="0"/>
           </a:p>
         </p:txBody>
@@ -5040,6 +4974,31 @@
           <a:chExt cx="0" cy="0"/>
         </a:xfrm>
       </p:grpSpPr>
+      <p:sp>
+        <p:nvSpPr>
+          <p:cNvPr id="11" name="Content Placeholder 10">
+            <a:extLst>
+              <a:ext uri="{FF2B5EF4-FFF2-40B4-BE49-F238E27FC236}">
+                <a16:creationId xmlns:a16="http://schemas.microsoft.com/office/drawing/2014/main" id="{1E5C84CA-964A-0504-B72B-9E3927A72A41}"/>
+              </a:ext>
+            </a:extLst>
+          </p:cNvPr>
+          <p:cNvSpPr>
+            <a:spLocks noGrp="1"/>
+          </p:cNvSpPr>
+          <p:nvPr>
+            <p:ph idx="1"/>
+          </p:nvPr>
+        </p:nvSpPr>
+        <p:spPr/>
+        <p:txBody>
+          <a:bodyPr/>
+          <a:lstStyle/>
+          <a:p>
+            <a:endParaRPr lang="en-US" dirty="0"/>
+          </a:p>
+        </p:txBody>
+      </p:sp>
       <p:pic>
         <p:nvPicPr>
           <p:cNvPr id="4" name="Picture 3" descr="A picture containing text, font, white, algebra&#10;&#10;Description automatically generated">
@@ -5062,8 +5021,8 @@
         </p:blipFill>
         <p:spPr>
           <a:xfrm rot="16200000">
-            <a:off x="-2294842" y="3368801"/>
-            <a:ext cx="5762465" cy="1008826"/>
+            <a:off x="-2569633" y="2977377"/>
+            <a:ext cx="6428679" cy="1125459"/>
           </a:xfrm>
           <a:prstGeom prst="rect">
             <a:avLst/>
@@ -5186,7 +5145,7 @@
         </p:nvSpPr>
         <p:spPr>
           <a:xfrm>
-            <a:off x="274320" y="365125"/>
+            <a:off x="274320" y="-15875"/>
             <a:ext cx="11846560" cy="1325563"/>
           </a:xfrm>
         </p:spPr>
@@ -5403,7 +5362,7 @@
         <p:spPr>
           <a:xfrm>
             <a:off x="2272937" y="3765001"/>
-            <a:ext cx="7149737" cy="0"/>
+            <a:ext cx="8749210" cy="0"/>
           </a:xfrm>
           <a:prstGeom prst="line">
             <a:avLst/>
@@ -7297,8 +7256,8 @@
         </p:nvSpPr>
         <p:spPr>
           <a:xfrm>
-            <a:off x="1150422" y="2254540"/>
-            <a:ext cx="505518" cy="4437384"/>
+            <a:off x="1150422" y="1327139"/>
+            <a:ext cx="505518" cy="5364785"/>
           </a:xfrm>
           <a:prstGeom prst="rightBrace">
             <a:avLst>
@@ -7436,31 +7395,6 @@
           <a:p>
             <a:pPr algn="ctr"/>
             <a:endParaRPr lang="en-US"/>
-          </a:p>
-        </p:txBody>
-      </p:sp>
-      <p:sp>
-        <p:nvSpPr>
-          <p:cNvPr id="11" name="Content Placeholder 10">
-            <a:extLst>
-              <a:ext uri="{FF2B5EF4-FFF2-40B4-BE49-F238E27FC236}">
-                <a16:creationId xmlns:a16="http://schemas.microsoft.com/office/drawing/2014/main" id="{1E5C84CA-964A-0504-B72B-9E3927A72A41}"/>
-              </a:ext>
-            </a:extLst>
-          </p:cNvPr>
-          <p:cNvSpPr>
-            <a:spLocks noGrp="1"/>
-          </p:cNvSpPr>
-          <p:nvPr>
-            <p:ph idx="1"/>
-          </p:nvPr>
-        </p:nvSpPr>
-        <p:spPr/>
-        <p:txBody>
-          <a:bodyPr/>
-          <a:lstStyle/>
-          <a:p>
-            <a:endParaRPr lang="en-US" dirty="0"/>
           </a:p>
         </p:txBody>
       </p:sp>
@@ -9347,8 +9281,8 @@
           </a:xfrm>
           <a:prstGeom prst="wedgeEllipseCallout">
             <a:avLst>
-              <a:gd name="adj1" fmla="val 92601"/>
-              <a:gd name="adj2" fmla="val -55235"/>
+              <a:gd name="adj1" fmla="val 104646"/>
+              <a:gd name="adj2" fmla="val -46632"/>
             </a:avLst>
           </a:prstGeom>
           <a:noFill/>
@@ -9815,6 +9749,33 @@
                                         </p:cTn>
                                         <p:tgtEl>
                                           <p:spTgt spid="31"/>
+                                        </p:tgtEl>
+                                        <p:attrNameLst>
+                                          <p:attrName>style.visibility</p:attrName>
+                                        </p:attrNameLst>
+                                      </p:cBhvr>
+                                      <p:to>
+                                        <p:strVal val="visible"/>
+                                      </p:to>
+                                    </p:set>
+                                  </p:childTnLst>
+                                </p:cTn>
+                              </p:par>
+                              <p:par>
+                                <p:cTn id="31" presetID="1" presetClass="entr" presetSubtype="0" fill="hold" nodeType="withEffect">
+                                  <p:stCondLst>
+                                    <p:cond delay="0"/>
+                                  </p:stCondLst>
+                                  <p:childTnLst>
+                                    <p:set>
+                                      <p:cBhvr>
+                                        <p:cTn id="32" dur="1" fill="hold">
+                                          <p:stCondLst>
+                                            <p:cond delay="0"/>
+                                          </p:stCondLst>
+                                        </p:cTn>
+                                        <p:tgtEl>
+                                          <p:spTgt spid="8"/>
                                         </p:tgtEl>
                                         <p:attrNameLst>
                                           <p:attrName>style.visibility</p:attrName>
@@ -15693,31 +15654,31 @@
             <a:endParaRPr lang="en-US" dirty="0"/>
           </a:p>
           <a:p>
-            <a:endParaRPr lang="en-US" dirty="0"/>
-          </a:p>
-          <a:p>
-            <a:endParaRPr lang="en-US" dirty="0"/>
-          </a:p>
-          <a:p>
             <a:pPr marL="0" indent="0">
               <a:buNone/>
             </a:pPr>
-            <a:r>
-              <a:rPr lang="en-US" dirty="0"/>
-              <a:t>				      </a:t>
-            </a:r>
-            <a:r>
-              <a:rPr lang="en-US" sz="4800" dirty="0"/>
-              <a:t>SYSTEM</a:t>
-            </a:r>
+            <a:endParaRPr lang="en-US" dirty="0"/>
           </a:p>
           <a:p>
             <a:pPr marL="0" indent="0">
               <a:buNone/>
             </a:pPr>
             <a:r>
+              <a:rPr lang="en-US" dirty="0"/>
+              <a:t>				    </a:t>
+            </a:r>
+            <a:r>
               <a:rPr lang="en-US" sz="4800" dirty="0"/>
-              <a:t>		(Translation &amp; Management)</a:t>
+              <a:t>SYSTEM</a:t>
+            </a:r>
+          </a:p>
+          <a:p>
+            <a:pPr marL="0" indent="0">
+              <a:buNone/>
+            </a:pPr>
+            <a:r>
+              <a:rPr lang="en-US" sz="4800" dirty="0"/>
+              <a:t>	      (Translation &amp; Management)</a:t>
             </a:r>
             <a:r>
               <a:rPr lang="en-US" dirty="0"/>
@@ -15918,6 +15879,37 @@
                                   </p:childTnLst>
                                 </p:cTn>
                               </p:par>
+                              <p:par>
+                                <p:cTn id="7" presetID="1" presetClass="entr" presetSubtype="0" fill="hold" nodeType="withEffect">
+                                  <p:stCondLst>
+                                    <p:cond delay="0"/>
+                                  </p:stCondLst>
+                                  <p:childTnLst>
+                                    <p:set>
+                                      <p:cBhvr>
+                                        <p:cTn id="8" dur="1" fill="hold">
+                                          <p:stCondLst>
+                                            <p:cond delay="0"/>
+                                          </p:stCondLst>
+                                        </p:cTn>
+                                        <p:tgtEl>
+                                          <p:spTgt spid="3">
+                                            <p:txEl>
+                                              <p:pRg st="1" end="1"/>
+                                            </p:txEl>
+                                          </p:spTgt>
+                                        </p:tgtEl>
+                                        <p:attrNameLst>
+                                          <p:attrName>style.visibility</p:attrName>
+                                        </p:attrNameLst>
+                                      </p:cBhvr>
+                                      <p:to>
+                                        <p:strVal val="visible"/>
+                                      </p:to>
+                                    </p:set>
+                                  </p:childTnLst>
+                                </p:cTn>
+                              </p:par>
                             </p:childTnLst>
                           </p:cTn>
                         </p:par>
@@ -15925,75 +15917,26 @@
                     </p:cTn>
                   </p:par>
                   <p:par>
-                    <p:cTn id="7" fill="hold">
+                    <p:cTn id="9" fill="hold">
                       <p:stCondLst>
                         <p:cond delay="indefinite"/>
                       </p:stCondLst>
                       <p:childTnLst>
                         <p:par>
-                          <p:cTn id="8" fill="hold">
+                          <p:cTn id="10" fill="hold">
                             <p:stCondLst>
                               <p:cond delay="0"/>
                             </p:stCondLst>
                             <p:childTnLst>
                               <p:par>
-                                <p:cTn id="9" presetID="1" presetClass="entr" presetSubtype="0" fill="hold" nodeType="clickEffect">
-                                  <p:stCondLst>
-                                    <p:cond delay="0"/>
-                                  </p:stCondLst>
-                                  <p:childTnLst>
-                                    <p:set>
-                                      <p:cBhvr>
-                                        <p:cTn id="10" dur="1" fill="hold">
-                                          <p:stCondLst>
-                                            <p:cond delay="0"/>
-                                          </p:stCondLst>
-                                        </p:cTn>
-                                        <p:tgtEl>
-                                          <p:spTgt spid="3">
-                                            <p:txEl>
-                                              <p:pRg st="1" end="1"/>
-                                            </p:txEl>
-                                          </p:spTgt>
-                                        </p:tgtEl>
-                                        <p:attrNameLst>
-                                          <p:attrName>style.visibility</p:attrName>
-                                        </p:attrNameLst>
-                                      </p:cBhvr>
-                                      <p:to>
-                                        <p:strVal val="visible"/>
-                                      </p:to>
-                                    </p:set>
-                                  </p:childTnLst>
-                                </p:cTn>
-                              </p:par>
-                            </p:childTnLst>
-                          </p:cTn>
-                        </p:par>
-                      </p:childTnLst>
-                    </p:cTn>
-                  </p:par>
-                  <p:par>
-                    <p:cTn id="11" fill="hold">
-                      <p:stCondLst>
-                        <p:cond delay="indefinite"/>
-                      </p:stCondLst>
-                      <p:childTnLst>
-                        <p:par>
-                          <p:cTn id="12" fill="hold">
-                            <p:stCondLst>
-                              <p:cond delay="0"/>
-                            </p:stCondLst>
-                            <p:childTnLst>
-                              <p:par>
-                                <p:cTn id="13" presetID="1" presetClass="entr" presetSubtype="0" fill="hold" nodeType="clickEffect">
-                                  <p:stCondLst>
-                                    <p:cond delay="0"/>
-                                  </p:stCondLst>
-                                  <p:childTnLst>
-                                    <p:set>
-                                      <p:cBhvr>
-                                        <p:cTn id="14" dur="1" fill="hold">
+                                <p:cTn id="11" presetID="1" presetClass="entr" presetSubtype="0" fill="hold" nodeType="clickEffect">
+                                  <p:stCondLst>
+                                    <p:cond delay="0"/>
+                                  </p:stCondLst>
+                                  <p:childTnLst>
+                                    <p:set>
+                                      <p:cBhvr>
+                                        <p:cTn id="12" dur="1" fill="hold">
                                           <p:stCondLst>
                                             <p:cond delay="0"/>
                                           </p:stCondLst>
@@ -16002,6 +15945,37 @@
                                           <p:spTgt spid="3">
                                             <p:txEl>
                                               <p:pRg st="2" end="2"/>
+                                            </p:txEl>
+                                          </p:spTgt>
+                                        </p:tgtEl>
+                                        <p:attrNameLst>
+                                          <p:attrName>style.visibility</p:attrName>
+                                        </p:attrNameLst>
+                                      </p:cBhvr>
+                                      <p:to>
+                                        <p:strVal val="visible"/>
+                                      </p:to>
+                                    </p:set>
+                                  </p:childTnLst>
+                                </p:cTn>
+                              </p:par>
+                              <p:par>
+                                <p:cTn id="13" presetID="1" presetClass="entr" presetSubtype="0" fill="hold" nodeType="withEffect">
+                                  <p:stCondLst>
+                                    <p:cond delay="0"/>
+                                  </p:stCondLst>
+                                  <p:childTnLst>
+                                    <p:set>
+                                      <p:cBhvr>
+                                        <p:cTn id="14" dur="1" fill="hold">
+                                          <p:stCondLst>
+                                            <p:cond delay="0"/>
+                                          </p:stCondLst>
+                                        </p:cTn>
+                                        <p:tgtEl>
+                                          <p:spTgt spid="3">
+                                            <p:txEl>
+                                              <p:pRg st="3" end="3"/>
                                             </p:txEl>
                                           </p:spTgt>
                                         </p:tgtEl>
@@ -16050,55 +16024,6 @@
                                         <p:tgtEl>
                                           <p:spTgt spid="3">
                                             <p:txEl>
-                                              <p:pRg st="3" end="3"/>
-                                            </p:txEl>
-                                          </p:spTgt>
-                                        </p:tgtEl>
-                                        <p:attrNameLst>
-                                          <p:attrName>style.visibility</p:attrName>
-                                        </p:attrNameLst>
-                                      </p:cBhvr>
-                                      <p:to>
-                                        <p:strVal val="visible"/>
-                                      </p:to>
-                                    </p:set>
-                                  </p:childTnLst>
-                                </p:cTn>
-                              </p:par>
-                            </p:childTnLst>
-                          </p:cTn>
-                        </p:par>
-                      </p:childTnLst>
-                    </p:cTn>
-                  </p:par>
-                  <p:par>
-                    <p:cTn id="19" fill="hold">
-                      <p:stCondLst>
-                        <p:cond delay="indefinite"/>
-                      </p:stCondLst>
-                      <p:childTnLst>
-                        <p:par>
-                          <p:cTn id="20" fill="hold">
-                            <p:stCondLst>
-                              <p:cond delay="0"/>
-                            </p:stCondLst>
-                            <p:childTnLst>
-                              <p:par>
-                                <p:cTn id="21" presetID="1" presetClass="entr" presetSubtype="0" fill="hold" nodeType="clickEffect">
-                                  <p:stCondLst>
-                                    <p:cond delay="0"/>
-                                  </p:stCondLst>
-                                  <p:childTnLst>
-                                    <p:set>
-                                      <p:cBhvr>
-                                        <p:cTn id="22" dur="1" fill="hold">
-                                          <p:stCondLst>
-                                            <p:cond delay="0"/>
-                                          </p:stCondLst>
-                                        </p:cTn>
-                                        <p:tgtEl>
-                                          <p:spTgt spid="3">
-                                            <p:txEl>
                                               <p:pRg st="4" end="4"/>
                                             </p:txEl>
                                           </p:spTgt>
@@ -16114,33 +16039,15 @@
                                   </p:childTnLst>
                                 </p:cTn>
                               </p:par>
-                            </p:childTnLst>
-                          </p:cTn>
-                        </p:par>
-                      </p:childTnLst>
-                    </p:cTn>
-                  </p:par>
-                  <p:par>
-                    <p:cTn id="23" fill="hold">
-                      <p:stCondLst>
-                        <p:cond delay="indefinite"/>
-                      </p:stCondLst>
-                      <p:childTnLst>
-                        <p:par>
-                          <p:cTn id="24" fill="hold">
-                            <p:stCondLst>
-                              <p:cond delay="0"/>
-                            </p:stCondLst>
-                            <p:childTnLst>
-                              <p:par>
-                                <p:cTn id="25" presetID="1" presetClass="entr" presetSubtype="0" fill="hold" nodeType="clickEffect">
-                                  <p:stCondLst>
-                                    <p:cond delay="0"/>
-                                  </p:stCondLst>
-                                  <p:childTnLst>
-                                    <p:set>
-                                      <p:cBhvr>
-                                        <p:cTn id="26" dur="1" fill="hold">
+                              <p:par>
+                                <p:cTn id="19" presetID="1" presetClass="entr" presetSubtype="0" fill="hold" nodeType="withEffect">
+                                  <p:stCondLst>
+                                    <p:cond delay="0"/>
+                                  </p:stCondLst>
+                                  <p:childTnLst>
+                                    <p:set>
+                                      <p:cBhvr>
+                                        <p:cTn id="20" dur="1" fill="hold">
                                           <p:stCondLst>
                                             <p:cond delay="0"/>
                                           </p:stCondLst>
@@ -23017,14 +22924,12 @@
           </p:cNvPr>
           <p:cNvCxnSpPr>
             <a:cxnSpLocks/>
-            <a:stCxn id="5" idx="3"/>
-            <a:endCxn id="11" idx="0"/>
           </p:cNvCxnSpPr>
           <p:nvPr/>
         </p:nvCxnSpPr>
         <p:spPr>
           <a:xfrm>
-            <a:off x="5791200" y="1607344"/>
+            <a:off x="5781985" y="1616214"/>
             <a:ext cx="3497530" cy="704250"/>
           </a:xfrm>
           <a:prstGeom prst="straightConnector1">
@@ -24583,7 +24488,7 @@
                                 </p:cTn>
                               </p:par>
                               <p:par>
-                                <p:cTn id="117" presetID="1" presetClass="entr" presetSubtype="0" fill="hold" nodeType="withEffect">
+                                <p:cTn id="117" presetID="1" presetClass="entr" presetSubtype="0" fill="hold" grpId="0" nodeType="withEffect">
                                   <p:stCondLst>
                                     <p:cond delay="0"/>
                                   </p:stCondLst>
@@ -24596,6 +24501,321 @@
                                           </p:stCondLst>
                                         </p:cTn>
                                         <p:tgtEl>
+                                          <p:spTgt spid="97"/>
+                                        </p:tgtEl>
+                                        <p:attrNameLst>
+                                          <p:attrName>style.visibility</p:attrName>
+                                        </p:attrNameLst>
+                                      </p:cBhvr>
+                                      <p:to>
+                                        <p:strVal val="visible"/>
+                                      </p:to>
+                                    </p:set>
+                                  </p:childTnLst>
+                                </p:cTn>
+                              </p:par>
+                              <p:par>
+                                <p:cTn id="119" presetID="1" presetClass="entr" presetSubtype="0" fill="hold" nodeType="withEffect">
+                                  <p:stCondLst>
+                                    <p:cond delay="0"/>
+                                  </p:stCondLst>
+                                  <p:childTnLst>
+                                    <p:set>
+                                      <p:cBhvr>
+                                        <p:cTn id="120" dur="1" fill="hold">
+                                          <p:stCondLst>
+                                            <p:cond delay="0"/>
+                                          </p:stCondLst>
+                                        </p:cTn>
+                                        <p:tgtEl>
+                                          <p:spTgt spid="93"/>
+                                        </p:tgtEl>
+                                        <p:attrNameLst>
+                                          <p:attrName>style.visibility</p:attrName>
+                                        </p:attrNameLst>
+                                      </p:cBhvr>
+                                      <p:to>
+                                        <p:strVal val="visible"/>
+                                      </p:to>
+                                    </p:set>
+                                  </p:childTnLst>
+                                </p:cTn>
+                              </p:par>
+                              <p:par>
+                                <p:cTn id="121" presetID="1" presetClass="entr" presetSubtype="0" fill="hold" nodeType="withEffect">
+                                  <p:stCondLst>
+                                    <p:cond delay="0"/>
+                                  </p:stCondLst>
+                                  <p:childTnLst>
+                                    <p:set>
+                                      <p:cBhvr>
+                                        <p:cTn id="122" dur="1" fill="hold">
+                                          <p:stCondLst>
+                                            <p:cond delay="0"/>
+                                          </p:stCondLst>
+                                        </p:cTn>
+                                        <p:tgtEl>
+                                          <p:spTgt spid="92"/>
+                                        </p:tgtEl>
+                                        <p:attrNameLst>
+                                          <p:attrName>style.visibility</p:attrName>
+                                        </p:attrNameLst>
+                                      </p:cBhvr>
+                                      <p:to>
+                                        <p:strVal val="visible"/>
+                                      </p:to>
+                                    </p:set>
+                                  </p:childTnLst>
+                                </p:cTn>
+                              </p:par>
+                              <p:par>
+                                <p:cTn id="123" presetID="1" presetClass="entr" presetSubtype="0" fill="hold" nodeType="withEffect">
+                                  <p:stCondLst>
+                                    <p:cond delay="0"/>
+                                  </p:stCondLst>
+                                  <p:childTnLst>
+                                    <p:set>
+                                      <p:cBhvr>
+                                        <p:cTn id="124" dur="1" fill="hold">
+                                          <p:stCondLst>
+                                            <p:cond delay="0"/>
+                                          </p:stCondLst>
+                                        </p:cTn>
+                                        <p:tgtEl>
+                                          <p:spTgt spid="98"/>
+                                        </p:tgtEl>
+                                        <p:attrNameLst>
+                                          <p:attrName>style.visibility</p:attrName>
+                                        </p:attrNameLst>
+                                      </p:cBhvr>
+                                      <p:to>
+                                        <p:strVal val="visible"/>
+                                      </p:to>
+                                    </p:set>
+                                  </p:childTnLst>
+                                </p:cTn>
+                              </p:par>
+                              <p:par>
+                                <p:cTn id="125" presetID="1" presetClass="entr" presetSubtype="0" fill="hold" grpId="1" nodeType="withEffect">
+                                  <p:stCondLst>
+                                    <p:cond delay="0"/>
+                                  </p:stCondLst>
+                                  <p:childTnLst>
+                                    <p:set>
+                                      <p:cBhvr>
+                                        <p:cTn id="126" dur="1" fill="hold">
+                                          <p:stCondLst>
+                                            <p:cond delay="0"/>
+                                          </p:stCondLst>
+                                        </p:cTn>
+                                        <p:tgtEl>
+                                          <p:spTgt spid="74"/>
+                                        </p:tgtEl>
+                                        <p:attrNameLst>
+                                          <p:attrName>style.visibility</p:attrName>
+                                        </p:attrNameLst>
+                                      </p:cBhvr>
+                                      <p:to>
+                                        <p:strVal val="visible"/>
+                                      </p:to>
+                                    </p:set>
+                                  </p:childTnLst>
+                                </p:cTn>
+                              </p:par>
+                              <p:par>
+                                <p:cTn id="127" presetID="1" presetClass="entr" presetSubtype="0" fill="hold" grpId="0" nodeType="withEffect">
+                                  <p:stCondLst>
+                                    <p:cond delay="0"/>
+                                  </p:stCondLst>
+                                  <p:childTnLst>
+                                    <p:set>
+                                      <p:cBhvr>
+                                        <p:cTn id="128" dur="1" fill="hold">
+                                          <p:stCondLst>
+                                            <p:cond delay="0"/>
+                                          </p:stCondLst>
+                                        </p:cTn>
+                                        <p:tgtEl>
+                                          <p:spTgt spid="96"/>
+                                        </p:tgtEl>
+                                        <p:attrNameLst>
+                                          <p:attrName>style.visibility</p:attrName>
+                                        </p:attrNameLst>
+                                      </p:cBhvr>
+                                      <p:to>
+                                        <p:strVal val="visible"/>
+                                      </p:to>
+                                    </p:set>
+                                  </p:childTnLst>
+                                </p:cTn>
+                              </p:par>
+                              <p:par>
+                                <p:cTn id="129" presetID="1" presetClass="entr" presetSubtype="0" fill="hold" grpId="2" nodeType="withEffect">
+                                  <p:stCondLst>
+                                    <p:cond delay="0"/>
+                                  </p:stCondLst>
+                                  <p:childTnLst>
+                                    <p:set>
+                                      <p:cBhvr>
+                                        <p:cTn id="130" dur="1" fill="hold">
+                                          <p:stCondLst>
+                                            <p:cond delay="0"/>
+                                          </p:stCondLst>
+                                        </p:cTn>
+                                        <p:tgtEl>
+                                          <p:spTgt spid="74"/>
+                                        </p:tgtEl>
+                                        <p:attrNameLst>
+                                          <p:attrName>style.visibility</p:attrName>
+                                        </p:attrNameLst>
+                                      </p:cBhvr>
+                                      <p:to>
+                                        <p:strVal val="visible"/>
+                                      </p:to>
+                                    </p:set>
+                                  </p:childTnLst>
+                                </p:cTn>
+                              </p:par>
+                              <p:par>
+                                <p:cTn id="131" presetID="1" presetClass="entr" presetSubtype="0" fill="hold" grpId="0" nodeType="withEffect">
+                                  <p:stCondLst>
+                                    <p:cond delay="0"/>
+                                  </p:stCondLst>
+                                  <p:childTnLst>
+                                    <p:set>
+                                      <p:cBhvr>
+                                        <p:cTn id="132" dur="1" fill="hold">
+                                          <p:stCondLst>
+                                            <p:cond delay="0"/>
+                                          </p:stCondLst>
+                                        </p:cTn>
+                                        <p:tgtEl>
+                                          <p:spTgt spid="73"/>
+                                        </p:tgtEl>
+                                        <p:attrNameLst>
+                                          <p:attrName>style.visibility</p:attrName>
+                                        </p:attrNameLst>
+                                      </p:cBhvr>
+                                      <p:to>
+                                        <p:strVal val="visible"/>
+                                      </p:to>
+                                    </p:set>
+                                  </p:childTnLst>
+                                </p:cTn>
+                              </p:par>
+                            </p:childTnLst>
+                          </p:cTn>
+                        </p:par>
+                      </p:childTnLst>
+                    </p:cTn>
+                  </p:par>
+                  <p:par>
+                    <p:cTn id="133" fill="hold">
+                      <p:stCondLst>
+                        <p:cond delay="indefinite"/>
+                      </p:stCondLst>
+                      <p:childTnLst>
+                        <p:par>
+                          <p:cTn id="134" fill="hold">
+                            <p:stCondLst>
+                              <p:cond delay="0"/>
+                            </p:stCondLst>
+                            <p:childTnLst>
+                              <p:par>
+                                <p:cTn id="135" presetID="1" presetClass="exit" presetSubtype="0" fill="hold" nodeType="clickEffect">
+                                  <p:stCondLst>
+                                    <p:cond delay="0"/>
+                                  </p:stCondLst>
+                                  <p:childTnLst>
+                                    <p:set>
+                                      <p:cBhvr>
+                                        <p:cTn id="136" dur="1" fill="hold">
+                                          <p:stCondLst>
+                                            <p:cond delay="0"/>
+                                          </p:stCondLst>
+                                        </p:cTn>
+                                        <p:tgtEl>
+                                          <p:spTgt spid="15"/>
+                                        </p:tgtEl>
+                                        <p:attrNameLst>
+                                          <p:attrName>style.visibility</p:attrName>
+                                        </p:attrNameLst>
+                                      </p:cBhvr>
+                                      <p:to>
+                                        <p:strVal val="hidden"/>
+                                      </p:to>
+                                    </p:set>
+                                  </p:childTnLst>
+                                </p:cTn>
+                              </p:par>
+                              <p:par>
+                                <p:cTn id="137" presetID="1" presetClass="entr" presetSubtype="0" fill="hold" nodeType="withEffect">
+                                  <p:stCondLst>
+                                    <p:cond delay="0"/>
+                                  </p:stCondLst>
+                                  <p:childTnLst>
+                                    <p:set>
+                                      <p:cBhvr>
+                                        <p:cTn id="138" dur="1" fill="hold">
+                                          <p:stCondLst>
+                                            <p:cond delay="0"/>
+                                          </p:stCondLst>
+                                        </p:cTn>
+                                        <p:tgtEl>
+                                          <p:spTgt spid="79"/>
+                                        </p:tgtEl>
+                                        <p:attrNameLst>
+                                          <p:attrName>style.visibility</p:attrName>
+                                        </p:attrNameLst>
+                                      </p:cBhvr>
+                                      <p:to>
+                                        <p:strVal val="visible"/>
+                                      </p:to>
+                                    </p:set>
+                                  </p:childTnLst>
+                                </p:cTn>
+                              </p:par>
+                              <p:par>
+                                <p:cTn id="139" presetID="1" presetClass="entr" presetSubtype="0" fill="hold" grpId="0" nodeType="withEffect">
+                                  <p:stCondLst>
+                                    <p:cond delay="0"/>
+                                  </p:stCondLst>
+                                  <p:childTnLst>
+                                    <p:set>
+                                      <p:cBhvr>
+                                        <p:cTn id="140" dur="1" fill="hold">
+                                          <p:stCondLst>
+                                            <p:cond delay="0"/>
+                                          </p:stCondLst>
+                                        </p:cTn>
+                                        <p:tgtEl>
+                                          <p:spTgt spid="101"/>
+                                        </p:tgtEl>
+                                        <p:attrNameLst>
+                                          <p:attrName>style.visibility</p:attrName>
+                                        </p:attrNameLst>
+                                      </p:cBhvr>
+                                      <p:to>
+                                        <p:strVal val="visible"/>
+                                      </p:to>
+                                    </p:set>
+                                  </p:childTnLst>
+                                </p:cTn>
+                              </p:par>
+                              <p:par>
+                                <p:cTn id="141" presetID="1" presetClass="entr" presetSubtype="0" fill="hold" nodeType="withEffect">
+                                  <p:stCondLst>
+                                    <p:cond delay="0"/>
+                                  </p:stCondLst>
+                                  <p:childTnLst>
+                                    <p:set>
+                                      <p:cBhvr>
+                                        <p:cTn id="142" dur="1" fill="hold">
+                                          <p:stCondLst>
+                                            <p:cond delay="0"/>
+                                          </p:stCondLst>
+                                        </p:cTn>
+                                        <p:tgtEl>
                                           <p:spTgt spid="102"/>
                                         </p:tgtEl>
                                         <p:attrNameLst>
@@ -24604,330 +24824,6 @@
                                       </p:cBhvr>
                                       <p:to>
                                         <p:strVal val="visible"/>
-                                      </p:to>
-                                    </p:set>
-                                  </p:childTnLst>
-                                </p:cTn>
-                              </p:par>
-                              <p:par>
-                                <p:cTn id="119" presetID="1" presetClass="entr" presetSubtype="0" fill="hold" grpId="0" nodeType="withEffect">
-                                  <p:stCondLst>
-                                    <p:cond delay="0"/>
-                                  </p:stCondLst>
-                                  <p:childTnLst>
-                                    <p:set>
-                                      <p:cBhvr>
-                                        <p:cTn id="120" dur="1" fill="hold">
-                                          <p:stCondLst>
-                                            <p:cond delay="0"/>
-                                          </p:stCondLst>
-                                        </p:cTn>
-                                        <p:tgtEl>
-                                          <p:spTgt spid="97"/>
-                                        </p:tgtEl>
-                                        <p:attrNameLst>
-                                          <p:attrName>style.visibility</p:attrName>
-                                        </p:attrNameLst>
-                                      </p:cBhvr>
-                                      <p:to>
-                                        <p:strVal val="visible"/>
-                                      </p:to>
-                                    </p:set>
-                                  </p:childTnLst>
-                                </p:cTn>
-                              </p:par>
-                              <p:par>
-                                <p:cTn id="121" presetID="1" presetClass="entr" presetSubtype="0" fill="hold" nodeType="withEffect">
-                                  <p:stCondLst>
-                                    <p:cond delay="0"/>
-                                  </p:stCondLst>
-                                  <p:childTnLst>
-                                    <p:set>
-                                      <p:cBhvr>
-                                        <p:cTn id="122" dur="1" fill="hold">
-                                          <p:stCondLst>
-                                            <p:cond delay="0"/>
-                                          </p:stCondLst>
-                                        </p:cTn>
-                                        <p:tgtEl>
-                                          <p:spTgt spid="93"/>
-                                        </p:tgtEl>
-                                        <p:attrNameLst>
-                                          <p:attrName>style.visibility</p:attrName>
-                                        </p:attrNameLst>
-                                      </p:cBhvr>
-                                      <p:to>
-                                        <p:strVal val="visible"/>
-                                      </p:to>
-                                    </p:set>
-                                  </p:childTnLst>
-                                </p:cTn>
-                              </p:par>
-                              <p:par>
-                                <p:cTn id="123" presetID="1" presetClass="entr" presetSubtype="0" fill="hold" nodeType="withEffect">
-                                  <p:stCondLst>
-                                    <p:cond delay="0"/>
-                                  </p:stCondLst>
-                                  <p:childTnLst>
-                                    <p:set>
-                                      <p:cBhvr>
-                                        <p:cTn id="124" dur="1" fill="hold">
-                                          <p:stCondLst>
-                                            <p:cond delay="0"/>
-                                          </p:stCondLst>
-                                        </p:cTn>
-                                        <p:tgtEl>
-                                          <p:spTgt spid="92"/>
-                                        </p:tgtEl>
-                                        <p:attrNameLst>
-                                          <p:attrName>style.visibility</p:attrName>
-                                        </p:attrNameLst>
-                                      </p:cBhvr>
-                                      <p:to>
-                                        <p:strVal val="visible"/>
-                                      </p:to>
-                                    </p:set>
-                                  </p:childTnLst>
-                                </p:cTn>
-                              </p:par>
-                              <p:par>
-                                <p:cTn id="125" presetID="1" presetClass="entr" presetSubtype="0" fill="hold" nodeType="withEffect">
-                                  <p:stCondLst>
-                                    <p:cond delay="0"/>
-                                  </p:stCondLst>
-                                  <p:childTnLst>
-                                    <p:set>
-                                      <p:cBhvr>
-                                        <p:cTn id="126" dur="1" fill="hold">
-                                          <p:stCondLst>
-                                            <p:cond delay="0"/>
-                                          </p:stCondLst>
-                                        </p:cTn>
-                                        <p:tgtEl>
-                                          <p:spTgt spid="98"/>
-                                        </p:tgtEl>
-                                        <p:attrNameLst>
-                                          <p:attrName>style.visibility</p:attrName>
-                                        </p:attrNameLst>
-                                      </p:cBhvr>
-                                      <p:to>
-                                        <p:strVal val="visible"/>
-                                      </p:to>
-                                    </p:set>
-                                  </p:childTnLst>
-                                </p:cTn>
-                              </p:par>
-                              <p:par>
-                                <p:cTn id="127" presetID="1" presetClass="entr" presetSubtype="0" fill="hold" grpId="1" nodeType="withEffect">
-                                  <p:stCondLst>
-                                    <p:cond delay="0"/>
-                                  </p:stCondLst>
-                                  <p:childTnLst>
-                                    <p:set>
-                                      <p:cBhvr>
-                                        <p:cTn id="128" dur="1" fill="hold">
-                                          <p:stCondLst>
-                                            <p:cond delay="0"/>
-                                          </p:stCondLst>
-                                        </p:cTn>
-                                        <p:tgtEl>
-                                          <p:spTgt spid="74"/>
-                                        </p:tgtEl>
-                                        <p:attrNameLst>
-                                          <p:attrName>style.visibility</p:attrName>
-                                        </p:attrNameLst>
-                                      </p:cBhvr>
-                                      <p:to>
-                                        <p:strVal val="visible"/>
-                                      </p:to>
-                                    </p:set>
-                                  </p:childTnLst>
-                                </p:cTn>
-                              </p:par>
-                              <p:par>
-                                <p:cTn id="129" presetID="1" presetClass="entr" presetSubtype="0" fill="hold" grpId="0" nodeType="withEffect">
-                                  <p:stCondLst>
-                                    <p:cond delay="0"/>
-                                  </p:stCondLst>
-                                  <p:childTnLst>
-                                    <p:set>
-                                      <p:cBhvr>
-                                        <p:cTn id="130" dur="1" fill="hold">
-                                          <p:stCondLst>
-                                            <p:cond delay="0"/>
-                                          </p:stCondLst>
-                                        </p:cTn>
-                                        <p:tgtEl>
-                                          <p:spTgt spid="96"/>
-                                        </p:tgtEl>
-                                        <p:attrNameLst>
-                                          <p:attrName>style.visibility</p:attrName>
-                                        </p:attrNameLst>
-                                      </p:cBhvr>
-                                      <p:to>
-                                        <p:strVal val="visible"/>
-                                      </p:to>
-                                    </p:set>
-                                  </p:childTnLst>
-                                </p:cTn>
-                              </p:par>
-                              <p:par>
-                                <p:cTn id="131" presetID="1" presetClass="entr" presetSubtype="0" fill="hold" grpId="2" nodeType="withEffect">
-                                  <p:stCondLst>
-                                    <p:cond delay="0"/>
-                                  </p:stCondLst>
-                                  <p:childTnLst>
-                                    <p:set>
-                                      <p:cBhvr>
-                                        <p:cTn id="132" dur="1" fill="hold">
-                                          <p:stCondLst>
-                                            <p:cond delay="0"/>
-                                          </p:stCondLst>
-                                        </p:cTn>
-                                        <p:tgtEl>
-                                          <p:spTgt spid="74"/>
-                                        </p:tgtEl>
-                                        <p:attrNameLst>
-                                          <p:attrName>style.visibility</p:attrName>
-                                        </p:attrNameLst>
-                                      </p:cBhvr>
-                                      <p:to>
-                                        <p:strVal val="visible"/>
-                                      </p:to>
-                                    </p:set>
-                                  </p:childTnLst>
-                                </p:cTn>
-                              </p:par>
-                              <p:par>
-                                <p:cTn id="133" presetID="1" presetClass="entr" presetSubtype="0" fill="hold" nodeType="withEffect">
-                                  <p:stCondLst>
-                                    <p:cond delay="0"/>
-                                  </p:stCondLst>
-                                  <p:childTnLst>
-                                    <p:set>
-                                      <p:cBhvr>
-                                        <p:cTn id="134" dur="1" fill="hold">
-                                          <p:stCondLst>
-                                            <p:cond delay="0"/>
-                                          </p:stCondLst>
-                                        </p:cTn>
-                                        <p:tgtEl>
-                                          <p:spTgt spid="79"/>
-                                        </p:tgtEl>
-                                        <p:attrNameLst>
-                                          <p:attrName>style.visibility</p:attrName>
-                                        </p:attrNameLst>
-                                      </p:cBhvr>
-                                      <p:to>
-                                        <p:strVal val="visible"/>
-                                      </p:to>
-                                    </p:set>
-                                  </p:childTnLst>
-                                </p:cTn>
-                              </p:par>
-                              <p:par>
-                                <p:cTn id="135" presetID="1" presetClass="entr" presetSubtype="0" fill="hold" grpId="0" nodeType="withEffect">
-                                  <p:stCondLst>
-                                    <p:cond delay="0"/>
-                                  </p:stCondLst>
-                                  <p:childTnLst>
-                                    <p:set>
-                                      <p:cBhvr>
-                                        <p:cTn id="136" dur="1" fill="hold">
-                                          <p:stCondLst>
-                                            <p:cond delay="0"/>
-                                          </p:stCondLst>
-                                        </p:cTn>
-                                        <p:tgtEl>
-                                          <p:spTgt spid="73"/>
-                                        </p:tgtEl>
-                                        <p:attrNameLst>
-                                          <p:attrName>style.visibility</p:attrName>
-                                        </p:attrNameLst>
-                                      </p:cBhvr>
-                                      <p:to>
-                                        <p:strVal val="visible"/>
-                                      </p:to>
-                                    </p:set>
-                                  </p:childTnLst>
-                                </p:cTn>
-                              </p:par>
-                              <p:par>
-                                <p:cTn id="137" presetID="1" presetClass="entr" presetSubtype="0" fill="hold" grpId="0" nodeType="withEffect">
-                                  <p:stCondLst>
-                                    <p:cond delay="0"/>
-                                  </p:stCondLst>
-                                  <p:childTnLst>
-                                    <p:set>
-                                      <p:cBhvr>
-                                        <p:cTn id="138" dur="1" fill="hold">
-                                          <p:stCondLst>
-                                            <p:cond delay="0"/>
-                                          </p:stCondLst>
-                                        </p:cTn>
-                                        <p:tgtEl>
-                                          <p:spTgt spid="101"/>
-                                        </p:tgtEl>
-                                        <p:attrNameLst>
-                                          <p:attrName>style.visibility</p:attrName>
-                                        </p:attrNameLst>
-                                      </p:cBhvr>
-                                      <p:to>
-                                        <p:strVal val="visible"/>
-                                      </p:to>
-                                    </p:set>
-                                  </p:childTnLst>
-                                </p:cTn>
-                              </p:par>
-                              <p:par>
-                                <p:cTn id="139" presetID="1" presetClass="entr" presetSubtype="0" fill="hold" nodeType="withEffect">
-                                  <p:stCondLst>
-                                    <p:cond delay="0"/>
-                                  </p:stCondLst>
-                                  <p:childTnLst>
-                                    <p:set>
-                                      <p:cBhvr>
-                                        <p:cTn id="140" dur="1" fill="hold">
-                                          <p:stCondLst>
-                                            <p:cond delay="0"/>
-                                          </p:stCondLst>
-                                        </p:cTn>
-                                        <p:tgtEl>
-                                          <p:spTgt spid="79"/>
-                                        </p:tgtEl>
-                                        <p:attrNameLst>
-                                          <p:attrName>style.visibility</p:attrName>
-                                        </p:attrNameLst>
-                                      </p:cBhvr>
-                                      <p:to>
-                                        <p:strVal val="visible"/>
-                                      </p:to>
-                                    </p:set>
-                                  </p:childTnLst>
-                                </p:cTn>
-                              </p:par>
-                              <p:par>
-                                <p:cTn id="141" presetID="1" presetClass="exit" presetSubtype="0" fill="hold" nodeType="withEffect">
-                                  <p:stCondLst>
-                                    <p:cond delay="0"/>
-                                  </p:stCondLst>
-                                  <p:childTnLst>
-                                    <p:set>
-                                      <p:cBhvr>
-                                        <p:cTn id="142" dur="1" fill="hold">
-                                          <p:stCondLst>
-                                            <p:cond delay="0"/>
-                                          </p:stCondLst>
-                                        </p:cTn>
-                                        <p:tgtEl>
-                                          <p:spTgt spid="15"/>
-                                        </p:tgtEl>
-                                        <p:attrNameLst>
-                                          <p:attrName>style.visibility</p:attrName>
-                                        </p:attrNameLst>
-                                      </p:cBhvr>
-                                      <p:to>
-                                        <p:strVal val="hidden"/>
                                       </p:to>
                                     </p:set>
                                   </p:childTnLst>
@@ -25169,12 +25065,6 @@
           <a:bodyPr/>
           <a:lstStyle/>
           <a:p>
-            <a:endParaRPr lang="en-US" dirty="0"/>
-          </a:p>
-          <a:p>
-            <a:endParaRPr lang="en-US" dirty="0"/>
-          </a:p>
-          <a:p>
             <a:pPr marL="0" indent="0">
               <a:buNone/>
             </a:pPr>
@@ -25186,7 +25076,7 @@
             </a:pPr>
             <a:r>
               <a:rPr lang="en-US" dirty="0"/>
-              <a:t>				        </a:t>
+              <a:t>                	      		        </a:t>
             </a:r>
             <a:r>
               <a:rPr lang="en-US" sz="4800" dirty="0"/>
@@ -25199,7 +25089,7 @@
             </a:pPr>
             <a:r>
               <a:rPr lang="en-US" sz="4800" dirty="0"/>
-              <a:t>		     (Sharing &amp; Contingency)</a:t>
+              <a:t>		   (Sharing &amp; Contingency)</a:t>
             </a:r>
           </a:p>
         </p:txBody>

--- a/loca_virt_draft.pptx
+++ b/loca_virt_draft.pptx
@@ -985,7 +985,7 @@
           <a:bodyPr/>
           <a:lstStyle/>
           <a:p>
-            <a:endParaRPr lang="en-US"/>
+            <a:endParaRPr lang="en-US" dirty="0"/>
           </a:p>
         </p:txBody>
       </p:sp>
@@ -1153,27 +1153,7 @@
           <a:bodyPr/>
           <a:lstStyle/>
           <a:p>
-            <a:r>
-              <a:rPr lang="en-US" dirty="0"/>
-              <a:t>When you access an address when you access an address page-fault.</a:t>
-            </a:r>
-          </a:p>
-          <a:p>
             <a:endParaRPr lang="en-US" dirty="0"/>
-          </a:p>
-          <a:p>
-            <a:r>
-              <a:rPr lang="en-US" dirty="0"/>
-              <a:t>Different address-spaces </a:t>
-            </a:r>
-            <a:r>
-              <a:rPr lang="en-US" dirty="0" err="1"/>
-              <a:t>dont's</a:t>
-            </a:r>
-            <a:r>
-              <a:rPr lang="en-US" dirty="0"/>
-              <a:t> touch each others memory</a:t>
-            </a:r>
           </a:p>
         </p:txBody>
       </p:sp>
@@ -13185,7 +13165,7 @@
         <p:spPr>
           <a:xfrm>
             <a:off x="3425181" y="4125927"/>
-            <a:ext cx="309700" cy="369332"/>
+            <a:ext cx="303288" cy="369332"/>
           </a:xfrm>
           <a:prstGeom prst="rect">
             <a:avLst/>
@@ -13200,7 +13180,7 @@
           <a:p>
             <a:r>
               <a:rPr lang="en-US" dirty="0"/>
-              <a:t>R</a:t>
+              <a:t>P</a:t>
             </a:r>
           </a:p>
         </p:txBody>
@@ -13267,7 +13247,7 @@
         <p:spPr>
           <a:xfrm>
             <a:off x="10555656" y="4097770"/>
-            <a:ext cx="303288" cy="369332"/>
+            <a:ext cx="309700" cy="369332"/>
           </a:xfrm>
           <a:prstGeom prst="rect">
             <a:avLst/>
@@ -13282,7 +13262,7 @@
           <a:p>
             <a:r>
               <a:rPr lang="en-US" dirty="0"/>
-              <a:t>P</a:t>
+              <a:t>R</a:t>
             </a:r>
           </a:p>
         </p:txBody>

--- a/loca_virt_draft.pptx
+++ b/loca_virt_draft.pptx
@@ -4884,6 +4884,12 @@
               <a:t> &amp; Colin S. Gordon</a:t>
             </a:r>
           </a:p>
+          <a:p>
+            <a:r>
+              <a:rPr lang="en-US" dirty="0"/>
+              <a:t>Drexel University</a:t>
+            </a:r>
+          </a:p>
         </p:txBody>
       </p:sp>
     </p:spTree>
@@ -25519,8 +25525,8 @@
         </p:blipFill>
         <p:spPr>
           <a:xfrm>
-            <a:off x="838200" y="3385574"/>
-            <a:ext cx="5874755" cy="284630"/>
+            <a:off x="838200" y="3365404"/>
+            <a:ext cx="6291063" cy="304800"/>
           </a:xfrm>
           <a:prstGeom prst="rect">
             <a:avLst/>
@@ -25549,7 +25555,7 @@
         </p:blipFill>
         <p:spPr>
           <a:xfrm>
-            <a:off x="6582144" y="3365404"/>
+            <a:off x="7002263" y="3335971"/>
             <a:ext cx="254000" cy="304800"/>
           </a:xfrm>
           <a:prstGeom prst="rect">
@@ -25735,11 +25741,14 @@
         </p:nvSpPr>
         <p:spPr>
           <a:xfrm>
-            <a:off x="7388352" y="4736592"/>
-            <a:ext cx="3362513" cy="1365709"/>
+            <a:off x="7388352" y="4002730"/>
+            <a:ext cx="4085021" cy="2309170"/>
           </a:xfrm>
           <a:prstGeom prst="wedgeEllipseCallout">
-            <a:avLst/>
+            <a:avLst>
+              <a:gd name="adj1" fmla="val -53477"/>
+              <a:gd name="adj2" fmla="val 67490"/>
+            </a:avLst>
           </a:prstGeom>
           <a:noFill/>
         </p:spPr>
@@ -25782,8 +25791,8 @@
         </p:nvSpPr>
         <p:spPr>
           <a:xfrm>
-            <a:off x="7985636" y="5038344"/>
-            <a:ext cx="2374515" cy="646331"/>
+            <a:off x="7966114" y="4357471"/>
+            <a:ext cx="3073361" cy="1477328"/>
           </a:xfrm>
           <a:prstGeom prst="rect">
             <a:avLst/>
@@ -25798,7 +25807,7 @@
           <a:p>
             <a:r>
               <a:rPr lang="en-US" dirty="0"/>
-              <a:t>This definition under updated page-tables?</a:t>
+              <a:t>Soundness against updates to page tables e.g. moving page tables to create more continuous physical space for hardware IO buffers?</a:t>
             </a:r>
           </a:p>
         </p:txBody>
@@ -25851,6 +25860,36 @@
           </a:p>
         </p:txBody>
       </p:sp>
+      <p:pic>
+        <p:nvPicPr>
+          <p:cNvPr id="9" name="Picture 8">
+            <a:extLst>
+              <a:ext uri="{FF2B5EF4-FFF2-40B4-BE49-F238E27FC236}">
+                <a16:creationId xmlns:a16="http://schemas.microsoft.com/office/drawing/2014/main" id="{AE685497-8A8D-8F19-4EE1-CE050979BE5E}"/>
+              </a:ext>
+            </a:extLst>
+          </p:cNvPr>
+          <p:cNvPicPr>
+            <a:picLocks noChangeAspect="1"/>
+          </p:cNvPicPr>
+          <p:nvPr/>
+        </p:nvPicPr>
+        <p:blipFill>
+          <a:blip r:embed="rId7"/>
+          <a:stretch>
+            <a:fillRect/>
+          </a:stretch>
+        </p:blipFill>
+        <p:spPr>
+          <a:xfrm>
+            <a:off x="7288052" y="3347217"/>
+            <a:ext cx="1107745" cy="327288"/>
+          </a:xfrm>
+          <a:prstGeom prst="rect">
+            <a:avLst/>
+          </a:prstGeom>
+        </p:spPr>
+      </p:pic>
     </p:spTree>
     <p:extLst>
       <p:ext uri="{BB962C8B-B14F-4D97-AF65-F5344CB8AC3E}">
@@ -26069,6 +26108,33 @@
                                   </p:childTnLst>
                                 </p:cTn>
                               </p:par>
+                              <p:par>
+                                <p:cTn id="19" presetID="1" presetClass="entr" presetSubtype="0" fill="hold" nodeType="withEffect">
+                                  <p:stCondLst>
+                                    <p:cond delay="0"/>
+                                  </p:stCondLst>
+                                  <p:childTnLst>
+                                    <p:set>
+                                      <p:cBhvr>
+                                        <p:cTn id="20" dur="1" fill="hold">
+                                          <p:stCondLst>
+                                            <p:cond delay="0"/>
+                                          </p:stCondLst>
+                                        </p:cTn>
+                                        <p:tgtEl>
+                                          <p:spTgt spid="9"/>
+                                        </p:tgtEl>
+                                        <p:attrNameLst>
+                                          <p:attrName>style.visibility</p:attrName>
+                                        </p:attrNameLst>
+                                      </p:cBhvr>
+                                      <p:to>
+                                        <p:strVal val="visible"/>
+                                      </p:to>
+                                    </p:set>
+                                  </p:childTnLst>
+                                </p:cTn>
+                              </p:par>
                             </p:childTnLst>
                           </p:cTn>
                         </p:par>
@@ -26076,26 +26142,26 @@
                     </p:cTn>
                   </p:par>
                   <p:par>
-                    <p:cTn id="19" fill="hold">
+                    <p:cTn id="21" fill="hold">
                       <p:stCondLst>
                         <p:cond delay="indefinite"/>
                       </p:stCondLst>
                       <p:childTnLst>
                         <p:par>
-                          <p:cTn id="20" fill="hold">
+                          <p:cTn id="22" fill="hold">
                             <p:stCondLst>
                               <p:cond delay="0"/>
                             </p:stCondLst>
                             <p:childTnLst>
                               <p:par>
-                                <p:cTn id="21" presetID="1" presetClass="entr" presetSubtype="0" fill="hold" grpId="0" nodeType="clickEffect">
-                                  <p:stCondLst>
-                                    <p:cond delay="0"/>
-                                  </p:stCondLst>
-                                  <p:childTnLst>
-                                    <p:set>
-                                      <p:cBhvr>
-                                        <p:cTn id="22" dur="1" fill="hold">
+                                <p:cTn id="23" presetID="1" presetClass="entr" presetSubtype="0" fill="hold" grpId="0" nodeType="clickEffect">
+                                  <p:stCondLst>
+                                    <p:cond delay="0"/>
+                                  </p:stCondLst>
+                                  <p:childTnLst>
+                                    <p:set>
+                                      <p:cBhvr>
+                                        <p:cTn id="24" dur="1" fill="hold">
                                           <p:stCondLst>
                                             <p:cond delay="0"/>
                                           </p:stCondLst>
@@ -26115,14 +26181,14 @@
                                 </p:cTn>
                               </p:par>
                               <p:par>
-                                <p:cTn id="23" presetID="1" presetClass="entr" presetSubtype="0" fill="hold" grpId="0" nodeType="withEffect">
-                                  <p:stCondLst>
-                                    <p:cond delay="0"/>
-                                  </p:stCondLst>
-                                  <p:childTnLst>
-                                    <p:set>
-                                      <p:cBhvr>
-                                        <p:cTn id="24" dur="1" fill="hold">
+                                <p:cTn id="25" presetID="1" presetClass="entr" presetSubtype="0" fill="hold" grpId="0" nodeType="withEffect">
+                                  <p:stCondLst>
+                                    <p:cond delay="0"/>
+                                  </p:stCondLst>
+                                  <p:childTnLst>
+                                    <p:set>
+                                      <p:cBhvr>
+                                        <p:cTn id="26" dur="1" fill="hold">
                                           <p:stCondLst>
                                             <p:cond delay="0"/>
                                           </p:stCondLst>
@@ -26148,26 +26214,26 @@
                     </p:cTn>
                   </p:par>
                   <p:par>
-                    <p:cTn id="25" fill="hold">
+                    <p:cTn id="27" fill="hold">
                       <p:stCondLst>
                         <p:cond delay="indefinite"/>
                       </p:stCondLst>
                       <p:childTnLst>
                         <p:par>
-                          <p:cTn id="26" fill="hold">
+                          <p:cTn id="28" fill="hold">
                             <p:stCondLst>
                               <p:cond delay="0"/>
                             </p:stCondLst>
                             <p:childTnLst>
                               <p:par>
-                                <p:cTn id="27" presetID="1" presetClass="entr" presetSubtype="0" fill="hold" grpId="0" nodeType="clickEffect">
-                                  <p:stCondLst>
-                                    <p:cond delay="0"/>
-                                  </p:stCondLst>
-                                  <p:childTnLst>
-                                    <p:set>
-                                      <p:cBhvr>
-                                        <p:cTn id="28" dur="1" fill="hold">
+                                <p:cTn id="29" presetID="1" presetClass="entr" presetSubtype="0" fill="hold" grpId="0" nodeType="clickEffect">
+                                  <p:stCondLst>
+                                    <p:cond delay="0"/>
+                                  </p:stCondLst>
+                                  <p:childTnLst>
+                                    <p:set>
+                                      <p:cBhvr>
+                                        <p:cTn id="30" dur="1" fill="hold">
                                           <p:stCondLst>
                                             <p:cond delay="0"/>
                                           </p:stCondLst>
@@ -26187,14 +26253,14 @@
                                 </p:cTn>
                               </p:par>
                               <p:par>
-                                <p:cTn id="29" presetID="1" presetClass="entr" presetSubtype="0" fill="hold" grpId="0" nodeType="withEffect">
-                                  <p:stCondLst>
-                                    <p:cond delay="0"/>
-                                  </p:stCondLst>
-                                  <p:childTnLst>
-                                    <p:set>
-                                      <p:cBhvr>
-                                        <p:cTn id="30" dur="1" fill="hold">
+                                <p:cTn id="31" presetID="1" presetClass="entr" presetSubtype="0" fill="hold" grpId="0" nodeType="withEffect">
+                                  <p:stCondLst>
+                                    <p:cond delay="0"/>
+                                  </p:stCondLst>
+                                  <p:childTnLst>
+                                    <p:set>
+                                      <p:cBhvr>
+                                        <p:cTn id="32" dur="1" fill="hold">
                                           <p:stCondLst>
                                             <p:cond delay="0"/>
                                           </p:stCondLst>
@@ -26220,26 +26286,26 @@
                     </p:cTn>
                   </p:par>
                   <p:par>
-                    <p:cTn id="31" fill="hold">
+                    <p:cTn id="33" fill="hold">
                       <p:stCondLst>
                         <p:cond delay="indefinite"/>
                       </p:stCondLst>
                       <p:childTnLst>
                         <p:par>
-                          <p:cTn id="32" fill="hold">
+                          <p:cTn id="34" fill="hold">
                             <p:stCondLst>
                               <p:cond delay="0"/>
                             </p:stCondLst>
                             <p:childTnLst>
                               <p:par>
-                                <p:cTn id="33" presetID="1" presetClass="entr" presetSubtype="0" fill="hold" grpId="0" nodeType="clickEffect">
-                                  <p:stCondLst>
-                                    <p:cond delay="0"/>
-                                  </p:stCondLst>
-                                  <p:childTnLst>
-                                    <p:set>
-                                      <p:cBhvr>
-                                        <p:cTn id="34" dur="1" fill="hold">
+                                <p:cTn id="35" presetID="1" presetClass="entr" presetSubtype="0" fill="hold" grpId="0" nodeType="clickEffect">
+                                  <p:stCondLst>
+                                    <p:cond delay="0"/>
+                                  </p:stCondLst>
+                                  <p:childTnLst>
+                                    <p:set>
+                                      <p:cBhvr>
+                                        <p:cTn id="36" dur="1" fill="hold">
                                           <p:stCondLst>
                                             <p:cond delay="0"/>
                                           </p:stCondLst>
@@ -26259,14 +26325,14 @@
                                 </p:cTn>
                               </p:par>
                               <p:par>
-                                <p:cTn id="35" presetID="1" presetClass="entr" presetSubtype="0" fill="hold" grpId="0" nodeType="withEffect">
-                                  <p:stCondLst>
-                                    <p:cond delay="0"/>
-                                  </p:stCondLst>
-                                  <p:childTnLst>
-                                    <p:set>
-                                      <p:cBhvr>
-                                        <p:cTn id="36" dur="1" fill="hold">
+                                <p:cTn id="37" presetID="1" presetClass="entr" presetSubtype="0" fill="hold" grpId="0" nodeType="withEffect">
+                                  <p:stCondLst>
+                                    <p:cond delay="0"/>
+                                  </p:stCondLst>
+                                  <p:childTnLst>
+                                    <p:set>
+                                      <p:cBhvr>
+                                        <p:cTn id="38" dur="1" fill="hold">
                                           <p:stCondLst>
                                             <p:cond delay="0"/>
                                           </p:stCondLst>
